--- a/OpenID Connect & OAuth.pptx
+++ b/OpenID Connect & OAuth.pptx
@@ -5,7 +5,7 @@
     <p:sldMasterId id="2147483648" r:id="rId1"/>
   </p:sldMasterIdLst>
   <p:notesMasterIdLst>
-    <p:notesMasterId r:id="rId49"/>
+    <p:notesMasterId r:id="rId50"/>
   </p:notesMasterIdLst>
   <p:sldIdLst>
     <p:sldId id="256" r:id="rId2"/>
@@ -55,6 +55,7 @@
     <p:sldId id="308" r:id="rId46"/>
     <p:sldId id="309" r:id="rId47"/>
     <p:sldId id="262" r:id="rId48"/>
+    <p:sldId id="321" r:id="rId49"/>
   </p:sldIdLst>
   <p:sldSz cx="12192000" cy="6858000"/>
   <p:notesSz cx="6858000" cy="9144000"/>
@@ -10697,7 +10698,7 @@
           <a:p>
             <a:fld id="{FF084CBC-36E0-4CC0-918D-767D7E309F2F}" type="datetimeFigureOut">
               <a:rPr lang="en-US" smtClean="0"/>
-              <a:t>6/17/2019</a:t>
+              <a:t>6/23/2019</a:t>
             </a:fld>
             <a:endParaRPr lang="en-US"/>
           </a:p>
@@ -11447,7 +11448,7 @@
           <a:p>
             <a:fld id="{8272ECE3-2878-47BE-B879-BFDD2207B1DF}" type="datetimeFigureOut">
               <a:rPr lang="en-US" smtClean="0"/>
-              <a:t>6/17/2019</a:t>
+              <a:t>6/23/2019</a:t>
             </a:fld>
             <a:endParaRPr lang="en-US"/>
           </a:p>
@@ -11645,7 +11646,7 @@
           <a:p>
             <a:fld id="{8272ECE3-2878-47BE-B879-BFDD2207B1DF}" type="datetimeFigureOut">
               <a:rPr lang="en-US" smtClean="0"/>
-              <a:t>6/17/2019</a:t>
+              <a:t>6/23/2019</a:t>
             </a:fld>
             <a:endParaRPr lang="en-US"/>
           </a:p>
@@ -11853,7 +11854,7 @@
           <a:p>
             <a:fld id="{8272ECE3-2878-47BE-B879-BFDD2207B1DF}" type="datetimeFigureOut">
               <a:rPr lang="en-US" smtClean="0"/>
-              <a:t>6/17/2019</a:t>
+              <a:t>6/23/2019</a:t>
             </a:fld>
             <a:endParaRPr lang="en-US"/>
           </a:p>
@@ -12051,7 +12052,7 @@
           <a:p>
             <a:fld id="{8272ECE3-2878-47BE-B879-BFDD2207B1DF}" type="datetimeFigureOut">
               <a:rPr lang="en-US" smtClean="0"/>
-              <a:t>6/17/2019</a:t>
+              <a:t>6/23/2019</a:t>
             </a:fld>
             <a:endParaRPr lang="en-US"/>
           </a:p>
@@ -12326,7 +12327,7 @@
           <a:p>
             <a:fld id="{8272ECE3-2878-47BE-B879-BFDD2207B1DF}" type="datetimeFigureOut">
               <a:rPr lang="en-US" smtClean="0"/>
-              <a:t>6/17/2019</a:t>
+              <a:t>6/23/2019</a:t>
             </a:fld>
             <a:endParaRPr lang="en-US"/>
           </a:p>
@@ -12591,7 +12592,7 @@
           <a:p>
             <a:fld id="{8272ECE3-2878-47BE-B879-BFDD2207B1DF}" type="datetimeFigureOut">
               <a:rPr lang="en-US" smtClean="0"/>
-              <a:t>6/17/2019</a:t>
+              <a:t>6/23/2019</a:t>
             </a:fld>
             <a:endParaRPr lang="en-US"/>
           </a:p>
@@ -13003,7 +13004,7 @@
           <a:p>
             <a:fld id="{8272ECE3-2878-47BE-B879-BFDD2207B1DF}" type="datetimeFigureOut">
               <a:rPr lang="en-US" smtClean="0"/>
-              <a:t>6/17/2019</a:t>
+              <a:t>6/23/2019</a:t>
             </a:fld>
             <a:endParaRPr lang="en-US"/>
           </a:p>
@@ -13144,7 +13145,7 @@
           <a:p>
             <a:fld id="{8272ECE3-2878-47BE-B879-BFDD2207B1DF}" type="datetimeFigureOut">
               <a:rPr lang="en-US" smtClean="0"/>
-              <a:t>6/17/2019</a:t>
+              <a:t>6/23/2019</a:t>
             </a:fld>
             <a:endParaRPr lang="en-US"/>
           </a:p>
@@ -13257,7 +13258,7 @@
           <a:p>
             <a:fld id="{8272ECE3-2878-47BE-B879-BFDD2207B1DF}" type="datetimeFigureOut">
               <a:rPr lang="en-US" smtClean="0"/>
-              <a:t>6/17/2019</a:t>
+              <a:t>6/23/2019</a:t>
             </a:fld>
             <a:endParaRPr lang="en-US"/>
           </a:p>
@@ -13568,7 +13569,7 @@
           <a:p>
             <a:fld id="{8272ECE3-2878-47BE-B879-BFDD2207B1DF}" type="datetimeFigureOut">
               <a:rPr lang="en-US" smtClean="0"/>
-              <a:t>6/17/2019</a:t>
+              <a:t>6/23/2019</a:t>
             </a:fld>
             <a:endParaRPr lang="en-US"/>
           </a:p>
@@ -13856,7 +13857,7 @@
           <a:p>
             <a:fld id="{8272ECE3-2878-47BE-B879-BFDD2207B1DF}" type="datetimeFigureOut">
               <a:rPr lang="en-US" smtClean="0"/>
-              <a:t>6/17/2019</a:t>
+              <a:t>6/23/2019</a:t>
             </a:fld>
             <a:endParaRPr lang="en-US"/>
           </a:p>
@@ -14097,7 +14098,7 @@
           <a:p>
             <a:fld id="{8272ECE3-2878-47BE-B879-BFDD2207B1DF}" type="datetimeFigureOut">
               <a:rPr lang="en-US" smtClean="0"/>
-              <a:t>6/17/2019</a:t>
+              <a:t>6/23/2019</a:t>
             </a:fld>
             <a:endParaRPr lang="en-US"/>
           </a:p>
@@ -44038,6 +44039,151 @@
 </p:sld>
 </file>
 
+<file path=ppt/slides/slide48.xml><?xml version="1.0" encoding="utf-8"?>
+<p:sld xmlns:a="http://schemas.openxmlformats.org/drawingml/2006/main" xmlns:r="http://schemas.openxmlformats.org/officeDocument/2006/relationships" xmlns:p="http://schemas.openxmlformats.org/presentationml/2006/main">
+  <p:cSld>
+    <p:spTree>
+      <p:nvGrpSpPr>
+        <p:cNvPr id="1" name=""/>
+        <p:cNvGrpSpPr/>
+        <p:nvPr/>
+      </p:nvGrpSpPr>
+      <p:grpSpPr>
+        <a:xfrm>
+          <a:off x="0" y="0"/>
+          <a:ext cx="0" cy="0"/>
+          <a:chOff x="0" y="0"/>
+          <a:chExt cx="0" cy="0"/>
+        </a:xfrm>
+      </p:grpSpPr>
+      <p:sp>
+        <p:nvSpPr>
+          <p:cNvPr id="2" name="Title 1">
+            <a:extLst>
+              <a:ext uri="{FF2B5EF4-FFF2-40B4-BE49-F238E27FC236}">
+                <a16:creationId xmlns:a16="http://schemas.microsoft.com/office/drawing/2014/main" id="{04A30FA5-BC0C-476B-88DD-73B4FBB9406C}"/>
+              </a:ext>
+            </a:extLst>
+          </p:cNvPr>
+          <p:cNvSpPr>
+            <a:spLocks noGrp="1"/>
+          </p:cNvSpPr>
+          <p:nvPr>
+            <p:ph type="ctrTitle"/>
+          </p:nvPr>
+        </p:nvSpPr>
+        <p:spPr/>
+        <p:txBody>
+          <a:bodyPr/>
+          <a:lstStyle/>
+          <a:p>
+            <a:r>
+              <a:rPr lang="de-AT" dirty="0"/>
+              <a:t>Beispiele</a:t>
+            </a:r>
+            <a:endParaRPr lang="en-US" dirty="0"/>
+          </a:p>
+        </p:txBody>
+      </p:sp>
+      <p:sp>
+        <p:nvSpPr>
+          <p:cNvPr id="3" name="Content Placeholder 2">
+            <a:extLst>
+              <a:ext uri="{FF2B5EF4-FFF2-40B4-BE49-F238E27FC236}">
+                <a16:creationId xmlns:a16="http://schemas.microsoft.com/office/drawing/2014/main" id="{2B106E46-C4D6-49F9-9B77-5E5E6EFEC57E}"/>
+              </a:ext>
+            </a:extLst>
+          </p:cNvPr>
+          <p:cNvSpPr>
+            <a:spLocks noGrp="1"/>
+          </p:cNvSpPr>
+          <p:nvPr>
+            <p:ph type="subTitle" idx="1"/>
+          </p:nvPr>
+        </p:nvSpPr>
+        <p:spPr>
+          <a:xfrm>
+            <a:off x="1524000" y="3602038"/>
+            <a:ext cx="9144000" cy="424732"/>
+          </a:xfrm>
+        </p:spPr>
+        <p:txBody>
+          <a:bodyPr>
+            <a:spAutoFit/>
+          </a:bodyPr>
+          <a:lstStyle/>
+          <a:p>
+            <a:r>
+              <a:rPr lang="en-US" dirty="0">
+                <a:hlinkClick r:id="rId2"/>
+              </a:rPr>
+              <a:t>github.com/danielwagn3r/</a:t>
+            </a:r>
+            <a:r>
+              <a:rPr lang="en-US" dirty="0" err="1">
+                <a:hlinkClick r:id="rId2"/>
+              </a:rPr>
+              <a:t>openid</a:t>
+            </a:r>
+            <a:r>
+              <a:rPr lang="en-US">
+                <a:hlinkClick r:id="rId2"/>
+              </a:rPr>
+              <a:t>-workshop</a:t>
+            </a:r>
+            <a:endParaRPr lang="en-US" dirty="0"/>
+          </a:p>
+        </p:txBody>
+      </p:sp>
+      <p:pic>
+        <p:nvPicPr>
+          <p:cNvPr id="8" name="Picture 7">
+            <a:extLst>
+              <a:ext uri="{FF2B5EF4-FFF2-40B4-BE49-F238E27FC236}">
+                <a16:creationId xmlns:a16="http://schemas.microsoft.com/office/drawing/2014/main" id="{A6966702-4737-41A1-A211-D462668C4834}"/>
+              </a:ext>
+            </a:extLst>
+          </p:cNvPr>
+          <p:cNvPicPr>
+            <a:picLocks noChangeAspect="1"/>
+          </p:cNvPicPr>
+          <p:nvPr/>
+        </p:nvPicPr>
+        <p:blipFill>
+          <a:blip r:embed="rId3">
+            <a:extLst>
+              <a:ext uri="{28A0092B-C50C-407E-A947-70E740481C1C}">
+                <a14:useLocalDpi xmlns:a14="http://schemas.microsoft.com/office/drawing/2010/main" val="0"/>
+              </a:ext>
+            </a:extLst>
+          </a:blip>
+          <a:stretch>
+            <a:fillRect/>
+          </a:stretch>
+        </p:blipFill>
+        <p:spPr>
+          <a:xfrm>
+            <a:off x="2497810" y="3509604"/>
+            <a:ext cx="609600" cy="609600"/>
+          </a:xfrm>
+          <a:prstGeom prst="rect">
+            <a:avLst/>
+          </a:prstGeom>
+        </p:spPr>
+      </p:pic>
+    </p:spTree>
+    <p:extLst>
+      <p:ext uri="{BB962C8B-B14F-4D97-AF65-F5344CB8AC3E}">
+        <p14:creationId xmlns:p14="http://schemas.microsoft.com/office/powerpoint/2010/main" val="3731164994"/>
+      </p:ext>
+    </p:extLst>
+  </p:cSld>
+  <p:clrMapOvr>
+    <a:masterClrMapping/>
+  </p:clrMapOvr>
+</p:sld>
+</file>
+
 <file path=ppt/slides/slide5.xml><?xml version="1.0" encoding="utf-8"?>
 <p:sld xmlns:a="http://schemas.openxmlformats.org/drawingml/2006/main" xmlns:r="http://schemas.openxmlformats.org/officeDocument/2006/relationships" xmlns:p="http://schemas.openxmlformats.org/presentationml/2006/main">
   <p:cSld>

--- a/OpenID Connect & OAuth.pptx
+++ b/OpenID Connect & OAuth.pptx
@@ -5,57 +5,59 @@
     <p:sldMasterId id="2147483648" r:id="rId1"/>
   </p:sldMasterIdLst>
   <p:notesMasterIdLst>
-    <p:notesMasterId r:id="rId50"/>
+    <p:notesMasterId r:id="rId52"/>
   </p:notesMasterIdLst>
   <p:sldIdLst>
     <p:sldId id="256" r:id="rId2"/>
-    <p:sldId id="310" r:id="rId3"/>
-    <p:sldId id="286" r:id="rId4"/>
-    <p:sldId id="284" r:id="rId5"/>
-    <p:sldId id="290" r:id="rId6"/>
-    <p:sldId id="289" r:id="rId7"/>
-    <p:sldId id="295" r:id="rId8"/>
-    <p:sldId id="291" r:id="rId9"/>
-    <p:sldId id="292" r:id="rId10"/>
-    <p:sldId id="314" r:id="rId11"/>
-    <p:sldId id="294" r:id="rId12"/>
-    <p:sldId id="263" r:id="rId13"/>
-    <p:sldId id="264" r:id="rId14"/>
-    <p:sldId id="266" r:id="rId15"/>
-    <p:sldId id="265" r:id="rId16"/>
-    <p:sldId id="316" r:id="rId17"/>
-    <p:sldId id="269" r:id="rId18"/>
-    <p:sldId id="270" r:id="rId19"/>
-    <p:sldId id="267" r:id="rId20"/>
-    <p:sldId id="271" r:id="rId21"/>
-    <p:sldId id="268" r:id="rId22"/>
-    <p:sldId id="296" r:id="rId23"/>
-    <p:sldId id="298" r:id="rId24"/>
-    <p:sldId id="272" r:id="rId25"/>
-    <p:sldId id="301" r:id="rId26"/>
-    <p:sldId id="315" r:id="rId27"/>
-    <p:sldId id="317" r:id="rId28"/>
-    <p:sldId id="259" r:id="rId29"/>
-    <p:sldId id="261" r:id="rId30"/>
-    <p:sldId id="307" r:id="rId31"/>
-    <p:sldId id="278" r:id="rId32"/>
-    <p:sldId id="305" r:id="rId33"/>
-    <p:sldId id="279" r:id="rId34"/>
-    <p:sldId id="303" r:id="rId35"/>
-    <p:sldId id="285" r:id="rId36"/>
-    <p:sldId id="304" r:id="rId37"/>
-    <p:sldId id="300" r:id="rId38"/>
-    <p:sldId id="306" r:id="rId39"/>
-    <p:sldId id="318" r:id="rId40"/>
-    <p:sldId id="319" r:id="rId41"/>
-    <p:sldId id="282" r:id="rId42"/>
-    <p:sldId id="320" r:id="rId43"/>
-    <p:sldId id="297" r:id="rId44"/>
-    <p:sldId id="312" r:id="rId45"/>
-    <p:sldId id="308" r:id="rId46"/>
-    <p:sldId id="309" r:id="rId47"/>
-    <p:sldId id="262" r:id="rId48"/>
-    <p:sldId id="321" r:id="rId49"/>
+    <p:sldId id="324" r:id="rId3"/>
+    <p:sldId id="310" r:id="rId4"/>
+    <p:sldId id="286" r:id="rId5"/>
+    <p:sldId id="284" r:id="rId6"/>
+    <p:sldId id="290" r:id="rId7"/>
+    <p:sldId id="289" r:id="rId8"/>
+    <p:sldId id="295" r:id="rId9"/>
+    <p:sldId id="291" r:id="rId10"/>
+    <p:sldId id="292" r:id="rId11"/>
+    <p:sldId id="314" r:id="rId12"/>
+    <p:sldId id="294" r:id="rId13"/>
+    <p:sldId id="263" r:id="rId14"/>
+    <p:sldId id="264" r:id="rId15"/>
+    <p:sldId id="266" r:id="rId16"/>
+    <p:sldId id="265" r:id="rId17"/>
+    <p:sldId id="316" r:id="rId18"/>
+    <p:sldId id="269" r:id="rId19"/>
+    <p:sldId id="270" r:id="rId20"/>
+    <p:sldId id="267" r:id="rId21"/>
+    <p:sldId id="271" r:id="rId22"/>
+    <p:sldId id="268" r:id="rId23"/>
+    <p:sldId id="296" r:id="rId24"/>
+    <p:sldId id="298" r:id="rId25"/>
+    <p:sldId id="272" r:id="rId26"/>
+    <p:sldId id="323" r:id="rId27"/>
+    <p:sldId id="301" r:id="rId28"/>
+    <p:sldId id="315" r:id="rId29"/>
+    <p:sldId id="317" r:id="rId30"/>
+    <p:sldId id="259" r:id="rId31"/>
+    <p:sldId id="261" r:id="rId32"/>
+    <p:sldId id="307" r:id="rId33"/>
+    <p:sldId id="278" r:id="rId34"/>
+    <p:sldId id="305" r:id="rId35"/>
+    <p:sldId id="279" r:id="rId36"/>
+    <p:sldId id="303" r:id="rId37"/>
+    <p:sldId id="285" r:id="rId38"/>
+    <p:sldId id="304" r:id="rId39"/>
+    <p:sldId id="300" r:id="rId40"/>
+    <p:sldId id="306" r:id="rId41"/>
+    <p:sldId id="318" r:id="rId42"/>
+    <p:sldId id="319" r:id="rId43"/>
+    <p:sldId id="282" r:id="rId44"/>
+    <p:sldId id="320" r:id="rId45"/>
+    <p:sldId id="297" r:id="rId46"/>
+    <p:sldId id="312" r:id="rId47"/>
+    <p:sldId id="308" r:id="rId48"/>
+    <p:sldId id="309" r:id="rId49"/>
+    <p:sldId id="262" r:id="rId50"/>
+    <p:sldId id="321" r:id="rId51"/>
   </p:sldIdLst>
   <p:sldSz cx="12192000" cy="6858000"/>
   <p:notesSz cx="6858000" cy="9144000"/>
@@ -10698,7 +10700,7 @@
           <a:p>
             <a:fld id="{FF084CBC-36E0-4CC0-918D-767D7E309F2F}" type="datetimeFigureOut">
               <a:rPr lang="en-US" smtClean="0"/>
-              <a:t>6/23/2019</a:t>
+              <a:t>12/10/2019</a:t>
             </a:fld>
             <a:endParaRPr lang="en-US"/>
           </a:p>
@@ -11030,7 +11032,7 @@
           <a:p>
             <a:fld id="{CFBC01FF-781E-4D25-A720-185C2D90034C}" type="slidenum">
               <a:rPr lang="en-US" smtClean="0"/>
-              <a:t>5</a:t>
+              <a:t>6</a:t>
             </a:fld>
             <a:endParaRPr lang="en-US"/>
           </a:p>
@@ -11114,7 +11116,7 @@
           <a:p>
             <a:fld id="{CFBC01FF-781E-4D25-A720-185C2D90034C}" type="slidenum">
               <a:rPr lang="en-US" smtClean="0"/>
-              <a:t>7</a:t>
+              <a:t>8</a:t>
             </a:fld>
             <a:endParaRPr lang="en-US"/>
           </a:p>
@@ -11198,7 +11200,7 @@
           <a:p>
             <a:fld id="{CFBC01FF-781E-4D25-A720-185C2D90034C}" type="slidenum">
               <a:rPr lang="en-US" smtClean="0"/>
-              <a:t>27</a:t>
+              <a:t>29</a:t>
             </a:fld>
             <a:endParaRPr lang="en-US"/>
           </a:p>
@@ -11282,7 +11284,7 @@
           <a:p>
             <a:fld id="{CFBC01FF-781E-4D25-A720-185C2D90034C}" type="slidenum">
               <a:rPr lang="en-US" smtClean="0"/>
-              <a:t>45</a:t>
+              <a:t>47</a:t>
             </a:fld>
             <a:endParaRPr lang="en-US"/>
           </a:p>
@@ -11448,7 +11450,7 @@
           <a:p>
             <a:fld id="{8272ECE3-2878-47BE-B879-BFDD2207B1DF}" type="datetimeFigureOut">
               <a:rPr lang="en-US" smtClean="0"/>
-              <a:t>6/23/2019</a:t>
+              <a:t>12/10/2019</a:t>
             </a:fld>
             <a:endParaRPr lang="en-US"/>
           </a:p>
@@ -11646,7 +11648,7 @@
           <a:p>
             <a:fld id="{8272ECE3-2878-47BE-B879-BFDD2207B1DF}" type="datetimeFigureOut">
               <a:rPr lang="en-US" smtClean="0"/>
-              <a:t>6/23/2019</a:t>
+              <a:t>12/10/2019</a:t>
             </a:fld>
             <a:endParaRPr lang="en-US"/>
           </a:p>
@@ -11854,7 +11856,7 @@
           <a:p>
             <a:fld id="{8272ECE3-2878-47BE-B879-BFDD2207B1DF}" type="datetimeFigureOut">
               <a:rPr lang="en-US" smtClean="0"/>
-              <a:t>6/23/2019</a:t>
+              <a:t>12/10/2019</a:t>
             </a:fld>
             <a:endParaRPr lang="en-US"/>
           </a:p>
@@ -12052,7 +12054,7 @@
           <a:p>
             <a:fld id="{8272ECE3-2878-47BE-B879-BFDD2207B1DF}" type="datetimeFigureOut">
               <a:rPr lang="en-US" smtClean="0"/>
-              <a:t>6/23/2019</a:t>
+              <a:t>12/10/2019</a:t>
             </a:fld>
             <a:endParaRPr lang="en-US"/>
           </a:p>
@@ -12327,7 +12329,7 @@
           <a:p>
             <a:fld id="{8272ECE3-2878-47BE-B879-BFDD2207B1DF}" type="datetimeFigureOut">
               <a:rPr lang="en-US" smtClean="0"/>
-              <a:t>6/23/2019</a:t>
+              <a:t>12/10/2019</a:t>
             </a:fld>
             <a:endParaRPr lang="en-US"/>
           </a:p>
@@ -12592,7 +12594,7 @@
           <a:p>
             <a:fld id="{8272ECE3-2878-47BE-B879-BFDD2207B1DF}" type="datetimeFigureOut">
               <a:rPr lang="en-US" smtClean="0"/>
-              <a:t>6/23/2019</a:t>
+              <a:t>12/10/2019</a:t>
             </a:fld>
             <a:endParaRPr lang="en-US"/>
           </a:p>
@@ -13004,7 +13006,7 @@
           <a:p>
             <a:fld id="{8272ECE3-2878-47BE-B879-BFDD2207B1DF}" type="datetimeFigureOut">
               <a:rPr lang="en-US" smtClean="0"/>
-              <a:t>6/23/2019</a:t>
+              <a:t>12/10/2019</a:t>
             </a:fld>
             <a:endParaRPr lang="en-US"/>
           </a:p>
@@ -13145,7 +13147,7 @@
           <a:p>
             <a:fld id="{8272ECE3-2878-47BE-B879-BFDD2207B1DF}" type="datetimeFigureOut">
               <a:rPr lang="en-US" smtClean="0"/>
-              <a:t>6/23/2019</a:t>
+              <a:t>12/10/2019</a:t>
             </a:fld>
             <a:endParaRPr lang="en-US"/>
           </a:p>
@@ -13258,7 +13260,7 @@
           <a:p>
             <a:fld id="{8272ECE3-2878-47BE-B879-BFDD2207B1DF}" type="datetimeFigureOut">
               <a:rPr lang="en-US" smtClean="0"/>
-              <a:t>6/23/2019</a:t>
+              <a:t>12/10/2019</a:t>
             </a:fld>
             <a:endParaRPr lang="en-US"/>
           </a:p>
@@ -13569,7 +13571,7 @@
           <a:p>
             <a:fld id="{8272ECE3-2878-47BE-B879-BFDD2207B1DF}" type="datetimeFigureOut">
               <a:rPr lang="en-US" smtClean="0"/>
-              <a:t>6/23/2019</a:t>
+              <a:t>12/10/2019</a:t>
             </a:fld>
             <a:endParaRPr lang="en-US"/>
           </a:p>
@@ -13857,7 +13859,7 @@
           <a:p>
             <a:fld id="{8272ECE3-2878-47BE-B879-BFDD2207B1DF}" type="datetimeFigureOut">
               <a:rPr lang="en-US" smtClean="0"/>
-              <a:t>6/23/2019</a:t>
+              <a:t>12/10/2019</a:t>
             </a:fld>
             <a:endParaRPr lang="en-US"/>
           </a:p>
@@ -14098,7 +14100,7 @@
           <a:p>
             <a:fld id="{8272ECE3-2878-47BE-B879-BFDD2207B1DF}" type="datetimeFigureOut">
               <a:rPr lang="en-US" smtClean="0"/>
-              <a:t>6/23/2019</a:t>
+              <a:t>12/10/2019</a:t>
             </a:fld>
             <a:endParaRPr lang="en-US"/>
           </a:p>
@@ -14611,6 +14613,114 @@
       </p:grpSpPr>
       <p:sp>
         <p:nvSpPr>
+          <p:cNvPr id="3" name="Content Placeholder 2">
+            <a:extLst>
+              <a:ext uri="{FF2B5EF4-FFF2-40B4-BE49-F238E27FC236}">
+                <a16:creationId xmlns:a16="http://schemas.microsoft.com/office/drawing/2014/main" id="{1E231800-B32D-44E8-95F7-DF3591E42B06}"/>
+              </a:ext>
+            </a:extLst>
+          </p:cNvPr>
+          <p:cNvSpPr>
+            <a:spLocks noGrp="1"/>
+          </p:cNvSpPr>
+          <p:nvPr>
+            <p:ph idx="1"/>
+          </p:nvPr>
+        </p:nvSpPr>
+        <p:spPr>
+          <a:xfrm>
+            <a:off x="838200" y="605118"/>
+            <a:ext cx="10515600" cy="5571845"/>
+          </a:xfrm>
+        </p:spPr>
+        <p:txBody>
+          <a:bodyPr anchor="ctr">
+            <a:normAutofit/>
+          </a:bodyPr>
+          <a:lstStyle/>
+          <a:p>
+            <a:pPr marL="0" indent="0" algn="ctr">
+              <a:buNone/>
+            </a:pPr>
+            <a:r>
+              <a:rPr lang="de-AT" sz="4800" dirty="0" err="1"/>
+              <a:t>OAuth</a:t>
+            </a:r>
+            <a:r>
+              <a:rPr lang="de-AT" sz="4800" dirty="0"/>
+              <a:t> </a:t>
+            </a:r>
+            <a:r>
+              <a:rPr lang="de-AT" sz="4800" dirty="0" err="1"/>
+              <a:t>is</a:t>
+            </a:r>
+            <a:r>
+              <a:rPr lang="de-AT" sz="4800" dirty="0"/>
+              <a:t> </a:t>
+            </a:r>
+            <a:r>
+              <a:rPr lang="de-AT" sz="4800" dirty="0" err="1"/>
+              <a:t>more</a:t>
+            </a:r>
+            <a:r>
+              <a:rPr lang="de-AT" sz="4800" dirty="0"/>
+              <a:t> </a:t>
+            </a:r>
+            <a:r>
+              <a:rPr lang="de-AT" sz="4800" dirty="0" err="1"/>
+              <a:t>framework</a:t>
+            </a:r>
+            <a:br>
+              <a:rPr lang="de-AT" sz="4800" dirty="0"/>
+            </a:br>
+            <a:r>
+              <a:rPr lang="de-AT" sz="4800" dirty="0" err="1"/>
+              <a:t>than</a:t>
+            </a:r>
+            <a:r>
+              <a:rPr lang="de-AT" sz="4800" dirty="0"/>
+              <a:t> </a:t>
+            </a:r>
+            <a:r>
+              <a:rPr lang="de-AT" sz="4800" dirty="0" err="1"/>
+              <a:t>protocol</a:t>
+            </a:r>
+            <a:endParaRPr lang="en-US" sz="4800" dirty="0"/>
+          </a:p>
+        </p:txBody>
+      </p:sp>
+    </p:spTree>
+    <p:extLst>
+      <p:ext uri="{BB962C8B-B14F-4D97-AF65-F5344CB8AC3E}">
+        <p14:creationId xmlns:p14="http://schemas.microsoft.com/office/powerpoint/2010/main" val="124418694"/>
+      </p:ext>
+    </p:extLst>
+  </p:cSld>
+  <p:clrMapOvr>
+    <a:masterClrMapping/>
+  </p:clrMapOvr>
+</p:sld>
+</file>
+
+<file path=ppt/slides/slide11.xml><?xml version="1.0" encoding="utf-8"?>
+<p:sld xmlns:a="http://schemas.openxmlformats.org/drawingml/2006/main" xmlns:r="http://schemas.openxmlformats.org/officeDocument/2006/relationships" xmlns:p="http://schemas.openxmlformats.org/presentationml/2006/main">
+  <p:cSld>
+    <p:spTree>
+      <p:nvGrpSpPr>
+        <p:cNvPr id="1" name=""/>
+        <p:cNvGrpSpPr/>
+        <p:nvPr/>
+      </p:nvGrpSpPr>
+      <p:grpSpPr>
+        <a:xfrm>
+          <a:off x="0" y="0"/>
+          <a:ext cx="0" cy="0"/>
+          <a:chOff x="0" y="0"/>
+          <a:chExt cx="0" cy="0"/>
+        </a:xfrm>
+      </p:grpSpPr>
+      <p:sp>
+        <p:nvSpPr>
           <p:cNvPr id="2" name="Title 1">
             <a:extLst>
               <a:ext uri="{FF2B5EF4-FFF2-40B4-BE49-F238E27FC236}">
@@ -14730,7 +14840,7 @@
 </p:sld>
 </file>
 
-<file path=ppt/slides/slide11.xml><?xml version="1.0" encoding="utf-8"?>
+<file path=ppt/slides/slide12.xml><?xml version="1.0" encoding="utf-8"?>
 <p:sld xmlns:a="http://schemas.openxmlformats.org/drawingml/2006/main" xmlns:r="http://schemas.openxmlformats.org/officeDocument/2006/relationships" xmlns:p="http://schemas.openxmlformats.org/presentationml/2006/main">
   <p:cSld>
     <p:spTree>
@@ -14814,7 +14924,7 @@
 </p:sld>
 </file>
 
-<file path=ppt/slides/slide12.xml><?xml version="1.0" encoding="utf-8"?>
+<file path=ppt/slides/slide13.xml><?xml version="1.0" encoding="utf-8"?>
 <p:sld xmlns:a="http://schemas.openxmlformats.org/drawingml/2006/main" xmlns:r="http://schemas.openxmlformats.org/officeDocument/2006/relationships" xmlns:p="http://schemas.openxmlformats.org/presentationml/2006/main">
   <p:cSld>
     <p:spTree>
@@ -15003,7 +15113,7 @@
 </p:sld>
 </file>
 
-<file path=ppt/slides/slide13.xml><?xml version="1.0" encoding="utf-8"?>
+<file path=ppt/slides/slide14.xml><?xml version="1.0" encoding="utf-8"?>
 <p:sld xmlns:a="http://schemas.openxmlformats.org/drawingml/2006/main" xmlns:r="http://schemas.openxmlformats.org/officeDocument/2006/relationships" xmlns:p="http://schemas.openxmlformats.org/presentationml/2006/main">
   <p:cSld>
     <p:spTree>
@@ -15248,7 +15358,7 @@
 </p:sld>
 </file>
 
-<file path=ppt/slides/slide14.xml><?xml version="1.0" encoding="utf-8"?>
+<file path=ppt/slides/slide15.xml><?xml version="1.0" encoding="utf-8"?>
 <p:sld xmlns:a="http://schemas.openxmlformats.org/drawingml/2006/main" xmlns:r="http://schemas.openxmlformats.org/officeDocument/2006/relationships" xmlns:p="http://schemas.openxmlformats.org/presentationml/2006/main">
   <p:cSld>
     <p:spTree>
@@ -15505,7 +15615,7 @@
 </p:sld>
 </file>
 
-<file path=ppt/slides/slide15.xml><?xml version="1.0" encoding="utf-8"?>
+<file path=ppt/slides/slide16.xml><?xml version="1.0" encoding="utf-8"?>
 <p:sld xmlns:a="http://schemas.openxmlformats.org/drawingml/2006/main" xmlns:r="http://schemas.openxmlformats.org/officeDocument/2006/relationships" xmlns:p="http://schemas.openxmlformats.org/presentationml/2006/main">
   <p:cSld>
     <p:spTree>
@@ -15766,7 +15876,7 @@
 </p:sld>
 </file>
 
-<file path=ppt/slides/slide16.xml><?xml version="1.0" encoding="utf-8"?>
+<file path=ppt/slides/slide17.xml><?xml version="1.0" encoding="utf-8"?>
 <p:sld xmlns:a="http://schemas.openxmlformats.org/drawingml/2006/main" xmlns:r="http://schemas.openxmlformats.org/officeDocument/2006/relationships" xmlns:p="http://schemas.openxmlformats.org/presentationml/2006/main">
   <p:cSld>
     <p:spTree>
@@ -16036,7 +16146,7 @@
 </p:sld>
 </file>
 
-<file path=ppt/slides/slide17.xml><?xml version="1.0" encoding="utf-8"?>
+<file path=ppt/slides/slide18.xml><?xml version="1.0" encoding="utf-8"?>
 <p:sld xmlns:a="http://schemas.openxmlformats.org/drawingml/2006/main" xmlns:r="http://schemas.openxmlformats.org/officeDocument/2006/relationships" xmlns:p="http://schemas.openxmlformats.org/presentationml/2006/main">
   <p:cSld>
     <p:spTree>
@@ -16271,7 +16381,7 @@
 </p:sld>
 </file>
 
-<file path=ppt/slides/slide18.xml><?xml version="1.0" encoding="utf-8"?>
+<file path=ppt/slides/slide19.xml><?xml version="1.0" encoding="utf-8"?>
 <p:sld xmlns:a="http://schemas.openxmlformats.org/drawingml/2006/main" xmlns:r="http://schemas.openxmlformats.org/officeDocument/2006/relationships" xmlns:p="http://schemas.openxmlformats.org/presentationml/2006/main">
   <p:cSld>
     <p:spTree>
@@ -17155,7 +17265,363 @@
 </p:sld>
 </file>
 
-<file path=ppt/slides/slide19.xml><?xml version="1.0" encoding="utf-8"?>
+<file path=ppt/slides/slide2.xml><?xml version="1.0" encoding="utf-8"?>
+<p:sld xmlns:a="http://schemas.openxmlformats.org/drawingml/2006/main" xmlns:r="http://schemas.openxmlformats.org/officeDocument/2006/relationships" xmlns:p="http://schemas.openxmlformats.org/presentationml/2006/main">
+  <p:cSld>
+    <p:spTree>
+      <p:nvGrpSpPr>
+        <p:cNvPr id="1" name=""/>
+        <p:cNvGrpSpPr/>
+        <p:nvPr/>
+      </p:nvGrpSpPr>
+      <p:grpSpPr>
+        <a:xfrm>
+          <a:off x="0" y="0"/>
+          <a:ext cx="0" cy="0"/>
+          <a:chOff x="0" y="0"/>
+          <a:chExt cx="0" cy="0"/>
+        </a:xfrm>
+      </p:grpSpPr>
+      <p:sp>
+        <p:nvSpPr>
+          <p:cNvPr id="2" name="Title 1">
+            <a:extLst>
+              <a:ext uri="{FF2B5EF4-FFF2-40B4-BE49-F238E27FC236}">
+                <a16:creationId xmlns:a16="http://schemas.microsoft.com/office/drawing/2014/main" id="{DF1B52E8-A395-4BE7-B093-8FE4BAFE3558}"/>
+              </a:ext>
+            </a:extLst>
+          </p:cNvPr>
+          <p:cNvSpPr>
+            <a:spLocks noGrp="1"/>
+          </p:cNvSpPr>
+          <p:nvPr>
+            <p:ph type="title"/>
+          </p:nvPr>
+        </p:nvSpPr>
+        <p:spPr/>
+        <p:txBody>
+          <a:bodyPr/>
+          <a:lstStyle/>
+          <a:p>
+            <a:endParaRPr lang="en-US" dirty="0"/>
+          </a:p>
+        </p:txBody>
+      </p:sp>
+      <p:pic>
+        <p:nvPicPr>
+          <p:cNvPr id="5" name="Picture 4" descr="A person wearing glasses and looking at the camera&#10;&#10;Description automatically generated">
+            <a:extLst>
+              <a:ext uri="{FF2B5EF4-FFF2-40B4-BE49-F238E27FC236}">
+                <a16:creationId xmlns:a16="http://schemas.microsoft.com/office/drawing/2014/main" id="{D6AF84C0-4A2F-4998-968F-DC3BB6723094}"/>
+              </a:ext>
+            </a:extLst>
+          </p:cNvPr>
+          <p:cNvPicPr>
+            <a:picLocks noChangeAspect="1"/>
+          </p:cNvPicPr>
+          <p:nvPr/>
+        </p:nvPicPr>
+        <p:blipFill>
+          <a:blip r:embed="rId2" cstate="hqprint">
+            <a:extLst>
+              <a:ext uri="{28A0092B-C50C-407E-A947-70E740481C1C}">
+                <a14:useLocalDpi xmlns:a14="http://schemas.microsoft.com/office/drawing/2010/main" val="0"/>
+              </a:ext>
+            </a:extLst>
+          </a:blip>
+          <a:stretch>
+            <a:fillRect/>
+          </a:stretch>
+        </p:blipFill>
+        <p:spPr>
+          <a:xfrm>
+            <a:off x="1677276" y="1824768"/>
+            <a:ext cx="2548380" cy="2548380"/>
+          </a:xfrm>
+          <a:prstGeom prst="ellipse">
+            <a:avLst/>
+          </a:prstGeom>
+          <a:ln w="63500" cap="rnd">
+            <a:solidFill>
+              <a:srgbClr val="333333"/>
+            </a:solidFill>
+          </a:ln>
+          <a:effectLst/>
+          <a:scene3d>
+            <a:camera prst="orthographicFront"/>
+            <a:lightRig rig="contrasting" dir="t">
+              <a:rot lat="0" lon="0" rev="3000000"/>
+            </a:lightRig>
+          </a:scene3d>
+          <a:sp3d contourW="7620">
+            <a:bevelT w="95250" h="31750"/>
+            <a:contourClr>
+              <a:srgbClr val="333333"/>
+            </a:contourClr>
+          </a:sp3d>
+        </p:spPr>
+      </p:pic>
+      <p:sp>
+        <p:nvSpPr>
+          <p:cNvPr id="10" name="TextBox 9">
+            <a:extLst>
+              <a:ext uri="{FF2B5EF4-FFF2-40B4-BE49-F238E27FC236}">
+                <a16:creationId xmlns:a16="http://schemas.microsoft.com/office/drawing/2014/main" id="{27E5B25E-C1DB-41E7-A68D-F45368C91EA5}"/>
+              </a:ext>
+            </a:extLst>
+          </p:cNvPr>
+          <p:cNvSpPr txBox="1"/>
+          <p:nvPr/>
+        </p:nvSpPr>
+        <p:spPr>
+          <a:xfrm>
+            <a:off x="2085813" y="4664560"/>
+            <a:ext cx="2245936" cy="584775"/>
+          </a:xfrm>
+          <a:prstGeom prst="rect">
+            <a:avLst/>
+          </a:prstGeom>
+          <a:noFill/>
+        </p:spPr>
+        <p:txBody>
+          <a:bodyPr wrap="none" rtlCol="0">
+            <a:spAutoFit/>
+          </a:bodyPr>
+          <a:lstStyle>
+            <a:defPPr>
+              <a:defRPr lang="en-US"/>
+            </a:defPPr>
+            <a:lvl1pPr algn="ctr">
+              <a:defRPr sz="2800"/>
+            </a:lvl1pPr>
+          </a:lstStyle>
+          <a:p>
+            <a:r>
+              <a:rPr lang="de-AT" sz="3200" dirty="0"/>
+              <a:t>Anton Kalcik</a:t>
+            </a:r>
+            <a:endParaRPr lang="en-US" sz="3200" dirty="0"/>
+          </a:p>
+        </p:txBody>
+      </p:sp>
+      <p:sp>
+        <p:nvSpPr>
+          <p:cNvPr id="11" name="TextBox 10">
+            <a:extLst>
+              <a:ext uri="{FF2B5EF4-FFF2-40B4-BE49-F238E27FC236}">
+                <a16:creationId xmlns:a16="http://schemas.microsoft.com/office/drawing/2014/main" id="{B1BD4FED-4667-42C1-A5D6-8D618EA5F17A}"/>
+              </a:ext>
+            </a:extLst>
+          </p:cNvPr>
+          <p:cNvSpPr txBox="1"/>
+          <p:nvPr/>
+        </p:nvSpPr>
+        <p:spPr>
+          <a:xfrm>
+            <a:off x="3167391" y="5172638"/>
+            <a:ext cx="1164358" cy="523220"/>
+          </a:xfrm>
+          <a:prstGeom prst="rect">
+            <a:avLst/>
+          </a:prstGeom>
+          <a:noFill/>
+        </p:spPr>
+        <p:txBody>
+          <a:bodyPr wrap="none" rtlCol="0">
+            <a:spAutoFit/>
+          </a:bodyPr>
+          <a:lstStyle/>
+          <a:p>
+            <a:r>
+              <a:rPr lang="de-AT" sz="2800" dirty="0" err="1">
+                <a:hlinkClick r:id="rId3"/>
+              </a:rPr>
+              <a:t>akalcik</a:t>
+            </a:r>
+            <a:endParaRPr lang="en-US" sz="2800" dirty="0"/>
+          </a:p>
+        </p:txBody>
+      </p:sp>
+      <p:pic>
+        <p:nvPicPr>
+          <p:cNvPr id="1026" name="Picture 2" descr="https://kalcik.files.wordpress.com/2018/09/header-logo1.png?w=750">
+            <a:extLst>
+              <a:ext uri="{FF2B5EF4-FFF2-40B4-BE49-F238E27FC236}">
+                <a16:creationId xmlns:a16="http://schemas.microsoft.com/office/drawing/2014/main" id="{890F6C51-FF0F-4061-8957-C484EF8C78CE}"/>
+              </a:ext>
+            </a:extLst>
+          </p:cNvPr>
+          <p:cNvPicPr>
+            <a:picLocks noChangeAspect="1" noChangeArrowheads="1"/>
+          </p:cNvPicPr>
+          <p:nvPr/>
+        </p:nvPicPr>
+        <p:blipFill>
+          <a:blip r:embed="rId4">
+            <a:extLst>
+              <a:ext uri="{28A0092B-C50C-407E-A947-70E740481C1C}">
+                <a14:useLocalDpi xmlns:a14="http://schemas.microsoft.com/office/drawing/2010/main" val="0"/>
+              </a:ext>
+            </a:extLst>
+          </a:blip>
+          <a:srcRect/>
+          <a:stretch>
+            <a:fillRect/>
+          </a:stretch>
+        </p:blipFill>
+        <p:spPr bwMode="auto">
+          <a:xfrm>
+            <a:off x="3173493" y="1641528"/>
+            <a:ext cx="3128982" cy="784327"/>
+          </a:xfrm>
+          <a:prstGeom prst="rect">
+            <a:avLst/>
+          </a:prstGeom>
+          <a:noFill/>
+          <a:extLst>
+            <a:ext uri="{909E8E84-426E-40DD-AFC4-6F175D3DCCD1}">
+              <a14:hiddenFill xmlns:a14="http://schemas.microsoft.com/office/drawing/2010/main">
+                <a:solidFill>
+                  <a:srgbClr val="FFFFFF"/>
+                </a:solidFill>
+              </a14:hiddenFill>
+            </a:ext>
+          </a:extLst>
+        </p:spPr>
+      </p:pic>
+      <p:pic>
+        <p:nvPicPr>
+          <p:cNvPr id="6" name="Graphic 5">
+            <a:extLst>
+              <a:ext uri="{FF2B5EF4-FFF2-40B4-BE49-F238E27FC236}">
+                <a16:creationId xmlns:a16="http://schemas.microsoft.com/office/drawing/2014/main" id="{C0217533-5AE4-460F-AF67-3862F6DE16E3}"/>
+              </a:ext>
+            </a:extLst>
+          </p:cNvPr>
+          <p:cNvPicPr>
+            <a:picLocks noChangeAspect="1"/>
+          </p:cNvPicPr>
+          <p:nvPr/>
+        </p:nvPicPr>
+        <p:blipFill>
+          <a:blip r:embed="rId5">
+            <a:extLst>
+              <a:ext uri="{28A0092B-C50C-407E-A947-70E740481C1C}">
+                <a14:useLocalDpi xmlns:a14="http://schemas.microsoft.com/office/drawing/2010/main" val="0"/>
+              </a:ext>
+              <a:ext uri="{96DAC541-7B7A-43D3-8B79-37D633B846F1}">
+                <asvg:svgBlip xmlns:asvg="http://schemas.microsoft.com/office/drawing/2016/SVG/main" r:embed="rId6"/>
+              </a:ext>
+            </a:extLst>
+          </a:blip>
+          <a:stretch>
+            <a:fillRect/>
+          </a:stretch>
+        </p:blipFill>
+        <p:spPr>
+          <a:xfrm>
+            <a:off x="2195233" y="5745405"/>
+            <a:ext cx="300808" cy="267385"/>
+          </a:xfrm>
+          <a:prstGeom prst="rect">
+            <a:avLst/>
+          </a:prstGeom>
+        </p:spPr>
+      </p:pic>
+      <p:sp>
+        <p:nvSpPr>
+          <p:cNvPr id="14" name="TextBox 13">
+            <a:hlinkClick r:id="rId7"/>
+            <a:extLst>
+              <a:ext uri="{FF2B5EF4-FFF2-40B4-BE49-F238E27FC236}">
+                <a16:creationId xmlns:a16="http://schemas.microsoft.com/office/drawing/2014/main" id="{2EF2BF4C-DE9D-4FA7-8D24-83020A907B63}"/>
+              </a:ext>
+            </a:extLst>
+          </p:cNvPr>
+          <p:cNvSpPr txBox="1"/>
+          <p:nvPr/>
+        </p:nvSpPr>
+        <p:spPr>
+          <a:xfrm>
+            <a:off x="2762152" y="5617488"/>
+            <a:ext cx="1569597" cy="523220"/>
+          </a:xfrm>
+          <a:prstGeom prst="rect">
+            <a:avLst/>
+          </a:prstGeom>
+          <a:noFill/>
+        </p:spPr>
+        <p:txBody>
+          <a:bodyPr wrap="none" rtlCol="0">
+            <a:spAutoFit/>
+          </a:bodyPr>
+          <a:lstStyle>
+            <a:defPPr>
+              <a:defRPr lang="en-US"/>
+            </a:defPPr>
+            <a:lvl1pPr>
+              <a:defRPr sz="2000"/>
+            </a:lvl1pPr>
+          </a:lstStyle>
+          <a:p>
+            <a:r>
+              <a:rPr lang="de-AT" sz="2800" dirty="0"/>
+              <a:t>kalcik.net</a:t>
+            </a:r>
+            <a:endParaRPr lang="en-US" sz="2800" dirty="0"/>
+          </a:p>
+        </p:txBody>
+      </p:sp>
+      <p:pic>
+        <p:nvPicPr>
+          <p:cNvPr id="15" name="Picture 14">
+            <a:extLst>
+              <a:ext uri="{FF2B5EF4-FFF2-40B4-BE49-F238E27FC236}">
+                <a16:creationId xmlns:a16="http://schemas.microsoft.com/office/drawing/2014/main" id="{67A90D6C-D992-4CA5-A139-71929B10A945}"/>
+              </a:ext>
+            </a:extLst>
+          </p:cNvPr>
+          <p:cNvPicPr>
+            <a:picLocks noChangeAspect="1"/>
+          </p:cNvPicPr>
+          <p:nvPr/>
+        </p:nvPicPr>
+        <p:blipFill>
+          <a:blip r:embed="rId8" cstate="hqprint">
+            <a:extLst>
+              <a:ext uri="{28A0092B-C50C-407E-A947-70E740481C1C}">
+                <a14:useLocalDpi xmlns:a14="http://schemas.microsoft.com/office/drawing/2010/main" val="0"/>
+              </a:ext>
+            </a:extLst>
+          </a:blip>
+          <a:stretch>
+            <a:fillRect/>
+          </a:stretch>
+        </p:blipFill>
+        <p:spPr>
+          <a:xfrm>
+            <a:off x="2230883" y="5326248"/>
+            <a:ext cx="265158" cy="216000"/>
+          </a:xfrm>
+          <a:prstGeom prst="rect">
+            <a:avLst/>
+          </a:prstGeom>
+        </p:spPr>
+      </p:pic>
+    </p:spTree>
+    <p:extLst>
+      <p:ext uri="{BB962C8B-B14F-4D97-AF65-F5344CB8AC3E}">
+        <p14:creationId xmlns:p14="http://schemas.microsoft.com/office/powerpoint/2010/main" val="2001335171"/>
+      </p:ext>
+    </p:extLst>
+  </p:cSld>
+  <p:clrMapOvr>
+    <a:masterClrMapping/>
+  </p:clrMapOvr>
+</p:sld>
+</file>
+
+<file path=ppt/slides/slide20.xml><?xml version="1.0" encoding="utf-8"?>
 <p:sld xmlns:a="http://schemas.openxmlformats.org/drawingml/2006/main" xmlns:r="http://schemas.openxmlformats.org/officeDocument/2006/relationships" xmlns:p="http://schemas.openxmlformats.org/presentationml/2006/main">
   <p:cSld>
     <p:spTree>
@@ -17362,573 +17828,7 @@
 </p:sld>
 </file>
 
-<file path=ppt/slides/slide2.xml><?xml version="1.0" encoding="utf-8"?>
-<p:sld xmlns:a="http://schemas.openxmlformats.org/drawingml/2006/main" xmlns:r="http://schemas.openxmlformats.org/officeDocument/2006/relationships" xmlns:p="http://schemas.openxmlformats.org/presentationml/2006/main">
-  <p:cSld>
-    <p:spTree>
-      <p:nvGrpSpPr>
-        <p:cNvPr id="1" name=""/>
-        <p:cNvGrpSpPr/>
-        <p:nvPr/>
-      </p:nvGrpSpPr>
-      <p:grpSpPr>
-        <a:xfrm>
-          <a:off x="0" y="0"/>
-          <a:ext cx="0" cy="0"/>
-          <a:chOff x="0" y="0"/>
-          <a:chExt cx="0" cy="0"/>
-        </a:xfrm>
-      </p:grpSpPr>
-      <p:sp>
-        <p:nvSpPr>
-          <p:cNvPr id="2" name="Title 1">
-            <a:extLst>
-              <a:ext uri="{FF2B5EF4-FFF2-40B4-BE49-F238E27FC236}">
-                <a16:creationId xmlns:a16="http://schemas.microsoft.com/office/drawing/2014/main" id="{DF1B52E8-A395-4BE7-B093-8FE4BAFE3558}"/>
-              </a:ext>
-            </a:extLst>
-          </p:cNvPr>
-          <p:cNvSpPr>
-            <a:spLocks noGrp="1"/>
-          </p:cNvSpPr>
-          <p:nvPr>
-            <p:ph type="title"/>
-          </p:nvPr>
-        </p:nvSpPr>
-        <p:spPr/>
-        <p:txBody>
-          <a:bodyPr/>
-          <a:lstStyle/>
-          <a:p>
-            <a:r>
-              <a:rPr lang="de-AT" dirty="0"/>
-              <a:t>Über uns</a:t>
-            </a:r>
-            <a:endParaRPr lang="en-US" dirty="0"/>
-          </a:p>
-        </p:txBody>
-      </p:sp>
-      <p:pic>
-        <p:nvPicPr>
-          <p:cNvPr id="5" name="Picture 4" descr="A person wearing glasses and looking at the camera&#10;&#10;Description automatically generated">
-            <a:extLst>
-              <a:ext uri="{FF2B5EF4-FFF2-40B4-BE49-F238E27FC236}">
-                <a16:creationId xmlns:a16="http://schemas.microsoft.com/office/drawing/2014/main" id="{D6AF84C0-4A2F-4998-968F-DC3BB6723094}"/>
-              </a:ext>
-            </a:extLst>
-          </p:cNvPr>
-          <p:cNvPicPr>
-            <a:picLocks noChangeAspect="1"/>
-          </p:cNvPicPr>
-          <p:nvPr/>
-        </p:nvPicPr>
-        <p:blipFill>
-          <a:blip r:embed="rId2" cstate="hqprint">
-            <a:extLst>
-              <a:ext uri="{28A0092B-C50C-407E-A947-70E740481C1C}">
-                <a14:useLocalDpi xmlns:a14="http://schemas.microsoft.com/office/drawing/2010/main" val="0"/>
-              </a:ext>
-            </a:extLst>
-          </a:blip>
-          <a:stretch>
-            <a:fillRect/>
-          </a:stretch>
-        </p:blipFill>
-        <p:spPr>
-          <a:xfrm>
-            <a:off x="7171068" y="1651520"/>
-            <a:ext cx="2548380" cy="2548380"/>
-          </a:xfrm>
-          <a:prstGeom prst="ellipse">
-            <a:avLst/>
-          </a:prstGeom>
-          <a:ln w="63500" cap="rnd">
-            <a:solidFill>
-              <a:srgbClr val="333333"/>
-            </a:solidFill>
-          </a:ln>
-          <a:effectLst/>
-          <a:scene3d>
-            <a:camera prst="orthographicFront"/>
-            <a:lightRig rig="contrasting" dir="t">
-              <a:rot lat="0" lon="0" rev="3000000"/>
-            </a:lightRig>
-          </a:scene3d>
-          <a:sp3d contourW="7620">
-            <a:bevelT w="95250" h="31750"/>
-            <a:contourClr>
-              <a:srgbClr val="333333"/>
-            </a:contourClr>
-          </a:sp3d>
-        </p:spPr>
-      </p:pic>
-      <p:pic>
-        <p:nvPicPr>
-          <p:cNvPr id="7" name="Picture 6">
-            <a:extLst>
-              <a:ext uri="{FF2B5EF4-FFF2-40B4-BE49-F238E27FC236}">
-                <a16:creationId xmlns:a16="http://schemas.microsoft.com/office/drawing/2014/main" id="{EE65434C-D0B6-47DA-806B-95D9FBFA04F1}"/>
-              </a:ext>
-            </a:extLst>
-          </p:cNvPr>
-          <p:cNvPicPr>
-            <a:picLocks noChangeAspect="1"/>
-          </p:cNvPicPr>
-          <p:nvPr/>
-        </p:nvPicPr>
-        <p:blipFill>
-          <a:blip r:embed="rId3">
-            <a:extLst>
-              <a:ext uri="{28A0092B-C50C-407E-A947-70E740481C1C}">
-                <a14:useLocalDpi xmlns:a14="http://schemas.microsoft.com/office/drawing/2010/main" val="0"/>
-              </a:ext>
-            </a:extLst>
-          </a:blip>
-          <a:stretch>
-            <a:fillRect/>
-          </a:stretch>
-        </p:blipFill>
-        <p:spPr>
-          <a:xfrm>
-            <a:off x="2264861" y="1646941"/>
-            <a:ext cx="2550216" cy="2550216"/>
-          </a:xfrm>
-          <a:prstGeom prst="ellipse">
-            <a:avLst/>
-          </a:prstGeom>
-          <a:ln w="63500" cap="rnd">
-            <a:solidFill>
-              <a:srgbClr val="333333"/>
-            </a:solidFill>
-          </a:ln>
-          <a:effectLst/>
-          <a:scene3d>
-            <a:camera prst="orthographicFront"/>
-            <a:lightRig rig="contrasting" dir="t">
-              <a:rot lat="0" lon="0" rev="3000000"/>
-            </a:lightRig>
-          </a:scene3d>
-          <a:sp3d contourW="7620">
-            <a:bevelT w="95250" h="31750"/>
-            <a:contourClr>
-              <a:srgbClr val="333333"/>
-            </a:contourClr>
-          </a:sp3d>
-        </p:spPr>
-      </p:pic>
-      <p:sp>
-        <p:nvSpPr>
-          <p:cNvPr id="8" name="TextBox 7">
-            <a:extLst>
-              <a:ext uri="{FF2B5EF4-FFF2-40B4-BE49-F238E27FC236}">
-                <a16:creationId xmlns:a16="http://schemas.microsoft.com/office/drawing/2014/main" id="{8F24A36A-7B68-4FB3-BD38-0855063C1A8F}"/>
-              </a:ext>
-            </a:extLst>
-          </p:cNvPr>
-          <p:cNvSpPr txBox="1"/>
-          <p:nvPr/>
-        </p:nvSpPr>
-        <p:spPr>
-          <a:xfrm>
-            <a:off x="2375836" y="5124873"/>
-            <a:ext cx="2328266" cy="523220"/>
-          </a:xfrm>
-          <a:prstGeom prst="rect">
-            <a:avLst/>
-          </a:prstGeom>
-          <a:noFill/>
-        </p:spPr>
-        <p:txBody>
-          <a:bodyPr wrap="none" rtlCol="0">
-            <a:spAutoFit/>
-          </a:bodyPr>
-          <a:lstStyle/>
-          <a:p>
-            <a:pPr algn="ctr"/>
-            <a:r>
-              <a:rPr lang="de-AT" sz="2800" dirty="0"/>
-              <a:t>Daniel Wagner</a:t>
-            </a:r>
-            <a:endParaRPr lang="en-US" sz="2800" dirty="0"/>
-          </a:p>
-        </p:txBody>
-      </p:sp>
-      <p:sp>
-        <p:nvSpPr>
-          <p:cNvPr id="9" name="TextBox 8">
-            <a:extLst>
-              <a:ext uri="{FF2B5EF4-FFF2-40B4-BE49-F238E27FC236}">
-                <a16:creationId xmlns:a16="http://schemas.microsoft.com/office/drawing/2014/main" id="{DE35E203-64DF-4C04-B174-11612E32E61D}"/>
-              </a:ext>
-            </a:extLst>
-          </p:cNvPr>
-          <p:cNvSpPr txBox="1"/>
-          <p:nvPr/>
-        </p:nvSpPr>
-        <p:spPr>
-          <a:xfrm>
-            <a:off x="2721219" y="5545497"/>
-            <a:ext cx="1730282" cy="400110"/>
-          </a:xfrm>
-          <a:prstGeom prst="rect">
-            <a:avLst/>
-          </a:prstGeom>
-          <a:noFill/>
-        </p:spPr>
-        <p:txBody>
-          <a:bodyPr wrap="none" rtlCol="0">
-            <a:spAutoFit/>
-          </a:bodyPr>
-          <a:lstStyle/>
-          <a:p>
-            <a:r>
-              <a:rPr lang="de-AT" sz="2000" dirty="0">
-                <a:hlinkClick r:id="rId4"/>
-              </a:rPr>
-              <a:t>daniel_wagn3r</a:t>
-            </a:r>
-            <a:endParaRPr lang="en-US" sz="2000" dirty="0"/>
-          </a:p>
-        </p:txBody>
-      </p:sp>
-      <p:sp>
-        <p:nvSpPr>
-          <p:cNvPr id="10" name="TextBox 9">
-            <a:extLst>
-              <a:ext uri="{FF2B5EF4-FFF2-40B4-BE49-F238E27FC236}">
-                <a16:creationId xmlns:a16="http://schemas.microsoft.com/office/drawing/2014/main" id="{27E5B25E-C1DB-41E7-A68D-F45368C91EA5}"/>
-              </a:ext>
-            </a:extLst>
-          </p:cNvPr>
-          <p:cNvSpPr txBox="1"/>
-          <p:nvPr/>
-        </p:nvSpPr>
-        <p:spPr>
-          <a:xfrm>
-            <a:off x="7639403" y="5122282"/>
-            <a:ext cx="1986441" cy="523220"/>
-          </a:xfrm>
-          <a:prstGeom prst="rect">
-            <a:avLst/>
-          </a:prstGeom>
-          <a:noFill/>
-        </p:spPr>
-        <p:txBody>
-          <a:bodyPr wrap="none" rtlCol="0">
-            <a:spAutoFit/>
-          </a:bodyPr>
-          <a:lstStyle>
-            <a:defPPr>
-              <a:defRPr lang="en-US"/>
-            </a:defPPr>
-            <a:lvl1pPr algn="ctr">
-              <a:defRPr sz="2800"/>
-            </a:lvl1pPr>
-          </a:lstStyle>
-          <a:p>
-            <a:r>
-              <a:rPr lang="de-AT" dirty="0"/>
-              <a:t>Anton Kalcik</a:t>
-            </a:r>
-            <a:endParaRPr lang="en-US" dirty="0"/>
-          </a:p>
-        </p:txBody>
-      </p:sp>
-      <p:sp>
-        <p:nvSpPr>
-          <p:cNvPr id="11" name="TextBox 10">
-            <a:extLst>
-              <a:ext uri="{FF2B5EF4-FFF2-40B4-BE49-F238E27FC236}">
-                <a16:creationId xmlns:a16="http://schemas.microsoft.com/office/drawing/2014/main" id="{B1BD4FED-4667-42C1-A5D6-8D618EA5F17A}"/>
-              </a:ext>
-            </a:extLst>
-          </p:cNvPr>
-          <p:cNvSpPr txBox="1"/>
-          <p:nvPr/>
-        </p:nvSpPr>
-        <p:spPr>
-          <a:xfrm>
-            <a:off x="7962295" y="5545497"/>
-            <a:ext cx="888833" cy="400110"/>
-          </a:xfrm>
-          <a:prstGeom prst="rect">
-            <a:avLst/>
-          </a:prstGeom>
-          <a:noFill/>
-        </p:spPr>
-        <p:txBody>
-          <a:bodyPr wrap="none" rtlCol="0">
-            <a:spAutoFit/>
-          </a:bodyPr>
-          <a:lstStyle/>
-          <a:p>
-            <a:r>
-              <a:rPr lang="de-AT" sz="2000" dirty="0" err="1">
-                <a:hlinkClick r:id="rId5"/>
-              </a:rPr>
-              <a:t>akalcik</a:t>
-            </a:r>
-            <a:endParaRPr lang="en-US" sz="3200" dirty="0"/>
-          </a:p>
-        </p:txBody>
-      </p:sp>
-      <p:pic>
-        <p:nvPicPr>
-          <p:cNvPr id="1026" name="Picture 2" descr="https://kalcik.files.wordpress.com/2018/09/header-logo1.png?w=750">
-            <a:extLst>
-              <a:ext uri="{FF2B5EF4-FFF2-40B4-BE49-F238E27FC236}">
-                <a16:creationId xmlns:a16="http://schemas.microsoft.com/office/drawing/2014/main" id="{890F6C51-FF0F-4061-8957-C484EF8C78CE}"/>
-              </a:ext>
-            </a:extLst>
-          </p:cNvPr>
-          <p:cNvPicPr>
-            <a:picLocks noChangeAspect="1" noChangeArrowheads="1"/>
-          </p:cNvPicPr>
-          <p:nvPr/>
-        </p:nvPicPr>
-        <p:blipFill>
-          <a:blip r:embed="rId6">
-            <a:extLst>
-              <a:ext uri="{28A0092B-C50C-407E-A947-70E740481C1C}">
-                <a14:useLocalDpi xmlns:a14="http://schemas.microsoft.com/office/drawing/2010/main" val="0"/>
-              </a:ext>
-            </a:extLst>
-          </a:blip>
-          <a:srcRect/>
-          <a:stretch>
-            <a:fillRect/>
-          </a:stretch>
-        </p:blipFill>
-        <p:spPr bwMode="auto">
-          <a:xfrm>
-            <a:off x="7468491" y="4550624"/>
-            <a:ext cx="2328267" cy="583618"/>
-          </a:xfrm>
-          <a:prstGeom prst="rect">
-            <a:avLst/>
-          </a:prstGeom>
-          <a:noFill/>
-          <a:extLst>
-            <a:ext uri="{909E8E84-426E-40DD-AFC4-6F175D3DCCD1}">
-              <a14:hiddenFill xmlns:a14="http://schemas.microsoft.com/office/drawing/2010/main">
-                <a:solidFill>
-                  <a:srgbClr val="FFFFFF"/>
-                </a:solidFill>
-              </a14:hiddenFill>
-            </a:ext>
-          </a:extLst>
-        </p:spPr>
-      </p:pic>
-      <p:pic>
-        <p:nvPicPr>
-          <p:cNvPr id="1028" name="Picture 4" descr="Bildergebnis fÃ¼r verbund logo">
-            <a:extLst>
-              <a:ext uri="{FF2B5EF4-FFF2-40B4-BE49-F238E27FC236}">
-                <a16:creationId xmlns:a16="http://schemas.microsoft.com/office/drawing/2014/main" id="{04C0DE8A-7A02-4D83-A839-DB703E3B7862}"/>
-              </a:ext>
-            </a:extLst>
-          </p:cNvPr>
-          <p:cNvPicPr>
-            <a:picLocks noChangeAspect="1" noChangeArrowheads="1"/>
-          </p:cNvPicPr>
-          <p:nvPr/>
-        </p:nvPicPr>
-        <p:blipFill>
-          <a:blip r:embed="rId7" cstate="hqprint">
-            <a:extLst>
-              <a:ext uri="{28A0092B-C50C-407E-A947-70E740481C1C}">
-                <a14:useLocalDpi xmlns:a14="http://schemas.microsoft.com/office/drawing/2010/main" val="0"/>
-              </a:ext>
-            </a:extLst>
-          </a:blip>
-          <a:srcRect/>
-          <a:stretch>
-            <a:fillRect/>
-          </a:stretch>
-        </p:blipFill>
-        <p:spPr bwMode="auto">
-          <a:xfrm>
-            <a:off x="2449669" y="4580112"/>
-            <a:ext cx="2136057" cy="437781"/>
-          </a:xfrm>
-          <a:prstGeom prst="rect">
-            <a:avLst/>
-          </a:prstGeom>
-          <a:noFill/>
-          <a:extLst>
-            <a:ext uri="{909E8E84-426E-40DD-AFC4-6F175D3DCCD1}">
-              <a14:hiddenFill xmlns:a14="http://schemas.microsoft.com/office/drawing/2010/main">
-                <a:solidFill>
-                  <a:srgbClr val="FFFFFF"/>
-                </a:solidFill>
-              </a14:hiddenFill>
-            </a:ext>
-          </a:extLst>
-        </p:spPr>
-      </p:pic>
-      <p:pic>
-        <p:nvPicPr>
-          <p:cNvPr id="3" name="Picture 2"/>
-          <p:cNvPicPr>
-            <a:picLocks noChangeAspect="1"/>
-          </p:cNvPicPr>
-          <p:nvPr/>
-        </p:nvPicPr>
-        <p:blipFill>
-          <a:blip r:embed="rId8" cstate="hqprint">
-            <a:extLst>
-              <a:ext uri="{28A0092B-C50C-407E-A947-70E740481C1C}">
-                <a14:useLocalDpi xmlns:a14="http://schemas.microsoft.com/office/drawing/2010/main" val="0"/>
-              </a:ext>
-            </a:extLst>
-          </a:blip>
-          <a:stretch>
-            <a:fillRect/>
-          </a:stretch>
-        </p:blipFill>
-        <p:spPr>
-          <a:xfrm>
-            <a:off x="2510629" y="5647232"/>
-            <a:ext cx="241396" cy="196643"/>
-          </a:xfrm>
-          <a:prstGeom prst="rect">
-            <a:avLst/>
-          </a:prstGeom>
-        </p:spPr>
-      </p:pic>
-      <p:pic>
-        <p:nvPicPr>
-          <p:cNvPr id="13" name="Picture 12">
-            <a:extLst>
-              <a:ext uri="{FF2B5EF4-FFF2-40B4-BE49-F238E27FC236}">
-                <a16:creationId xmlns:a16="http://schemas.microsoft.com/office/drawing/2014/main" id="{10E597E6-3C78-4013-B73E-9BE33B40CDAC}"/>
-              </a:ext>
-            </a:extLst>
-          </p:cNvPr>
-          <p:cNvPicPr>
-            <a:picLocks noChangeAspect="1"/>
-          </p:cNvPicPr>
-          <p:nvPr/>
-        </p:nvPicPr>
-        <p:blipFill>
-          <a:blip r:embed="rId8" cstate="hqprint">
-            <a:extLst>
-              <a:ext uri="{28A0092B-C50C-407E-A947-70E740481C1C}">
-                <a14:useLocalDpi xmlns:a14="http://schemas.microsoft.com/office/drawing/2010/main" val="0"/>
-              </a:ext>
-            </a:extLst>
-          </a:blip>
-          <a:stretch>
-            <a:fillRect/>
-          </a:stretch>
-        </p:blipFill>
-        <p:spPr>
-          <a:xfrm>
-            <a:off x="7740500" y="5647231"/>
-            <a:ext cx="241396" cy="196643"/>
-          </a:xfrm>
-          <a:prstGeom prst="rect">
-            <a:avLst/>
-          </a:prstGeom>
-        </p:spPr>
-      </p:pic>
-      <p:pic>
-        <p:nvPicPr>
-          <p:cNvPr id="6" name="Graphic 5">
-            <a:extLst>
-              <a:ext uri="{FF2B5EF4-FFF2-40B4-BE49-F238E27FC236}">
-                <a16:creationId xmlns:a16="http://schemas.microsoft.com/office/drawing/2014/main" id="{C0217533-5AE4-460F-AF67-3862F6DE16E3}"/>
-              </a:ext>
-            </a:extLst>
-          </p:cNvPr>
-          <p:cNvPicPr>
-            <a:picLocks noChangeAspect="1"/>
-          </p:cNvPicPr>
-          <p:nvPr/>
-        </p:nvPicPr>
-        <p:blipFill>
-          <a:blip r:embed="rId9">
-            <a:extLst>
-              <a:ext uri="{28A0092B-C50C-407E-A947-70E740481C1C}">
-                <a14:useLocalDpi xmlns:a14="http://schemas.microsoft.com/office/drawing/2010/main" val="0"/>
-              </a:ext>
-              <a:ext uri="{96DAC541-7B7A-43D3-8B79-37D633B846F1}">
-                <asvg:svgBlip xmlns:asvg="http://schemas.microsoft.com/office/drawing/2016/SVG/main" r:embed="rId10"/>
-              </a:ext>
-            </a:extLst>
-          </a:blip>
-          <a:stretch>
-            <a:fillRect/>
-          </a:stretch>
-        </p:blipFill>
-        <p:spPr>
-          <a:xfrm>
-            <a:off x="7724345" y="5949775"/>
-            <a:ext cx="241396" cy="214574"/>
-          </a:xfrm>
-          <a:prstGeom prst="rect">
-            <a:avLst/>
-          </a:prstGeom>
-        </p:spPr>
-      </p:pic>
-      <p:sp>
-        <p:nvSpPr>
-          <p:cNvPr id="14" name="TextBox 13">
-            <a:hlinkClick r:id="rId11"/>
-            <a:extLst>
-              <a:ext uri="{FF2B5EF4-FFF2-40B4-BE49-F238E27FC236}">
-                <a16:creationId xmlns:a16="http://schemas.microsoft.com/office/drawing/2014/main" id="{2EF2BF4C-DE9D-4FA7-8D24-83020A907B63}"/>
-              </a:ext>
-            </a:extLst>
-          </p:cNvPr>
-          <p:cNvSpPr txBox="1"/>
-          <p:nvPr/>
-        </p:nvSpPr>
-        <p:spPr>
-          <a:xfrm>
-            <a:off x="7962295" y="5856702"/>
-            <a:ext cx="1177630" cy="400110"/>
-          </a:xfrm>
-          <a:prstGeom prst="rect">
-            <a:avLst/>
-          </a:prstGeom>
-          <a:noFill/>
-        </p:spPr>
-        <p:txBody>
-          <a:bodyPr wrap="none" rtlCol="0">
-            <a:spAutoFit/>
-          </a:bodyPr>
-          <a:lstStyle>
-            <a:defPPr>
-              <a:defRPr lang="en-US"/>
-            </a:defPPr>
-            <a:lvl1pPr>
-              <a:defRPr sz="2000"/>
-            </a:lvl1pPr>
-          </a:lstStyle>
-          <a:p>
-            <a:r>
-              <a:rPr lang="de-AT" dirty="0"/>
-              <a:t>kalcik.net</a:t>
-            </a:r>
-            <a:endParaRPr lang="en-US" dirty="0"/>
-          </a:p>
-        </p:txBody>
-      </p:sp>
-    </p:spTree>
-    <p:extLst>
-      <p:ext uri="{BB962C8B-B14F-4D97-AF65-F5344CB8AC3E}">
-        <p14:creationId xmlns:p14="http://schemas.microsoft.com/office/powerpoint/2010/main" val="2553205811"/>
-      </p:ext>
-    </p:extLst>
-  </p:cSld>
-  <p:clrMapOvr>
-    <a:masterClrMapping/>
-  </p:clrMapOvr>
-</p:sld>
-</file>
-
-<file path=ppt/slides/slide20.xml><?xml version="1.0" encoding="utf-8"?>
+<file path=ppt/slides/slide21.xml><?xml version="1.0" encoding="utf-8"?>
 <p:sld xmlns:a="http://schemas.openxmlformats.org/drawingml/2006/main" xmlns:r="http://schemas.openxmlformats.org/officeDocument/2006/relationships" xmlns:p="http://schemas.openxmlformats.org/presentationml/2006/main">
   <p:cSld>
     <p:spTree>
@@ -18421,7 +18321,7 @@
 </p:sld>
 </file>
 
-<file path=ppt/slides/slide21.xml><?xml version="1.0" encoding="utf-8"?>
+<file path=ppt/slides/slide22.xml><?xml version="1.0" encoding="utf-8"?>
 <p:sld xmlns:a="http://schemas.openxmlformats.org/drawingml/2006/main" xmlns:r="http://schemas.openxmlformats.org/officeDocument/2006/relationships" xmlns:p="http://schemas.openxmlformats.org/presentationml/2006/main">
   <p:cSld>
     <p:spTree>
@@ -18454,7 +18354,12 @@
             <p:ph idx="1"/>
           </p:nvPr>
         </p:nvSpPr>
-        <p:spPr/>
+        <p:spPr>
+          <a:xfrm>
+            <a:off x="5183188" y="987425"/>
+            <a:ext cx="6172200" cy="4873625"/>
+          </a:xfrm>
+        </p:spPr>
         <p:txBody>
           <a:bodyPr anchor="ctr">
             <a:normAutofit/>
@@ -18499,7 +18404,7 @@
         </p:nvGrpSpPr>
         <p:grpSpPr>
           <a:xfrm>
-            <a:off x="1832936" y="2344237"/>
+            <a:off x="1891929" y="2299670"/>
             <a:ext cx="1945940" cy="2249134"/>
             <a:chOff x="7313246" y="1336962"/>
             <a:chExt cx="1446924" cy="1672361"/>
@@ -18655,7 +18560,7 @@
 </p:sld>
 </file>
 
-<file path=ppt/slides/slide22.xml><?xml version="1.0" encoding="utf-8"?>
+<file path=ppt/slides/slide23.xml><?xml version="1.0" encoding="utf-8"?>
 <p:sld xmlns:a="http://schemas.openxmlformats.org/drawingml/2006/main" xmlns:r="http://schemas.openxmlformats.org/officeDocument/2006/relationships" xmlns:p="http://schemas.openxmlformats.org/presentationml/2006/main">
   <p:cSld>
     <p:spTree>
@@ -18688,7 +18593,12 @@
             <p:ph idx="1"/>
           </p:nvPr>
         </p:nvSpPr>
-        <p:spPr/>
+        <p:spPr>
+          <a:xfrm>
+            <a:off x="5183188" y="449263"/>
+            <a:ext cx="6172200" cy="5411787"/>
+          </a:xfrm>
+        </p:spPr>
         <p:txBody>
           <a:bodyPr anchor="ctr"/>
           <a:lstStyle/>
@@ -18718,23 +18628,7 @@
             </a:r>
             <a:r>
               <a:rPr lang="de-AT" dirty="0"/>
-              <a:t>authentifiziert und </a:t>
-            </a:r>
-            <a:r>
-              <a:rPr lang="de-AT" i="1" dirty="0"/>
-              <a:t>Client</a:t>
-            </a:r>
-            <a:r>
-              <a:rPr lang="de-AT" dirty="0"/>
-              <a:t>  </a:t>
-            </a:r>
-            <a:r>
-              <a:rPr lang="de-AT" dirty="0" err="1"/>
-              <a:t>authorisiert</a:t>
-            </a:r>
-            <a:r>
-              <a:rPr lang="de-AT" dirty="0"/>
-              <a:t>.</a:t>
+              <a:t>authentifiziert.</a:t>
             </a:r>
             <a:endParaRPr lang="en-US" dirty="0"/>
           </a:p>
@@ -18794,7 +18688,7 @@
 </p:sld>
 </file>
 
-<file path=ppt/slides/slide23.xml><?xml version="1.0" encoding="utf-8"?>
+<file path=ppt/slides/slide24.xml><?xml version="1.0" encoding="utf-8"?>
 <p:sld xmlns:a="http://schemas.openxmlformats.org/drawingml/2006/main" xmlns:r="http://schemas.openxmlformats.org/officeDocument/2006/relationships" xmlns:p="http://schemas.openxmlformats.org/presentationml/2006/main">
   <p:cSld>
     <p:spTree>
@@ -18852,7 +18746,12 @@
             <p:ph idx="1"/>
           </p:nvPr>
         </p:nvSpPr>
-        <p:spPr/>
+        <p:spPr>
+          <a:xfrm>
+            <a:off x="5183188" y="449263"/>
+            <a:ext cx="6172200" cy="5411788"/>
+          </a:xfrm>
+        </p:spPr>
         <p:txBody>
           <a:bodyPr anchor="ctr"/>
           <a:lstStyle/>
@@ -18926,7 +18825,930 @@
 </p:sld>
 </file>
 
-<file path=ppt/slides/slide24.xml><?xml version="1.0" encoding="utf-8"?>
+<file path=ppt/slides/slide25.xml><?xml version="1.0" encoding="utf-8"?>
+<p:sld xmlns:a="http://schemas.openxmlformats.org/drawingml/2006/main" xmlns:r="http://schemas.openxmlformats.org/officeDocument/2006/relationships" xmlns:p="http://schemas.openxmlformats.org/presentationml/2006/main">
+  <p:cSld>
+    <p:spTree>
+      <p:nvGrpSpPr>
+        <p:cNvPr id="1" name=""/>
+        <p:cNvGrpSpPr/>
+        <p:nvPr/>
+      </p:nvGrpSpPr>
+      <p:grpSpPr>
+        <a:xfrm>
+          <a:off x="0" y="0"/>
+          <a:ext cx="0" cy="0"/>
+          <a:chOff x="0" y="0"/>
+          <a:chExt cx="0" cy="0"/>
+        </a:xfrm>
+      </p:grpSpPr>
+      <p:sp>
+        <p:nvSpPr>
+          <p:cNvPr id="5" name="Title 4">
+            <a:extLst>
+              <a:ext uri="{FF2B5EF4-FFF2-40B4-BE49-F238E27FC236}">
+                <a16:creationId xmlns:a16="http://schemas.microsoft.com/office/drawing/2014/main" id="{0BAF6249-981A-47E5-88CE-08877BC64A60}"/>
+              </a:ext>
+            </a:extLst>
+          </p:cNvPr>
+          <p:cNvSpPr>
+            <a:spLocks noGrp="1"/>
+          </p:cNvSpPr>
+          <p:nvPr>
+            <p:ph type="title"/>
+          </p:nvPr>
+        </p:nvSpPr>
+        <p:spPr>
+          <a:xfrm>
+            <a:off x="838200" y="365125"/>
+            <a:ext cx="10515600" cy="1325563"/>
+          </a:xfrm>
+        </p:spPr>
+        <p:txBody>
+          <a:bodyPr/>
+          <a:lstStyle/>
+          <a:p>
+            <a:r>
+              <a:rPr lang="de-AT" dirty="0"/>
+              <a:t>Wer mit wem</a:t>
+            </a:r>
+            <a:endParaRPr lang="en-US" dirty="0"/>
+          </a:p>
+        </p:txBody>
+      </p:sp>
+      <p:grpSp>
+        <p:nvGrpSpPr>
+          <p:cNvPr id="7" name="Group 6">
+            <a:extLst>
+              <a:ext uri="{FF2B5EF4-FFF2-40B4-BE49-F238E27FC236}">
+                <a16:creationId xmlns:a16="http://schemas.microsoft.com/office/drawing/2014/main" id="{6681C29E-76A9-47F4-92F0-9F4829A2BC60}"/>
+              </a:ext>
+            </a:extLst>
+          </p:cNvPr>
+          <p:cNvGrpSpPr/>
+          <p:nvPr/>
+        </p:nvGrpSpPr>
+        <p:grpSpPr>
+          <a:xfrm>
+            <a:off x="2768346" y="1984976"/>
+            <a:ext cx="1446924" cy="1256077"/>
+            <a:chOff x="974256" y="4958709"/>
+            <a:chExt cx="1446924" cy="1256077"/>
+          </a:xfrm>
+        </p:grpSpPr>
+        <p:pic>
+          <p:nvPicPr>
+            <p:cNvPr id="8" name="Graphic 7">
+              <a:extLst>
+                <a:ext uri="{FF2B5EF4-FFF2-40B4-BE49-F238E27FC236}">
+                  <a16:creationId xmlns:a16="http://schemas.microsoft.com/office/drawing/2014/main" id="{E2263CE1-8E1A-4A05-8DAF-C23F981A3C18}"/>
+                </a:ext>
+              </a:extLst>
+            </p:cNvPr>
+            <p:cNvPicPr>
+              <a:picLocks noChangeAspect="1"/>
+            </p:cNvPicPr>
+            <p:nvPr/>
+          </p:nvPicPr>
+          <p:blipFill>
+            <a:blip r:embed="rId2" cstate="hqprint">
+              <a:extLst>
+                <a:ext uri="{28A0092B-C50C-407E-A947-70E740481C1C}">
+                  <a14:useLocalDpi xmlns:a14="http://schemas.microsoft.com/office/drawing/2010/main" val="0"/>
+                </a:ext>
+                <a:ext uri="{96DAC541-7B7A-43D3-8B79-37D633B846F1}">
+                  <asvg:svgBlip xmlns:asvg="http://schemas.microsoft.com/office/drawing/2016/SVG/main" r:embed="rId3"/>
+                </a:ext>
+              </a:extLst>
+            </a:blip>
+            <a:stretch>
+              <a:fillRect/>
+            </a:stretch>
+          </p:blipFill>
+          <p:spPr>
+            <a:xfrm flipH="1">
+              <a:off x="1211718" y="4958709"/>
+              <a:ext cx="972000" cy="972000"/>
+            </a:xfrm>
+            <a:prstGeom prst="rect">
+              <a:avLst/>
+            </a:prstGeom>
+          </p:spPr>
+        </p:pic>
+        <p:sp>
+          <p:nvSpPr>
+            <p:cNvPr id="9" name="TextBox 8">
+              <a:extLst>
+                <a:ext uri="{FF2B5EF4-FFF2-40B4-BE49-F238E27FC236}">
+                  <a16:creationId xmlns:a16="http://schemas.microsoft.com/office/drawing/2014/main" id="{419DA4C4-4A78-4E6D-B0CF-1D7718B91832}"/>
+                </a:ext>
+              </a:extLst>
+            </p:cNvPr>
+            <p:cNvSpPr txBox="1"/>
+            <p:nvPr/>
+          </p:nvSpPr>
+          <p:spPr>
+            <a:xfrm>
+              <a:off x="974256" y="5937787"/>
+              <a:ext cx="1446924" cy="276999"/>
+            </a:xfrm>
+            <a:prstGeom prst="rect">
+              <a:avLst/>
+            </a:prstGeom>
+            <a:noFill/>
+          </p:spPr>
+          <p:txBody>
+            <a:bodyPr wrap="square" rtlCol="0">
+              <a:spAutoFit/>
+            </a:bodyPr>
+            <a:lstStyle/>
+            <a:p>
+              <a:pPr algn="ctr"/>
+              <a:r>
+                <a:rPr lang="de-AT" sz="1200" dirty="0"/>
+                <a:t>Client</a:t>
+              </a:r>
+              <a:endParaRPr lang="en-US" sz="1200" dirty="0"/>
+            </a:p>
+          </p:txBody>
+        </p:sp>
+      </p:grpSp>
+      <p:grpSp>
+        <p:nvGrpSpPr>
+          <p:cNvPr id="10" name="Group 9">
+            <a:extLst>
+              <a:ext uri="{FF2B5EF4-FFF2-40B4-BE49-F238E27FC236}">
+                <a16:creationId xmlns:a16="http://schemas.microsoft.com/office/drawing/2014/main" id="{EE3D6BDD-DE3A-4168-952B-388F3D6A9B41}"/>
+              </a:ext>
+            </a:extLst>
+          </p:cNvPr>
+          <p:cNvGrpSpPr/>
+          <p:nvPr/>
+        </p:nvGrpSpPr>
+        <p:grpSpPr>
+          <a:xfrm>
+            <a:off x="2795778" y="4347852"/>
+            <a:ext cx="1446924" cy="1252359"/>
+            <a:chOff x="593591" y="1628373"/>
+            <a:chExt cx="1446924" cy="1252359"/>
+          </a:xfrm>
+        </p:grpSpPr>
+        <p:pic>
+          <p:nvPicPr>
+            <p:cNvPr id="11" name="Graphic 10">
+              <a:extLst>
+                <a:ext uri="{FF2B5EF4-FFF2-40B4-BE49-F238E27FC236}">
+                  <a16:creationId xmlns:a16="http://schemas.microsoft.com/office/drawing/2014/main" id="{A7E278B7-F5B2-4FD4-8C42-3327C339B62F}"/>
+                </a:ext>
+              </a:extLst>
+            </p:cNvPr>
+            <p:cNvPicPr>
+              <a:picLocks noChangeAspect="1"/>
+            </p:cNvPicPr>
+            <p:nvPr/>
+          </p:nvPicPr>
+          <p:blipFill>
+            <a:blip r:embed="rId4" cstate="hqprint">
+              <a:extLst>
+                <a:ext uri="{28A0092B-C50C-407E-A947-70E740481C1C}">
+                  <a14:useLocalDpi xmlns:a14="http://schemas.microsoft.com/office/drawing/2010/main" val="0"/>
+                </a:ext>
+                <a:ext uri="{96DAC541-7B7A-43D3-8B79-37D633B846F1}">
+                  <asvg:svgBlip xmlns:asvg="http://schemas.microsoft.com/office/drawing/2016/SVG/main" r:embed="rId5"/>
+                </a:ext>
+              </a:extLst>
+            </a:blip>
+            <a:stretch>
+              <a:fillRect/>
+            </a:stretch>
+          </p:blipFill>
+          <p:spPr>
+            <a:xfrm>
+              <a:off x="768096" y="1628373"/>
+              <a:ext cx="1053000" cy="936000"/>
+            </a:xfrm>
+            <a:prstGeom prst="rect">
+              <a:avLst/>
+            </a:prstGeom>
+          </p:spPr>
+        </p:pic>
+        <p:sp>
+          <p:nvSpPr>
+            <p:cNvPr id="12" name="TextBox 11">
+              <a:extLst>
+                <a:ext uri="{FF2B5EF4-FFF2-40B4-BE49-F238E27FC236}">
+                  <a16:creationId xmlns:a16="http://schemas.microsoft.com/office/drawing/2014/main" id="{D3302C74-2362-4CB0-9819-C012A74BBDA5}"/>
+                </a:ext>
+              </a:extLst>
+            </p:cNvPr>
+            <p:cNvSpPr txBox="1"/>
+            <p:nvPr/>
+          </p:nvSpPr>
+          <p:spPr>
+            <a:xfrm>
+              <a:off x="593591" y="2603733"/>
+              <a:ext cx="1446924" cy="276999"/>
+            </a:xfrm>
+            <a:prstGeom prst="rect">
+              <a:avLst/>
+            </a:prstGeom>
+            <a:noFill/>
+          </p:spPr>
+          <p:txBody>
+            <a:bodyPr wrap="square" rtlCol="0">
+              <a:spAutoFit/>
+            </a:bodyPr>
+            <a:lstStyle/>
+            <a:p>
+              <a:pPr algn="ctr"/>
+              <a:r>
+                <a:rPr lang="de-AT" sz="1200" dirty="0" err="1"/>
+                <a:t>Resource</a:t>
+              </a:r>
+              <a:r>
+                <a:rPr lang="de-AT" sz="1200" dirty="0"/>
+                <a:t> </a:t>
+              </a:r>
+              <a:r>
+                <a:rPr lang="de-AT" sz="1200" dirty="0" err="1"/>
+                <a:t>Owner</a:t>
+              </a:r>
+              <a:endParaRPr lang="en-US" sz="1200" dirty="0"/>
+            </a:p>
+          </p:txBody>
+        </p:sp>
+      </p:grpSp>
+      <p:grpSp>
+        <p:nvGrpSpPr>
+          <p:cNvPr id="13" name="Group 12">
+            <a:extLst>
+              <a:ext uri="{FF2B5EF4-FFF2-40B4-BE49-F238E27FC236}">
+                <a16:creationId xmlns:a16="http://schemas.microsoft.com/office/drawing/2014/main" id="{DB35B885-42E5-4247-9AED-CAA51220DC4F}"/>
+              </a:ext>
+            </a:extLst>
+          </p:cNvPr>
+          <p:cNvGrpSpPr/>
+          <p:nvPr/>
+        </p:nvGrpSpPr>
+        <p:grpSpPr>
+          <a:xfrm>
+            <a:off x="7269240" y="1459745"/>
+            <a:ext cx="1722477" cy="1866160"/>
+            <a:chOff x="4233854" y="1261553"/>
+            <a:chExt cx="1722477" cy="1866160"/>
+          </a:xfrm>
+        </p:grpSpPr>
+        <p:grpSp>
+          <p:nvGrpSpPr>
+            <p:cNvPr id="14" name="Group 13">
+              <a:extLst>
+                <a:ext uri="{FF2B5EF4-FFF2-40B4-BE49-F238E27FC236}">
+                  <a16:creationId xmlns:a16="http://schemas.microsoft.com/office/drawing/2014/main" id="{0A0E73DA-B066-4862-AD05-908FB07A4144}"/>
+                </a:ext>
+              </a:extLst>
+            </p:cNvPr>
+            <p:cNvGrpSpPr/>
+            <p:nvPr/>
+          </p:nvGrpSpPr>
+          <p:grpSpPr>
+            <a:xfrm>
+              <a:off x="4233854" y="1261553"/>
+              <a:ext cx="1439717" cy="1382102"/>
+              <a:chOff x="6711985" y="1075720"/>
+              <a:chExt cx="1439717" cy="1382102"/>
+            </a:xfrm>
+          </p:grpSpPr>
+          <p:pic>
+            <p:nvPicPr>
+              <p:cNvPr id="16" name="Graphic 15">
+                <a:extLst>
+                  <a:ext uri="{FF2B5EF4-FFF2-40B4-BE49-F238E27FC236}">
+                    <a16:creationId xmlns:a16="http://schemas.microsoft.com/office/drawing/2014/main" id="{6C6D2B62-C7E9-47E3-87D7-E0C3825797F9}"/>
+                  </a:ext>
+                </a:extLst>
+              </p:cNvPr>
+              <p:cNvPicPr>
+                <a:picLocks noChangeAspect="1"/>
+              </p:cNvPicPr>
+              <p:nvPr/>
+            </p:nvPicPr>
+            <p:blipFill>
+              <a:blip r:embed="rId6" cstate="hqprint">
+                <a:extLst>
+                  <a:ext uri="{28A0092B-C50C-407E-A947-70E740481C1C}">
+                    <a14:useLocalDpi xmlns:a14="http://schemas.microsoft.com/office/drawing/2010/main" val="0"/>
+                  </a:ext>
+                  <a:ext uri="{96DAC541-7B7A-43D3-8B79-37D633B846F1}">
+                    <asvg:svgBlip xmlns:asvg="http://schemas.microsoft.com/office/drawing/2016/SVG/main" r:embed="rId7"/>
+                  </a:ext>
+                </a:extLst>
+              </a:blip>
+              <a:stretch>
+                <a:fillRect/>
+              </a:stretch>
+            </p:blipFill>
+            <p:spPr>
+              <a:xfrm>
+                <a:off x="6711985" y="1075720"/>
+                <a:ext cx="720000" cy="576000"/>
+              </a:xfrm>
+              <a:prstGeom prst="rect">
+                <a:avLst/>
+              </a:prstGeom>
+            </p:spPr>
+          </p:pic>
+          <p:pic>
+            <p:nvPicPr>
+              <p:cNvPr id="17" name="Graphic 16">
+                <a:extLst>
+                  <a:ext uri="{FF2B5EF4-FFF2-40B4-BE49-F238E27FC236}">
+                    <a16:creationId xmlns:a16="http://schemas.microsoft.com/office/drawing/2014/main" id="{A68F7942-67D8-4FBF-ACE7-E9AF83F6D65D}"/>
+                  </a:ext>
+                </a:extLst>
+              </p:cNvPr>
+              <p:cNvPicPr>
+                <a:picLocks noChangeAspect="1"/>
+              </p:cNvPicPr>
+              <p:nvPr/>
+            </p:nvPicPr>
+            <p:blipFill>
+              <a:blip r:embed="rId8" cstate="hqprint">
+                <a:extLst>
+                  <a:ext uri="{28A0092B-C50C-407E-A947-70E740481C1C}">
+                    <a14:useLocalDpi xmlns:a14="http://schemas.microsoft.com/office/drawing/2010/main" val="0"/>
+                  </a:ext>
+                  <a:ext uri="{96DAC541-7B7A-43D3-8B79-37D633B846F1}">
+                    <asvg:svgBlip xmlns:asvg="http://schemas.microsoft.com/office/drawing/2016/SVG/main" r:embed="rId9"/>
+                  </a:ext>
+                </a:extLst>
+              </a:blip>
+              <a:stretch>
+                <a:fillRect/>
+              </a:stretch>
+            </p:blipFill>
+            <p:spPr>
+              <a:xfrm>
+                <a:off x="7215702" y="1521822"/>
+                <a:ext cx="936000" cy="936000"/>
+              </a:xfrm>
+              <a:prstGeom prst="rect">
+                <a:avLst/>
+              </a:prstGeom>
+            </p:spPr>
+          </p:pic>
+        </p:grpSp>
+        <p:sp>
+          <p:nvSpPr>
+            <p:cNvPr id="15" name="TextBox 14">
+              <a:extLst>
+                <a:ext uri="{FF2B5EF4-FFF2-40B4-BE49-F238E27FC236}">
+                  <a16:creationId xmlns:a16="http://schemas.microsoft.com/office/drawing/2014/main" id="{69EFB5C5-B933-472A-95A8-42CCED722C49}"/>
+                </a:ext>
+              </a:extLst>
+            </p:cNvPr>
+            <p:cNvSpPr txBox="1"/>
+            <p:nvPr/>
+          </p:nvSpPr>
+          <p:spPr>
+            <a:xfrm>
+              <a:off x="4509407" y="2666048"/>
+              <a:ext cx="1446924" cy="461665"/>
+            </a:xfrm>
+            <a:prstGeom prst="rect">
+              <a:avLst/>
+            </a:prstGeom>
+            <a:noFill/>
+          </p:spPr>
+          <p:txBody>
+            <a:bodyPr wrap="square" rtlCol="0">
+              <a:spAutoFit/>
+            </a:bodyPr>
+            <a:lstStyle/>
+            <a:p>
+              <a:pPr algn="ctr"/>
+              <a:r>
+                <a:rPr lang="de-AT" sz="1200" dirty="0" err="1"/>
+                <a:t>Authorization</a:t>
+              </a:r>
+              <a:r>
+                <a:rPr lang="de-AT" sz="1200" dirty="0"/>
+                <a:t> Server</a:t>
+              </a:r>
+              <a:endParaRPr lang="en-US" sz="1200" dirty="0"/>
+            </a:p>
+          </p:txBody>
+        </p:sp>
+      </p:grpSp>
+      <p:grpSp>
+        <p:nvGrpSpPr>
+          <p:cNvPr id="18" name="Group 17">
+            <a:extLst>
+              <a:ext uri="{FF2B5EF4-FFF2-40B4-BE49-F238E27FC236}">
+                <a16:creationId xmlns:a16="http://schemas.microsoft.com/office/drawing/2014/main" id="{24A5056D-B870-4377-B526-C73F2FEDFAD0}"/>
+              </a:ext>
+            </a:extLst>
+          </p:cNvPr>
+          <p:cNvGrpSpPr/>
+          <p:nvPr/>
+        </p:nvGrpSpPr>
+        <p:grpSpPr>
+          <a:xfrm>
+            <a:off x="7544177" y="3919428"/>
+            <a:ext cx="1446924" cy="1664831"/>
+            <a:chOff x="3466233" y="4155004"/>
+            <a:chExt cx="1446924" cy="1664831"/>
+          </a:xfrm>
+        </p:grpSpPr>
+        <p:grpSp>
+          <p:nvGrpSpPr>
+            <p:cNvPr id="19" name="Group 18">
+              <a:extLst>
+                <a:ext uri="{FF2B5EF4-FFF2-40B4-BE49-F238E27FC236}">
+                  <a16:creationId xmlns:a16="http://schemas.microsoft.com/office/drawing/2014/main" id="{6F6F0FCD-58D9-4D7D-8488-BF7071E7078D}"/>
+                </a:ext>
+              </a:extLst>
+            </p:cNvPr>
+            <p:cNvGrpSpPr/>
+            <p:nvPr/>
+          </p:nvGrpSpPr>
+          <p:grpSpPr>
+            <a:xfrm>
+              <a:off x="3466233" y="4589869"/>
+              <a:ext cx="1446924" cy="1229966"/>
+              <a:chOff x="2745384" y="1690688"/>
+              <a:chExt cx="1446924" cy="1229966"/>
+            </a:xfrm>
+          </p:grpSpPr>
+          <p:sp>
+            <p:nvSpPr>
+              <p:cNvPr id="21" name="TextBox 20">
+                <a:extLst>
+                  <a:ext uri="{FF2B5EF4-FFF2-40B4-BE49-F238E27FC236}">
+                    <a16:creationId xmlns:a16="http://schemas.microsoft.com/office/drawing/2014/main" id="{88466DB1-0975-4BAF-940B-5CD6673680B7}"/>
+                  </a:ext>
+                </a:extLst>
+              </p:cNvPr>
+              <p:cNvSpPr txBox="1"/>
+              <p:nvPr/>
+            </p:nvSpPr>
+            <p:spPr>
+              <a:xfrm>
+                <a:off x="2745384" y="2643655"/>
+                <a:ext cx="1446924" cy="276999"/>
+              </a:xfrm>
+              <a:prstGeom prst="rect">
+                <a:avLst/>
+              </a:prstGeom>
+              <a:noFill/>
+            </p:spPr>
+            <p:txBody>
+              <a:bodyPr wrap="square" rtlCol="0">
+                <a:spAutoFit/>
+              </a:bodyPr>
+              <a:lstStyle/>
+              <a:p>
+                <a:pPr algn="ctr"/>
+                <a:r>
+                  <a:rPr lang="de-AT" sz="1200" dirty="0" err="1"/>
+                  <a:t>Resource</a:t>
+                </a:r>
+                <a:r>
+                  <a:rPr lang="de-AT" sz="1200" dirty="0"/>
+                  <a:t> Server</a:t>
+                </a:r>
+                <a:endParaRPr lang="en-US" sz="1200" dirty="0"/>
+              </a:p>
+            </p:txBody>
+          </p:sp>
+          <p:pic>
+            <p:nvPicPr>
+              <p:cNvPr id="22" name="Graphic 21">
+                <a:extLst>
+                  <a:ext uri="{FF2B5EF4-FFF2-40B4-BE49-F238E27FC236}">
+                    <a16:creationId xmlns:a16="http://schemas.microsoft.com/office/drawing/2014/main" id="{A11AD4AA-C5EB-42B6-8096-CEF568246178}"/>
+                  </a:ext>
+                </a:extLst>
+              </p:cNvPr>
+              <p:cNvPicPr>
+                <a:picLocks noChangeAspect="1"/>
+              </p:cNvPicPr>
+              <p:nvPr/>
+            </p:nvPicPr>
+            <p:blipFill>
+              <a:blip r:embed="rId8" cstate="hqprint">
+                <a:extLst>
+                  <a:ext uri="{28A0092B-C50C-407E-A947-70E740481C1C}">
+                    <a14:useLocalDpi xmlns:a14="http://schemas.microsoft.com/office/drawing/2010/main" val="0"/>
+                  </a:ext>
+                  <a:ext uri="{96DAC541-7B7A-43D3-8B79-37D633B846F1}">
+                    <asvg:svgBlip xmlns:asvg="http://schemas.microsoft.com/office/drawing/2016/SVG/main" r:embed="rId9"/>
+                  </a:ext>
+                </a:extLst>
+              </a:blip>
+              <a:stretch>
+                <a:fillRect/>
+              </a:stretch>
+            </p:blipFill>
+            <p:spPr>
+              <a:xfrm>
+                <a:off x="3000846" y="1690688"/>
+                <a:ext cx="936000" cy="936000"/>
+              </a:xfrm>
+              <a:prstGeom prst="rect">
+                <a:avLst/>
+              </a:prstGeom>
+            </p:spPr>
+          </p:pic>
+        </p:grpSp>
+        <p:pic>
+          <p:nvPicPr>
+            <p:cNvPr id="20" name="Graphic 19">
+              <a:extLst>
+                <a:ext uri="{FF2B5EF4-FFF2-40B4-BE49-F238E27FC236}">
+                  <a16:creationId xmlns:a16="http://schemas.microsoft.com/office/drawing/2014/main" id="{39071E3A-DC91-44C4-B623-B093DE20C853}"/>
+                </a:ext>
+              </a:extLst>
+            </p:cNvPr>
+            <p:cNvPicPr>
+              <a:picLocks noChangeAspect="1"/>
+            </p:cNvPicPr>
+            <p:nvPr/>
+          </p:nvPicPr>
+          <p:blipFill>
+            <a:blip r:embed="rId10" cstate="hqprint">
+              <a:extLst>
+                <a:ext uri="{28A0092B-C50C-407E-A947-70E740481C1C}">
+                  <a14:useLocalDpi xmlns:a14="http://schemas.microsoft.com/office/drawing/2010/main" val="0"/>
+                </a:ext>
+                <a:ext uri="{96DAC541-7B7A-43D3-8B79-37D633B846F1}">
+                  <asvg:svgBlip xmlns:asvg="http://schemas.microsoft.com/office/drawing/2016/SVG/main" r:embed="rId11"/>
+                </a:ext>
+              </a:extLst>
+            </a:blip>
+            <a:stretch>
+              <a:fillRect/>
+            </a:stretch>
+          </p:blipFill>
+          <p:spPr>
+            <a:xfrm>
+              <a:off x="3505695" y="4155004"/>
+              <a:ext cx="432000" cy="576000"/>
+            </a:xfrm>
+            <a:prstGeom prst="rect">
+              <a:avLst/>
+            </a:prstGeom>
+          </p:spPr>
+        </p:pic>
+      </p:grpSp>
+      <p:grpSp>
+        <p:nvGrpSpPr>
+          <p:cNvPr id="65" name="Group 64">
+            <a:extLst>
+              <a:ext uri="{FF2B5EF4-FFF2-40B4-BE49-F238E27FC236}">
+                <a16:creationId xmlns:a16="http://schemas.microsoft.com/office/drawing/2014/main" id="{30668A82-9440-4083-8F89-30D0F5B073A7}"/>
+              </a:ext>
+            </a:extLst>
+          </p:cNvPr>
+          <p:cNvGrpSpPr/>
+          <p:nvPr/>
+        </p:nvGrpSpPr>
+        <p:grpSpPr>
+          <a:xfrm>
+            <a:off x="4023283" y="2099821"/>
+            <a:ext cx="3696730" cy="372766"/>
+            <a:chOff x="4023283" y="1911107"/>
+            <a:chExt cx="3696730" cy="372766"/>
+          </a:xfrm>
+        </p:grpSpPr>
+        <p:cxnSp>
+          <p:nvCxnSpPr>
+            <p:cNvPr id="36" name="Straight Arrow Connector 35">
+              <a:extLst>
+                <a:ext uri="{FF2B5EF4-FFF2-40B4-BE49-F238E27FC236}">
+                  <a16:creationId xmlns:a16="http://schemas.microsoft.com/office/drawing/2014/main" id="{67C4D515-2642-4544-8BFB-9D415815B0FC}"/>
+                </a:ext>
+              </a:extLst>
+            </p:cNvPr>
+            <p:cNvCxnSpPr>
+              <a:cxnSpLocks/>
+            </p:cNvCxnSpPr>
+            <p:nvPr/>
+          </p:nvCxnSpPr>
+          <p:spPr>
+            <a:xfrm flipV="1">
+              <a:off x="4023283" y="2257547"/>
+              <a:ext cx="3696730" cy="26326"/>
+            </a:xfrm>
+            <a:prstGeom prst="straightConnector1">
+              <a:avLst/>
+            </a:prstGeom>
+            <a:ln>
+              <a:tailEnd type="triangle"/>
+            </a:ln>
+          </p:spPr>
+          <p:style>
+            <a:lnRef idx="3">
+              <a:schemeClr val="accent3"/>
+            </a:lnRef>
+            <a:fillRef idx="0">
+              <a:schemeClr val="accent3"/>
+            </a:fillRef>
+            <a:effectRef idx="2">
+              <a:schemeClr val="accent3"/>
+            </a:effectRef>
+            <a:fontRef idx="minor">
+              <a:schemeClr val="tx1"/>
+            </a:fontRef>
+          </p:style>
+        </p:cxnSp>
+        <p:sp>
+          <p:nvSpPr>
+            <p:cNvPr id="61" name="TextBox 60">
+              <a:extLst>
+                <a:ext uri="{FF2B5EF4-FFF2-40B4-BE49-F238E27FC236}">
+                  <a16:creationId xmlns:a16="http://schemas.microsoft.com/office/drawing/2014/main" id="{5D2EB7D7-93CE-404C-9546-7CD605C9A0D4}"/>
+                </a:ext>
+              </a:extLst>
+            </p:cNvPr>
+            <p:cNvSpPr txBox="1"/>
+            <p:nvPr/>
+          </p:nvSpPr>
+          <p:spPr>
+            <a:xfrm>
+              <a:off x="5252228" y="1911107"/>
+              <a:ext cx="1076961" cy="276999"/>
+            </a:xfrm>
+            <a:prstGeom prst="rect">
+              <a:avLst/>
+            </a:prstGeom>
+            <a:noFill/>
+          </p:spPr>
+          <p:txBody>
+            <a:bodyPr wrap="none" rtlCol="0">
+              <a:spAutoFit/>
+            </a:bodyPr>
+            <a:lstStyle>
+              <a:defPPr>
+                <a:defRPr lang="en-US"/>
+              </a:defPPr>
+              <a:lvl1pPr>
+                <a:defRPr>
+                  <a:solidFill>
+                    <a:schemeClr val="bg1">
+                      <a:lumMod val="50000"/>
+                    </a:schemeClr>
+                  </a:solidFill>
+                </a:defRPr>
+              </a:lvl1pPr>
+            </a:lstStyle>
+            <a:p>
+              <a:r>
+                <a:rPr lang="de-AT" sz="1200" dirty="0"/>
+                <a:t>registriert sich</a:t>
+              </a:r>
+              <a:endParaRPr lang="en-US" sz="1200" dirty="0"/>
+            </a:p>
+          </p:txBody>
+        </p:sp>
+      </p:grpSp>
+      <p:grpSp>
+        <p:nvGrpSpPr>
+          <p:cNvPr id="71" name="Group 70">
+            <a:extLst>
+              <a:ext uri="{FF2B5EF4-FFF2-40B4-BE49-F238E27FC236}">
+                <a16:creationId xmlns:a16="http://schemas.microsoft.com/office/drawing/2014/main" id="{6AAB7345-6AE0-44DF-BCAB-E76706995C0F}"/>
+              </a:ext>
+            </a:extLst>
+          </p:cNvPr>
+          <p:cNvGrpSpPr/>
+          <p:nvPr/>
+        </p:nvGrpSpPr>
+        <p:grpSpPr>
+          <a:xfrm>
+            <a:off x="8267639" y="3325905"/>
+            <a:ext cx="758891" cy="1028388"/>
+            <a:chOff x="8267639" y="3325905"/>
+            <a:chExt cx="758891" cy="1028388"/>
+          </a:xfrm>
+        </p:grpSpPr>
+        <p:cxnSp>
+          <p:nvCxnSpPr>
+            <p:cNvPr id="30" name="Straight Arrow Connector 29">
+              <a:extLst>
+                <a:ext uri="{FF2B5EF4-FFF2-40B4-BE49-F238E27FC236}">
+                  <a16:creationId xmlns:a16="http://schemas.microsoft.com/office/drawing/2014/main" id="{0316740A-E8E4-40BA-81EA-DB7EB45A744F}"/>
+                </a:ext>
+              </a:extLst>
+            </p:cNvPr>
+            <p:cNvCxnSpPr>
+              <a:cxnSpLocks/>
+              <a:stCxn id="22" idx="0"/>
+              <a:endCxn id="15" idx="2"/>
+            </p:cNvCxnSpPr>
+            <p:nvPr/>
+          </p:nvCxnSpPr>
+          <p:spPr>
+            <a:xfrm flipV="1">
+              <a:off x="8267639" y="3325905"/>
+              <a:ext cx="616" cy="1028388"/>
+            </a:xfrm>
+            <a:prstGeom prst="straightConnector1">
+              <a:avLst/>
+            </a:prstGeom>
+            <a:ln>
+              <a:tailEnd type="triangle"/>
+            </a:ln>
+          </p:spPr>
+          <p:style>
+            <a:lnRef idx="3">
+              <a:schemeClr val="accent3"/>
+            </a:lnRef>
+            <a:fillRef idx="0">
+              <a:schemeClr val="accent3"/>
+            </a:fillRef>
+            <a:effectRef idx="2">
+              <a:schemeClr val="accent3"/>
+            </a:effectRef>
+            <a:fontRef idx="minor">
+              <a:schemeClr val="tx1"/>
+            </a:fontRef>
+          </p:style>
+        </p:cxnSp>
+        <p:sp>
+          <p:nvSpPr>
+            <p:cNvPr id="63" name="TextBox 62">
+              <a:extLst>
+                <a:ext uri="{FF2B5EF4-FFF2-40B4-BE49-F238E27FC236}">
+                  <a16:creationId xmlns:a16="http://schemas.microsoft.com/office/drawing/2014/main" id="{E6CC6823-299A-4FE5-B160-C20795A293D1}"/>
+                </a:ext>
+              </a:extLst>
+            </p:cNvPr>
+            <p:cNvSpPr txBox="1"/>
+            <p:nvPr/>
+          </p:nvSpPr>
+          <p:spPr>
+            <a:xfrm>
+              <a:off x="8338328" y="3695636"/>
+              <a:ext cx="688202" cy="276999"/>
+            </a:xfrm>
+            <a:prstGeom prst="rect">
+              <a:avLst/>
+            </a:prstGeom>
+            <a:noFill/>
+          </p:spPr>
+          <p:txBody>
+            <a:bodyPr wrap="none" rtlCol="0">
+              <a:spAutoFit/>
+            </a:bodyPr>
+            <a:lstStyle>
+              <a:defPPr>
+                <a:defRPr lang="en-US"/>
+              </a:defPPr>
+              <a:lvl1pPr>
+                <a:defRPr>
+                  <a:solidFill>
+                    <a:schemeClr val="bg1">
+                      <a:lumMod val="50000"/>
+                    </a:schemeClr>
+                  </a:solidFill>
+                </a:defRPr>
+              </a:lvl1pPr>
+            </a:lstStyle>
+            <a:p>
+              <a:r>
+                <a:rPr lang="de-AT" sz="1200" dirty="0"/>
+                <a:t>vertraut</a:t>
+              </a:r>
+              <a:endParaRPr lang="en-US" sz="1200" dirty="0"/>
+            </a:p>
+          </p:txBody>
+        </p:sp>
+      </p:grpSp>
+      <p:grpSp>
+        <p:nvGrpSpPr>
+          <p:cNvPr id="70" name="Group 69">
+            <a:extLst>
+              <a:ext uri="{FF2B5EF4-FFF2-40B4-BE49-F238E27FC236}">
+                <a16:creationId xmlns:a16="http://schemas.microsoft.com/office/drawing/2014/main" id="{388679D6-128C-4295-9896-BB2426B28AA8}"/>
+              </a:ext>
+            </a:extLst>
+          </p:cNvPr>
+          <p:cNvGrpSpPr/>
+          <p:nvPr/>
+        </p:nvGrpSpPr>
+        <p:grpSpPr>
+          <a:xfrm rot="19930410">
+            <a:off x="4062559" y="3454779"/>
+            <a:ext cx="3960754" cy="326865"/>
+            <a:chOff x="4090988" y="4815852"/>
+            <a:chExt cx="3629025" cy="326865"/>
+          </a:xfrm>
+        </p:grpSpPr>
+        <p:cxnSp>
+          <p:nvCxnSpPr>
+            <p:cNvPr id="27" name="Straight Arrow Connector 26">
+              <a:extLst>
+                <a:ext uri="{FF2B5EF4-FFF2-40B4-BE49-F238E27FC236}">
+                  <a16:creationId xmlns:a16="http://schemas.microsoft.com/office/drawing/2014/main" id="{4F86D8B1-435B-4173-908E-37BB614C5219}"/>
+                </a:ext>
+              </a:extLst>
+            </p:cNvPr>
+            <p:cNvCxnSpPr>
+              <a:cxnSpLocks/>
+            </p:cNvCxnSpPr>
+            <p:nvPr/>
+          </p:nvCxnSpPr>
+          <p:spPr>
+            <a:xfrm>
+              <a:off x="4090988" y="4815852"/>
+              <a:ext cx="3629025" cy="6441"/>
+            </a:xfrm>
+            <a:prstGeom prst="straightConnector1">
+              <a:avLst/>
+            </a:prstGeom>
+            <a:ln>
+              <a:tailEnd type="triangle"/>
+            </a:ln>
+          </p:spPr>
+          <p:style>
+            <a:lnRef idx="3">
+              <a:schemeClr val="accent3"/>
+            </a:lnRef>
+            <a:fillRef idx="0">
+              <a:schemeClr val="accent3"/>
+            </a:fillRef>
+            <a:effectRef idx="2">
+              <a:schemeClr val="accent3"/>
+            </a:effectRef>
+            <a:fontRef idx="minor">
+              <a:schemeClr val="tx1"/>
+            </a:fontRef>
+          </p:style>
+        </p:cxnSp>
+        <p:sp>
+          <p:nvSpPr>
+            <p:cNvPr id="64" name="TextBox 63">
+              <a:extLst>
+                <a:ext uri="{FF2B5EF4-FFF2-40B4-BE49-F238E27FC236}">
+                  <a16:creationId xmlns:a16="http://schemas.microsoft.com/office/drawing/2014/main" id="{F0159C37-2534-489C-BA19-879B46F26D39}"/>
+                </a:ext>
+              </a:extLst>
+            </p:cNvPr>
+            <p:cNvSpPr txBox="1"/>
+            <p:nvPr/>
+          </p:nvSpPr>
+          <p:spPr>
+            <a:xfrm>
+              <a:off x="5252228" y="4865718"/>
+              <a:ext cx="1076961" cy="276999"/>
+            </a:xfrm>
+            <a:prstGeom prst="rect">
+              <a:avLst/>
+            </a:prstGeom>
+            <a:noFill/>
+          </p:spPr>
+          <p:txBody>
+            <a:bodyPr wrap="none" rtlCol="0">
+              <a:spAutoFit/>
+            </a:bodyPr>
+            <a:lstStyle>
+              <a:defPPr>
+                <a:defRPr lang="en-US"/>
+              </a:defPPr>
+              <a:lvl1pPr>
+                <a:defRPr>
+                  <a:solidFill>
+                    <a:schemeClr val="bg1">
+                      <a:lumMod val="50000"/>
+                    </a:schemeClr>
+                  </a:solidFill>
+                </a:defRPr>
+              </a:lvl1pPr>
+            </a:lstStyle>
+            <a:p>
+              <a:r>
+                <a:rPr lang="de-AT" sz="1200" dirty="0"/>
+                <a:t>registriert sich</a:t>
+              </a:r>
+              <a:endParaRPr lang="en-US" sz="1200" dirty="0"/>
+            </a:p>
+          </p:txBody>
+        </p:sp>
+      </p:grpSp>
+    </p:spTree>
+    <p:extLst>
+      <p:ext uri="{BB962C8B-B14F-4D97-AF65-F5344CB8AC3E}">
+        <p14:creationId xmlns:p14="http://schemas.microsoft.com/office/powerpoint/2010/main" val="3579634975"/>
+      </p:ext>
+    </p:extLst>
+  </p:cSld>
+  <p:clrMapOvr>
+    <a:masterClrMapping/>
+  </p:clrMapOvr>
+</p:sld>
+</file>
+
+<file path=ppt/slides/slide26.xml><?xml version="1.0" encoding="utf-8"?>
 <p:sld xmlns:a="http://schemas.openxmlformats.org/drawingml/2006/main" xmlns:r="http://schemas.openxmlformats.org/officeDocument/2006/relationships" xmlns:p="http://schemas.openxmlformats.org/presentationml/2006/main">
   <p:cSld>
     <p:spTree>
@@ -19511,9 +20333,9 @@
         <p:grpSpPr>
           <a:xfrm>
             <a:off x="3491808" y="3241053"/>
-            <a:ext cx="684261" cy="1106799"/>
+            <a:ext cx="836547" cy="1106799"/>
             <a:chOff x="3491808" y="3241053"/>
-            <a:chExt cx="684261" cy="1106799"/>
+            <a:chExt cx="836547" cy="1106799"/>
           </a:xfrm>
         </p:grpSpPr>
         <p:cxnSp>
@@ -19574,7 +20396,7 @@
           <p:spPr>
             <a:xfrm>
               <a:off x="3510502" y="3642424"/>
-              <a:ext cx="665567" cy="276999"/>
+              <a:ext cx="817853" cy="276999"/>
             </a:xfrm>
             <a:prstGeom prst="rect">
               <a:avLst/>
@@ -19595,7 +20417,7 @@
                     </a:schemeClr>
                   </a:solidFill>
                 </a:rPr>
-                <a:t>benutzt</a:t>
+                <a:t>1. benutzt</a:t>
               </a:r>
               <a:endParaRPr lang="en-US" sz="1200" dirty="0">
                 <a:solidFill>
@@ -19683,8 +20505,8 @@
           </p:nvSpPr>
           <p:spPr>
             <a:xfrm rot="1376830">
-              <a:off x="4233283" y="2979497"/>
-              <a:ext cx="1565365" cy="276999"/>
+              <a:off x="4157142" y="2979497"/>
+              <a:ext cx="1717650" cy="276999"/>
             </a:xfrm>
             <a:prstGeom prst="rect">
               <a:avLst/>
@@ -19712,7 +20534,7 @@
             <a:p>
               <a:r>
                 <a:rPr lang="de-AT" sz="1200" dirty="0"/>
-                <a:t>greift auf die Daten zu</a:t>
+                <a:t>4. greift auf die Daten zu</a:t>
               </a:r>
               <a:endParaRPr lang="en-US" sz="1200" dirty="0"/>
             </a:p>
@@ -19733,10 +20555,10 @@
         </p:nvGrpSpPr>
         <p:grpSpPr>
           <a:xfrm>
-            <a:off x="4045205" y="2772872"/>
-            <a:ext cx="3660519" cy="1635749"/>
-            <a:chOff x="4045205" y="2772872"/>
-            <a:chExt cx="3660519" cy="1635749"/>
+            <a:off x="3917521" y="2772872"/>
+            <a:ext cx="3788203" cy="1574980"/>
+            <a:chOff x="3917521" y="2772872"/>
+            <a:chExt cx="3788203" cy="1574980"/>
           </a:xfrm>
         </p:grpSpPr>
         <p:cxnSp>
@@ -19794,8 +20616,8 @@
           </p:nvSpPr>
           <p:spPr>
             <a:xfrm rot="20213830">
-              <a:off x="4045205" y="3946956"/>
-              <a:ext cx="1912575" cy="461665"/>
+              <a:off x="3917521" y="3694780"/>
+              <a:ext cx="3350221" cy="461665"/>
             </a:xfrm>
             <a:prstGeom prst="rect">
               <a:avLst/>
@@ -19803,7 +20625,7 @@
             <a:noFill/>
           </p:spPr>
           <p:txBody>
-            <a:bodyPr wrap="none" rtlCol="0">
+            <a:bodyPr wrap="square" rtlCol="0">
               <a:spAutoFit/>
             </a:bodyPr>
             <a:lstStyle>
@@ -19823,7 +20645,7 @@
             <a:p>
               <a:r>
                 <a:rPr lang="de-AT" sz="1200" dirty="0"/>
-                <a:t>genehmigt </a:t>
+                <a:t>3. genehmigt </a:t>
               </a:r>
               <a:r>
                 <a:rPr lang="de-AT" sz="1200" i="1" dirty="0"/>
@@ -19858,7 +20680,7 @@
         </p:nvGrpSpPr>
         <p:grpSpPr>
           <a:xfrm>
-            <a:off x="4023283" y="1911107"/>
+            <a:off x="3744266" y="2108724"/>
             <a:ext cx="3696730" cy="372766"/>
             <a:chOff x="4023283" y="1911107"/>
             <a:chExt cx="3696730" cy="372766"/>
@@ -19920,7 +20742,7 @@
           <p:spPr>
             <a:xfrm>
               <a:off x="5252228" y="1911107"/>
-              <a:ext cx="1076961" cy="276999"/>
+              <a:ext cx="1500924" cy="276999"/>
             </a:xfrm>
             <a:prstGeom prst="rect">
               <a:avLst/>
@@ -19948,343 +20770,7 @@
             <a:p>
               <a:r>
                 <a:rPr lang="de-AT" sz="1200" dirty="0"/>
-                <a:t>registriert sich</a:t>
-              </a:r>
-              <a:endParaRPr lang="en-US" sz="1200" dirty="0"/>
-            </a:p>
-          </p:txBody>
-        </p:sp>
-      </p:grpSp>
-      <p:grpSp>
-        <p:nvGrpSpPr>
-          <p:cNvPr id="66" name="Group 65">
-            <a:extLst>
-              <a:ext uri="{FF2B5EF4-FFF2-40B4-BE49-F238E27FC236}">
-                <a16:creationId xmlns:a16="http://schemas.microsoft.com/office/drawing/2014/main" id="{4B4C8D69-627B-4BFD-9A1C-43457E85DDBD}"/>
-              </a:ext>
-            </a:extLst>
-          </p:cNvPr>
-          <p:cNvGrpSpPr/>
-          <p:nvPr/>
-        </p:nvGrpSpPr>
-        <p:grpSpPr>
-          <a:xfrm>
-            <a:off x="4008994" y="2337600"/>
-            <a:ext cx="3696730" cy="345579"/>
-            <a:chOff x="4008994" y="2337600"/>
-            <a:chExt cx="3696730" cy="345579"/>
-          </a:xfrm>
-        </p:grpSpPr>
-        <p:cxnSp>
-          <p:nvCxnSpPr>
-            <p:cNvPr id="44" name="Straight Arrow Connector 43">
-              <a:extLst>
-                <a:ext uri="{FF2B5EF4-FFF2-40B4-BE49-F238E27FC236}">
-                  <a16:creationId xmlns:a16="http://schemas.microsoft.com/office/drawing/2014/main" id="{B5B2AB7A-99C3-48A5-A7CE-6A28026C4BD0}"/>
-                </a:ext>
-              </a:extLst>
-            </p:cNvPr>
-            <p:cNvCxnSpPr>
-              <a:cxnSpLocks/>
-            </p:cNvCxnSpPr>
-            <p:nvPr/>
-          </p:nvCxnSpPr>
-          <p:spPr>
-            <a:xfrm flipV="1">
-              <a:off x="4008994" y="2656853"/>
-              <a:ext cx="3696730" cy="26326"/>
-            </a:xfrm>
-            <a:prstGeom prst="straightConnector1">
-              <a:avLst/>
-            </a:prstGeom>
-            <a:ln>
-              <a:headEnd type="triangle" w="med" len="med"/>
-              <a:tailEnd type="none" w="med" len="med"/>
-            </a:ln>
-          </p:spPr>
-          <p:style>
-            <a:lnRef idx="3">
-              <a:schemeClr val="accent3"/>
-            </a:lnRef>
-            <a:fillRef idx="0">
-              <a:schemeClr val="accent3"/>
-            </a:fillRef>
-            <a:effectRef idx="2">
-              <a:schemeClr val="accent3"/>
-            </a:effectRef>
-            <a:fontRef idx="minor">
-              <a:schemeClr val="tx1"/>
-            </a:fontRef>
-          </p:style>
-        </p:cxnSp>
-        <p:sp>
-          <p:nvSpPr>
-            <p:cNvPr id="62" name="TextBox 61">
-              <a:extLst>
-                <a:ext uri="{FF2B5EF4-FFF2-40B4-BE49-F238E27FC236}">
-                  <a16:creationId xmlns:a16="http://schemas.microsoft.com/office/drawing/2014/main" id="{9C259298-5B9C-4192-9AF6-1BC3C390278B}"/>
-                </a:ext>
-              </a:extLst>
-            </p:cNvPr>
-            <p:cNvSpPr txBox="1"/>
-            <p:nvPr/>
-          </p:nvSpPr>
-          <p:spPr>
-            <a:xfrm>
-              <a:off x="5372901" y="2337600"/>
-              <a:ext cx="835613" cy="276999"/>
-            </a:xfrm>
-            <a:prstGeom prst="rect">
-              <a:avLst/>
-            </a:prstGeom>
-            <a:noFill/>
-          </p:spPr>
-          <p:txBody>
-            <a:bodyPr wrap="none" rtlCol="0">
-              <a:spAutoFit/>
-            </a:bodyPr>
-            <a:lstStyle>
-              <a:defPPr>
-                <a:defRPr lang="en-US"/>
-              </a:defPPr>
-              <a:lvl1pPr>
-                <a:defRPr>
-                  <a:solidFill>
-                    <a:schemeClr val="bg1">
-                      <a:lumMod val="50000"/>
-                    </a:schemeClr>
-                  </a:solidFill>
-                </a:defRPr>
-              </a:lvl1pPr>
-            </a:lstStyle>
-            <a:p>
-              <a:r>
-                <a:rPr lang="de-AT" sz="1200" dirty="0"/>
-                <a:t>autorisiert</a:t>
-              </a:r>
-              <a:endParaRPr lang="en-US" sz="1200" dirty="0"/>
-            </a:p>
-          </p:txBody>
-        </p:sp>
-      </p:grpSp>
-      <p:grpSp>
-        <p:nvGrpSpPr>
-          <p:cNvPr id="71" name="Group 70">
-            <a:extLst>
-              <a:ext uri="{FF2B5EF4-FFF2-40B4-BE49-F238E27FC236}">
-                <a16:creationId xmlns:a16="http://schemas.microsoft.com/office/drawing/2014/main" id="{6AAB7345-6AE0-44DF-BCAB-E76706995C0F}"/>
-              </a:ext>
-            </a:extLst>
-          </p:cNvPr>
-          <p:cNvGrpSpPr/>
-          <p:nvPr/>
-        </p:nvGrpSpPr>
-        <p:grpSpPr>
-          <a:xfrm>
-            <a:off x="8267639" y="3325905"/>
-            <a:ext cx="758891" cy="1028388"/>
-            <a:chOff x="8267639" y="3325905"/>
-            <a:chExt cx="758891" cy="1028388"/>
-          </a:xfrm>
-        </p:grpSpPr>
-        <p:cxnSp>
-          <p:nvCxnSpPr>
-            <p:cNvPr id="30" name="Straight Arrow Connector 29">
-              <a:extLst>
-                <a:ext uri="{FF2B5EF4-FFF2-40B4-BE49-F238E27FC236}">
-                  <a16:creationId xmlns:a16="http://schemas.microsoft.com/office/drawing/2014/main" id="{0316740A-E8E4-40BA-81EA-DB7EB45A744F}"/>
-                </a:ext>
-              </a:extLst>
-            </p:cNvPr>
-            <p:cNvCxnSpPr>
-              <a:cxnSpLocks/>
-              <a:stCxn id="22" idx="0"/>
-              <a:endCxn id="15" idx="2"/>
-            </p:cNvCxnSpPr>
-            <p:nvPr/>
-          </p:nvCxnSpPr>
-          <p:spPr>
-            <a:xfrm flipV="1">
-              <a:off x="8267639" y="3325905"/>
-              <a:ext cx="616" cy="1028388"/>
-            </a:xfrm>
-            <a:prstGeom prst="straightConnector1">
-              <a:avLst/>
-            </a:prstGeom>
-            <a:ln>
-              <a:tailEnd type="triangle"/>
-            </a:ln>
-          </p:spPr>
-          <p:style>
-            <a:lnRef idx="3">
-              <a:schemeClr val="accent3"/>
-            </a:lnRef>
-            <a:fillRef idx="0">
-              <a:schemeClr val="accent3"/>
-            </a:fillRef>
-            <a:effectRef idx="2">
-              <a:schemeClr val="accent3"/>
-            </a:effectRef>
-            <a:fontRef idx="minor">
-              <a:schemeClr val="tx1"/>
-            </a:fontRef>
-          </p:style>
-        </p:cxnSp>
-        <p:sp>
-          <p:nvSpPr>
-            <p:cNvPr id="63" name="TextBox 62">
-              <a:extLst>
-                <a:ext uri="{FF2B5EF4-FFF2-40B4-BE49-F238E27FC236}">
-                  <a16:creationId xmlns:a16="http://schemas.microsoft.com/office/drawing/2014/main" id="{E6CC6823-299A-4FE5-B160-C20795A293D1}"/>
-                </a:ext>
-              </a:extLst>
-            </p:cNvPr>
-            <p:cNvSpPr txBox="1"/>
-            <p:nvPr/>
-          </p:nvSpPr>
-          <p:spPr>
-            <a:xfrm>
-              <a:off x="8338328" y="3695636"/>
-              <a:ext cx="688202" cy="276999"/>
-            </a:xfrm>
-            <a:prstGeom prst="rect">
-              <a:avLst/>
-            </a:prstGeom>
-            <a:noFill/>
-          </p:spPr>
-          <p:txBody>
-            <a:bodyPr wrap="none" rtlCol="0">
-              <a:spAutoFit/>
-            </a:bodyPr>
-            <a:lstStyle>
-              <a:defPPr>
-                <a:defRPr lang="en-US"/>
-              </a:defPPr>
-              <a:lvl1pPr>
-                <a:defRPr>
-                  <a:solidFill>
-                    <a:schemeClr val="bg1">
-                      <a:lumMod val="50000"/>
-                    </a:schemeClr>
-                  </a:solidFill>
-                </a:defRPr>
-              </a:lvl1pPr>
-            </a:lstStyle>
-            <a:p>
-              <a:r>
-                <a:rPr lang="de-AT" sz="1200" dirty="0"/>
-                <a:t>vertraut</a:t>
-              </a:r>
-              <a:endParaRPr lang="en-US" sz="1200" dirty="0"/>
-            </a:p>
-          </p:txBody>
-        </p:sp>
-      </p:grpSp>
-      <p:grpSp>
-        <p:nvGrpSpPr>
-          <p:cNvPr id="70" name="Group 69">
-            <a:extLst>
-              <a:ext uri="{FF2B5EF4-FFF2-40B4-BE49-F238E27FC236}">
-                <a16:creationId xmlns:a16="http://schemas.microsoft.com/office/drawing/2014/main" id="{388679D6-128C-4295-9896-BB2426B28AA8}"/>
-              </a:ext>
-            </a:extLst>
-          </p:cNvPr>
-          <p:cNvGrpSpPr/>
-          <p:nvPr/>
-        </p:nvGrpSpPr>
-        <p:grpSpPr>
-          <a:xfrm>
-            <a:off x="4090988" y="4815852"/>
-            <a:ext cx="3629025" cy="326865"/>
-            <a:chOff x="4090988" y="4815852"/>
-            <a:chExt cx="3629025" cy="326865"/>
-          </a:xfrm>
-        </p:grpSpPr>
-        <p:cxnSp>
-          <p:nvCxnSpPr>
-            <p:cNvPr id="27" name="Straight Arrow Connector 26">
-              <a:extLst>
-                <a:ext uri="{FF2B5EF4-FFF2-40B4-BE49-F238E27FC236}">
-                  <a16:creationId xmlns:a16="http://schemas.microsoft.com/office/drawing/2014/main" id="{4F86D8B1-435B-4173-908E-37BB614C5219}"/>
-                </a:ext>
-              </a:extLst>
-            </p:cNvPr>
-            <p:cNvCxnSpPr>
-              <a:cxnSpLocks/>
-            </p:cNvCxnSpPr>
-            <p:nvPr/>
-          </p:nvCxnSpPr>
-          <p:spPr>
-            <a:xfrm>
-              <a:off x="4090988" y="4815852"/>
-              <a:ext cx="3629025" cy="6441"/>
-            </a:xfrm>
-            <a:prstGeom prst="straightConnector1">
-              <a:avLst/>
-            </a:prstGeom>
-            <a:ln>
-              <a:tailEnd type="triangle"/>
-            </a:ln>
-          </p:spPr>
-          <p:style>
-            <a:lnRef idx="3">
-              <a:schemeClr val="accent3"/>
-            </a:lnRef>
-            <a:fillRef idx="0">
-              <a:schemeClr val="accent3"/>
-            </a:fillRef>
-            <a:effectRef idx="2">
-              <a:schemeClr val="accent3"/>
-            </a:effectRef>
-            <a:fontRef idx="minor">
-              <a:schemeClr val="tx1"/>
-            </a:fontRef>
-          </p:style>
-        </p:cxnSp>
-        <p:sp>
-          <p:nvSpPr>
-            <p:cNvPr id="64" name="TextBox 63">
-              <a:extLst>
-                <a:ext uri="{FF2B5EF4-FFF2-40B4-BE49-F238E27FC236}">
-                  <a16:creationId xmlns:a16="http://schemas.microsoft.com/office/drawing/2014/main" id="{F0159C37-2534-489C-BA19-879B46F26D39}"/>
-                </a:ext>
-              </a:extLst>
-            </p:cNvPr>
-            <p:cNvSpPr txBox="1"/>
-            <p:nvPr/>
-          </p:nvSpPr>
-          <p:spPr>
-            <a:xfrm>
-              <a:off x="5252228" y="4865718"/>
-              <a:ext cx="1076961" cy="276999"/>
-            </a:xfrm>
-            <a:prstGeom prst="rect">
-              <a:avLst/>
-            </a:prstGeom>
-            <a:noFill/>
-          </p:spPr>
-          <p:txBody>
-            <a:bodyPr wrap="none" rtlCol="0">
-              <a:spAutoFit/>
-            </a:bodyPr>
-            <a:lstStyle>
-              <a:defPPr>
-                <a:defRPr lang="en-US"/>
-              </a:defPPr>
-              <a:lvl1pPr>
-                <a:defRPr>
-                  <a:solidFill>
-                    <a:schemeClr val="bg1">
-                      <a:lumMod val="50000"/>
-                    </a:schemeClr>
-                  </a:solidFill>
-                </a:defRPr>
-              </a:lvl1pPr>
-            </a:lstStyle>
-            <a:p>
-              <a:r>
-                <a:rPr lang="de-AT" sz="1200" dirty="0"/>
-                <a:t>registriert sich</a:t>
+                <a:t>2. authentifiziert sich</a:t>
               </a:r>
               <a:endParaRPr lang="en-US" sz="1200" dirty="0"/>
             </a:p>
@@ -20294,7 +20780,7 @@
     </p:spTree>
     <p:extLst>
       <p:ext uri="{BB962C8B-B14F-4D97-AF65-F5344CB8AC3E}">
-        <p14:creationId xmlns:p14="http://schemas.microsoft.com/office/powerpoint/2010/main" val="3579634975"/>
+        <p14:creationId xmlns:p14="http://schemas.microsoft.com/office/powerpoint/2010/main" val="3355527369"/>
       </p:ext>
     </p:extLst>
   </p:cSld>
@@ -20304,7 +20790,7 @@
 </p:sld>
 </file>
 
-<file path=ppt/slides/slide25.xml><?xml version="1.0" encoding="utf-8"?>
+<file path=ppt/slides/slide27.xml><?xml version="1.0" encoding="utf-8"?>
 <p:sld xmlns:a="http://schemas.openxmlformats.org/drawingml/2006/main" xmlns:r="http://schemas.openxmlformats.org/officeDocument/2006/relationships" xmlns:p="http://schemas.openxmlformats.org/presentationml/2006/main">
   <p:cSld>
     <p:spTree>
@@ -20396,7 +20882,7 @@
 </p:sld>
 </file>
 
-<file path=ppt/slides/slide26.xml><?xml version="1.0" encoding="utf-8"?>
+<file path=ppt/slides/slide28.xml><?xml version="1.0" encoding="utf-8"?>
 <p:sld xmlns:a="http://schemas.openxmlformats.org/drawingml/2006/main" xmlns:r="http://schemas.openxmlformats.org/officeDocument/2006/relationships" xmlns:p="http://schemas.openxmlformats.org/presentationml/2006/main">
   <p:cSld>
     <p:spTree>
@@ -20503,7 +20989,7 @@
 </p:sld>
 </file>
 
-<file path=ppt/slides/slide27.xml><?xml version="1.0" encoding="utf-8"?>
+<file path=ppt/slides/slide29.xml><?xml version="1.0" encoding="utf-8"?>
 <p:sld xmlns:a="http://schemas.openxmlformats.org/drawingml/2006/main" xmlns:r="http://schemas.openxmlformats.org/officeDocument/2006/relationships" xmlns:p="http://schemas.openxmlformats.org/presentationml/2006/main">
   <p:cSld>
     <p:spTree>
@@ -20536,7 +21022,12 @@
             <p:ph type="title"/>
           </p:nvPr>
         </p:nvSpPr>
-        <p:spPr/>
+        <p:spPr>
+          <a:xfrm>
+            <a:off x="838199" y="365125"/>
+            <a:ext cx="10645877" cy="1325563"/>
+          </a:xfrm>
+        </p:spPr>
         <p:txBody>
           <a:bodyPr/>
           <a:lstStyle/>
@@ -20580,7 +21071,7 @@
           <a:p>
             <a:pPr>
               <a:lnSpc>
-                <a:spcPct val="150000"/>
+                <a:spcPct val="100000"/>
               </a:lnSpc>
             </a:pPr>
             <a:r>
@@ -20643,7 +21134,7 @@
           <a:p>
             <a:pPr>
               <a:lnSpc>
-                <a:spcPct val="150000"/>
+                <a:spcPct val="100000"/>
               </a:lnSpc>
             </a:pPr>
             <a:r>
@@ -20690,7 +21181,268 @@
 </p:sld>
 </file>
 
-<file path=ppt/slides/slide28.xml><?xml version="1.0" encoding="utf-8"?>
+<file path=ppt/slides/slide3.xml><?xml version="1.0" encoding="utf-8"?>
+<p:sld xmlns:a="http://schemas.openxmlformats.org/drawingml/2006/main" xmlns:r="http://schemas.openxmlformats.org/officeDocument/2006/relationships" xmlns:p="http://schemas.openxmlformats.org/presentationml/2006/main">
+  <p:cSld>
+    <p:spTree>
+      <p:nvGrpSpPr>
+        <p:cNvPr id="1" name=""/>
+        <p:cNvGrpSpPr/>
+        <p:nvPr/>
+      </p:nvGrpSpPr>
+      <p:grpSpPr>
+        <a:xfrm>
+          <a:off x="0" y="0"/>
+          <a:ext cx="0" cy="0"/>
+          <a:chOff x="0" y="0"/>
+          <a:chExt cx="0" cy="0"/>
+        </a:xfrm>
+      </p:grpSpPr>
+      <p:sp>
+        <p:nvSpPr>
+          <p:cNvPr id="2" name="Title 1">
+            <a:extLst>
+              <a:ext uri="{FF2B5EF4-FFF2-40B4-BE49-F238E27FC236}">
+                <a16:creationId xmlns:a16="http://schemas.microsoft.com/office/drawing/2014/main" id="{DF1B52E8-A395-4BE7-B093-8FE4BAFE3558}"/>
+              </a:ext>
+            </a:extLst>
+          </p:cNvPr>
+          <p:cNvSpPr>
+            <a:spLocks noGrp="1"/>
+          </p:cNvSpPr>
+          <p:nvPr>
+            <p:ph type="title"/>
+          </p:nvPr>
+        </p:nvSpPr>
+        <p:spPr/>
+        <p:txBody>
+          <a:bodyPr/>
+          <a:lstStyle/>
+          <a:p>
+            <a:endParaRPr lang="en-US" dirty="0"/>
+          </a:p>
+        </p:txBody>
+      </p:sp>
+      <p:pic>
+        <p:nvPicPr>
+          <p:cNvPr id="7" name="Picture 6">
+            <a:extLst>
+              <a:ext uri="{FF2B5EF4-FFF2-40B4-BE49-F238E27FC236}">
+                <a16:creationId xmlns:a16="http://schemas.microsoft.com/office/drawing/2014/main" id="{EE65434C-D0B6-47DA-806B-95D9FBFA04F1}"/>
+              </a:ext>
+            </a:extLst>
+          </p:cNvPr>
+          <p:cNvPicPr>
+            <a:picLocks noChangeAspect="1"/>
+          </p:cNvPicPr>
+          <p:nvPr/>
+        </p:nvPicPr>
+        <p:blipFill>
+          <a:blip r:embed="rId2">
+            <a:extLst>
+              <a:ext uri="{28A0092B-C50C-407E-A947-70E740481C1C}">
+                <a14:useLocalDpi xmlns:a14="http://schemas.microsoft.com/office/drawing/2010/main" val="0"/>
+              </a:ext>
+            </a:extLst>
+          </a:blip>
+          <a:stretch>
+            <a:fillRect/>
+          </a:stretch>
+        </p:blipFill>
+        <p:spPr>
+          <a:xfrm>
+            <a:off x="1702121" y="1771395"/>
+            <a:ext cx="2550216" cy="2550216"/>
+          </a:xfrm>
+          <a:prstGeom prst="ellipse">
+            <a:avLst/>
+          </a:prstGeom>
+          <a:ln w="63500" cap="rnd">
+            <a:solidFill>
+              <a:srgbClr val="333333"/>
+            </a:solidFill>
+          </a:ln>
+          <a:effectLst/>
+          <a:scene3d>
+            <a:camera prst="orthographicFront"/>
+            <a:lightRig rig="contrasting" dir="t">
+              <a:rot lat="0" lon="0" rev="3000000"/>
+            </a:lightRig>
+          </a:scene3d>
+          <a:sp3d contourW="7620">
+            <a:bevelT w="95250" h="31750"/>
+            <a:contourClr>
+              <a:srgbClr val="333333"/>
+            </a:contourClr>
+          </a:sp3d>
+        </p:spPr>
+      </p:pic>
+      <p:sp>
+        <p:nvSpPr>
+          <p:cNvPr id="8" name="TextBox 7">
+            <a:extLst>
+              <a:ext uri="{FF2B5EF4-FFF2-40B4-BE49-F238E27FC236}">
+                <a16:creationId xmlns:a16="http://schemas.microsoft.com/office/drawing/2014/main" id="{8F24A36A-7B68-4FB3-BD38-0855063C1A8F}"/>
+              </a:ext>
+            </a:extLst>
+          </p:cNvPr>
+          <p:cNvSpPr txBox="1"/>
+          <p:nvPr/>
+        </p:nvSpPr>
+        <p:spPr>
+          <a:xfrm>
+            <a:off x="1702121" y="4615766"/>
+            <a:ext cx="2642262" cy="584775"/>
+          </a:xfrm>
+          <a:prstGeom prst="rect">
+            <a:avLst/>
+          </a:prstGeom>
+          <a:noFill/>
+        </p:spPr>
+        <p:txBody>
+          <a:bodyPr wrap="none" rtlCol="0">
+            <a:spAutoFit/>
+          </a:bodyPr>
+          <a:lstStyle/>
+          <a:p>
+            <a:pPr algn="ctr"/>
+            <a:r>
+              <a:rPr lang="de-AT" sz="3200" dirty="0"/>
+              <a:t>Daniel Wagner</a:t>
+            </a:r>
+            <a:endParaRPr lang="en-US" sz="3200" dirty="0"/>
+          </a:p>
+        </p:txBody>
+      </p:sp>
+      <p:sp>
+        <p:nvSpPr>
+          <p:cNvPr id="9" name="TextBox 8">
+            <a:extLst>
+              <a:ext uri="{FF2B5EF4-FFF2-40B4-BE49-F238E27FC236}">
+                <a16:creationId xmlns:a16="http://schemas.microsoft.com/office/drawing/2014/main" id="{DE35E203-64DF-4C04-B174-11612E32E61D}"/>
+              </a:ext>
+            </a:extLst>
+          </p:cNvPr>
+          <p:cNvSpPr txBox="1"/>
+          <p:nvPr/>
+        </p:nvSpPr>
+        <p:spPr>
+          <a:xfrm>
+            <a:off x="1961540" y="5125595"/>
+            <a:ext cx="2344681" cy="523220"/>
+          </a:xfrm>
+          <a:prstGeom prst="rect">
+            <a:avLst/>
+          </a:prstGeom>
+          <a:noFill/>
+        </p:spPr>
+        <p:txBody>
+          <a:bodyPr wrap="none" rtlCol="0">
+            <a:spAutoFit/>
+          </a:bodyPr>
+          <a:lstStyle/>
+          <a:p>
+            <a:r>
+              <a:rPr lang="de-AT" sz="2800" dirty="0">
+                <a:hlinkClick r:id="rId3"/>
+              </a:rPr>
+              <a:t>daniel_wagn3r</a:t>
+            </a:r>
+            <a:endParaRPr lang="en-US" sz="2800" dirty="0"/>
+          </a:p>
+        </p:txBody>
+      </p:sp>
+      <p:pic>
+        <p:nvPicPr>
+          <p:cNvPr id="1028" name="Picture 4" descr="Bildergebnis fÃ¼r verbund logo">
+            <a:extLst>
+              <a:ext uri="{FF2B5EF4-FFF2-40B4-BE49-F238E27FC236}">
+                <a16:creationId xmlns:a16="http://schemas.microsoft.com/office/drawing/2014/main" id="{04C0DE8A-7A02-4D83-A839-DB703E3B7862}"/>
+              </a:ext>
+            </a:extLst>
+          </p:cNvPr>
+          <p:cNvPicPr>
+            <a:picLocks noChangeAspect="1" noChangeArrowheads="1"/>
+          </p:cNvPicPr>
+          <p:nvPr/>
+        </p:nvPicPr>
+        <p:blipFill>
+          <a:blip r:embed="rId4" cstate="hqprint">
+            <a:extLst>
+              <a:ext uri="{28A0092B-C50C-407E-A947-70E740481C1C}">
+                <a14:useLocalDpi xmlns:a14="http://schemas.microsoft.com/office/drawing/2010/main" val="0"/>
+              </a:ext>
+            </a:extLst>
+          </a:blip>
+          <a:srcRect/>
+          <a:stretch>
+            <a:fillRect/>
+          </a:stretch>
+        </p:blipFill>
+        <p:spPr bwMode="auto">
+          <a:xfrm>
+            <a:off x="3543067" y="1690688"/>
+            <a:ext cx="2552933" cy="523219"/>
+          </a:xfrm>
+          <a:prstGeom prst="rect">
+            <a:avLst/>
+          </a:prstGeom>
+          <a:noFill/>
+          <a:extLst>
+            <a:ext uri="{909E8E84-426E-40DD-AFC4-6F175D3DCCD1}">
+              <a14:hiddenFill xmlns:a14="http://schemas.microsoft.com/office/drawing/2010/main">
+                <a:solidFill>
+                  <a:srgbClr val="FFFFFF"/>
+                </a:solidFill>
+              </a14:hiddenFill>
+            </a:ext>
+          </a:extLst>
+        </p:spPr>
+      </p:pic>
+      <p:pic>
+        <p:nvPicPr>
+          <p:cNvPr id="3" name="Picture 2"/>
+          <p:cNvPicPr>
+            <a:picLocks noChangeAspect="1"/>
+          </p:cNvPicPr>
+          <p:nvPr/>
+        </p:nvPicPr>
+        <p:blipFill>
+          <a:blip r:embed="rId5" cstate="hqprint">
+            <a:extLst>
+              <a:ext uri="{28A0092B-C50C-407E-A947-70E740481C1C}">
+                <a14:useLocalDpi xmlns:a14="http://schemas.microsoft.com/office/drawing/2010/main" val="0"/>
+              </a:ext>
+            </a:extLst>
+          </a:blip>
+          <a:stretch>
+            <a:fillRect/>
+          </a:stretch>
+        </p:blipFill>
+        <p:spPr>
+          <a:xfrm>
+            <a:off x="1656908" y="5282033"/>
+            <a:ext cx="265158" cy="216000"/>
+          </a:xfrm>
+          <a:prstGeom prst="rect">
+            <a:avLst/>
+          </a:prstGeom>
+        </p:spPr>
+      </p:pic>
+    </p:spTree>
+    <p:extLst>
+      <p:ext uri="{BB962C8B-B14F-4D97-AF65-F5344CB8AC3E}">
+        <p14:creationId xmlns:p14="http://schemas.microsoft.com/office/powerpoint/2010/main" val="2553205811"/>
+      </p:ext>
+    </p:extLst>
+  </p:cSld>
+  <p:clrMapOvr>
+    <a:masterClrMapping/>
+  </p:clrMapOvr>
+</p:sld>
+</file>
+
+<file path=ppt/slides/slide30.xml><?xml version="1.0" encoding="utf-8"?>
 <p:sld xmlns:a="http://schemas.openxmlformats.org/drawingml/2006/main" xmlns:r="http://schemas.openxmlformats.org/officeDocument/2006/relationships" xmlns:p="http://schemas.openxmlformats.org/presentationml/2006/main">
   <p:cSld>
     <p:spTree>
@@ -20923,7 +21675,7 @@
 </p:sld>
 </file>
 
-<file path=ppt/slides/slide29.xml><?xml version="1.0" encoding="utf-8"?>
+<file path=ppt/slides/slide31.xml><?xml version="1.0" encoding="utf-8"?>
 <p:sld xmlns:a="http://schemas.openxmlformats.org/drawingml/2006/main" xmlns:r="http://schemas.openxmlformats.org/officeDocument/2006/relationships" xmlns:p="http://schemas.openxmlformats.org/presentationml/2006/main">
   <p:cSld>
     <p:spTree>
@@ -21253,10 +22005,10 @@
         </p:nvGrpSpPr>
         <p:grpSpPr>
           <a:xfrm>
-            <a:off x="4164163" y="2942214"/>
-            <a:ext cx="3696730" cy="324939"/>
-            <a:chOff x="4164163" y="2994320"/>
-            <a:chExt cx="3696730" cy="324939"/>
+            <a:off x="4164163" y="2931770"/>
+            <a:ext cx="3696730" cy="335383"/>
+            <a:chOff x="4164163" y="2983876"/>
+            <a:chExt cx="3696730" cy="335383"/>
           </a:xfrm>
         </p:grpSpPr>
         <p:cxnSp>
@@ -21315,8 +22067,8 @@
           </p:nvSpPr>
           <p:spPr>
             <a:xfrm>
-              <a:off x="5129159" y="2994320"/>
-              <a:ext cx="1766737" cy="276999"/>
+              <a:off x="5046687" y="2983876"/>
+              <a:ext cx="2142569" cy="276999"/>
             </a:xfrm>
             <a:prstGeom prst="rect">
               <a:avLst/>
@@ -21345,7 +22097,7 @@
               <a:pPr algn="ctr"/>
               <a:r>
                 <a:rPr lang="de-AT" dirty="0"/>
-                <a:t>1. Autorisierung Request</a:t>
+                <a:t>1. Authentifizierung Request</a:t>
               </a:r>
               <a:endParaRPr lang="en-US" dirty="0"/>
             </a:p>
@@ -22059,158 +22811,7 @@
 </p:sld>
 </file>
 
-<file path=ppt/slides/slide3.xml><?xml version="1.0" encoding="utf-8"?>
-<p:sld xmlns:a="http://schemas.openxmlformats.org/drawingml/2006/main" xmlns:r="http://schemas.openxmlformats.org/officeDocument/2006/relationships" xmlns:p="http://schemas.openxmlformats.org/presentationml/2006/main">
-  <p:cSld>
-    <p:spTree>
-      <p:nvGrpSpPr>
-        <p:cNvPr id="1" name=""/>
-        <p:cNvGrpSpPr/>
-        <p:nvPr/>
-      </p:nvGrpSpPr>
-      <p:grpSpPr>
-        <a:xfrm>
-          <a:off x="0" y="0"/>
-          <a:ext cx="0" cy="0"/>
-          <a:chOff x="0" y="0"/>
-          <a:chExt cx="0" cy="0"/>
-        </a:xfrm>
-      </p:grpSpPr>
-      <p:sp>
-        <p:nvSpPr>
-          <p:cNvPr id="2" name="Title 1">
-            <a:extLst>
-              <a:ext uri="{FF2B5EF4-FFF2-40B4-BE49-F238E27FC236}">
-                <a16:creationId xmlns:a16="http://schemas.microsoft.com/office/drawing/2014/main" id="{76D1CE63-ED43-4E04-A7D2-4D96E2DD3931}"/>
-              </a:ext>
-            </a:extLst>
-          </p:cNvPr>
-          <p:cNvSpPr>
-            <a:spLocks noGrp="1"/>
-          </p:cNvSpPr>
-          <p:nvPr>
-            <p:ph type="title"/>
-          </p:nvPr>
-        </p:nvSpPr>
-        <p:spPr/>
-        <p:txBody>
-          <a:bodyPr/>
-          <a:lstStyle/>
-          <a:p>
-            <a:r>
-              <a:rPr lang="de-AT" dirty="0"/>
-              <a:t>Identity vor dem Jahr 2010</a:t>
-            </a:r>
-            <a:endParaRPr lang="en-US" dirty="0"/>
-          </a:p>
-        </p:txBody>
-      </p:sp>
-      <p:sp>
-        <p:nvSpPr>
-          <p:cNvPr id="3" name="Content Placeholder 2">
-            <a:extLst>
-              <a:ext uri="{FF2B5EF4-FFF2-40B4-BE49-F238E27FC236}">
-                <a16:creationId xmlns:a16="http://schemas.microsoft.com/office/drawing/2014/main" id="{20A1E059-CB26-4580-BFBE-E85F45C183FE}"/>
-              </a:ext>
-            </a:extLst>
-          </p:cNvPr>
-          <p:cNvSpPr>
-            <a:spLocks noGrp="1"/>
-          </p:cNvSpPr>
-          <p:nvPr>
-            <p:ph idx="1"/>
-          </p:nvPr>
-        </p:nvSpPr>
-        <p:spPr/>
-        <p:txBody>
-          <a:bodyPr/>
-          <a:lstStyle/>
-          <a:p>
-            <a:r>
-              <a:rPr lang="de-AT" dirty="0"/>
-              <a:t>Simple </a:t>
-            </a:r>
-            <a:r>
-              <a:rPr lang="de-AT" dirty="0" err="1"/>
-              <a:t>login</a:t>
-            </a:r>
-            <a:r>
-              <a:rPr lang="de-AT" dirty="0"/>
-              <a:t> (</a:t>
-            </a:r>
-            <a:r>
-              <a:rPr lang="de-AT" dirty="0" err="1"/>
-              <a:t>forms</a:t>
-            </a:r>
-            <a:r>
-              <a:rPr lang="de-AT" dirty="0"/>
-              <a:t> and </a:t>
-            </a:r>
-            <a:r>
-              <a:rPr lang="de-AT" dirty="0" err="1"/>
-              <a:t>cookies</a:t>
-            </a:r>
-            <a:r>
-              <a:rPr lang="de-AT" dirty="0"/>
-              <a:t>)</a:t>
-            </a:r>
-          </a:p>
-          <a:p>
-            <a:r>
-              <a:rPr lang="de-AT" dirty="0"/>
-              <a:t>Single </a:t>
-            </a:r>
-            <a:r>
-              <a:rPr lang="de-AT" dirty="0" err="1"/>
-              <a:t>Sign</a:t>
-            </a:r>
-            <a:r>
-              <a:rPr lang="de-AT" dirty="0"/>
-              <a:t>-On</a:t>
-            </a:r>
-          </a:p>
-          <a:p>
-            <a:r>
-              <a:rPr lang="de-AT" strike="sngStrike" dirty="0"/>
-              <a:t>Mobile </a:t>
-            </a:r>
-            <a:r>
-              <a:rPr lang="de-AT" strike="sngStrike" dirty="0" err="1"/>
-              <a:t>apps</a:t>
-            </a:r>
-            <a:endParaRPr lang="de-AT" dirty="0"/>
-          </a:p>
-          <a:p>
-            <a:r>
-              <a:rPr lang="de-AT" strike="sngStrike" dirty="0" err="1"/>
-              <a:t>Delegated</a:t>
-            </a:r>
-            <a:r>
-              <a:rPr lang="de-AT" strike="sngStrike" dirty="0"/>
-              <a:t> </a:t>
-            </a:r>
-            <a:r>
-              <a:rPr lang="de-AT" strike="sngStrike" dirty="0" err="1"/>
-              <a:t>authorization</a:t>
-            </a:r>
-            <a:endParaRPr lang="de-AT" strike="sngStrike" dirty="0"/>
-          </a:p>
-        </p:txBody>
-      </p:sp>
-    </p:spTree>
-    <p:extLst>
-      <p:ext uri="{BB962C8B-B14F-4D97-AF65-F5344CB8AC3E}">
-        <p14:creationId xmlns:p14="http://schemas.microsoft.com/office/powerpoint/2010/main" val="3738022661"/>
-      </p:ext>
-    </p:extLst>
-  </p:cSld>
-  <p:clrMapOvr>
-    <a:masterClrMapping/>
-  </p:clrMapOvr>
-</p:sld>
-</file>
-
-<file path=ppt/slides/slide30.xml><?xml version="1.0" encoding="utf-8"?>
+<file path=ppt/slides/slide32.xml><?xml version="1.0" encoding="utf-8"?>
 <p:sld xmlns:a="http://schemas.openxmlformats.org/drawingml/2006/main" xmlns:r="http://schemas.openxmlformats.org/officeDocument/2006/relationships" xmlns:p="http://schemas.openxmlformats.org/presentationml/2006/main">
   <p:cSld>
     <p:spTree>
@@ -22641,7 +23242,7 @@
 </p:sld>
 </file>
 
-<file path=ppt/slides/slide31.xml><?xml version="1.0" encoding="utf-8"?>
+<file path=ppt/slides/slide33.xml><?xml version="1.0" encoding="utf-8"?>
 <p:sld xmlns:a="http://schemas.openxmlformats.org/drawingml/2006/main" xmlns:r="http://schemas.openxmlformats.org/officeDocument/2006/relationships" xmlns:p="http://schemas.openxmlformats.org/presentationml/2006/main">
   <p:cSld>
     <p:spTree>
@@ -23267,7 +23868,7 @@
               <a:pPr algn="ctr"/>
               <a:r>
                 <a:rPr lang="de-AT" dirty="0"/>
-                <a:t>3. Authentifizierung und Autorisierung  Request</a:t>
+                <a:t>3. Authentifizierung Request</a:t>
               </a:r>
               <a:endParaRPr lang="en-US" dirty="0"/>
             </a:p>
@@ -23786,7 +24387,7 @@
 </p:sld>
 </file>
 
-<file path=ppt/slides/slide32.xml><?xml version="1.0" encoding="utf-8"?>
+<file path=ppt/slides/slide34.xml><?xml version="1.0" encoding="utf-8"?>
 <p:sld xmlns:a="http://schemas.openxmlformats.org/drawingml/2006/main" xmlns:r="http://schemas.openxmlformats.org/officeDocument/2006/relationships" xmlns:p="http://schemas.openxmlformats.org/presentationml/2006/main">
   <p:cSld>
     <p:spTree>
@@ -24228,7 +24829,7 @@
 </p:sld>
 </file>
 
-<file path=ppt/slides/slide33.xml><?xml version="1.0" encoding="utf-8"?>
+<file path=ppt/slides/slide35.xml><?xml version="1.0" encoding="utf-8"?>
 <p:sld xmlns:a="http://schemas.openxmlformats.org/drawingml/2006/main" xmlns:r="http://schemas.openxmlformats.org/officeDocument/2006/relationships" xmlns:p="http://schemas.openxmlformats.org/presentationml/2006/main">
   <p:cSld>
     <p:spTree>
@@ -26065,7 +26666,7 @@
 </p:sld>
 </file>
 
-<file path=ppt/slides/slide34.xml><?xml version="1.0" encoding="utf-8"?>
+<file path=ppt/slides/slide36.xml><?xml version="1.0" encoding="utf-8"?>
 <p:sld xmlns:a="http://schemas.openxmlformats.org/drawingml/2006/main" xmlns:r="http://schemas.openxmlformats.org/officeDocument/2006/relationships" xmlns:p="http://schemas.openxmlformats.org/presentationml/2006/main">
   <p:cSld>
     <p:spTree>
@@ -26503,7 +27104,7 @@
 </p:sld>
 </file>
 
-<file path=ppt/slides/slide35.xml><?xml version="1.0" encoding="utf-8"?>
+<file path=ppt/slides/slide37.xml><?xml version="1.0" encoding="utf-8"?>
 <p:sld xmlns:a="http://schemas.openxmlformats.org/drawingml/2006/main" xmlns:r="http://schemas.openxmlformats.org/officeDocument/2006/relationships" xmlns:p="http://schemas.openxmlformats.org/presentationml/2006/main">
   <p:cSld>
     <p:spTree>
@@ -28104,7 +28705,7 @@
 </p:sld>
 </file>
 
-<file path=ppt/slides/slide36.xml><?xml version="1.0" encoding="utf-8"?>
+<file path=ppt/slides/slide38.xml><?xml version="1.0" encoding="utf-8"?>
 <p:sld xmlns:a="http://schemas.openxmlformats.org/drawingml/2006/main" xmlns:r="http://schemas.openxmlformats.org/officeDocument/2006/relationships" xmlns:p="http://schemas.openxmlformats.org/presentationml/2006/main">
   <p:cSld>
     <p:spTree>
@@ -28533,7 +29134,7 @@
 </p:sld>
 </file>
 
-<file path=ppt/slides/slide37.xml><?xml version="1.0" encoding="utf-8"?>
+<file path=ppt/slides/slide39.xml><?xml version="1.0" encoding="utf-8"?>
 <p:sld xmlns:a="http://schemas.openxmlformats.org/drawingml/2006/main" xmlns:r="http://schemas.openxmlformats.org/officeDocument/2006/relationships" xmlns:p="http://schemas.openxmlformats.org/presentationml/2006/main">
   <p:cSld>
     <p:spTree>
@@ -30374,7 +30975,158 @@
 </p:sld>
 </file>
 
-<file path=ppt/slides/slide38.xml><?xml version="1.0" encoding="utf-8"?>
+<file path=ppt/slides/slide4.xml><?xml version="1.0" encoding="utf-8"?>
+<p:sld xmlns:a="http://schemas.openxmlformats.org/drawingml/2006/main" xmlns:r="http://schemas.openxmlformats.org/officeDocument/2006/relationships" xmlns:p="http://schemas.openxmlformats.org/presentationml/2006/main">
+  <p:cSld>
+    <p:spTree>
+      <p:nvGrpSpPr>
+        <p:cNvPr id="1" name=""/>
+        <p:cNvGrpSpPr/>
+        <p:nvPr/>
+      </p:nvGrpSpPr>
+      <p:grpSpPr>
+        <a:xfrm>
+          <a:off x="0" y="0"/>
+          <a:ext cx="0" cy="0"/>
+          <a:chOff x="0" y="0"/>
+          <a:chExt cx="0" cy="0"/>
+        </a:xfrm>
+      </p:grpSpPr>
+      <p:sp>
+        <p:nvSpPr>
+          <p:cNvPr id="2" name="Title 1">
+            <a:extLst>
+              <a:ext uri="{FF2B5EF4-FFF2-40B4-BE49-F238E27FC236}">
+                <a16:creationId xmlns:a16="http://schemas.microsoft.com/office/drawing/2014/main" id="{76D1CE63-ED43-4E04-A7D2-4D96E2DD3931}"/>
+              </a:ext>
+            </a:extLst>
+          </p:cNvPr>
+          <p:cNvSpPr>
+            <a:spLocks noGrp="1"/>
+          </p:cNvSpPr>
+          <p:nvPr>
+            <p:ph type="title"/>
+          </p:nvPr>
+        </p:nvSpPr>
+        <p:spPr/>
+        <p:txBody>
+          <a:bodyPr/>
+          <a:lstStyle/>
+          <a:p>
+            <a:r>
+              <a:rPr lang="de-AT" dirty="0"/>
+              <a:t>Identity vor dem Jahr 2010</a:t>
+            </a:r>
+            <a:endParaRPr lang="en-US" dirty="0"/>
+          </a:p>
+        </p:txBody>
+      </p:sp>
+      <p:sp>
+        <p:nvSpPr>
+          <p:cNvPr id="3" name="Content Placeholder 2">
+            <a:extLst>
+              <a:ext uri="{FF2B5EF4-FFF2-40B4-BE49-F238E27FC236}">
+                <a16:creationId xmlns:a16="http://schemas.microsoft.com/office/drawing/2014/main" id="{20A1E059-CB26-4580-BFBE-E85F45C183FE}"/>
+              </a:ext>
+            </a:extLst>
+          </p:cNvPr>
+          <p:cNvSpPr>
+            <a:spLocks noGrp="1"/>
+          </p:cNvSpPr>
+          <p:nvPr>
+            <p:ph idx="1"/>
+          </p:nvPr>
+        </p:nvSpPr>
+        <p:spPr/>
+        <p:txBody>
+          <a:bodyPr/>
+          <a:lstStyle/>
+          <a:p>
+            <a:r>
+              <a:rPr lang="de-AT" dirty="0"/>
+              <a:t>Simple </a:t>
+            </a:r>
+            <a:r>
+              <a:rPr lang="de-AT" dirty="0" err="1"/>
+              <a:t>login</a:t>
+            </a:r>
+            <a:r>
+              <a:rPr lang="de-AT" dirty="0"/>
+              <a:t> (</a:t>
+            </a:r>
+            <a:r>
+              <a:rPr lang="de-AT" dirty="0" err="1"/>
+              <a:t>forms</a:t>
+            </a:r>
+            <a:r>
+              <a:rPr lang="de-AT" dirty="0"/>
+              <a:t> and </a:t>
+            </a:r>
+            <a:r>
+              <a:rPr lang="de-AT" dirty="0" err="1"/>
+              <a:t>cookies</a:t>
+            </a:r>
+            <a:r>
+              <a:rPr lang="de-AT" dirty="0"/>
+              <a:t>)</a:t>
+            </a:r>
+          </a:p>
+          <a:p>
+            <a:r>
+              <a:rPr lang="de-AT" dirty="0"/>
+              <a:t>Single </a:t>
+            </a:r>
+            <a:r>
+              <a:rPr lang="de-AT" dirty="0" err="1"/>
+              <a:t>Sign</a:t>
+            </a:r>
+            <a:r>
+              <a:rPr lang="de-AT" dirty="0"/>
+              <a:t>-On</a:t>
+            </a:r>
+          </a:p>
+          <a:p>
+            <a:r>
+              <a:rPr lang="de-AT" strike="sngStrike" dirty="0"/>
+              <a:t>Mobile </a:t>
+            </a:r>
+            <a:r>
+              <a:rPr lang="de-AT" strike="sngStrike" dirty="0" err="1"/>
+              <a:t>apps</a:t>
+            </a:r>
+            <a:endParaRPr lang="de-AT" dirty="0"/>
+          </a:p>
+          <a:p>
+            <a:r>
+              <a:rPr lang="de-AT" strike="sngStrike" dirty="0" err="1"/>
+              <a:t>Delegated</a:t>
+            </a:r>
+            <a:r>
+              <a:rPr lang="de-AT" strike="sngStrike" dirty="0"/>
+              <a:t> </a:t>
+            </a:r>
+            <a:r>
+              <a:rPr lang="de-AT" strike="sngStrike" dirty="0" err="1"/>
+              <a:t>authorization</a:t>
+            </a:r>
+            <a:endParaRPr lang="de-AT" strike="sngStrike" dirty="0"/>
+          </a:p>
+        </p:txBody>
+      </p:sp>
+    </p:spTree>
+    <p:extLst>
+      <p:ext uri="{BB962C8B-B14F-4D97-AF65-F5344CB8AC3E}">
+        <p14:creationId xmlns:p14="http://schemas.microsoft.com/office/powerpoint/2010/main" val="3738022661"/>
+      </p:ext>
+    </p:extLst>
+  </p:cSld>
+  <p:clrMapOvr>
+    <a:masterClrMapping/>
+  </p:clrMapOvr>
+</p:sld>
+</file>
+
+<file path=ppt/slides/slide40.xml><?xml version="1.0" encoding="utf-8"?>
 <p:sld xmlns:a="http://schemas.openxmlformats.org/drawingml/2006/main" xmlns:r="http://schemas.openxmlformats.org/officeDocument/2006/relationships" xmlns:p="http://schemas.openxmlformats.org/presentationml/2006/main">
   <p:cSld>
     <p:spTree>
@@ -30829,7 +31581,7 @@
 </p:sld>
 </file>
 
-<file path=ppt/slides/slide39.xml><?xml version="1.0" encoding="utf-8"?>
+<file path=ppt/slides/slide41.xml><?xml version="1.0" encoding="utf-8"?>
 <p:sld xmlns:a="http://schemas.openxmlformats.org/drawingml/2006/main" xmlns:r="http://schemas.openxmlformats.org/officeDocument/2006/relationships" xmlns:p="http://schemas.openxmlformats.org/presentationml/2006/main">
   <p:cSld>
     <p:spTree>
@@ -31293,7 +32045,7 @@
         </p:nvSpPr>
         <p:spPr>
           <a:xfrm rot="16200000">
-            <a:off x="824831" y="3800820"/>
+            <a:off x="810081" y="3652042"/>
             <a:ext cx="1512850" cy="646331"/>
           </a:xfrm>
           <a:prstGeom prst="rect">
@@ -31323,19 +32075,7 @@
             <a:pPr algn="ctr"/>
             <a:r>
               <a:rPr lang="de-AT" dirty="0"/>
-              <a:t>1. Device </a:t>
-            </a:r>
-            <a:r>
-              <a:rPr lang="de-AT" dirty="0" err="1"/>
-              <a:t>Aut</a:t>
-            </a:r>
-            <a:r>
-              <a:rPr lang="sk-SK" dirty="0" err="1"/>
-              <a:t>orisierung</a:t>
-            </a:r>
-            <a:r>
-              <a:rPr lang="de-AT" dirty="0"/>
-              <a:t> Request Anfrage</a:t>
+              <a:t>1. Device Authentifizierung Request Anfrage</a:t>
             </a:r>
             <a:endParaRPr lang="en-US" dirty="0"/>
           </a:p>
@@ -31932,7 +32672,7 @@
         </p:nvCxnSpPr>
         <p:spPr>
           <a:xfrm flipV="1">
-            <a:off x="1982106" y="3014904"/>
+            <a:off x="1967356" y="2866126"/>
             <a:ext cx="712" cy="2125938"/>
           </a:xfrm>
           <a:prstGeom prst="straightConnector1">
@@ -32494,2245 +33234,7 @@
 </p:sld>
 </file>
 
-<file path=ppt/slides/slide4.xml><?xml version="1.0" encoding="utf-8"?>
-<p:sld xmlns:a="http://schemas.openxmlformats.org/drawingml/2006/main" xmlns:r="http://schemas.openxmlformats.org/officeDocument/2006/relationships" xmlns:p="http://schemas.openxmlformats.org/presentationml/2006/main">
-  <p:cSld>
-    <p:spTree>
-      <p:nvGrpSpPr>
-        <p:cNvPr id="1" name=""/>
-        <p:cNvGrpSpPr/>
-        <p:nvPr/>
-      </p:nvGrpSpPr>
-      <p:grpSpPr>
-        <a:xfrm>
-          <a:off x="0" y="0"/>
-          <a:ext cx="0" cy="0"/>
-          <a:chOff x="0" y="0"/>
-          <a:chExt cx="0" cy="0"/>
-        </a:xfrm>
-      </p:grpSpPr>
-      <p:sp>
-        <p:nvSpPr>
-          <p:cNvPr id="2" name="Title 1">
-            <a:extLst>
-              <a:ext uri="{FF2B5EF4-FFF2-40B4-BE49-F238E27FC236}">
-                <a16:creationId xmlns:a16="http://schemas.microsoft.com/office/drawing/2014/main" id="{BA9E32D3-54C4-4230-9DF3-BCCDED4C545E}"/>
-              </a:ext>
-            </a:extLst>
-          </p:cNvPr>
-          <p:cNvSpPr>
-            <a:spLocks noGrp="1"/>
-          </p:cNvSpPr>
-          <p:nvPr>
-            <p:ph type="title"/>
-          </p:nvPr>
-        </p:nvSpPr>
-        <p:spPr/>
-        <p:txBody>
-          <a:bodyPr/>
-          <a:lstStyle/>
-          <a:p>
-            <a:r>
-              <a:rPr lang="de-AT" dirty="0"/>
-              <a:t>Wie war es damals	</a:t>
-            </a:r>
-            <a:endParaRPr lang="en-US" dirty="0"/>
-          </a:p>
-        </p:txBody>
-      </p:sp>
-      <p:grpSp>
-        <p:nvGrpSpPr>
-          <p:cNvPr id="14" name="Group 13">
-            <a:extLst>
-              <a:ext uri="{FF2B5EF4-FFF2-40B4-BE49-F238E27FC236}">
-                <a16:creationId xmlns:a16="http://schemas.microsoft.com/office/drawing/2014/main" id="{7967B921-BA93-482C-ACC2-CB40126ADC22}"/>
-              </a:ext>
-            </a:extLst>
-          </p:cNvPr>
-          <p:cNvGrpSpPr/>
-          <p:nvPr/>
-        </p:nvGrpSpPr>
-        <p:grpSpPr>
-          <a:xfrm>
-            <a:off x="9959251" y="1933174"/>
-            <a:ext cx="1446924" cy="1323770"/>
-            <a:chOff x="7060850" y="3273967"/>
-            <a:chExt cx="1446924" cy="1323770"/>
-          </a:xfrm>
-        </p:grpSpPr>
-        <p:pic>
-          <p:nvPicPr>
-            <p:cNvPr id="15" name="Graphic 14">
-              <a:extLst>
-                <a:ext uri="{FF2B5EF4-FFF2-40B4-BE49-F238E27FC236}">
-                  <a16:creationId xmlns:a16="http://schemas.microsoft.com/office/drawing/2014/main" id="{686AD413-9354-4901-B469-C3D1E1628AAE}"/>
-                </a:ext>
-              </a:extLst>
-            </p:cNvPr>
-            <p:cNvPicPr>
-              <a:picLocks noChangeAspect="1"/>
-            </p:cNvPicPr>
-            <p:nvPr/>
-          </p:nvPicPr>
-          <p:blipFill>
-            <a:blip r:embed="rId2" cstate="hqprint">
-              <a:extLst>
-                <a:ext uri="{28A0092B-C50C-407E-A947-70E740481C1C}">
-                  <a14:useLocalDpi xmlns:a14="http://schemas.microsoft.com/office/drawing/2010/main" val="0"/>
-                </a:ext>
-                <a:ext uri="{96DAC541-7B7A-43D3-8B79-37D633B846F1}">
-                  <asvg:svgBlip xmlns:asvg="http://schemas.microsoft.com/office/drawing/2016/SVG/main" r:embed="rId3"/>
-                </a:ext>
-              </a:extLst>
-            </a:blip>
-            <a:stretch>
-              <a:fillRect/>
-            </a:stretch>
-          </p:blipFill>
-          <p:spPr>
-            <a:xfrm>
-              <a:off x="7359062" y="3273967"/>
-              <a:ext cx="850500" cy="972000"/>
-            </a:xfrm>
-            <a:prstGeom prst="rect">
-              <a:avLst/>
-            </a:prstGeom>
-          </p:spPr>
-        </p:pic>
-        <p:sp>
-          <p:nvSpPr>
-            <p:cNvPr id="16" name="TextBox 15">
-              <a:extLst>
-                <a:ext uri="{FF2B5EF4-FFF2-40B4-BE49-F238E27FC236}">
-                  <a16:creationId xmlns:a16="http://schemas.microsoft.com/office/drawing/2014/main" id="{DDE4C204-21F3-4C23-B195-D2A41D6859B6}"/>
-                </a:ext>
-              </a:extLst>
-            </p:cNvPr>
-            <p:cNvSpPr txBox="1"/>
-            <p:nvPr/>
-          </p:nvSpPr>
-          <p:spPr>
-            <a:xfrm>
-              <a:off x="7060850" y="4320738"/>
-              <a:ext cx="1446924" cy="276999"/>
-            </a:xfrm>
-            <a:prstGeom prst="rect">
-              <a:avLst/>
-            </a:prstGeom>
-            <a:noFill/>
-          </p:spPr>
-          <p:txBody>
-            <a:bodyPr wrap="square" rtlCol="0">
-              <a:spAutoFit/>
-            </a:bodyPr>
-            <a:lstStyle/>
-            <a:p>
-              <a:pPr algn="ctr"/>
-              <a:r>
-                <a:rPr lang="de-AT" sz="1200" dirty="0"/>
-                <a:t>Datenbank</a:t>
-              </a:r>
-              <a:endParaRPr lang="en-US" sz="1200" dirty="0"/>
-            </a:p>
-          </p:txBody>
-        </p:sp>
-      </p:grpSp>
-      <p:grpSp>
-        <p:nvGrpSpPr>
-          <p:cNvPr id="17" name="Group 16">
-            <a:extLst>
-              <a:ext uri="{FF2B5EF4-FFF2-40B4-BE49-F238E27FC236}">
-                <a16:creationId xmlns:a16="http://schemas.microsoft.com/office/drawing/2014/main" id="{4D65E832-205A-42E8-8A3B-D340CC3825E6}"/>
-              </a:ext>
-            </a:extLst>
-          </p:cNvPr>
-          <p:cNvGrpSpPr/>
-          <p:nvPr/>
-        </p:nvGrpSpPr>
-        <p:grpSpPr>
-          <a:xfrm>
-            <a:off x="1263461" y="1940182"/>
-            <a:ext cx="1446924" cy="1298910"/>
-            <a:chOff x="8334332" y="3303664"/>
-            <a:chExt cx="1446924" cy="1298910"/>
-          </a:xfrm>
-        </p:grpSpPr>
-        <p:sp>
-          <p:nvSpPr>
-            <p:cNvPr id="18" name="TextBox 17">
-              <a:extLst>
-                <a:ext uri="{FF2B5EF4-FFF2-40B4-BE49-F238E27FC236}">
-                  <a16:creationId xmlns:a16="http://schemas.microsoft.com/office/drawing/2014/main" id="{6CF4FB54-EA1F-49F3-828D-855F99C37D22}"/>
-                </a:ext>
-              </a:extLst>
-            </p:cNvPr>
-            <p:cNvSpPr txBox="1"/>
-            <p:nvPr/>
-          </p:nvSpPr>
-          <p:spPr>
-            <a:xfrm>
-              <a:off x="8334332" y="4325575"/>
-              <a:ext cx="1446924" cy="276999"/>
-            </a:xfrm>
-            <a:prstGeom prst="rect">
-              <a:avLst/>
-            </a:prstGeom>
-            <a:noFill/>
-          </p:spPr>
-          <p:txBody>
-            <a:bodyPr wrap="square" rtlCol="0">
-              <a:spAutoFit/>
-            </a:bodyPr>
-            <a:lstStyle/>
-            <a:p>
-              <a:pPr algn="ctr"/>
-              <a:r>
-                <a:rPr lang="de-AT" sz="1200" dirty="0"/>
-                <a:t>Benutzer</a:t>
-              </a:r>
-              <a:endParaRPr lang="en-US" sz="1200" dirty="0"/>
-            </a:p>
-          </p:txBody>
-        </p:sp>
-        <p:pic>
-          <p:nvPicPr>
-            <p:cNvPr id="19" name="Graphic 18">
-              <a:extLst>
-                <a:ext uri="{FF2B5EF4-FFF2-40B4-BE49-F238E27FC236}">
-                  <a16:creationId xmlns:a16="http://schemas.microsoft.com/office/drawing/2014/main" id="{2419C9CC-F4EC-416B-9C25-118E6C7A5562}"/>
-                </a:ext>
-              </a:extLst>
-            </p:cNvPr>
-            <p:cNvPicPr>
-              <a:picLocks noChangeAspect="1"/>
-            </p:cNvPicPr>
-            <p:nvPr/>
-          </p:nvPicPr>
-          <p:blipFill>
-            <a:blip r:embed="rId4" cstate="hqprint">
-              <a:extLst>
-                <a:ext uri="{28A0092B-C50C-407E-A947-70E740481C1C}">
-                  <a14:useLocalDpi xmlns:a14="http://schemas.microsoft.com/office/drawing/2010/main" val="0"/>
-                </a:ext>
-                <a:ext uri="{96DAC541-7B7A-43D3-8B79-37D633B846F1}">
-                  <asvg:svgBlip xmlns:asvg="http://schemas.microsoft.com/office/drawing/2016/SVG/main" r:embed="rId5"/>
-                </a:ext>
-              </a:extLst>
-            </a:blip>
-            <a:stretch>
-              <a:fillRect/>
-            </a:stretch>
-          </p:blipFill>
-          <p:spPr>
-            <a:xfrm>
-              <a:off x="8616539" y="3303664"/>
-              <a:ext cx="850500" cy="972000"/>
-            </a:xfrm>
-            <a:prstGeom prst="rect">
-              <a:avLst/>
-            </a:prstGeom>
-          </p:spPr>
-        </p:pic>
-      </p:grpSp>
-      <p:grpSp>
-        <p:nvGrpSpPr>
-          <p:cNvPr id="20" name="Group 19">
-            <a:extLst>
-              <a:ext uri="{FF2B5EF4-FFF2-40B4-BE49-F238E27FC236}">
-                <a16:creationId xmlns:a16="http://schemas.microsoft.com/office/drawing/2014/main" id="{2E8E9A67-4244-4788-BDB6-29AE44B5E561}"/>
-              </a:ext>
-            </a:extLst>
-          </p:cNvPr>
-          <p:cNvGrpSpPr/>
-          <p:nvPr/>
-        </p:nvGrpSpPr>
-        <p:grpSpPr>
-          <a:xfrm>
-            <a:off x="5572496" y="1945304"/>
-            <a:ext cx="1446924" cy="1299510"/>
-            <a:chOff x="974256" y="4958709"/>
-            <a:chExt cx="1446924" cy="1299510"/>
-          </a:xfrm>
-        </p:grpSpPr>
-        <p:pic>
-          <p:nvPicPr>
-            <p:cNvPr id="21" name="Graphic 20">
-              <a:extLst>
-                <a:ext uri="{FF2B5EF4-FFF2-40B4-BE49-F238E27FC236}">
-                  <a16:creationId xmlns:a16="http://schemas.microsoft.com/office/drawing/2014/main" id="{A9C8B5E7-809D-4983-8271-51D94DFDEE18}"/>
-                </a:ext>
-              </a:extLst>
-            </p:cNvPr>
-            <p:cNvPicPr>
-              <a:picLocks noChangeAspect="1"/>
-            </p:cNvPicPr>
-            <p:nvPr/>
-          </p:nvPicPr>
-          <p:blipFill>
-            <a:blip r:embed="rId6" cstate="hqprint">
-              <a:extLst>
-                <a:ext uri="{28A0092B-C50C-407E-A947-70E740481C1C}">
-                  <a14:useLocalDpi xmlns:a14="http://schemas.microsoft.com/office/drawing/2010/main" val="0"/>
-                </a:ext>
-                <a:ext uri="{96DAC541-7B7A-43D3-8B79-37D633B846F1}">
-                  <asvg:svgBlip xmlns:asvg="http://schemas.microsoft.com/office/drawing/2016/SVG/main" r:embed="rId7"/>
-                </a:ext>
-              </a:extLst>
-            </a:blip>
-            <a:stretch>
-              <a:fillRect/>
-            </a:stretch>
-          </p:blipFill>
-          <p:spPr>
-            <a:xfrm flipH="1">
-              <a:off x="1211718" y="4958709"/>
-              <a:ext cx="972000" cy="972000"/>
-            </a:xfrm>
-            <a:prstGeom prst="rect">
-              <a:avLst/>
-            </a:prstGeom>
-          </p:spPr>
-        </p:pic>
-        <p:sp>
-          <p:nvSpPr>
-            <p:cNvPr id="22" name="TextBox 21">
-              <a:extLst>
-                <a:ext uri="{FF2B5EF4-FFF2-40B4-BE49-F238E27FC236}">
-                  <a16:creationId xmlns:a16="http://schemas.microsoft.com/office/drawing/2014/main" id="{E9941C38-925B-42D3-B7F9-27D62A756234}"/>
-                </a:ext>
-              </a:extLst>
-            </p:cNvPr>
-            <p:cNvSpPr txBox="1"/>
-            <p:nvPr/>
-          </p:nvSpPr>
-          <p:spPr>
-            <a:xfrm>
-              <a:off x="974256" y="5981220"/>
-              <a:ext cx="1446924" cy="276999"/>
-            </a:xfrm>
-            <a:prstGeom prst="rect">
-              <a:avLst/>
-            </a:prstGeom>
-            <a:noFill/>
-          </p:spPr>
-          <p:txBody>
-            <a:bodyPr wrap="square" rtlCol="0">
-              <a:spAutoFit/>
-            </a:bodyPr>
-            <a:lstStyle/>
-            <a:p>
-              <a:pPr algn="ctr"/>
-              <a:r>
-                <a:rPr lang="de-AT" sz="1200" dirty="0"/>
-                <a:t>Anwendung</a:t>
-              </a:r>
-              <a:endParaRPr lang="en-US" sz="1200" dirty="0"/>
-            </a:p>
-          </p:txBody>
-        </p:sp>
-      </p:grpSp>
-      <p:grpSp>
-        <p:nvGrpSpPr>
-          <p:cNvPr id="23" name="Group 22">
-            <a:extLst>
-              <a:ext uri="{FF2B5EF4-FFF2-40B4-BE49-F238E27FC236}">
-                <a16:creationId xmlns:a16="http://schemas.microsoft.com/office/drawing/2014/main" id="{FD7A6B1B-9109-42F7-AA39-50E72898D08F}"/>
-              </a:ext>
-            </a:extLst>
-          </p:cNvPr>
-          <p:cNvGrpSpPr/>
-          <p:nvPr/>
-        </p:nvGrpSpPr>
-        <p:grpSpPr>
-          <a:xfrm>
-            <a:off x="2534242" y="2007063"/>
-            <a:ext cx="3075927" cy="324939"/>
-            <a:chOff x="4164163" y="2994320"/>
-            <a:chExt cx="3696730" cy="324939"/>
-          </a:xfrm>
-        </p:grpSpPr>
-        <p:cxnSp>
-          <p:nvCxnSpPr>
-            <p:cNvPr id="24" name="Straight Arrow Connector 23">
-              <a:extLst>
-                <a:ext uri="{FF2B5EF4-FFF2-40B4-BE49-F238E27FC236}">
-                  <a16:creationId xmlns:a16="http://schemas.microsoft.com/office/drawing/2014/main" id="{E5BBE36A-F79E-48B5-9C36-132EF6EAC2CC}"/>
-                </a:ext>
-              </a:extLst>
-            </p:cNvPr>
-            <p:cNvCxnSpPr>
-              <a:cxnSpLocks/>
-            </p:cNvCxnSpPr>
-            <p:nvPr/>
-          </p:nvCxnSpPr>
-          <p:spPr>
-            <a:xfrm>
-              <a:off x="4164163" y="3319259"/>
-              <a:ext cx="3696730" cy="0"/>
-            </a:xfrm>
-            <a:prstGeom prst="straightConnector1">
-              <a:avLst/>
-            </a:prstGeom>
-            <a:ln>
-              <a:tailEnd type="triangle"/>
-            </a:ln>
-          </p:spPr>
-          <p:style>
-            <a:lnRef idx="3">
-              <a:schemeClr val="accent3"/>
-            </a:lnRef>
-            <a:fillRef idx="0">
-              <a:schemeClr val="accent3"/>
-            </a:fillRef>
-            <a:effectRef idx="2">
-              <a:schemeClr val="accent3"/>
-            </a:effectRef>
-            <a:fontRef idx="minor">
-              <a:schemeClr val="tx1"/>
-            </a:fontRef>
-          </p:style>
-        </p:cxnSp>
-        <p:sp>
-          <p:nvSpPr>
-            <p:cNvPr id="25" name="TextBox 24">
-              <a:extLst>
-                <a:ext uri="{FF2B5EF4-FFF2-40B4-BE49-F238E27FC236}">
-                  <a16:creationId xmlns:a16="http://schemas.microsoft.com/office/drawing/2014/main" id="{95361F7B-ACE0-4972-85A0-0E546085C66F}"/>
-                </a:ext>
-              </a:extLst>
-            </p:cNvPr>
-            <p:cNvSpPr txBox="1"/>
-            <p:nvPr/>
-          </p:nvSpPr>
-          <p:spPr>
-            <a:xfrm>
-              <a:off x="5129159" y="2994320"/>
-              <a:ext cx="1766737" cy="276999"/>
-            </a:xfrm>
-            <a:prstGeom prst="rect">
-              <a:avLst/>
-            </a:prstGeom>
-            <a:noFill/>
-          </p:spPr>
-          <p:txBody>
-            <a:bodyPr wrap="square" rtlCol="0">
-              <a:spAutoFit/>
-            </a:bodyPr>
-            <a:lstStyle>
-              <a:defPPr>
-                <a:defRPr lang="en-US"/>
-              </a:defPPr>
-              <a:lvl1pPr>
-                <a:defRPr sz="1200">
-                  <a:solidFill>
-                    <a:schemeClr val="bg1">
-                      <a:lumMod val="50000"/>
-                    </a:schemeClr>
-                  </a:solidFill>
-                </a:defRPr>
-              </a:lvl1pPr>
-            </a:lstStyle>
-            <a:p>
-              <a:pPr algn="ctr"/>
-              <a:r>
-                <a:rPr lang="de-AT" dirty="0"/>
-                <a:t>Login Anfrage </a:t>
-              </a:r>
-              <a:endParaRPr lang="en-US" dirty="0"/>
-            </a:p>
-          </p:txBody>
-        </p:sp>
-      </p:grpSp>
-      <p:grpSp>
-        <p:nvGrpSpPr>
-          <p:cNvPr id="26" name="Group 25">
-            <a:extLst>
-              <a:ext uri="{FF2B5EF4-FFF2-40B4-BE49-F238E27FC236}">
-                <a16:creationId xmlns:a16="http://schemas.microsoft.com/office/drawing/2014/main" id="{2F523A35-B421-4904-8F47-BA5A4C7F7DA5}"/>
-              </a:ext>
-            </a:extLst>
-          </p:cNvPr>
-          <p:cNvGrpSpPr/>
-          <p:nvPr/>
-        </p:nvGrpSpPr>
-        <p:grpSpPr>
-          <a:xfrm>
-            <a:off x="7014458" y="1884055"/>
-            <a:ext cx="3064999" cy="461665"/>
-            <a:chOff x="4164163" y="2857594"/>
-            <a:chExt cx="3696730" cy="461665"/>
-          </a:xfrm>
-        </p:grpSpPr>
-        <p:cxnSp>
-          <p:nvCxnSpPr>
-            <p:cNvPr id="27" name="Straight Arrow Connector 26">
-              <a:extLst>
-                <a:ext uri="{FF2B5EF4-FFF2-40B4-BE49-F238E27FC236}">
-                  <a16:creationId xmlns:a16="http://schemas.microsoft.com/office/drawing/2014/main" id="{BD776E30-B934-45F9-B7C4-EA1E59A989F4}"/>
-                </a:ext>
-              </a:extLst>
-            </p:cNvPr>
-            <p:cNvCxnSpPr>
-              <a:cxnSpLocks/>
-            </p:cNvCxnSpPr>
-            <p:nvPr/>
-          </p:nvCxnSpPr>
-          <p:spPr>
-            <a:xfrm>
-              <a:off x="4164163" y="3319259"/>
-              <a:ext cx="3696730" cy="0"/>
-            </a:xfrm>
-            <a:prstGeom prst="straightConnector1">
-              <a:avLst/>
-            </a:prstGeom>
-            <a:ln>
-              <a:tailEnd type="triangle"/>
-            </a:ln>
-          </p:spPr>
-          <p:style>
-            <a:lnRef idx="3">
-              <a:schemeClr val="accent3"/>
-            </a:lnRef>
-            <a:fillRef idx="0">
-              <a:schemeClr val="accent3"/>
-            </a:fillRef>
-            <a:effectRef idx="2">
-              <a:schemeClr val="accent3"/>
-            </a:effectRef>
-            <a:fontRef idx="minor">
-              <a:schemeClr val="tx1"/>
-            </a:fontRef>
-          </p:style>
-        </p:cxnSp>
-        <p:sp>
-          <p:nvSpPr>
-            <p:cNvPr id="28" name="TextBox 27">
-              <a:extLst>
-                <a:ext uri="{FF2B5EF4-FFF2-40B4-BE49-F238E27FC236}">
-                  <a16:creationId xmlns:a16="http://schemas.microsoft.com/office/drawing/2014/main" id="{F88615A9-164B-4E41-BC16-F646FAC89917}"/>
-                </a:ext>
-              </a:extLst>
-            </p:cNvPr>
-            <p:cNvSpPr txBox="1"/>
-            <p:nvPr/>
-          </p:nvSpPr>
-          <p:spPr>
-            <a:xfrm>
-              <a:off x="4308630" y="2857594"/>
-              <a:ext cx="3407797" cy="461665"/>
-            </a:xfrm>
-            <a:prstGeom prst="rect">
-              <a:avLst/>
-            </a:prstGeom>
-            <a:noFill/>
-          </p:spPr>
-          <p:txBody>
-            <a:bodyPr wrap="square" rtlCol="0">
-              <a:spAutoFit/>
-            </a:bodyPr>
-            <a:lstStyle>
-              <a:defPPr>
-                <a:defRPr lang="en-US"/>
-              </a:defPPr>
-              <a:lvl1pPr>
-                <a:defRPr sz="1200">
-                  <a:solidFill>
-                    <a:schemeClr val="bg1">
-                      <a:lumMod val="50000"/>
-                    </a:schemeClr>
-                  </a:solidFill>
-                </a:defRPr>
-              </a:lvl1pPr>
-            </a:lstStyle>
-            <a:p>
-              <a:pPr algn="ctr"/>
-              <a:r>
-                <a:rPr lang="de-AT" dirty="0"/>
-                <a:t>Vergleiche ob Anmeldedaten übereinstimmen</a:t>
-              </a:r>
-              <a:endParaRPr lang="en-US" dirty="0"/>
-            </a:p>
-          </p:txBody>
-        </p:sp>
-      </p:grpSp>
-      <p:graphicFrame>
-        <p:nvGraphicFramePr>
-          <p:cNvPr id="34" name="Table 33">
-            <a:extLst>
-              <a:ext uri="{FF2B5EF4-FFF2-40B4-BE49-F238E27FC236}">
-                <a16:creationId xmlns:a16="http://schemas.microsoft.com/office/drawing/2014/main" id="{8C7DBA50-9A83-404A-80C3-0FDD1C68C698}"/>
-              </a:ext>
-            </a:extLst>
-          </p:cNvPr>
-          <p:cNvGraphicFramePr>
-            <a:graphicFrameLocks noGrp="1"/>
-          </p:cNvGraphicFramePr>
-          <p:nvPr>
-            <p:extLst>
-              <p:ext uri="{D42A27DB-BD31-4B8C-83A1-F6EECF244321}">
-                <p14:modId xmlns:p14="http://schemas.microsoft.com/office/powerpoint/2010/main" val="3560841965"/>
-              </p:ext>
-            </p:extLst>
-          </p:nvPr>
-        </p:nvGraphicFramePr>
-        <p:xfrm>
-          <a:off x="7304970" y="290688"/>
-          <a:ext cx="3924912" cy="898128"/>
-        </p:xfrm>
-        <a:graphic>
-          <a:graphicData uri="http://schemas.openxmlformats.org/drawingml/2006/table">
-            <a:tbl>
-              <a:tblPr firstRow="1" bandRow="1">
-                <a:tableStyleId>{073A0DAA-6AF3-43AB-8588-CEC1D06C72B9}</a:tableStyleId>
-              </a:tblPr>
-              <a:tblGrid>
-                <a:gridCol w="1962456">
-                  <a:extLst>
-                    <a:ext uri="{9D8B030D-6E8A-4147-A177-3AD203B41FA5}">
-                      <a16:colId xmlns:a16="http://schemas.microsoft.com/office/drawing/2014/main" val="2297285761"/>
-                    </a:ext>
-                  </a:extLst>
-                </a:gridCol>
-                <a:gridCol w="1962456">
-                  <a:extLst>
-                    <a:ext uri="{9D8B030D-6E8A-4147-A177-3AD203B41FA5}">
-                      <a16:colId xmlns:a16="http://schemas.microsoft.com/office/drawing/2014/main" val="1270416765"/>
-                    </a:ext>
-                  </a:extLst>
-                </a:gridCol>
-              </a:tblGrid>
-              <a:tr h="217411">
-                <a:tc>
-                  <a:txBody>
-                    <a:bodyPr/>
-                    <a:lstStyle/>
-                    <a:p>
-                      <a:pPr algn="ctr"/>
-                      <a:r>
-                        <a:rPr lang="de-AT" sz="1400" dirty="0"/>
-                        <a:t>Benutzername</a:t>
-                      </a:r>
-                      <a:endParaRPr lang="en-US" sz="1400" dirty="0"/>
-                    </a:p>
-                  </a:txBody>
-                  <a:tcPr marL="86015" marR="86015" marT="43008" marB="43008"/>
-                </a:tc>
-                <a:tc>
-                  <a:txBody>
-                    <a:bodyPr/>
-                    <a:lstStyle/>
-                    <a:p>
-                      <a:pPr algn="ctr"/>
-                      <a:r>
-                        <a:rPr lang="de-AT" sz="1400" dirty="0"/>
-                        <a:t>Kennwort</a:t>
-                      </a:r>
-                      <a:endParaRPr lang="en-US" sz="1400" dirty="0"/>
-                    </a:p>
-                  </a:txBody>
-                  <a:tcPr marL="86015" marR="86015" marT="43008" marB="43008"/>
-                </a:tc>
-                <a:extLst>
-                  <a:ext uri="{0D108BD9-81ED-4DB2-BD59-A6C34878D82A}">
-                    <a16:rowId xmlns:a16="http://schemas.microsoft.com/office/drawing/2014/main" val="3173884703"/>
-                  </a:ext>
-                </a:extLst>
-              </a:tr>
-              <a:tr h="217411">
-                <a:tc>
-                  <a:txBody>
-                    <a:bodyPr/>
-                    <a:lstStyle/>
-                    <a:p>
-                      <a:pPr algn="ctr"/>
-                      <a:r>
-                        <a:rPr lang="de-AT" sz="1400" dirty="0" err="1"/>
-                        <a:t>akalcik</a:t>
-                      </a:r>
-                      <a:endParaRPr lang="en-US" sz="1400" dirty="0"/>
-                    </a:p>
-                  </a:txBody>
-                  <a:tcPr marL="86015" marR="86015" marT="43008" marB="43008"/>
-                </a:tc>
-                <a:tc>
-                  <a:txBody>
-                    <a:bodyPr/>
-                    <a:lstStyle/>
-                    <a:p>
-                      <a:pPr algn="ctr"/>
-                      <a:r>
-                        <a:rPr lang="de-AT" sz="1400" dirty="0"/>
-                        <a:t>1234</a:t>
-                      </a:r>
-                      <a:endParaRPr lang="en-US" sz="1400" dirty="0"/>
-                    </a:p>
-                  </a:txBody>
-                  <a:tcPr marL="86015" marR="86015" marT="43008" marB="43008"/>
-                </a:tc>
-                <a:extLst>
-                  <a:ext uri="{0D108BD9-81ED-4DB2-BD59-A6C34878D82A}">
-                    <a16:rowId xmlns:a16="http://schemas.microsoft.com/office/drawing/2014/main" val="1703648007"/>
-                  </a:ext>
-                </a:extLst>
-              </a:tr>
-              <a:tr h="217411">
-                <a:tc>
-                  <a:txBody>
-                    <a:bodyPr/>
-                    <a:lstStyle/>
-                    <a:p>
-                      <a:pPr algn="ctr"/>
-                      <a:r>
-                        <a:rPr lang="de-AT" sz="1400" dirty="0" err="1"/>
-                        <a:t>dwagner</a:t>
-                      </a:r>
-                      <a:endParaRPr lang="en-US" sz="1400" dirty="0"/>
-                    </a:p>
-                  </a:txBody>
-                  <a:tcPr marL="86015" marR="86015" marT="43008" marB="43008"/>
-                </a:tc>
-                <a:tc>
-                  <a:txBody>
-                    <a:bodyPr/>
-                    <a:lstStyle/>
-                    <a:p>
-                      <a:pPr algn="ctr"/>
-                      <a:r>
-                        <a:rPr lang="de-AT" sz="1400" dirty="0" err="1"/>
-                        <a:t>passwort</a:t>
-                      </a:r>
-                      <a:endParaRPr lang="en-US" sz="1400" dirty="0"/>
-                    </a:p>
-                  </a:txBody>
-                  <a:tcPr marL="86015" marR="86015" marT="43008" marB="43008"/>
-                </a:tc>
-                <a:extLst>
-                  <a:ext uri="{0D108BD9-81ED-4DB2-BD59-A6C34878D82A}">
-                    <a16:rowId xmlns:a16="http://schemas.microsoft.com/office/drawing/2014/main" val="1687673244"/>
-                  </a:ext>
-                </a:extLst>
-              </a:tr>
-            </a:tbl>
-          </a:graphicData>
-        </a:graphic>
-      </p:graphicFrame>
-      <p:cxnSp>
-        <p:nvCxnSpPr>
-          <p:cNvPr id="36" name="Straight Connector 35">
-            <a:extLst>
-              <a:ext uri="{FF2B5EF4-FFF2-40B4-BE49-F238E27FC236}">
-                <a16:creationId xmlns:a16="http://schemas.microsoft.com/office/drawing/2014/main" id="{470FBC13-86B5-4626-B549-DAF9D29F3064}"/>
-              </a:ext>
-            </a:extLst>
-          </p:cNvPr>
-          <p:cNvCxnSpPr>
-            <a:cxnSpLocks/>
-            <a:stCxn id="15" idx="0"/>
-            <a:endCxn id="34" idx="2"/>
-          </p:cNvCxnSpPr>
-          <p:nvPr/>
-        </p:nvCxnSpPr>
-        <p:spPr>
-          <a:xfrm flipH="1" flipV="1">
-            <a:off x="9267426" y="1188816"/>
-            <a:ext cx="1415287" cy="744358"/>
-          </a:xfrm>
-          <a:prstGeom prst="line">
-            <a:avLst/>
-          </a:prstGeom>
-        </p:spPr>
-        <p:style>
-          <a:lnRef idx="3">
-            <a:schemeClr val="accent3"/>
-          </a:lnRef>
-          <a:fillRef idx="0">
-            <a:schemeClr val="accent3"/>
-          </a:fillRef>
-          <a:effectRef idx="2">
-            <a:schemeClr val="accent3"/>
-          </a:effectRef>
-          <a:fontRef idx="minor">
-            <a:schemeClr val="tx1"/>
-          </a:fontRef>
-        </p:style>
-      </p:cxnSp>
-      <p:pic>
-        <p:nvPicPr>
-          <p:cNvPr id="1026" name="Picture 2" descr="Bildergebnis fÃ¼r fake company logo">
-            <a:extLst>
-              <a:ext uri="{FF2B5EF4-FFF2-40B4-BE49-F238E27FC236}">
-                <a16:creationId xmlns:a16="http://schemas.microsoft.com/office/drawing/2014/main" id="{D6B46E58-0C17-46DC-8256-F96ADB1EE4DD}"/>
-              </a:ext>
-            </a:extLst>
-          </p:cNvPr>
-          <p:cNvPicPr>
-            <a:picLocks noChangeAspect="1" noChangeArrowheads="1"/>
-          </p:cNvPicPr>
-          <p:nvPr/>
-        </p:nvPicPr>
-        <p:blipFill>
-          <a:blip r:embed="rId8" cstate="hqprint">
-            <a:extLst>
-              <a:ext uri="{28A0092B-C50C-407E-A947-70E740481C1C}">
-                <a14:useLocalDpi xmlns:a14="http://schemas.microsoft.com/office/drawing/2010/main" val="0"/>
-              </a:ext>
-            </a:extLst>
-          </a:blip>
-          <a:srcRect/>
-          <a:stretch>
-            <a:fillRect/>
-          </a:stretch>
-        </p:blipFill>
-        <p:spPr bwMode="auto">
-          <a:xfrm>
-            <a:off x="5933494" y="2392574"/>
-            <a:ext cx="724927" cy="261672"/>
-          </a:xfrm>
-          <a:prstGeom prst="rect">
-            <a:avLst/>
-          </a:prstGeom>
-          <a:noFill/>
-          <a:extLst>
-            <a:ext uri="{909E8E84-426E-40DD-AFC4-6F175D3DCCD1}">
-              <a14:hiddenFill xmlns:a14="http://schemas.microsoft.com/office/drawing/2010/main">
-                <a:solidFill>
-                  <a:srgbClr val="FFFFFF"/>
-                </a:solidFill>
-              </a14:hiddenFill>
-            </a:ext>
-          </a:extLst>
-        </p:spPr>
-      </p:pic>
-      <p:grpSp>
-        <p:nvGrpSpPr>
-          <p:cNvPr id="5" name="Group 4">
-            <a:extLst>
-              <a:ext uri="{FF2B5EF4-FFF2-40B4-BE49-F238E27FC236}">
-                <a16:creationId xmlns:a16="http://schemas.microsoft.com/office/drawing/2014/main" id="{C0250A9F-3101-49E8-8FEC-EA63AEE4B0DE}"/>
-              </a:ext>
-            </a:extLst>
-          </p:cNvPr>
-          <p:cNvGrpSpPr/>
-          <p:nvPr/>
-        </p:nvGrpSpPr>
-        <p:grpSpPr>
-          <a:xfrm>
-            <a:off x="5605207" y="4963164"/>
-            <a:ext cx="1446924" cy="1299510"/>
-            <a:chOff x="5605207" y="4963164"/>
-            <a:chExt cx="1446924" cy="1299510"/>
-          </a:xfrm>
-        </p:grpSpPr>
-        <p:grpSp>
-          <p:nvGrpSpPr>
-            <p:cNvPr id="55" name="Group 54">
-              <a:extLst>
-                <a:ext uri="{FF2B5EF4-FFF2-40B4-BE49-F238E27FC236}">
-                  <a16:creationId xmlns:a16="http://schemas.microsoft.com/office/drawing/2014/main" id="{2A90FD35-5BFD-45A5-AA8B-4BD06443E16C}"/>
-                </a:ext>
-              </a:extLst>
-            </p:cNvPr>
-            <p:cNvGrpSpPr/>
-            <p:nvPr/>
-          </p:nvGrpSpPr>
-          <p:grpSpPr>
-            <a:xfrm>
-              <a:off x="5605207" y="4963164"/>
-              <a:ext cx="1446924" cy="1299510"/>
-              <a:chOff x="974256" y="4958709"/>
-              <a:chExt cx="1446924" cy="1299510"/>
-            </a:xfrm>
-          </p:grpSpPr>
-          <p:pic>
-            <p:nvPicPr>
-              <p:cNvPr id="56" name="Graphic 55">
-                <a:extLst>
-                  <a:ext uri="{FF2B5EF4-FFF2-40B4-BE49-F238E27FC236}">
-                    <a16:creationId xmlns:a16="http://schemas.microsoft.com/office/drawing/2014/main" id="{1F80D0DF-8CDA-43E0-8A0C-D10A26F9AD0E}"/>
-                  </a:ext>
-                </a:extLst>
-              </p:cNvPr>
-              <p:cNvPicPr>
-                <a:picLocks noChangeAspect="1"/>
-              </p:cNvPicPr>
-              <p:nvPr/>
-            </p:nvPicPr>
-            <p:blipFill>
-              <a:blip r:embed="rId6" cstate="hqprint">
-                <a:extLst>
-                  <a:ext uri="{28A0092B-C50C-407E-A947-70E740481C1C}">
-                    <a14:useLocalDpi xmlns:a14="http://schemas.microsoft.com/office/drawing/2010/main" val="0"/>
-                  </a:ext>
-                  <a:ext uri="{96DAC541-7B7A-43D3-8B79-37D633B846F1}">
-                    <asvg:svgBlip xmlns:asvg="http://schemas.microsoft.com/office/drawing/2016/SVG/main" r:embed="rId7"/>
-                  </a:ext>
-                </a:extLst>
-              </a:blip>
-              <a:stretch>
-                <a:fillRect/>
-              </a:stretch>
-            </p:blipFill>
-            <p:spPr>
-              <a:xfrm flipH="1">
-                <a:off x="1211718" y="4958709"/>
-                <a:ext cx="972000" cy="972000"/>
-              </a:xfrm>
-              <a:prstGeom prst="rect">
-                <a:avLst/>
-              </a:prstGeom>
-            </p:spPr>
-          </p:pic>
-          <p:sp>
-            <p:nvSpPr>
-              <p:cNvPr id="57" name="TextBox 56">
-                <a:extLst>
-                  <a:ext uri="{FF2B5EF4-FFF2-40B4-BE49-F238E27FC236}">
-                    <a16:creationId xmlns:a16="http://schemas.microsoft.com/office/drawing/2014/main" id="{F0738AC3-81EB-46BA-890E-A1217DADF994}"/>
-                  </a:ext>
-                </a:extLst>
-              </p:cNvPr>
-              <p:cNvSpPr txBox="1"/>
-              <p:nvPr/>
-            </p:nvSpPr>
-            <p:spPr>
-              <a:xfrm>
-                <a:off x="974256" y="5981220"/>
-                <a:ext cx="1446924" cy="276999"/>
-              </a:xfrm>
-              <a:prstGeom prst="rect">
-                <a:avLst/>
-              </a:prstGeom>
-              <a:noFill/>
-            </p:spPr>
-            <p:txBody>
-              <a:bodyPr wrap="square" rtlCol="0">
-                <a:spAutoFit/>
-              </a:bodyPr>
-              <a:lstStyle/>
-              <a:p>
-                <a:pPr algn="ctr"/>
-                <a:r>
-                  <a:rPr lang="de-AT" sz="1200" dirty="0"/>
-                  <a:t>Anwendung</a:t>
-                </a:r>
-                <a:endParaRPr lang="en-US" sz="1200" dirty="0"/>
-              </a:p>
-            </p:txBody>
-          </p:sp>
-        </p:grpSp>
-        <p:pic>
-          <p:nvPicPr>
-            <p:cNvPr id="3" name="Picture 2" descr="Bildergebnis fÃ¼r fake company logo">
-              <a:extLst>
-                <a:ext uri="{FF2B5EF4-FFF2-40B4-BE49-F238E27FC236}">
-                  <a16:creationId xmlns:a16="http://schemas.microsoft.com/office/drawing/2014/main" id="{3E6FC0C4-C09A-4E7F-98E4-2BE0C904C93B}"/>
-                </a:ext>
-              </a:extLst>
-            </p:cNvPr>
-            <p:cNvPicPr>
-              <a:picLocks noChangeAspect="1" noChangeArrowheads="1"/>
-            </p:cNvPicPr>
-            <p:nvPr/>
-          </p:nvPicPr>
-          <p:blipFill>
-            <a:blip r:embed="rId9" cstate="hqprint">
-              <a:extLst>
-                <a:ext uri="{28A0092B-C50C-407E-A947-70E740481C1C}">
-                  <a14:useLocalDpi xmlns:a14="http://schemas.microsoft.com/office/drawing/2010/main" val="0"/>
-                </a:ext>
-              </a:extLst>
-            </a:blip>
-            <a:srcRect/>
-            <a:stretch>
-              <a:fillRect/>
-            </a:stretch>
-          </p:blipFill>
-          <p:spPr bwMode="auto">
-            <a:xfrm>
-              <a:off x="5685350" y="5318493"/>
-              <a:ext cx="1283852" cy="427951"/>
-            </a:xfrm>
-            <a:prstGeom prst="rect">
-              <a:avLst/>
-            </a:prstGeom>
-            <a:noFill/>
-            <a:extLst>
-              <a:ext uri="{909E8E84-426E-40DD-AFC4-6F175D3DCCD1}">
-                <a14:hiddenFill xmlns:a14="http://schemas.microsoft.com/office/drawing/2010/main">
-                  <a:solidFill>
-                    <a:srgbClr val="FFFFFF"/>
-                  </a:solidFill>
-                </a14:hiddenFill>
-              </a:ext>
-            </a:extLst>
-          </p:spPr>
-        </p:pic>
-      </p:grpSp>
-      <p:grpSp>
-        <p:nvGrpSpPr>
-          <p:cNvPr id="29" name="Group 28">
-            <a:extLst>
-              <a:ext uri="{FF2B5EF4-FFF2-40B4-BE49-F238E27FC236}">
-                <a16:creationId xmlns:a16="http://schemas.microsoft.com/office/drawing/2014/main" id="{6161B6A0-FFF2-4DFF-9AA1-7CBD0F3C4BD6}"/>
-              </a:ext>
-            </a:extLst>
-          </p:cNvPr>
-          <p:cNvGrpSpPr/>
-          <p:nvPr/>
-        </p:nvGrpSpPr>
-        <p:grpSpPr>
-          <a:xfrm rot="2465732">
-            <a:off x="2339430" y="3632404"/>
-            <a:ext cx="3472791" cy="365568"/>
-            <a:chOff x="4164163" y="2994320"/>
-            <a:chExt cx="3696730" cy="324939"/>
-          </a:xfrm>
-        </p:grpSpPr>
-        <p:cxnSp>
-          <p:nvCxnSpPr>
-            <p:cNvPr id="30" name="Straight Arrow Connector 29">
-              <a:extLst>
-                <a:ext uri="{FF2B5EF4-FFF2-40B4-BE49-F238E27FC236}">
-                  <a16:creationId xmlns:a16="http://schemas.microsoft.com/office/drawing/2014/main" id="{1B8C9A36-E865-4689-A925-CB1B2443E288}"/>
-                </a:ext>
-              </a:extLst>
-            </p:cNvPr>
-            <p:cNvCxnSpPr>
-              <a:cxnSpLocks/>
-            </p:cNvCxnSpPr>
-            <p:nvPr/>
-          </p:nvCxnSpPr>
-          <p:spPr>
-            <a:xfrm>
-              <a:off x="4164163" y="3319259"/>
-              <a:ext cx="3696730" cy="0"/>
-            </a:xfrm>
-            <a:prstGeom prst="straightConnector1">
-              <a:avLst/>
-            </a:prstGeom>
-            <a:ln>
-              <a:tailEnd type="triangle"/>
-            </a:ln>
-          </p:spPr>
-          <p:style>
-            <a:lnRef idx="3">
-              <a:schemeClr val="accent3"/>
-            </a:lnRef>
-            <a:fillRef idx="0">
-              <a:schemeClr val="accent3"/>
-            </a:fillRef>
-            <a:effectRef idx="2">
-              <a:schemeClr val="accent3"/>
-            </a:effectRef>
-            <a:fontRef idx="minor">
-              <a:schemeClr val="tx1"/>
-            </a:fontRef>
-          </p:style>
-        </p:cxnSp>
-        <p:sp>
-          <p:nvSpPr>
-            <p:cNvPr id="31" name="TextBox 30">
-              <a:extLst>
-                <a:ext uri="{FF2B5EF4-FFF2-40B4-BE49-F238E27FC236}">
-                  <a16:creationId xmlns:a16="http://schemas.microsoft.com/office/drawing/2014/main" id="{60472F51-28A8-468E-9D61-29888BD7BB0D}"/>
-                </a:ext>
-              </a:extLst>
-            </p:cNvPr>
-            <p:cNvSpPr txBox="1"/>
-            <p:nvPr/>
-          </p:nvSpPr>
-          <p:spPr>
-            <a:xfrm>
-              <a:off x="5129159" y="2994320"/>
-              <a:ext cx="1766737" cy="276999"/>
-            </a:xfrm>
-            <a:prstGeom prst="rect">
-              <a:avLst/>
-            </a:prstGeom>
-            <a:noFill/>
-          </p:spPr>
-          <p:txBody>
-            <a:bodyPr wrap="square" rtlCol="0">
-              <a:spAutoFit/>
-            </a:bodyPr>
-            <a:lstStyle>
-              <a:defPPr>
-                <a:defRPr lang="en-US"/>
-              </a:defPPr>
-              <a:lvl1pPr>
-                <a:defRPr sz="1200">
-                  <a:solidFill>
-                    <a:schemeClr val="bg1">
-                      <a:lumMod val="50000"/>
-                    </a:schemeClr>
-                  </a:solidFill>
-                </a:defRPr>
-              </a:lvl1pPr>
-            </a:lstStyle>
-            <a:p>
-              <a:pPr algn="ctr"/>
-              <a:r>
-                <a:rPr lang="de-AT" dirty="0"/>
-                <a:t>Login Anfrage </a:t>
-              </a:r>
-              <a:endParaRPr lang="en-US" dirty="0"/>
-            </a:p>
-          </p:txBody>
-        </p:sp>
-      </p:grpSp>
-      <p:grpSp>
-        <p:nvGrpSpPr>
-          <p:cNvPr id="33" name="Group 32">
-            <a:extLst>
-              <a:ext uri="{FF2B5EF4-FFF2-40B4-BE49-F238E27FC236}">
-                <a16:creationId xmlns:a16="http://schemas.microsoft.com/office/drawing/2014/main" id="{9AFB2269-57C4-45D6-9843-C2CA0DEC9519}"/>
-              </a:ext>
-            </a:extLst>
-          </p:cNvPr>
-          <p:cNvGrpSpPr/>
-          <p:nvPr/>
-        </p:nvGrpSpPr>
-        <p:grpSpPr>
-          <a:xfrm>
-            <a:off x="9970107" y="4902035"/>
-            <a:ext cx="1446924" cy="1323770"/>
-            <a:chOff x="7060850" y="3273967"/>
-            <a:chExt cx="1446924" cy="1323770"/>
-          </a:xfrm>
-        </p:grpSpPr>
-        <p:pic>
-          <p:nvPicPr>
-            <p:cNvPr id="35" name="Graphic 34">
-              <a:extLst>
-                <a:ext uri="{FF2B5EF4-FFF2-40B4-BE49-F238E27FC236}">
-                  <a16:creationId xmlns:a16="http://schemas.microsoft.com/office/drawing/2014/main" id="{644D705F-F6C6-49D7-BBBD-B238629B6D77}"/>
-                </a:ext>
-              </a:extLst>
-            </p:cNvPr>
-            <p:cNvPicPr>
-              <a:picLocks noChangeAspect="1"/>
-            </p:cNvPicPr>
-            <p:nvPr/>
-          </p:nvPicPr>
-          <p:blipFill>
-            <a:blip r:embed="rId2" cstate="hqprint">
-              <a:extLst>
-                <a:ext uri="{28A0092B-C50C-407E-A947-70E740481C1C}">
-                  <a14:useLocalDpi xmlns:a14="http://schemas.microsoft.com/office/drawing/2010/main" val="0"/>
-                </a:ext>
-                <a:ext uri="{96DAC541-7B7A-43D3-8B79-37D633B846F1}">
-                  <asvg:svgBlip xmlns:asvg="http://schemas.microsoft.com/office/drawing/2016/SVG/main" r:embed="rId3"/>
-                </a:ext>
-              </a:extLst>
-            </a:blip>
-            <a:stretch>
-              <a:fillRect/>
-            </a:stretch>
-          </p:blipFill>
-          <p:spPr>
-            <a:xfrm>
-              <a:off x="7359062" y="3273967"/>
-              <a:ext cx="850500" cy="972000"/>
-            </a:xfrm>
-            <a:prstGeom prst="rect">
-              <a:avLst/>
-            </a:prstGeom>
-          </p:spPr>
-        </p:pic>
-        <p:sp>
-          <p:nvSpPr>
-            <p:cNvPr id="37" name="TextBox 36">
-              <a:extLst>
-                <a:ext uri="{FF2B5EF4-FFF2-40B4-BE49-F238E27FC236}">
-                  <a16:creationId xmlns:a16="http://schemas.microsoft.com/office/drawing/2014/main" id="{F24AE0FC-1613-4930-B6A8-EF4B51E42C18}"/>
-                </a:ext>
-              </a:extLst>
-            </p:cNvPr>
-            <p:cNvSpPr txBox="1"/>
-            <p:nvPr/>
-          </p:nvSpPr>
-          <p:spPr>
-            <a:xfrm>
-              <a:off x="7060850" y="4320738"/>
-              <a:ext cx="1446924" cy="276999"/>
-            </a:xfrm>
-            <a:prstGeom prst="rect">
-              <a:avLst/>
-            </a:prstGeom>
-            <a:noFill/>
-          </p:spPr>
-          <p:txBody>
-            <a:bodyPr wrap="square" rtlCol="0">
-              <a:spAutoFit/>
-            </a:bodyPr>
-            <a:lstStyle/>
-            <a:p>
-              <a:pPr algn="ctr"/>
-              <a:r>
-                <a:rPr lang="de-AT" sz="1200" dirty="0"/>
-                <a:t>Datenbank</a:t>
-              </a:r>
-              <a:endParaRPr lang="en-US" sz="1200" dirty="0"/>
-            </a:p>
-          </p:txBody>
-        </p:sp>
-      </p:grpSp>
-      <p:grpSp>
-        <p:nvGrpSpPr>
-          <p:cNvPr id="38" name="Group 37">
-            <a:extLst>
-              <a:ext uri="{FF2B5EF4-FFF2-40B4-BE49-F238E27FC236}">
-                <a16:creationId xmlns:a16="http://schemas.microsoft.com/office/drawing/2014/main" id="{9AB30A1D-6CC8-4725-A2A3-46D250EF63D2}"/>
-              </a:ext>
-            </a:extLst>
-          </p:cNvPr>
-          <p:cNvGrpSpPr/>
-          <p:nvPr/>
-        </p:nvGrpSpPr>
-        <p:grpSpPr>
-          <a:xfrm>
-            <a:off x="7003530" y="5009602"/>
-            <a:ext cx="3075927" cy="461665"/>
-            <a:chOff x="4164163" y="2857594"/>
-            <a:chExt cx="3696730" cy="461665"/>
-          </a:xfrm>
-        </p:grpSpPr>
-        <p:cxnSp>
-          <p:nvCxnSpPr>
-            <p:cNvPr id="39" name="Straight Arrow Connector 38">
-              <a:extLst>
-                <a:ext uri="{FF2B5EF4-FFF2-40B4-BE49-F238E27FC236}">
-                  <a16:creationId xmlns:a16="http://schemas.microsoft.com/office/drawing/2014/main" id="{B4B1BF1F-91CE-45F9-A632-3B1316619EC0}"/>
-                </a:ext>
-              </a:extLst>
-            </p:cNvPr>
-            <p:cNvCxnSpPr>
-              <a:cxnSpLocks/>
-            </p:cNvCxnSpPr>
-            <p:nvPr/>
-          </p:nvCxnSpPr>
-          <p:spPr>
-            <a:xfrm>
-              <a:off x="4164163" y="3319259"/>
-              <a:ext cx="3696730" cy="0"/>
-            </a:xfrm>
-            <a:prstGeom prst="straightConnector1">
-              <a:avLst/>
-            </a:prstGeom>
-            <a:ln>
-              <a:tailEnd type="triangle"/>
-            </a:ln>
-          </p:spPr>
-          <p:style>
-            <a:lnRef idx="3">
-              <a:schemeClr val="accent3"/>
-            </a:lnRef>
-            <a:fillRef idx="0">
-              <a:schemeClr val="accent3"/>
-            </a:fillRef>
-            <a:effectRef idx="2">
-              <a:schemeClr val="accent3"/>
-            </a:effectRef>
-            <a:fontRef idx="minor">
-              <a:schemeClr val="tx1"/>
-            </a:fontRef>
-          </p:style>
-        </p:cxnSp>
-        <p:sp>
-          <p:nvSpPr>
-            <p:cNvPr id="40" name="TextBox 39">
-              <a:extLst>
-                <a:ext uri="{FF2B5EF4-FFF2-40B4-BE49-F238E27FC236}">
-                  <a16:creationId xmlns:a16="http://schemas.microsoft.com/office/drawing/2014/main" id="{F902F9EF-9656-4D25-995C-35B1F4AFB5F7}"/>
-                </a:ext>
-              </a:extLst>
-            </p:cNvPr>
-            <p:cNvSpPr txBox="1"/>
-            <p:nvPr/>
-          </p:nvSpPr>
-          <p:spPr>
-            <a:xfrm>
-              <a:off x="4308630" y="2857594"/>
-              <a:ext cx="3407797" cy="461665"/>
-            </a:xfrm>
-            <a:prstGeom prst="rect">
-              <a:avLst/>
-            </a:prstGeom>
-            <a:noFill/>
-          </p:spPr>
-          <p:txBody>
-            <a:bodyPr wrap="square" rtlCol="0">
-              <a:spAutoFit/>
-            </a:bodyPr>
-            <a:lstStyle>
-              <a:defPPr>
-                <a:defRPr lang="en-US"/>
-              </a:defPPr>
-              <a:lvl1pPr>
-                <a:defRPr sz="1200">
-                  <a:solidFill>
-                    <a:schemeClr val="bg1">
-                      <a:lumMod val="50000"/>
-                    </a:schemeClr>
-                  </a:solidFill>
-                </a:defRPr>
-              </a:lvl1pPr>
-            </a:lstStyle>
-            <a:p>
-              <a:pPr algn="ctr"/>
-              <a:r>
-                <a:rPr lang="de-AT" dirty="0"/>
-                <a:t>Vergleiche ob Anmeldedaten übereinstimmen</a:t>
-              </a:r>
-              <a:endParaRPr lang="en-US" dirty="0"/>
-            </a:p>
-          </p:txBody>
-        </p:sp>
-      </p:grpSp>
-      <p:grpSp>
-        <p:nvGrpSpPr>
-          <p:cNvPr id="47" name="Group 46">
-            <a:extLst>
-              <a:ext uri="{FF2B5EF4-FFF2-40B4-BE49-F238E27FC236}">
-                <a16:creationId xmlns:a16="http://schemas.microsoft.com/office/drawing/2014/main" id="{96A8A0E0-F2D1-4B9A-8010-87B31F408A9B}"/>
-              </a:ext>
-            </a:extLst>
-          </p:cNvPr>
-          <p:cNvGrpSpPr/>
-          <p:nvPr/>
-        </p:nvGrpSpPr>
-        <p:grpSpPr>
-          <a:xfrm>
-            <a:off x="7976851" y="3100592"/>
-            <a:ext cx="1306420" cy="1293177"/>
-            <a:chOff x="5446419" y="1519121"/>
-            <a:chExt cx="1306420" cy="1293177"/>
-          </a:xfrm>
-        </p:grpSpPr>
-        <p:grpSp>
-          <p:nvGrpSpPr>
-            <p:cNvPr id="48" name="Group 47">
-              <a:extLst>
-                <a:ext uri="{FF2B5EF4-FFF2-40B4-BE49-F238E27FC236}">
-                  <a16:creationId xmlns:a16="http://schemas.microsoft.com/office/drawing/2014/main" id="{D1D082AC-7D36-4BF0-8707-16D3F2EF75C2}"/>
-                </a:ext>
-              </a:extLst>
-            </p:cNvPr>
-            <p:cNvGrpSpPr/>
-            <p:nvPr/>
-          </p:nvGrpSpPr>
-          <p:grpSpPr>
-            <a:xfrm>
-              <a:off x="5780839" y="1519121"/>
-              <a:ext cx="972000" cy="1293177"/>
-              <a:chOff x="5780839" y="1519121"/>
-              <a:chExt cx="972000" cy="1293177"/>
-            </a:xfrm>
-          </p:grpSpPr>
-          <p:sp>
-            <p:nvSpPr>
-              <p:cNvPr id="51" name="Rectangle: Rounded Corners 50">
-                <a:extLst>
-                  <a:ext uri="{FF2B5EF4-FFF2-40B4-BE49-F238E27FC236}">
-                    <a16:creationId xmlns:a16="http://schemas.microsoft.com/office/drawing/2014/main" id="{54ECCED8-EEB1-489F-9BB4-AE8DFD5E84CE}"/>
-                  </a:ext>
-                </a:extLst>
-              </p:cNvPr>
-              <p:cNvSpPr/>
-              <p:nvPr/>
-            </p:nvSpPr>
-            <p:spPr>
-              <a:xfrm>
-                <a:off x="5780839" y="1519121"/>
-                <a:ext cx="972000" cy="972000"/>
-              </a:xfrm>
-              <a:prstGeom prst="roundRect">
-                <a:avLst/>
-              </a:prstGeom>
-              <a:ln w="76200"/>
-            </p:spPr>
-            <p:style>
-              <a:lnRef idx="2">
-                <a:schemeClr val="dk1"/>
-              </a:lnRef>
-              <a:fillRef idx="1">
-                <a:schemeClr val="lt1"/>
-              </a:fillRef>
-              <a:effectRef idx="0">
-                <a:schemeClr val="dk1"/>
-              </a:effectRef>
-              <a:fontRef idx="minor">
-                <a:schemeClr val="dk1"/>
-              </a:fontRef>
-            </p:style>
-            <p:txBody>
-              <a:bodyPr rtlCol="0" anchor="t" anchorCtr="0"/>
-              <a:lstStyle/>
-              <a:p>
-                <a:pPr algn="l"/>
-                <a:endParaRPr lang="en-US" dirty="0">
-                  <a:solidFill>
-                    <a:schemeClr val="tx1"/>
-                  </a:solidFill>
-                </a:endParaRPr>
-              </a:p>
-            </p:txBody>
-          </p:sp>
-          <p:sp>
-            <p:nvSpPr>
-              <p:cNvPr id="52" name="TextBox 51">
-                <a:extLst>
-                  <a:ext uri="{FF2B5EF4-FFF2-40B4-BE49-F238E27FC236}">
-                    <a16:creationId xmlns:a16="http://schemas.microsoft.com/office/drawing/2014/main" id="{34AD36D7-12D9-4516-913B-17A91C196CD9}"/>
-                  </a:ext>
-                </a:extLst>
-              </p:cNvPr>
-              <p:cNvSpPr txBox="1"/>
-              <p:nvPr/>
-            </p:nvSpPr>
-            <p:spPr>
-              <a:xfrm>
-                <a:off x="6020617" y="2535299"/>
-                <a:ext cx="389850" cy="276999"/>
-              </a:xfrm>
-              <a:prstGeom prst="rect">
-                <a:avLst/>
-              </a:prstGeom>
-              <a:noFill/>
-            </p:spPr>
-            <p:txBody>
-              <a:bodyPr wrap="none" rtlCol="0">
-                <a:spAutoFit/>
-              </a:bodyPr>
-              <a:lstStyle/>
-              <a:p>
-                <a:r>
-                  <a:rPr lang="de-AT" sz="1200" dirty="0" err="1"/>
-                  <a:t>Api</a:t>
-                </a:r>
-                <a:endParaRPr lang="en-US" sz="1200" dirty="0"/>
-              </a:p>
-            </p:txBody>
-          </p:sp>
-        </p:grpSp>
-        <p:sp>
-          <p:nvSpPr>
-            <p:cNvPr id="49" name="Rectangle: Rounded Corners 48">
-              <a:extLst>
-                <a:ext uri="{FF2B5EF4-FFF2-40B4-BE49-F238E27FC236}">
-                  <a16:creationId xmlns:a16="http://schemas.microsoft.com/office/drawing/2014/main" id="{DA49D3FC-494A-4A6E-BB86-EC61DFA5C6DE}"/>
-                </a:ext>
-              </a:extLst>
-            </p:cNvPr>
-            <p:cNvSpPr/>
-            <p:nvPr/>
-          </p:nvSpPr>
-          <p:spPr>
-            <a:xfrm>
-              <a:off x="5446419" y="1639509"/>
-              <a:ext cx="552230" cy="282569"/>
-            </a:xfrm>
-            <a:prstGeom prst="roundRect">
-              <a:avLst/>
-            </a:prstGeom>
-            <a:ln w="76200"/>
-          </p:spPr>
-          <p:style>
-            <a:lnRef idx="2">
-              <a:schemeClr val="dk1"/>
-            </a:lnRef>
-            <a:fillRef idx="1">
-              <a:schemeClr val="lt1"/>
-            </a:fillRef>
-            <a:effectRef idx="0">
-              <a:schemeClr val="dk1"/>
-            </a:effectRef>
-            <a:fontRef idx="minor">
-              <a:schemeClr val="dk1"/>
-            </a:fontRef>
-          </p:style>
-          <p:txBody>
-            <a:bodyPr rtlCol="0" anchor="t" anchorCtr="0"/>
-            <a:lstStyle/>
-            <a:p>
-              <a:pPr algn="l"/>
-              <a:endParaRPr lang="en-US" dirty="0">
-                <a:solidFill>
-                  <a:schemeClr val="tx1"/>
-                </a:solidFill>
-              </a:endParaRPr>
-            </a:p>
-          </p:txBody>
-        </p:sp>
-        <p:sp>
-          <p:nvSpPr>
-            <p:cNvPr id="50" name="Rectangle: Rounded Corners 49">
-              <a:extLst>
-                <a:ext uri="{FF2B5EF4-FFF2-40B4-BE49-F238E27FC236}">
-                  <a16:creationId xmlns:a16="http://schemas.microsoft.com/office/drawing/2014/main" id="{BF62738F-41E5-43BB-B1AC-6260394CDABA}"/>
-                </a:ext>
-              </a:extLst>
-            </p:cNvPr>
-            <p:cNvSpPr/>
-            <p:nvPr/>
-          </p:nvSpPr>
-          <p:spPr>
-            <a:xfrm>
-              <a:off x="5446419" y="2068489"/>
-              <a:ext cx="552230" cy="268532"/>
-            </a:xfrm>
-            <a:prstGeom prst="roundRect">
-              <a:avLst/>
-            </a:prstGeom>
-            <a:ln w="76200"/>
-          </p:spPr>
-          <p:style>
-            <a:lnRef idx="2">
-              <a:schemeClr val="dk1"/>
-            </a:lnRef>
-            <a:fillRef idx="1">
-              <a:schemeClr val="lt1"/>
-            </a:fillRef>
-            <a:effectRef idx="0">
-              <a:schemeClr val="dk1"/>
-            </a:effectRef>
-            <a:fontRef idx="minor">
-              <a:schemeClr val="dk1"/>
-            </a:fontRef>
-          </p:style>
-          <p:txBody>
-            <a:bodyPr rtlCol="0" anchor="t" anchorCtr="0"/>
-            <a:lstStyle/>
-            <a:p>
-              <a:pPr algn="l"/>
-              <a:endParaRPr lang="en-US" dirty="0">
-                <a:solidFill>
-                  <a:schemeClr val="tx1"/>
-                </a:solidFill>
-              </a:endParaRPr>
-            </a:p>
-          </p:txBody>
-        </p:sp>
-      </p:grpSp>
-      <p:pic>
-        <p:nvPicPr>
-          <p:cNvPr id="53" name="Picture 2" descr="Bildergebnis fÃ¼r fake company logo">
-            <a:extLst>
-              <a:ext uri="{FF2B5EF4-FFF2-40B4-BE49-F238E27FC236}">
-                <a16:creationId xmlns:a16="http://schemas.microsoft.com/office/drawing/2014/main" id="{A554820D-DEB5-4AE1-B42B-A7A4595F7538}"/>
-              </a:ext>
-            </a:extLst>
-          </p:cNvPr>
-          <p:cNvPicPr>
-            <a:picLocks noChangeAspect="1" noChangeArrowheads="1"/>
-          </p:cNvPicPr>
-          <p:nvPr/>
-        </p:nvPicPr>
-        <p:blipFill>
-          <a:blip r:embed="rId8" cstate="hqprint">
-            <a:extLst>
-              <a:ext uri="{28A0092B-C50C-407E-A947-70E740481C1C}">
-                <a14:useLocalDpi xmlns:a14="http://schemas.microsoft.com/office/drawing/2010/main" val="0"/>
-              </a:ext>
-            </a:extLst>
-          </a:blip>
-          <a:srcRect/>
-          <a:stretch>
-            <a:fillRect/>
-          </a:stretch>
-        </p:blipFill>
-        <p:spPr bwMode="auto">
-          <a:xfrm>
-            <a:off x="8600058" y="3489180"/>
-            <a:ext cx="553250" cy="177184"/>
-          </a:xfrm>
-          <a:prstGeom prst="rect">
-            <a:avLst/>
-          </a:prstGeom>
-          <a:noFill/>
-          <a:extLst>
-            <a:ext uri="{909E8E84-426E-40DD-AFC4-6F175D3DCCD1}">
-              <a14:hiddenFill xmlns:a14="http://schemas.microsoft.com/office/drawing/2010/main">
-                <a:solidFill>
-                  <a:srgbClr val="FFFFFF"/>
-                </a:solidFill>
-              </a14:hiddenFill>
-            </a:ext>
-          </a:extLst>
-        </p:spPr>
-      </p:pic>
-      <p:cxnSp>
-        <p:nvCxnSpPr>
-          <p:cNvPr id="58" name="Straight Arrow Connector 57">
-            <a:extLst>
-              <a:ext uri="{FF2B5EF4-FFF2-40B4-BE49-F238E27FC236}">
-                <a16:creationId xmlns:a16="http://schemas.microsoft.com/office/drawing/2014/main" id="{8AB2358D-412D-4E27-A86A-2B3E34AC214A}"/>
-              </a:ext>
-            </a:extLst>
-          </p:cNvPr>
-          <p:cNvCxnSpPr>
-            <a:cxnSpLocks/>
-          </p:cNvCxnSpPr>
-          <p:nvPr/>
-        </p:nvCxnSpPr>
-        <p:spPr>
-          <a:xfrm>
-            <a:off x="6853475" y="2840026"/>
-            <a:ext cx="783994" cy="549438"/>
-          </a:xfrm>
-          <a:prstGeom prst="straightConnector1">
-            <a:avLst/>
-          </a:prstGeom>
-          <a:ln>
-            <a:tailEnd type="triangle"/>
-          </a:ln>
-        </p:spPr>
-        <p:style>
-          <a:lnRef idx="3">
-            <a:schemeClr val="accent3"/>
-          </a:lnRef>
-          <a:fillRef idx="0">
-            <a:schemeClr val="accent3"/>
-          </a:fillRef>
-          <a:effectRef idx="2">
-            <a:schemeClr val="accent3"/>
-          </a:effectRef>
-          <a:fontRef idx="minor">
-            <a:schemeClr val="tx1"/>
-          </a:fontRef>
-        </p:style>
-      </p:cxnSp>
-      <p:sp>
-        <p:nvSpPr>
-          <p:cNvPr id="62" name="TextBox 61">
-            <a:extLst>
-              <a:ext uri="{FF2B5EF4-FFF2-40B4-BE49-F238E27FC236}">
-                <a16:creationId xmlns:a16="http://schemas.microsoft.com/office/drawing/2014/main" id="{E5255CDC-592B-40D5-B3B1-7DD19EAADDA2}"/>
-              </a:ext>
-            </a:extLst>
-          </p:cNvPr>
-          <p:cNvSpPr txBox="1"/>
-          <p:nvPr/>
-        </p:nvSpPr>
-        <p:spPr>
-          <a:xfrm rot="2175811">
-            <a:off x="6527889" y="2667276"/>
-            <a:ext cx="1667623" cy="461665"/>
-          </a:xfrm>
-          <a:prstGeom prst="rect">
-            <a:avLst/>
-          </a:prstGeom>
-          <a:noFill/>
-        </p:spPr>
-        <p:txBody>
-          <a:bodyPr wrap="square" rtlCol="0">
-            <a:spAutoFit/>
-          </a:bodyPr>
-          <a:lstStyle>
-            <a:defPPr>
-              <a:defRPr lang="en-US"/>
-            </a:defPPr>
-            <a:lvl1pPr>
-              <a:defRPr sz="1200">
-                <a:solidFill>
-                  <a:schemeClr val="bg1">
-                    <a:lumMod val="50000"/>
-                  </a:schemeClr>
-                </a:solidFill>
-              </a:defRPr>
-            </a:lvl1pPr>
-          </a:lstStyle>
-          <a:p>
-            <a:pPr algn="ctr"/>
-            <a:r>
-              <a:rPr lang="de-AT" dirty="0" err="1"/>
-              <a:t>Anwendungs</a:t>
-            </a:r>
-            <a:r>
-              <a:rPr lang="de-AT" dirty="0"/>
-              <a:t> </a:t>
-            </a:r>
-            <a:r>
-              <a:rPr lang="de-AT" dirty="0" err="1"/>
-              <a:t>Authorisierung</a:t>
-            </a:r>
-            <a:endParaRPr lang="en-US" dirty="0"/>
-          </a:p>
-        </p:txBody>
-      </p:sp>
-      <p:sp>
-        <p:nvSpPr>
-          <p:cNvPr id="64" name="TextBox 63">
-            <a:extLst>
-              <a:ext uri="{FF2B5EF4-FFF2-40B4-BE49-F238E27FC236}">
-                <a16:creationId xmlns:a16="http://schemas.microsoft.com/office/drawing/2014/main" id="{2E0F3D10-1F7D-48AB-9426-49F92AB64D4A}"/>
-              </a:ext>
-            </a:extLst>
-          </p:cNvPr>
-          <p:cNvSpPr txBox="1"/>
-          <p:nvPr/>
-        </p:nvSpPr>
-        <p:spPr>
-          <a:xfrm rot="19450883">
-            <a:off x="6436131" y="3971385"/>
-            <a:ext cx="1375211" cy="276999"/>
-          </a:xfrm>
-          <a:prstGeom prst="rect">
-            <a:avLst/>
-          </a:prstGeom>
-          <a:noFill/>
-        </p:spPr>
-        <p:txBody>
-          <a:bodyPr wrap="square" rtlCol="0">
-            <a:spAutoFit/>
-          </a:bodyPr>
-          <a:lstStyle>
-            <a:defPPr>
-              <a:defRPr lang="en-US"/>
-            </a:defPPr>
-            <a:lvl1pPr>
-              <a:defRPr sz="1200">
-                <a:solidFill>
-                  <a:schemeClr val="bg1">
-                    <a:lumMod val="50000"/>
-                  </a:schemeClr>
-                </a:solidFill>
-              </a:defRPr>
-            </a:lvl1pPr>
-          </a:lstStyle>
-          <a:p>
-            <a:pPr algn="ctr"/>
-            <a:r>
-              <a:rPr lang="de-AT" dirty="0"/>
-              <a:t>?</a:t>
-            </a:r>
-            <a:endParaRPr lang="en-US" dirty="0"/>
-          </a:p>
-        </p:txBody>
-      </p:sp>
-      <p:cxnSp>
-        <p:nvCxnSpPr>
-          <p:cNvPr id="66" name="Straight Arrow Connector 65">
-            <a:extLst>
-              <a:ext uri="{FF2B5EF4-FFF2-40B4-BE49-F238E27FC236}">
-                <a16:creationId xmlns:a16="http://schemas.microsoft.com/office/drawing/2014/main" id="{C2F06631-BF4F-4B4D-849D-25B8EE09314A}"/>
-              </a:ext>
-            </a:extLst>
-          </p:cNvPr>
-          <p:cNvCxnSpPr>
-            <a:cxnSpLocks/>
-          </p:cNvCxnSpPr>
-          <p:nvPr/>
-        </p:nvCxnSpPr>
-        <p:spPr>
-          <a:xfrm flipV="1">
-            <a:off x="6814669" y="3982857"/>
-            <a:ext cx="924181" cy="651853"/>
-          </a:xfrm>
-          <a:prstGeom prst="straightConnector1">
-            <a:avLst/>
-          </a:prstGeom>
-          <a:ln>
-            <a:tailEnd type="triangle"/>
-          </a:ln>
-        </p:spPr>
-        <p:style>
-          <a:lnRef idx="3">
-            <a:schemeClr val="accent3"/>
-          </a:lnRef>
-          <a:fillRef idx="0">
-            <a:schemeClr val="accent3"/>
-          </a:fillRef>
-          <a:effectRef idx="2">
-            <a:schemeClr val="accent3"/>
-          </a:effectRef>
-          <a:fontRef idx="minor">
-            <a:schemeClr val="tx1"/>
-          </a:fontRef>
-        </p:style>
-      </p:cxnSp>
-      <p:cxnSp>
-        <p:nvCxnSpPr>
-          <p:cNvPr id="72" name="Straight Arrow Connector 71">
-            <a:extLst>
-              <a:ext uri="{FF2B5EF4-FFF2-40B4-BE49-F238E27FC236}">
-                <a16:creationId xmlns:a16="http://schemas.microsoft.com/office/drawing/2014/main" id="{4555117B-4ED7-49D4-9305-C556D3AA0550}"/>
-              </a:ext>
-            </a:extLst>
-          </p:cNvPr>
-          <p:cNvCxnSpPr>
-            <a:cxnSpLocks/>
-            <a:endCxn id="16" idx="2"/>
-          </p:cNvCxnSpPr>
-          <p:nvPr/>
-        </p:nvCxnSpPr>
-        <p:spPr>
-          <a:xfrm flipV="1">
-            <a:off x="9467675" y="3256944"/>
-            <a:ext cx="1215038" cy="584794"/>
-          </a:xfrm>
-          <a:prstGeom prst="straightConnector1">
-            <a:avLst/>
-          </a:prstGeom>
-          <a:ln>
-            <a:tailEnd type="triangle"/>
-          </a:ln>
-        </p:spPr>
-        <p:style>
-          <a:lnRef idx="3">
-            <a:schemeClr val="accent3"/>
-          </a:lnRef>
-          <a:fillRef idx="0">
-            <a:schemeClr val="accent3"/>
-          </a:fillRef>
-          <a:effectRef idx="2">
-            <a:schemeClr val="accent3"/>
-          </a:effectRef>
-          <a:fontRef idx="minor">
-            <a:schemeClr val="tx1"/>
-          </a:fontRef>
-        </p:style>
-      </p:cxnSp>
-      <p:sp>
-        <p:nvSpPr>
-          <p:cNvPr id="83" name="TextBox 82">
-            <a:extLst>
-              <a:ext uri="{FF2B5EF4-FFF2-40B4-BE49-F238E27FC236}">
-                <a16:creationId xmlns:a16="http://schemas.microsoft.com/office/drawing/2014/main" id="{C6A87303-3BD8-469F-B525-F93A4C7FA92D}"/>
-              </a:ext>
-            </a:extLst>
-          </p:cNvPr>
-          <p:cNvSpPr txBox="1"/>
-          <p:nvPr/>
-        </p:nvSpPr>
-        <p:spPr>
-          <a:xfrm rot="20076314">
-            <a:off x="9014040" y="3328442"/>
-            <a:ext cx="1822530" cy="276999"/>
-          </a:xfrm>
-          <a:prstGeom prst="rect">
-            <a:avLst/>
-          </a:prstGeom>
-          <a:noFill/>
-        </p:spPr>
-        <p:txBody>
-          <a:bodyPr wrap="square" rtlCol="0">
-            <a:spAutoFit/>
-          </a:bodyPr>
-          <a:lstStyle>
-            <a:defPPr>
-              <a:defRPr lang="en-US"/>
-            </a:defPPr>
-            <a:lvl1pPr>
-              <a:defRPr sz="1200">
-                <a:solidFill>
-                  <a:schemeClr val="bg1">
-                    <a:lumMod val="50000"/>
-                  </a:schemeClr>
-                </a:solidFill>
-              </a:defRPr>
-            </a:lvl1pPr>
-          </a:lstStyle>
-          <a:p>
-            <a:pPr algn="ctr"/>
-            <a:r>
-              <a:rPr lang="de-AT" dirty="0"/>
-              <a:t>Zugriff auf daten</a:t>
-            </a:r>
-            <a:endParaRPr lang="en-US" dirty="0"/>
-          </a:p>
-        </p:txBody>
-      </p:sp>
-      <p:sp>
-        <p:nvSpPr>
-          <p:cNvPr id="85" name="Rectangle 84">
-            <a:extLst>
-              <a:ext uri="{FF2B5EF4-FFF2-40B4-BE49-F238E27FC236}">
-                <a16:creationId xmlns:a16="http://schemas.microsoft.com/office/drawing/2014/main" id="{34BCF779-2C52-4B7B-84C2-48CDB7F81C16}"/>
-              </a:ext>
-            </a:extLst>
-          </p:cNvPr>
-          <p:cNvSpPr/>
-          <p:nvPr/>
-        </p:nvSpPr>
-        <p:spPr>
-          <a:xfrm>
-            <a:off x="5747340" y="3464659"/>
-            <a:ext cx="800219" cy="461665"/>
-          </a:xfrm>
-          <a:prstGeom prst="rect">
-            <a:avLst/>
-          </a:prstGeom>
-        </p:spPr>
-        <p:txBody>
-          <a:bodyPr wrap="none">
-            <a:spAutoFit/>
-          </a:bodyPr>
-          <a:lstStyle/>
-          <a:p>
-            <a:r>
-              <a:rPr lang="en-US" sz="2400" b="1" dirty="0">
-                <a:solidFill>
-                  <a:srgbClr val="FF0000"/>
-                </a:solidFill>
-                <a:latin typeface="Bradley Hand ITC" panose="03070402050302030203" pitchFamily="66" charset="0"/>
-              </a:rPr>
-              <a:t>Wie?</a:t>
-            </a:r>
-          </a:p>
-        </p:txBody>
-      </p:sp>
-      <mc:AlternateContent xmlns:mc="http://schemas.openxmlformats.org/markup-compatibility/2006" xmlns:p14="http://schemas.microsoft.com/office/powerpoint/2010/main">
-        <mc:Choice Requires="p14">
-          <p:contentPart p14:bwMode="auto" r:id="rId10">
-            <p14:nvContentPartPr>
-              <p14:cNvPr id="86" name="Ink 85">
-                <a:extLst>
-                  <a:ext uri="{FF2B5EF4-FFF2-40B4-BE49-F238E27FC236}">
-                    <a16:creationId xmlns:a16="http://schemas.microsoft.com/office/drawing/2014/main" id="{B6E8DCCF-5E88-41A6-BA5A-062B9E1833DC}"/>
-                  </a:ext>
-                </a:extLst>
-              </p14:cNvPr>
-              <p14:cNvContentPartPr/>
-              <p14:nvPr/>
-            </p14:nvContentPartPr>
-            <p14:xfrm>
-              <a:off x="6349610" y="3529850"/>
-              <a:ext cx="1389240" cy="409320"/>
-            </p14:xfrm>
-          </p:contentPart>
-        </mc:Choice>
-        <mc:Fallback xmlns="">
-          <p:pic>
-            <p:nvPicPr>
-              <p:cNvPr id="86" name="Ink 85">
-                <a:extLst>
-                  <a:ext uri="{FF2B5EF4-FFF2-40B4-BE49-F238E27FC236}">
-                    <a16:creationId xmlns:a16="http://schemas.microsoft.com/office/drawing/2014/main" id="{B6E8DCCF-5E88-41A6-BA5A-062B9E1833DC}"/>
-                  </a:ext>
-                </a:extLst>
-              </p:cNvPr>
-              <p:cNvPicPr/>
-              <p:nvPr/>
-            </p:nvPicPr>
-            <p:blipFill>
-              <a:blip r:embed="rId11"/>
-              <a:stretch>
-                <a:fillRect/>
-              </a:stretch>
-            </p:blipFill>
-            <p:spPr>
-              <a:xfrm>
-                <a:off x="6340610" y="3520842"/>
-                <a:ext cx="1406880" cy="426976"/>
-              </a:xfrm>
-              <a:prstGeom prst="rect">
-                <a:avLst/>
-              </a:prstGeom>
-            </p:spPr>
-          </p:pic>
-        </mc:Fallback>
-      </mc:AlternateContent>
-    </p:spTree>
-    <p:extLst>
-      <p:ext uri="{BB962C8B-B14F-4D97-AF65-F5344CB8AC3E}">
-        <p14:creationId xmlns:p14="http://schemas.microsoft.com/office/powerpoint/2010/main" val="4058641509"/>
-      </p:ext>
-    </p:extLst>
-  </p:cSld>
-  <p:clrMapOvr>
-    <a:masterClrMapping/>
-  </p:clrMapOvr>
-  <p:timing>
-    <p:tnLst>
-      <p:par>
-        <p:cTn id="1" dur="indefinite" restart="never" nodeType="tmRoot">
-          <p:childTnLst>
-            <p:seq concurrent="1" nextAc="seek">
-              <p:cTn id="2" dur="indefinite" nodeType="mainSeq">
-                <p:childTnLst>
-                  <p:par>
-                    <p:cTn id="3" fill="hold">
-                      <p:stCondLst>
-                        <p:cond delay="indefinite"/>
-                      </p:stCondLst>
-                      <p:childTnLst>
-                        <p:par>
-                          <p:cTn id="4" fill="hold">
-                            <p:stCondLst>
-                              <p:cond delay="0"/>
-                            </p:stCondLst>
-                            <p:childTnLst>
-                              <p:par>
-                                <p:cTn id="5" presetID="1" presetClass="entr" presetSubtype="0" fill="hold" nodeType="clickEffect">
-                                  <p:stCondLst>
-                                    <p:cond delay="0"/>
-                                  </p:stCondLst>
-                                  <p:childTnLst>
-                                    <p:set>
-                                      <p:cBhvr>
-                                        <p:cTn id="6" dur="1" fill="hold">
-                                          <p:stCondLst>
-                                            <p:cond delay="0"/>
-                                          </p:stCondLst>
-                                        </p:cTn>
-                                        <p:tgtEl>
-                                          <p:spTgt spid="29"/>
-                                        </p:tgtEl>
-                                        <p:attrNameLst>
-                                          <p:attrName>style.visibility</p:attrName>
-                                        </p:attrNameLst>
-                                      </p:cBhvr>
-                                      <p:to>
-                                        <p:strVal val="visible"/>
-                                      </p:to>
-                                    </p:set>
-                                  </p:childTnLst>
-                                </p:cTn>
-                              </p:par>
-                              <p:par>
-                                <p:cTn id="7" presetID="1" presetClass="entr" presetSubtype="0" fill="hold" nodeType="withEffect">
-                                  <p:stCondLst>
-                                    <p:cond delay="0"/>
-                                  </p:stCondLst>
-                                  <p:childTnLst>
-                                    <p:set>
-                                      <p:cBhvr>
-                                        <p:cTn id="8" dur="1" fill="hold">
-                                          <p:stCondLst>
-                                            <p:cond delay="0"/>
-                                          </p:stCondLst>
-                                        </p:cTn>
-                                        <p:tgtEl>
-                                          <p:spTgt spid="5"/>
-                                        </p:tgtEl>
-                                        <p:attrNameLst>
-                                          <p:attrName>style.visibility</p:attrName>
-                                        </p:attrNameLst>
-                                      </p:cBhvr>
-                                      <p:to>
-                                        <p:strVal val="visible"/>
-                                      </p:to>
-                                    </p:set>
-                                  </p:childTnLst>
-                                </p:cTn>
-                              </p:par>
-                              <p:par>
-                                <p:cTn id="9" presetID="1" presetClass="entr" presetSubtype="0" fill="hold" nodeType="withEffect">
-                                  <p:stCondLst>
-                                    <p:cond delay="0"/>
-                                  </p:stCondLst>
-                                  <p:childTnLst>
-                                    <p:set>
-                                      <p:cBhvr>
-                                        <p:cTn id="10" dur="1" fill="hold">
-                                          <p:stCondLst>
-                                            <p:cond delay="0"/>
-                                          </p:stCondLst>
-                                        </p:cTn>
-                                        <p:tgtEl>
-                                          <p:spTgt spid="38"/>
-                                        </p:tgtEl>
-                                        <p:attrNameLst>
-                                          <p:attrName>style.visibility</p:attrName>
-                                        </p:attrNameLst>
-                                      </p:cBhvr>
-                                      <p:to>
-                                        <p:strVal val="visible"/>
-                                      </p:to>
-                                    </p:set>
-                                  </p:childTnLst>
-                                </p:cTn>
-                              </p:par>
-                              <p:par>
-                                <p:cTn id="11" presetID="1" presetClass="entr" presetSubtype="0" fill="hold" nodeType="withEffect">
-                                  <p:stCondLst>
-                                    <p:cond delay="0"/>
-                                  </p:stCondLst>
-                                  <p:childTnLst>
-                                    <p:set>
-                                      <p:cBhvr>
-                                        <p:cTn id="12" dur="1" fill="hold">
-                                          <p:stCondLst>
-                                            <p:cond delay="0"/>
-                                          </p:stCondLst>
-                                        </p:cTn>
-                                        <p:tgtEl>
-                                          <p:spTgt spid="33"/>
-                                        </p:tgtEl>
-                                        <p:attrNameLst>
-                                          <p:attrName>style.visibility</p:attrName>
-                                        </p:attrNameLst>
-                                      </p:cBhvr>
-                                      <p:to>
-                                        <p:strVal val="visible"/>
-                                      </p:to>
-                                    </p:set>
-                                  </p:childTnLst>
-                                </p:cTn>
-                              </p:par>
-                            </p:childTnLst>
-                          </p:cTn>
-                        </p:par>
-                      </p:childTnLst>
-                    </p:cTn>
-                  </p:par>
-                  <p:par>
-                    <p:cTn id="13" fill="hold">
-                      <p:stCondLst>
-                        <p:cond delay="indefinite"/>
-                      </p:stCondLst>
-                      <p:childTnLst>
-                        <p:par>
-                          <p:cTn id="14" fill="hold">
-                            <p:stCondLst>
-                              <p:cond delay="0"/>
-                            </p:stCondLst>
-                            <p:childTnLst>
-                              <p:par>
-                                <p:cTn id="15" presetID="1" presetClass="entr" presetSubtype="0" fill="hold" grpId="0" nodeType="clickEffect">
-                                  <p:stCondLst>
-                                    <p:cond delay="0"/>
-                                  </p:stCondLst>
-                                  <p:childTnLst>
-                                    <p:set>
-                                      <p:cBhvr>
-                                        <p:cTn id="16" dur="1" fill="hold">
-                                          <p:stCondLst>
-                                            <p:cond delay="0"/>
-                                          </p:stCondLst>
-                                        </p:cTn>
-                                        <p:tgtEl>
-                                          <p:spTgt spid="64"/>
-                                        </p:tgtEl>
-                                        <p:attrNameLst>
-                                          <p:attrName>style.visibility</p:attrName>
-                                        </p:attrNameLst>
-                                      </p:cBhvr>
-                                      <p:to>
-                                        <p:strVal val="visible"/>
-                                      </p:to>
-                                    </p:set>
-                                  </p:childTnLst>
-                                </p:cTn>
-                              </p:par>
-                              <p:par>
-                                <p:cTn id="17" presetID="1" presetClass="entr" presetSubtype="0" fill="hold" nodeType="withEffect">
-                                  <p:stCondLst>
-                                    <p:cond delay="0"/>
-                                  </p:stCondLst>
-                                  <p:childTnLst>
-                                    <p:set>
-                                      <p:cBhvr>
-                                        <p:cTn id="18" dur="1" fill="hold">
-                                          <p:stCondLst>
-                                            <p:cond delay="0"/>
-                                          </p:stCondLst>
-                                        </p:cTn>
-                                        <p:tgtEl>
-                                          <p:spTgt spid="66"/>
-                                        </p:tgtEl>
-                                        <p:attrNameLst>
-                                          <p:attrName>style.visibility</p:attrName>
-                                        </p:attrNameLst>
-                                      </p:cBhvr>
-                                      <p:to>
-                                        <p:strVal val="visible"/>
-                                      </p:to>
-                                    </p:set>
-                                  </p:childTnLst>
-                                </p:cTn>
-                              </p:par>
-                              <p:par>
-                                <p:cTn id="19" presetID="1" presetClass="entr" presetSubtype="0" fill="hold" grpId="0" nodeType="withEffect">
-                                  <p:stCondLst>
-                                    <p:cond delay="0"/>
-                                  </p:stCondLst>
-                                  <p:childTnLst>
-                                    <p:set>
-                                      <p:cBhvr>
-                                        <p:cTn id="20" dur="1" fill="hold">
-                                          <p:stCondLst>
-                                            <p:cond delay="0"/>
-                                          </p:stCondLst>
-                                        </p:cTn>
-                                        <p:tgtEl>
-                                          <p:spTgt spid="85"/>
-                                        </p:tgtEl>
-                                        <p:attrNameLst>
-                                          <p:attrName>style.visibility</p:attrName>
-                                        </p:attrNameLst>
-                                      </p:cBhvr>
-                                      <p:to>
-                                        <p:strVal val="visible"/>
-                                      </p:to>
-                                    </p:set>
-                                  </p:childTnLst>
-                                </p:cTn>
-                              </p:par>
-                              <p:par>
-                                <p:cTn id="21" presetID="1" presetClass="entr" presetSubtype="0" fill="hold" nodeType="withEffect">
-                                  <p:stCondLst>
-                                    <p:cond delay="0"/>
-                                  </p:stCondLst>
-                                  <p:childTnLst>
-                                    <p:set>
-                                      <p:cBhvr>
-                                        <p:cTn id="22" dur="1" fill="hold">
-                                          <p:stCondLst>
-                                            <p:cond delay="0"/>
-                                          </p:stCondLst>
-                                        </p:cTn>
-                                        <p:tgtEl>
-                                          <p:spTgt spid="86"/>
-                                        </p:tgtEl>
-                                        <p:attrNameLst>
-                                          <p:attrName>style.visibility</p:attrName>
-                                        </p:attrNameLst>
-                                      </p:cBhvr>
-                                      <p:to>
-                                        <p:strVal val="visible"/>
-                                      </p:to>
-                                    </p:set>
-                                  </p:childTnLst>
-                                </p:cTn>
-                              </p:par>
-                            </p:childTnLst>
-                          </p:cTn>
-                        </p:par>
-                      </p:childTnLst>
-                    </p:cTn>
-                  </p:par>
-                </p:childTnLst>
-              </p:cTn>
-              <p:prevCondLst>
-                <p:cond evt="onPrev" delay="0">
-                  <p:tgtEl>
-                    <p:sldTgt/>
-                  </p:tgtEl>
-                </p:cond>
-              </p:prevCondLst>
-              <p:nextCondLst>
-                <p:cond evt="onNext" delay="0">
-                  <p:tgtEl>
-                    <p:sldTgt/>
-                  </p:tgtEl>
-                </p:cond>
-              </p:nextCondLst>
-            </p:seq>
-          </p:childTnLst>
-        </p:cTn>
-      </p:par>
-    </p:tnLst>
-    <p:bldLst>
-      <p:bldP spid="64" grpId="0"/>
-      <p:bldP spid="85" grpId="0"/>
-    </p:bldLst>
-  </p:timing>
-</p:sld>
-</file>
-
-<file path=ppt/slides/slide40.xml><?xml version="1.0" encoding="utf-8"?>
+<file path=ppt/slides/slide42.xml><?xml version="1.0" encoding="utf-8"?>
 <p:sld xmlns:a="http://schemas.openxmlformats.org/drawingml/2006/main" xmlns:r="http://schemas.openxmlformats.org/officeDocument/2006/relationships" xmlns:p="http://schemas.openxmlformats.org/presentationml/2006/main">
   <p:cSld>
     <p:spTree>
@@ -35175,7 +33677,7 @@
 </p:sld>
 </file>
 
-<file path=ppt/slides/slide41.xml><?xml version="1.0" encoding="utf-8"?>
+<file path=ppt/slides/slide43.xml><?xml version="1.0" encoding="utf-8"?>
 <p:sld xmlns:a="http://schemas.openxmlformats.org/drawingml/2006/main" xmlns:r="http://schemas.openxmlformats.org/officeDocument/2006/relationships" xmlns:p="http://schemas.openxmlformats.org/presentationml/2006/main">
   <p:cSld>
     <p:spTree>
@@ -35425,7 +33927,7 @@
                 <a:pPr algn="ctr"/>
                 <a:r>
                   <a:rPr lang="de-AT" sz="1200" dirty="0"/>
-                  <a:t>Die Applikation darf Benutzerdaten bearbeiten</a:t>
+                  <a:t>Die Applikation darf Kennworte bearbeiten</a:t>
                 </a:r>
                 <a:endParaRPr lang="en-US" sz="1200" dirty="0"/>
               </a:p>
@@ -36754,7 +35256,7 @@
 </p:sld>
 </file>
 
-<file path=ppt/slides/slide42.xml><?xml version="1.0" encoding="utf-8"?>
+<file path=ppt/slides/slide44.xml><?xml version="1.0" encoding="utf-8"?>
 <p:sld xmlns:a="http://schemas.openxmlformats.org/drawingml/2006/main" xmlns:r="http://schemas.openxmlformats.org/officeDocument/2006/relationships" xmlns:p="http://schemas.openxmlformats.org/presentationml/2006/main">
   <p:cSld>
     <p:spTree>
@@ -37108,7 +35610,7 @@
                 <a:pPr algn="ctr"/>
                 <a:r>
                   <a:rPr lang="de-AT" sz="1200" dirty="0"/>
-                  <a:t>Die Applikation darf Benutzerdaten bearbeiten</a:t>
+                  <a:t>Die Applikation darf Kennwort bearbeiten</a:t>
                 </a:r>
                 <a:endParaRPr lang="en-US" sz="1200" dirty="0"/>
               </a:p>
@@ -38147,7 +36649,7 @@
 </p:sld>
 </file>
 
-<file path=ppt/slides/slide43.xml><?xml version="1.0" encoding="utf-8"?>
+<file path=ppt/slides/slide45.xml><?xml version="1.0" encoding="utf-8"?>
 <p:sld xmlns:a="http://schemas.openxmlformats.org/drawingml/2006/main" xmlns:r="http://schemas.openxmlformats.org/officeDocument/2006/relationships" xmlns:p="http://schemas.openxmlformats.org/presentationml/2006/main">
   <p:cSld>
     <p:spTree>
@@ -38191,7 +36693,15 @@
             </a:r>
             <a:r>
               <a:rPr lang="de-AT" dirty="0"/>
-              <a:t> Code Grant (PKCE)</a:t>
+              <a:t> Code Grant </a:t>
+            </a:r>
+            <a:r>
+              <a:rPr lang="de-AT" dirty="0" err="1"/>
+              <a:t>with</a:t>
+            </a:r>
+            <a:r>
+              <a:rPr lang="de-AT" dirty="0"/>
+              <a:t> Proof Key Code(PKCE)</a:t>
             </a:r>
             <a:endParaRPr lang="en-US" dirty="0"/>
           </a:p>
@@ -38211,7 +36721,7 @@
         </p:nvGrpSpPr>
         <p:grpSpPr>
           <a:xfrm>
-            <a:off x="1258840" y="1800205"/>
+            <a:off x="1272097" y="1687653"/>
             <a:ext cx="1446924" cy="1256077"/>
             <a:chOff x="974256" y="4958709"/>
             <a:chExt cx="1446924" cy="1256077"/>
@@ -38574,7 +37084,7 @@
         </p:nvSpPr>
         <p:spPr>
           <a:xfrm rot="16200000">
-            <a:off x="997370" y="4235386"/>
+            <a:off x="994926" y="3983325"/>
             <a:ext cx="1512850" cy="276999"/>
           </a:xfrm>
           <a:prstGeom prst="rect">
@@ -39418,8 +37928,8 @@
         </p:nvCxnSpPr>
         <p:spPr>
           <a:xfrm flipH="1" flipV="1">
-            <a:off x="1978565" y="3546174"/>
-            <a:ext cx="3539" cy="1594668"/>
+            <a:off x="1967351" y="3081886"/>
+            <a:ext cx="14754" cy="2058956"/>
           </a:xfrm>
           <a:prstGeom prst="straightConnector1">
             <a:avLst/>
@@ -39992,7 +38502,7 @@
 </p:sld>
 </file>
 
-<file path=ppt/slides/slide44.xml><?xml version="1.0" encoding="utf-8"?>
+<file path=ppt/slides/slide46.xml><?xml version="1.0" encoding="utf-8"?>
 <p:sld xmlns:a="http://schemas.openxmlformats.org/drawingml/2006/main" xmlns:r="http://schemas.openxmlformats.org/officeDocument/2006/relationships" xmlns:p="http://schemas.openxmlformats.org/presentationml/2006/main">
   <p:cSld>
     <p:spTree>
@@ -40036,7 +38546,15 @@
             </a:r>
             <a:r>
               <a:rPr lang="de-AT" dirty="0"/>
-              <a:t> Code Grant (PKCE)</a:t>
+              <a:t> Code Grant </a:t>
+            </a:r>
+            <a:r>
+              <a:rPr lang="de-AT" dirty="0" err="1"/>
+              <a:t>with</a:t>
+            </a:r>
+            <a:r>
+              <a:rPr lang="de-AT" dirty="0"/>
+              <a:t> Proof Key Code(PKCE)</a:t>
             </a:r>
             <a:endParaRPr lang="en-US" dirty="0"/>
           </a:p>
@@ -40424,7 +38942,7 @@
 </p:sld>
 </file>
 
-<file path=ppt/slides/slide45.xml><?xml version="1.0" encoding="utf-8"?>
+<file path=ppt/slides/slide47.xml><?xml version="1.0" encoding="utf-8"?>
 <p:sld xmlns:a="http://schemas.openxmlformats.org/drawingml/2006/main" xmlns:r="http://schemas.openxmlformats.org/officeDocument/2006/relationships" xmlns:p="http://schemas.openxmlformats.org/presentationml/2006/main">
   <p:cSld>
     <p:spTree>
@@ -41419,7 +39937,7 @@
 </p:sld>
 </file>
 
-<file path=ppt/slides/slide46.xml><?xml version="1.0" encoding="utf-8"?>
+<file path=ppt/slides/slide48.xml><?xml version="1.0" encoding="utf-8"?>
 <p:sld xmlns:a="http://schemas.openxmlformats.org/drawingml/2006/main" xmlns:r="http://schemas.openxmlformats.org/officeDocument/2006/relationships" xmlns:p="http://schemas.openxmlformats.org/presentationml/2006/main">
   <p:cSld>
     <p:spTree>
@@ -42076,7 +40594,7 @@
 </p:sld>
 </file>
 
-<file path=ppt/slides/slide47.xml><?xml version="1.0" encoding="utf-8"?>
+<file path=ppt/slides/slide49.xml><?xml version="1.0" encoding="utf-8"?>
 <p:sld xmlns:a="http://schemas.openxmlformats.org/drawingml/2006/main" xmlns:r="http://schemas.openxmlformats.org/officeDocument/2006/relationships" xmlns:p="http://schemas.openxmlformats.org/presentationml/2006/main" show="0">
   <p:cSld>
     <p:spTree>
@@ -44039,7 +42557,2245 @@
 </p:sld>
 </file>
 
-<file path=ppt/slides/slide48.xml><?xml version="1.0" encoding="utf-8"?>
+<file path=ppt/slides/slide5.xml><?xml version="1.0" encoding="utf-8"?>
+<p:sld xmlns:a="http://schemas.openxmlformats.org/drawingml/2006/main" xmlns:r="http://schemas.openxmlformats.org/officeDocument/2006/relationships" xmlns:p="http://schemas.openxmlformats.org/presentationml/2006/main">
+  <p:cSld>
+    <p:spTree>
+      <p:nvGrpSpPr>
+        <p:cNvPr id="1" name=""/>
+        <p:cNvGrpSpPr/>
+        <p:nvPr/>
+      </p:nvGrpSpPr>
+      <p:grpSpPr>
+        <a:xfrm>
+          <a:off x="0" y="0"/>
+          <a:ext cx="0" cy="0"/>
+          <a:chOff x="0" y="0"/>
+          <a:chExt cx="0" cy="0"/>
+        </a:xfrm>
+      </p:grpSpPr>
+      <p:sp>
+        <p:nvSpPr>
+          <p:cNvPr id="2" name="Title 1">
+            <a:extLst>
+              <a:ext uri="{FF2B5EF4-FFF2-40B4-BE49-F238E27FC236}">
+                <a16:creationId xmlns:a16="http://schemas.microsoft.com/office/drawing/2014/main" id="{BA9E32D3-54C4-4230-9DF3-BCCDED4C545E}"/>
+              </a:ext>
+            </a:extLst>
+          </p:cNvPr>
+          <p:cNvSpPr>
+            <a:spLocks noGrp="1"/>
+          </p:cNvSpPr>
+          <p:nvPr>
+            <p:ph type="title"/>
+          </p:nvPr>
+        </p:nvSpPr>
+        <p:spPr/>
+        <p:txBody>
+          <a:bodyPr/>
+          <a:lstStyle/>
+          <a:p>
+            <a:r>
+              <a:rPr lang="de-AT" dirty="0"/>
+              <a:t>Wie war es damals	</a:t>
+            </a:r>
+            <a:endParaRPr lang="en-US" dirty="0"/>
+          </a:p>
+        </p:txBody>
+      </p:sp>
+      <p:grpSp>
+        <p:nvGrpSpPr>
+          <p:cNvPr id="14" name="Group 13">
+            <a:extLst>
+              <a:ext uri="{FF2B5EF4-FFF2-40B4-BE49-F238E27FC236}">
+                <a16:creationId xmlns:a16="http://schemas.microsoft.com/office/drawing/2014/main" id="{7967B921-BA93-482C-ACC2-CB40126ADC22}"/>
+              </a:ext>
+            </a:extLst>
+          </p:cNvPr>
+          <p:cNvGrpSpPr/>
+          <p:nvPr/>
+        </p:nvGrpSpPr>
+        <p:grpSpPr>
+          <a:xfrm>
+            <a:off x="9959251" y="1933174"/>
+            <a:ext cx="1446924" cy="1323770"/>
+            <a:chOff x="7060850" y="3273967"/>
+            <a:chExt cx="1446924" cy="1323770"/>
+          </a:xfrm>
+        </p:grpSpPr>
+        <p:pic>
+          <p:nvPicPr>
+            <p:cNvPr id="15" name="Graphic 14">
+              <a:extLst>
+                <a:ext uri="{FF2B5EF4-FFF2-40B4-BE49-F238E27FC236}">
+                  <a16:creationId xmlns:a16="http://schemas.microsoft.com/office/drawing/2014/main" id="{686AD413-9354-4901-B469-C3D1E1628AAE}"/>
+                </a:ext>
+              </a:extLst>
+            </p:cNvPr>
+            <p:cNvPicPr>
+              <a:picLocks noChangeAspect="1"/>
+            </p:cNvPicPr>
+            <p:nvPr/>
+          </p:nvPicPr>
+          <p:blipFill>
+            <a:blip r:embed="rId2" cstate="hqprint">
+              <a:extLst>
+                <a:ext uri="{28A0092B-C50C-407E-A947-70E740481C1C}">
+                  <a14:useLocalDpi xmlns:a14="http://schemas.microsoft.com/office/drawing/2010/main" val="0"/>
+                </a:ext>
+                <a:ext uri="{96DAC541-7B7A-43D3-8B79-37D633B846F1}">
+                  <asvg:svgBlip xmlns:asvg="http://schemas.microsoft.com/office/drawing/2016/SVG/main" r:embed="rId3"/>
+                </a:ext>
+              </a:extLst>
+            </a:blip>
+            <a:stretch>
+              <a:fillRect/>
+            </a:stretch>
+          </p:blipFill>
+          <p:spPr>
+            <a:xfrm>
+              <a:off x="7359062" y="3273967"/>
+              <a:ext cx="850500" cy="972000"/>
+            </a:xfrm>
+            <a:prstGeom prst="rect">
+              <a:avLst/>
+            </a:prstGeom>
+          </p:spPr>
+        </p:pic>
+        <p:sp>
+          <p:nvSpPr>
+            <p:cNvPr id="16" name="TextBox 15">
+              <a:extLst>
+                <a:ext uri="{FF2B5EF4-FFF2-40B4-BE49-F238E27FC236}">
+                  <a16:creationId xmlns:a16="http://schemas.microsoft.com/office/drawing/2014/main" id="{DDE4C204-21F3-4C23-B195-D2A41D6859B6}"/>
+                </a:ext>
+              </a:extLst>
+            </p:cNvPr>
+            <p:cNvSpPr txBox="1"/>
+            <p:nvPr/>
+          </p:nvSpPr>
+          <p:spPr>
+            <a:xfrm>
+              <a:off x="7060850" y="4320738"/>
+              <a:ext cx="1446924" cy="276999"/>
+            </a:xfrm>
+            <a:prstGeom prst="rect">
+              <a:avLst/>
+            </a:prstGeom>
+            <a:noFill/>
+          </p:spPr>
+          <p:txBody>
+            <a:bodyPr wrap="square" rtlCol="0">
+              <a:spAutoFit/>
+            </a:bodyPr>
+            <a:lstStyle/>
+            <a:p>
+              <a:pPr algn="ctr"/>
+              <a:r>
+                <a:rPr lang="de-AT" sz="1200" dirty="0"/>
+                <a:t>Datenbank</a:t>
+              </a:r>
+              <a:endParaRPr lang="en-US" sz="1200" dirty="0"/>
+            </a:p>
+          </p:txBody>
+        </p:sp>
+      </p:grpSp>
+      <p:grpSp>
+        <p:nvGrpSpPr>
+          <p:cNvPr id="17" name="Group 16">
+            <a:extLst>
+              <a:ext uri="{FF2B5EF4-FFF2-40B4-BE49-F238E27FC236}">
+                <a16:creationId xmlns:a16="http://schemas.microsoft.com/office/drawing/2014/main" id="{4D65E832-205A-42E8-8A3B-D340CC3825E6}"/>
+              </a:ext>
+            </a:extLst>
+          </p:cNvPr>
+          <p:cNvGrpSpPr/>
+          <p:nvPr/>
+        </p:nvGrpSpPr>
+        <p:grpSpPr>
+          <a:xfrm>
+            <a:off x="1263461" y="1940182"/>
+            <a:ext cx="1446924" cy="1298910"/>
+            <a:chOff x="8334332" y="3303664"/>
+            <a:chExt cx="1446924" cy="1298910"/>
+          </a:xfrm>
+        </p:grpSpPr>
+        <p:sp>
+          <p:nvSpPr>
+            <p:cNvPr id="18" name="TextBox 17">
+              <a:extLst>
+                <a:ext uri="{FF2B5EF4-FFF2-40B4-BE49-F238E27FC236}">
+                  <a16:creationId xmlns:a16="http://schemas.microsoft.com/office/drawing/2014/main" id="{6CF4FB54-EA1F-49F3-828D-855F99C37D22}"/>
+                </a:ext>
+              </a:extLst>
+            </p:cNvPr>
+            <p:cNvSpPr txBox="1"/>
+            <p:nvPr/>
+          </p:nvSpPr>
+          <p:spPr>
+            <a:xfrm>
+              <a:off x="8334332" y="4325575"/>
+              <a:ext cx="1446924" cy="276999"/>
+            </a:xfrm>
+            <a:prstGeom prst="rect">
+              <a:avLst/>
+            </a:prstGeom>
+            <a:noFill/>
+          </p:spPr>
+          <p:txBody>
+            <a:bodyPr wrap="square" rtlCol="0">
+              <a:spAutoFit/>
+            </a:bodyPr>
+            <a:lstStyle/>
+            <a:p>
+              <a:pPr algn="ctr"/>
+              <a:r>
+                <a:rPr lang="de-AT" sz="1200" dirty="0"/>
+                <a:t>Benutzer</a:t>
+              </a:r>
+              <a:endParaRPr lang="en-US" sz="1200" dirty="0"/>
+            </a:p>
+          </p:txBody>
+        </p:sp>
+        <p:pic>
+          <p:nvPicPr>
+            <p:cNvPr id="19" name="Graphic 18">
+              <a:extLst>
+                <a:ext uri="{FF2B5EF4-FFF2-40B4-BE49-F238E27FC236}">
+                  <a16:creationId xmlns:a16="http://schemas.microsoft.com/office/drawing/2014/main" id="{2419C9CC-F4EC-416B-9C25-118E6C7A5562}"/>
+                </a:ext>
+              </a:extLst>
+            </p:cNvPr>
+            <p:cNvPicPr>
+              <a:picLocks noChangeAspect="1"/>
+            </p:cNvPicPr>
+            <p:nvPr/>
+          </p:nvPicPr>
+          <p:blipFill>
+            <a:blip r:embed="rId4" cstate="hqprint">
+              <a:extLst>
+                <a:ext uri="{28A0092B-C50C-407E-A947-70E740481C1C}">
+                  <a14:useLocalDpi xmlns:a14="http://schemas.microsoft.com/office/drawing/2010/main" val="0"/>
+                </a:ext>
+                <a:ext uri="{96DAC541-7B7A-43D3-8B79-37D633B846F1}">
+                  <asvg:svgBlip xmlns:asvg="http://schemas.microsoft.com/office/drawing/2016/SVG/main" r:embed="rId5"/>
+                </a:ext>
+              </a:extLst>
+            </a:blip>
+            <a:stretch>
+              <a:fillRect/>
+            </a:stretch>
+          </p:blipFill>
+          <p:spPr>
+            <a:xfrm>
+              <a:off x="8616539" y="3303664"/>
+              <a:ext cx="850500" cy="972000"/>
+            </a:xfrm>
+            <a:prstGeom prst="rect">
+              <a:avLst/>
+            </a:prstGeom>
+          </p:spPr>
+        </p:pic>
+      </p:grpSp>
+      <p:grpSp>
+        <p:nvGrpSpPr>
+          <p:cNvPr id="20" name="Group 19">
+            <a:extLst>
+              <a:ext uri="{FF2B5EF4-FFF2-40B4-BE49-F238E27FC236}">
+                <a16:creationId xmlns:a16="http://schemas.microsoft.com/office/drawing/2014/main" id="{2E8E9A67-4244-4788-BDB6-29AE44B5E561}"/>
+              </a:ext>
+            </a:extLst>
+          </p:cNvPr>
+          <p:cNvGrpSpPr/>
+          <p:nvPr/>
+        </p:nvGrpSpPr>
+        <p:grpSpPr>
+          <a:xfrm>
+            <a:off x="5572496" y="1945304"/>
+            <a:ext cx="1446924" cy="1299510"/>
+            <a:chOff x="974256" y="4958709"/>
+            <a:chExt cx="1446924" cy="1299510"/>
+          </a:xfrm>
+        </p:grpSpPr>
+        <p:pic>
+          <p:nvPicPr>
+            <p:cNvPr id="21" name="Graphic 20">
+              <a:extLst>
+                <a:ext uri="{FF2B5EF4-FFF2-40B4-BE49-F238E27FC236}">
+                  <a16:creationId xmlns:a16="http://schemas.microsoft.com/office/drawing/2014/main" id="{A9C8B5E7-809D-4983-8271-51D94DFDEE18}"/>
+                </a:ext>
+              </a:extLst>
+            </p:cNvPr>
+            <p:cNvPicPr>
+              <a:picLocks noChangeAspect="1"/>
+            </p:cNvPicPr>
+            <p:nvPr/>
+          </p:nvPicPr>
+          <p:blipFill>
+            <a:blip r:embed="rId6" cstate="hqprint">
+              <a:extLst>
+                <a:ext uri="{28A0092B-C50C-407E-A947-70E740481C1C}">
+                  <a14:useLocalDpi xmlns:a14="http://schemas.microsoft.com/office/drawing/2010/main" val="0"/>
+                </a:ext>
+                <a:ext uri="{96DAC541-7B7A-43D3-8B79-37D633B846F1}">
+                  <asvg:svgBlip xmlns:asvg="http://schemas.microsoft.com/office/drawing/2016/SVG/main" r:embed="rId7"/>
+                </a:ext>
+              </a:extLst>
+            </a:blip>
+            <a:stretch>
+              <a:fillRect/>
+            </a:stretch>
+          </p:blipFill>
+          <p:spPr>
+            <a:xfrm flipH="1">
+              <a:off x="1211718" y="4958709"/>
+              <a:ext cx="972000" cy="972000"/>
+            </a:xfrm>
+            <a:prstGeom prst="rect">
+              <a:avLst/>
+            </a:prstGeom>
+          </p:spPr>
+        </p:pic>
+        <p:sp>
+          <p:nvSpPr>
+            <p:cNvPr id="22" name="TextBox 21">
+              <a:extLst>
+                <a:ext uri="{FF2B5EF4-FFF2-40B4-BE49-F238E27FC236}">
+                  <a16:creationId xmlns:a16="http://schemas.microsoft.com/office/drawing/2014/main" id="{E9941C38-925B-42D3-B7F9-27D62A756234}"/>
+                </a:ext>
+              </a:extLst>
+            </p:cNvPr>
+            <p:cNvSpPr txBox="1"/>
+            <p:nvPr/>
+          </p:nvSpPr>
+          <p:spPr>
+            <a:xfrm>
+              <a:off x="974256" y="5981220"/>
+              <a:ext cx="1446924" cy="276999"/>
+            </a:xfrm>
+            <a:prstGeom prst="rect">
+              <a:avLst/>
+            </a:prstGeom>
+            <a:noFill/>
+          </p:spPr>
+          <p:txBody>
+            <a:bodyPr wrap="square" rtlCol="0">
+              <a:spAutoFit/>
+            </a:bodyPr>
+            <a:lstStyle/>
+            <a:p>
+              <a:pPr algn="ctr"/>
+              <a:r>
+                <a:rPr lang="de-AT" sz="1200" dirty="0"/>
+                <a:t>Anwendung</a:t>
+              </a:r>
+              <a:endParaRPr lang="en-US" sz="1200" dirty="0"/>
+            </a:p>
+          </p:txBody>
+        </p:sp>
+      </p:grpSp>
+      <p:grpSp>
+        <p:nvGrpSpPr>
+          <p:cNvPr id="23" name="Group 22">
+            <a:extLst>
+              <a:ext uri="{FF2B5EF4-FFF2-40B4-BE49-F238E27FC236}">
+                <a16:creationId xmlns:a16="http://schemas.microsoft.com/office/drawing/2014/main" id="{FD7A6B1B-9109-42F7-AA39-50E72898D08F}"/>
+              </a:ext>
+            </a:extLst>
+          </p:cNvPr>
+          <p:cNvGrpSpPr/>
+          <p:nvPr/>
+        </p:nvGrpSpPr>
+        <p:grpSpPr>
+          <a:xfrm>
+            <a:off x="2534242" y="2007063"/>
+            <a:ext cx="3075927" cy="324939"/>
+            <a:chOff x="4164163" y="2994320"/>
+            <a:chExt cx="3696730" cy="324939"/>
+          </a:xfrm>
+        </p:grpSpPr>
+        <p:cxnSp>
+          <p:nvCxnSpPr>
+            <p:cNvPr id="24" name="Straight Arrow Connector 23">
+              <a:extLst>
+                <a:ext uri="{FF2B5EF4-FFF2-40B4-BE49-F238E27FC236}">
+                  <a16:creationId xmlns:a16="http://schemas.microsoft.com/office/drawing/2014/main" id="{E5BBE36A-F79E-48B5-9C36-132EF6EAC2CC}"/>
+                </a:ext>
+              </a:extLst>
+            </p:cNvPr>
+            <p:cNvCxnSpPr>
+              <a:cxnSpLocks/>
+            </p:cNvCxnSpPr>
+            <p:nvPr/>
+          </p:nvCxnSpPr>
+          <p:spPr>
+            <a:xfrm>
+              <a:off x="4164163" y="3319259"/>
+              <a:ext cx="3696730" cy="0"/>
+            </a:xfrm>
+            <a:prstGeom prst="straightConnector1">
+              <a:avLst/>
+            </a:prstGeom>
+            <a:ln>
+              <a:tailEnd type="triangle"/>
+            </a:ln>
+          </p:spPr>
+          <p:style>
+            <a:lnRef idx="3">
+              <a:schemeClr val="accent3"/>
+            </a:lnRef>
+            <a:fillRef idx="0">
+              <a:schemeClr val="accent3"/>
+            </a:fillRef>
+            <a:effectRef idx="2">
+              <a:schemeClr val="accent3"/>
+            </a:effectRef>
+            <a:fontRef idx="minor">
+              <a:schemeClr val="tx1"/>
+            </a:fontRef>
+          </p:style>
+        </p:cxnSp>
+        <p:sp>
+          <p:nvSpPr>
+            <p:cNvPr id="25" name="TextBox 24">
+              <a:extLst>
+                <a:ext uri="{FF2B5EF4-FFF2-40B4-BE49-F238E27FC236}">
+                  <a16:creationId xmlns:a16="http://schemas.microsoft.com/office/drawing/2014/main" id="{95361F7B-ACE0-4972-85A0-0E546085C66F}"/>
+                </a:ext>
+              </a:extLst>
+            </p:cNvPr>
+            <p:cNvSpPr txBox="1"/>
+            <p:nvPr/>
+          </p:nvSpPr>
+          <p:spPr>
+            <a:xfrm>
+              <a:off x="5129159" y="2994320"/>
+              <a:ext cx="1766737" cy="276999"/>
+            </a:xfrm>
+            <a:prstGeom prst="rect">
+              <a:avLst/>
+            </a:prstGeom>
+            <a:noFill/>
+          </p:spPr>
+          <p:txBody>
+            <a:bodyPr wrap="square" rtlCol="0">
+              <a:spAutoFit/>
+            </a:bodyPr>
+            <a:lstStyle>
+              <a:defPPr>
+                <a:defRPr lang="en-US"/>
+              </a:defPPr>
+              <a:lvl1pPr>
+                <a:defRPr sz="1200">
+                  <a:solidFill>
+                    <a:schemeClr val="bg1">
+                      <a:lumMod val="50000"/>
+                    </a:schemeClr>
+                  </a:solidFill>
+                </a:defRPr>
+              </a:lvl1pPr>
+            </a:lstStyle>
+            <a:p>
+              <a:pPr algn="ctr"/>
+              <a:r>
+                <a:rPr lang="de-AT" dirty="0"/>
+                <a:t>Login Anfrage </a:t>
+              </a:r>
+              <a:endParaRPr lang="en-US" dirty="0"/>
+            </a:p>
+          </p:txBody>
+        </p:sp>
+      </p:grpSp>
+      <p:grpSp>
+        <p:nvGrpSpPr>
+          <p:cNvPr id="26" name="Group 25">
+            <a:extLst>
+              <a:ext uri="{FF2B5EF4-FFF2-40B4-BE49-F238E27FC236}">
+                <a16:creationId xmlns:a16="http://schemas.microsoft.com/office/drawing/2014/main" id="{2F523A35-B421-4904-8F47-BA5A4C7F7DA5}"/>
+              </a:ext>
+            </a:extLst>
+          </p:cNvPr>
+          <p:cNvGrpSpPr/>
+          <p:nvPr/>
+        </p:nvGrpSpPr>
+        <p:grpSpPr>
+          <a:xfrm>
+            <a:off x="7014458" y="1884055"/>
+            <a:ext cx="3064999" cy="461665"/>
+            <a:chOff x="4164163" y="2857594"/>
+            <a:chExt cx="3696730" cy="461665"/>
+          </a:xfrm>
+        </p:grpSpPr>
+        <p:cxnSp>
+          <p:nvCxnSpPr>
+            <p:cNvPr id="27" name="Straight Arrow Connector 26">
+              <a:extLst>
+                <a:ext uri="{FF2B5EF4-FFF2-40B4-BE49-F238E27FC236}">
+                  <a16:creationId xmlns:a16="http://schemas.microsoft.com/office/drawing/2014/main" id="{BD776E30-B934-45F9-B7C4-EA1E59A989F4}"/>
+                </a:ext>
+              </a:extLst>
+            </p:cNvPr>
+            <p:cNvCxnSpPr>
+              <a:cxnSpLocks/>
+            </p:cNvCxnSpPr>
+            <p:nvPr/>
+          </p:nvCxnSpPr>
+          <p:spPr>
+            <a:xfrm>
+              <a:off x="4164163" y="3319259"/>
+              <a:ext cx="3696730" cy="0"/>
+            </a:xfrm>
+            <a:prstGeom prst="straightConnector1">
+              <a:avLst/>
+            </a:prstGeom>
+            <a:ln>
+              <a:tailEnd type="triangle"/>
+            </a:ln>
+          </p:spPr>
+          <p:style>
+            <a:lnRef idx="3">
+              <a:schemeClr val="accent3"/>
+            </a:lnRef>
+            <a:fillRef idx="0">
+              <a:schemeClr val="accent3"/>
+            </a:fillRef>
+            <a:effectRef idx="2">
+              <a:schemeClr val="accent3"/>
+            </a:effectRef>
+            <a:fontRef idx="minor">
+              <a:schemeClr val="tx1"/>
+            </a:fontRef>
+          </p:style>
+        </p:cxnSp>
+        <p:sp>
+          <p:nvSpPr>
+            <p:cNvPr id="28" name="TextBox 27">
+              <a:extLst>
+                <a:ext uri="{FF2B5EF4-FFF2-40B4-BE49-F238E27FC236}">
+                  <a16:creationId xmlns:a16="http://schemas.microsoft.com/office/drawing/2014/main" id="{F88615A9-164B-4E41-BC16-F646FAC89917}"/>
+                </a:ext>
+              </a:extLst>
+            </p:cNvPr>
+            <p:cNvSpPr txBox="1"/>
+            <p:nvPr/>
+          </p:nvSpPr>
+          <p:spPr>
+            <a:xfrm>
+              <a:off x="4308630" y="2857594"/>
+              <a:ext cx="3407797" cy="461665"/>
+            </a:xfrm>
+            <a:prstGeom prst="rect">
+              <a:avLst/>
+            </a:prstGeom>
+            <a:noFill/>
+          </p:spPr>
+          <p:txBody>
+            <a:bodyPr wrap="square" rtlCol="0">
+              <a:spAutoFit/>
+            </a:bodyPr>
+            <a:lstStyle>
+              <a:defPPr>
+                <a:defRPr lang="en-US"/>
+              </a:defPPr>
+              <a:lvl1pPr>
+                <a:defRPr sz="1200">
+                  <a:solidFill>
+                    <a:schemeClr val="bg1">
+                      <a:lumMod val="50000"/>
+                    </a:schemeClr>
+                  </a:solidFill>
+                </a:defRPr>
+              </a:lvl1pPr>
+            </a:lstStyle>
+            <a:p>
+              <a:pPr algn="ctr"/>
+              <a:r>
+                <a:rPr lang="de-AT" dirty="0"/>
+                <a:t>Vergleiche ob Anmeldedaten übereinstimmen</a:t>
+              </a:r>
+              <a:endParaRPr lang="en-US" dirty="0"/>
+            </a:p>
+          </p:txBody>
+        </p:sp>
+      </p:grpSp>
+      <p:graphicFrame>
+        <p:nvGraphicFramePr>
+          <p:cNvPr id="34" name="Table 33">
+            <a:extLst>
+              <a:ext uri="{FF2B5EF4-FFF2-40B4-BE49-F238E27FC236}">
+                <a16:creationId xmlns:a16="http://schemas.microsoft.com/office/drawing/2014/main" id="{8C7DBA50-9A83-404A-80C3-0FDD1C68C698}"/>
+              </a:ext>
+            </a:extLst>
+          </p:cNvPr>
+          <p:cNvGraphicFramePr>
+            <a:graphicFrameLocks noGrp="1"/>
+          </p:cNvGraphicFramePr>
+          <p:nvPr>
+            <p:extLst>
+              <p:ext uri="{D42A27DB-BD31-4B8C-83A1-F6EECF244321}">
+                <p14:modId xmlns:p14="http://schemas.microsoft.com/office/powerpoint/2010/main" val="3560841965"/>
+              </p:ext>
+            </p:extLst>
+          </p:nvPr>
+        </p:nvGraphicFramePr>
+        <p:xfrm>
+          <a:off x="7304970" y="290688"/>
+          <a:ext cx="3924912" cy="898128"/>
+        </p:xfrm>
+        <a:graphic>
+          <a:graphicData uri="http://schemas.openxmlformats.org/drawingml/2006/table">
+            <a:tbl>
+              <a:tblPr firstRow="1" bandRow="1">
+                <a:tableStyleId>{073A0DAA-6AF3-43AB-8588-CEC1D06C72B9}</a:tableStyleId>
+              </a:tblPr>
+              <a:tblGrid>
+                <a:gridCol w="1962456">
+                  <a:extLst>
+                    <a:ext uri="{9D8B030D-6E8A-4147-A177-3AD203B41FA5}">
+                      <a16:colId xmlns:a16="http://schemas.microsoft.com/office/drawing/2014/main" val="2297285761"/>
+                    </a:ext>
+                  </a:extLst>
+                </a:gridCol>
+                <a:gridCol w="1962456">
+                  <a:extLst>
+                    <a:ext uri="{9D8B030D-6E8A-4147-A177-3AD203B41FA5}">
+                      <a16:colId xmlns:a16="http://schemas.microsoft.com/office/drawing/2014/main" val="1270416765"/>
+                    </a:ext>
+                  </a:extLst>
+                </a:gridCol>
+              </a:tblGrid>
+              <a:tr h="217411">
+                <a:tc>
+                  <a:txBody>
+                    <a:bodyPr/>
+                    <a:lstStyle/>
+                    <a:p>
+                      <a:pPr algn="ctr"/>
+                      <a:r>
+                        <a:rPr lang="de-AT" sz="1400" dirty="0"/>
+                        <a:t>Benutzername</a:t>
+                      </a:r>
+                      <a:endParaRPr lang="en-US" sz="1400" dirty="0"/>
+                    </a:p>
+                  </a:txBody>
+                  <a:tcPr marL="86015" marR="86015" marT="43008" marB="43008"/>
+                </a:tc>
+                <a:tc>
+                  <a:txBody>
+                    <a:bodyPr/>
+                    <a:lstStyle/>
+                    <a:p>
+                      <a:pPr algn="ctr"/>
+                      <a:r>
+                        <a:rPr lang="de-AT" sz="1400" dirty="0"/>
+                        <a:t>Kennwort</a:t>
+                      </a:r>
+                      <a:endParaRPr lang="en-US" sz="1400" dirty="0"/>
+                    </a:p>
+                  </a:txBody>
+                  <a:tcPr marL="86015" marR="86015" marT="43008" marB="43008"/>
+                </a:tc>
+                <a:extLst>
+                  <a:ext uri="{0D108BD9-81ED-4DB2-BD59-A6C34878D82A}">
+                    <a16:rowId xmlns:a16="http://schemas.microsoft.com/office/drawing/2014/main" val="3173884703"/>
+                  </a:ext>
+                </a:extLst>
+              </a:tr>
+              <a:tr h="217411">
+                <a:tc>
+                  <a:txBody>
+                    <a:bodyPr/>
+                    <a:lstStyle/>
+                    <a:p>
+                      <a:pPr algn="ctr"/>
+                      <a:r>
+                        <a:rPr lang="de-AT" sz="1400" dirty="0" err="1"/>
+                        <a:t>akalcik</a:t>
+                      </a:r>
+                      <a:endParaRPr lang="en-US" sz="1400" dirty="0"/>
+                    </a:p>
+                  </a:txBody>
+                  <a:tcPr marL="86015" marR="86015" marT="43008" marB="43008"/>
+                </a:tc>
+                <a:tc>
+                  <a:txBody>
+                    <a:bodyPr/>
+                    <a:lstStyle/>
+                    <a:p>
+                      <a:pPr algn="ctr"/>
+                      <a:r>
+                        <a:rPr lang="de-AT" sz="1400" dirty="0"/>
+                        <a:t>1234</a:t>
+                      </a:r>
+                      <a:endParaRPr lang="en-US" sz="1400" dirty="0"/>
+                    </a:p>
+                  </a:txBody>
+                  <a:tcPr marL="86015" marR="86015" marT="43008" marB="43008"/>
+                </a:tc>
+                <a:extLst>
+                  <a:ext uri="{0D108BD9-81ED-4DB2-BD59-A6C34878D82A}">
+                    <a16:rowId xmlns:a16="http://schemas.microsoft.com/office/drawing/2014/main" val="1703648007"/>
+                  </a:ext>
+                </a:extLst>
+              </a:tr>
+              <a:tr h="217411">
+                <a:tc>
+                  <a:txBody>
+                    <a:bodyPr/>
+                    <a:lstStyle/>
+                    <a:p>
+                      <a:pPr algn="ctr"/>
+                      <a:r>
+                        <a:rPr lang="de-AT" sz="1400" dirty="0" err="1"/>
+                        <a:t>dwagner</a:t>
+                      </a:r>
+                      <a:endParaRPr lang="en-US" sz="1400" dirty="0"/>
+                    </a:p>
+                  </a:txBody>
+                  <a:tcPr marL="86015" marR="86015" marT="43008" marB="43008"/>
+                </a:tc>
+                <a:tc>
+                  <a:txBody>
+                    <a:bodyPr/>
+                    <a:lstStyle/>
+                    <a:p>
+                      <a:pPr algn="ctr"/>
+                      <a:r>
+                        <a:rPr lang="de-AT" sz="1400" dirty="0" err="1"/>
+                        <a:t>passwort</a:t>
+                      </a:r>
+                      <a:endParaRPr lang="en-US" sz="1400" dirty="0"/>
+                    </a:p>
+                  </a:txBody>
+                  <a:tcPr marL="86015" marR="86015" marT="43008" marB="43008"/>
+                </a:tc>
+                <a:extLst>
+                  <a:ext uri="{0D108BD9-81ED-4DB2-BD59-A6C34878D82A}">
+                    <a16:rowId xmlns:a16="http://schemas.microsoft.com/office/drawing/2014/main" val="1687673244"/>
+                  </a:ext>
+                </a:extLst>
+              </a:tr>
+            </a:tbl>
+          </a:graphicData>
+        </a:graphic>
+      </p:graphicFrame>
+      <p:cxnSp>
+        <p:nvCxnSpPr>
+          <p:cNvPr id="36" name="Straight Connector 35">
+            <a:extLst>
+              <a:ext uri="{FF2B5EF4-FFF2-40B4-BE49-F238E27FC236}">
+                <a16:creationId xmlns:a16="http://schemas.microsoft.com/office/drawing/2014/main" id="{470FBC13-86B5-4626-B549-DAF9D29F3064}"/>
+              </a:ext>
+            </a:extLst>
+          </p:cNvPr>
+          <p:cNvCxnSpPr>
+            <a:cxnSpLocks/>
+            <a:stCxn id="15" idx="0"/>
+            <a:endCxn id="34" idx="2"/>
+          </p:cNvCxnSpPr>
+          <p:nvPr/>
+        </p:nvCxnSpPr>
+        <p:spPr>
+          <a:xfrm flipH="1" flipV="1">
+            <a:off x="9267426" y="1188816"/>
+            <a:ext cx="1415287" cy="744358"/>
+          </a:xfrm>
+          <a:prstGeom prst="line">
+            <a:avLst/>
+          </a:prstGeom>
+        </p:spPr>
+        <p:style>
+          <a:lnRef idx="3">
+            <a:schemeClr val="accent3"/>
+          </a:lnRef>
+          <a:fillRef idx="0">
+            <a:schemeClr val="accent3"/>
+          </a:fillRef>
+          <a:effectRef idx="2">
+            <a:schemeClr val="accent3"/>
+          </a:effectRef>
+          <a:fontRef idx="minor">
+            <a:schemeClr val="tx1"/>
+          </a:fontRef>
+        </p:style>
+      </p:cxnSp>
+      <p:pic>
+        <p:nvPicPr>
+          <p:cNvPr id="1026" name="Picture 2" descr="Bildergebnis fÃ¼r fake company logo">
+            <a:extLst>
+              <a:ext uri="{FF2B5EF4-FFF2-40B4-BE49-F238E27FC236}">
+                <a16:creationId xmlns:a16="http://schemas.microsoft.com/office/drawing/2014/main" id="{D6B46E58-0C17-46DC-8256-F96ADB1EE4DD}"/>
+              </a:ext>
+            </a:extLst>
+          </p:cNvPr>
+          <p:cNvPicPr>
+            <a:picLocks noChangeAspect="1" noChangeArrowheads="1"/>
+          </p:cNvPicPr>
+          <p:nvPr/>
+        </p:nvPicPr>
+        <p:blipFill>
+          <a:blip r:embed="rId8" cstate="hqprint">
+            <a:extLst>
+              <a:ext uri="{28A0092B-C50C-407E-A947-70E740481C1C}">
+                <a14:useLocalDpi xmlns:a14="http://schemas.microsoft.com/office/drawing/2010/main" val="0"/>
+              </a:ext>
+            </a:extLst>
+          </a:blip>
+          <a:srcRect/>
+          <a:stretch>
+            <a:fillRect/>
+          </a:stretch>
+        </p:blipFill>
+        <p:spPr bwMode="auto">
+          <a:xfrm>
+            <a:off x="5933494" y="2392574"/>
+            <a:ext cx="724927" cy="261672"/>
+          </a:xfrm>
+          <a:prstGeom prst="rect">
+            <a:avLst/>
+          </a:prstGeom>
+          <a:noFill/>
+          <a:extLst>
+            <a:ext uri="{909E8E84-426E-40DD-AFC4-6F175D3DCCD1}">
+              <a14:hiddenFill xmlns:a14="http://schemas.microsoft.com/office/drawing/2010/main">
+                <a:solidFill>
+                  <a:srgbClr val="FFFFFF"/>
+                </a:solidFill>
+              </a14:hiddenFill>
+            </a:ext>
+          </a:extLst>
+        </p:spPr>
+      </p:pic>
+      <p:grpSp>
+        <p:nvGrpSpPr>
+          <p:cNvPr id="5" name="Group 4">
+            <a:extLst>
+              <a:ext uri="{FF2B5EF4-FFF2-40B4-BE49-F238E27FC236}">
+                <a16:creationId xmlns:a16="http://schemas.microsoft.com/office/drawing/2014/main" id="{C0250A9F-3101-49E8-8FEC-EA63AEE4B0DE}"/>
+              </a:ext>
+            </a:extLst>
+          </p:cNvPr>
+          <p:cNvGrpSpPr/>
+          <p:nvPr/>
+        </p:nvGrpSpPr>
+        <p:grpSpPr>
+          <a:xfrm>
+            <a:off x="5605207" y="4963164"/>
+            <a:ext cx="1446924" cy="1299510"/>
+            <a:chOff x="5605207" y="4963164"/>
+            <a:chExt cx="1446924" cy="1299510"/>
+          </a:xfrm>
+        </p:grpSpPr>
+        <p:grpSp>
+          <p:nvGrpSpPr>
+            <p:cNvPr id="55" name="Group 54">
+              <a:extLst>
+                <a:ext uri="{FF2B5EF4-FFF2-40B4-BE49-F238E27FC236}">
+                  <a16:creationId xmlns:a16="http://schemas.microsoft.com/office/drawing/2014/main" id="{2A90FD35-5BFD-45A5-AA8B-4BD06443E16C}"/>
+                </a:ext>
+              </a:extLst>
+            </p:cNvPr>
+            <p:cNvGrpSpPr/>
+            <p:nvPr/>
+          </p:nvGrpSpPr>
+          <p:grpSpPr>
+            <a:xfrm>
+              <a:off x="5605207" y="4963164"/>
+              <a:ext cx="1446924" cy="1299510"/>
+              <a:chOff x="974256" y="4958709"/>
+              <a:chExt cx="1446924" cy="1299510"/>
+            </a:xfrm>
+          </p:grpSpPr>
+          <p:pic>
+            <p:nvPicPr>
+              <p:cNvPr id="56" name="Graphic 55">
+                <a:extLst>
+                  <a:ext uri="{FF2B5EF4-FFF2-40B4-BE49-F238E27FC236}">
+                    <a16:creationId xmlns:a16="http://schemas.microsoft.com/office/drawing/2014/main" id="{1F80D0DF-8CDA-43E0-8A0C-D10A26F9AD0E}"/>
+                  </a:ext>
+                </a:extLst>
+              </p:cNvPr>
+              <p:cNvPicPr>
+                <a:picLocks noChangeAspect="1"/>
+              </p:cNvPicPr>
+              <p:nvPr/>
+            </p:nvPicPr>
+            <p:blipFill>
+              <a:blip r:embed="rId6" cstate="hqprint">
+                <a:extLst>
+                  <a:ext uri="{28A0092B-C50C-407E-A947-70E740481C1C}">
+                    <a14:useLocalDpi xmlns:a14="http://schemas.microsoft.com/office/drawing/2010/main" val="0"/>
+                  </a:ext>
+                  <a:ext uri="{96DAC541-7B7A-43D3-8B79-37D633B846F1}">
+                    <asvg:svgBlip xmlns:asvg="http://schemas.microsoft.com/office/drawing/2016/SVG/main" r:embed="rId7"/>
+                  </a:ext>
+                </a:extLst>
+              </a:blip>
+              <a:stretch>
+                <a:fillRect/>
+              </a:stretch>
+            </p:blipFill>
+            <p:spPr>
+              <a:xfrm flipH="1">
+                <a:off x="1211718" y="4958709"/>
+                <a:ext cx="972000" cy="972000"/>
+              </a:xfrm>
+              <a:prstGeom prst="rect">
+                <a:avLst/>
+              </a:prstGeom>
+            </p:spPr>
+          </p:pic>
+          <p:sp>
+            <p:nvSpPr>
+              <p:cNvPr id="57" name="TextBox 56">
+                <a:extLst>
+                  <a:ext uri="{FF2B5EF4-FFF2-40B4-BE49-F238E27FC236}">
+                    <a16:creationId xmlns:a16="http://schemas.microsoft.com/office/drawing/2014/main" id="{F0738AC3-81EB-46BA-890E-A1217DADF994}"/>
+                  </a:ext>
+                </a:extLst>
+              </p:cNvPr>
+              <p:cNvSpPr txBox="1"/>
+              <p:nvPr/>
+            </p:nvSpPr>
+            <p:spPr>
+              <a:xfrm>
+                <a:off x="974256" y="5981220"/>
+                <a:ext cx="1446924" cy="276999"/>
+              </a:xfrm>
+              <a:prstGeom prst="rect">
+                <a:avLst/>
+              </a:prstGeom>
+              <a:noFill/>
+            </p:spPr>
+            <p:txBody>
+              <a:bodyPr wrap="square" rtlCol="0">
+                <a:spAutoFit/>
+              </a:bodyPr>
+              <a:lstStyle/>
+              <a:p>
+                <a:pPr algn="ctr"/>
+                <a:r>
+                  <a:rPr lang="de-AT" sz="1200" dirty="0"/>
+                  <a:t>Anwendung</a:t>
+                </a:r>
+                <a:endParaRPr lang="en-US" sz="1200" dirty="0"/>
+              </a:p>
+            </p:txBody>
+          </p:sp>
+        </p:grpSp>
+        <p:pic>
+          <p:nvPicPr>
+            <p:cNvPr id="3" name="Picture 2" descr="Bildergebnis fÃ¼r fake company logo">
+              <a:extLst>
+                <a:ext uri="{FF2B5EF4-FFF2-40B4-BE49-F238E27FC236}">
+                  <a16:creationId xmlns:a16="http://schemas.microsoft.com/office/drawing/2014/main" id="{3E6FC0C4-C09A-4E7F-98E4-2BE0C904C93B}"/>
+                </a:ext>
+              </a:extLst>
+            </p:cNvPr>
+            <p:cNvPicPr>
+              <a:picLocks noChangeAspect="1" noChangeArrowheads="1"/>
+            </p:cNvPicPr>
+            <p:nvPr/>
+          </p:nvPicPr>
+          <p:blipFill>
+            <a:blip r:embed="rId9" cstate="hqprint">
+              <a:extLst>
+                <a:ext uri="{28A0092B-C50C-407E-A947-70E740481C1C}">
+                  <a14:useLocalDpi xmlns:a14="http://schemas.microsoft.com/office/drawing/2010/main" val="0"/>
+                </a:ext>
+              </a:extLst>
+            </a:blip>
+            <a:srcRect/>
+            <a:stretch>
+              <a:fillRect/>
+            </a:stretch>
+          </p:blipFill>
+          <p:spPr bwMode="auto">
+            <a:xfrm>
+              <a:off x="5685350" y="5318493"/>
+              <a:ext cx="1283852" cy="427951"/>
+            </a:xfrm>
+            <a:prstGeom prst="rect">
+              <a:avLst/>
+            </a:prstGeom>
+            <a:noFill/>
+            <a:extLst>
+              <a:ext uri="{909E8E84-426E-40DD-AFC4-6F175D3DCCD1}">
+                <a14:hiddenFill xmlns:a14="http://schemas.microsoft.com/office/drawing/2010/main">
+                  <a:solidFill>
+                    <a:srgbClr val="FFFFFF"/>
+                  </a:solidFill>
+                </a14:hiddenFill>
+              </a:ext>
+            </a:extLst>
+          </p:spPr>
+        </p:pic>
+      </p:grpSp>
+      <p:grpSp>
+        <p:nvGrpSpPr>
+          <p:cNvPr id="29" name="Group 28">
+            <a:extLst>
+              <a:ext uri="{FF2B5EF4-FFF2-40B4-BE49-F238E27FC236}">
+                <a16:creationId xmlns:a16="http://schemas.microsoft.com/office/drawing/2014/main" id="{6161B6A0-FFF2-4DFF-9AA1-7CBD0F3C4BD6}"/>
+              </a:ext>
+            </a:extLst>
+          </p:cNvPr>
+          <p:cNvGrpSpPr/>
+          <p:nvPr/>
+        </p:nvGrpSpPr>
+        <p:grpSpPr>
+          <a:xfrm rot="2465732">
+            <a:off x="2339430" y="3632404"/>
+            <a:ext cx="3472791" cy="365568"/>
+            <a:chOff x="4164163" y="2994320"/>
+            <a:chExt cx="3696730" cy="324939"/>
+          </a:xfrm>
+        </p:grpSpPr>
+        <p:cxnSp>
+          <p:nvCxnSpPr>
+            <p:cNvPr id="30" name="Straight Arrow Connector 29">
+              <a:extLst>
+                <a:ext uri="{FF2B5EF4-FFF2-40B4-BE49-F238E27FC236}">
+                  <a16:creationId xmlns:a16="http://schemas.microsoft.com/office/drawing/2014/main" id="{1B8C9A36-E865-4689-A925-CB1B2443E288}"/>
+                </a:ext>
+              </a:extLst>
+            </p:cNvPr>
+            <p:cNvCxnSpPr>
+              <a:cxnSpLocks/>
+            </p:cNvCxnSpPr>
+            <p:nvPr/>
+          </p:nvCxnSpPr>
+          <p:spPr>
+            <a:xfrm>
+              <a:off x="4164163" y="3319259"/>
+              <a:ext cx="3696730" cy="0"/>
+            </a:xfrm>
+            <a:prstGeom prst="straightConnector1">
+              <a:avLst/>
+            </a:prstGeom>
+            <a:ln>
+              <a:tailEnd type="triangle"/>
+            </a:ln>
+          </p:spPr>
+          <p:style>
+            <a:lnRef idx="3">
+              <a:schemeClr val="accent3"/>
+            </a:lnRef>
+            <a:fillRef idx="0">
+              <a:schemeClr val="accent3"/>
+            </a:fillRef>
+            <a:effectRef idx="2">
+              <a:schemeClr val="accent3"/>
+            </a:effectRef>
+            <a:fontRef idx="minor">
+              <a:schemeClr val="tx1"/>
+            </a:fontRef>
+          </p:style>
+        </p:cxnSp>
+        <p:sp>
+          <p:nvSpPr>
+            <p:cNvPr id="31" name="TextBox 30">
+              <a:extLst>
+                <a:ext uri="{FF2B5EF4-FFF2-40B4-BE49-F238E27FC236}">
+                  <a16:creationId xmlns:a16="http://schemas.microsoft.com/office/drawing/2014/main" id="{60472F51-28A8-468E-9D61-29888BD7BB0D}"/>
+                </a:ext>
+              </a:extLst>
+            </p:cNvPr>
+            <p:cNvSpPr txBox="1"/>
+            <p:nvPr/>
+          </p:nvSpPr>
+          <p:spPr>
+            <a:xfrm>
+              <a:off x="5129159" y="2994320"/>
+              <a:ext cx="1766737" cy="276999"/>
+            </a:xfrm>
+            <a:prstGeom prst="rect">
+              <a:avLst/>
+            </a:prstGeom>
+            <a:noFill/>
+          </p:spPr>
+          <p:txBody>
+            <a:bodyPr wrap="square" rtlCol="0">
+              <a:spAutoFit/>
+            </a:bodyPr>
+            <a:lstStyle>
+              <a:defPPr>
+                <a:defRPr lang="en-US"/>
+              </a:defPPr>
+              <a:lvl1pPr>
+                <a:defRPr sz="1200">
+                  <a:solidFill>
+                    <a:schemeClr val="bg1">
+                      <a:lumMod val="50000"/>
+                    </a:schemeClr>
+                  </a:solidFill>
+                </a:defRPr>
+              </a:lvl1pPr>
+            </a:lstStyle>
+            <a:p>
+              <a:pPr algn="ctr"/>
+              <a:r>
+                <a:rPr lang="de-AT" dirty="0"/>
+                <a:t>Login Anfrage </a:t>
+              </a:r>
+              <a:endParaRPr lang="en-US" dirty="0"/>
+            </a:p>
+          </p:txBody>
+        </p:sp>
+      </p:grpSp>
+      <p:grpSp>
+        <p:nvGrpSpPr>
+          <p:cNvPr id="33" name="Group 32">
+            <a:extLst>
+              <a:ext uri="{FF2B5EF4-FFF2-40B4-BE49-F238E27FC236}">
+                <a16:creationId xmlns:a16="http://schemas.microsoft.com/office/drawing/2014/main" id="{9AFB2269-57C4-45D6-9843-C2CA0DEC9519}"/>
+              </a:ext>
+            </a:extLst>
+          </p:cNvPr>
+          <p:cNvGrpSpPr/>
+          <p:nvPr/>
+        </p:nvGrpSpPr>
+        <p:grpSpPr>
+          <a:xfrm>
+            <a:off x="9970107" y="4902035"/>
+            <a:ext cx="1446924" cy="1323770"/>
+            <a:chOff x="7060850" y="3273967"/>
+            <a:chExt cx="1446924" cy="1323770"/>
+          </a:xfrm>
+        </p:grpSpPr>
+        <p:pic>
+          <p:nvPicPr>
+            <p:cNvPr id="35" name="Graphic 34">
+              <a:extLst>
+                <a:ext uri="{FF2B5EF4-FFF2-40B4-BE49-F238E27FC236}">
+                  <a16:creationId xmlns:a16="http://schemas.microsoft.com/office/drawing/2014/main" id="{644D705F-F6C6-49D7-BBBD-B238629B6D77}"/>
+                </a:ext>
+              </a:extLst>
+            </p:cNvPr>
+            <p:cNvPicPr>
+              <a:picLocks noChangeAspect="1"/>
+            </p:cNvPicPr>
+            <p:nvPr/>
+          </p:nvPicPr>
+          <p:blipFill>
+            <a:blip r:embed="rId2" cstate="hqprint">
+              <a:extLst>
+                <a:ext uri="{28A0092B-C50C-407E-A947-70E740481C1C}">
+                  <a14:useLocalDpi xmlns:a14="http://schemas.microsoft.com/office/drawing/2010/main" val="0"/>
+                </a:ext>
+                <a:ext uri="{96DAC541-7B7A-43D3-8B79-37D633B846F1}">
+                  <asvg:svgBlip xmlns:asvg="http://schemas.microsoft.com/office/drawing/2016/SVG/main" r:embed="rId3"/>
+                </a:ext>
+              </a:extLst>
+            </a:blip>
+            <a:stretch>
+              <a:fillRect/>
+            </a:stretch>
+          </p:blipFill>
+          <p:spPr>
+            <a:xfrm>
+              <a:off x="7359062" y="3273967"/>
+              <a:ext cx="850500" cy="972000"/>
+            </a:xfrm>
+            <a:prstGeom prst="rect">
+              <a:avLst/>
+            </a:prstGeom>
+          </p:spPr>
+        </p:pic>
+        <p:sp>
+          <p:nvSpPr>
+            <p:cNvPr id="37" name="TextBox 36">
+              <a:extLst>
+                <a:ext uri="{FF2B5EF4-FFF2-40B4-BE49-F238E27FC236}">
+                  <a16:creationId xmlns:a16="http://schemas.microsoft.com/office/drawing/2014/main" id="{F24AE0FC-1613-4930-B6A8-EF4B51E42C18}"/>
+                </a:ext>
+              </a:extLst>
+            </p:cNvPr>
+            <p:cNvSpPr txBox="1"/>
+            <p:nvPr/>
+          </p:nvSpPr>
+          <p:spPr>
+            <a:xfrm>
+              <a:off x="7060850" y="4320738"/>
+              <a:ext cx="1446924" cy="276999"/>
+            </a:xfrm>
+            <a:prstGeom prst="rect">
+              <a:avLst/>
+            </a:prstGeom>
+            <a:noFill/>
+          </p:spPr>
+          <p:txBody>
+            <a:bodyPr wrap="square" rtlCol="0">
+              <a:spAutoFit/>
+            </a:bodyPr>
+            <a:lstStyle/>
+            <a:p>
+              <a:pPr algn="ctr"/>
+              <a:r>
+                <a:rPr lang="de-AT" sz="1200" dirty="0"/>
+                <a:t>Datenbank</a:t>
+              </a:r>
+              <a:endParaRPr lang="en-US" sz="1200" dirty="0"/>
+            </a:p>
+          </p:txBody>
+        </p:sp>
+      </p:grpSp>
+      <p:grpSp>
+        <p:nvGrpSpPr>
+          <p:cNvPr id="38" name="Group 37">
+            <a:extLst>
+              <a:ext uri="{FF2B5EF4-FFF2-40B4-BE49-F238E27FC236}">
+                <a16:creationId xmlns:a16="http://schemas.microsoft.com/office/drawing/2014/main" id="{9AB30A1D-6CC8-4725-A2A3-46D250EF63D2}"/>
+              </a:ext>
+            </a:extLst>
+          </p:cNvPr>
+          <p:cNvGrpSpPr/>
+          <p:nvPr/>
+        </p:nvGrpSpPr>
+        <p:grpSpPr>
+          <a:xfrm>
+            <a:off x="7003530" y="5009602"/>
+            <a:ext cx="3075927" cy="461665"/>
+            <a:chOff x="4164163" y="2857594"/>
+            <a:chExt cx="3696730" cy="461665"/>
+          </a:xfrm>
+        </p:grpSpPr>
+        <p:cxnSp>
+          <p:nvCxnSpPr>
+            <p:cNvPr id="39" name="Straight Arrow Connector 38">
+              <a:extLst>
+                <a:ext uri="{FF2B5EF4-FFF2-40B4-BE49-F238E27FC236}">
+                  <a16:creationId xmlns:a16="http://schemas.microsoft.com/office/drawing/2014/main" id="{B4B1BF1F-91CE-45F9-A632-3B1316619EC0}"/>
+                </a:ext>
+              </a:extLst>
+            </p:cNvPr>
+            <p:cNvCxnSpPr>
+              <a:cxnSpLocks/>
+            </p:cNvCxnSpPr>
+            <p:nvPr/>
+          </p:nvCxnSpPr>
+          <p:spPr>
+            <a:xfrm>
+              <a:off x="4164163" y="3319259"/>
+              <a:ext cx="3696730" cy="0"/>
+            </a:xfrm>
+            <a:prstGeom prst="straightConnector1">
+              <a:avLst/>
+            </a:prstGeom>
+            <a:ln>
+              <a:tailEnd type="triangle"/>
+            </a:ln>
+          </p:spPr>
+          <p:style>
+            <a:lnRef idx="3">
+              <a:schemeClr val="accent3"/>
+            </a:lnRef>
+            <a:fillRef idx="0">
+              <a:schemeClr val="accent3"/>
+            </a:fillRef>
+            <a:effectRef idx="2">
+              <a:schemeClr val="accent3"/>
+            </a:effectRef>
+            <a:fontRef idx="minor">
+              <a:schemeClr val="tx1"/>
+            </a:fontRef>
+          </p:style>
+        </p:cxnSp>
+        <p:sp>
+          <p:nvSpPr>
+            <p:cNvPr id="40" name="TextBox 39">
+              <a:extLst>
+                <a:ext uri="{FF2B5EF4-FFF2-40B4-BE49-F238E27FC236}">
+                  <a16:creationId xmlns:a16="http://schemas.microsoft.com/office/drawing/2014/main" id="{F902F9EF-9656-4D25-995C-35B1F4AFB5F7}"/>
+                </a:ext>
+              </a:extLst>
+            </p:cNvPr>
+            <p:cNvSpPr txBox="1"/>
+            <p:nvPr/>
+          </p:nvSpPr>
+          <p:spPr>
+            <a:xfrm>
+              <a:off x="4308630" y="2857594"/>
+              <a:ext cx="3407797" cy="461665"/>
+            </a:xfrm>
+            <a:prstGeom prst="rect">
+              <a:avLst/>
+            </a:prstGeom>
+            <a:noFill/>
+          </p:spPr>
+          <p:txBody>
+            <a:bodyPr wrap="square" rtlCol="0">
+              <a:spAutoFit/>
+            </a:bodyPr>
+            <a:lstStyle>
+              <a:defPPr>
+                <a:defRPr lang="en-US"/>
+              </a:defPPr>
+              <a:lvl1pPr>
+                <a:defRPr sz="1200">
+                  <a:solidFill>
+                    <a:schemeClr val="bg1">
+                      <a:lumMod val="50000"/>
+                    </a:schemeClr>
+                  </a:solidFill>
+                </a:defRPr>
+              </a:lvl1pPr>
+            </a:lstStyle>
+            <a:p>
+              <a:pPr algn="ctr"/>
+              <a:r>
+                <a:rPr lang="de-AT" dirty="0"/>
+                <a:t>Vergleiche ob Anmeldedaten übereinstimmen</a:t>
+              </a:r>
+              <a:endParaRPr lang="en-US" dirty="0"/>
+            </a:p>
+          </p:txBody>
+        </p:sp>
+      </p:grpSp>
+      <p:grpSp>
+        <p:nvGrpSpPr>
+          <p:cNvPr id="47" name="Group 46">
+            <a:extLst>
+              <a:ext uri="{FF2B5EF4-FFF2-40B4-BE49-F238E27FC236}">
+                <a16:creationId xmlns:a16="http://schemas.microsoft.com/office/drawing/2014/main" id="{96A8A0E0-F2D1-4B9A-8010-87B31F408A9B}"/>
+              </a:ext>
+            </a:extLst>
+          </p:cNvPr>
+          <p:cNvGrpSpPr/>
+          <p:nvPr/>
+        </p:nvGrpSpPr>
+        <p:grpSpPr>
+          <a:xfrm>
+            <a:off x="7976851" y="3100592"/>
+            <a:ext cx="1306420" cy="1293177"/>
+            <a:chOff x="5446419" y="1519121"/>
+            <a:chExt cx="1306420" cy="1293177"/>
+          </a:xfrm>
+        </p:grpSpPr>
+        <p:grpSp>
+          <p:nvGrpSpPr>
+            <p:cNvPr id="48" name="Group 47">
+              <a:extLst>
+                <a:ext uri="{FF2B5EF4-FFF2-40B4-BE49-F238E27FC236}">
+                  <a16:creationId xmlns:a16="http://schemas.microsoft.com/office/drawing/2014/main" id="{D1D082AC-7D36-4BF0-8707-16D3F2EF75C2}"/>
+                </a:ext>
+              </a:extLst>
+            </p:cNvPr>
+            <p:cNvGrpSpPr/>
+            <p:nvPr/>
+          </p:nvGrpSpPr>
+          <p:grpSpPr>
+            <a:xfrm>
+              <a:off x="5780839" y="1519121"/>
+              <a:ext cx="972000" cy="1293177"/>
+              <a:chOff x="5780839" y="1519121"/>
+              <a:chExt cx="972000" cy="1293177"/>
+            </a:xfrm>
+          </p:grpSpPr>
+          <p:sp>
+            <p:nvSpPr>
+              <p:cNvPr id="51" name="Rectangle: Rounded Corners 50">
+                <a:extLst>
+                  <a:ext uri="{FF2B5EF4-FFF2-40B4-BE49-F238E27FC236}">
+                    <a16:creationId xmlns:a16="http://schemas.microsoft.com/office/drawing/2014/main" id="{54ECCED8-EEB1-489F-9BB4-AE8DFD5E84CE}"/>
+                  </a:ext>
+                </a:extLst>
+              </p:cNvPr>
+              <p:cNvSpPr/>
+              <p:nvPr/>
+            </p:nvSpPr>
+            <p:spPr>
+              <a:xfrm>
+                <a:off x="5780839" y="1519121"/>
+                <a:ext cx="972000" cy="972000"/>
+              </a:xfrm>
+              <a:prstGeom prst="roundRect">
+                <a:avLst/>
+              </a:prstGeom>
+              <a:ln w="76200"/>
+            </p:spPr>
+            <p:style>
+              <a:lnRef idx="2">
+                <a:schemeClr val="dk1"/>
+              </a:lnRef>
+              <a:fillRef idx="1">
+                <a:schemeClr val="lt1"/>
+              </a:fillRef>
+              <a:effectRef idx="0">
+                <a:schemeClr val="dk1"/>
+              </a:effectRef>
+              <a:fontRef idx="minor">
+                <a:schemeClr val="dk1"/>
+              </a:fontRef>
+            </p:style>
+            <p:txBody>
+              <a:bodyPr rtlCol="0" anchor="t" anchorCtr="0"/>
+              <a:lstStyle/>
+              <a:p>
+                <a:pPr algn="l"/>
+                <a:endParaRPr lang="en-US" dirty="0">
+                  <a:solidFill>
+                    <a:schemeClr val="tx1"/>
+                  </a:solidFill>
+                </a:endParaRPr>
+              </a:p>
+            </p:txBody>
+          </p:sp>
+          <p:sp>
+            <p:nvSpPr>
+              <p:cNvPr id="52" name="TextBox 51">
+                <a:extLst>
+                  <a:ext uri="{FF2B5EF4-FFF2-40B4-BE49-F238E27FC236}">
+                    <a16:creationId xmlns:a16="http://schemas.microsoft.com/office/drawing/2014/main" id="{34AD36D7-12D9-4516-913B-17A91C196CD9}"/>
+                  </a:ext>
+                </a:extLst>
+              </p:cNvPr>
+              <p:cNvSpPr txBox="1"/>
+              <p:nvPr/>
+            </p:nvSpPr>
+            <p:spPr>
+              <a:xfrm>
+                <a:off x="6020617" y="2535299"/>
+                <a:ext cx="389850" cy="276999"/>
+              </a:xfrm>
+              <a:prstGeom prst="rect">
+                <a:avLst/>
+              </a:prstGeom>
+              <a:noFill/>
+            </p:spPr>
+            <p:txBody>
+              <a:bodyPr wrap="none" rtlCol="0">
+                <a:spAutoFit/>
+              </a:bodyPr>
+              <a:lstStyle/>
+              <a:p>
+                <a:r>
+                  <a:rPr lang="de-AT" sz="1200" dirty="0" err="1"/>
+                  <a:t>Api</a:t>
+                </a:r>
+                <a:endParaRPr lang="en-US" sz="1200" dirty="0"/>
+              </a:p>
+            </p:txBody>
+          </p:sp>
+        </p:grpSp>
+        <p:sp>
+          <p:nvSpPr>
+            <p:cNvPr id="49" name="Rectangle: Rounded Corners 48">
+              <a:extLst>
+                <a:ext uri="{FF2B5EF4-FFF2-40B4-BE49-F238E27FC236}">
+                  <a16:creationId xmlns:a16="http://schemas.microsoft.com/office/drawing/2014/main" id="{DA49D3FC-494A-4A6E-BB86-EC61DFA5C6DE}"/>
+                </a:ext>
+              </a:extLst>
+            </p:cNvPr>
+            <p:cNvSpPr/>
+            <p:nvPr/>
+          </p:nvSpPr>
+          <p:spPr>
+            <a:xfrm>
+              <a:off x="5446419" y="1639509"/>
+              <a:ext cx="552230" cy="282569"/>
+            </a:xfrm>
+            <a:prstGeom prst="roundRect">
+              <a:avLst/>
+            </a:prstGeom>
+            <a:ln w="76200"/>
+          </p:spPr>
+          <p:style>
+            <a:lnRef idx="2">
+              <a:schemeClr val="dk1"/>
+            </a:lnRef>
+            <a:fillRef idx="1">
+              <a:schemeClr val="lt1"/>
+            </a:fillRef>
+            <a:effectRef idx="0">
+              <a:schemeClr val="dk1"/>
+            </a:effectRef>
+            <a:fontRef idx="minor">
+              <a:schemeClr val="dk1"/>
+            </a:fontRef>
+          </p:style>
+          <p:txBody>
+            <a:bodyPr rtlCol="0" anchor="t" anchorCtr="0"/>
+            <a:lstStyle/>
+            <a:p>
+              <a:pPr algn="l"/>
+              <a:endParaRPr lang="en-US" dirty="0">
+                <a:solidFill>
+                  <a:schemeClr val="tx1"/>
+                </a:solidFill>
+              </a:endParaRPr>
+            </a:p>
+          </p:txBody>
+        </p:sp>
+        <p:sp>
+          <p:nvSpPr>
+            <p:cNvPr id="50" name="Rectangle: Rounded Corners 49">
+              <a:extLst>
+                <a:ext uri="{FF2B5EF4-FFF2-40B4-BE49-F238E27FC236}">
+                  <a16:creationId xmlns:a16="http://schemas.microsoft.com/office/drawing/2014/main" id="{BF62738F-41E5-43BB-B1AC-6260394CDABA}"/>
+                </a:ext>
+              </a:extLst>
+            </p:cNvPr>
+            <p:cNvSpPr/>
+            <p:nvPr/>
+          </p:nvSpPr>
+          <p:spPr>
+            <a:xfrm>
+              <a:off x="5446419" y="2068489"/>
+              <a:ext cx="552230" cy="268532"/>
+            </a:xfrm>
+            <a:prstGeom prst="roundRect">
+              <a:avLst/>
+            </a:prstGeom>
+            <a:ln w="76200"/>
+          </p:spPr>
+          <p:style>
+            <a:lnRef idx="2">
+              <a:schemeClr val="dk1"/>
+            </a:lnRef>
+            <a:fillRef idx="1">
+              <a:schemeClr val="lt1"/>
+            </a:fillRef>
+            <a:effectRef idx="0">
+              <a:schemeClr val="dk1"/>
+            </a:effectRef>
+            <a:fontRef idx="minor">
+              <a:schemeClr val="dk1"/>
+            </a:fontRef>
+          </p:style>
+          <p:txBody>
+            <a:bodyPr rtlCol="0" anchor="t" anchorCtr="0"/>
+            <a:lstStyle/>
+            <a:p>
+              <a:pPr algn="l"/>
+              <a:endParaRPr lang="en-US" dirty="0">
+                <a:solidFill>
+                  <a:schemeClr val="tx1"/>
+                </a:solidFill>
+              </a:endParaRPr>
+            </a:p>
+          </p:txBody>
+        </p:sp>
+      </p:grpSp>
+      <p:pic>
+        <p:nvPicPr>
+          <p:cNvPr id="53" name="Picture 2" descr="Bildergebnis fÃ¼r fake company logo">
+            <a:extLst>
+              <a:ext uri="{FF2B5EF4-FFF2-40B4-BE49-F238E27FC236}">
+                <a16:creationId xmlns:a16="http://schemas.microsoft.com/office/drawing/2014/main" id="{A554820D-DEB5-4AE1-B42B-A7A4595F7538}"/>
+              </a:ext>
+            </a:extLst>
+          </p:cNvPr>
+          <p:cNvPicPr>
+            <a:picLocks noChangeAspect="1" noChangeArrowheads="1"/>
+          </p:cNvPicPr>
+          <p:nvPr/>
+        </p:nvPicPr>
+        <p:blipFill>
+          <a:blip r:embed="rId8" cstate="hqprint">
+            <a:extLst>
+              <a:ext uri="{28A0092B-C50C-407E-A947-70E740481C1C}">
+                <a14:useLocalDpi xmlns:a14="http://schemas.microsoft.com/office/drawing/2010/main" val="0"/>
+              </a:ext>
+            </a:extLst>
+          </a:blip>
+          <a:srcRect/>
+          <a:stretch>
+            <a:fillRect/>
+          </a:stretch>
+        </p:blipFill>
+        <p:spPr bwMode="auto">
+          <a:xfrm>
+            <a:off x="8600058" y="3489180"/>
+            <a:ext cx="553250" cy="177184"/>
+          </a:xfrm>
+          <a:prstGeom prst="rect">
+            <a:avLst/>
+          </a:prstGeom>
+          <a:noFill/>
+          <a:extLst>
+            <a:ext uri="{909E8E84-426E-40DD-AFC4-6F175D3DCCD1}">
+              <a14:hiddenFill xmlns:a14="http://schemas.microsoft.com/office/drawing/2010/main">
+                <a:solidFill>
+                  <a:srgbClr val="FFFFFF"/>
+                </a:solidFill>
+              </a14:hiddenFill>
+            </a:ext>
+          </a:extLst>
+        </p:spPr>
+      </p:pic>
+      <p:cxnSp>
+        <p:nvCxnSpPr>
+          <p:cNvPr id="58" name="Straight Arrow Connector 57">
+            <a:extLst>
+              <a:ext uri="{FF2B5EF4-FFF2-40B4-BE49-F238E27FC236}">
+                <a16:creationId xmlns:a16="http://schemas.microsoft.com/office/drawing/2014/main" id="{8AB2358D-412D-4E27-A86A-2B3E34AC214A}"/>
+              </a:ext>
+            </a:extLst>
+          </p:cNvPr>
+          <p:cNvCxnSpPr>
+            <a:cxnSpLocks/>
+          </p:cNvCxnSpPr>
+          <p:nvPr/>
+        </p:nvCxnSpPr>
+        <p:spPr>
+          <a:xfrm>
+            <a:off x="6853475" y="2840026"/>
+            <a:ext cx="783994" cy="549438"/>
+          </a:xfrm>
+          <a:prstGeom prst="straightConnector1">
+            <a:avLst/>
+          </a:prstGeom>
+          <a:ln>
+            <a:tailEnd type="triangle"/>
+          </a:ln>
+        </p:spPr>
+        <p:style>
+          <a:lnRef idx="3">
+            <a:schemeClr val="accent3"/>
+          </a:lnRef>
+          <a:fillRef idx="0">
+            <a:schemeClr val="accent3"/>
+          </a:fillRef>
+          <a:effectRef idx="2">
+            <a:schemeClr val="accent3"/>
+          </a:effectRef>
+          <a:fontRef idx="minor">
+            <a:schemeClr val="tx1"/>
+          </a:fontRef>
+        </p:style>
+      </p:cxnSp>
+      <p:sp>
+        <p:nvSpPr>
+          <p:cNvPr id="62" name="TextBox 61">
+            <a:extLst>
+              <a:ext uri="{FF2B5EF4-FFF2-40B4-BE49-F238E27FC236}">
+                <a16:creationId xmlns:a16="http://schemas.microsoft.com/office/drawing/2014/main" id="{E5255CDC-592B-40D5-B3B1-7DD19EAADDA2}"/>
+              </a:ext>
+            </a:extLst>
+          </p:cNvPr>
+          <p:cNvSpPr txBox="1"/>
+          <p:nvPr/>
+        </p:nvSpPr>
+        <p:spPr>
+          <a:xfrm rot="2175811">
+            <a:off x="6527889" y="2667276"/>
+            <a:ext cx="1667623" cy="461665"/>
+          </a:xfrm>
+          <a:prstGeom prst="rect">
+            <a:avLst/>
+          </a:prstGeom>
+          <a:noFill/>
+        </p:spPr>
+        <p:txBody>
+          <a:bodyPr wrap="square" rtlCol="0">
+            <a:spAutoFit/>
+          </a:bodyPr>
+          <a:lstStyle>
+            <a:defPPr>
+              <a:defRPr lang="en-US"/>
+            </a:defPPr>
+            <a:lvl1pPr>
+              <a:defRPr sz="1200">
+                <a:solidFill>
+                  <a:schemeClr val="bg1">
+                    <a:lumMod val="50000"/>
+                  </a:schemeClr>
+                </a:solidFill>
+              </a:defRPr>
+            </a:lvl1pPr>
+          </a:lstStyle>
+          <a:p>
+            <a:pPr algn="ctr"/>
+            <a:r>
+              <a:rPr lang="de-AT" dirty="0" err="1"/>
+              <a:t>Anwendungs</a:t>
+            </a:r>
+            <a:r>
+              <a:rPr lang="de-AT" dirty="0"/>
+              <a:t> </a:t>
+            </a:r>
+            <a:r>
+              <a:rPr lang="de-AT" dirty="0" err="1"/>
+              <a:t>Authorisierung</a:t>
+            </a:r>
+            <a:endParaRPr lang="en-US" dirty="0"/>
+          </a:p>
+        </p:txBody>
+      </p:sp>
+      <p:sp>
+        <p:nvSpPr>
+          <p:cNvPr id="64" name="TextBox 63">
+            <a:extLst>
+              <a:ext uri="{FF2B5EF4-FFF2-40B4-BE49-F238E27FC236}">
+                <a16:creationId xmlns:a16="http://schemas.microsoft.com/office/drawing/2014/main" id="{2E0F3D10-1F7D-48AB-9426-49F92AB64D4A}"/>
+              </a:ext>
+            </a:extLst>
+          </p:cNvPr>
+          <p:cNvSpPr txBox="1"/>
+          <p:nvPr/>
+        </p:nvSpPr>
+        <p:spPr>
+          <a:xfrm rot="19450883">
+            <a:off x="6436131" y="3971385"/>
+            <a:ext cx="1375211" cy="276999"/>
+          </a:xfrm>
+          <a:prstGeom prst="rect">
+            <a:avLst/>
+          </a:prstGeom>
+          <a:noFill/>
+        </p:spPr>
+        <p:txBody>
+          <a:bodyPr wrap="square" rtlCol="0">
+            <a:spAutoFit/>
+          </a:bodyPr>
+          <a:lstStyle>
+            <a:defPPr>
+              <a:defRPr lang="en-US"/>
+            </a:defPPr>
+            <a:lvl1pPr>
+              <a:defRPr sz="1200">
+                <a:solidFill>
+                  <a:schemeClr val="bg1">
+                    <a:lumMod val="50000"/>
+                  </a:schemeClr>
+                </a:solidFill>
+              </a:defRPr>
+            </a:lvl1pPr>
+          </a:lstStyle>
+          <a:p>
+            <a:pPr algn="ctr"/>
+            <a:r>
+              <a:rPr lang="de-AT" dirty="0"/>
+              <a:t>?</a:t>
+            </a:r>
+            <a:endParaRPr lang="en-US" dirty="0"/>
+          </a:p>
+        </p:txBody>
+      </p:sp>
+      <p:cxnSp>
+        <p:nvCxnSpPr>
+          <p:cNvPr id="66" name="Straight Arrow Connector 65">
+            <a:extLst>
+              <a:ext uri="{FF2B5EF4-FFF2-40B4-BE49-F238E27FC236}">
+                <a16:creationId xmlns:a16="http://schemas.microsoft.com/office/drawing/2014/main" id="{C2F06631-BF4F-4B4D-849D-25B8EE09314A}"/>
+              </a:ext>
+            </a:extLst>
+          </p:cNvPr>
+          <p:cNvCxnSpPr>
+            <a:cxnSpLocks/>
+          </p:cNvCxnSpPr>
+          <p:nvPr/>
+        </p:nvCxnSpPr>
+        <p:spPr>
+          <a:xfrm flipV="1">
+            <a:off x="6814669" y="3982857"/>
+            <a:ext cx="924181" cy="651853"/>
+          </a:xfrm>
+          <a:prstGeom prst="straightConnector1">
+            <a:avLst/>
+          </a:prstGeom>
+          <a:ln>
+            <a:tailEnd type="triangle"/>
+          </a:ln>
+        </p:spPr>
+        <p:style>
+          <a:lnRef idx="3">
+            <a:schemeClr val="accent3"/>
+          </a:lnRef>
+          <a:fillRef idx="0">
+            <a:schemeClr val="accent3"/>
+          </a:fillRef>
+          <a:effectRef idx="2">
+            <a:schemeClr val="accent3"/>
+          </a:effectRef>
+          <a:fontRef idx="minor">
+            <a:schemeClr val="tx1"/>
+          </a:fontRef>
+        </p:style>
+      </p:cxnSp>
+      <p:cxnSp>
+        <p:nvCxnSpPr>
+          <p:cNvPr id="72" name="Straight Arrow Connector 71">
+            <a:extLst>
+              <a:ext uri="{FF2B5EF4-FFF2-40B4-BE49-F238E27FC236}">
+                <a16:creationId xmlns:a16="http://schemas.microsoft.com/office/drawing/2014/main" id="{4555117B-4ED7-49D4-9305-C556D3AA0550}"/>
+              </a:ext>
+            </a:extLst>
+          </p:cNvPr>
+          <p:cNvCxnSpPr>
+            <a:cxnSpLocks/>
+            <a:endCxn id="16" idx="2"/>
+          </p:cNvCxnSpPr>
+          <p:nvPr/>
+        </p:nvCxnSpPr>
+        <p:spPr>
+          <a:xfrm flipV="1">
+            <a:off x="9467675" y="3256944"/>
+            <a:ext cx="1215038" cy="584794"/>
+          </a:xfrm>
+          <a:prstGeom prst="straightConnector1">
+            <a:avLst/>
+          </a:prstGeom>
+          <a:ln>
+            <a:tailEnd type="triangle"/>
+          </a:ln>
+        </p:spPr>
+        <p:style>
+          <a:lnRef idx="3">
+            <a:schemeClr val="accent3"/>
+          </a:lnRef>
+          <a:fillRef idx="0">
+            <a:schemeClr val="accent3"/>
+          </a:fillRef>
+          <a:effectRef idx="2">
+            <a:schemeClr val="accent3"/>
+          </a:effectRef>
+          <a:fontRef idx="minor">
+            <a:schemeClr val="tx1"/>
+          </a:fontRef>
+        </p:style>
+      </p:cxnSp>
+      <p:sp>
+        <p:nvSpPr>
+          <p:cNvPr id="83" name="TextBox 82">
+            <a:extLst>
+              <a:ext uri="{FF2B5EF4-FFF2-40B4-BE49-F238E27FC236}">
+                <a16:creationId xmlns:a16="http://schemas.microsoft.com/office/drawing/2014/main" id="{C6A87303-3BD8-469F-B525-F93A4C7FA92D}"/>
+              </a:ext>
+            </a:extLst>
+          </p:cNvPr>
+          <p:cNvSpPr txBox="1"/>
+          <p:nvPr/>
+        </p:nvSpPr>
+        <p:spPr>
+          <a:xfrm rot="20076314">
+            <a:off x="9014040" y="3328442"/>
+            <a:ext cx="1822530" cy="276999"/>
+          </a:xfrm>
+          <a:prstGeom prst="rect">
+            <a:avLst/>
+          </a:prstGeom>
+          <a:noFill/>
+        </p:spPr>
+        <p:txBody>
+          <a:bodyPr wrap="square" rtlCol="0">
+            <a:spAutoFit/>
+          </a:bodyPr>
+          <a:lstStyle>
+            <a:defPPr>
+              <a:defRPr lang="en-US"/>
+            </a:defPPr>
+            <a:lvl1pPr>
+              <a:defRPr sz="1200">
+                <a:solidFill>
+                  <a:schemeClr val="bg1">
+                    <a:lumMod val="50000"/>
+                  </a:schemeClr>
+                </a:solidFill>
+              </a:defRPr>
+            </a:lvl1pPr>
+          </a:lstStyle>
+          <a:p>
+            <a:pPr algn="ctr"/>
+            <a:r>
+              <a:rPr lang="de-AT" dirty="0"/>
+              <a:t>Zugriff auf daten</a:t>
+            </a:r>
+            <a:endParaRPr lang="en-US" dirty="0"/>
+          </a:p>
+        </p:txBody>
+      </p:sp>
+      <p:sp>
+        <p:nvSpPr>
+          <p:cNvPr id="85" name="Rectangle 84">
+            <a:extLst>
+              <a:ext uri="{FF2B5EF4-FFF2-40B4-BE49-F238E27FC236}">
+                <a16:creationId xmlns:a16="http://schemas.microsoft.com/office/drawing/2014/main" id="{34BCF779-2C52-4B7B-84C2-48CDB7F81C16}"/>
+              </a:ext>
+            </a:extLst>
+          </p:cNvPr>
+          <p:cNvSpPr/>
+          <p:nvPr/>
+        </p:nvSpPr>
+        <p:spPr>
+          <a:xfrm>
+            <a:off x="5747340" y="3464659"/>
+            <a:ext cx="800219" cy="461665"/>
+          </a:xfrm>
+          <a:prstGeom prst="rect">
+            <a:avLst/>
+          </a:prstGeom>
+        </p:spPr>
+        <p:txBody>
+          <a:bodyPr wrap="none">
+            <a:spAutoFit/>
+          </a:bodyPr>
+          <a:lstStyle/>
+          <a:p>
+            <a:r>
+              <a:rPr lang="en-US" sz="2400" b="1" dirty="0">
+                <a:solidFill>
+                  <a:srgbClr val="FF0000"/>
+                </a:solidFill>
+                <a:latin typeface="Bradley Hand ITC" panose="03070402050302030203" pitchFamily="66" charset="0"/>
+              </a:rPr>
+              <a:t>Wie?</a:t>
+            </a:r>
+          </a:p>
+        </p:txBody>
+      </p:sp>
+      <mc:AlternateContent xmlns:mc="http://schemas.openxmlformats.org/markup-compatibility/2006" xmlns:p14="http://schemas.microsoft.com/office/powerpoint/2010/main">
+        <mc:Choice Requires="p14">
+          <p:contentPart p14:bwMode="auto" r:id="rId10">
+            <p14:nvContentPartPr>
+              <p14:cNvPr id="86" name="Ink 85">
+                <a:extLst>
+                  <a:ext uri="{FF2B5EF4-FFF2-40B4-BE49-F238E27FC236}">
+                    <a16:creationId xmlns:a16="http://schemas.microsoft.com/office/drawing/2014/main" id="{B6E8DCCF-5E88-41A6-BA5A-062B9E1833DC}"/>
+                  </a:ext>
+                </a:extLst>
+              </p14:cNvPr>
+              <p14:cNvContentPartPr/>
+              <p14:nvPr/>
+            </p14:nvContentPartPr>
+            <p14:xfrm>
+              <a:off x="6349610" y="3529850"/>
+              <a:ext cx="1389240" cy="409320"/>
+            </p14:xfrm>
+          </p:contentPart>
+        </mc:Choice>
+        <mc:Fallback xmlns="">
+          <p:pic>
+            <p:nvPicPr>
+              <p:cNvPr id="86" name="Ink 85">
+                <a:extLst>
+                  <a:ext uri="{FF2B5EF4-FFF2-40B4-BE49-F238E27FC236}">
+                    <a16:creationId xmlns:a16="http://schemas.microsoft.com/office/drawing/2014/main" id="{B6E8DCCF-5E88-41A6-BA5A-062B9E1833DC}"/>
+                  </a:ext>
+                </a:extLst>
+              </p:cNvPr>
+              <p:cNvPicPr/>
+              <p:nvPr/>
+            </p:nvPicPr>
+            <p:blipFill>
+              <a:blip r:embed="rId11"/>
+              <a:stretch>
+                <a:fillRect/>
+              </a:stretch>
+            </p:blipFill>
+            <p:spPr>
+              <a:xfrm>
+                <a:off x="6340610" y="3520842"/>
+                <a:ext cx="1406880" cy="426976"/>
+              </a:xfrm>
+              <a:prstGeom prst="rect">
+                <a:avLst/>
+              </a:prstGeom>
+            </p:spPr>
+          </p:pic>
+        </mc:Fallback>
+      </mc:AlternateContent>
+    </p:spTree>
+    <p:extLst>
+      <p:ext uri="{BB962C8B-B14F-4D97-AF65-F5344CB8AC3E}">
+        <p14:creationId xmlns:p14="http://schemas.microsoft.com/office/powerpoint/2010/main" val="4058641509"/>
+      </p:ext>
+    </p:extLst>
+  </p:cSld>
+  <p:clrMapOvr>
+    <a:masterClrMapping/>
+  </p:clrMapOvr>
+  <p:timing>
+    <p:tnLst>
+      <p:par>
+        <p:cTn id="1" dur="indefinite" restart="never" nodeType="tmRoot">
+          <p:childTnLst>
+            <p:seq concurrent="1" nextAc="seek">
+              <p:cTn id="2" dur="indefinite" nodeType="mainSeq">
+                <p:childTnLst>
+                  <p:par>
+                    <p:cTn id="3" fill="hold">
+                      <p:stCondLst>
+                        <p:cond delay="indefinite"/>
+                      </p:stCondLst>
+                      <p:childTnLst>
+                        <p:par>
+                          <p:cTn id="4" fill="hold">
+                            <p:stCondLst>
+                              <p:cond delay="0"/>
+                            </p:stCondLst>
+                            <p:childTnLst>
+                              <p:par>
+                                <p:cTn id="5" presetID="1" presetClass="entr" presetSubtype="0" fill="hold" nodeType="clickEffect">
+                                  <p:stCondLst>
+                                    <p:cond delay="0"/>
+                                  </p:stCondLst>
+                                  <p:childTnLst>
+                                    <p:set>
+                                      <p:cBhvr>
+                                        <p:cTn id="6" dur="1" fill="hold">
+                                          <p:stCondLst>
+                                            <p:cond delay="0"/>
+                                          </p:stCondLst>
+                                        </p:cTn>
+                                        <p:tgtEl>
+                                          <p:spTgt spid="29"/>
+                                        </p:tgtEl>
+                                        <p:attrNameLst>
+                                          <p:attrName>style.visibility</p:attrName>
+                                        </p:attrNameLst>
+                                      </p:cBhvr>
+                                      <p:to>
+                                        <p:strVal val="visible"/>
+                                      </p:to>
+                                    </p:set>
+                                  </p:childTnLst>
+                                </p:cTn>
+                              </p:par>
+                              <p:par>
+                                <p:cTn id="7" presetID="1" presetClass="entr" presetSubtype="0" fill="hold" nodeType="withEffect">
+                                  <p:stCondLst>
+                                    <p:cond delay="0"/>
+                                  </p:stCondLst>
+                                  <p:childTnLst>
+                                    <p:set>
+                                      <p:cBhvr>
+                                        <p:cTn id="8" dur="1" fill="hold">
+                                          <p:stCondLst>
+                                            <p:cond delay="0"/>
+                                          </p:stCondLst>
+                                        </p:cTn>
+                                        <p:tgtEl>
+                                          <p:spTgt spid="5"/>
+                                        </p:tgtEl>
+                                        <p:attrNameLst>
+                                          <p:attrName>style.visibility</p:attrName>
+                                        </p:attrNameLst>
+                                      </p:cBhvr>
+                                      <p:to>
+                                        <p:strVal val="visible"/>
+                                      </p:to>
+                                    </p:set>
+                                  </p:childTnLst>
+                                </p:cTn>
+                              </p:par>
+                              <p:par>
+                                <p:cTn id="9" presetID="1" presetClass="entr" presetSubtype="0" fill="hold" nodeType="withEffect">
+                                  <p:stCondLst>
+                                    <p:cond delay="0"/>
+                                  </p:stCondLst>
+                                  <p:childTnLst>
+                                    <p:set>
+                                      <p:cBhvr>
+                                        <p:cTn id="10" dur="1" fill="hold">
+                                          <p:stCondLst>
+                                            <p:cond delay="0"/>
+                                          </p:stCondLst>
+                                        </p:cTn>
+                                        <p:tgtEl>
+                                          <p:spTgt spid="38"/>
+                                        </p:tgtEl>
+                                        <p:attrNameLst>
+                                          <p:attrName>style.visibility</p:attrName>
+                                        </p:attrNameLst>
+                                      </p:cBhvr>
+                                      <p:to>
+                                        <p:strVal val="visible"/>
+                                      </p:to>
+                                    </p:set>
+                                  </p:childTnLst>
+                                </p:cTn>
+                              </p:par>
+                              <p:par>
+                                <p:cTn id="11" presetID="1" presetClass="entr" presetSubtype="0" fill="hold" nodeType="withEffect">
+                                  <p:stCondLst>
+                                    <p:cond delay="0"/>
+                                  </p:stCondLst>
+                                  <p:childTnLst>
+                                    <p:set>
+                                      <p:cBhvr>
+                                        <p:cTn id="12" dur="1" fill="hold">
+                                          <p:stCondLst>
+                                            <p:cond delay="0"/>
+                                          </p:stCondLst>
+                                        </p:cTn>
+                                        <p:tgtEl>
+                                          <p:spTgt spid="33"/>
+                                        </p:tgtEl>
+                                        <p:attrNameLst>
+                                          <p:attrName>style.visibility</p:attrName>
+                                        </p:attrNameLst>
+                                      </p:cBhvr>
+                                      <p:to>
+                                        <p:strVal val="visible"/>
+                                      </p:to>
+                                    </p:set>
+                                  </p:childTnLst>
+                                </p:cTn>
+                              </p:par>
+                            </p:childTnLst>
+                          </p:cTn>
+                        </p:par>
+                      </p:childTnLst>
+                    </p:cTn>
+                  </p:par>
+                  <p:par>
+                    <p:cTn id="13" fill="hold">
+                      <p:stCondLst>
+                        <p:cond delay="indefinite"/>
+                      </p:stCondLst>
+                      <p:childTnLst>
+                        <p:par>
+                          <p:cTn id="14" fill="hold">
+                            <p:stCondLst>
+                              <p:cond delay="0"/>
+                            </p:stCondLst>
+                            <p:childTnLst>
+                              <p:par>
+                                <p:cTn id="15" presetID="1" presetClass="entr" presetSubtype="0" fill="hold" grpId="0" nodeType="clickEffect">
+                                  <p:stCondLst>
+                                    <p:cond delay="0"/>
+                                  </p:stCondLst>
+                                  <p:childTnLst>
+                                    <p:set>
+                                      <p:cBhvr>
+                                        <p:cTn id="16" dur="1" fill="hold">
+                                          <p:stCondLst>
+                                            <p:cond delay="0"/>
+                                          </p:stCondLst>
+                                        </p:cTn>
+                                        <p:tgtEl>
+                                          <p:spTgt spid="64"/>
+                                        </p:tgtEl>
+                                        <p:attrNameLst>
+                                          <p:attrName>style.visibility</p:attrName>
+                                        </p:attrNameLst>
+                                      </p:cBhvr>
+                                      <p:to>
+                                        <p:strVal val="visible"/>
+                                      </p:to>
+                                    </p:set>
+                                  </p:childTnLst>
+                                </p:cTn>
+                              </p:par>
+                              <p:par>
+                                <p:cTn id="17" presetID="1" presetClass="entr" presetSubtype="0" fill="hold" nodeType="withEffect">
+                                  <p:stCondLst>
+                                    <p:cond delay="0"/>
+                                  </p:stCondLst>
+                                  <p:childTnLst>
+                                    <p:set>
+                                      <p:cBhvr>
+                                        <p:cTn id="18" dur="1" fill="hold">
+                                          <p:stCondLst>
+                                            <p:cond delay="0"/>
+                                          </p:stCondLst>
+                                        </p:cTn>
+                                        <p:tgtEl>
+                                          <p:spTgt spid="66"/>
+                                        </p:tgtEl>
+                                        <p:attrNameLst>
+                                          <p:attrName>style.visibility</p:attrName>
+                                        </p:attrNameLst>
+                                      </p:cBhvr>
+                                      <p:to>
+                                        <p:strVal val="visible"/>
+                                      </p:to>
+                                    </p:set>
+                                  </p:childTnLst>
+                                </p:cTn>
+                              </p:par>
+                              <p:par>
+                                <p:cTn id="19" presetID="1" presetClass="entr" presetSubtype="0" fill="hold" grpId="0" nodeType="withEffect">
+                                  <p:stCondLst>
+                                    <p:cond delay="0"/>
+                                  </p:stCondLst>
+                                  <p:childTnLst>
+                                    <p:set>
+                                      <p:cBhvr>
+                                        <p:cTn id="20" dur="1" fill="hold">
+                                          <p:stCondLst>
+                                            <p:cond delay="0"/>
+                                          </p:stCondLst>
+                                        </p:cTn>
+                                        <p:tgtEl>
+                                          <p:spTgt spid="85"/>
+                                        </p:tgtEl>
+                                        <p:attrNameLst>
+                                          <p:attrName>style.visibility</p:attrName>
+                                        </p:attrNameLst>
+                                      </p:cBhvr>
+                                      <p:to>
+                                        <p:strVal val="visible"/>
+                                      </p:to>
+                                    </p:set>
+                                  </p:childTnLst>
+                                </p:cTn>
+                              </p:par>
+                              <p:par>
+                                <p:cTn id="21" presetID="1" presetClass="entr" presetSubtype="0" fill="hold" nodeType="withEffect">
+                                  <p:stCondLst>
+                                    <p:cond delay="0"/>
+                                  </p:stCondLst>
+                                  <p:childTnLst>
+                                    <p:set>
+                                      <p:cBhvr>
+                                        <p:cTn id="22" dur="1" fill="hold">
+                                          <p:stCondLst>
+                                            <p:cond delay="0"/>
+                                          </p:stCondLst>
+                                        </p:cTn>
+                                        <p:tgtEl>
+                                          <p:spTgt spid="86"/>
+                                        </p:tgtEl>
+                                        <p:attrNameLst>
+                                          <p:attrName>style.visibility</p:attrName>
+                                        </p:attrNameLst>
+                                      </p:cBhvr>
+                                      <p:to>
+                                        <p:strVal val="visible"/>
+                                      </p:to>
+                                    </p:set>
+                                  </p:childTnLst>
+                                </p:cTn>
+                              </p:par>
+                            </p:childTnLst>
+                          </p:cTn>
+                        </p:par>
+                      </p:childTnLst>
+                    </p:cTn>
+                  </p:par>
+                </p:childTnLst>
+              </p:cTn>
+              <p:prevCondLst>
+                <p:cond evt="onPrev" delay="0">
+                  <p:tgtEl>
+                    <p:sldTgt/>
+                  </p:tgtEl>
+                </p:cond>
+              </p:prevCondLst>
+              <p:nextCondLst>
+                <p:cond evt="onNext" delay="0">
+                  <p:tgtEl>
+                    <p:sldTgt/>
+                  </p:tgtEl>
+                </p:cond>
+              </p:nextCondLst>
+            </p:seq>
+          </p:childTnLst>
+        </p:cTn>
+      </p:par>
+    </p:tnLst>
+    <p:bldLst>
+      <p:bldP spid="64" grpId="0"/>
+      <p:bldP spid="85" grpId="0"/>
+    </p:bldLst>
+  </p:timing>
+</p:sld>
+</file>
+
+<file path=ppt/slides/slide50.xml><?xml version="1.0" encoding="utf-8"?>
 <p:sld xmlns:a="http://schemas.openxmlformats.org/drawingml/2006/main" xmlns:r="http://schemas.openxmlformats.org/officeDocument/2006/relationships" xmlns:p="http://schemas.openxmlformats.org/presentationml/2006/main">
   <p:cSld>
     <p:spTree>
@@ -44184,7 +44940,7 @@
 </p:sld>
 </file>
 
-<file path=ppt/slides/slide5.xml><?xml version="1.0" encoding="utf-8"?>
+<file path=ppt/slides/slide6.xml><?xml version="1.0" encoding="utf-8"?>
 <p:sld xmlns:a="http://schemas.openxmlformats.org/drawingml/2006/main" xmlns:r="http://schemas.openxmlformats.org/officeDocument/2006/relationships" xmlns:p="http://schemas.openxmlformats.org/presentationml/2006/main">
   <p:cSld>
     <p:spTree>
@@ -44271,7 +45027,7 @@
 </p:sld>
 </file>
 
-<file path=ppt/slides/slide6.xml><?xml version="1.0" encoding="utf-8"?>
+<file path=ppt/slides/slide7.xml><?xml version="1.0" encoding="utf-8"?>
 <p:sld xmlns:a="http://schemas.openxmlformats.org/drawingml/2006/main" xmlns:r="http://schemas.openxmlformats.org/officeDocument/2006/relationships" xmlns:p="http://schemas.openxmlformats.org/presentationml/2006/main">
   <p:cSld>
     <p:spTree>
@@ -44381,7 +45137,7 @@
 </p:sld>
 </file>
 
-<file path=ppt/slides/slide7.xml><?xml version="1.0" encoding="utf-8"?>
+<file path=ppt/slides/slide8.xml><?xml version="1.0" encoding="utf-8"?>
 <p:sld xmlns:a="http://schemas.openxmlformats.org/drawingml/2006/main" xmlns:r="http://schemas.openxmlformats.org/officeDocument/2006/relationships" xmlns:p="http://schemas.openxmlformats.org/presentationml/2006/main">
   <p:cSld>
     <p:spTree>
@@ -44468,7 +45224,7 @@
 </p:sld>
 </file>
 
-<file path=ppt/slides/slide8.xml><?xml version="1.0" encoding="utf-8"?>
+<file path=ppt/slides/slide9.xml><?xml version="1.0" encoding="utf-8"?>
 <p:sld xmlns:a="http://schemas.openxmlformats.org/drawingml/2006/main" xmlns:r="http://schemas.openxmlformats.org/officeDocument/2006/relationships" xmlns:p="http://schemas.openxmlformats.org/presentationml/2006/main">
   <p:cSld>
     <p:spTree>
@@ -44601,114 +45357,6 @@
     <p:extLst>
       <p:ext uri="{BB962C8B-B14F-4D97-AF65-F5344CB8AC3E}">
         <p14:creationId xmlns:p14="http://schemas.microsoft.com/office/powerpoint/2010/main" val="2574575205"/>
-      </p:ext>
-    </p:extLst>
-  </p:cSld>
-  <p:clrMapOvr>
-    <a:masterClrMapping/>
-  </p:clrMapOvr>
-</p:sld>
-</file>
-
-<file path=ppt/slides/slide9.xml><?xml version="1.0" encoding="utf-8"?>
-<p:sld xmlns:a="http://schemas.openxmlformats.org/drawingml/2006/main" xmlns:r="http://schemas.openxmlformats.org/officeDocument/2006/relationships" xmlns:p="http://schemas.openxmlformats.org/presentationml/2006/main">
-  <p:cSld>
-    <p:spTree>
-      <p:nvGrpSpPr>
-        <p:cNvPr id="1" name=""/>
-        <p:cNvGrpSpPr/>
-        <p:nvPr/>
-      </p:nvGrpSpPr>
-      <p:grpSpPr>
-        <a:xfrm>
-          <a:off x="0" y="0"/>
-          <a:ext cx="0" cy="0"/>
-          <a:chOff x="0" y="0"/>
-          <a:chExt cx="0" cy="0"/>
-        </a:xfrm>
-      </p:grpSpPr>
-      <p:sp>
-        <p:nvSpPr>
-          <p:cNvPr id="3" name="Content Placeholder 2">
-            <a:extLst>
-              <a:ext uri="{FF2B5EF4-FFF2-40B4-BE49-F238E27FC236}">
-                <a16:creationId xmlns:a16="http://schemas.microsoft.com/office/drawing/2014/main" id="{1E231800-B32D-44E8-95F7-DF3591E42B06}"/>
-              </a:ext>
-            </a:extLst>
-          </p:cNvPr>
-          <p:cNvSpPr>
-            <a:spLocks noGrp="1"/>
-          </p:cNvSpPr>
-          <p:nvPr>
-            <p:ph idx="1"/>
-          </p:nvPr>
-        </p:nvSpPr>
-        <p:spPr>
-          <a:xfrm>
-            <a:off x="838200" y="605118"/>
-            <a:ext cx="10515600" cy="5571845"/>
-          </a:xfrm>
-        </p:spPr>
-        <p:txBody>
-          <a:bodyPr anchor="ctr">
-            <a:normAutofit/>
-          </a:bodyPr>
-          <a:lstStyle/>
-          <a:p>
-            <a:pPr marL="0" indent="0" algn="ctr">
-              <a:buNone/>
-            </a:pPr>
-            <a:r>
-              <a:rPr lang="de-AT" sz="4800" dirty="0" err="1"/>
-              <a:t>OAuth</a:t>
-            </a:r>
-            <a:r>
-              <a:rPr lang="de-AT" sz="4800" dirty="0"/>
-              <a:t> </a:t>
-            </a:r>
-            <a:r>
-              <a:rPr lang="de-AT" sz="4800" dirty="0" err="1"/>
-              <a:t>is</a:t>
-            </a:r>
-            <a:r>
-              <a:rPr lang="de-AT" sz="4800" dirty="0"/>
-              <a:t> </a:t>
-            </a:r>
-            <a:r>
-              <a:rPr lang="de-AT" sz="4800" dirty="0" err="1"/>
-              <a:t>more</a:t>
-            </a:r>
-            <a:r>
-              <a:rPr lang="de-AT" sz="4800" dirty="0"/>
-              <a:t> </a:t>
-            </a:r>
-            <a:r>
-              <a:rPr lang="de-AT" sz="4800" dirty="0" err="1"/>
-              <a:t>framework</a:t>
-            </a:r>
-            <a:br>
-              <a:rPr lang="de-AT" sz="4800" dirty="0"/>
-            </a:br>
-            <a:r>
-              <a:rPr lang="de-AT" sz="4800" dirty="0" err="1"/>
-              <a:t>than</a:t>
-            </a:r>
-            <a:r>
-              <a:rPr lang="de-AT" sz="4800" dirty="0"/>
-              <a:t> </a:t>
-            </a:r>
-            <a:r>
-              <a:rPr lang="de-AT" sz="4800" dirty="0" err="1"/>
-              <a:t>protocol</a:t>
-            </a:r>
-            <a:endParaRPr lang="en-US" sz="4800" dirty="0"/>
-          </a:p>
-        </p:txBody>
-      </p:sp>
-    </p:spTree>
-    <p:extLst>
-      <p:ext uri="{BB962C8B-B14F-4D97-AF65-F5344CB8AC3E}">
-        <p14:creationId xmlns:p14="http://schemas.microsoft.com/office/powerpoint/2010/main" val="124418694"/>
       </p:ext>
     </p:extLst>
   </p:cSld>

--- a/OpenID Connect & OAuth.pptx
+++ b/OpenID Connect & OAuth.pptx
@@ -9,48 +9,48 @@
   </p:notesMasterIdLst>
   <p:sldIdLst>
     <p:sldId id="256" r:id="rId2"/>
-    <p:sldId id="324" r:id="rId3"/>
-    <p:sldId id="310" r:id="rId4"/>
-    <p:sldId id="286" r:id="rId5"/>
-    <p:sldId id="284" r:id="rId6"/>
-    <p:sldId id="290" r:id="rId7"/>
-    <p:sldId id="289" r:id="rId8"/>
-    <p:sldId id="295" r:id="rId9"/>
-    <p:sldId id="291" r:id="rId10"/>
-    <p:sldId id="292" r:id="rId11"/>
-    <p:sldId id="314" r:id="rId12"/>
-    <p:sldId id="294" r:id="rId13"/>
-    <p:sldId id="263" r:id="rId14"/>
-    <p:sldId id="264" r:id="rId15"/>
-    <p:sldId id="266" r:id="rId16"/>
-    <p:sldId id="265" r:id="rId17"/>
-    <p:sldId id="316" r:id="rId18"/>
-    <p:sldId id="269" r:id="rId19"/>
-    <p:sldId id="270" r:id="rId20"/>
-    <p:sldId id="267" r:id="rId21"/>
-    <p:sldId id="271" r:id="rId22"/>
-    <p:sldId id="268" r:id="rId23"/>
-    <p:sldId id="296" r:id="rId24"/>
-    <p:sldId id="298" r:id="rId25"/>
-    <p:sldId id="272" r:id="rId26"/>
-    <p:sldId id="323" r:id="rId27"/>
-    <p:sldId id="301" r:id="rId28"/>
-    <p:sldId id="315" r:id="rId29"/>
-    <p:sldId id="317" r:id="rId30"/>
-    <p:sldId id="259" r:id="rId31"/>
-    <p:sldId id="261" r:id="rId32"/>
-    <p:sldId id="307" r:id="rId33"/>
-    <p:sldId id="278" r:id="rId34"/>
-    <p:sldId id="305" r:id="rId35"/>
-    <p:sldId id="279" r:id="rId36"/>
-    <p:sldId id="303" r:id="rId37"/>
-    <p:sldId id="285" r:id="rId38"/>
-    <p:sldId id="304" r:id="rId39"/>
-    <p:sldId id="300" r:id="rId40"/>
-    <p:sldId id="306" r:id="rId41"/>
-    <p:sldId id="318" r:id="rId42"/>
-    <p:sldId id="319" r:id="rId43"/>
-    <p:sldId id="282" r:id="rId44"/>
+    <p:sldId id="286" r:id="rId3"/>
+    <p:sldId id="325" r:id="rId4"/>
+    <p:sldId id="284" r:id="rId5"/>
+    <p:sldId id="290" r:id="rId6"/>
+    <p:sldId id="289" r:id="rId7"/>
+    <p:sldId id="295" r:id="rId8"/>
+    <p:sldId id="291" r:id="rId9"/>
+    <p:sldId id="292" r:id="rId10"/>
+    <p:sldId id="314" r:id="rId11"/>
+    <p:sldId id="294" r:id="rId12"/>
+    <p:sldId id="263" r:id="rId13"/>
+    <p:sldId id="264" r:id="rId14"/>
+    <p:sldId id="266" r:id="rId15"/>
+    <p:sldId id="265" r:id="rId16"/>
+    <p:sldId id="316" r:id="rId17"/>
+    <p:sldId id="269" r:id="rId18"/>
+    <p:sldId id="270" r:id="rId19"/>
+    <p:sldId id="267" r:id="rId20"/>
+    <p:sldId id="271" r:id="rId21"/>
+    <p:sldId id="268" r:id="rId22"/>
+    <p:sldId id="296" r:id="rId23"/>
+    <p:sldId id="298" r:id="rId24"/>
+    <p:sldId id="272" r:id="rId25"/>
+    <p:sldId id="323" r:id="rId26"/>
+    <p:sldId id="301" r:id="rId27"/>
+    <p:sldId id="315" r:id="rId28"/>
+    <p:sldId id="317" r:id="rId29"/>
+    <p:sldId id="259" r:id="rId30"/>
+    <p:sldId id="261" r:id="rId31"/>
+    <p:sldId id="307" r:id="rId32"/>
+    <p:sldId id="278" r:id="rId33"/>
+    <p:sldId id="305" r:id="rId34"/>
+    <p:sldId id="279" r:id="rId35"/>
+    <p:sldId id="303" r:id="rId36"/>
+    <p:sldId id="285" r:id="rId37"/>
+    <p:sldId id="304" r:id="rId38"/>
+    <p:sldId id="300" r:id="rId39"/>
+    <p:sldId id="306" r:id="rId40"/>
+    <p:sldId id="318" r:id="rId41"/>
+    <p:sldId id="319" r:id="rId42"/>
+    <p:sldId id="282" r:id="rId43"/>
+    <p:sldId id="324" r:id="rId44"/>
     <p:sldId id="320" r:id="rId45"/>
     <p:sldId id="297" r:id="rId46"/>
     <p:sldId id="312" r:id="rId47"/>
@@ -10380,34 +10380,6 @@
           <inkml:channelProperty channel="Y" name="resolution" value="1000" units="1/cm"/>
         </inkml:channelProperties>
       </inkml:inkSource>
-      <inkml:timestamp xml:id="ts0" timeString="2018-11-25T18:03:54.255"/>
-    </inkml:context>
-    <inkml:brush xml:id="br0">
-      <inkml:brushProperty name="width" value="0.05" units="cm"/>
-      <inkml:brushProperty name="height" value="0.05" units="cm"/>
-      <inkml:brushProperty name="color" value="#FF0000"/>
-      <inkml:brushProperty name="ignorePressure" value="1"/>
-    </inkml:brush>
-  </inkml:definitions>
-  <inkml:trace contextRef="#ctx0" brushRef="#br0">1 1130,'10'3,"-10"-2,1-1,0 0,-1 1,1-1,-1 0,1 0,0 1,-1-1,1 0,0 0,-1 0,1 0,0 0,-1 0,1 0,0 0,-1 0,1 0,-1 0,1-1,0 1,-1 0,1 0,0-1,-1 1,1 0,-1-1,1 1,-1-1,8-4,-1-1,1 1,-2-2,1 1,-1-1,0 0,0-1,14-15,72-79,5 4,4 4,71-47,-116 99,2 3,1 3,2 2,2 3,1 2,1 4,1 2,16-1,193-30,-187 39,-6 3,1 3,38 3,167 8,-96 0,-138-1,-8 0,1-2,-1-2,22-5,-31 3,37 0,18-3,-12 1,1 4,55 4,-22 1,-99-2</inkml:trace>
-  <inkml:trace contextRef="#ctx0" brushRef="#br0" timeOffset="2377.73">2947 1,'67'0,"56"0,74 10,-158-5,0 1,-1 2,1 1,-2 2,0 2,0 1,3 4,-21-7,0 0,-1 2,9 7,-11-7,0-1,1-1,1-1,3 2,-14-9,-4-2,0 0,0 0,0 0,0 1,0 0,0 0,-1-1,1 1,-1 1,1-1,-1 0,0 1,0-1,1 2,-3-4,0 1,1-1,-1 1,0 0,0-1,0 1,0-1,0 1,0-1,0 1,-1-1,1 1,0-1,0 1,0-1,0 1,-1-1,1 1,0-1,0 1,-1-1,1 1,0-1,-1 0,1 1,-1-1,1 1,0-1,-1 0,1 1,-1-1,1 0,-1 0,1 0,-1 1,1-1,-1 0,-25 8,20-6,-24 6,-63 18,-32 16,52-18,46-16,1 1,-1 2,-9 5,27-10,1-1,0 1,1 1,0 0,0 0,0 0,1 1,0 0,0 0,1 0,-25 31,19-27</inkml:trace>
-</inkml:ink>
-</file>
-
-<file path=ppt/ink/ink2.xml><?xml version="1.0" encoding="utf-8"?>
-<inkml:ink xmlns:inkml="http://www.w3.org/2003/InkML">
-  <inkml:definitions>
-    <inkml:context xml:id="ctx0">
-      <inkml:inkSource xml:id="inkSrc0">
-        <inkml:traceFormat>
-          <inkml:channel name="X" type="integer" min="-2.14748E9" max="2.14748E9" units="cm"/>
-          <inkml:channel name="Y" type="integer" min="-2.14748E9" max="2.14748E9" units="cm"/>
-        </inkml:traceFormat>
-        <inkml:channelProperties>
-          <inkml:channelProperty channel="X" name="resolution" value="1000" units="1/cm"/>
-          <inkml:channelProperty channel="Y" name="resolution" value="1000" units="1/cm"/>
-        </inkml:channelProperties>
-      </inkml:inkSource>
       <inkml:timestamp xml:id="ts0" timeString="2018-11-13T16:33:35.544"/>
     </inkml:context>
     <inkml:brush xml:id="br0">
@@ -10422,7 +10394,7 @@
 </inkml:ink>
 </file>
 
-<file path=ppt/ink/ink3.xml><?xml version="1.0" encoding="utf-8"?>
+<file path=ppt/ink/ink2.xml><?xml version="1.0" encoding="utf-8"?>
 <inkml:ink xmlns:inkml="http://www.w3.org/2003/InkML">
   <inkml:definitions>
     <inkml:context xml:id="ctx0">
@@ -10450,7 +10422,7 @@
 </inkml:ink>
 </file>
 
-<file path=ppt/ink/ink4.xml><?xml version="1.0" encoding="utf-8"?>
+<file path=ppt/ink/ink3.xml><?xml version="1.0" encoding="utf-8"?>
 <inkml:ink xmlns:inkml="http://www.w3.org/2003/InkML">
   <inkml:definitions>
     <inkml:context xml:id="ctx0">
@@ -10478,7 +10450,7 @@
 </inkml:ink>
 </file>
 
-<file path=ppt/ink/ink5.xml><?xml version="1.0" encoding="utf-8"?>
+<file path=ppt/ink/ink4.xml><?xml version="1.0" encoding="utf-8"?>
 <inkml:ink xmlns:inkml="http://www.w3.org/2003/InkML">
   <inkml:definitions>
     <inkml:context xml:id="ctx0">
@@ -10506,7 +10478,7 @@
 </inkml:ink>
 </file>
 
-<file path=ppt/ink/ink6.xml><?xml version="1.0" encoding="utf-8"?>
+<file path=ppt/ink/ink5.xml><?xml version="1.0" encoding="utf-8"?>
 <inkml:ink xmlns:inkml="http://www.w3.org/2003/InkML">
   <inkml:definitions>
     <inkml:context xml:id="ctx0">
@@ -10534,7 +10506,7 @@
 </inkml:ink>
 </file>
 
-<file path=ppt/ink/ink7.xml><?xml version="1.0" encoding="utf-8"?>
+<file path=ppt/ink/ink6.xml><?xml version="1.0" encoding="utf-8"?>
 <inkml:ink xmlns:inkml="http://www.w3.org/2003/InkML">
   <inkml:definitions>
     <inkml:context xml:id="ctx0">
@@ -10562,7 +10534,7 @@
 </inkml:ink>
 </file>
 
-<file path=ppt/ink/ink8.xml><?xml version="1.0" encoding="utf-8"?>
+<file path=ppt/ink/ink7.xml><?xml version="1.0" encoding="utf-8"?>
 <inkml:ink xmlns:inkml="http://www.w3.org/2003/InkML">
   <inkml:definitions>
     <inkml:context xml:id="ctx0">
@@ -10590,7 +10562,7 @@
 </inkml:ink>
 </file>
 
-<file path=ppt/ink/ink9.xml><?xml version="1.0" encoding="utf-8"?>
+<file path=ppt/ink/ink8.xml><?xml version="1.0" encoding="utf-8"?>
 <inkml:ink xmlns:inkml="http://www.w3.org/2003/InkML">
   <inkml:definitions>
     <inkml:context xml:id="ctx0">
@@ -10700,7 +10672,7 @@
           <a:p>
             <a:fld id="{FF084CBC-36E0-4CC0-918D-767D7E309F2F}" type="datetimeFigureOut">
               <a:rPr lang="en-US" smtClean="0"/>
-              <a:t>12/10/2019</a:t>
+              <a:t>11/21/2021</a:t>
             </a:fld>
             <a:endParaRPr lang="en-US"/>
           </a:p>
@@ -11011,7 +10983,10 @@
           <a:bodyPr/>
           <a:lstStyle/>
           <a:p>
-            <a:endParaRPr lang="en-US" dirty="0"/>
+            <a:r>
+              <a:rPr lang="en-US" dirty="0"/>
+              <a:t>Icon by: http://www.flaticon.com/free-icon/sushi_187463#term=sushi&amp;page=1&amp;position=68</a:t>
+            </a:r>
           </a:p>
         </p:txBody>
       </p:sp>
@@ -11032,7 +11007,7 @@
           <a:p>
             <a:fld id="{CFBC01FF-781E-4D25-A720-185C2D90034C}" type="slidenum">
               <a:rPr lang="en-US" smtClean="0"/>
-              <a:t>6</a:t>
+              <a:t>5</a:t>
             </a:fld>
             <a:endParaRPr lang="en-US"/>
           </a:p>
@@ -11116,7 +11091,7 @@
           <a:p>
             <a:fld id="{CFBC01FF-781E-4D25-A720-185C2D90034C}" type="slidenum">
               <a:rPr lang="en-US" smtClean="0"/>
-              <a:t>8</a:t>
+              <a:t>7</a:t>
             </a:fld>
             <a:endParaRPr lang="en-US"/>
           </a:p>
@@ -11136,6 +11111,90 @@
 </file>
 
 <file path=ppt/notesSlides/notesSlide3.xml><?xml version="1.0" encoding="utf-8"?>
+<p:notes xmlns:a="http://schemas.openxmlformats.org/drawingml/2006/main" xmlns:r="http://schemas.openxmlformats.org/officeDocument/2006/relationships" xmlns:p="http://schemas.openxmlformats.org/presentationml/2006/main">
+  <p:cSld>
+    <p:spTree>
+      <p:nvGrpSpPr>
+        <p:cNvPr id="1" name=""/>
+        <p:cNvGrpSpPr/>
+        <p:nvPr/>
+      </p:nvGrpSpPr>
+      <p:grpSpPr>
+        <a:xfrm>
+          <a:off x="0" y="0"/>
+          <a:ext cx="0" cy="0"/>
+          <a:chOff x="0" y="0"/>
+          <a:chExt cx="0" cy="0"/>
+        </a:xfrm>
+      </p:grpSpPr>
+      <p:sp>
+        <p:nvSpPr>
+          <p:cNvPr id="2" name="Slide Image Placeholder 1"/>
+          <p:cNvSpPr>
+            <a:spLocks noGrp="1" noRot="1" noChangeAspect="1"/>
+          </p:cNvSpPr>
+          <p:nvPr>
+            <p:ph type="sldImg"/>
+          </p:nvPr>
+        </p:nvSpPr>
+        <p:spPr/>
+      </p:sp>
+      <p:sp>
+        <p:nvSpPr>
+          <p:cNvPr id="3" name="Notes Placeholder 2"/>
+          <p:cNvSpPr>
+            <a:spLocks noGrp="1"/>
+          </p:cNvSpPr>
+          <p:nvPr>
+            <p:ph type="body" idx="1"/>
+          </p:nvPr>
+        </p:nvSpPr>
+        <p:spPr/>
+        <p:txBody>
+          <a:bodyPr/>
+          <a:lstStyle/>
+          <a:p>
+            <a:endParaRPr lang="de-AT" dirty="0"/>
+          </a:p>
+        </p:txBody>
+      </p:sp>
+      <p:sp>
+        <p:nvSpPr>
+          <p:cNvPr id="4" name="Slide Number Placeholder 3"/>
+          <p:cNvSpPr>
+            <a:spLocks noGrp="1"/>
+          </p:cNvSpPr>
+          <p:nvPr>
+            <p:ph type="sldNum" sz="quarter" idx="5"/>
+          </p:nvPr>
+        </p:nvSpPr>
+        <p:spPr/>
+        <p:txBody>
+          <a:bodyPr/>
+          <a:lstStyle/>
+          <a:p>
+            <a:fld id="{CFBC01FF-781E-4D25-A720-185C2D90034C}" type="slidenum">
+              <a:rPr lang="en-US" smtClean="0"/>
+              <a:t>19</a:t>
+            </a:fld>
+            <a:endParaRPr lang="en-US"/>
+          </a:p>
+        </p:txBody>
+      </p:sp>
+    </p:spTree>
+    <p:extLst>
+      <p:ext uri="{BB962C8B-B14F-4D97-AF65-F5344CB8AC3E}">
+        <p14:creationId xmlns:p14="http://schemas.microsoft.com/office/powerpoint/2010/main" val="3722311445"/>
+      </p:ext>
+    </p:extLst>
+  </p:cSld>
+  <p:clrMapOvr>
+    <a:masterClrMapping/>
+  </p:clrMapOvr>
+</p:notes>
+</file>
+
+<file path=ppt/notesSlides/notesSlide4.xml><?xml version="1.0" encoding="utf-8"?>
 <p:notes xmlns:a="http://schemas.openxmlformats.org/drawingml/2006/main" xmlns:r="http://schemas.openxmlformats.org/officeDocument/2006/relationships" xmlns:p="http://schemas.openxmlformats.org/presentationml/2006/main">
   <p:cSld>
     <p:spTree>
@@ -11200,7 +11259,7 @@
           <a:p>
             <a:fld id="{CFBC01FF-781E-4D25-A720-185C2D90034C}" type="slidenum">
               <a:rPr lang="en-US" smtClean="0"/>
-              <a:t>29</a:t>
+              <a:t>28</a:t>
             </a:fld>
             <a:endParaRPr lang="en-US"/>
           </a:p>
@@ -11219,7 +11278,7 @@
 </p:notes>
 </file>
 
-<file path=ppt/notesSlides/notesSlide4.xml><?xml version="1.0" encoding="utf-8"?>
+<file path=ppt/notesSlides/notesSlide5.xml><?xml version="1.0" encoding="utf-8"?>
 <p:notes xmlns:a="http://schemas.openxmlformats.org/drawingml/2006/main" xmlns:r="http://schemas.openxmlformats.org/officeDocument/2006/relationships" xmlns:p="http://schemas.openxmlformats.org/presentationml/2006/main">
   <p:cSld>
     <p:spTree>
@@ -11450,7 +11509,7 @@
           <a:p>
             <a:fld id="{8272ECE3-2878-47BE-B879-BFDD2207B1DF}" type="datetimeFigureOut">
               <a:rPr lang="en-US" smtClean="0"/>
-              <a:t>12/10/2019</a:t>
+              <a:t>11/21/2021</a:t>
             </a:fld>
             <a:endParaRPr lang="en-US"/>
           </a:p>
@@ -11648,7 +11707,7 @@
           <a:p>
             <a:fld id="{8272ECE3-2878-47BE-B879-BFDD2207B1DF}" type="datetimeFigureOut">
               <a:rPr lang="en-US" smtClean="0"/>
-              <a:t>12/10/2019</a:t>
+              <a:t>11/21/2021</a:t>
             </a:fld>
             <a:endParaRPr lang="en-US"/>
           </a:p>
@@ -11856,7 +11915,7 @@
           <a:p>
             <a:fld id="{8272ECE3-2878-47BE-B879-BFDD2207B1DF}" type="datetimeFigureOut">
               <a:rPr lang="en-US" smtClean="0"/>
-              <a:t>12/10/2019</a:t>
+              <a:t>11/21/2021</a:t>
             </a:fld>
             <a:endParaRPr lang="en-US"/>
           </a:p>
@@ -12054,7 +12113,7 @@
           <a:p>
             <a:fld id="{8272ECE3-2878-47BE-B879-BFDD2207B1DF}" type="datetimeFigureOut">
               <a:rPr lang="en-US" smtClean="0"/>
-              <a:t>12/10/2019</a:t>
+              <a:t>11/21/2021</a:t>
             </a:fld>
             <a:endParaRPr lang="en-US"/>
           </a:p>
@@ -12329,7 +12388,7 @@
           <a:p>
             <a:fld id="{8272ECE3-2878-47BE-B879-BFDD2207B1DF}" type="datetimeFigureOut">
               <a:rPr lang="en-US" smtClean="0"/>
-              <a:t>12/10/2019</a:t>
+              <a:t>11/21/2021</a:t>
             </a:fld>
             <a:endParaRPr lang="en-US"/>
           </a:p>
@@ -12594,7 +12653,7 @@
           <a:p>
             <a:fld id="{8272ECE3-2878-47BE-B879-BFDD2207B1DF}" type="datetimeFigureOut">
               <a:rPr lang="en-US" smtClean="0"/>
-              <a:t>12/10/2019</a:t>
+              <a:t>11/21/2021</a:t>
             </a:fld>
             <a:endParaRPr lang="en-US"/>
           </a:p>
@@ -13006,7 +13065,7 @@
           <a:p>
             <a:fld id="{8272ECE3-2878-47BE-B879-BFDD2207B1DF}" type="datetimeFigureOut">
               <a:rPr lang="en-US" smtClean="0"/>
-              <a:t>12/10/2019</a:t>
+              <a:t>11/21/2021</a:t>
             </a:fld>
             <a:endParaRPr lang="en-US"/>
           </a:p>
@@ -13147,7 +13206,7 @@
           <a:p>
             <a:fld id="{8272ECE3-2878-47BE-B879-BFDD2207B1DF}" type="datetimeFigureOut">
               <a:rPr lang="en-US" smtClean="0"/>
-              <a:t>12/10/2019</a:t>
+              <a:t>11/21/2021</a:t>
             </a:fld>
             <a:endParaRPr lang="en-US"/>
           </a:p>
@@ -13260,7 +13319,7 @@
           <a:p>
             <a:fld id="{8272ECE3-2878-47BE-B879-BFDD2207B1DF}" type="datetimeFigureOut">
               <a:rPr lang="en-US" smtClean="0"/>
-              <a:t>12/10/2019</a:t>
+              <a:t>11/21/2021</a:t>
             </a:fld>
             <a:endParaRPr lang="en-US"/>
           </a:p>
@@ -13571,7 +13630,7 @@
           <a:p>
             <a:fld id="{8272ECE3-2878-47BE-B879-BFDD2207B1DF}" type="datetimeFigureOut">
               <a:rPr lang="en-US" smtClean="0"/>
-              <a:t>12/10/2019</a:t>
+              <a:t>11/21/2021</a:t>
             </a:fld>
             <a:endParaRPr lang="en-US"/>
           </a:p>
@@ -13859,7 +13918,7 @@
           <a:p>
             <a:fld id="{8272ECE3-2878-47BE-B879-BFDD2207B1DF}" type="datetimeFigureOut">
               <a:rPr lang="en-US" smtClean="0"/>
-              <a:t>12/10/2019</a:t>
+              <a:t>11/21/2021</a:t>
             </a:fld>
             <a:endParaRPr lang="en-US"/>
           </a:p>
@@ -14100,7 +14159,7 @@
           <a:p>
             <a:fld id="{8272ECE3-2878-47BE-B879-BFDD2207B1DF}" type="datetimeFigureOut">
               <a:rPr lang="en-US" smtClean="0"/>
-              <a:t>12/10/2019</a:t>
+              <a:t>11/21/2021</a:t>
             </a:fld>
             <a:endParaRPr lang="en-US"/>
           </a:p>
@@ -14540,47 +14599,398 @@
           <a:p>
             <a:r>
               <a:rPr lang="en-US" b="1" dirty="0" err="1"/>
-              <a:t>OpenID</a:t>
+              <a:t>Authentifizierung</a:t>
             </a:r>
             <a:r>
               <a:rPr lang="en-US" b="1" dirty="0"/>
-              <a:t> Connect/OAuth 2.0</a:t>
+              <a:t> </a:t>
+            </a:r>
+            <a:r>
+              <a:rPr lang="en-US" b="1" dirty="0" err="1"/>
+              <a:t>mit</a:t>
+            </a:r>
+            <a:br>
+              <a:rPr lang="en-US" b="1" dirty="0"/>
+            </a:br>
+            <a:r>
+              <a:rPr lang="en-US" b="1" dirty="0"/>
+              <a:t>OpenID Connect &amp; OAuth 2.0</a:t>
             </a:r>
             <a:endParaRPr lang="en-US" dirty="0"/>
           </a:p>
         </p:txBody>
       </p:sp>
-      <p:sp>
-        <p:nvSpPr>
-          <p:cNvPr id="3" name="Subtitle 2">
+      <p:pic>
+        <p:nvPicPr>
+          <p:cNvPr id="4" name="Picture 3">
             <a:extLst>
               <a:ext uri="{FF2B5EF4-FFF2-40B4-BE49-F238E27FC236}">
-                <a16:creationId xmlns:a16="http://schemas.microsoft.com/office/drawing/2014/main" id="{964455FE-5BF8-4D31-8C77-1576F4363ACF}"/>
+                <a16:creationId xmlns:a16="http://schemas.microsoft.com/office/drawing/2014/main" id="{28B93382-C235-4576-A7EB-F39E3F2CC75B}"/>
               </a:ext>
             </a:extLst>
           </p:cNvPr>
-          <p:cNvSpPr>
-            <a:spLocks noGrp="1"/>
-          </p:cNvSpPr>
-          <p:nvPr>
-            <p:ph type="subTitle" idx="1"/>
-          </p:nvPr>
+          <p:cNvPicPr>
+            <a:picLocks noChangeAspect="1"/>
+          </p:cNvPicPr>
+          <p:nvPr/>
+        </p:nvPicPr>
+        <p:blipFill>
+          <a:blip r:embed="rId2">
+            <a:extLst>
+              <a:ext uri="{28A0092B-C50C-407E-A947-70E740481C1C}">
+                <a14:useLocalDpi xmlns:a14="http://schemas.microsoft.com/office/drawing/2010/main" val="0"/>
+              </a:ext>
+            </a:extLst>
+          </a:blip>
+          <a:stretch>
+            <a:fillRect/>
+          </a:stretch>
+        </p:blipFill>
+        <p:spPr>
+          <a:xfrm>
+            <a:off x="1252725" y="3720510"/>
+            <a:ext cx="1800000" cy="1800000"/>
+          </a:xfrm>
+          <a:prstGeom prst="ellipse">
+            <a:avLst/>
+          </a:prstGeom>
+          <a:ln w="63500" cap="rnd">
+            <a:solidFill>
+              <a:srgbClr val="333333"/>
+            </a:solidFill>
+          </a:ln>
+          <a:effectLst/>
+          <a:scene3d>
+            <a:camera prst="orthographicFront"/>
+            <a:lightRig rig="contrasting" dir="t">
+              <a:rot lat="0" lon="0" rev="3000000"/>
+            </a:lightRig>
+          </a:scene3d>
+          <a:sp3d contourW="7620">
+            <a:bevelT w="95250" h="31750"/>
+            <a:contourClr>
+              <a:srgbClr val="333333"/>
+            </a:contourClr>
+          </a:sp3d>
+        </p:spPr>
+      </p:pic>
+      <p:sp>
+        <p:nvSpPr>
+          <p:cNvPr id="5" name="TextBox 4">
+            <a:extLst>
+              <a:ext uri="{FF2B5EF4-FFF2-40B4-BE49-F238E27FC236}">
+                <a16:creationId xmlns:a16="http://schemas.microsoft.com/office/drawing/2014/main" id="{5CE982CD-B8E7-475F-B8A5-AD9DA7225601}"/>
+              </a:ext>
+            </a:extLst>
+          </p:cNvPr>
+          <p:cNvSpPr txBox="1"/>
+          <p:nvPr/>
         </p:nvSpPr>
-        <p:spPr/>
+        <p:spPr>
+          <a:xfrm>
+            <a:off x="831594" y="5731057"/>
+            <a:ext cx="2642262" cy="584775"/>
+          </a:xfrm>
+          <a:prstGeom prst="rect">
+            <a:avLst/>
+          </a:prstGeom>
+          <a:noFill/>
+        </p:spPr>
         <p:txBody>
-          <a:bodyPr/>
+          <a:bodyPr wrap="none" rtlCol="0">
+            <a:spAutoFit/>
+          </a:bodyPr>
           <a:lstStyle/>
           <a:p>
-            <a:r>
-              <a:rPr lang="en-US" b="1" dirty="0"/>
-              <a:t>From Bad to Good</a:t>
-            </a:r>
-          </a:p>
-          <a:p>
-            <a:endParaRPr lang="en-US" dirty="0"/>
+            <a:pPr algn="ctr"/>
+            <a:r>
+              <a:rPr lang="de-AT" sz="3200" dirty="0"/>
+              <a:t>Daniel Wagner</a:t>
+            </a:r>
+            <a:endParaRPr lang="en-US" sz="3200" dirty="0"/>
           </a:p>
         </p:txBody>
       </p:sp>
+      <p:grpSp>
+        <p:nvGrpSpPr>
+          <p:cNvPr id="12" name="Group 11">
+            <a:extLst>
+              <a:ext uri="{FF2B5EF4-FFF2-40B4-BE49-F238E27FC236}">
+                <a16:creationId xmlns:a16="http://schemas.microsoft.com/office/drawing/2014/main" id="{09D4B51B-F847-4586-98D2-047E5CB7D6C8}"/>
+              </a:ext>
+            </a:extLst>
+          </p:cNvPr>
+          <p:cNvGrpSpPr/>
+          <p:nvPr/>
+        </p:nvGrpSpPr>
+        <p:grpSpPr>
+          <a:xfrm>
+            <a:off x="4654324" y="3824689"/>
+            <a:ext cx="2883352" cy="1591642"/>
+            <a:chOff x="8165414" y="3824689"/>
+            <a:chExt cx="2883352" cy="1591642"/>
+          </a:xfrm>
+        </p:grpSpPr>
+        <p:sp>
+          <p:nvSpPr>
+            <p:cNvPr id="6" name="TextBox 5">
+              <a:extLst>
+                <a:ext uri="{FF2B5EF4-FFF2-40B4-BE49-F238E27FC236}">
+                  <a16:creationId xmlns:a16="http://schemas.microsoft.com/office/drawing/2014/main" id="{3A0A05A0-1AA4-42D4-AE0C-5FC426076D0D}"/>
+                </a:ext>
+              </a:extLst>
+            </p:cNvPr>
+            <p:cNvSpPr txBox="1"/>
+            <p:nvPr/>
+          </p:nvSpPr>
+          <p:spPr>
+            <a:xfrm>
+              <a:off x="8704085" y="4358900"/>
+              <a:ext cx="2344681" cy="523220"/>
+            </a:xfrm>
+            <a:prstGeom prst="rect">
+              <a:avLst/>
+            </a:prstGeom>
+            <a:noFill/>
+          </p:spPr>
+          <p:txBody>
+            <a:bodyPr wrap="none" rtlCol="0">
+              <a:spAutoFit/>
+            </a:bodyPr>
+            <a:lstStyle/>
+            <a:p>
+              <a:r>
+                <a:rPr lang="de-AT" sz="2800" dirty="0">
+                  <a:hlinkClick r:id="rId3"/>
+                </a:rPr>
+                <a:t>daniel_wagn3r</a:t>
+              </a:r>
+              <a:endParaRPr lang="en-US" sz="2800" dirty="0"/>
+            </a:p>
+          </p:txBody>
+        </p:sp>
+        <p:pic>
+          <p:nvPicPr>
+            <p:cNvPr id="7" name="Picture 6" descr="Shape&#10;&#10;Description automatically generated with low confidence">
+              <a:extLst>
+                <a:ext uri="{FF2B5EF4-FFF2-40B4-BE49-F238E27FC236}">
+                  <a16:creationId xmlns:a16="http://schemas.microsoft.com/office/drawing/2014/main" id="{CDBFD2C3-D5C5-459D-B6A1-C90D5293AFB4}"/>
+                </a:ext>
+              </a:extLst>
+            </p:cNvPr>
+            <p:cNvPicPr>
+              <a:picLocks noChangeAspect="1"/>
+            </p:cNvPicPr>
+            <p:nvPr/>
+          </p:nvPicPr>
+          <p:blipFill>
+            <a:blip r:embed="rId4">
+              <a:extLst>
+                <a:ext uri="{28A0092B-C50C-407E-A947-70E740481C1C}">
+                  <a14:useLocalDpi xmlns:a14="http://schemas.microsoft.com/office/drawing/2010/main" val="0"/>
+                </a:ext>
+              </a:extLst>
+            </a:blip>
+            <a:stretch>
+              <a:fillRect/>
+            </a:stretch>
+          </p:blipFill>
+          <p:spPr>
+            <a:xfrm>
+              <a:off x="8165414" y="3866097"/>
+              <a:ext cx="360000" cy="360000"/>
+            </a:xfrm>
+            <a:prstGeom prst="rect">
+              <a:avLst/>
+            </a:prstGeom>
+          </p:spPr>
+        </p:pic>
+        <p:pic>
+          <p:nvPicPr>
+            <p:cNvPr id="8" name="Picture 7" descr="Logo&#10;&#10;Description automatically generated">
+              <a:extLst>
+                <a:ext uri="{FF2B5EF4-FFF2-40B4-BE49-F238E27FC236}">
+                  <a16:creationId xmlns:a16="http://schemas.microsoft.com/office/drawing/2014/main" id="{18B28EB4-C3B2-4031-9DA9-5A6E8A54FA94}"/>
+                </a:ext>
+              </a:extLst>
+            </p:cNvPr>
+            <p:cNvPicPr>
+              <a:picLocks noChangeAspect="1"/>
+            </p:cNvPicPr>
+            <p:nvPr/>
+          </p:nvPicPr>
+          <p:blipFill>
+            <a:blip r:embed="rId5">
+              <a:extLst>
+                <a:ext uri="{28A0092B-C50C-407E-A947-70E740481C1C}">
+                  <a14:useLocalDpi xmlns:a14="http://schemas.microsoft.com/office/drawing/2010/main" val="0"/>
+                </a:ext>
+              </a:extLst>
+            </a:blip>
+            <a:stretch>
+              <a:fillRect/>
+            </a:stretch>
+          </p:blipFill>
+          <p:spPr>
+            <a:xfrm>
+              <a:off x="8165414" y="5014923"/>
+              <a:ext cx="360000" cy="360000"/>
+            </a:xfrm>
+            <a:prstGeom prst="rect">
+              <a:avLst/>
+            </a:prstGeom>
+          </p:spPr>
+        </p:pic>
+        <p:pic>
+          <p:nvPicPr>
+            <p:cNvPr id="9" name="Picture 8" descr="A picture containing ax, silhouette, vector graphics&#10;&#10;Description automatically generated">
+              <a:extLst>
+                <a:ext uri="{FF2B5EF4-FFF2-40B4-BE49-F238E27FC236}">
+                  <a16:creationId xmlns:a16="http://schemas.microsoft.com/office/drawing/2014/main" id="{F5839528-3F02-48A0-8C2B-F36473186924}"/>
+                </a:ext>
+              </a:extLst>
+            </p:cNvPr>
+            <p:cNvPicPr>
+              <a:picLocks noChangeAspect="1"/>
+            </p:cNvPicPr>
+            <p:nvPr/>
+          </p:nvPicPr>
+          <p:blipFill>
+            <a:blip r:embed="rId6">
+              <a:extLst>
+                <a:ext uri="{28A0092B-C50C-407E-A947-70E740481C1C}">
+                  <a14:useLocalDpi xmlns:a14="http://schemas.microsoft.com/office/drawing/2010/main" val="0"/>
+                </a:ext>
+              </a:extLst>
+            </a:blip>
+            <a:stretch>
+              <a:fillRect/>
+            </a:stretch>
+          </p:blipFill>
+          <p:spPr>
+            <a:xfrm>
+              <a:off x="8165414" y="4440510"/>
+              <a:ext cx="360000" cy="360000"/>
+            </a:xfrm>
+            <a:prstGeom prst="rect">
+              <a:avLst/>
+            </a:prstGeom>
+          </p:spPr>
+        </p:pic>
+        <p:sp>
+          <p:nvSpPr>
+            <p:cNvPr id="10" name="TextBox 9">
+              <a:extLst>
+                <a:ext uri="{FF2B5EF4-FFF2-40B4-BE49-F238E27FC236}">
+                  <a16:creationId xmlns:a16="http://schemas.microsoft.com/office/drawing/2014/main" id="{28137C1E-686B-4413-ADD5-72109E573FEF}"/>
+                </a:ext>
+              </a:extLst>
+            </p:cNvPr>
+            <p:cNvSpPr txBox="1"/>
+            <p:nvPr/>
+          </p:nvSpPr>
+          <p:spPr>
+            <a:xfrm>
+              <a:off x="8704085" y="4893111"/>
+              <a:ext cx="2165145" cy="523220"/>
+            </a:xfrm>
+            <a:prstGeom prst="rect">
+              <a:avLst/>
+            </a:prstGeom>
+            <a:noFill/>
+          </p:spPr>
+          <p:txBody>
+            <a:bodyPr wrap="none" rtlCol="0">
+              <a:spAutoFit/>
+            </a:bodyPr>
+            <a:lstStyle/>
+            <a:p>
+              <a:r>
+                <a:rPr lang="de-AT" sz="2800" dirty="0">
+                  <a:hlinkClick r:id="rId7"/>
+                </a:rPr>
+                <a:t>danielwagn3r</a:t>
+              </a:r>
+              <a:endParaRPr lang="en-US" sz="2800" dirty="0"/>
+            </a:p>
+          </p:txBody>
+        </p:sp>
+        <p:sp>
+          <p:nvSpPr>
+            <p:cNvPr id="11" name="TextBox 10">
+              <a:extLst>
+                <a:ext uri="{FF2B5EF4-FFF2-40B4-BE49-F238E27FC236}">
+                  <a16:creationId xmlns:a16="http://schemas.microsoft.com/office/drawing/2014/main" id="{7FCBF14A-FE36-40B0-A5A4-182D73829063}"/>
+                </a:ext>
+              </a:extLst>
+            </p:cNvPr>
+            <p:cNvSpPr txBox="1"/>
+            <p:nvPr/>
+          </p:nvSpPr>
+          <p:spPr>
+            <a:xfrm>
+              <a:off x="8704085" y="3824689"/>
+              <a:ext cx="2165145" cy="523220"/>
+            </a:xfrm>
+            <a:prstGeom prst="rect">
+              <a:avLst/>
+            </a:prstGeom>
+            <a:noFill/>
+          </p:spPr>
+          <p:txBody>
+            <a:bodyPr wrap="none" rtlCol="0">
+              <a:spAutoFit/>
+            </a:bodyPr>
+            <a:lstStyle/>
+            <a:p>
+              <a:r>
+                <a:rPr lang="de-AT" sz="2800" dirty="0">
+                  <a:hlinkClick r:id="rId8"/>
+                </a:rPr>
+                <a:t>danielwagn3r</a:t>
+              </a:r>
+              <a:endParaRPr lang="en-US" sz="2800" dirty="0"/>
+            </a:p>
+          </p:txBody>
+        </p:sp>
+      </p:grpSp>
+      <p:pic>
+        <p:nvPicPr>
+          <p:cNvPr id="14" name="Picture 13" descr="Text&#10;&#10;Description automatically generated">
+            <a:hlinkClick r:id="rId9"/>
+            <a:extLst>
+              <a:ext uri="{FF2B5EF4-FFF2-40B4-BE49-F238E27FC236}">
+                <a16:creationId xmlns:a16="http://schemas.microsoft.com/office/drawing/2014/main" id="{DB17C83D-0CE7-41BC-9327-110AE0A008AC}"/>
+              </a:ext>
+            </a:extLst>
+          </p:cNvPr>
+          <p:cNvPicPr>
+            <a:picLocks noChangeAspect="1"/>
+          </p:cNvPicPr>
+          <p:nvPr/>
+        </p:nvPicPr>
+        <p:blipFill>
+          <a:blip r:embed="rId10">
+            <a:extLst>
+              <a:ext uri="{28A0092B-C50C-407E-A947-70E740481C1C}">
+                <a14:useLocalDpi xmlns:a14="http://schemas.microsoft.com/office/drawing/2010/main" val="0"/>
+              </a:ext>
+            </a:extLst>
+          </a:blip>
+          <a:stretch>
+            <a:fillRect/>
+          </a:stretch>
+        </p:blipFill>
+        <p:spPr>
+          <a:xfrm>
+            <a:off x="9031322" y="3720510"/>
+            <a:ext cx="1907953" cy="1800000"/>
+          </a:xfrm>
+          <a:prstGeom prst="rect">
+            <a:avLst/>
+          </a:prstGeom>
+        </p:spPr>
+      </p:pic>
     </p:spTree>
     <p:extLst>
       <p:ext uri="{BB962C8B-B14F-4D97-AF65-F5344CB8AC3E}">
@@ -14595,114 +15005,6 @@
 </file>
 
 <file path=ppt/slides/slide10.xml><?xml version="1.0" encoding="utf-8"?>
-<p:sld xmlns:a="http://schemas.openxmlformats.org/drawingml/2006/main" xmlns:r="http://schemas.openxmlformats.org/officeDocument/2006/relationships" xmlns:p="http://schemas.openxmlformats.org/presentationml/2006/main">
-  <p:cSld>
-    <p:spTree>
-      <p:nvGrpSpPr>
-        <p:cNvPr id="1" name=""/>
-        <p:cNvGrpSpPr/>
-        <p:nvPr/>
-      </p:nvGrpSpPr>
-      <p:grpSpPr>
-        <a:xfrm>
-          <a:off x="0" y="0"/>
-          <a:ext cx="0" cy="0"/>
-          <a:chOff x="0" y="0"/>
-          <a:chExt cx="0" cy="0"/>
-        </a:xfrm>
-      </p:grpSpPr>
-      <p:sp>
-        <p:nvSpPr>
-          <p:cNvPr id="3" name="Content Placeholder 2">
-            <a:extLst>
-              <a:ext uri="{FF2B5EF4-FFF2-40B4-BE49-F238E27FC236}">
-                <a16:creationId xmlns:a16="http://schemas.microsoft.com/office/drawing/2014/main" id="{1E231800-B32D-44E8-95F7-DF3591E42B06}"/>
-              </a:ext>
-            </a:extLst>
-          </p:cNvPr>
-          <p:cNvSpPr>
-            <a:spLocks noGrp="1"/>
-          </p:cNvSpPr>
-          <p:nvPr>
-            <p:ph idx="1"/>
-          </p:nvPr>
-        </p:nvSpPr>
-        <p:spPr>
-          <a:xfrm>
-            <a:off x="838200" y="605118"/>
-            <a:ext cx="10515600" cy="5571845"/>
-          </a:xfrm>
-        </p:spPr>
-        <p:txBody>
-          <a:bodyPr anchor="ctr">
-            <a:normAutofit/>
-          </a:bodyPr>
-          <a:lstStyle/>
-          <a:p>
-            <a:pPr marL="0" indent="0" algn="ctr">
-              <a:buNone/>
-            </a:pPr>
-            <a:r>
-              <a:rPr lang="de-AT" sz="4800" dirty="0" err="1"/>
-              <a:t>OAuth</a:t>
-            </a:r>
-            <a:r>
-              <a:rPr lang="de-AT" sz="4800" dirty="0"/>
-              <a:t> </a:t>
-            </a:r>
-            <a:r>
-              <a:rPr lang="de-AT" sz="4800" dirty="0" err="1"/>
-              <a:t>is</a:t>
-            </a:r>
-            <a:r>
-              <a:rPr lang="de-AT" sz="4800" dirty="0"/>
-              <a:t> </a:t>
-            </a:r>
-            <a:r>
-              <a:rPr lang="de-AT" sz="4800" dirty="0" err="1"/>
-              <a:t>more</a:t>
-            </a:r>
-            <a:r>
-              <a:rPr lang="de-AT" sz="4800" dirty="0"/>
-              <a:t> </a:t>
-            </a:r>
-            <a:r>
-              <a:rPr lang="de-AT" sz="4800" dirty="0" err="1"/>
-              <a:t>framework</a:t>
-            </a:r>
-            <a:br>
-              <a:rPr lang="de-AT" sz="4800" dirty="0"/>
-            </a:br>
-            <a:r>
-              <a:rPr lang="de-AT" sz="4800" dirty="0" err="1"/>
-              <a:t>than</a:t>
-            </a:r>
-            <a:r>
-              <a:rPr lang="de-AT" sz="4800" dirty="0"/>
-              <a:t> </a:t>
-            </a:r>
-            <a:r>
-              <a:rPr lang="de-AT" sz="4800" dirty="0" err="1"/>
-              <a:t>protocol</a:t>
-            </a:r>
-            <a:endParaRPr lang="en-US" sz="4800" dirty="0"/>
-          </a:p>
-        </p:txBody>
-      </p:sp>
-    </p:spTree>
-    <p:extLst>
-      <p:ext uri="{BB962C8B-B14F-4D97-AF65-F5344CB8AC3E}">
-        <p14:creationId xmlns:p14="http://schemas.microsoft.com/office/powerpoint/2010/main" val="124418694"/>
-      </p:ext>
-    </p:extLst>
-  </p:cSld>
-  <p:clrMapOvr>
-    <a:masterClrMapping/>
-  </p:clrMapOvr>
-</p:sld>
-</file>
-
-<file path=ppt/slides/slide11.xml><?xml version="1.0" encoding="utf-8"?>
 <p:sld xmlns:a="http://schemas.openxmlformats.org/drawingml/2006/main" xmlns:r="http://schemas.openxmlformats.org/officeDocument/2006/relationships" xmlns:p="http://schemas.openxmlformats.org/presentationml/2006/main">
   <p:cSld>
     <p:spTree>
@@ -14840,7 +15142,7 @@
 </p:sld>
 </file>
 
-<file path=ppt/slides/slide12.xml><?xml version="1.0" encoding="utf-8"?>
+<file path=ppt/slides/slide11.xml><?xml version="1.0" encoding="utf-8"?>
 <p:sld xmlns:a="http://schemas.openxmlformats.org/drawingml/2006/main" xmlns:r="http://schemas.openxmlformats.org/officeDocument/2006/relationships" xmlns:p="http://schemas.openxmlformats.org/presentationml/2006/main">
   <p:cSld>
     <p:spTree>
@@ -14924,7 +15226,7 @@
 </p:sld>
 </file>
 
-<file path=ppt/slides/slide13.xml><?xml version="1.0" encoding="utf-8"?>
+<file path=ppt/slides/slide12.xml><?xml version="1.0" encoding="utf-8"?>
 <p:sld xmlns:a="http://schemas.openxmlformats.org/drawingml/2006/main" xmlns:r="http://schemas.openxmlformats.org/officeDocument/2006/relationships" xmlns:p="http://schemas.openxmlformats.org/presentationml/2006/main">
   <p:cSld>
     <p:spTree>
@@ -15113,7 +15415,7 @@
 </p:sld>
 </file>
 
-<file path=ppt/slides/slide14.xml><?xml version="1.0" encoding="utf-8"?>
+<file path=ppt/slides/slide13.xml><?xml version="1.0" encoding="utf-8"?>
 <p:sld xmlns:a="http://schemas.openxmlformats.org/drawingml/2006/main" xmlns:r="http://schemas.openxmlformats.org/officeDocument/2006/relationships" xmlns:p="http://schemas.openxmlformats.org/presentationml/2006/main">
   <p:cSld>
     <p:spTree>
@@ -15358,7 +15660,7 @@
 </p:sld>
 </file>
 
-<file path=ppt/slides/slide15.xml><?xml version="1.0" encoding="utf-8"?>
+<file path=ppt/slides/slide14.xml><?xml version="1.0" encoding="utf-8"?>
 <p:sld xmlns:a="http://schemas.openxmlformats.org/drawingml/2006/main" xmlns:r="http://schemas.openxmlformats.org/officeDocument/2006/relationships" xmlns:p="http://schemas.openxmlformats.org/presentationml/2006/main">
   <p:cSld>
     <p:spTree>
@@ -15615,7 +15917,7 @@
 </p:sld>
 </file>
 
-<file path=ppt/slides/slide16.xml><?xml version="1.0" encoding="utf-8"?>
+<file path=ppt/slides/slide15.xml><?xml version="1.0" encoding="utf-8"?>
 <p:sld xmlns:a="http://schemas.openxmlformats.org/drawingml/2006/main" xmlns:r="http://schemas.openxmlformats.org/officeDocument/2006/relationships" xmlns:p="http://schemas.openxmlformats.org/presentationml/2006/main">
   <p:cSld>
     <p:spTree>
@@ -15876,7 +16178,7 @@
 </p:sld>
 </file>
 
-<file path=ppt/slides/slide17.xml><?xml version="1.0" encoding="utf-8"?>
+<file path=ppt/slides/slide16.xml><?xml version="1.0" encoding="utf-8"?>
 <p:sld xmlns:a="http://schemas.openxmlformats.org/drawingml/2006/main" xmlns:r="http://schemas.openxmlformats.org/officeDocument/2006/relationships" xmlns:p="http://schemas.openxmlformats.org/presentationml/2006/main">
   <p:cSld>
     <p:spTree>
@@ -16146,7 +16448,7 @@
 </p:sld>
 </file>
 
-<file path=ppt/slides/slide18.xml><?xml version="1.0" encoding="utf-8"?>
+<file path=ppt/slides/slide17.xml><?xml version="1.0" encoding="utf-8"?>
 <p:sld xmlns:a="http://schemas.openxmlformats.org/drawingml/2006/main" xmlns:r="http://schemas.openxmlformats.org/officeDocument/2006/relationships" xmlns:p="http://schemas.openxmlformats.org/presentationml/2006/main">
   <p:cSld>
     <p:spTree>
@@ -16195,17 +16497,16 @@
             </a:r>
             <a:r>
               <a:rPr lang="de-DE" dirty="0"/>
-              <a:t> ist das Ergebnis des Authentifizierungsprozesses. Der Identity Token beinhaltet Benutzerdaten, sogenannte </a:t>
+              <a:t> ist das Ergebnis der Authentifizierung. Es kann Benutzerdaten, in sogenannten </a:t>
             </a:r>
             <a:r>
               <a:rPr lang="de-DE" i="1" dirty="0"/>
-              <a:t>Claims</a:t>
+              <a:t>Claims, </a:t>
             </a:r>
             <a:r>
               <a:rPr lang="de-DE" dirty="0"/>
-              <a:t>.</a:t>
-            </a:r>
-            <a:endParaRPr lang="de-DE" i="1" dirty="0"/>
+              <a:t>beinhalten.</a:t>
+            </a:r>
           </a:p>
         </p:txBody>
       </p:sp>
@@ -16381,7 +16682,7 @@
 </p:sld>
 </file>
 
-<file path=ppt/slides/slide19.xml><?xml version="1.0" encoding="utf-8"?>
+<file path=ppt/slides/slide18.xml><?xml version="1.0" encoding="utf-8"?>
 <p:sld xmlns:a="http://schemas.openxmlformats.org/drawingml/2006/main" xmlns:r="http://schemas.openxmlformats.org/officeDocument/2006/relationships" xmlns:p="http://schemas.openxmlformats.org/presentationml/2006/main">
   <p:cSld>
     <p:spTree>
@@ -17265,363 +17566,7 @@
 </p:sld>
 </file>
 
-<file path=ppt/slides/slide2.xml><?xml version="1.0" encoding="utf-8"?>
-<p:sld xmlns:a="http://schemas.openxmlformats.org/drawingml/2006/main" xmlns:r="http://schemas.openxmlformats.org/officeDocument/2006/relationships" xmlns:p="http://schemas.openxmlformats.org/presentationml/2006/main">
-  <p:cSld>
-    <p:spTree>
-      <p:nvGrpSpPr>
-        <p:cNvPr id="1" name=""/>
-        <p:cNvGrpSpPr/>
-        <p:nvPr/>
-      </p:nvGrpSpPr>
-      <p:grpSpPr>
-        <a:xfrm>
-          <a:off x="0" y="0"/>
-          <a:ext cx="0" cy="0"/>
-          <a:chOff x="0" y="0"/>
-          <a:chExt cx="0" cy="0"/>
-        </a:xfrm>
-      </p:grpSpPr>
-      <p:sp>
-        <p:nvSpPr>
-          <p:cNvPr id="2" name="Title 1">
-            <a:extLst>
-              <a:ext uri="{FF2B5EF4-FFF2-40B4-BE49-F238E27FC236}">
-                <a16:creationId xmlns:a16="http://schemas.microsoft.com/office/drawing/2014/main" id="{DF1B52E8-A395-4BE7-B093-8FE4BAFE3558}"/>
-              </a:ext>
-            </a:extLst>
-          </p:cNvPr>
-          <p:cNvSpPr>
-            <a:spLocks noGrp="1"/>
-          </p:cNvSpPr>
-          <p:nvPr>
-            <p:ph type="title"/>
-          </p:nvPr>
-        </p:nvSpPr>
-        <p:spPr/>
-        <p:txBody>
-          <a:bodyPr/>
-          <a:lstStyle/>
-          <a:p>
-            <a:endParaRPr lang="en-US" dirty="0"/>
-          </a:p>
-        </p:txBody>
-      </p:sp>
-      <p:pic>
-        <p:nvPicPr>
-          <p:cNvPr id="5" name="Picture 4" descr="A person wearing glasses and looking at the camera&#10;&#10;Description automatically generated">
-            <a:extLst>
-              <a:ext uri="{FF2B5EF4-FFF2-40B4-BE49-F238E27FC236}">
-                <a16:creationId xmlns:a16="http://schemas.microsoft.com/office/drawing/2014/main" id="{D6AF84C0-4A2F-4998-968F-DC3BB6723094}"/>
-              </a:ext>
-            </a:extLst>
-          </p:cNvPr>
-          <p:cNvPicPr>
-            <a:picLocks noChangeAspect="1"/>
-          </p:cNvPicPr>
-          <p:nvPr/>
-        </p:nvPicPr>
-        <p:blipFill>
-          <a:blip r:embed="rId2" cstate="hqprint">
-            <a:extLst>
-              <a:ext uri="{28A0092B-C50C-407E-A947-70E740481C1C}">
-                <a14:useLocalDpi xmlns:a14="http://schemas.microsoft.com/office/drawing/2010/main" val="0"/>
-              </a:ext>
-            </a:extLst>
-          </a:blip>
-          <a:stretch>
-            <a:fillRect/>
-          </a:stretch>
-        </p:blipFill>
-        <p:spPr>
-          <a:xfrm>
-            <a:off x="1677276" y="1824768"/>
-            <a:ext cx="2548380" cy="2548380"/>
-          </a:xfrm>
-          <a:prstGeom prst="ellipse">
-            <a:avLst/>
-          </a:prstGeom>
-          <a:ln w="63500" cap="rnd">
-            <a:solidFill>
-              <a:srgbClr val="333333"/>
-            </a:solidFill>
-          </a:ln>
-          <a:effectLst/>
-          <a:scene3d>
-            <a:camera prst="orthographicFront"/>
-            <a:lightRig rig="contrasting" dir="t">
-              <a:rot lat="0" lon="0" rev="3000000"/>
-            </a:lightRig>
-          </a:scene3d>
-          <a:sp3d contourW="7620">
-            <a:bevelT w="95250" h="31750"/>
-            <a:contourClr>
-              <a:srgbClr val="333333"/>
-            </a:contourClr>
-          </a:sp3d>
-        </p:spPr>
-      </p:pic>
-      <p:sp>
-        <p:nvSpPr>
-          <p:cNvPr id="10" name="TextBox 9">
-            <a:extLst>
-              <a:ext uri="{FF2B5EF4-FFF2-40B4-BE49-F238E27FC236}">
-                <a16:creationId xmlns:a16="http://schemas.microsoft.com/office/drawing/2014/main" id="{27E5B25E-C1DB-41E7-A68D-F45368C91EA5}"/>
-              </a:ext>
-            </a:extLst>
-          </p:cNvPr>
-          <p:cNvSpPr txBox="1"/>
-          <p:nvPr/>
-        </p:nvSpPr>
-        <p:spPr>
-          <a:xfrm>
-            <a:off x="2085813" y="4664560"/>
-            <a:ext cx="2245936" cy="584775"/>
-          </a:xfrm>
-          <a:prstGeom prst="rect">
-            <a:avLst/>
-          </a:prstGeom>
-          <a:noFill/>
-        </p:spPr>
-        <p:txBody>
-          <a:bodyPr wrap="none" rtlCol="0">
-            <a:spAutoFit/>
-          </a:bodyPr>
-          <a:lstStyle>
-            <a:defPPr>
-              <a:defRPr lang="en-US"/>
-            </a:defPPr>
-            <a:lvl1pPr algn="ctr">
-              <a:defRPr sz="2800"/>
-            </a:lvl1pPr>
-          </a:lstStyle>
-          <a:p>
-            <a:r>
-              <a:rPr lang="de-AT" sz="3200" dirty="0"/>
-              <a:t>Anton Kalcik</a:t>
-            </a:r>
-            <a:endParaRPr lang="en-US" sz="3200" dirty="0"/>
-          </a:p>
-        </p:txBody>
-      </p:sp>
-      <p:sp>
-        <p:nvSpPr>
-          <p:cNvPr id="11" name="TextBox 10">
-            <a:extLst>
-              <a:ext uri="{FF2B5EF4-FFF2-40B4-BE49-F238E27FC236}">
-                <a16:creationId xmlns:a16="http://schemas.microsoft.com/office/drawing/2014/main" id="{B1BD4FED-4667-42C1-A5D6-8D618EA5F17A}"/>
-              </a:ext>
-            </a:extLst>
-          </p:cNvPr>
-          <p:cNvSpPr txBox="1"/>
-          <p:nvPr/>
-        </p:nvSpPr>
-        <p:spPr>
-          <a:xfrm>
-            <a:off x="3167391" y="5172638"/>
-            <a:ext cx="1164358" cy="523220"/>
-          </a:xfrm>
-          <a:prstGeom prst="rect">
-            <a:avLst/>
-          </a:prstGeom>
-          <a:noFill/>
-        </p:spPr>
-        <p:txBody>
-          <a:bodyPr wrap="none" rtlCol="0">
-            <a:spAutoFit/>
-          </a:bodyPr>
-          <a:lstStyle/>
-          <a:p>
-            <a:r>
-              <a:rPr lang="de-AT" sz="2800" dirty="0" err="1">
-                <a:hlinkClick r:id="rId3"/>
-              </a:rPr>
-              <a:t>akalcik</a:t>
-            </a:r>
-            <a:endParaRPr lang="en-US" sz="2800" dirty="0"/>
-          </a:p>
-        </p:txBody>
-      </p:sp>
-      <p:pic>
-        <p:nvPicPr>
-          <p:cNvPr id="1026" name="Picture 2" descr="https://kalcik.files.wordpress.com/2018/09/header-logo1.png?w=750">
-            <a:extLst>
-              <a:ext uri="{FF2B5EF4-FFF2-40B4-BE49-F238E27FC236}">
-                <a16:creationId xmlns:a16="http://schemas.microsoft.com/office/drawing/2014/main" id="{890F6C51-FF0F-4061-8957-C484EF8C78CE}"/>
-              </a:ext>
-            </a:extLst>
-          </p:cNvPr>
-          <p:cNvPicPr>
-            <a:picLocks noChangeAspect="1" noChangeArrowheads="1"/>
-          </p:cNvPicPr>
-          <p:nvPr/>
-        </p:nvPicPr>
-        <p:blipFill>
-          <a:blip r:embed="rId4">
-            <a:extLst>
-              <a:ext uri="{28A0092B-C50C-407E-A947-70E740481C1C}">
-                <a14:useLocalDpi xmlns:a14="http://schemas.microsoft.com/office/drawing/2010/main" val="0"/>
-              </a:ext>
-            </a:extLst>
-          </a:blip>
-          <a:srcRect/>
-          <a:stretch>
-            <a:fillRect/>
-          </a:stretch>
-        </p:blipFill>
-        <p:spPr bwMode="auto">
-          <a:xfrm>
-            <a:off x="3173493" y="1641528"/>
-            <a:ext cx="3128982" cy="784327"/>
-          </a:xfrm>
-          <a:prstGeom prst="rect">
-            <a:avLst/>
-          </a:prstGeom>
-          <a:noFill/>
-          <a:extLst>
-            <a:ext uri="{909E8E84-426E-40DD-AFC4-6F175D3DCCD1}">
-              <a14:hiddenFill xmlns:a14="http://schemas.microsoft.com/office/drawing/2010/main">
-                <a:solidFill>
-                  <a:srgbClr val="FFFFFF"/>
-                </a:solidFill>
-              </a14:hiddenFill>
-            </a:ext>
-          </a:extLst>
-        </p:spPr>
-      </p:pic>
-      <p:pic>
-        <p:nvPicPr>
-          <p:cNvPr id="6" name="Graphic 5">
-            <a:extLst>
-              <a:ext uri="{FF2B5EF4-FFF2-40B4-BE49-F238E27FC236}">
-                <a16:creationId xmlns:a16="http://schemas.microsoft.com/office/drawing/2014/main" id="{C0217533-5AE4-460F-AF67-3862F6DE16E3}"/>
-              </a:ext>
-            </a:extLst>
-          </p:cNvPr>
-          <p:cNvPicPr>
-            <a:picLocks noChangeAspect="1"/>
-          </p:cNvPicPr>
-          <p:nvPr/>
-        </p:nvPicPr>
-        <p:blipFill>
-          <a:blip r:embed="rId5">
-            <a:extLst>
-              <a:ext uri="{28A0092B-C50C-407E-A947-70E740481C1C}">
-                <a14:useLocalDpi xmlns:a14="http://schemas.microsoft.com/office/drawing/2010/main" val="0"/>
-              </a:ext>
-              <a:ext uri="{96DAC541-7B7A-43D3-8B79-37D633B846F1}">
-                <asvg:svgBlip xmlns:asvg="http://schemas.microsoft.com/office/drawing/2016/SVG/main" r:embed="rId6"/>
-              </a:ext>
-            </a:extLst>
-          </a:blip>
-          <a:stretch>
-            <a:fillRect/>
-          </a:stretch>
-        </p:blipFill>
-        <p:spPr>
-          <a:xfrm>
-            <a:off x="2195233" y="5745405"/>
-            <a:ext cx="300808" cy="267385"/>
-          </a:xfrm>
-          <a:prstGeom prst="rect">
-            <a:avLst/>
-          </a:prstGeom>
-        </p:spPr>
-      </p:pic>
-      <p:sp>
-        <p:nvSpPr>
-          <p:cNvPr id="14" name="TextBox 13">
-            <a:hlinkClick r:id="rId7"/>
-            <a:extLst>
-              <a:ext uri="{FF2B5EF4-FFF2-40B4-BE49-F238E27FC236}">
-                <a16:creationId xmlns:a16="http://schemas.microsoft.com/office/drawing/2014/main" id="{2EF2BF4C-DE9D-4FA7-8D24-83020A907B63}"/>
-              </a:ext>
-            </a:extLst>
-          </p:cNvPr>
-          <p:cNvSpPr txBox="1"/>
-          <p:nvPr/>
-        </p:nvSpPr>
-        <p:spPr>
-          <a:xfrm>
-            <a:off x="2762152" y="5617488"/>
-            <a:ext cx="1569597" cy="523220"/>
-          </a:xfrm>
-          <a:prstGeom prst="rect">
-            <a:avLst/>
-          </a:prstGeom>
-          <a:noFill/>
-        </p:spPr>
-        <p:txBody>
-          <a:bodyPr wrap="none" rtlCol="0">
-            <a:spAutoFit/>
-          </a:bodyPr>
-          <a:lstStyle>
-            <a:defPPr>
-              <a:defRPr lang="en-US"/>
-            </a:defPPr>
-            <a:lvl1pPr>
-              <a:defRPr sz="2000"/>
-            </a:lvl1pPr>
-          </a:lstStyle>
-          <a:p>
-            <a:r>
-              <a:rPr lang="de-AT" sz="2800" dirty="0"/>
-              <a:t>kalcik.net</a:t>
-            </a:r>
-            <a:endParaRPr lang="en-US" sz="2800" dirty="0"/>
-          </a:p>
-        </p:txBody>
-      </p:sp>
-      <p:pic>
-        <p:nvPicPr>
-          <p:cNvPr id="15" name="Picture 14">
-            <a:extLst>
-              <a:ext uri="{FF2B5EF4-FFF2-40B4-BE49-F238E27FC236}">
-                <a16:creationId xmlns:a16="http://schemas.microsoft.com/office/drawing/2014/main" id="{67A90D6C-D992-4CA5-A139-71929B10A945}"/>
-              </a:ext>
-            </a:extLst>
-          </p:cNvPr>
-          <p:cNvPicPr>
-            <a:picLocks noChangeAspect="1"/>
-          </p:cNvPicPr>
-          <p:nvPr/>
-        </p:nvPicPr>
-        <p:blipFill>
-          <a:blip r:embed="rId8" cstate="hqprint">
-            <a:extLst>
-              <a:ext uri="{28A0092B-C50C-407E-A947-70E740481C1C}">
-                <a14:useLocalDpi xmlns:a14="http://schemas.microsoft.com/office/drawing/2010/main" val="0"/>
-              </a:ext>
-            </a:extLst>
-          </a:blip>
-          <a:stretch>
-            <a:fillRect/>
-          </a:stretch>
-        </p:blipFill>
-        <p:spPr>
-          <a:xfrm>
-            <a:off x="2230883" y="5326248"/>
-            <a:ext cx="265158" cy="216000"/>
-          </a:xfrm>
-          <a:prstGeom prst="rect">
-            <a:avLst/>
-          </a:prstGeom>
-        </p:spPr>
-      </p:pic>
-    </p:spTree>
-    <p:extLst>
-      <p:ext uri="{BB962C8B-B14F-4D97-AF65-F5344CB8AC3E}">
-        <p14:creationId xmlns:p14="http://schemas.microsoft.com/office/powerpoint/2010/main" val="2001335171"/>
-      </p:ext>
-    </p:extLst>
-  </p:cSld>
-  <p:clrMapOvr>
-    <a:masterClrMapping/>
-  </p:clrMapOvr>
-</p:sld>
-</file>
-
-<file path=ppt/slides/slide20.xml><?xml version="1.0" encoding="utf-8"?>
+<file path=ppt/slides/slide19.xml><?xml version="1.0" encoding="utf-8"?>
 <p:sld xmlns:a="http://schemas.openxmlformats.org/drawingml/2006/main" xmlns:r="http://schemas.openxmlformats.org/officeDocument/2006/relationships" xmlns:p="http://schemas.openxmlformats.org/presentationml/2006/main">
   <p:cSld>
     <p:spTree>
@@ -17666,7 +17611,7 @@
             </a:pPr>
             <a:r>
               <a:rPr lang="de-AT" dirty="0"/>
-              <a:t>Mittels </a:t>
+              <a:t>Ein </a:t>
             </a:r>
             <a:r>
               <a:rPr lang="de-AT" i="1" dirty="0"/>
@@ -17674,7 +17619,29 @@
             </a:r>
             <a:r>
               <a:rPr lang="de-AT" dirty="0"/>
-              <a:t> stellt ein authentifizierter </a:t>
+              <a:t> ermöglicht</a:t>
+            </a:r>
+            <a:br>
+              <a:rPr lang="de-AT" dirty="0"/>
+            </a:br>
+            <a:r>
+              <a:rPr lang="de-AT" dirty="0"/>
+              <a:t>einem </a:t>
+            </a:r>
+            <a:r>
+              <a:rPr lang="de-AT" i="1" dirty="0"/>
+              <a:t>Client </a:t>
+            </a:r>
+            <a:r>
+              <a:rPr lang="de-AT" dirty="0"/>
+              <a:t>im Namen</a:t>
+            </a:r>
+            <a:br>
+              <a:rPr lang="de-AT" dirty="0"/>
+            </a:br>
+            <a:r>
+              <a:rPr lang="de-AT" dirty="0"/>
+              <a:t>des </a:t>
             </a:r>
             <a:r>
               <a:rPr lang="de-AT" i="1" dirty="0" err="1"/>
@@ -17689,16 +17656,19 @@
               <a:t>Owner</a:t>
             </a:r>
             <a:r>
+              <a:rPr lang="de-AT" i="1" dirty="0"/>
+              <a:t> </a:t>
+            </a:r>
+            <a:r>
               <a:rPr lang="de-AT" dirty="0"/>
-              <a:t> eine Autorisierung für einen </a:t>
-            </a:r>
-            <a:r>
-              <a:rPr lang="de-AT" i="1" dirty="0"/>
-              <a:t>Client</a:t>
-            </a:r>
-            <a:r>
+              <a:t>den Zugriff </a:t>
+            </a:r>
+            <a:br>
               <a:rPr lang="de-AT" dirty="0"/>
-              <a:t> aus auf seine Daten die auf dem </a:t>
+            </a:br>
+            <a:r>
+              <a:rPr lang="de-AT" dirty="0"/>
+              <a:t>auf einen </a:t>
             </a:r>
             <a:r>
               <a:rPr lang="de-AT" i="1" dirty="0" err="1"/>
@@ -17706,11 +17676,11 @@
             </a:r>
             <a:r>
               <a:rPr lang="de-AT" i="1" dirty="0"/>
-              <a:t> Server </a:t>
+              <a:t> Server</a:t>
             </a:r>
             <a:r>
               <a:rPr lang="de-AT" dirty="0"/>
-              <a:t>gespeichert sind zugreifen zu dürfen.</a:t>
+              <a:t>.</a:t>
             </a:r>
             <a:endParaRPr lang="en-US" dirty="0"/>
           </a:p>
@@ -17753,13 +17723,13 @@
             <p:nvPr/>
           </p:nvPicPr>
           <p:blipFill>
-            <a:blip r:embed="rId2" cstate="hqprint">
+            <a:blip r:embed="rId3" cstate="hqprint">
               <a:extLst>
                 <a:ext uri="{28A0092B-C50C-407E-A947-70E740481C1C}">
                   <a14:useLocalDpi xmlns:a14="http://schemas.microsoft.com/office/drawing/2010/main" val="0"/>
                 </a:ext>
                 <a:ext uri="{96DAC541-7B7A-43D3-8B79-37D633B846F1}">
-                  <asvg:svgBlip xmlns:asvg="http://schemas.microsoft.com/office/drawing/2016/SVG/main" r:embed="rId3"/>
+                  <asvg:svgBlip xmlns:asvg="http://schemas.microsoft.com/office/drawing/2016/SVG/main" r:embed="rId4"/>
                 </a:ext>
               </a:extLst>
             </a:blip>
@@ -17828,7 +17798,126 @@
 </p:sld>
 </file>
 
-<file path=ppt/slides/slide21.xml><?xml version="1.0" encoding="utf-8"?>
+<file path=ppt/slides/slide2.xml><?xml version="1.0" encoding="utf-8"?>
+<p:sld xmlns:a="http://schemas.openxmlformats.org/drawingml/2006/main" xmlns:r="http://schemas.openxmlformats.org/officeDocument/2006/relationships" xmlns:p="http://schemas.openxmlformats.org/presentationml/2006/main">
+  <p:cSld>
+    <p:spTree>
+      <p:nvGrpSpPr>
+        <p:cNvPr id="1" name=""/>
+        <p:cNvGrpSpPr/>
+        <p:nvPr/>
+      </p:nvGrpSpPr>
+      <p:grpSpPr>
+        <a:xfrm>
+          <a:off x="0" y="0"/>
+          <a:ext cx="0" cy="0"/>
+          <a:chOff x="0" y="0"/>
+          <a:chExt cx="0" cy="0"/>
+        </a:xfrm>
+      </p:grpSpPr>
+      <p:sp>
+        <p:nvSpPr>
+          <p:cNvPr id="2" name="Title 1">
+            <a:extLst>
+              <a:ext uri="{FF2B5EF4-FFF2-40B4-BE49-F238E27FC236}">
+                <a16:creationId xmlns:a16="http://schemas.microsoft.com/office/drawing/2014/main" id="{76D1CE63-ED43-4E04-A7D2-4D96E2DD3931}"/>
+              </a:ext>
+            </a:extLst>
+          </p:cNvPr>
+          <p:cNvSpPr>
+            <a:spLocks noGrp="1"/>
+          </p:cNvSpPr>
+          <p:nvPr>
+            <p:ph type="title"/>
+          </p:nvPr>
+        </p:nvSpPr>
+        <p:spPr/>
+        <p:txBody>
+          <a:bodyPr/>
+          <a:lstStyle/>
+          <a:p>
+            <a:r>
+              <a:rPr lang="de-AT" dirty="0"/>
+              <a:t>Roadmap</a:t>
+            </a:r>
+            <a:endParaRPr lang="en-US" dirty="0"/>
+          </a:p>
+        </p:txBody>
+      </p:sp>
+      <p:sp>
+        <p:nvSpPr>
+          <p:cNvPr id="3" name="Content Placeholder 2">
+            <a:extLst>
+              <a:ext uri="{FF2B5EF4-FFF2-40B4-BE49-F238E27FC236}">
+                <a16:creationId xmlns:a16="http://schemas.microsoft.com/office/drawing/2014/main" id="{20A1E059-CB26-4580-BFBE-E85F45C183FE}"/>
+              </a:ext>
+            </a:extLst>
+          </p:cNvPr>
+          <p:cNvSpPr>
+            <a:spLocks noGrp="1"/>
+          </p:cNvSpPr>
+          <p:nvPr>
+            <p:ph idx="1"/>
+          </p:nvPr>
+        </p:nvSpPr>
+        <p:spPr/>
+        <p:txBody>
+          <a:bodyPr/>
+          <a:lstStyle/>
+          <a:p>
+            <a:r>
+              <a:rPr lang="de-AT" dirty="0"/>
+              <a:t>Überblick und Historie</a:t>
+            </a:r>
+          </a:p>
+          <a:p>
+            <a:r>
+              <a:rPr lang="de-AT" dirty="0"/>
+              <a:t>Basics und Terminologie</a:t>
+            </a:r>
+          </a:p>
+          <a:p>
+            <a:r>
+              <a:rPr lang="de-AT" dirty="0"/>
+              <a:t>Grants und </a:t>
+            </a:r>
+            <a:r>
+              <a:rPr lang="de-AT" dirty="0" err="1"/>
+              <a:t>Flows</a:t>
+            </a:r>
+            <a:r>
+              <a:rPr lang="de-AT" dirty="0"/>
+              <a:t> im Detail</a:t>
+            </a:r>
+          </a:p>
+          <a:p>
+            <a:r>
+              <a:rPr lang="de-AT" dirty="0"/>
+              <a:t>Live Demos</a:t>
+            </a:r>
+          </a:p>
+          <a:p>
+            <a:endParaRPr lang="de-AT" dirty="0"/>
+          </a:p>
+          <a:p>
+            <a:endParaRPr lang="de-AT" dirty="0"/>
+          </a:p>
+        </p:txBody>
+      </p:sp>
+    </p:spTree>
+    <p:extLst>
+      <p:ext uri="{BB962C8B-B14F-4D97-AF65-F5344CB8AC3E}">
+        <p14:creationId xmlns:p14="http://schemas.microsoft.com/office/powerpoint/2010/main" val="3738022661"/>
+      </p:ext>
+    </p:extLst>
+  </p:cSld>
+  <p:clrMapOvr>
+    <a:masterClrMapping/>
+  </p:clrMapOvr>
+</p:sld>
+</file>
+
+<file path=ppt/slides/slide20.xml><?xml version="1.0" encoding="utf-8"?>
 <p:sld xmlns:a="http://schemas.openxmlformats.org/drawingml/2006/main" xmlns:r="http://schemas.openxmlformats.org/officeDocument/2006/relationships" xmlns:p="http://schemas.openxmlformats.org/presentationml/2006/main">
   <p:cSld>
     <p:spTree>
@@ -18321,7 +18410,7 @@
 </p:sld>
 </file>
 
-<file path=ppt/slides/slide22.xml><?xml version="1.0" encoding="utf-8"?>
+<file path=ppt/slides/slide21.xml><?xml version="1.0" encoding="utf-8"?>
 <p:sld xmlns:a="http://schemas.openxmlformats.org/drawingml/2006/main" xmlns:r="http://schemas.openxmlformats.org/officeDocument/2006/relationships" xmlns:p="http://schemas.openxmlformats.org/presentationml/2006/main">
   <p:cSld>
     <p:spTree>
@@ -18371,7 +18460,23 @@
             </a:pPr>
             <a:r>
               <a:rPr lang="de-DE" dirty="0"/>
-              <a:t>Ein Refresh Token kann dazu verwendet werden beim </a:t>
+              <a:t>Ein </a:t>
+            </a:r>
+            <a:r>
+              <a:rPr lang="de-DE" i="1" dirty="0"/>
+              <a:t>Refresh Token</a:t>
+            </a:r>
+            <a:r>
+              <a:rPr lang="de-DE" dirty="0"/>
+              <a:t> erlaubt dem </a:t>
+            </a:r>
+            <a:r>
+              <a:rPr lang="de-DE" i="1" dirty="0"/>
+              <a:t>Client</a:t>
+            </a:r>
+            <a:r>
+              <a:rPr lang="de-DE" dirty="0"/>
+              <a:t> vom </a:t>
             </a:r>
             <a:r>
               <a:rPr lang="de-DE" i="1" dirty="0" err="1"/>
@@ -18383,7 +18488,30 @@
             </a:r>
             <a:r>
               <a:rPr lang="de-DE" dirty="0"/>
-              <a:t>einen neuen Access Token anzufragen, falls der alte Access Token beispielsweise abgelaufen oder ungültig geworden ist.</a:t>
+              <a:t>ein neues </a:t>
+            </a:r>
+            <a:r>
+              <a:rPr lang="de-DE" i="1" dirty="0"/>
+              <a:t>Access Token</a:t>
+            </a:r>
+            <a:r>
+              <a:rPr lang="de-DE" dirty="0"/>
+              <a:t> anzufragen.</a:t>
+            </a:r>
+            <a:br>
+              <a:rPr lang="de-DE" dirty="0"/>
+            </a:br>
+            <a:r>
+              <a:rPr lang="de-DE" dirty="0"/>
+              <a:t>Dadurch kann ein abgelaufenes </a:t>
+            </a:r>
+            <a:r>
+              <a:rPr lang="de-DE" i="1" dirty="0"/>
+              <a:t>Access Token</a:t>
+            </a:r>
+            <a:r>
+              <a:rPr lang="de-DE" dirty="0"/>
+              <a:t> erneuert werden.</a:t>
             </a:r>
           </a:p>
         </p:txBody>
@@ -18560,7 +18688,7 @@
 </p:sld>
 </file>
 
-<file path=ppt/slides/slide23.xml><?xml version="1.0" encoding="utf-8"?>
+<file path=ppt/slides/slide22.xml><?xml version="1.0" encoding="utf-8"?>
 <p:sld xmlns:a="http://schemas.openxmlformats.org/drawingml/2006/main" xmlns:r="http://schemas.openxmlformats.org/officeDocument/2006/relationships" xmlns:p="http://schemas.openxmlformats.org/presentationml/2006/main">
   <p:cSld>
     <p:spTree>
@@ -18688,7 +18816,7 @@
 </p:sld>
 </file>
 
-<file path=ppt/slides/slide24.xml><?xml version="1.0" encoding="utf-8"?>
+<file path=ppt/slides/slide23.xml><?xml version="1.0" encoding="utf-8"?>
 <p:sld xmlns:a="http://schemas.openxmlformats.org/drawingml/2006/main" xmlns:r="http://schemas.openxmlformats.org/officeDocument/2006/relationships" xmlns:p="http://schemas.openxmlformats.org/presentationml/2006/main">
   <p:cSld>
     <p:spTree>
@@ -18825,7 +18953,7 @@
 </p:sld>
 </file>
 
-<file path=ppt/slides/slide25.xml><?xml version="1.0" encoding="utf-8"?>
+<file path=ppt/slides/slide24.xml><?xml version="1.0" encoding="utf-8"?>
 <p:sld xmlns:a="http://schemas.openxmlformats.org/drawingml/2006/main" xmlns:r="http://schemas.openxmlformats.org/officeDocument/2006/relationships" xmlns:p="http://schemas.openxmlformats.org/presentationml/2006/main">
   <p:cSld>
     <p:spTree>
@@ -19748,7 +19876,7 @@
 </p:sld>
 </file>
 
-<file path=ppt/slides/slide26.xml><?xml version="1.0" encoding="utf-8"?>
+<file path=ppt/slides/slide25.xml><?xml version="1.0" encoding="utf-8"?>
 <p:sld xmlns:a="http://schemas.openxmlformats.org/drawingml/2006/main" xmlns:r="http://schemas.openxmlformats.org/officeDocument/2006/relationships" xmlns:p="http://schemas.openxmlformats.org/presentationml/2006/main">
   <p:cSld>
     <p:spTree>
@@ -20790,7 +20918,7 @@
 </p:sld>
 </file>
 
-<file path=ppt/slides/slide27.xml><?xml version="1.0" encoding="utf-8"?>
+<file path=ppt/slides/slide26.xml><?xml version="1.0" encoding="utf-8"?>
 <p:sld xmlns:a="http://schemas.openxmlformats.org/drawingml/2006/main" xmlns:r="http://schemas.openxmlformats.org/officeDocument/2006/relationships" xmlns:p="http://schemas.openxmlformats.org/presentationml/2006/main">
   <p:cSld>
     <p:spTree>
@@ -20882,7 +21010,7 @@
 </p:sld>
 </file>
 
-<file path=ppt/slides/slide28.xml><?xml version="1.0" encoding="utf-8"?>
+<file path=ppt/slides/slide27.xml><?xml version="1.0" encoding="utf-8"?>
 <p:sld xmlns:a="http://schemas.openxmlformats.org/drawingml/2006/main" xmlns:r="http://schemas.openxmlformats.org/officeDocument/2006/relationships" xmlns:p="http://schemas.openxmlformats.org/presentationml/2006/main">
   <p:cSld>
     <p:spTree>
@@ -20989,7 +21117,7 @@
 </p:sld>
 </file>
 
-<file path=ppt/slides/slide29.xml><?xml version="1.0" encoding="utf-8"?>
+<file path=ppt/slides/slide28.xml><?xml version="1.0" encoding="utf-8"?>
 <p:sld xmlns:a="http://schemas.openxmlformats.org/drawingml/2006/main" xmlns:r="http://schemas.openxmlformats.org/officeDocument/2006/relationships" xmlns:p="http://schemas.openxmlformats.org/presentationml/2006/main">
   <p:cSld>
     <p:spTree>
@@ -21181,268 +21309,7 @@
 </p:sld>
 </file>
 
-<file path=ppt/slides/slide3.xml><?xml version="1.0" encoding="utf-8"?>
-<p:sld xmlns:a="http://schemas.openxmlformats.org/drawingml/2006/main" xmlns:r="http://schemas.openxmlformats.org/officeDocument/2006/relationships" xmlns:p="http://schemas.openxmlformats.org/presentationml/2006/main">
-  <p:cSld>
-    <p:spTree>
-      <p:nvGrpSpPr>
-        <p:cNvPr id="1" name=""/>
-        <p:cNvGrpSpPr/>
-        <p:nvPr/>
-      </p:nvGrpSpPr>
-      <p:grpSpPr>
-        <a:xfrm>
-          <a:off x="0" y="0"/>
-          <a:ext cx="0" cy="0"/>
-          <a:chOff x="0" y="0"/>
-          <a:chExt cx="0" cy="0"/>
-        </a:xfrm>
-      </p:grpSpPr>
-      <p:sp>
-        <p:nvSpPr>
-          <p:cNvPr id="2" name="Title 1">
-            <a:extLst>
-              <a:ext uri="{FF2B5EF4-FFF2-40B4-BE49-F238E27FC236}">
-                <a16:creationId xmlns:a16="http://schemas.microsoft.com/office/drawing/2014/main" id="{DF1B52E8-A395-4BE7-B093-8FE4BAFE3558}"/>
-              </a:ext>
-            </a:extLst>
-          </p:cNvPr>
-          <p:cNvSpPr>
-            <a:spLocks noGrp="1"/>
-          </p:cNvSpPr>
-          <p:nvPr>
-            <p:ph type="title"/>
-          </p:nvPr>
-        </p:nvSpPr>
-        <p:spPr/>
-        <p:txBody>
-          <a:bodyPr/>
-          <a:lstStyle/>
-          <a:p>
-            <a:endParaRPr lang="en-US" dirty="0"/>
-          </a:p>
-        </p:txBody>
-      </p:sp>
-      <p:pic>
-        <p:nvPicPr>
-          <p:cNvPr id="7" name="Picture 6">
-            <a:extLst>
-              <a:ext uri="{FF2B5EF4-FFF2-40B4-BE49-F238E27FC236}">
-                <a16:creationId xmlns:a16="http://schemas.microsoft.com/office/drawing/2014/main" id="{EE65434C-D0B6-47DA-806B-95D9FBFA04F1}"/>
-              </a:ext>
-            </a:extLst>
-          </p:cNvPr>
-          <p:cNvPicPr>
-            <a:picLocks noChangeAspect="1"/>
-          </p:cNvPicPr>
-          <p:nvPr/>
-        </p:nvPicPr>
-        <p:blipFill>
-          <a:blip r:embed="rId2">
-            <a:extLst>
-              <a:ext uri="{28A0092B-C50C-407E-A947-70E740481C1C}">
-                <a14:useLocalDpi xmlns:a14="http://schemas.microsoft.com/office/drawing/2010/main" val="0"/>
-              </a:ext>
-            </a:extLst>
-          </a:blip>
-          <a:stretch>
-            <a:fillRect/>
-          </a:stretch>
-        </p:blipFill>
-        <p:spPr>
-          <a:xfrm>
-            <a:off x="1702121" y="1771395"/>
-            <a:ext cx="2550216" cy="2550216"/>
-          </a:xfrm>
-          <a:prstGeom prst="ellipse">
-            <a:avLst/>
-          </a:prstGeom>
-          <a:ln w="63500" cap="rnd">
-            <a:solidFill>
-              <a:srgbClr val="333333"/>
-            </a:solidFill>
-          </a:ln>
-          <a:effectLst/>
-          <a:scene3d>
-            <a:camera prst="orthographicFront"/>
-            <a:lightRig rig="contrasting" dir="t">
-              <a:rot lat="0" lon="0" rev="3000000"/>
-            </a:lightRig>
-          </a:scene3d>
-          <a:sp3d contourW="7620">
-            <a:bevelT w="95250" h="31750"/>
-            <a:contourClr>
-              <a:srgbClr val="333333"/>
-            </a:contourClr>
-          </a:sp3d>
-        </p:spPr>
-      </p:pic>
-      <p:sp>
-        <p:nvSpPr>
-          <p:cNvPr id="8" name="TextBox 7">
-            <a:extLst>
-              <a:ext uri="{FF2B5EF4-FFF2-40B4-BE49-F238E27FC236}">
-                <a16:creationId xmlns:a16="http://schemas.microsoft.com/office/drawing/2014/main" id="{8F24A36A-7B68-4FB3-BD38-0855063C1A8F}"/>
-              </a:ext>
-            </a:extLst>
-          </p:cNvPr>
-          <p:cNvSpPr txBox="1"/>
-          <p:nvPr/>
-        </p:nvSpPr>
-        <p:spPr>
-          <a:xfrm>
-            <a:off x="1702121" y="4615766"/>
-            <a:ext cx="2642262" cy="584775"/>
-          </a:xfrm>
-          <a:prstGeom prst="rect">
-            <a:avLst/>
-          </a:prstGeom>
-          <a:noFill/>
-        </p:spPr>
-        <p:txBody>
-          <a:bodyPr wrap="none" rtlCol="0">
-            <a:spAutoFit/>
-          </a:bodyPr>
-          <a:lstStyle/>
-          <a:p>
-            <a:pPr algn="ctr"/>
-            <a:r>
-              <a:rPr lang="de-AT" sz="3200" dirty="0"/>
-              <a:t>Daniel Wagner</a:t>
-            </a:r>
-            <a:endParaRPr lang="en-US" sz="3200" dirty="0"/>
-          </a:p>
-        </p:txBody>
-      </p:sp>
-      <p:sp>
-        <p:nvSpPr>
-          <p:cNvPr id="9" name="TextBox 8">
-            <a:extLst>
-              <a:ext uri="{FF2B5EF4-FFF2-40B4-BE49-F238E27FC236}">
-                <a16:creationId xmlns:a16="http://schemas.microsoft.com/office/drawing/2014/main" id="{DE35E203-64DF-4C04-B174-11612E32E61D}"/>
-              </a:ext>
-            </a:extLst>
-          </p:cNvPr>
-          <p:cNvSpPr txBox="1"/>
-          <p:nvPr/>
-        </p:nvSpPr>
-        <p:spPr>
-          <a:xfrm>
-            <a:off x="1961540" y="5125595"/>
-            <a:ext cx="2344681" cy="523220"/>
-          </a:xfrm>
-          <a:prstGeom prst="rect">
-            <a:avLst/>
-          </a:prstGeom>
-          <a:noFill/>
-        </p:spPr>
-        <p:txBody>
-          <a:bodyPr wrap="none" rtlCol="0">
-            <a:spAutoFit/>
-          </a:bodyPr>
-          <a:lstStyle/>
-          <a:p>
-            <a:r>
-              <a:rPr lang="de-AT" sz="2800" dirty="0">
-                <a:hlinkClick r:id="rId3"/>
-              </a:rPr>
-              <a:t>daniel_wagn3r</a:t>
-            </a:r>
-            <a:endParaRPr lang="en-US" sz="2800" dirty="0"/>
-          </a:p>
-        </p:txBody>
-      </p:sp>
-      <p:pic>
-        <p:nvPicPr>
-          <p:cNvPr id="1028" name="Picture 4" descr="Bildergebnis fÃ¼r verbund logo">
-            <a:extLst>
-              <a:ext uri="{FF2B5EF4-FFF2-40B4-BE49-F238E27FC236}">
-                <a16:creationId xmlns:a16="http://schemas.microsoft.com/office/drawing/2014/main" id="{04C0DE8A-7A02-4D83-A839-DB703E3B7862}"/>
-              </a:ext>
-            </a:extLst>
-          </p:cNvPr>
-          <p:cNvPicPr>
-            <a:picLocks noChangeAspect="1" noChangeArrowheads="1"/>
-          </p:cNvPicPr>
-          <p:nvPr/>
-        </p:nvPicPr>
-        <p:blipFill>
-          <a:blip r:embed="rId4" cstate="hqprint">
-            <a:extLst>
-              <a:ext uri="{28A0092B-C50C-407E-A947-70E740481C1C}">
-                <a14:useLocalDpi xmlns:a14="http://schemas.microsoft.com/office/drawing/2010/main" val="0"/>
-              </a:ext>
-            </a:extLst>
-          </a:blip>
-          <a:srcRect/>
-          <a:stretch>
-            <a:fillRect/>
-          </a:stretch>
-        </p:blipFill>
-        <p:spPr bwMode="auto">
-          <a:xfrm>
-            <a:off x="3543067" y="1690688"/>
-            <a:ext cx="2552933" cy="523219"/>
-          </a:xfrm>
-          <a:prstGeom prst="rect">
-            <a:avLst/>
-          </a:prstGeom>
-          <a:noFill/>
-          <a:extLst>
-            <a:ext uri="{909E8E84-426E-40DD-AFC4-6F175D3DCCD1}">
-              <a14:hiddenFill xmlns:a14="http://schemas.microsoft.com/office/drawing/2010/main">
-                <a:solidFill>
-                  <a:srgbClr val="FFFFFF"/>
-                </a:solidFill>
-              </a14:hiddenFill>
-            </a:ext>
-          </a:extLst>
-        </p:spPr>
-      </p:pic>
-      <p:pic>
-        <p:nvPicPr>
-          <p:cNvPr id="3" name="Picture 2"/>
-          <p:cNvPicPr>
-            <a:picLocks noChangeAspect="1"/>
-          </p:cNvPicPr>
-          <p:nvPr/>
-        </p:nvPicPr>
-        <p:blipFill>
-          <a:blip r:embed="rId5" cstate="hqprint">
-            <a:extLst>
-              <a:ext uri="{28A0092B-C50C-407E-A947-70E740481C1C}">
-                <a14:useLocalDpi xmlns:a14="http://schemas.microsoft.com/office/drawing/2010/main" val="0"/>
-              </a:ext>
-            </a:extLst>
-          </a:blip>
-          <a:stretch>
-            <a:fillRect/>
-          </a:stretch>
-        </p:blipFill>
-        <p:spPr>
-          <a:xfrm>
-            <a:off x="1656908" y="5282033"/>
-            <a:ext cx="265158" cy="216000"/>
-          </a:xfrm>
-          <a:prstGeom prst="rect">
-            <a:avLst/>
-          </a:prstGeom>
-        </p:spPr>
-      </p:pic>
-    </p:spTree>
-    <p:extLst>
-      <p:ext uri="{BB962C8B-B14F-4D97-AF65-F5344CB8AC3E}">
-        <p14:creationId xmlns:p14="http://schemas.microsoft.com/office/powerpoint/2010/main" val="2553205811"/>
-      </p:ext>
-    </p:extLst>
-  </p:cSld>
-  <p:clrMapOvr>
-    <a:masterClrMapping/>
-  </p:clrMapOvr>
-</p:sld>
-</file>
-
-<file path=ppt/slides/slide30.xml><?xml version="1.0" encoding="utf-8"?>
+<file path=ppt/slides/slide29.xml><?xml version="1.0" encoding="utf-8"?>
 <p:sld xmlns:a="http://schemas.openxmlformats.org/drawingml/2006/main" xmlns:r="http://schemas.openxmlformats.org/officeDocument/2006/relationships" xmlns:p="http://schemas.openxmlformats.org/presentationml/2006/main">
   <p:cSld>
     <p:spTree>
@@ -21675,7 +21542,158 @@
 </p:sld>
 </file>
 
-<file path=ppt/slides/slide31.xml><?xml version="1.0" encoding="utf-8"?>
+<file path=ppt/slides/slide3.xml><?xml version="1.0" encoding="utf-8"?>
+<p:sld xmlns:a="http://schemas.openxmlformats.org/drawingml/2006/main" xmlns:r="http://schemas.openxmlformats.org/officeDocument/2006/relationships" xmlns:p="http://schemas.openxmlformats.org/presentationml/2006/main">
+  <p:cSld>
+    <p:spTree>
+      <p:nvGrpSpPr>
+        <p:cNvPr id="1" name=""/>
+        <p:cNvGrpSpPr/>
+        <p:nvPr/>
+      </p:nvGrpSpPr>
+      <p:grpSpPr>
+        <a:xfrm>
+          <a:off x="0" y="0"/>
+          <a:ext cx="0" cy="0"/>
+          <a:chOff x="0" y="0"/>
+          <a:chExt cx="0" cy="0"/>
+        </a:xfrm>
+      </p:grpSpPr>
+      <p:sp>
+        <p:nvSpPr>
+          <p:cNvPr id="2" name="Title 1">
+            <a:extLst>
+              <a:ext uri="{FF2B5EF4-FFF2-40B4-BE49-F238E27FC236}">
+                <a16:creationId xmlns:a16="http://schemas.microsoft.com/office/drawing/2014/main" id="{76D1CE63-ED43-4E04-A7D2-4D96E2DD3931}"/>
+              </a:ext>
+            </a:extLst>
+          </p:cNvPr>
+          <p:cNvSpPr>
+            <a:spLocks noGrp="1"/>
+          </p:cNvSpPr>
+          <p:nvPr>
+            <p:ph type="title"/>
+          </p:nvPr>
+        </p:nvSpPr>
+        <p:spPr/>
+        <p:txBody>
+          <a:bodyPr/>
+          <a:lstStyle/>
+          <a:p>
+            <a:r>
+              <a:rPr lang="de-AT" dirty="0"/>
+              <a:t>Identity vor dem Jahr 2010</a:t>
+            </a:r>
+            <a:endParaRPr lang="en-US" dirty="0"/>
+          </a:p>
+        </p:txBody>
+      </p:sp>
+      <p:sp>
+        <p:nvSpPr>
+          <p:cNvPr id="3" name="Content Placeholder 2">
+            <a:extLst>
+              <a:ext uri="{FF2B5EF4-FFF2-40B4-BE49-F238E27FC236}">
+                <a16:creationId xmlns:a16="http://schemas.microsoft.com/office/drawing/2014/main" id="{20A1E059-CB26-4580-BFBE-E85F45C183FE}"/>
+              </a:ext>
+            </a:extLst>
+          </p:cNvPr>
+          <p:cNvSpPr>
+            <a:spLocks noGrp="1"/>
+          </p:cNvSpPr>
+          <p:nvPr>
+            <p:ph idx="1"/>
+          </p:nvPr>
+        </p:nvSpPr>
+        <p:spPr/>
+        <p:txBody>
+          <a:bodyPr/>
+          <a:lstStyle/>
+          <a:p>
+            <a:r>
+              <a:rPr lang="de-AT" dirty="0"/>
+              <a:t>Simple </a:t>
+            </a:r>
+            <a:r>
+              <a:rPr lang="de-AT" dirty="0" err="1"/>
+              <a:t>login</a:t>
+            </a:r>
+            <a:r>
+              <a:rPr lang="de-AT" dirty="0"/>
+              <a:t> (</a:t>
+            </a:r>
+            <a:r>
+              <a:rPr lang="de-AT" dirty="0" err="1"/>
+              <a:t>forms</a:t>
+            </a:r>
+            <a:r>
+              <a:rPr lang="de-AT" dirty="0"/>
+              <a:t> and </a:t>
+            </a:r>
+            <a:r>
+              <a:rPr lang="de-AT" dirty="0" err="1"/>
+              <a:t>cookies</a:t>
+            </a:r>
+            <a:r>
+              <a:rPr lang="de-AT" dirty="0"/>
+              <a:t>)</a:t>
+            </a:r>
+          </a:p>
+          <a:p>
+            <a:r>
+              <a:rPr lang="de-AT" dirty="0"/>
+              <a:t>Single </a:t>
+            </a:r>
+            <a:r>
+              <a:rPr lang="de-AT" dirty="0" err="1"/>
+              <a:t>Sign</a:t>
+            </a:r>
+            <a:r>
+              <a:rPr lang="de-AT" dirty="0"/>
+              <a:t>-On</a:t>
+            </a:r>
+          </a:p>
+          <a:p>
+            <a:r>
+              <a:rPr lang="de-AT" strike="sngStrike" dirty="0"/>
+              <a:t>Mobile </a:t>
+            </a:r>
+            <a:r>
+              <a:rPr lang="de-AT" strike="sngStrike" dirty="0" err="1"/>
+              <a:t>apps</a:t>
+            </a:r>
+            <a:endParaRPr lang="de-AT" dirty="0"/>
+          </a:p>
+          <a:p>
+            <a:r>
+              <a:rPr lang="de-AT" strike="sngStrike" dirty="0" err="1"/>
+              <a:t>Delegated</a:t>
+            </a:r>
+            <a:r>
+              <a:rPr lang="de-AT" strike="sngStrike" dirty="0"/>
+              <a:t> </a:t>
+            </a:r>
+            <a:r>
+              <a:rPr lang="de-AT" strike="sngStrike" dirty="0" err="1"/>
+              <a:t>authorization</a:t>
+            </a:r>
+            <a:endParaRPr lang="de-AT" strike="sngStrike" dirty="0"/>
+          </a:p>
+        </p:txBody>
+      </p:sp>
+    </p:spTree>
+    <p:extLst>
+      <p:ext uri="{BB962C8B-B14F-4D97-AF65-F5344CB8AC3E}">
+        <p14:creationId xmlns:p14="http://schemas.microsoft.com/office/powerpoint/2010/main" val="1292413551"/>
+      </p:ext>
+    </p:extLst>
+  </p:cSld>
+  <p:clrMapOvr>
+    <a:masterClrMapping/>
+  </p:clrMapOvr>
+</p:sld>
+</file>
+
+<file path=ppt/slides/slide30.xml><?xml version="1.0" encoding="utf-8"?>
 <p:sld xmlns:a="http://schemas.openxmlformats.org/drawingml/2006/main" xmlns:r="http://schemas.openxmlformats.org/officeDocument/2006/relationships" xmlns:p="http://schemas.openxmlformats.org/presentationml/2006/main">
   <p:cSld>
     <p:spTree>
@@ -22811,7 +22829,7 @@
 </p:sld>
 </file>
 
-<file path=ppt/slides/slide32.xml><?xml version="1.0" encoding="utf-8"?>
+<file path=ppt/slides/slide31.xml><?xml version="1.0" encoding="utf-8"?>
 <p:sld xmlns:a="http://schemas.openxmlformats.org/drawingml/2006/main" xmlns:r="http://schemas.openxmlformats.org/officeDocument/2006/relationships" xmlns:p="http://schemas.openxmlformats.org/presentationml/2006/main">
   <p:cSld>
     <p:spTree>
@@ -23242,7 +23260,7 @@
 </p:sld>
 </file>
 
-<file path=ppt/slides/slide33.xml><?xml version="1.0" encoding="utf-8"?>
+<file path=ppt/slides/slide32.xml><?xml version="1.0" encoding="utf-8"?>
 <p:sld xmlns:a="http://schemas.openxmlformats.org/drawingml/2006/main" xmlns:r="http://schemas.openxmlformats.org/officeDocument/2006/relationships" xmlns:p="http://schemas.openxmlformats.org/presentationml/2006/main">
   <p:cSld>
     <p:spTree>
@@ -24387,7 +24405,7 @@
 </p:sld>
 </file>
 
-<file path=ppt/slides/slide34.xml><?xml version="1.0" encoding="utf-8"?>
+<file path=ppt/slides/slide33.xml><?xml version="1.0" encoding="utf-8"?>
 <p:sld xmlns:a="http://schemas.openxmlformats.org/drawingml/2006/main" xmlns:r="http://schemas.openxmlformats.org/officeDocument/2006/relationships" xmlns:p="http://schemas.openxmlformats.org/presentationml/2006/main">
   <p:cSld>
     <p:spTree>
@@ -24829,7 +24847,7 @@
 </p:sld>
 </file>
 
-<file path=ppt/slides/slide35.xml><?xml version="1.0" encoding="utf-8"?>
+<file path=ppt/slides/slide34.xml><?xml version="1.0" encoding="utf-8"?>
 <p:sld xmlns:a="http://schemas.openxmlformats.org/drawingml/2006/main" xmlns:r="http://schemas.openxmlformats.org/officeDocument/2006/relationships" xmlns:p="http://schemas.openxmlformats.org/presentationml/2006/main">
   <p:cSld>
     <p:spTree>
@@ -26666,7 +26684,7 @@
 </p:sld>
 </file>
 
-<file path=ppt/slides/slide36.xml><?xml version="1.0" encoding="utf-8"?>
+<file path=ppt/slides/slide35.xml><?xml version="1.0" encoding="utf-8"?>
 <p:sld xmlns:a="http://schemas.openxmlformats.org/drawingml/2006/main" xmlns:r="http://schemas.openxmlformats.org/officeDocument/2006/relationships" xmlns:p="http://schemas.openxmlformats.org/presentationml/2006/main">
   <p:cSld>
     <p:spTree>
@@ -27104,7 +27122,7 @@
 </p:sld>
 </file>
 
-<file path=ppt/slides/slide37.xml><?xml version="1.0" encoding="utf-8"?>
+<file path=ppt/slides/slide36.xml><?xml version="1.0" encoding="utf-8"?>
 <p:sld xmlns:a="http://schemas.openxmlformats.org/drawingml/2006/main" xmlns:r="http://schemas.openxmlformats.org/officeDocument/2006/relationships" xmlns:p="http://schemas.openxmlformats.org/presentationml/2006/main">
   <p:cSld>
     <p:spTree>
@@ -28705,7 +28723,7 @@
 </p:sld>
 </file>
 
-<file path=ppt/slides/slide38.xml><?xml version="1.0" encoding="utf-8"?>
+<file path=ppt/slides/slide37.xml><?xml version="1.0" encoding="utf-8"?>
 <p:sld xmlns:a="http://schemas.openxmlformats.org/drawingml/2006/main" xmlns:r="http://schemas.openxmlformats.org/officeDocument/2006/relationships" xmlns:p="http://schemas.openxmlformats.org/presentationml/2006/main">
   <p:cSld>
     <p:spTree>
@@ -29134,7 +29152,7 @@
 </p:sld>
 </file>
 
-<file path=ppt/slides/slide39.xml><?xml version="1.0" encoding="utf-8"?>
+<file path=ppt/slides/slide38.xml><?xml version="1.0" encoding="utf-8"?>
 <p:sld xmlns:a="http://schemas.openxmlformats.org/drawingml/2006/main" xmlns:r="http://schemas.openxmlformats.org/officeDocument/2006/relationships" xmlns:p="http://schemas.openxmlformats.org/presentationml/2006/main">
   <p:cSld>
     <p:spTree>
@@ -30975,158 +30993,7 @@
 </p:sld>
 </file>
 
-<file path=ppt/slides/slide4.xml><?xml version="1.0" encoding="utf-8"?>
-<p:sld xmlns:a="http://schemas.openxmlformats.org/drawingml/2006/main" xmlns:r="http://schemas.openxmlformats.org/officeDocument/2006/relationships" xmlns:p="http://schemas.openxmlformats.org/presentationml/2006/main">
-  <p:cSld>
-    <p:spTree>
-      <p:nvGrpSpPr>
-        <p:cNvPr id="1" name=""/>
-        <p:cNvGrpSpPr/>
-        <p:nvPr/>
-      </p:nvGrpSpPr>
-      <p:grpSpPr>
-        <a:xfrm>
-          <a:off x="0" y="0"/>
-          <a:ext cx="0" cy="0"/>
-          <a:chOff x="0" y="0"/>
-          <a:chExt cx="0" cy="0"/>
-        </a:xfrm>
-      </p:grpSpPr>
-      <p:sp>
-        <p:nvSpPr>
-          <p:cNvPr id="2" name="Title 1">
-            <a:extLst>
-              <a:ext uri="{FF2B5EF4-FFF2-40B4-BE49-F238E27FC236}">
-                <a16:creationId xmlns:a16="http://schemas.microsoft.com/office/drawing/2014/main" id="{76D1CE63-ED43-4E04-A7D2-4D96E2DD3931}"/>
-              </a:ext>
-            </a:extLst>
-          </p:cNvPr>
-          <p:cNvSpPr>
-            <a:spLocks noGrp="1"/>
-          </p:cNvSpPr>
-          <p:nvPr>
-            <p:ph type="title"/>
-          </p:nvPr>
-        </p:nvSpPr>
-        <p:spPr/>
-        <p:txBody>
-          <a:bodyPr/>
-          <a:lstStyle/>
-          <a:p>
-            <a:r>
-              <a:rPr lang="de-AT" dirty="0"/>
-              <a:t>Identity vor dem Jahr 2010</a:t>
-            </a:r>
-            <a:endParaRPr lang="en-US" dirty="0"/>
-          </a:p>
-        </p:txBody>
-      </p:sp>
-      <p:sp>
-        <p:nvSpPr>
-          <p:cNvPr id="3" name="Content Placeholder 2">
-            <a:extLst>
-              <a:ext uri="{FF2B5EF4-FFF2-40B4-BE49-F238E27FC236}">
-                <a16:creationId xmlns:a16="http://schemas.microsoft.com/office/drawing/2014/main" id="{20A1E059-CB26-4580-BFBE-E85F45C183FE}"/>
-              </a:ext>
-            </a:extLst>
-          </p:cNvPr>
-          <p:cNvSpPr>
-            <a:spLocks noGrp="1"/>
-          </p:cNvSpPr>
-          <p:nvPr>
-            <p:ph idx="1"/>
-          </p:nvPr>
-        </p:nvSpPr>
-        <p:spPr/>
-        <p:txBody>
-          <a:bodyPr/>
-          <a:lstStyle/>
-          <a:p>
-            <a:r>
-              <a:rPr lang="de-AT" dirty="0"/>
-              <a:t>Simple </a:t>
-            </a:r>
-            <a:r>
-              <a:rPr lang="de-AT" dirty="0" err="1"/>
-              <a:t>login</a:t>
-            </a:r>
-            <a:r>
-              <a:rPr lang="de-AT" dirty="0"/>
-              <a:t> (</a:t>
-            </a:r>
-            <a:r>
-              <a:rPr lang="de-AT" dirty="0" err="1"/>
-              <a:t>forms</a:t>
-            </a:r>
-            <a:r>
-              <a:rPr lang="de-AT" dirty="0"/>
-              <a:t> and </a:t>
-            </a:r>
-            <a:r>
-              <a:rPr lang="de-AT" dirty="0" err="1"/>
-              <a:t>cookies</a:t>
-            </a:r>
-            <a:r>
-              <a:rPr lang="de-AT" dirty="0"/>
-              <a:t>)</a:t>
-            </a:r>
-          </a:p>
-          <a:p>
-            <a:r>
-              <a:rPr lang="de-AT" dirty="0"/>
-              <a:t>Single </a:t>
-            </a:r>
-            <a:r>
-              <a:rPr lang="de-AT" dirty="0" err="1"/>
-              <a:t>Sign</a:t>
-            </a:r>
-            <a:r>
-              <a:rPr lang="de-AT" dirty="0"/>
-              <a:t>-On</a:t>
-            </a:r>
-          </a:p>
-          <a:p>
-            <a:r>
-              <a:rPr lang="de-AT" strike="sngStrike" dirty="0"/>
-              <a:t>Mobile </a:t>
-            </a:r>
-            <a:r>
-              <a:rPr lang="de-AT" strike="sngStrike" dirty="0" err="1"/>
-              <a:t>apps</a:t>
-            </a:r>
-            <a:endParaRPr lang="de-AT" dirty="0"/>
-          </a:p>
-          <a:p>
-            <a:r>
-              <a:rPr lang="de-AT" strike="sngStrike" dirty="0" err="1"/>
-              <a:t>Delegated</a:t>
-            </a:r>
-            <a:r>
-              <a:rPr lang="de-AT" strike="sngStrike" dirty="0"/>
-              <a:t> </a:t>
-            </a:r>
-            <a:r>
-              <a:rPr lang="de-AT" strike="sngStrike" dirty="0" err="1"/>
-              <a:t>authorization</a:t>
-            </a:r>
-            <a:endParaRPr lang="de-AT" strike="sngStrike" dirty="0"/>
-          </a:p>
-        </p:txBody>
-      </p:sp>
-    </p:spTree>
-    <p:extLst>
-      <p:ext uri="{BB962C8B-B14F-4D97-AF65-F5344CB8AC3E}">
-        <p14:creationId xmlns:p14="http://schemas.microsoft.com/office/powerpoint/2010/main" val="3738022661"/>
-      </p:ext>
-    </p:extLst>
-  </p:cSld>
-  <p:clrMapOvr>
-    <a:masterClrMapping/>
-  </p:clrMapOvr>
-</p:sld>
-</file>
-
-<file path=ppt/slides/slide40.xml><?xml version="1.0" encoding="utf-8"?>
+<file path=ppt/slides/slide39.xml><?xml version="1.0" encoding="utf-8"?>
 <p:sld xmlns:a="http://schemas.openxmlformats.org/drawingml/2006/main" xmlns:r="http://schemas.openxmlformats.org/officeDocument/2006/relationships" xmlns:p="http://schemas.openxmlformats.org/presentationml/2006/main">
   <p:cSld>
     <p:spTree>
@@ -31581,7 +31448,2100 @@
 </p:sld>
 </file>
 
-<file path=ppt/slides/slide41.xml><?xml version="1.0" encoding="utf-8"?>
+<file path=ppt/slides/slide4.xml><?xml version="1.0" encoding="utf-8"?>
+<p:sld xmlns:a="http://schemas.openxmlformats.org/drawingml/2006/main" xmlns:r="http://schemas.openxmlformats.org/officeDocument/2006/relationships" xmlns:p="http://schemas.openxmlformats.org/presentationml/2006/main">
+  <p:cSld>
+    <p:spTree>
+      <p:nvGrpSpPr>
+        <p:cNvPr id="1" name=""/>
+        <p:cNvGrpSpPr/>
+        <p:nvPr/>
+      </p:nvGrpSpPr>
+      <p:grpSpPr>
+        <a:xfrm>
+          <a:off x="0" y="0"/>
+          <a:ext cx="0" cy="0"/>
+          <a:chOff x="0" y="0"/>
+          <a:chExt cx="0" cy="0"/>
+        </a:xfrm>
+      </p:grpSpPr>
+      <p:sp>
+        <p:nvSpPr>
+          <p:cNvPr id="2" name="Title 1">
+            <a:extLst>
+              <a:ext uri="{FF2B5EF4-FFF2-40B4-BE49-F238E27FC236}">
+                <a16:creationId xmlns:a16="http://schemas.microsoft.com/office/drawing/2014/main" id="{BA9E32D3-54C4-4230-9DF3-BCCDED4C545E}"/>
+              </a:ext>
+            </a:extLst>
+          </p:cNvPr>
+          <p:cNvSpPr>
+            <a:spLocks noGrp="1"/>
+          </p:cNvSpPr>
+          <p:nvPr>
+            <p:ph type="title"/>
+          </p:nvPr>
+        </p:nvSpPr>
+        <p:spPr/>
+        <p:txBody>
+          <a:bodyPr/>
+          <a:lstStyle/>
+          <a:p>
+            <a:r>
+              <a:rPr lang="de-AT" dirty="0"/>
+              <a:t>Beispiel Szenario</a:t>
+            </a:r>
+            <a:endParaRPr lang="en-US" dirty="0"/>
+          </a:p>
+        </p:txBody>
+      </p:sp>
+      <p:grpSp>
+        <p:nvGrpSpPr>
+          <p:cNvPr id="14" name="Group 13">
+            <a:extLst>
+              <a:ext uri="{FF2B5EF4-FFF2-40B4-BE49-F238E27FC236}">
+                <a16:creationId xmlns:a16="http://schemas.microsoft.com/office/drawing/2014/main" id="{7967B921-BA93-482C-ACC2-CB40126ADC22}"/>
+              </a:ext>
+            </a:extLst>
+          </p:cNvPr>
+          <p:cNvGrpSpPr/>
+          <p:nvPr/>
+        </p:nvGrpSpPr>
+        <p:grpSpPr>
+          <a:xfrm>
+            <a:off x="9959251" y="1933174"/>
+            <a:ext cx="1446924" cy="1323770"/>
+            <a:chOff x="7060850" y="3273967"/>
+            <a:chExt cx="1446924" cy="1323770"/>
+          </a:xfrm>
+        </p:grpSpPr>
+        <p:pic>
+          <p:nvPicPr>
+            <p:cNvPr id="15" name="Graphic 14">
+              <a:extLst>
+                <a:ext uri="{FF2B5EF4-FFF2-40B4-BE49-F238E27FC236}">
+                  <a16:creationId xmlns:a16="http://schemas.microsoft.com/office/drawing/2014/main" id="{686AD413-9354-4901-B469-C3D1E1628AAE}"/>
+                </a:ext>
+              </a:extLst>
+            </p:cNvPr>
+            <p:cNvPicPr>
+              <a:picLocks noChangeAspect="1"/>
+            </p:cNvPicPr>
+            <p:nvPr/>
+          </p:nvPicPr>
+          <p:blipFill>
+            <a:blip r:embed="rId2" cstate="hqprint">
+              <a:extLst>
+                <a:ext uri="{28A0092B-C50C-407E-A947-70E740481C1C}">
+                  <a14:useLocalDpi xmlns:a14="http://schemas.microsoft.com/office/drawing/2010/main" val="0"/>
+                </a:ext>
+                <a:ext uri="{96DAC541-7B7A-43D3-8B79-37D633B846F1}">
+                  <asvg:svgBlip xmlns:asvg="http://schemas.microsoft.com/office/drawing/2016/SVG/main" r:embed="rId3"/>
+                </a:ext>
+              </a:extLst>
+            </a:blip>
+            <a:stretch>
+              <a:fillRect/>
+            </a:stretch>
+          </p:blipFill>
+          <p:spPr>
+            <a:xfrm>
+              <a:off x="7359062" y="3273967"/>
+              <a:ext cx="850500" cy="972000"/>
+            </a:xfrm>
+            <a:prstGeom prst="rect">
+              <a:avLst/>
+            </a:prstGeom>
+          </p:spPr>
+        </p:pic>
+        <p:sp>
+          <p:nvSpPr>
+            <p:cNvPr id="16" name="TextBox 15">
+              <a:extLst>
+                <a:ext uri="{FF2B5EF4-FFF2-40B4-BE49-F238E27FC236}">
+                  <a16:creationId xmlns:a16="http://schemas.microsoft.com/office/drawing/2014/main" id="{DDE4C204-21F3-4C23-B195-D2A41D6859B6}"/>
+                </a:ext>
+              </a:extLst>
+            </p:cNvPr>
+            <p:cNvSpPr txBox="1"/>
+            <p:nvPr/>
+          </p:nvSpPr>
+          <p:spPr>
+            <a:xfrm>
+              <a:off x="7060850" y="4320738"/>
+              <a:ext cx="1446924" cy="276999"/>
+            </a:xfrm>
+            <a:prstGeom prst="rect">
+              <a:avLst/>
+            </a:prstGeom>
+            <a:noFill/>
+          </p:spPr>
+          <p:txBody>
+            <a:bodyPr wrap="square" rtlCol="0">
+              <a:spAutoFit/>
+            </a:bodyPr>
+            <a:lstStyle/>
+            <a:p>
+              <a:pPr algn="ctr"/>
+              <a:r>
+                <a:rPr lang="de-AT" sz="1200" dirty="0"/>
+                <a:t>Datenbank</a:t>
+              </a:r>
+              <a:endParaRPr lang="en-US" sz="1200" dirty="0"/>
+            </a:p>
+          </p:txBody>
+        </p:sp>
+      </p:grpSp>
+      <p:grpSp>
+        <p:nvGrpSpPr>
+          <p:cNvPr id="17" name="Group 16">
+            <a:extLst>
+              <a:ext uri="{FF2B5EF4-FFF2-40B4-BE49-F238E27FC236}">
+                <a16:creationId xmlns:a16="http://schemas.microsoft.com/office/drawing/2014/main" id="{4D65E832-205A-42E8-8A3B-D340CC3825E6}"/>
+              </a:ext>
+            </a:extLst>
+          </p:cNvPr>
+          <p:cNvGrpSpPr/>
+          <p:nvPr/>
+        </p:nvGrpSpPr>
+        <p:grpSpPr>
+          <a:xfrm>
+            <a:off x="1263461" y="1940182"/>
+            <a:ext cx="1446924" cy="1298910"/>
+            <a:chOff x="8334332" y="3303664"/>
+            <a:chExt cx="1446924" cy="1298910"/>
+          </a:xfrm>
+        </p:grpSpPr>
+        <p:sp>
+          <p:nvSpPr>
+            <p:cNvPr id="18" name="TextBox 17">
+              <a:extLst>
+                <a:ext uri="{FF2B5EF4-FFF2-40B4-BE49-F238E27FC236}">
+                  <a16:creationId xmlns:a16="http://schemas.microsoft.com/office/drawing/2014/main" id="{6CF4FB54-EA1F-49F3-828D-855F99C37D22}"/>
+                </a:ext>
+              </a:extLst>
+            </p:cNvPr>
+            <p:cNvSpPr txBox="1"/>
+            <p:nvPr/>
+          </p:nvSpPr>
+          <p:spPr>
+            <a:xfrm>
+              <a:off x="8334332" y="4325575"/>
+              <a:ext cx="1446924" cy="276999"/>
+            </a:xfrm>
+            <a:prstGeom prst="rect">
+              <a:avLst/>
+            </a:prstGeom>
+            <a:noFill/>
+          </p:spPr>
+          <p:txBody>
+            <a:bodyPr wrap="square" rtlCol="0">
+              <a:spAutoFit/>
+            </a:bodyPr>
+            <a:lstStyle/>
+            <a:p>
+              <a:pPr algn="ctr"/>
+              <a:r>
+                <a:rPr lang="de-AT" sz="1200" dirty="0"/>
+                <a:t>Benutzer</a:t>
+              </a:r>
+              <a:endParaRPr lang="en-US" sz="1200" dirty="0"/>
+            </a:p>
+          </p:txBody>
+        </p:sp>
+        <p:pic>
+          <p:nvPicPr>
+            <p:cNvPr id="19" name="Graphic 18">
+              <a:extLst>
+                <a:ext uri="{FF2B5EF4-FFF2-40B4-BE49-F238E27FC236}">
+                  <a16:creationId xmlns:a16="http://schemas.microsoft.com/office/drawing/2014/main" id="{2419C9CC-F4EC-416B-9C25-118E6C7A5562}"/>
+                </a:ext>
+              </a:extLst>
+            </p:cNvPr>
+            <p:cNvPicPr>
+              <a:picLocks noChangeAspect="1"/>
+            </p:cNvPicPr>
+            <p:nvPr/>
+          </p:nvPicPr>
+          <p:blipFill>
+            <a:blip r:embed="rId4" cstate="hqprint">
+              <a:extLst>
+                <a:ext uri="{28A0092B-C50C-407E-A947-70E740481C1C}">
+                  <a14:useLocalDpi xmlns:a14="http://schemas.microsoft.com/office/drawing/2010/main" val="0"/>
+                </a:ext>
+                <a:ext uri="{96DAC541-7B7A-43D3-8B79-37D633B846F1}">
+                  <asvg:svgBlip xmlns:asvg="http://schemas.microsoft.com/office/drawing/2016/SVG/main" r:embed="rId5"/>
+                </a:ext>
+              </a:extLst>
+            </a:blip>
+            <a:stretch>
+              <a:fillRect/>
+            </a:stretch>
+          </p:blipFill>
+          <p:spPr>
+            <a:xfrm>
+              <a:off x="8616539" y="3303664"/>
+              <a:ext cx="850500" cy="972000"/>
+            </a:xfrm>
+            <a:prstGeom prst="rect">
+              <a:avLst/>
+            </a:prstGeom>
+          </p:spPr>
+        </p:pic>
+      </p:grpSp>
+      <p:grpSp>
+        <p:nvGrpSpPr>
+          <p:cNvPr id="20" name="Group 19">
+            <a:extLst>
+              <a:ext uri="{FF2B5EF4-FFF2-40B4-BE49-F238E27FC236}">
+                <a16:creationId xmlns:a16="http://schemas.microsoft.com/office/drawing/2014/main" id="{2E8E9A67-4244-4788-BDB6-29AE44B5E561}"/>
+              </a:ext>
+            </a:extLst>
+          </p:cNvPr>
+          <p:cNvGrpSpPr/>
+          <p:nvPr/>
+        </p:nvGrpSpPr>
+        <p:grpSpPr>
+          <a:xfrm>
+            <a:off x="5572496" y="1945304"/>
+            <a:ext cx="1446924" cy="1299510"/>
+            <a:chOff x="974256" y="4958709"/>
+            <a:chExt cx="1446924" cy="1299510"/>
+          </a:xfrm>
+        </p:grpSpPr>
+        <p:pic>
+          <p:nvPicPr>
+            <p:cNvPr id="21" name="Graphic 20">
+              <a:extLst>
+                <a:ext uri="{FF2B5EF4-FFF2-40B4-BE49-F238E27FC236}">
+                  <a16:creationId xmlns:a16="http://schemas.microsoft.com/office/drawing/2014/main" id="{A9C8B5E7-809D-4983-8271-51D94DFDEE18}"/>
+                </a:ext>
+              </a:extLst>
+            </p:cNvPr>
+            <p:cNvPicPr>
+              <a:picLocks noChangeAspect="1"/>
+            </p:cNvPicPr>
+            <p:nvPr/>
+          </p:nvPicPr>
+          <p:blipFill>
+            <a:blip r:embed="rId6" cstate="hqprint">
+              <a:extLst>
+                <a:ext uri="{28A0092B-C50C-407E-A947-70E740481C1C}">
+                  <a14:useLocalDpi xmlns:a14="http://schemas.microsoft.com/office/drawing/2010/main" val="0"/>
+                </a:ext>
+                <a:ext uri="{96DAC541-7B7A-43D3-8B79-37D633B846F1}">
+                  <asvg:svgBlip xmlns:asvg="http://schemas.microsoft.com/office/drawing/2016/SVG/main" r:embed="rId7"/>
+                </a:ext>
+              </a:extLst>
+            </a:blip>
+            <a:stretch>
+              <a:fillRect/>
+            </a:stretch>
+          </p:blipFill>
+          <p:spPr>
+            <a:xfrm flipH="1">
+              <a:off x="1211718" y="4958709"/>
+              <a:ext cx="972000" cy="972000"/>
+            </a:xfrm>
+            <a:prstGeom prst="rect">
+              <a:avLst/>
+            </a:prstGeom>
+          </p:spPr>
+        </p:pic>
+        <p:sp>
+          <p:nvSpPr>
+            <p:cNvPr id="22" name="TextBox 21">
+              <a:extLst>
+                <a:ext uri="{FF2B5EF4-FFF2-40B4-BE49-F238E27FC236}">
+                  <a16:creationId xmlns:a16="http://schemas.microsoft.com/office/drawing/2014/main" id="{E9941C38-925B-42D3-B7F9-27D62A756234}"/>
+                </a:ext>
+              </a:extLst>
+            </p:cNvPr>
+            <p:cNvSpPr txBox="1"/>
+            <p:nvPr/>
+          </p:nvSpPr>
+          <p:spPr>
+            <a:xfrm>
+              <a:off x="974256" y="5981220"/>
+              <a:ext cx="1446924" cy="276999"/>
+            </a:xfrm>
+            <a:prstGeom prst="rect">
+              <a:avLst/>
+            </a:prstGeom>
+            <a:noFill/>
+          </p:spPr>
+          <p:txBody>
+            <a:bodyPr wrap="square" rtlCol="0">
+              <a:spAutoFit/>
+            </a:bodyPr>
+            <a:lstStyle/>
+            <a:p>
+              <a:pPr algn="ctr"/>
+              <a:r>
+                <a:rPr lang="de-AT" sz="1200" dirty="0"/>
+                <a:t>Anwendung</a:t>
+              </a:r>
+              <a:endParaRPr lang="en-US" sz="1200" dirty="0"/>
+            </a:p>
+          </p:txBody>
+        </p:sp>
+      </p:grpSp>
+      <p:grpSp>
+        <p:nvGrpSpPr>
+          <p:cNvPr id="23" name="Group 22">
+            <a:extLst>
+              <a:ext uri="{FF2B5EF4-FFF2-40B4-BE49-F238E27FC236}">
+                <a16:creationId xmlns:a16="http://schemas.microsoft.com/office/drawing/2014/main" id="{FD7A6B1B-9109-42F7-AA39-50E72898D08F}"/>
+              </a:ext>
+            </a:extLst>
+          </p:cNvPr>
+          <p:cNvGrpSpPr/>
+          <p:nvPr/>
+        </p:nvGrpSpPr>
+        <p:grpSpPr>
+          <a:xfrm>
+            <a:off x="2534242" y="2007063"/>
+            <a:ext cx="3075927" cy="324939"/>
+            <a:chOff x="4164163" y="2994320"/>
+            <a:chExt cx="3696730" cy="324939"/>
+          </a:xfrm>
+        </p:grpSpPr>
+        <p:cxnSp>
+          <p:nvCxnSpPr>
+            <p:cNvPr id="24" name="Straight Arrow Connector 23">
+              <a:extLst>
+                <a:ext uri="{FF2B5EF4-FFF2-40B4-BE49-F238E27FC236}">
+                  <a16:creationId xmlns:a16="http://schemas.microsoft.com/office/drawing/2014/main" id="{E5BBE36A-F79E-48B5-9C36-132EF6EAC2CC}"/>
+                </a:ext>
+              </a:extLst>
+            </p:cNvPr>
+            <p:cNvCxnSpPr>
+              <a:cxnSpLocks/>
+            </p:cNvCxnSpPr>
+            <p:nvPr/>
+          </p:nvCxnSpPr>
+          <p:spPr>
+            <a:xfrm>
+              <a:off x="4164163" y="3319259"/>
+              <a:ext cx="3696730" cy="0"/>
+            </a:xfrm>
+            <a:prstGeom prst="straightConnector1">
+              <a:avLst/>
+            </a:prstGeom>
+            <a:ln>
+              <a:tailEnd type="triangle"/>
+            </a:ln>
+          </p:spPr>
+          <p:style>
+            <a:lnRef idx="3">
+              <a:schemeClr val="accent3"/>
+            </a:lnRef>
+            <a:fillRef idx="0">
+              <a:schemeClr val="accent3"/>
+            </a:fillRef>
+            <a:effectRef idx="2">
+              <a:schemeClr val="accent3"/>
+            </a:effectRef>
+            <a:fontRef idx="minor">
+              <a:schemeClr val="tx1"/>
+            </a:fontRef>
+          </p:style>
+        </p:cxnSp>
+        <p:sp>
+          <p:nvSpPr>
+            <p:cNvPr id="25" name="TextBox 24">
+              <a:extLst>
+                <a:ext uri="{FF2B5EF4-FFF2-40B4-BE49-F238E27FC236}">
+                  <a16:creationId xmlns:a16="http://schemas.microsoft.com/office/drawing/2014/main" id="{95361F7B-ACE0-4972-85A0-0E546085C66F}"/>
+                </a:ext>
+              </a:extLst>
+            </p:cNvPr>
+            <p:cNvSpPr txBox="1"/>
+            <p:nvPr/>
+          </p:nvSpPr>
+          <p:spPr>
+            <a:xfrm>
+              <a:off x="5129159" y="2994320"/>
+              <a:ext cx="1766737" cy="276999"/>
+            </a:xfrm>
+            <a:prstGeom prst="rect">
+              <a:avLst/>
+            </a:prstGeom>
+            <a:noFill/>
+          </p:spPr>
+          <p:txBody>
+            <a:bodyPr wrap="square" rtlCol="0">
+              <a:spAutoFit/>
+            </a:bodyPr>
+            <a:lstStyle>
+              <a:defPPr>
+                <a:defRPr lang="en-US"/>
+              </a:defPPr>
+              <a:lvl1pPr>
+                <a:defRPr sz="1200">
+                  <a:solidFill>
+                    <a:schemeClr val="bg1">
+                      <a:lumMod val="50000"/>
+                    </a:schemeClr>
+                  </a:solidFill>
+                </a:defRPr>
+              </a:lvl1pPr>
+            </a:lstStyle>
+            <a:p>
+              <a:pPr algn="ctr"/>
+              <a:r>
+                <a:rPr lang="de-AT" dirty="0"/>
+                <a:t>Login Anfrage </a:t>
+              </a:r>
+              <a:endParaRPr lang="en-US" dirty="0"/>
+            </a:p>
+          </p:txBody>
+        </p:sp>
+      </p:grpSp>
+      <p:grpSp>
+        <p:nvGrpSpPr>
+          <p:cNvPr id="26" name="Group 25">
+            <a:extLst>
+              <a:ext uri="{FF2B5EF4-FFF2-40B4-BE49-F238E27FC236}">
+                <a16:creationId xmlns:a16="http://schemas.microsoft.com/office/drawing/2014/main" id="{2F523A35-B421-4904-8F47-BA5A4C7F7DA5}"/>
+              </a:ext>
+            </a:extLst>
+          </p:cNvPr>
+          <p:cNvGrpSpPr/>
+          <p:nvPr/>
+        </p:nvGrpSpPr>
+        <p:grpSpPr>
+          <a:xfrm>
+            <a:off x="7014458" y="1884055"/>
+            <a:ext cx="3064999" cy="461665"/>
+            <a:chOff x="4164163" y="2857594"/>
+            <a:chExt cx="3696730" cy="461665"/>
+          </a:xfrm>
+        </p:grpSpPr>
+        <p:cxnSp>
+          <p:nvCxnSpPr>
+            <p:cNvPr id="27" name="Straight Arrow Connector 26">
+              <a:extLst>
+                <a:ext uri="{FF2B5EF4-FFF2-40B4-BE49-F238E27FC236}">
+                  <a16:creationId xmlns:a16="http://schemas.microsoft.com/office/drawing/2014/main" id="{BD776E30-B934-45F9-B7C4-EA1E59A989F4}"/>
+                </a:ext>
+              </a:extLst>
+            </p:cNvPr>
+            <p:cNvCxnSpPr>
+              <a:cxnSpLocks/>
+            </p:cNvCxnSpPr>
+            <p:nvPr/>
+          </p:nvCxnSpPr>
+          <p:spPr>
+            <a:xfrm>
+              <a:off x="4164163" y="3319259"/>
+              <a:ext cx="3696730" cy="0"/>
+            </a:xfrm>
+            <a:prstGeom prst="straightConnector1">
+              <a:avLst/>
+            </a:prstGeom>
+            <a:ln>
+              <a:tailEnd type="triangle"/>
+            </a:ln>
+          </p:spPr>
+          <p:style>
+            <a:lnRef idx="3">
+              <a:schemeClr val="accent3"/>
+            </a:lnRef>
+            <a:fillRef idx="0">
+              <a:schemeClr val="accent3"/>
+            </a:fillRef>
+            <a:effectRef idx="2">
+              <a:schemeClr val="accent3"/>
+            </a:effectRef>
+            <a:fontRef idx="minor">
+              <a:schemeClr val="tx1"/>
+            </a:fontRef>
+          </p:style>
+        </p:cxnSp>
+        <p:sp>
+          <p:nvSpPr>
+            <p:cNvPr id="28" name="TextBox 27">
+              <a:extLst>
+                <a:ext uri="{FF2B5EF4-FFF2-40B4-BE49-F238E27FC236}">
+                  <a16:creationId xmlns:a16="http://schemas.microsoft.com/office/drawing/2014/main" id="{F88615A9-164B-4E41-BC16-F646FAC89917}"/>
+                </a:ext>
+              </a:extLst>
+            </p:cNvPr>
+            <p:cNvSpPr txBox="1"/>
+            <p:nvPr/>
+          </p:nvSpPr>
+          <p:spPr>
+            <a:xfrm>
+              <a:off x="4308630" y="2857594"/>
+              <a:ext cx="3407797" cy="461665"/>
+            </a:xfrm>
+            <a:prstGeom prst="rect">
+              <a:avLst/>
+            </a:prstGeom>
+            <a:noFill/>
+          </p:spPr>
+          <p:txBody>
+            <a:bodyPr wrap="square" rtlCol="0">
+              <a:spAutoFit/>
+            </a:bodyPr>
+            <a:lstStyle>
+              <a:defPPr>
+                <a:defRPr lang="en-US"/>
+              </a:defPPr>
+              <a:lvl1pPr>
+                <a:defRPr sz="1200">
+                  <a:solidFill>
+                    <a:schemeClr val="bg1">
+                      <a:lumMod val="50000"/>
+                    </a:schemeClr>
+                  </a:solidFill>
+                </a:defRPr>
+              </a:lvl1pPr>
+            </a:lstStyle>
+            <a:p>
+              <a:pPr algn="ctr"/>
+              <a:r>
+                <a:rPr lang="de-AT" dirty="0"/>
+                <a:t>Vergleiche ob Anmeldedaten übereinstimmen</a:t>
+              </a:r>
+              <a:endParaRPr lang="en-US" dirty="0"/>
+            </a:p>
+          </p:txBody>
+        </p:sp>
+      </p:grpSp>
+      <p:graphicFrame>
+        <p:nvGraphicFramePr>
+          <p:cNvPr id="34" name="Table 33">
+            <a:extLst>
+              <a:ext uri="{FF2B5EF4-FFF2-40B4-BE49-F238E27FC236}">
+                <a16:creationId xmlns:a16="http://schemas.microsoft.com/office/drawing/2014/main" id="{8C7DBA50-9A83-404A-80C3-0FDD1C68C698}"/>
+              </a:ext>
+            </a:extLst>
+          </p:cNvPr>
+          <p:cNvGraphicFramePr>
+            <a:graphicFrameLocks noGrp="1"/>
+          </p:cNvGraphicFramePr>
+          <p:nvPr>
+            <p:extLst>
+              <p:ext uri="{D42A27DB-BD31-4B8C-83A1-F6EECF244321}">
+                <p14:modId xmlns:p14="http://schemas.microsoft.com/office/powerpoint/2010/main" val="1829429005"/>
+              </p:ext>
+            </p:extLst>
+          </p:nvPr>
+        </p:nvGraphicFramePr>
+        <p:xfrm>
+          <a:off x="7304970" y="290688"/>
+          <a:ext cx="3924912" cy="898128"/>
+        </p:xfrm>
+        <a:graphic>
+          <a:graphicData uri="http://schemas.openxmlformats.org/drawingml/2006/table">
+            <a:tbl>
+              <a:tblPr firstRow="1" bandRow="1">
+                <a:tableStyleId>{073A0DAA-6AF3-43AB-8588-CEC1D06C72B9}</a:tableStyleId>
+              </a:tblPr>
+              <a:tblGrid>
+                <a:gridCol w="1962456">
+                  <a:extLst>
+                    <a:ext uri="{9D8B030D-6E8A-4147-A177-3AD203B41FA5}">
+                      <a16:colId xmlns:a16="http://schemas.microsoft.com/office/drawing/2014/main" val="2297285761"/>
+                    </a:ext>
+                  </a:extLst>
+                </a:gridCol>
+                <a:gridCol w="1962456">
+                  <a:extLst>
+                    <a:ext uri="{9D8B030D-6E8A-4147-A177-3AD203B41FA5}">
+                      <a16:colId xmlns:a16="http://schemas.microsoft.com/office/drawing/2014/main" val="1270416765"/>
+                    </a:ext>
+                  </a:extLst>
+                </a:gridCol>
+              </a:tblGrid>
+              <a:tr h="217411">
+                <a:tc>
+                  <a:txBody>
+                    <a:bodyPr/>
+                    <a:lstStyle/>
+                    <a:p>
+                      <a:pPr algn="ctr"/>
+                      <a:r>
+                        <a:rPr lang="de-AT" sz="1400" dirty="0"/>
+                        <a:t>Benutzername</a:t>
+                      </a:r>
+                      <a:endParaRPr lang="en-US" sz="1400" dirty="0"/>
+                    </a:p>
+                  </a:txBody>
+                  <a:tcPr marL="86015" marR="86015" marT="43008" marB="43008"/>
+                </a:tc>
+                <a:tc>
+                  <a:txBody>
+                    <a:bodyPr/>
+                    <a:lstStyle/>
+                    <a:p>
+                      <a:pPr algn="ctr"/>
+                      <a:r>
+                        <a:rPr lang="de-AT" sz="1400" dirty="0"/>
+                        <a:t>Kennwort</a:t>
+                      </a:r>
+                      <a:endParaRPr lang="en-US" sz="1400" dirty="0"/>
+                    </a:p>
+                  </a:txBody>
+                  <a:tcPr marL="86015" marR="86015" marT="43008" marB="43008"/>
+                </a:tc>
+                <a:extLst>
+                  <a:ext uri="{0D108BD9-81ED-4DB2-BD59-A6C34878D82A}">
+                    <a16:rowId xmlns:a16="http://schemas.microsoft.com/office/drawing/2014/main" val="3173884703"/>
+                  </a:ext>
+                </a:extLst>
+              </a:tr>
+              <a:tr h="217411">
+                <a:tc>
+                  <a:txBody>
+                    <a:bodyPr/>
+                    <a:lstStyle/>
+                    <a:p>
+                      <a:pPr algn="ctr"/>
+                      <a:r>
+                        <a:rPr lang="de-AT" sz="1400" dirty="0" err="1"/>
+                        <a:t>max</a:t>
+                      </a:r>
+                      <a:endParaRPr lang="en-US" sz="1400" dirty="0"/>
+                    </a:p>
+                  </a:txBody>
+                  <a:tcPr marL="86015" marR="86015" marT="43008" marB="43008"/>
+                </a:tc>
+                <a:tc>
+                  <a:txBody>
+                    <a:bodyPr/>
+                    <a:lstStyle/>
+                    <a:p>
+                      <a:pPr algn="ctr"/>
+                      <a:r>
+                        <a:rPr lang="de-AT" sz="1400" dirty="0"/>
+                        <a:t>geheim</a:t>
+                      </a:r>
+                      <a:endParaRPr lang="en-US" sz="1400" dirty="0"/>
+                    </a:p>
+                  </a:txBody>
+                  <a:tcPr marL="86015" marR="86015" marT="43008" marB="43008"/>
+                </a:tc>
+                <a:extLst>
+                  <a:ext uri="{0D108BD9-81ED-4DB2-BD59-A6C34878D82A}">
+                    <a16:rowId xmlns:a16="http://schemas.microsoft.com/office/drawing/2014/main" val="1703648007"/>
+                  </a:ext>
+                </a:extLst>
+              </a:tr>
+              <a:tr h="217411">
+                <a:tc>
+                  <a:txBody>
+                    <a:bodyPr/>
+                    <a:lstStyle/>
+                    <a:p>
+                      <a:pPr algn="ctr"/>
+                      <a:r>
+                        <a:rPr lang="de-AT" sz="1400" dirty="0" err="1"/>
+                        <a:t>erika</a:t>
+                      </a:r>
+                      <a:endParaRPr lang="en-US" sz="1400" dirty="0"/>
+                    </a:p>
+                  </a:txBody>
+                  <a:tcPr marL="86015" marR="86015" marT="43008" marB="43008"/>
+                </a:tc>
+                <a:tc>
+                  <a:txBody>
+                    <a:bodyPr/>
+                    <a:lstStyle/>
+                    <a:p>
+                      <a:pPr algn="ctr"/>
+                      <a:r>
+                        <a:rPr lang="de-AT" sz="1400" dirty="0"/>
+                        <a:t>sicher</a:t>
+                      </a:r>
+                      <a:endParaRPr lang="en-US" sz="1400" dirty="0"/>
+                    </a:p>
+                  </a:txBody>
+                  <a:tcPr marL="86015" marR="86015" marT="43008" marB="43008"/>
+                </a:tc>
+                <a:extLst>
+                  <a:ext uri="{0D108BD9-81ED-4DB2-BD59-A6C34878D82A}">
+                    <a16:rowId xmlns:a16="http://schemas.microsoft.com/office/drawing/2014/main" val="1687673244"/>
+                  </a:ext>
+                </a:extLst>
+              </a:tr>
+            </a:tbl>
+          </a:graphicData>
+        </a:graphic>
+      </p:graphicFrame>
+      <p:cxnSp>
+        <p:nvCxnSpPr>
+          <p:cNvPr id="36" name="Straight Connector 35">
+            <a:extLst>
+              <a:ext uri="{FF2B5EF4-FFF2-40B4-BE49-F238E27FC236}">
+                <a16:creationId xmlns:a16="http://schemas.microsoft.com/office/drawing/2014/main" id="{470FBC13-86B5-4626-B549-DAF9D29F3064}"/>
+              </a:ext>
+            </a:extLst>
+          </p:cNvPr>
+          <p:cNvCxnSpPr>
+            <a:cxnSpLocks/>
+            <a:stCxn id="15" idx="0"/>
+            <a:endCxn id="34" idx="2"/>
+          </p:cNvCxnSpPr>
+          <p:nvPr/>
+        </p:nvCxnSpPr>
+        <p:spPr>
+          <a:xfrm flipH="1" flipV="1">
+            <a:off x="9267426" y="1188816"/>
+            <a:ext cx="1415287" cy="744358"/>
+          </a:xfrm>
+          <a:prstGeom prst="line">
+            <a:avLst/>
+          </a:prstGeom>
+        </p:spPr>
+        <p:style>
+          <a:lnRef idx="3">
+            <a:schemeClr val="accent3"/>
+          </a:lnRef>
+          <a:fillRef idx="0">
+            <a:schemeClr val="accent3"/>
+          </a:fillRef>
+          <a:effectRef idx="2">
+            <a:schemeClr val="accent3"/>
+          </a:effectRef>
+          <a:fontRef idx="minor">
+            <a:schemeClr val="tx1"/>
+          </a:fontRef>
+        </p:style>
+      </p:cxnSp>
+      <p:pic>
+        <p:nvPicPr>
+          <p:cNvPr id="1026" name="Picture 2" descr="Bildergebnis fÃ¼r fake company logo">
+            <a:extLst>
+              <a:ext uri="{FF2B5EF4-FFF2-40B4-BE49-F238E27FC236}">
+                <a16:creationId xmlns:a16="http://schemas.microsoft.com/office/drawing/2014/main" id="{D6B46E58-0C17-46DC-8256-F96ADB1EE4DD}"/>
+              </a:ext>
+            </a:extLst>
+          </p:cNvPr>
+          <p:cNvPicPr>
+            <a:picLocks noChangeAspect="1" noChangeArrowheads="1"/>
+          </p:cNvPicPr>
+          <p:nvPr/>
+        </p:nvPicPr>
+        <p:blipFill>
+          <a:blip r:embed="rId8" cstate="hqprint">
+            <a:extLst>
+              <a:ext uri="{28A0092B-C50C-407E-A947-70E740481C1C}">
+                <a14:useLocalDpi xmlns:a14="http://schemas.microsoft.com/office/drawing/2010/main" val="0"/>
+              </a:ext>
+            </a:extLst>
+          </a:blip>
+          <a:srcRect/>
+          <a:stretch>
+            <a:fillRect/>
+          </a:stretch>
+        </p:blipFill>
+        <p:spPr bwMode="auto">
+          <a:xfrm>
+            <a:off x="5933494" y="2392574"/>
+            <a:ext cx="724927" cy="261672"/>
+          </a:xfrm>
+          <a:prstGeom prst="rect">
+            <a:avLst/>
+          </a:prstGeom>
+          <a:noFill/>
+          <a:extLst>
+            <a:ext uri="{909E8E84-426E-40DD-AFC4-6F175D3DCCD1}">
+              <a14:hiddenFill xmlns:a14="http://schemas.microsoft.com/office/drawing/2010/main">
+                <a:solidFill>
+                  <a:srgbClr val="FFFFFF"/>
+                </a:solidFill>
+              </a14:hiddenFill>
+            </a:ext>
+          </a:extLst>
+        </p:spPr>
+      </p:pic>
+      <p:grpSp>
+        <p:nvGrpSpPr>
+          <p:cNvPr id="5" name="Group 4">
+            <a:extLst>
+              <a:ext uri="{FF2B5EF4-FFF2-40B4-BE49-F238E27FC236}">
+                <a16:creationId xmlns:a16="http://schemas.microsoft.com/office/drawing/2014/main" id="{C0250A9F-3101-49E8-8FEC-EA63AEE4B0DE}"/>
+              </a:ext>
+            </a:extLst>
+          </p:cNvPr>
+          <p:cNvGrpSpPr/>
+          <p:nvPr/>
+        </p:nvGrpSpPr>
+        <p:grpSpPr>
+          <a:xfrm>
+            <a:off x="5605207" y="4963164"/>
+            <a:ext cx="1446924" cy="1299510"/>
+            <a:chOff x="5605207" y="4963164"/>
+            <a:chExt cx="1446924" cy="1299510"/>
+          </a:xfrm>
+        </p:grpSpPr>
+        <p:grpSp>
+          <p:nvGrpSpPr>
+            <p:cNvPr id="55" name="Group 54">
+              <a:extLst>
+                <a:ext uri="{FF2B5EF4-FFF2-40B4-BE49-F238E27FC236}">
+                  <a16:creationId xmlns:a16="http://schemas.microsoft.com/office/drawing/2014/main" id="{2A90FD35-5BFD-45A5-AA8B-4BD06443E16C}"/>
+                </a:ext>
+              </a:extLst>
+            </p:cNvPr>
+            <p:cNvGrpSpPr/>
+            <p:nvPr/>
+          </p:nvGrpSpPr>
+          <p:grpSpPr>
+            <a:xfrm>
+              <a:off x="5605207" y="4963164"/>
+              <a:ext cx="1446924" cy="1299510"/>
+              <a:chOff x="974256" y="4958709"/>
+              <a:chExt cx="1446924" cy="1299510"/>
+            </a:xfrm>
+          </p:grpSpPr>
+          <p:pic>
+            <p:nvPicPr>
+              <p:cNvPr id="56" name="Graphic 55">
+                <a:extLst>
+                  <a:ext uri="{FF2B5EF4-FFF2-40B4-BE49-F238E27FC236}">
+                    <a16:creationId xmlns:a16="http://schemas.microsoft.com/office/drawing/2014/main" id="{1F80D0DF-8CDA-43E0-8A0C-D10A26F9AD0E}"/>
+                  </a:ext>
+                </a:extLst>
+              </p:cNvPr>
+              <p:cNvPicPr>
+                <a:picLocks noChangeAspect="1"/>
+              </p:cNvPicPr>
+              <p:nvPr/>
+            </p:nvPicPr>
+            <p:blipFill>
+              <a:blip r:embed="rId6" cstate="hqprint">
+                <a:extLst>
+                  <a:ext uri="{28A0092B-C50C-407E-A947-70E740481C1C}">
+                    <a14:useLocalDpi xmlns:a14="http://schemas.microsoft.com/office/drawing/2010/main" val="0"/>
+                  </a:ext>
+                  <a:ext uri="{96DAC541-7B7A-43D3-8B79-37D633B846F1}">
+                    <asvg:svgBlip xmlns:asvg="http://schemas.microsoft.com/office/drawing/2016/SVG/main" r:embed="rId7"/>
+                  </a:ext>
+                </a:extLst>
+              </a:blip>
+              <a:stretch>
+                <a:fillRect/>
+              </a:stretch>
+            </p:blipFill>
+            <p:spPr>
+              <a:xfrm flipH="1">
+                <a:off x="1211718" y="4958709"/>
+                <a:ext cx="972000" cy="972000"/>
+              </a:xfrm>
+              <a:prstGeom prst="rect">
+                <a:avLst/>
+              </a:prstGeom>
+            </p:spPr>
+          </p:pic>
+          <p:sp>
+            <p:nvSpPr>
+              <p:cNvPr id="57" name="TextBox 56">
+                <a:extLst>
+                  <a:ext uri="{FF2B5EF4-FFF2-40B4-BE49-F238E27FC236}">
+                    <a16:creationId xmlns:a16="http://schemas.microsoft.com/office/drawing/2014/main" id="{F0738AC3-81EB-46BA-890E-A1217DADF994}"/>
+                  </a:ext>
+                </a:extLst>
+              </p:cNvPr>
+              <p:cNvSpPr txBox="1"/>
+              <p:nvPr/>
+            </p:nvSpPr>
+            <p:spPr>
+              <a:xfrm>
+                <a:off x="974256" y="5981220"/>
+                <a:ext cx="1446924" cy="276999"/>
+              </a:xfrm>
+              <a:prstGeom prst="rect">
+                <a:avLst/>
+              </a:prstGeom>
+              <a:noFill/>
+            </p:spPr>
+            <p:txBody>
+              <a:bodyPr wrap="square" rtlCol="0">
+                <a:spAutoFit/>
+              </a:bodyPr>
+              <a:lstStyle/>
+              <a:p>
+                <a:pPr algn="ctr"/>
+                <a:r>
+                  <a:rPr lang="de-AT" sz="1200" dirty="0"/>
+                  <a:t>Anwendung</a:t>
+                </a:r>
+                <a:endParaRPr lang="en-US" sz="1200" dirty="0"/>
+              </a:p>
+            </p:txBody>
+          </p:sp>
+        </p:grpSp>
+        <p:pic>
+          <p:nvPicPr>
+            <p:cNvPr id="3" name="Picture 2" descr="Bildergebnis fÃ¼r fake company logo">
+              <a:extLst>
+                <a:ext uri="{FF2B5EF4-FFF2-40B4-BE49-F238E27FC236}">
+                  <a16:creationId xmlns:a16="http://schemas.microsoft.com/office/drawing/2014/main" id="{3E6FC0C4-C09A-4E7F-98E4-2BE0C904C93B}"/>
+                </a:ext>
+              </a:extLst>
+            </p:cNvPr>
+            <p:cNvPicPr>
+              <a:picLocks noChangeAspect="1" noChangeArrowheads="1"/>
+            </p:cNvPicPr>
+            <p:nvPr/>
+          </p:nvPicPr>
+          <p:blipFill>
+            <a:blip r:embed="rId9" cstate="hqprint">
+              <a:extLst>
+                <a:ext uri="{28A0092B-C50C-407E-A947-70E740481C1C}">
+                  <a14:useLocalDpi xmlns:a14="http://schemas.microsoft.com/office/drawing/2010/main" val="0"/>
+                </a:ext>
+              </a:extLst>
+            </a:blip>
+            <a:srcRect/>
+            <a:stretch>
+              <a:fillRect/>
+            </a:stretch>
+          </p:blipFill>
+          <p:spPr bwMode="auto">
+            <a:xfrm>
+              <a:off x="5685350" y="5318493"/>
+              <a:ext cx="1283852" cy="427951"/>
+            </a:xfrm>
+            <a:prstGeom prst="rect">
+              <a:avLst/>
+            </a:prstGeom>
+            <a:noFill/>
+            <a:extLst>
+              <a:ext uri="{909E8E84-426E-40DD-AFC4-6F175D3DCCD1}">
+                <a14:hiddenFill xmlns:a14="http://schemas.microsoft.com/office/drawing/2010/main">
+                  <a:solidFill>
+                    <a:srgbClr val="FFFFFF"/>
+                  </a:solidFill>
+                </a14:hiddenFill>
+              </a:ext>
+            </a:extLst>
+          </p:spPr>
+        </p:pic>
+      </p:grpSp>
+      <p:grpSp>
+        <p:nvGrpSpPr>
+          <p:cNvPr id="29" name="Group 28">
+            <a:extLst>
+              <a:ext uri="{FF2B5EF4-FFF2-40B4-BE49-F238E27FC236}">
+                <a16:creationId xmlns:a16="http://schemas.microsoft.com/office/drawing/2014/main" id="{6161B6A0-FFF2-4DFF-9AA1-7CBD0F3C4BD6}"/>
+              </a:ext>
+            </a:extLst>
+          </p:cNvPr>
+          <p:cNvGrpSpPr/>
+          <p:nvPr/>
+        </p:nvGrpSpPr>
+        <p:grpSpPr>
+          <a:xfrm rot="2465732">
+            <a:off x="2339430" y="3632404"/>
+            <a:ext cx="3472791" cy="365568"/>
+            <a:chOff x="4164163" y="2994320"/>
+            <a:chExt cx="3696730" cy="324939"/>
+          </a:xfrm>
+        </p:grpSpPr>
+        <p:cxnSp>
+          <p:nvCxnSpPr>
+            <p:cNvPr id="30" name="Straight Arrow Connector 29">
+              <a:extLst>
+                <a:ext uri="{FF2B5EF4-FFF2-40B4-BE49-F238E27FC236}">
+                  <a16:creationId xmlns:a16="http://schemas.microsoft.com/office/drawing/2014/main" id="{1B8C9A36-E865-4689-A925-CB1B2443E288}"/>
+                </a:ext>
+              </a:extLst>
+            </p:cNvPr>
+            <p:cNvCxnSpPr>
+              <a:cxnSpLocks/>
+            </p:cNvCxnSpPr>
+            <p:nvPr/>
+          </p:nvCxnSpPr>
+          <p:spPr>
+            <a:xfrm>
+              <a:off x="4164163" y="3319259"/>
+              <a:ext cx="3696730" cy="0"/>
+            </a:xfrm>
+            <a:prstGeom prst="straightConnector1">
+              <a:avLst/>
+            </a:prstGeom>
+            <a:ln>
+              <a:tailEnd type="triangle"/>
+            </a:ln>
+          </p:spPr>
+          <p:style>
+            <a:lnRef idx="3">
+              <a:schemeClr val="accent3"/>
+            </a:lnRef>
+            <a:fillRef idx="0">
+              <a:schemeClr val="accent3"/>
+            </a:fillRef>
+            <a:effectRef idx="2">
+              <a:schemeClr val="accent3"/>
+            </a:effectRef>
+            <a:fontRef idx="minor">
+              <a:schemeClr val="tx1"/>
+            </a:fontRef>
+          </p:style>
+        </p:cxnSp>
+        <p:sp>
+          <p:nvSpPr>
+            <p:cNvPr id="31" name="TextBox 30">
+              <a:extLst>
+                <a:ext uri="{FF2B5EF4-FFF2-40B4-BE49-F238E27FC236}">
+                  <a16:creationId xmlns:a16="http://schemas.microsoft.com/office/drawing/2014/main" id="{60472F51-28A8-468E-9D61-29888BD7BB0D}"/>
+                </a:ext>
+              </a:extLst>
+            </p:cNvPr>
+            <p:cNvSpPr txBox="1"/>
+            <p:nvPr/>
+          </p:nvSpPr>
+          <p:spPr>
+            <a:xfrm>
+              <a:off x="5129159" y="2994320"/>
+              <a:ext cx="1766737" cy="276999"/>
+            </a:xfrm>
+            <a:prstGeom prst="rect">
+              <a:avLst/>
+            </a:prstGeom>
+            <a:noFill/>
+          </p:spPr>
+          <p:txBody>
+            <a:bodyPr wrap="square" rtlCol="0">
+              <a:spAutoFit/>
+            </a:bodyPr>
+            <a:lstStyle>
+              <a:defPPr>
+                <a:defRPr lang="en-US"/>
+              </a:defPPr>
+              <a:lvl1pPr>
+                <a:defRPr sz="1200">
+                  <a:solidFill>
+                    <a:schemeClr val="bg1">
+                      <a:lumMod val="50000"/>
+                    </a:schemeClr>
+                  </a:solidFill>
+                </a:defRPr>
+              </a:lvl1pPr>
+            </a:lstStyle>
+            <a:p>
+              <a:pPr algn="ctr"/>
+              <a:r>
+                <a:rPr lang="de-AT" dirty="0"/>
+                <a:t>Login Anfrage </a:t>
+              </a:r>
+              <a:endParaRPr lang="en-US" dirty="0"/>
+            </a:p>
+          </p:txBody>
+        </p:sp>
+      </p:grpSp>
+      <p:grpSp>
+        <p:nvGrpSpPr>
+          <p:cNvPr id="33" name="Group 32">
+            <a:extLst>
+              <a:ext uri="{FF2B5EF4-FFF2-40B4-BE49-F238E27FC236}">
+                <a16:creationId xmlns:a16="http://schemas.microsoft.com/office/drawing/2014/main" id="{9AFB2269-57C4-45D6-9843-C2CA0DEC9519}"/>
+              </a:ext>
+            </a:extLst>
+          </p:cNvPr>
+          <p:cNvGrpSpPr/>
+          <p:nvPr/>
+        </p:nvGrpSpPr>
+        <p:grpSpPr>
+          <a:xfrm>
+            <a:off x="9970107" y="4902035"/>
+            <a:ext cx="1446924" cy="1323770"/>
+            <a:chOff x="7060850" y="3273967"/>
+            <a:chExt cx="1446924" cy="1323770"/>
+          </a:xfrm>
+        </p:grpSpPr>
+        <p:pic>
+          <p:nvPicPr>
+            <p:cNvPr id="35" name="Graphic 34">
+              <a:extLst>
+                <a:ext uri="{FF2B5EF4-FFF2-40B4-BE49-F238E27FC236}">
+                  <a16:creationId xmlns:a16="http://schemas.microsoft.com/office/drawing/2014/main" id="{644D705F-F6C6-49D7-BBBD-B238629B6D77}"/>
+                </a:ext>
+              </a:extLst>
+            </p:cNvPr>
+            <p:cNvPicPr>
+              <a:picLocks noChangeAspect="1"/>
+            </p:cNvPicPr>
+            <p:nvPr/>
+          </p:nvPicPr>
+          <p:blipFill>
+            <a:blip r:embed="rId2" cstate="hqprint">
+              <a:extLst>
+                <a:ext uri="{28A0092B-C50C-407E-A947-70E740481C1C}">
+                  <a14:useLocalDpi xmlns:a14="http://schemas.microsoft.com/office/drawing/2010/main" val="0"/>
+                </a:ext>
+                <a:ext uri="{96DAC541-7B7A-43D3-8B79-37D633B846F1}">
+                  <asvg:svgBlip xmlns:asvg="http://schemas.microsoft.com/office/drawing/2016/SVG/main" r:embed="rId3"/>
+                </a:ext>
+              </a:extLst>
+            </a:blip>
+            <a:stretch>
+              <a:fillRect/>
+            </a:stretch>
+          </p:blipFill>
+          <p:spPr>
+            <a:xfrm>
+              <a:off x="7359062" y="3273967"/>
+              <a:ext cx="850500" cy="972000"/>
+            </a:xfrm>
+            <a:prstGeom prst="rect">
+              <a:avLst/>
+            </a:prstGeom>
+          </p:spPr>
+        </p:pic>
+        <p:sp>
+          <p:nvSpPr>
+            <p:cNvPr id="37" name="TextBox 36">
+              <a:extLst>
+                <a:ext uri="{FF2B5EF4-FFF2-40B4-BE49-F238E27FC236}">
+                  <a16:creationId xmlns:a16="http://schemas.microsoft.com/office/drawing/2014/main" id="{F24AE0FC-1613-4930-B6A8-EF4B51E42C18}"/>
+                </a:ext>
+              </a:extLst>
+            </p:cNvPr>
+            <p:cNvSpPr txBox="1"/>
+            <p:nvPr/>
+          </p:nvSpPr>
+          <p:spPr>
+            <a:xfrm>
+              <a:off x="7060850" y="4320738"/>
+              <a:ext cx="1446924" cy="276999"/>
+            </a:xfrm>
+            <a:prstGeom prst="rect">
+              <a:avLst/>
+            </a:prstGeom>
+            <a:noFill/>
+          </p:spPr>
+          <p:txBody>
+            <a:bodyPr wrap="square" rtlCol="0">
+              <a:spAutoFit/>
+            </a:bodyPr>
+            <a:lstStyle/>
+            <a:p>
+              <a:pPr algn="ctr"/>
+              <a:r>
+                <a:rPr lang="de-AT" sz="1200" dirty="0"/>
+                <a:t>Datenbank</a:t>
+              </a:r>
+              <a:endParaRPr lang="en-US" sz="1200" dirty="0"/>
+            </a:p>
+          </p:txBody>
+        </p:sp>
+      </p:grpSp>
+      <p:grpSp>
+        <p:nvGrpSpPr>
+          <p:cNvPr id="38" name="Group 37">
+            <a:extLst>
+              <a:ext uri="{FF2B5EF4-FFF2-40B4-BE49-F238E27FC236}">
+                <a16:creationId xmlns:a16="http://schemas.microsoft.com/office/drawing/2014/main" id="{9AB30A1D-6CC8-4725-A2A3-46D250EF63D2}"/>
+              </a:ext>
+            </a:extLst>
+          </p:cNvPr>
+          <p:cNvGrpSpPr/>
+          <p:nvPr/>
+        </p:nvGrpSpPr>
+        <p:grpSpPr>
+          <a:xfrm>
+            <a:off x="7003530" y="5009602"/>
+            <a:ext cx="3075927" cy="461665"/>
+            <a:chOff x="4164163" y="2857594"/>
+            <a:chExt cx="3696730" cy="461665"/>
+          </a:xfrm>
+        </p:grpSpPr>
+        <p:cxnSp>
+          <p:nvCxnSpPr>
+            <p:cNvPr id="39" name="Straight Arrow Connector 38">
+              <a:extLst>
+                <a:ext uri="{FF2B5EF4-FFF2-40B4-BE49-F238E27FC236}">
+                  <a16:creationId xmlns:a16="http://schemas.microsoft.com/office/drawing/2014/main" id="{B4B1BF1F-91CE-45F9-A632-3B1316619EC0}"/>
+                </a:ext>
+              </a:extLst>
+            </p:cNvPr>
+            <p:cNvCxnSpPr>
+              <a:cxnSpLocks/>
+            </p:cNvCxnSpPr>
+            <p:nvPr/>
+          </p:nvCxnSpPr>
+          <p:spPr>
+            <a:xfrm>
+              <a:off x="4164163" y="3319259"/>
+              <a:ext cx="3696730" cy="0"/>
+            </a:xfrm>
+            <a:prstGeom prst="straightConnector1">
+              <a:avLst/>
+            </a:prstGeom>
+            <a:ln>
+              <a:tailEnd type="triangle"/>
+            </a:ln>
+          </p:spPr>
+          <p:style>
+            <a:lnRef idx="3">
+              <a:schemeClr val="accent3"/>
+            </a:lnRef>
+            <a:fillRef idx="0">
+              <a:schemeClr val="accent3"/>
+            </a:fillRef>
+            <a:effectRef idx="2">
+              <a:schemeClr val="accent3"/>
+            </a:effectRef>
+            <a:fontRef idx="minor">
+              <a:schemeClr val="tx1"/>
+            </a:fontRef>
+          </p:style>
+        </p:cxnSp>
+        <p:sp>
+          <p:nvSpPr>
+            <p:cNvPr id="40" name="TextBox 39">
+              <a:extLst>
+                <a:ext uri="{FF2B5EF4-FFF2-40B4-BE49-F238E27FC236}">
+                  <a16:creationId xmlns:a16="http://schemas.microsoft.com/office/drawing/2014/main" id="{F902F9EF-9656-4D25-995C-35B1F4AFB5F7}"/>
+                </a:ext>
+              </a:extLst>
+            </p:cNvPr>
+            <p:cNvSpPr txBox="1"/>
+            <p:nvPr/>
+          </p:nvSpPr>
+          <p:spPr>
+            <a:xfrm>
+              <a:off x="4308630" y="2857594"/>
+              <a:ext cx="3407797" cy="461665"/>
+            </a:xfrm>
+            <a:prstGeom prst="rect">
+              <a:avLst/>
+            </a:prstGeom>
+            <a:noFill/>
+          </p:spPr>
+          <p:txBody>
+            <a:bodyPr wrap="square" rtlCol="0">
+              <a:spAutoFit/>
+            </a:bodyPr>
+            <a:lstStyle>
+              <a:defPPr>
+                <a:defRPr lang="en-US"/>
+              </a:defPPr>
+              <a:lvl1pPr>
+                <a:defRPr sz="1200">
+                  <a:solidFill>
+                    <a:schemeClr val="bg1">
+                      <a:lumMod val="50000"/>
+                    </a:schemeClr>
+                  </a:solidFill>
+                </a:defRPr>
+              </a:lvl1pPr>
+            </a:lstStyle>
+            <a:p>
+              <a:pPr algn="ctr"/>
+              <a:r>
+                <a:rPr lang="de-AT" dirty="0"/>
+                <a:t>Vergleiche ob Anmeldedaten übereinstimmen</a:t>
+              </a:r>
+              <a:endParaRPr lang="en-US" dirty="0"/>
+            </a:p>
+          </p:txBody>
+        </p:sp>
+      </p:grpSp>
+      <p:grpSp>
+        <p:nvGrpSpPr>
+          <p:cNvPr id="47" name="Group 46">
+            <a:extLst>
+              <a:ext uri="{FF2B5EF4-FFF2-40B4-BE49-F238E27FC236}">
+                <a16:creationId xmlns:a16="http://schemas.microsoft.com/office/drawing/2014/main" id="{96A8A0E0-F2D1-4B9A-8010-87B31F408A9B}"/>
+              </a:ext>
+            </a:extLst>
+          </p:cNvPr>
+          <p:cNvGrpSpPr/>
+          <p:nvPr/>
+        </p:nvGrpSpPr>
+        <p:grpSpPr>
+          <a:xfrm>
+            <a:off x="7976851" y="3100592"/>
+            <a:ext cx="1306420" cy="1293177"/>
+            <a:chOff x="5446419" y="1519121"/>
+            <a:chExt cx="1306420" cy="1293177"/>
+          </a:xfrm>
+        </p:grpSpPr>
+        <p:grpSp>
+          <p:nvGrpSpPr>
+            <p:cNvPr id="48" name="Group 47">
+              <a:extLst>
+                <a:ext uri="{FF2B5EF4-FFF2-40B4-BE49-F238E27FC236}">
+                  <a16:creationId xmlns:a16="http://schemas.microsoft.com/office/drawing/2014/main" id="{D1D082AC-7D36-4BF0-8707-16D3F2EF75C2}"/>
+                </a:ext>
+              </a:extLst>
+            </p:cNvPr>
+            <p:cNvGrpSpPr/>
+            <p:nvPr/>
+          </p:nvGrpSpPr>
+          <p:grpSpPr>
+            <a:xfrm>
+              <a:off x="5780839" y="1519121"/>
+              <a:ext cx="972000" cy="1293177"/>
+              <a:chOff x="5780839" y="1519121"/>
+              <a:chExt cx="972000" cy="1293177"/>
+            </a:xfrm>
+          </p:grpSpPr>
+          <p:sp>
+            <p:nvSpPr>
+              <p:cNvPr id="51" name="Rectangle: Rounded Corners 50">
+                <a:extLst>
+                  <a:ext uri="{FF2B5EF4-FFF2-40B4-BE49-F238E27FC236}">
+                    <a16:creationId xmlns:a16="http://schemas.microsoft.com/office/drawing/2014/main" id="{54ECCED8-EEB1-489F-9BB4-AE8DFD5E84CE}"/>
+                  </a:ext>
+                </a:extLst>
+              </p:cNvPr>
+              <p:cNvSpPr/>
+              <p:nvPr/>
+            </p:nvSpPr>
+            <p:spPr>
+              <a:xfrm>
+                <a:off x="5780839" y="1519121"/>
+                <a:ext cx="972000" cy="972000"/>
+              </a:xfrm>
+              <a:prstGeom prst="roundRect">
+                <a:avLst/>
+              </a:prstGeom>
+              <a:ln w="76200"/>
+            </p:spPr>
+            <p:style>
+              <a:lnRef idx="2">
+                <a:schemeClr val="dk1"/>
+              </a:lnRef>
+              <a:fillRef idx="1">
+                <a:schemeClr val="lt1"/>
+              </a:fillRef>
+              <a:effectRef idx="0">
+                <a:schemeClr val="dk1"/>
+              </a:effectRef>
+              <a:fontRef idx="minor">
+                <a:schemeClr val="dk1"/>
+              </a:fontRef>
+            </p:style>
+            <p:txBody>
+              <a:bodyPr rtlCol="0" anchor="t" anchorCtr="0"/>
+              <a:lstStyle/>
+              <a:p>
+                <a:pPr algn="l"/>
+                <a:endParaRPr lang="en-US" dirty="0">
+                  <a:solidFill>
+                    <a:schemeClr val="tx1"/>
+                  </a:solidFill>
+                </a:endParaRPr>
+              </a:p>
+            </p:txBody>
+          </p:sp>
+          <p:sp>
+            <p:nvSpPr>
+              <p:cNvPr id="52" name="TextBox 51">
+                <a:extLst>
+                  <a:ext uri="{FF2B5EF4-FFF2-40B4-BE49-F238E27FC236}">
+                    <a16:creationId xmlns:a16="http://schemas.microsoft.com/office/drawing/2014/main" id="{34AD36D7-12D9-4516-913B-17A91C196CD9}"/>
+                  </a:ext>
+                </a:extLst>
+              </p:cNvPr>
+              <p:cNvSpPr txBox="1"/>
+              <p:nvPr/>
+            </p:nvSpPr>
+            <p:spPr>
+              <a:xfrm>
+                <a:off x="6020617" y="2535299"/>
+                <a:ext cx="389850" cy="276999"/>
+              </a:xfrm>
+              <a:prstGeom prst="rect">
+                <a:avLst/>
+              </a:prstGeom>
+              <a:noFill/>
+            </p:spPr>
+            <p:txBody>
+              <a:bodyPr wrap="none" rtlCol="0">
+                <a:spAutoFit/>
+              </a:bodyPr>
+              <a:lstStyle/>
+              <a:p>
+                <a:r>
+                  <a:rPr lang="de-AT" sz="1200" dirty="0" err="1"/>
+                  <a:t>Api</a:t>
+                </a:r>
+                <a:endParaRPr lang="en-US" sz="1200" dirty="0"/>
+              </a:p>
+            </p:txBody>
+          </p:sp>
+        </p:grpSp>
+        <p:sp>
+          <p:nvSpPr>
+            <p:cNvPr id="49" name="Rectangle: Rounded Corners 48">
+              <a:extLst>
+                <a:ext uri="{FF2B5EF4-FFF2-40B4-BE49-F238E27FC236}">
+                  <a16:creationId xmlns:a16="http://schemas.microsoft.com/office/drawing/2014/main" id="{DA49D3FC-494A-4A6E-BB86-EC61DFA5C6DE}"/>
+                </a:ext>
+              </a:extLst>
+            </p:cNvPr>
+            <p:cNvSpPr/>
+            <p:nvPr/>
+          </p:nvSpPr>
+          <p:spPr>
+            <a:xfrm>
+              <a:off x="5446419" y="1639509"/>
+              <a:ext cx="552230" cy="282569"/>
+            </a:xfrm>
+            <a:prstGeom prst="roundRect">
+              <a:avLst/>
+            </a:prstGeom>
+            <a:ln w="76200"/>
+          </p:spPr>
+          <p:style>
+            <a:lnRef idx="2">
+              <a:schemeClr val="dk1"/>
+            </a:lnRef>
+            <a:fillRef idx="1">
+              <a:schemeClr val="lt1"/>
+            </a:fillRef>
+            <a:effectRef idx="0">
+              <a:schemeClr val="dk1"/>
+            </a:effectRef>
+            <a:fontRef idx="minor">
+              <a:schemeClr val="dk1"/>
+            </a:fontRef>
+          </p:style>
+          <p:txBody>
+            <a:bodyPr rtlCol="0" anchor="t" anchorCtr="0"/>
+            <a:lstStyle/>
+            <a:p>
+              <a:pPr algn="l"/>
+              <a:endParaRPr lang="en-US" dirty="0">
+                <a:solidFill>
+                  <a:schemeClr val="tx1"/>
+                </a:solidFill>
+              </a:endParaRPr>
+            </a:p>
+          </p:txBody>
+        </p:sp>
+        <p:sp>
+          <p:nvSpPr>
+            <p:cNvPr id="50" name="Rectangle: Rounded Corners 49">
+              <a:extLst>
+                <a:ext uri="{FF2B5EF4-FFF2-40B4-BE49-F238E27FC236}">
+                  <a16:creationId xmlns:a16="http://schemas.microsoft.com/office/drawing/2014/main" id="{BF62738F-41E5-43BB-B1AC-6260394CDABA}"/>
+                </a:ext>
+              </a:extLst>
+            </p:cNvPr>
+            <p:cNvSpPr/>
+            <p:nvPr/>
+          </p:nvSpPr>
+          <p:spPr>
+            <a:xfrm>
+              <a:off x="5446419" y="2068489"/>
+              <a:ext cx="552230" cy="268532"/>
+            </a:xfrm>
+            <a:prstGeom prst="roundRect">
+              <a:avLst/>
+            </a:prstGeom>
+            <a:ln w="76200"/>
+          </p:spPr>
+          <p:style>
+            <a:lnRef idx="2">
+              <a:schemeClr val="dk1"/>
+            </a:lnRef>
+            <a:fillRef idx="1">
+              <a:schemeClr val="lt1"/>
+            </a:fillRef>
+            <a:effectRef idx="0">
+              <a:schemeClr val="dk1"/>
+            </a:effectRef>
+            <a:fontRef idx="minor">
+              <a:schemeClr val="dk1"/>
+            </a:fontRef>
+          </p:style>
+          <p:txBody>
+            <a:bodyPr rtlCol="0" anchor="t" anchorCtr="0"/>
+            <a:lstStyle/>
+            <a:p>
+              <a:pPr algn="l"/>
+              <a:endParaRPr lang="en-US" dirty="0">
+                <a:solidFill>
+                  <a:schemeClr val="tx1"/>
+                </a:solidFill>
+              </a:endParaRPr>
+            </a:p>
+          </p:txBody>
+        </p:sp>
+      </p:grpSp>
+      <p:pic>
+        <p:nvPicPr>
+          <p:cNvPr id="53" name="Picture 2" descr="Bildergebnis fÃ¼r fake company logo">
+            <a:extLst>
+              <a:ext uri="{FF2B5EF4-FFF2-40B4-BE49-F238E27FC236}">
+                <a16:creationId xmlns:a16="http://schemas.microsoft.com/office/drawing/2014/main" id="{A554820D-DEB5-4AE1-B42B-A7A4595F7538}"/>
+              </a:ext>
+            </a:extLst>
+          </p:cNvPr>
+          <p:cNvPicPr>
+            <a:picLocks noChangeAspect="1" noChangeArrowheads="1"/>
+          </p:cNvPicPr>
+          <p:nvPr/>
+        </p:nvPicPr>
+        <p:blipFill>
+          <a:blip r:embed="rId8" cstate="hqprint">
+            <a:extLst>
+              <a:ext uri="{28A0092B-C50C-407E-A947-70E740481C1C}">
+                <a14:useLocalDpi xmlns:a14="http://schemas.microsoft.com/office/drawing/2010/main" val="0"/>
+              </a:ext>
+            </a:extLst>
+          </a:blip>
+          <a:srcRect/>
+          <a:stretch>
+            <a:fillRect/>
+          </a:stretch>
+        </p:blipFill>
+        <p:spPr bwMode="auto">
+          <a:xfrm>
+            <a:off x="8600058" y="3489180"/>
+            <a:ext cx="553250" cy="177184"/>
+          </a:xfrm>
+          <a:prstGeom prst="rect">
+            <a:avLst/>
+          </a:prstGeom>
+          <a:noFill/>
+          <a:extLst>
+            <a:ext uri="{909E8E84-426E-40DD-AFC4-6F175D3DCCD1}">
+              <a14:hiddenFill xmlns:a14="http://schemas.microsoft.com/office/drawing/2010/main">
+                <a:solidFill>
+                  <a:srgbClr val="FFFFFF"/>
+                </a:solidFill>
+              </a14:hiddenFill>
+            </a:ext>
+          </a:extLst>
+        </p:spPr>
+      </p:pic>
+      <p:cxnSp>
+        <p:nvCxnSpPr>
+          <p:cNvPr id="58" name="Straight Arrow Connector 57">
+            <a:extLst>
+              <a:ext uri="{FF2B5EF4-FFF2-40B4-BE49-F238E27FC236}">
+                <a16:creationId xmlns:a16="http://schemas.microsoft.com/office/drawing/2014/main" id="{8AB2358D-412D-4E27-A86A-2B3E34AC214A}"/>
+              </a:ext>
+            </a:extLst>
+          </p:cNvPr>
+          <p:cNvCxnSpPr>
+            <a:cxnSpLocks/>
+          </p:cNvCxnSpPr>
+          <p:nvPr/>
+        </p:nvCxnSpPr>
+        <p:spPr>
+          <a:xfrm>
+            <a:off x="6853475" y="2840026"/>
+            <a:ext cx="783994" cy="549438"/>
+          </a:xfrm>
+          <a:prstGeom prst="straightConnector1">
+            <a:avLst/>
+          </a:prstGeom>
+          <a:ln>
+            <a:tailEnd type="triangle"/>
+          </a:ln>
+        </p:spPr>
+        <p:style>
+          <a:lnRef idx="3">
+            <a:schemeClr val="accent3"/>
+          </a:lnRef>
+          <a:fillRef idx="0">
+            <a:schemeClr val="accent3"/>
+          </a:fillRef>
+          <a:effectRef idx="2">
+            <a:schemeClr val="accent3"/>
+          </a:effectRef>
+          <a:fontRef idx="minor">
+            <a:schemeClr val="tx1"/>
+          </a:fontRef>
+        </p:style>
+      </p:cxnSp>
+      <p:sp>
+        <p:nvSpPr>
+          <p:cNvPr id="62" name="TextBox 61">
+            <a:extLst>
+              <a:ext uri="{FF2B5EF4-FFF2-40B4-BE49-F238E27FC236}">
+                <a16:creationId xmlns:a16="http://schemas.microsoft.com/office/drawing/2014/main" id="{E5255CDC-592B-40D5-B3B1-7DD19EAADDA2}"/>
+              </a:ext>
+            </a:extLst>
+          </p:cNvPr>
+          <p:cNvSpPr txBox="1"/>
+          <p:nvPr/>
+        </p:nvSpPr>
+        <p:spPr>
+          <a:xfrm rot="2175811">
+            <a:off x="6527889" y="2667276"/>
+            <a:ext cx="1667623" cy="461665"/>
+          </a:xfrm>
+          <a:prstGeom prst="rect">
+            <a:avLst/>
+          </a:prstGeom>
+          <a:noFill/>
+        </p:spPr>
+        <p:txBody>
+          <a:bodyPr wrap="square" rtlCol="0">
+            <a:spAutoFit/>
+          </a:bodyPr>
+          <a:lstStyle>
+            <a:defPPr>
+              <a:defRPr lang="en-US"/>
+            </a:defPPr>
+            <a:lvl1pPr>
+              <a:defRPr sz="1200">
+                <a:solidFill>
+                  <a:schemeClr val="bg1">
+                    <a:lumMod val="50000"/>
+                  </a:schemeClr>
+                </a:solidFill>
+              </a:defRPr>
+            </a:lvl1pPr>
+          </a:lstStyle>
+          <a:p>
+            <a:pPr algn="ctr"/>
+            <a:r>
+              <a:rPr lang="de-AT" dirty="0" err="1"/>
+              <a:t>Anwendungs</a:t>
+            </a:r>
+            <a:r>
+              <a:rPr lang="de-AT" dirty="0"/>
+              <a:t> </a:t>
+            </a:r>
+            <a:r>
+              <a:rPr lang="de-AT" dirty="0" err="1"/>
+              <a:t>Authorisierung</a:t>
+            </a:r>
+            <a:endParaRPr lang="en-US" dirty="0"/>
+          </a:p>
+        </p:txBody>
+      </p:sp>
+      <p:sp>
+        <p:nvSpPr>
+          <p:cNvPr id="64" name="TextBox 63">
+            <a:extLst>
+              <a:ext uri="{FF2B5EF4-FFF2-40B4-BE49-F238E27FC236}">
+                <a16:creationId xmlns:a16="http://schemas.microsoft.com/office/drawing/2014/main" id="{2E0F3D10-1F7D-48AB-9426-49F92AB64D4A}"/>
+              </a:ext>
+            </a:extLst>
+          </p:cNvPr>
+          <p:cNvSpPr txBox="1"/>
+          <p:nvPr/>
+        </p:nvSpPr>
+        <p:spPr>
+          <a:xfrm rot="19450883">
+            <a:off x="6436131" y="3971385"/>
+            <a:ext cx="1375211" cy="276999"/>
+          </a:xfrm>
+          <a:prstGeom prst="rect">
+            <a:avLst/>
+          </a:prstGeom>
+          <a:noFill/>
+        </p:spPr>
+        <p:txBody>
+          <a:bodyPr wrap="square" rtlCol="0">
+            <a:spAutoFit/>
+          </a:bodyPr>
+          <a:lstStyle>
+            <a:defPPr>
+              <a:defRPr lang="en-US"/>
+            </a:defPPr>
+            <a:lvl1pPr>
+              <a:defRPr sz="1200">
+                <a:solidFill>
+                  <a:schemeClr val="bg1">
+                    <a:lumMod val="50000"/>
+                  </a:schemeClr>
+                </a:solidFill>
+              </a:defRPr>
+            </a:lvl1pPr>
+          </a:lstStyle>
+          <a:p>
+            <a:pPr algn="ctr"/>
+            <a:r>
+              <a:rPr lang="de-AT" dirty="0"/>
+              <a:t>?</a:t>
+            </a:r>
+            <a:endParaRPr lang="en-US" dirty="0"/>
+          </a:p>
+        </p:txBody>
+      </p:sp>
+      <p:cxnSp>
+        <p:nvCxnSpPr>
+          <p:cNvPr id="66" name="Straight Arrow Connector 65">
+            <a:extLst>
+              <a:ext uri="{FF2B5EF4-FFF2-40B4-BE49-F238E27FC236}">
+                <a16:creationId xmlns:a16="http://schemas.microsoft.com/office/drawing/2014/main" id="{C2F06631-BF4F-4B4D-849D-25B8EE09314A}"/>
+              </a:ext>
+            </a:extLst>
+          </p:cNvPr>
+          <p:cNvCxnSpPr>
+            <a:cxnSpLocks/>
+          </p:cNvCxnSpPr>
+          <p:nvPr/>
+        </p:nvCxnSpPr>
+        <p:spPr>
+          <a:xfrm flipV="1">
+            <a:off x="6814669" y="3982857"/>
+            <a:ext cx="924181" cy="651853"/>
+          </a:xfrm>
+          <a:prstGeom prst="straightConnector1">
+            <a:avLst/>
+          </a:prstGeom>
+          <a:ln>
+            <a:tailEnd type="triangle"/>
+          </a:ln>
+        </p:spPr>
+        <p:style>
+          <a:lnRef idx="3">
+            <a:schemeClr val="accent3"/>
+          </a:lnRef>
+          <a:fillRef idx="0">
+            <a:schemeClr val="accent3"/>
+          </a:fillRef>
+          <a:effectRef idx="2">
+            <a:schemeClr val="accent3"/>
+          </a:effectRef>
+          <a:fontRef idx="minor">
+            <a:schemeClr val="tx1"/>
+          </a:fontRef>
+        </p:style>
+      </p:cxnSp>
+      <p:cxnSp>
+        <p:nvCxnSpPr>
+          <p:cNvPr id="72" name="Straight Arrow Connector 71">
+            <a:extLst>
+              <a:ext uri="{FF2B5EF4-FFF2-40B4-BE49-F238E27FC236}">
+                <a16:creationId xmlns:a16="http://schemas.microsoft.com/office/drawing/2014/main" id="{4555117B-4ED7-49D4-9305-C556D3AA0550}"/>
+              </a:ext>
+            </a:extLst>
+          </p:cNvPr>
+          <p:cNvCxnSpPr>
+            <a:cxnSpLocks/>
+            <a:endCxn id="16" idx="2"/>
+          </p:cNvCxnSpPr>
+          <p:nvPr/>
+        </p:nvCxnSpPr>
+        <p:spPr>
+          <a:xfrm flipV="1">
+            <a:off x="9467675" y="3256944"/>
+            <a:ext cx="1215038" cy="584794"/>
+          </a:xfrm>
+          <a:prstGeom prst="straightConnector1">
+            <a:avLst/>
+          </a:prstGeom>
+          <a:ln>
+            <a:tailEnd type="triangle"/>
+          </a:ln>
+        </p:spPr>
+        <p:style>
+          <a:lnRef idx="3">
+            <a:schemeClr val="accent3"/>
+          </a:lnRef>
+          <a:fillRef idx="0">
+            <a:schemeClr val="accent3"/>
+          </a:fillRef>
+          <a:effectRef idx="2">
+            <a:schemeClr val="accent3"/>
+          </a:effectRef>
+          <a:fontRef idx="minor">
+            <a:schemeClr val="tx1"/>
+          </a:fontRef>
+        </p:style>
+      </p:cxnSp>
+      <p:sp>
+        <p:nvSpPr>
+          <p:cNvPr id="83" name="TextBox 82">
+            <a:extLst>
+              <a:ext uri="{FF2B5EF4-FFF2-40B4-BE49-F238E27FC236}">
+                <a16:creationId xmlns:a16="http://schemas.microsoft.com/office/drawing/2014/main" id="{C6A87303-3BD8-469F-B525-F93A4C7FA92D}"/>
+              </a:ext>
+            </a:extLst>
+          </p:cNvPr>
+          <p:cNvSpPr txBox="1"/>
+          <p:nvPr/>
+        </p:nvSpPr>
+        <p:spPr>
+          <a:xfrm rot="20076314">
+            <a:off x="9014040" y="3328442"/>
+            <a:ext cx="1822530" cy="276999"/>
+          </a:xfrm>
+          <a:prstGeom prst="rect">
+            <a:avLst/>
+          </a:prstGeom>
+          <a:noFill/>
+        </p:spPr>
+        <p:txBody>
+          <a:bodyPr wrap="square" rtlCol="0">
+            <a:spAutoFit/>
+          </a:bodyPr>
+          <a:lstStyle>
+            <a:defPPr>
+              <a:defRPr lang="en-US"/>
+            </a:defPPr>
+            <a:lvl1pPr>
+              <a:defRPr sz="1200">
+                <a:solidFill>
+                  <a:schemeClr val="bg1">
+                    <a:lumMod val="50000"/>
+                  </a:schemeClr>
+                </a:solidFill>
+              </a:defRPr>
+            </a:lvl1pPr>
+          </a:lstStyle>
+          <a:p>
+            <a:pPr algn="ctr"/>
+            <a:r>
+              <a:rPr lang="de-AT" dirty="0"/>
+              <a:t>Zugriff auf daten</a:t>
+            </a:r>
+            <a:endParaRPr lang="en-US" dirty="0"/>
+          </a:p>
+        </p:txBody>
+      </p:sp>
+    </p:spTree>
+    <p:extLst>
+      <p:ext uri="{BB962C8B-B14F-4D97-AF65-F5344CB8AC3E}">
+        <p14:creationId xmlns:p14="http://schemas.microsoft.com/office/powerpoint/2010/main" val="4058641509"/>
+      </p:ext>
+    </p:extLst>
+  </p:cSld>
+  <p:clrMapOvr>
+    <a:masterClrMapping/>
+  </p:clrMapOvr>
+  <p:timing>
+    <p:tnLst>
+      <p:par>
+        <p:cTn id="1" dur="indefinite" restart="never" nodeType="tmRoot">
+          <p:childTnLst>
+            <p:seq concurrent="1" nextAc="seek">
+              <p:cTn id="2" dur="indefinite" nodeType="mainSeq">
+                <p:childTnLst>
+                  <p:par>
+                    <p:cTn id="3" fill="hold">
+                      <p:stCondLst>
+                        <p:cond delay="indefinite"/>
+                      </p:stCondLst>
+                      <p:childTnLst>
+                        <p:par>
+                          <p:cTn id="4" fill="hold">
+                            <p:stCondLst>
+                              <p:cond delay="0"/>
+                            </p:stCondLst>
+                            <p:childTnLst>
+                              <p:par>
+                                <p:cTn id="5" presetID="1" presetClass="entr" presetSubtype="0" fill="hold" nodeType="clickEffect">
+                                  <p:stCondLst>
+                                    <p:cond delay="0"/>
+                                  </p:stCondLst>
+                                  <p:childTnLst>
+                                    <p:set>
+                                      <p:cBhvr>
+                                        <p:cTn id="6" dur="1" fill="hold">
+                                          <p:stCondLst>
+                                            <p:cond delay="0"/>
+                                          </p:stCondLst>
+                                        </p:cTn>
+                                        <p:tgtEl>
+                                          <p:spTgt spid="29"/>
+                                        </p:tgtEl>
+                                        <p:attrNameLst>
+                                          <p:attrName>style.visibility</p:attrName>
+                                        </p:attrNameLst>
+                                      </p:cBhvr>
+                                      <p:to>
+                                        <p:strVal val="visible"/>
+                                      </p:to>
+                                    </p:set>
+                                  </p:childTnLst>
+                                </p:cTn>
+                              </p:par>
+                              <p:par>
+                                <p:cTn id="7" presetID="1" presetClass="entr" presetSubtype="0" fill="hold" nodeType="withEffect">
+                                  <p:stCondLst>
+                                    <p:cond delay="0"/>
+                                  </p:stCondLst>
+                                  <p:childTnLst>
+                                    <p:set>
+                                      <p:cBhvr>
+                                        <p:cTn id="8" dur="1" fill="hold">
+                                          <p:stCondLst>
+                                            <p:cond delay="0"/>
+                                          </p:stCondLst>
+                                        </p:cTn>
+                                        <p:tgtEl>
+                                          <p:spTgt spid="5"/>
+                                        </p:tgtEl>
+                                        <p:attrNameLst>
+                                          <p:attrName>style.visibility</p:attrName>
+                                        </p:attrNameLst>
+                                      </p:cBhvr>
+                                      <p:to>
+                                        <p:strVal val="visible"/>
+                                      </p:to>
+                                    </p:set>
+                                  </p:childTnLst>
+                                </p:cTn>
+                              </p:par>
+                              <p:par>
+                                <p:cTn id="9" presetID="1" presetClass="entr" presetSubtype="0" fill="hold" nodeType="withEffect">
+                                  <p:stCondLst>
+                                    <p:cond delay="0"/>
+                                  </p:stCondLst>
+                                  <p:childTnLst>
+                                    <p:set>
+                                      <p:cBhvr>
+                                        <p:cTn id="10" dur="1" fill="hold">
+                                          <p:stCondLst>
+                                            <p:cond delay="0"/>
+                                          </p:stCondLst>
+                                        </p:cTn>
+                                        <p:tgtEl>
+                                          <p:spTgt spid="38"/>
+                                        </p:tgtEl>
+                                        <p:attrNameLst>
+                                          <p:attrName>style.visibility</p:attrName>
+                                        </p:attrNameLst>
+                                      </p:cBhvr>
+                                      <p:to>
+                                        <p:strVal val="visible"/>
+                                      </p:to>
+                                    </p:set>
+                                  </p:childTnLst>
+                                </p:cTn>
+                              </p:par>
+                              <p:par>
+                                <p:cTn id="11" presetID="1" presetClass="entr" presetSubtype="0" fill="hold" nodeType="withEffect">
+                                  <p:stCondLst>
+                                    <p:cond delay="0"/>
+                                  </p:stCondLst>
+                                  <p:childTnLst>
+                                    <p:set>
+                                      <p:cBhvr>
+                                        <p:cTn id="12" dur="1" fill="hold">
+                                          <p:stCondLst>
+                                            <p:cond delay="0"/>
+                                          </p:stCondLst>
+                                        </p:cTn>
+                                        <p:tgtEl>
+                                          <p:spTgt spid="33"/>
+                                        </p:tgtEl>
+                                        <p:attrNameLst>
+                                          <p:attrName>style.visibility</p:attrName>
+                                        </p:attrNameLst>
+                                      </p:cBhvr>
+                                      <p:to>
+                                        <p:strVal val="visible"/>
+                                      </p:to>
+                                    </p:set>
+                                  </p:childTnLst>
+                                </p:cTn>
+                              </p:par>
+                            </p:childTnLst>
+                          </p:cTn>
+                        </p:par>
+                      </p:childTnLst>
+                    </p:cTn>
+                  </p:par>
+                  <p:par>
+                    <p:cTn id="13" fill="hold">
+                      <p:stCondLst>
+                        <p:cond delay="indefinite"/>
+                      </p:stCondLst>
+                      <p:childTnLst>
+                        <p:par>
+                          <p:cTn id="14" fill="hold">
+                            <p:stCondLst>
+                              <p:cond delay="0"/>
+                            </p:stCondLst>
+                            <p:childTnLst>
+                              <p:par>
+                                <p:cTn id="15" presetID="1" presetClass="entr" presetSubtype="0" fill="hold" grpId="0" nodeType="clickEffect">
+                                  <p:stCondLst>
+                                    <p:cond delay="0"/>
+                                  </p:stCondLst>
+                                  <p:childTnLst>
+                                    <p:set>
+                                      <p:cBhvr>
+                                        <p:cTn id="16" dur="1" fill="hold">
+                                          <p:stCondLst>
+                                            <p:cond delay="0"/>
+                                          </p:stCondLst>
+                                        </p:cTn>
+                                        <p:tgtEl>
+                                          <p:spTgt spid="64"/>
+                                        </p:tgtEl>
+                                        <p:attrNameLst>
+                                          <p:attrName>style.visibility</p:attrName>
+                                        </p:attrNameLst>
+                                      </p:cBhvr>
+                                      <p:to>
+                                        <p:strVal val="visible"/>
+                                      </p:to>
+                                    </p:set>
+                                  </p:childTnLst>
+                                </p:cTn>
+                              </p:par>
+                              <p:par>
+                                <p:cTn id="17" presetID="1" presetClass="entr" presetSubtype="0" fill="hold" nodeType="withEffect">
+                                  <p:stCondLst>
+                                    <p:cond delay="0"/>
+                                  </p:stCondLst>
+                                  <p:childTnLst>
+                                    <p:set>
+                                      <p:cBhvr>
+                                        <p:cTn id="18" dur="1" fill="hold">
+                                          <p:stCondLst>
+                                            <p:cond delay="0"/>
+                                          </p:stCondLst>
+                                        </p:cTn>
+                                        <p:tgtEl>
+                                          <p:spTgt spid="66"/>
+                                        </p:tgtEl>
+                                        <p:attrNameLst>
+                                          <p:attrName>style.visibility</p:attrName>
+                                        </p:attrNameLst>
+                                      </p:cBhvr>
+                                      <p:to>
+                                        <p:strVal val="visible"/>
+                                      </p:to>
+                                    </p:set>
+                                  </p:childTnLst>
+                                </p:cTn>
+                              </p:par>
+                            </p:childTnLst>
+                          </p:cTn>
+                        </p:par>
+                      </p:childTnLst>
+                    </p:cTn>
+                  </p:par>
+                </p:childTnLst>
+              </p:cTn>
+              <p:prevCondLst>
+                <p:cond evt="onPrev" delay="0">
+                  <p:tgtEl>
+                    <p:sldTgt/>
+                  </p:tgtEl>
+                </p:cond>
+              </p:prevCondLst>
+              <p:nextCondLst>
+                <p:cond evt="onNext" delay="0">
+                  <p:tgtEl>
+                    <p:sldTgt/>
+                  </p:tgtEl>
+                </p:cond>
+              </p:nextCondLst>
+            </p:seq>
+          </p:childTnLst>
+        </p:cTn>
+      </p:par>
+    </p:tnLst>
+    <p:bldLst>
+      <p:bldP spid="64" grpId="0"/>
+    </p:bldLst>
+  </p:timing>
+</p:sld>
+</file>
+
+<file path=ppt/slides/slide40.xml><?xml version="1.0" encoding="utf-8"?>
 <p:sld xmlns:a="http://schemas.openxmlformats.org/drawingml/2006/main" xmlns:r="http://schemas.openxmlformats.org/officeDocument/2006/relationships" xmlns:p="http://schemas.openxmlformats.org/presentationml/2006/main">
   <p:cSld>
     <p:spTree>
@@ -33234,7 +35194,7 @@
 </p:sld>
 </file>
 
-<file path=ppt/slides/slide42.xml><?xml version="1.0" encoding="utf-8"?>
+<file path=ppt/slides/slide41.xml><?xml version="1.0" encoding="utf-8"?>
 <p:sld xmlns:a="http://schemas.openxmlformats.org/drawingml/2006/main" xmlns:r="http://schemas.openxmlformats.org/officeDocument/2006/relationships" xmlns:p="http://schemas.openxmlformats.org/presentationml/2006/main">
   <p:cSld>
     <p:spTree>
@@ -33677,7 +35637,7 @@
 </p:sld>
 </file>
 
-<file path=ppt/slides/slide43.xml><?xml version="1.0" encoding="utf-8"?>
+<file path=ppt/slides/slide42.xml><?xml version="1.0" encoding="utf-8"?>
 <p:sld xmlns:a="http://schemas.openxmlformats.org/drawingml/2006/main" xmlns:r="http://schemas.openxmlformats.org/officeDocument/2006/relationships" xmlns:p="http://schemas.openxmlformats.org/presentationml/2006/main">
   <p:cSld>
     <p:spTree>
@@ -35168,6 +37128,42 @@
           </a:p>
         </p:txBody>
       </p:sp>
+      <p:pic>
+        <p:nvPicPr>
+          <p:cNvPr id="42" name="Picture 41" descr="A close up of a sign&#10;&#10;Description automatically generated">
+            <a:extLst>
+              <a:ext uri="{FF2B5EF4-FFF2-40B4-BE49-F238E27FC236}">
+                <a16:creationId xmlns:a16="http://schemas.microsoft.com/office/drawing/2014/main" id="{D9A98486-BC8D-4811-ABC4-5FD3926F9A6A}"/>
+              </a:ext>
+            </a:extLst>
+          </p:cNvPr>
+          <p:cNvPicPr>
+            <a:picLocks noChangeAspect="1"/>
+          </p:cNvPicPr>
+          <p:nvPr/>
+        </p:nvPicPr>
+        <p:blipFill>
+          <a:blip r:embed="rId2">
+            <a:extLst>
+              <a:ext uri="{28A0092B-C50C-407E-A947-70E740481C1C}">
+                <a14:useLocalDpi xmlns:a14="http://schemas.microsoft.com/office/drawing/2010/main" val="0"/>
+              </a:ext>
+            </a:extLst>
+          </a:blip>
+          <a:stretch>
+            <a:fillRect/>
+          </a:stretch>
+        </p:blipFill>
+        <p:spPr>
+          <a:xfrm>
+            <a:off x="6642059" y="3498459"/>
+            <a:ext cx="1839800" cy="1017602"/>
+          </a:xfrm>
+          <a:prstGeom prst="rect">
+            <a:avLst/>
+          </a:prstGeom>
+        </p:spPr>
+      </p:pic>
     </p:spTree>
     <p:extLst>
       <p:ext uri="{BB962C8B-B14F-4D97-AF65-F5344CB8AC3E}">
@@ -35231,6 +37227,51 @@
                       </p:childTnLst>
                     </p:cTn>
                   </p:par>
+                  <p:par>
+                    <p:cTn id="7" fill="hold">
+                      <p:stCondLst>
+                        <p:cond delay="indefinite"/>
+                      </p:stCondLst>
+                      <p:childTnLst>
+                        <p:par>
+                          <p:cTn id="8" fill="hold">
+                            <p:stCondLst>
+                              <p:cond delay="0"/>
+                            </p:stCondLst>
+                            <p:childTnLst>
+                              <p:par>
+                                <p:cTn id="9" presetID="1" presetClass="entr" presetSubtype="0" fill="hold" nodeType="clickEffect">
+                                  <p:stCondLst>
+                                    <p:cond delay="0"/>
+                                  </p:stCondLst>
+                                  <p:childTnLst>
+                                    <p:set>
+                                      <p:cBhvr>
+                                        <p:cTn id="10" dur="1" fill="hold">
+                                          <p:stCondLst>
+                                            <p:cond delay="0"/>
+                                          </p:stCondLst>
+                                        </p:cTn>
+                                        <p:tgtEl>
+                                          <p:spTgt spid="42"/>
+                                        </p:tgtEl>
+                                        <p:attrNameLst>
+                                          <p:attrName>style.visibility</p:attrName>
+                                        </p:attrNameLst>
+                                      </p:cBhvr>
+                                      <p:to>
+                                        <p:strVal val="visible"/>
+                                      </p:to>
+                                    </p:set>
+                                  </p:childTnLst>
+                                </p:cTn>
+                              </p:par>
+                            </p:childTnLst>
+                          </p:cTn>
+                        </p:par>
+                      </p:childTnLst>
+                    </p:cTn>
+                  </p:par>
                 </p:childTnLst>
               </p:cTn>
               <p:prevCondLst>
@@ -35253,6 +37294,1333 @@
       </p:par>
     </p:tnLst>
   </p:timing>
+</p:sld>
+</file>
+
+<file path=ppt/slides/slide43.xml><?xml version="1.0" encoding="utf-8"?>
+<p:sld xmlns:a="http://schemas.openxmlformats.org/drawingml/2006/main" xmlns:r="http://schemas.openxmlformats.org/officeDocument/2006/relationships" xmlns:p="http://schemas.openxmlformats.org/presentationml/2006/main">
+  <p:cSld>
+    <p:spTree>
+      <p:nvGrpSpPr>
+        <p:cNvPr id="1" name=""/>
+        <p:cNvGrpSpPr/>
+        <p:nvPr/>
+      </p:nvGrpSpPr>
+      <p:grpSpPr>
+        <a:xfrm>
+          <a:off x="0" y="0"/>
+          <a:ext cx="0" cy="0"/>
+          <a:chOff x="0" y="0"/>
+          <a:chExt cx="0" cy="0"/>
+        </a:xfrm>
+      </p:grpSpPr>
+      <p:sp>
+        <p:nvSpPr>
+          <p:cNvPr id="61" name="TextBox 60">
+            <a:extLst>
+              <a:ext uri="{FF2B5EF4-FFF2-40B4-BE49-F238E27FC236}">
+                <a16:creationId xmlns:a16="http://schemas.microsoft.com/office/drawing/2014/main" id="{BF2C0AF7-A29A-4B65-B3C3-E3004F2AA144}"/>
+              </a:ext>
+            </a:extLst>
+          </p:cNvPr>
+          <p:cNvSpPr txBox="1"/>
+          <p:nvPr/>
+        </p:nvSpPr>
+        <p:spPr>
+          <a:xfrm>
+            <a:off x="6091783" y="6275781"/>
+            <a:ext cx="450380" cy="307777"/>
+          </a:xfrm>
+          <a:prstGeom prst="rect">
+            <a:avLst/>
+          </a:prstGeom>
+          <a:noFill/>
+        </p:spPr>
+        <p:txBody>
+          <a:bodyPr wrap="none" rtlCol="0">
+            <a:spAutoFit/>
+          </a:bodyPr>
+          <a:lstStyle/>
+          <a:p>
+            <a:r>
+              <a:rPr lang="de-AT" sz="1400" dirty="0">
+                <a:solidFill>
+                  <a:schemeClr val="bg1"/>
+                </a:solidFill>
+              </a:rPr>
+              <a:t>SPA</a:t>
+            </a:r>
+            <a:endParaRPr lang="en-US" sz="1400" dirty="0">
+              <a:solidFill>
+                <a:schemeClr val="bg1"/>
+              </a:solidFill>
+            </a:endParaRPr>
+          </a:p>
+        </p:txBody>
+      </p:sp>
+      <p:sp>
+        <p:nvSpPr>
+          <p:cNvPr id="39" name="Callout: Right Arrow 38">
+            <a:extLst>
+              <a:ext uri="{FF2B5EF4-FFF2-40B4-BE49-F238E27FC236}">
+                <a16:creationId xmlns:a16="http://schemas.microsoft.com/office/drawing/2014/main" id="{01AFDE4B-4075-496E-ADB8-7CDFC7C5F0EF}"/>
+              </a:ext>
+            </a:extLst>
+          </p:cNvPr>
+          <p:cNvSpPr/>
+          <p:nvPr/>
+        </p:nvSpPr>
+        <p:spPr>
+          <a:xfrm>
+            <a:off x="4314739" y="2534881"/>
+            <a:ext cx="2503891" cy="666292"/>
+          </a:xfrm>
+          <a:prstGeom prst="rightArrowCallout">
+            <a:avLst/>
+          </a:prstGeom>
+          <a:solidFill>
+            <a:schemeClr val="accent6"/>
+          </a:solidFill>
+          <a:ln>
+            <a:noFill/>
+          </a:ln>
+        </p:spPr>
+        <p:style>
+          <a:lnRef idx="2">
+            <a:schemeClr val="accent1">
+              <a:shade val="50000"/>
+            </a:schemeClr>
+          </a:lnRef>
+          <a:fillRef idx="1">
+            <a:schemeClr val="accent1"/>
+          </a:fillRef>
+          <a:effectRef idx="0">
+            <a:schemeClr val="accent1"/>
+          </a:effectRef>
+          <a:fontRef idx="minor">
+            <a:schemeClr val="lt1"/>
+          </a:fontRef>
+        </p:style>
+        <p:txBody>
+          <a:bodyPr rtlCol="0" anchor="ctr"/>
+          <a:lstStyle/>
+          <a:p>
+            <a:pPr algn="ctr"/>
+            <a:endParaRPr lang="en-US" sz="1400" dirty="0"/>
+          </a:p>
+        </p:txBody>
+      </p:sp>
+      <p:sp>
+        <p:nvSpPr>
+          <p:cNvPr id="2" name="Title 1">
+            <a:extLst>
+              <a:ext uri="{FF2B5EF4-FFF2-40B4-BE49-F238E27FC236}">
+                <a16:creationId xmlns:a16="http://schemas.microsoft.com/office/drawing/2014/main" id="{BDFB37E6-367D-4BA3-9172-8750FA46A8FA}"/>
+              </a:ext>
+            </a:extLst>
+          </p:cNvPr>
+          <p:cNvSpPr>
+            <a:spLocks noGrp="1"/>
+          </p:cNvSpPr>
+          <p:nvPr>
+            <p:ph type="title"/>
+          </p:nvPr>
+        </p:nvSpPr>
+        <p:spPr>
+          <a:xfrm>
+            <a:off x="838200" y="365125"/>
+            <a:ext cx="10357022" cy="1325563"/>
+          </a:xfrm>
+        </p:spPr>
+        <p:txBody>
+          <a:bodyPr/>
+          <a:lstStyle/>
+          <a:p>
+            <a:r>
+              <a:rPr lang="de-AT" dirty="0"/>
+              <a:t>Welche </a:t>
+            </a:r>
+            <a:r>
+              <a:rPr lang="de-AT" dirty="0" err="1"/>
+              <a:t>Flows</a:t>
+            </a:r>
+            <a:r>
+              <a:rPr lang="de-AT" dirty="0"/>
+              <a:t> soll man wann verwenden? </a:t>
+            </a:r>
+            <a:endParaRPr lang="en-US" dirty="0"/>
+          </a:p>
+        </p:txBody>
+      </p:sp>
+      <p:sp>
+        <p:nvSpPr>
+          <p:cNvPr id="29" name="Callout: Down Arrow 28">
+            <a:extLst>
+              <a:ext uri="{FF2B5EF4-FFF2-40B4-BE49-F238E27FC236}">
+                <a16:creationId xmlns:a16="http://schemas.microsoft.com/office/drawing/2014/main" id="{675A00F7-2123-492B-A644-4A30E49310D9}"/>
+              </a:ext>
+            </a:extLst>
+          </p:cNvPr>
+          <p:cNvSpPr/>
+          <p:nvPr/>
+        </p:nvSpPr>
+        <p:spPr>
+          <a:xfrm>
+            <a:off x="4313684" y="3647897"/>
+            <a:ext cx="1679157" cy="1113016"/>
+          </a:xfrm>
+          <a:prstGeom prst="downArrowCallout">
+            <a:avLst>
+              <a:gd name="adj1" fmla="val 17836"/>
+              <a:gd name="adj2" fmla="val 17388"/>
+              <a:gd name="adj3" fmla="val 13806"/>
+              <a:gd name="adj4" fmla="val 64977"/>
+            </a:avLst>
+          </a:prstGeom>
+        </p:spPr>
+        <p:style>
+          <a:lnRef idx="2">
+            <a:schemeClr val="dk1"/>
+          </a:lnRef>
+          <a:fillRef idx="1">
+            <a:schemeClr val="lt1"/>
+          </a:fillRef>
+          <a:effectRef idx="0">
+            <a:schemeClr val="dk1"/>
+          </a:effectRef>
+          <a:fontRef idx="minor">
+            <a:schemeClr val="dk1"/>
+          </a:fontRef>
+        </p:style>
+        <p:txBody>
+          <a:bodyPr rtlCol="0" anchor="ctr"/>
+          <a:lstStyle/>
+          <a:p>
+            <a:pPr algn="ctr"/>
+            <a:r>
+              <a:rPr lang="de-AT" sz="1200" dirty="0"/>
+              <a:t>Die Applikation darf Kennworte bearbeiten</a:t>
+            </a:r>
+            <a:endParaRPr lang="en-US" sz="1200" dirty="0"/>
+          </a:p>
+        </p:txBody>
+      </p:sp>
+      <p:sp>
+        <p:nvSpPr>
+          <p:cNvPr id="31" name="TextBox 30">
+            <a:extLst>
+              <a:ext uri="{FF2B5EF4-FFF2-40B4-BE49-F238E27FC236}">
+                <a16:creationId xmlns:a16="http://schemas.microsoft.com/office/drawing/2014/main" id="{5DF368F5-BB3B-4DC4-A376-37F064E625B0}"/>
+              </a:ext>
+            </a:extLst>
+          </p:cNvPr>
+          <p:cNvSpPr txBox="1"/>
+          <p:nvPr/>
+        </p:nvSpPr>
+        <p:spPr>
+          <a:xfrm>
+            <a:off x="6122352" y="3812418"/>
+            <a:ext cx="242587" cy="226982"/>
+          </a:xfrm>
+          <a:prstGeom prst="rect">
+            <a:avLst/>
+          </a:prstGeom>
+          <a:noFill/>
+        </p:spPr>
+        <p:txBody>
+          <a:bodyPr wrap="none" rtlCol="0">
+            <a:spAutoFit/>
+          </a:bodyPr>
+          <a:lstStyle/>
+          <a:p>
+            <a:r>
+              <a:rPr lang="de-AT" sz="1400" dirty="0">
+                <a:solidFill>
+                  <a:schemeClr val="bg1"/>
+                </a:solidFill>
+              </a:rPr>
+              <a:t>Ja</a:t>
+            </a:r>
+            <a:endParaRPr lang="en-US" sz="1400" dirty="0">
+              <a:solidFill>
+                <a:schemeClr val="bg1"/>
+              </a:solidFill>
+            </a:endParaRPr>
+          </a:p>
+        </p:txBody>
+      </p:sp>
+      <p:grpSp>
+        <p:nvGrpSpPr>
+          <p:cNvPr id="33" name="Group 32">
+            <a:extLst>
+              <a:ext uri="{FF2B5EF4-FFF2-40B4-BE49-F238E27FC236}">
+                <a16:creationId xmlns:a16="http://schemas.microsoft.com/office/drawing/2014/main" id="{3AB5A1F2-F6B2-457A-9EE9-17AF556C99F0}"/>
+              </a:ext>
+            </a:extLst>
+          </p:cNvPr>
+          <p:cNvGrpSpPr/>
+          <p:nvPr/>
+        </p:nvGrpSpPr>
+        <p:grpSpPr>
+          <a:xfrm>
+            <a:off x="4313684" y="4775707"/>
+            <a:ext cx="2513472" cy="1085642"/>
+            <a:chOff x="4917987" y="2743852"/>
+            <a:chExt cx="3408144" cy="1472077"/>
+          </a:xfrm>
+        </p:grpSpPr>
+        <p:grpSp>
+          <p:nvGrpSpPr>
+            <p:cNvPr id="34" name="Group 33">
+              <a:extLst>
+                <a:ext uri="{FF2B5EF4-FFF2-40B4-BE49-F238E27FC236}">
+                  <a16:creationId xmlns:a16="http://schemas.microsoft.com/office/drawing/2014/main" id="{75BBFE81-DC8A-4D63-B9A1-FECF46033B79}"/>
+                </a:ext>
+              </a:extLst>
+            </p:cNvPr>
+            <p:cNvGrpSpPr/>
+            <p:nvPr/>
+          </p:nvGrpSpPr>
+          <p:grpSpPr>
+            <a:xfrm>
+              <a:off x="4917987" y="2743852"/>
+              <a:ext cx="3408144" cy="1472077"/>
+              <a:chOff x="3352798" y="2979420"/>
+              <a:chExt cx="5404080" cy="2334182"/>
+            </a:xfrm>
+          </p:grpSpPr>
+          <p:sp>
+            <p:nvSpPr>
+              <p:cNvPr id="36" name="Callout: Right Arrow 35">
+                <a:extLst>
+                  <a:ext uri="{FF2B5EF4-FFF2-40B4-BE49-F238E27FC236}">
+                    <a16:creationId xmlns:a16="http://schemas.microsoft.com/office/drawing/2014/main" id="{14BCBC5A-E3B0-4514-97EE-930D655156E4}"/>
+                  </a:ext>
+                </a:extLst>
+              </p:cNvPr>
+              <p:cNvSpPr/>
+              <p:nvPr/>
+            </p:nvSpPr>
+            <p:spPr>
+              <a:xfrm>
+                <a:off x="3436117" y="2985410"/>
+                <a:ext cx="5320761" cy="1432559"/>
+              </a:xfrm>
+              <a:prstGeom prst="rightArrowCallout">
+                <a:avLst/>
+              </a:prstGeom>
+              <a:solidFill>
+                <a:schemeClr val="accent6"/>
+              </a:solidFill>
+              <a:ln>
+                <a:noFill/>
+              </a:ln>
+            </p:spPr>
+            <p:style>
+              <a:lnRef idx="2">
+                <a:schemeClr val="accent1">
+                  <a:shade val="50000"/>
+                </a:schemeClr>
+              </a:lnRef>
+              <a:fillRef idx="1">
+                <a:schemeClr val="accent1"/>
+              </a:fillRef>
+              <a:effectRef idx="0">
+                <a:schemeClr val="accent1"/>
+              </a:effectRef>
+              <a:fontRef idx="minor">
+                <a:schemeClr val="lt1"/>
+              </a:fontRef>
+            </p:style>
+            <p:txBody>
+              <a:bodyPr rtlCol="0" anchor="ctr"/>
+              <a:lstStyle/>
+              <a:p>
+                <a:pPr algn="ctr"/>
+                <a:endParaRPr lang="en-US" sz="1400" dirty="0"/>
+              </a:p>
+            </p:txBody>
+          </p:sp>
+          <p:sp>
+            <p:nvSpPr>
+              <p:cNvPr id="37" name="Callout: Down Arrow 36">
+                <a:extLst>
+                  <a:ext uri="{FF2B5EF4-FFF2-40B4-BE49-F238E27FC236}">
+                    <a16:creationId xmlns:a16="http://schemas.microsoft.com/office/drawing/2014/main" id="{FD27B89B-4A2E-40ED-AC26-19BBEBC403E2}"/>
+                  </a:ext>
+                </a:extLst>
+              </p:cNvPr>
+              <p:cNvSpPr/>
+              <p:nvPr/>
+            </p:nvSpPr>
+            <p:spPr>
+              <a:xfrm>
+                <a:off x="3352798" y="2979420"/>
+                <a:ext cx="3616345" cy="2334182"/>
+              </a:xfrm>
+              <a:prstGeom prst="downArrowCallout">
+                <a:avLst>
+                  <a:gd name="adj1" fmla="val 17836"/>
+                  <a:gd name="adj2" fmla="val 17388"/>
+                  <a:gd name="adj3" fmla="val 13806"/>
+                  <a:gd name="adj4" fmla="val 64977"/>
+                </a:avLst>
+              </a:prstGeom>
+            </p:spPr>
+            <p:style>
+              <a:lnRef idx="2">
+                <a:schemeClr val="dk1"/>
+              </a:lnRef>
+              <a:fillRef idx="1">
+                <a:schemeClr val="lt1"/>
+              </a:fillRef>
+              <a:effectRef idx="0">
+                <a:schemeClr val="dk1"/>
+              </a:effectRef>
+              <a:fontRef idx="minor">
+                <a:schemeClr val="dk1"/>
+              </a:fontRef>
+            </p:style>
+            <p:txBody>
+              <a:bodyPr rtlCol="0" anchor="ctr"/>
+              <a:lstStyle/>
+              <a:p>
+                <a:pPr algn="ctr"/>
+                <a:r>
+                  <a:rPr lang="de-AT" sz="1200" dirty="0"/>
+                  <a:t>Ist es eine Web Anwendung die am Server läuft?</a:t>
+                </a:r>
+                <a:endParaRPr lang="en-US" sz="1200" dirty="0"/>
+              </a:p>
+            </p:txBody>
+          </p:sp>
+        </p:grpSp>
+        <p:sp>
+          <p:nvSpPr>
+            <p:cNvPr id="35" name="TextBox 34">
+              <a:extLst>
+                <a:ext uri="{FF2B5EF4-FFF2-40B4-BE49-F238E27FC236}">
+                  <a16:creationId xmlns:a16="http://schemas.microsoft.com/office/drawing/2014/main" id="{80195D04-3146-4C1E-9097-9D7C49B76291}"/>
+                </a:ext>
+              </a:extLst>
+            </p:cNvPr>
+            <p:cNvSpPr txBox="1"/>
+            <p:nvPr/>
+          </p:nvSpPr>
+          <p:spPr>
+            <a:xfrm>
+              <a:off x="7407055" y="2975269"/>
+              <a:ext cx="328936" cy="307778"/>
+            </a:xfrm>
+            <a:prstGeom prst="rect">
+              <a:avLst/>
+            </a:prstGeom>
+            <a:noFill/>
+          </p:spPr>
+          <p:txBody>
+            <a:bodyPr wrap="none" rtlCol="0">
+              <a:spAutoFit/>
+            </a:bodyPr>
+            <a:lstStyle/>
+            <a:p>
+              <a:r>
+                <a:rPr lang="de-AT" sz="1400" dirty="0">
+                  <a:solidFill>
+                    <a:schemeClr val="bg1"/>
+                  </a:solidFill>
+                </a:rPr>
+                <a:t>Ja</a:t>
+              </a:r>
+              <a:endParaRPr lang="en-US" sz="1400" dirty="0">
+                <a:solidFill>
+                  <a:schemeClr val="bg1"/>
+                </a:solidFill>
+              </a:endParaRPr>
+            </a:p>
+          </p:txBody>
+        </p:sp>
+      </p:grpSp>
+      <p:sp>
+        <p:nvSpPr>
+          <p:cNvPr id="43" name="Rectangle 42">
+            <a:extLst>
+              <a:ext uri="{FF2B5EF4-FFF2-40B4-BE49-F238E27FC236}">
+                <a16:creationId xmlns:a16="http://schemas.microsoft.com/office/drawing/2014/main" id="{372771C5-33CB-4D0C-95AF-B1022132AD82}"/>
+              </a:ext>
+            </a:extLst>
+          </p:cNvPr>
+          <p:cNvSpPr/>
+          <p:nvPr/>
+        </p:nvSpPr>
+        <p:spPr>
+          <a:xfrm>
+            <a:off x="4284269" y="5879783"/>
+            <a:ext cx="1711399" cy="767364"/>
+          </a:xfrm>
+          <a:prstGeom prst="rect">
+            <a:avLst/>
+          </a:prstGeom>
+          <a:ln>
+            <a:headEnd type="none" w="med" len="med"/>
+            <a:tailEnd type="none" w="med" len="med"/>
+          </a:ln>
+        </p:spPr>
+        <p:style>
+          <a:lnRef idx="2">
+            <a:schemeClr val="dk1"/>
+          </a:lnRef>
+          <a:fillRef idx="1">
+            <a:schemeClr val="lt1"/>
+          </a:fillRef>
+          <a:effectRef idx="0">
+            <a:schemeClr val="dk1"/>
+          </a:effectRef>
+          <a:fontRef idx="minor">
+            <a:schemeClr val="dk1"/>
+          </a:fontRef>
+        </p:style>
+        <p:txBody>
+          <a:bodyPr rtlCol="0" anchor="ctr"/>
+          <a:lstStyle/>
+          <a:p>
+            <a:pPr algn="ctr"/>
+            <a:r>
+              <a:rPr lang="de-AT" sz="1400" dirty="0"/>
+              <a:t>SPA oder Native Applikation</a:t>
+            </a:r>
+            <a:endParaRPr lang="en-US" sz="1400" dirty="0"/>
+          </a:p>
+        </p:txBody>
+      </p:sp>
+      <p:grpSp>
+        <p:nvGrpSpPr>
+          <p:cNvPr id="7" name="Group 6">
+            <a:extLst>
+              <a:ext uri="{FF2B5EF4-FFF2-40B4-BE49-F238E27FC236}">
+                <a16:creationId xmlns:a16="http://schemas.microsoft.com/office/drawing/2014/main" id="{70524C3A-A77F-468B-9598-B3C7848395DC}"/>
+              </a:ext>
+            </a:extLst>
+          </p:cNvPr>
+          <p:cNvGrpSpPr/>
+          <p:nvPr/>
+        </p:nvGrpSpPr>
+        <p:grpSpPr>
+          <a:xfrm>
+            <a:off x="4314739" y="1425489"/>
+            <a:ext cx="2503891" cy="1053407"/>
+            <a:chOff x="3352800" y="2979420"/>
+            <a:chExt cx="3970263" cy="1670323"/>
+          </a:xfrm>
+        </p:grpSpPr>
+        <p:sp>
+          <p:nvSpPr>
+            <p:cNvPr id="5" name="Callout: Right Arrow 4">
+              <a:extLst>
+                <a:ext uri="{FF2B5EF4-FFF2-40B4-BE49-F238E27FC236}">
+                  <a16:creationId xmlns:a16="http://schemas.microsoft.com/office/drawing/2014/main" id="{2B850AFE-A417-4A6C-B3F2-426421C036C4}"/>
+                </a:ext>
+              </a:extLst>
+            </p:cNvPr>
+            <p:cNvSpPr/>
+            <p:nvPr/>
+          </p:nvSpPr>
+          <p:spPr>
+            <a:xfrm>
+              <a:off x="3352800" y="2979420"/>
+              <a:ext cx="3970263" cy="1065719"/>
+            </a:xfrm>
+            <a:prstGeom prst="rightArrowCallout">
+              <a:avLst/>
+            </a:prstGeom>
+            <a:solidFill>
+              <a:schemeClr val="accent6"/>
+            </a:solidFill>
+            <a:ln>
+              <a:noFill/>
+            </a:ln>
+          </p:spPr>
+          <p:style>
+            <a:lnRef idx="2">
+              <a:schemeClr val="accent1">
+                <a:shade val="50000"/>
+              </a:schemeClr>
+            </a:lnRef>
+            <a:fillRef idx="1">
+              <a:schemeClr val="accent1"/>
+            </a:fillRef>
+            <a:effectRef idx="0">
+              <a:schemeClr val="accent1"/>
+            </a:effectRef>
+            <a:fontRef idx="minor">
+              <a:schemeClr val="lt1"/>
+            </a:fontRef>
+          </p:style>
+          <p:txBody>
+            <a:bodyPr rtlCol="0" anchor="ctr"/>
+            <a:lstStyle/>
+            <a:p>
+              <a:pPr algn="ctr"/>
+              <a:endParaRPr lang="en-US" sz="1400" dirty="0"/>
+            </a:p>
+          </p:txBody>
+        </p:sp>
+        <p:sp>
+          <p:nvSpPr>
+            <p:cNvPr id="6" name="Callout: Down Arrow 5">
+              <a:extLst>
+                <a:ext uri="{FF2B5EF4-FFF2-40B4-BE49-F238E27FC236}">
+                  <a16:creationId xmlns:a16="http://schemas.microsoft.com/office/drawing/2014/main" id="{A5F81615-3D2A-48D8-A067-838F144CBD40}"/>
+                </a:ext>
+              </a:extLst>
+            </p:cNvPr>
+            <p:cNvSpPr/>
+            <p:nvPr/>
+          </p:nvSpPr>
+          <p:spPr>
+            <a:xfrm>
+              <a:off x="3352800" y="2979420"/>
+              <a:ext cx="2660861" cy="1670323"/>
+            </a:xfrm>
+            <a:prstGeom prst="downArrowCallout">
+              <a:avLst>
+                <a:gd name="adj1" fmla="val 17836"/>
+                <a:gd name="adj2" fmla="val 17388"/>
+                <a:gd name="adj3" fmla="val 13806"/>
+                <a:gd name="adj4" fmla="val 64977"/>
+              </a:avLst>
+            </a:prstGeom>
+          </p:spPr>
+          <p:style>
+            <a:lnRef idx="2">
+              <a:schemeClr val="dk1"/>
+            </a:lnRef>
+            <a:fillRef idx="1">
+              <a:schemeClr val="lt1"/>
+            </a:fillRef>
+            <a:effectRef idx="0">
+              <a:schemeClr val="dk1"/>
+            </a:effectRef>
+            <a:fontRef idx="minor">
+              <a:schemeClr val="dk1"/>
+            </a:fontRef>
+          </p:style>
+          <p:txBody>
+            <a:bodyPr rtlCol="0" anchor="ctr"/>
+            <a:lstStyle/>
+            <a:p>
+              <a:pPr algn="ctr"/>
+              <a:r>
+                <a:rPr lang="de-AT" sz="1200" i="1" dirty="0"/>
+                <a:t>Client </a:t>
+              </a:r>
+              <a:r>
+                <a:rPr lang="de-AT" sz="1200" dirty="0"/>
+                <a:t>ist </a:t>
+              </a:r>
+              <a:r>
+                <a:rPr lang="de-AT" sz="1200" i="1" dirty="0" err="1"/>
+                <a:t>Resource</a:t>
+              </a:r>
+              <a:r>
+                <a:rPr lang="de-AT" sz="1200" dirty="0"/>
+                <a:t> </a:t>
+              </a:r>
+              <a:r>
+                <a:rPr lang="de-AT" sz="1200" i="1" dirty="0" err="1"/>
+                <a:t>Owner</a:t>
+              </a:r>
+              <a:endParaRPr lang="en-US" sz="1200" dirty="0"/>
+            </a:p>
+          </p:txBody>
+        </p:sp>
+      </p:grpSp>
+      <p:sp>
+        <p:nvSpPr>
+          <p:cNvPr id="22" name="TextBox 21">
+            <a:extLst>
+              <a:ext uri="{FF2B5EF4-FFF2-40B4-BE49-F238E27FC236}">
+                <a16:creationId xmlns:a16="http://schemas.microsoft.com/office/drawing/2014/main" id="{66A4CCDF-0DC6-4954-9DFB-37FF552661C0}"/>
+              </a:ext>
+            </a:extLst>
+          </p:cNvPr>
+          <p:cNvSpPr txBox="1"/>
+          <p:nvPr/>
+        </p:nvSpPr>
+        <p:spPr>
+          <a:xfrm>
+            <a:off x="6169778" y="1607653"/>
+            <a:ext cx="328936" cy="307777"/>
+          </a:xfrm>
+          <a:prstGeom prst="rect">
+            <a:avLst/>
+          </a:prstGeom>
+          <a:noFill/>
+        </p:spPr>
+        <p:txBody>
+          <a:bodyPr wrap="none" rtlCol="0">
+            <a:spAutoFit/>
+          </a:bodyPr>
+          <a:lstStyle/>
+          <a:p>
+            <a:r>
+              <a:rPr lang="de-AT" sz="1400" dirty="0">
+                <a:solidFill>
+                  <a:schemeClr val="bg1"/>
+                </a:solidFill>
+              </a:rPr>
+              <a:t>Ja</a:t>
+            </a:r>
+            <a:endParaRPr lang="en-US" sz="1400" dirty="0">
+              <a:solidFill>
+                <a:schemeClr val="bg1"/>
+              </a:solidFill>
+            </a:endParaRPr>
+          </a:p>
+        </p:txBody>
+      </p:sp>
+      <p:sp>
+        <p:nvSpPr>
+          <p:cNvPr id="51" name="Rectangle 50">
+            <a:extLst>
+              <a:ext uri="{FF2B5EF4-FFF2-40B4-BE49-F238E27FC236}">
+                <a16:creationId xmlns:a16="http://schemas.microsoft.com/office/drawing/2014/main" id="{84D355E1-A9B9-4EDF-B15D-BABF7FD9485E}"/>
+              </a:ext>
+            </a:extLst>
+          </p:cNvPr>
+          <p:cNvSpPr/>
+          <p:nvPr/>
+        </p:nvSpPr>
+        <p:spPr>
+          <a:xfrm>
+            <a:off x="6818630" y="1433159"/>
+            <a:ext cx="1469606" cy="718726"/>
+          </a:xfrm>
+          <a:prstGeom prst="rect">
+            <a:avLst/>
+          </a:prstGeom>
+          <a:solidFill>
+            <a:schemeClr val="accent6"/>
+          </a:solidFill>
+          <a:ln>
+            <a:noFill/>
+          </a:ln>
+        </p:spPr>
+        <p:style>
+          <a:lnRef idx="0">
+            <a:scrgbClr r="0" g="0" b="0"/>
+          </a:lnRef>
+          <a:fillRef idx="0">
+            <a:scrgbClr r="0" g="0" b="0"/>
+          </a:fillRef>
+          <a:effectRef idx="0">
+            <a:scrgbClr r="0" g="0" b="0"/>
+          </a:effectRef>
+          <a:fontRef idx="minor">
+            <a:schemeClr val="lt1"/>
+          </a:fontRef>
+        </p:style>
+        <p:txBody>
+          <a:bodyPr rtlCol="0" anchor="ctr"/>
+          <a:lstStyle/>
+          <a:p>
+            <a:pPr algn="ctr"/>
+            <a:r>
+              <a:rPr lang="de-AT" sz="1400" i="1" dirty="0"/>
+              <a:t>Client </a:t>
+            </a:r>
+            <a:r>
+              <a:rPr lang="de-AT" sz="1400" i="1" dirty="0" err="1"/>
+              <a:t>Credentials</a:t>
+            </a:r>
+            <a:endParaRPr lang="en-US" sz="1400" i="1" dirty="0"/>
+          </a:p>
+        </p:txBody>
+      </p:sp>
+      <p:sp>
+        <p:nvSpPr>
+          <p:cNvPr id="53" name="Rectangle 52">
+            <a:extLst>
+              <a:ext uri="{FF2B5EF4-FFF2-40B4-BE49-F238E27FC236}">
+                <a16:creationId xmlns:a16="http://schemas.microsoft.com/office/drawing/2014/main" id="{78FE0A1C-5CA8-46C8-9CDA-2310E829786C}"/>
+              </a:ext>
+            </a:extLst>
+          </p:cNvPr>
+          <p:cNvSpPr/>
+          <p:nvPr/>
+        </p:nvSpPr>
+        <p:spPr>
+          <a:xfrm>
+            <a:off x="6789904" y="5911533"/>
+            <a:ext cx="1506857" cy="666292"/>
+          </a:xfrm>
+          <a:prstGeom prst="rect">
+            <a:avLst/>
+          </a:prstGeom>
+          <a:solidFill>
+            <a:schemeClr val="accent6"/>
+          </a:solidFill>
+          <a:ln>
+            <a:noFill/>
+          </a:ln>
+        </p:spPr>
+        <p:style>
+          <a:lnRef idx="0">
+            <a:scrgbClr r="0" g="0" b="0"/>
+          </a:lnRef>
+          <a:fillRef idx="0">
+            <a:scrgbClr r="0" g="0" b="0"/>
+          </a:fillRef>
+          <a:effectRef idx="0">
+            <a:scrgbClr r="0" g="0" b="0"/>
+          </a:effectRef>
+          <a:fontRef idx="minor">
+            <a:schemeClr val="lt1"/>
+          </a:fontRef>
+        </p:style>
+        <p:txBody>
+          <a:bodyPr rtlCol="0" anchor="ctr"/>
+          <a:lstStyle/>
+          <a:p>
+            <a:pPr algn="ctr"/>
+            <a:r>
+              <a:rPr lang="de-AT" sz="1400" i="1" dirty="0" err="1"/>
+              <a:t>Authorization</a:t>
+            </a:r>
+            <a:r>
+              <a:rPr lang="de-AT" sz="1400" i="1" dirty="0"/>
+              <a:t> Code (PKCE)</a:t>
+            </a:r>
+            <a:endParaRPr lang="en-US" sz="1400" i="1" dirty="0"/>
+          </a:p>
+        </p:txBody>
+      </p:sp>
+      <p:sp>
+        <p:nvSpPr>
+          <p:cNvPr id="54" name="Rectangle 53">
+            <a:extLst>
+              <a:ext uri="{FF2B5EF4-FFF2-40B4-BE49-F238E27FC236}">
+                <a16:creationId xmlns:a16="http://schemas.microsoft.com/office/drawing/2014/main" id="{1A422EDF-D988-429B-A2A9-39C093C3C124}"/>
+              </a:ext>
+            </a:extLst>
+          </p:cNvPr>
+          <p:cNvSpPr/>
+          <p:nvPr/>
+        </p:nvSpPr>
+        <p:spPr>
+          <a:xfrm>
+            <a:off x="6827156" y="4779715"/>
+            <a:ext cx="1469606" cy="718726"/>
+          </a:xfrm>
+          <a:prstGeom prst="rect">
+            <a:avLst/>
+          </a:prstGeom>
+          <a:solidFill>
+            <a:schemeClr val="accent6"/>
+          </a:solidFill>
+          <a:ln>
+            <a:noFill/>
+          </a:ln>
+        </p:spPr>
+        <p:style>
+          <a:lnRef idx="0">
+            <a:scrgbClr r="0" g="0" b="0"/>
+          </a:lnRef>
+          <a:fillRef idx="0">
+            <a:scrgbClr r="0" g="0" b="0"/>
+          </a:fillRef>
+          <a:effectRef idx="0">
+            <a:scrgbClr r="0" g="0" b="0"/>
+          </a:effectRef>
+          <a:fontRef idx="minor">
+            <a:schemeClr val="lt1"/>
+          </a:fontRef>
+        </p:style>
+        <p:txBody>
+          <a:bodyPr rtlCol="0" anchor="ctr"/>
+          <a:lstStyle/>
+          <a:p>
+            <a:pPr algn="ctr"/>
+            <a:r>
+              <a:rPr lang="de-AT" sz="1400" i="1" dirty="0" err="1"/>
+              <a:t>Authorization</a:t>
+            </a:r>
+            <a:r>
+              <a:rPr lang="de-AT" sz="1400" i="1" dirty="0"/>
+              <a:t> Code</a:t>
+            </a:r>
+            <a:endParaRPr lang="en-US" sz="1400" i="1" dirty="0"/>
+          </a:p>
+        </p:txBody>
+      </p:sp>
+      <p:sp>
+        <p:nvSpPr>
+          <p:cNvPr id="55" name="Rectangle 54">
+            <a:extLst>
+              <a:ext uri="{FF2B5EF4-FFF2-40B4-BE49-F238E27FC236}">
+                <a16:creationId xmlns:a16="http://schemas.microsoft.com/office/drawing/2014/main" id="{01DF5194-C4D3-4469-B872-26E65546888B}"/>
+              </a:ext>
+            </a:extLst>
+          </p:cNvPr>
+          <p:cNvSpPr/>
+          <p:nvPr/>
+        </p:nvSpPr>
+        <p:spPr>
+          <a:xfrm>
+            <a:off x="6790620" y="3647897"/>
+            <a:ext cx="1469606" cy="718726"/>
+          </a:xfrm>
+          <a:prstGeom prst="rect">
+            <a:avLst/>
+          </a:prstGeom>
+          <a:solidFill>
+            <a:srgbClr val="FFC000"/>
+          </a:solidFill>
+          <a:ln>
+            <a:noFill/>
+          </a:ln>
+        </p:spPr>
+        <p:style>
+          <a:lnRef idx="0">
+            <a:scrgbClr r="0" g="0" b="0"/>
+          </a:lnRef>
+          <a:fillRef idx="0">
+            <a:scrgbClr r="0" g="0" b="0"/>
+          </a:fillRef>
+          <a:effectRef idx="0">
+            <a:scrgbClr r="0" g="0" b="0"/>
+          </a:effectRef>
+          <a:fontRef idx="minor">
+            <a:schemeClr val="lt1"/>
+          </a:fontRef>
+        </p:style>
+        <p:txBody>
+          <a:bodyPr rtlCol="0" anchor="ctr"/>
+          <a:lstStyle/>
+          <a:p>
+            <a:pPr algn="ctr"/>
+            <a:r>
+              <a:rPr lang="de-AT" sz="1400" i="1" dirty="0" err="1"/>
+              <a:t>Resource</a:t>
+            </a:r>
+            <a:r>
+              <a:rPr lang="de-AT" sz="1400" i="1" dirty="0"/>
+              <a:t> </a:t>
+            </a:r>
+            <a:r>
+              <a:rPr lang="de-AT" sz="1400" i="1" dirty="0" err="1"/>
+              <a:t>Owner</a:t>
+            </a:r>
+            <a:r>
+              <a:rPr lang="de-AT" sz="1400" i="1" dirty="0"/>
+              <a:t> Password</a:t>
+            </a:r>
+            <a:endParaRPr lang="en-US" sz="1400" i="1" dirty="0"/>
+          </a:p>
+        </p:txBody>
+      </p:sp>
+      <p:sp>
+        <p:nvSpPr>
+          <p:cNvPr id="38" name="Callout: Down Arrow 37">
+            <a:extLst>
+              <a:ext uri="{FF2B5EF4-FFF2-40B4-BE49-F238E27FC236}">
+                <a16:creationId xmlns:a16="http://schemas.microsoft.com/office/drawing/2014/main" id="{40E5A80C-05A2-4302-A970-562EEFF48348}"/>
+              </a:ext>
+            </a:extLst>
+          </p:cNvPr>
+          <p:cNvSpPr/>
+          <p:nvPr/>
+        </p:nvSpPr>
+        <p:spPr>
+          <a:xfrm>
+            <a:off x="4314739" y="2502656"/>
+            <a:ext cx="1678102" cy="1142100"/>
+          </a:xfrm>
+          <a:prstGeom prst="downArrowCallout">
+            <a:avLst>
+              <a:gd name="adj1" fmla="val 17836"/>
+              <a:gd name="adj2" fmla="val 17388"/>
+              <a:gd name="adj3" fmla="val 13806"/>
+              <a:gd name="adj4" fmla="val 64977"/>
+            </a:avLst>
+          </a:prstGeom>
+        </p:spPr>
+        <p:style>
+          <a:lnRef idx="2">
+            <a:schemeClr val="dk1"/>
+          </a:lnRef>
+          <a:fillRef idx="1">
+            <a:schemeClr val="lt1"/>
+          </a:fillRef>
+          <a:effectRef idx="0">
+            <a:schemeClr val="dk1"/>
+          </a:effectRef>
+          <a:fontRef idx="minor">
+            <a:schemeClr val="dk1"/>
+          </a:fontRef>
+        </p:style>
+        <p:txBody>
+          <a:bodyPr rtlCol="0" anchor="ctr"/>
+          <a:lstStyle/>
+          <a:p>
+            <a:pPr algn="ctr"/>
+            <a:r>
+              <a:rPr lang="de-AT" sz="1200" dirty="0"/>
+              <a:t>Ist der </a:t>
+            </a:r>
+            <a:r>
+              <a:rPr lang="de-AT" sz="1200" i="1" dirty="0"/>
+              <a:t>Client</a:t>
+            </a:r>
+            <a:r>
+              <a:rPr lang="sk-SK" sz="1200" i="1" dirty="0"/>
+              <a:t> </a:t>
+            </a:r>
+            <a:r>
+              <a:rPr lang="sk-SK" sz="1200" dirty="0" err="1"/>
+              <a:t>browserless</a:t>
+            </a:r>
+            <a:r>
+              <a:rPr lang="sk-SK" sz="1200" dirty="0"/>
+              <a:t> </a:t>
+            </a:r>
+            <a:r>
+              <a:rPr lang="de-AT" sz="1200" dirty="0"/>
+              <a:t>oder mit eingeschränkten Eingabemöglichkeiten</a:t>
+            </a:r>
+            <a:endParaRPr lang="en-US" sz="1200" dirty="0"/>
+          </a:p>
+        </p:txBody>
+      </p:sp>
+      <p:sp>
+        <p:nvSpPr>
+          <p:cNvPr id="40" name="TextBox 39">
+            <a:extLst>
+              <a:ext uri="{FF2B5EF4-FFF2-40B4-BE49-F238E27FC236}">
+                <a16:creationId xmlns:a16="http://schemas.microsoft.com/office/drawing/2014/main" id="{98822774-6A51-4192-BDAD-127B8B96DC07}"/>
+              </a:ext>
+            </a:extLst>
+          </p:cNvPr>
+          <p:cNvSpPr txBox="1"/>
+          <p:nvPr/>
+        </p:nvSpPr>
+        <p:spPr>
+          <a:xfrm>
+            <a:off x="6129164" y="2704985"/>
+            <a:ext cx="242587" cy="226982"/>
+          </a:xfrm>
+          <a:prstGeom prst="rect">
+            <a:avLst/>
+          </a:prstGeom>
+          <a:noFill/>
+        </p:spPr>
+        <p:txBody>
+          <a:bodyPr wrap="none" rtlCol="0">
+            <a:spAutoFit/>
+          </a:bodyPr>
+          <a:lstStyle/>
+          <a:p>
+            <a:r>
+              <a:rPr lang="de-AT" sz="1400" dirty="0">
+                <a:solidFill>
+                  <a:schemeClr val="bg1"/>
+                </a:solidFill>
+              </a:rPr>
+              <a:t>Ja</a:t>
+            </a:r>
+            <a:endParaRPr lang="en-US" sz="1400" dirty="0">
+              <a:solidFill>
+                <a:schemeClr val="bg1"/>
+              </a:solidFill>
+            </a:endParaRPr>
+          </a:p>
+        </p:txBody>
+      </p:sp>
+      <p:sp>
+        <p:nvSpPr>
+          <p:cNvPr id="41" name="Rectangle 40">
+            <a:extLst>
+              <a:ext uri="{FF2B5EF4-FFF2-40B4-BE49-F238E27FC236}">
+                <a16:creationId xmlns:a16="http://schemas.microsoft.com/office/drawing/2014/main" id="{9FD21026-BF8A-45C0-BD2A-C98990640813}"/>
+              </a:ext>
+            </a:extLst>
+          </p:cNvPr>
+          <p:cNvSpPr/>
+          <p:nvPr/>
+        </p:nvSpPr>
+        <p:spPr>
+          <a:xfrm>
+            <a:off x="6790621" y="2532623"/>
+            <a:ext cx="1469606" cy="718726"/>
+          </a:xfrm>
+          <a:prstGeom prst="rect">
+            <a:avLst/>
+          </a:prstGeom>
+          <a:solidFill>
+            <a:schemeClr val="accent6"/>
+          </a:solidFill>
+          <a:ln>
+            <a:noFill/>
+          </a:ln>
+        </p:spPr>
+        <p:style>
+          <a:lnRef idx="0">
+            <a:scrgbClr r="0" g="0" b="0"/>
+          </a:lnRef>
+          <a:fillRef idx="0">
+            <a:scrgbClr r="0" g="0" b="0"/>
+          </a:fillRef>
+          <a:effectRef idx="0">
+            <a:scrgbClr r="0" g="0" b="0"/>
+          </a:effectRef>
+          <a:fontRef idx="minor">
+            <a:schemeClr val="lt1"/>
+          </a:fontRef>
+        </p:style>
+        <p:txBody>
+          <a:bodyPr rtlCol="0" anchor="ctr"/>
+          <a:lstStyle/>
+          <a:p>
+            <a:pPr algn="ctr"/>
+            <a:r>
+              <a:rPr lang="de-AT" sz="1400" i="1" dirty="0"/>
+              <a:t>Device Flow</a:t>
+            </a:r>
+            <a:endParaRPr lang="en-US" sz="1400" i="1" dirty="0"/>
+          </a:p>
+        </p:txBody>
+      </p:sp>
+      <p:sp>
+        <p:nvSpPr>
+          <p:cNvPr id="63" name="Arrow: Right 62">
+            <a:extLst>
+              <a:ext uri="{FF2B5EF4-FFF2-40B4-BE49-F238E27FC236}">
+                <a16:creationId xmlns:a16="http://schemas.microsoft.com/office/drawing/2014/main" id="{CC68D8BE-F54C-4DBE-905E-6CF2421A8D43}"/>
+              </a:ext>
+            </a:extLst>
+          </p:cNvPr>
+          <p:cNvSpPr/>
+          <p:nvPr/>
+        </p:nvSpPr>
+        <p:spPr>
+          <a:xfrm>
+            <a:off x="5995668" y="5945010"/>
+            <a:ext cx="794236" cy="319029"/>
+          </a:xfrm>
+          <a:prstGeom prst="rightArrow">
+            <a:avLst/>
+          </a:prstGeom>
+          <a:solidFill>
+            <a:schemeClr val="accent6"/>
+          </a:solidFill>
+          <a:ln>
+            <a:noFill/>
+          </a:ln>
+        </p:spPr>
+        <p:style>
+          <a:lnRef idx="2">
+            <a:schemeClr val="accent1">
+              <a:shade val="50000"/>
+            </a:schemeClr>
+          </a:lnRef>
+          <a:fillRef idx="1">
+            <a:schemeClr val="accent1"/>
+          </a:fillRef>
+          <a:effectRef idx="0">
+            <a:schemeClr val="accent1"/>
+          </a:effectRef>
+          <a:fontRef idx="minor">
+            <a:schemeClr val="lt1"/>
+          </a:fontRef>
+        </p:style>
+        <p:txBody>
+          <a:bodyPr rtlCol="0" anchor="ctr"/>
+          <a:lstStyle/>
+          <a:p>
+            <a:pPr algn="ctr"/>
+            <a:r>
+              <a:rPr lang="de-AT" sz="1400" dirty="0"/>
+              <a:t>Native</a:t>
+            </a:r>
+          </a:p>
+        </p:txBody>
+      </p:sp>
+      <p:sp>
+        <p:nvSpPr>
+          <p:cNvPr id="65" name="Arrow: Right 64">
+            <a:extLst>
+              <a:ext uri="{FF2B5EF4-FFF2-40B4-BE49-F238E27FC236}">
+                <a16:creationId xmlns:a16="http://schemas.microsoft.com/office/drawing/2014/main" id="{1AEBED8E-98EC-4745-829A-5DB1A46F68A6}"/>
+              </a:ext>
+            </a:extLst>
+          </p:cNvPr>
+          <p:cNvSpPr/>
+          <p:nvPr/>
+        </p:nvSpPr>
+        <p:spPr>
+          <a:xfrm>
+            <a:off x="5994613" y="6264039"/>
+            <a:ext cx="794236" cy="319029"/>
+          </a:xfrm>
+          <a:prstGeom prst="rightArrow">
+            <a:avLst/>
+          </a:prstGeom>
+          <a:solidFill>
+            <a:schemeClr val="accent6"/>
+          </a:solidFill>
+          <a:ln>
+            <a:noFill/>
+          </a:ln>
+        </p:spPr>
+        <p:style>
+          <a:lnRef idx="2">
+            <a:schemeClr val="accent1">
+              <a:shade val="50000"/>
+            </a:schemeClr>
+          </a:lnRef>
+          <a:fillRef idx="1">
+            <a:schemeClr val="accent1"/>
+          </a:fillRef>
+          <a:effectRef idx="0">
+            <a:schemeClr val="accent1"/>
+          </a:effectRef>
+          <a:fontRef idx="minor">
+            <a:schemeClr val="lt1"/>
+          </a:fontRef>
+        </p:style>
+        <p:txBody>
+          <a:bodyPr rtlCol="0" anchor="ctr"/>
+          <a:lstStyle/>
+          <a:p>
+            <a:pPr algn="ctr"/>
+            <a:r>
+              <a:rPr lang="de-AT" sz="1400" dirty="0"/>
+              <a:t>SPA</a:t>
+            </a:r>
+          </a:p>
+        </p:txBody>
+      </p:sp>
+      <p:sp>
+        <p:nvSpPr>
+          <p:cNvPr id="66" name="Arrow: Right 65">
+            <a:extLst>
+              <a:ext uri="{FF2B5EF4-FFF2-40B4-BE49-F238E27FC236}">
+                <a16:creationId xmlns:a16="http://schemas.microsoft.com/office/drawing/2014/main" id="{23C17C2A-A286-411F-B29F-521DFB0401CA}"/>
+              </a:ext>
+            </a:extLst>
+          </p:cNvPr>
+          <p:cNvSpPr/>
+          <p:nvPr/>
+        </p:nvSpPr>
+        <p:spPr>
+          <a:xfrm>
+            <a:off x="5994613" y="3824454"/>
+            <a:ext cx="794236" cy="319029"/>
+          </a:xfrm>
+          <a:prstGeom prst="rightArrow">
+            <a:avLst/>
+          </a:prstGeom>
+          <a:solidFill>
+            <a:srgbClr val="FFC000"/>
+          </a:solidFill>
+          <a:ln>
+            <a:noFill/>
+          </a:ln>
+        </p:spPr>
+        <p:style>
+          <a:lnRef idx="2">
+            <a:schemeClr val="accent1">
+              <a:shade val="50000"/>
+            </a:schemeClr>
+          </a:lnRef>
+          <a:fillRef idx="1">
+            <a:schemeClr val="accent1"/>
+          </a:fillRef>
+          <a:effectRef idx="0">
+            <a:schemeClr val="accent1"/>
+          </a:effectRef>
+          <a:fontRef idx="minor">
+            <a:schemeClr val="lt1"/>
+          </a:fontRef>
+        </p:style>
+        <p:txBody>
+          <a:bodyPr rtlCol="0" anchor="ctr"/>
+          <a:lstStyle/>
+          <a:p>
+            <a:pPr algn="ctr"/>
+            <a:r>
+              <a:rPr lang="de-AT" sz="1400" dirty="0"/>
+              <a:t>Ja</a:t>
+            </a:r>
+          </a:p>
+        </p:txBody>
+      </p:sp>
+      <p:sp>
+        <p:nvSpPr>
+          <p:cNvPr id="8" name="Speech Bubble: Rectangle with Corners Rounded 7">
+            <a:extLst>
+              <a:ext uri="{FF2B5EF4-FFF2-40B4-BE49-F238E27FC236}">
+                <a16:creationId xmlns:a16="http://schemas.microsoft.com/office/drawing/2014/main" id="{A74F8965-5667-425C-81D4-C1D85F14ED43}"/>
+              </a:ext>
+            </a:extLst>
+          </p:cNvPr>
+          <p:cNvSpPr/>
+          <p:nvPr/>
+        </p:nvSpPr>
+        <p:spPr>
+          <a:xfrm>
+            <a:off x="8609707" y="3644756"/>
+            <a:ext cx="1469605" cy="612648"/>
+          </a:xfrm>
+          <a:prstGeom prst="wedgeRoundRectCallout">
+            <a:avLst>
+              <a:gd name="adj1" fmla="val -73721"/>
+              <a:gd name="adj2" fmla="val -12127"/>
+              <a:gd name="adj3" fmla="val 16667"/>
+            </a:avLst>
+          </a:prstGeom>
+          <a:solidFill>
+            <a:srgbClr val="FFC000"/>
+          </a:solidFill>
+          <a:ln>
+            <a:noFill/>
+          </a:ln>
+        </p:spPr>
+        <p:style>
+          <a:lnRef idx="0">
+            <a:scrgbClr r="0" g="0" b="0"/>
+          </a:lnRef>
+          <a:fillRef idx="0">
+            <a:scrgbClr r="0" g="0" b="0"/>
+          </a:fillRef>
+          <a:effectRef idx="0">
+            <a:scrgbClr r="0" g="0" b="0"/>
+          </a:effectRef>
+          <a:fontRef idx="minor">
+            <a:schemeClr val="lt1"/>
+          </a:fontRef>
+        </p:style>
+        <p:txBody>
+          <a:bodyPr rtlCol="0" anchor="ctr"/>
+          <a:lstStyle/>
+          <a:p>
+            <a:pPr algn="ctr"/>
+            <a:r>
+              <a:rPr lang="de-AT" sz="1400" i="1" dirty="0"/>
+              <a:t>First Party Clients</a:t>
+            </a:r>
+          </a:p>
+        </p:txBody>
+      </p:sp>
+    </p:spTree>
+    <p:extLst>
+      <p:ext uri="{BB962C8B-B14F-4D97-AF65-F5344CB8AC3E}">
+        <p14:creationId xmlns:p14="http://schemas.microsoft.com/office/powerpoint/2010/main" val="2599305936"/>
+      </p:ext>
+    </p:extLst>
+  </p:cSld>
+  <p:clrMapOvr>
+    <a:masterClrMapping/>
+  </p:clrMapOvr>
 </p:sld>
 </file>
 
@@ -35678,8 +39046,8 @@
           <a:xfrm>
             <a:off x="4370834" y="4806331"/>
             <a:ext cx="2513472" cy="1085642"/>
-            <a:chOff x="4917987" y="2743852"/>
-            <a:chExt cx="3408144" cy="1472077"/>
+            <a:chOff x="4917987" y="2743854"/>
+            <a:chExt cx="3408144" cy="1472078"/>
           </a:xfrm>
         </p:grpSpPr>
         <p:grpSp>
@@ -35696,8 +39064,8 @@
           </p:nvGrpSpPr>
           <p:grpSpPr>
             <a:xfrm>
-              <a:off x="4917987" y="2743852"/>
-              <a:ext cx="3408144" cy="1472077"/>
+              <a:off x="4917987" y="2743854"/>
+              <a:ext cx="3408144" cy="1472078"/>
               <a:chOff x="3352798" y="2979420"/>
               <a:chExt cx="5404080" cy="2334182"/>
             </a:xfrm>
@@ -35867,7 +39235,7 @@
         </p:nvSpPr>
         <p:spPr>
           <a:xfrm>
-            <a:off x="4341420" y="5910407"/>
+            <a:off x="1858130" y="5558475"/>
             <a:ext cx="1711399" cy="767364"/>
           </a:xfrm>
           <a:prstGeom prst="rect">
@@ -42574,12 +45942,40 @@
           <a:chExt cx="0" cy="0"/>
         </a:xfrm>
       </p:grpSpPr>
+      <p:graphicFrame>
+        <p:nvGraphicFramePr>
+          <p:cNvPr id="5" name="Diagram 4">
+            <a:extLst>
+              <a:ext uri="{FF2B5EF4-FFF2-40B4-BE49-F238E27FC236}">
+                <a16:creationId xmlns:a16="http://schemas.microsoft.com/office/drawing/2014/main" id="{9E369BEC-59AA-4582-92B9-5CF2F9BFAFA1}"/>
+              </a:ext>
+            </a:extLst>
+          </p:cNvPr>
+          <p:cNvGraphicFramePr/>
+          <p:nvPr>
+            <p:extLst>
+              <p:ext uri="{D42A27DB-BD31-4B8C-83A1-F6EECF244321}">
+                <p14:modId xmlns:p14="http://schemas.microsoft.com/office/powerpoint/2010/main" val="3544409276"/>
+              </p:ext>
+            </p:extLst>
+          </p:nvPr>
+        </p:nvGraphicFramePr>
+        <p:xfrm>
+          <a:off x="81280" y="-537985"/>
+          <a:ext cx="12015893" cy="7785452"/>
+        </p:xfrm>
+        <a:graphic>
+          <a:graphicData uri="http://schemas.openxmlformats.org/drawingml/2006/diagram">
+            <dgm:relIds xmlns:dgm="http://schemas.openxmlformats.org/drawingml/2006/diagram" xmlns:r="http://schemas.openxmlformats.org/officeDocument/2006/relationships" r:dm="rId3" r:lo="rId4" r:qs="rId5" r:cs="rId6"/>
+          </a:graphicData>
+        </a:graphic>
+      </p:graphicFrame>
       <p:sp>
         <p:nvSpPr>
           <p:cNvPr id="2" name="Title 1">
             <a:extLst>
               <a:ext uri="{FF2B5EF4-FFF2-40B4-BE49-F238E27FC236}">
-                <a16:creationId xmlns:a16="http://schemas.microsoft.com/office/drawing/2014/main" id="{BA9E32D3-54C4-4230-9DF3-BCCDED4C545E}"/>
+                <a16:creationId xmlns:a16="http://schemas.microsoft.com/office/drawing/2014/main" id="{8FD8EA44-8851-43CE-A947-4D15E970AE54}"/>
               </a:ext>
             </a:extLst>
           </p:cNvPr>
@@ -42597,2201 +45993,58 @@
           <a:p>
             <a:r>
               <a:rPr lang="de-AT" dirty="0"/>
-              <a:t>Wie war es damals	</a:t>
+              <a:t>Historie</a:t>
             </a:r>
             <a:endParaRPr lang="en-US" dirty="0"/>
           </a:p>
         </p:txBody>
       </p:sp>
-      <p:grpSp>
-        <p:nvGrpSpPr>
-          <p:cNvPr id="14" name="Group 13">
+      <p:pic>
+        <p:nvPicPr>
+          <p:cNvPr id="4" name="Picture 3" descr="Shape&#10;&#10;Description automatically generated with low confidence">
             <a:extLst>
               <a:ext uri="{FF2B5EF4-FFF2-40B4-BE49-F238E27FC236}">
-                <a16:creationId xmlns:a16="http://schemas.microsoft.com/office/drawing/2014/main" id="{7967B921-BA93-482C-ACC2-CB40126ADC22}"/>
-              </a:ext>
-            </a:extLst>
-          </p:cNvPr>
-          <p:cNvGrpSpPr/>
-          <p:nvPr/>
-        </p:nvGrpSpPr>
-        <p:grpSpPr>
-          <a:xfrm>
-            <a:off x="9959251" y="1933174"/>
-            <a:ext cx="1446924" cy="1323770"/>
-            <a:chOff x="7060850" y="3273967"/>
-            <a:chExt cx="1446924" cy="1323770"/>
-          </a:xfrm>
-        </p:grpSpPr>
-        <p:pic>
-          <p:nvPicPr>
-            <p:cNvPr id="15" name="Graphic 14">
-              <a:extLst>
-                <a:ext uri="{FF2B5EF4-FFF2-40B4-BE49-F238E27FC236}">
-                  <a16:creationId xmlns:a16="http://schemas.microsoft.com/office/drawing/2014/main" id="{686AD413-9354-4901-B469-C3D1E1628AAE}"/>
-                </a:ext>
-              </a:extLst>
-            </p:cNvPr>
-            <p:cNvPicPr>
-              <a:picLocks noChangeAspect="1"/>
-            </p:cNvPicPr>
-            <p:nvPr/>
-          </p:nvPicPr>
-          <p:blipFill>
-            <a:blip r:embed="rId2" cstate="hqprint">
-              <a:extLst>
-                <a:ext uri="{28A0092B-C50C-407E-A947-70E740481C1C}">
-                  <a14:useLocalDpi xmlns:a14="http://schemas.microsoft.com/office/drawing/2010/main" val="0"/>
-                </a:ext>
-                <a:ext uri="{96DAC541-7B7A-43D3-8B79-37D633B846F1}">
-                  <asvg:svgBlip xmlns:asvg="http://schemas.microsoft.com/office/drawing/2016/SVG/main" r:embed="rId3"/>
-                </a:ext>
-              </a:extLst>
-            </a:blip>
-            <a:stretch>
-              <a:fillRect/>
-            </a:stretch>
-          </p:blipFill>
-          <p:spPr>
-            <a:xfrm>
-              <a:off x="7359062" y="3273967"/>
-              <a:ext cx="850500" cy="972000"/>
-            </a:xfrm>
-            <a:prstGeom prst="rect">
-              <a:avLst/>
-            </a:prstGeom>
-          </p:spPr>
-        </p:pic>
-        <p:sp>
-          <p:nvSpPr>
-            <p:cNvPr id="16" name="TextBox 15">
-              <a:extLst>
-                <a:ext uri="{FF2B5EF4-FFF2-40B4-BE49-F238E27FC236}">
-                  <a16:creationId xmlns:a16="http://schemas.microsoft.com/office/drawing/2014/main" id="{DDE4C204-21F3-4C23-B195-D2A41D6859B6}"/>
-                </a:ext>
-              </a:extLst>
-            </p:cNvPr>
-            <p:cNvSpPr txBox="1"/>
-            <p:nvPr/>
-          </p:nvSpPr>
-          <p:spPr>
-            <a:xfrm>
-              <a:off x="7060850" y="4320738"/>
-              <a:ext cx="1446924" cy="276999"/>
-            </a:xfrm>
-            <a:prstGeom prst="rect">
-              <a:avLst/>
-            </a:prstGeom>
-            <a:noFill/>
-          </p:spPr>
-          <p:txBody>
-            <a:bodyPr wrap="square" rtlCol="0">
-              <a:spAutoFit/>
-            </a:bodyPr>
-            <a:lstStyle/>
-            <a:p>
-              <a:pPr algn="ctr"/>
-              <a:r>
-                <a:rPr lang="de-AT" sz="1200" dirty="0"/>
-                <a:t>Datenbank</a:t>
-              </a:r>
-              <a:endParaRPr lang="en-US" sz="1200" dirty="0"/>
-            </a:p>
-          </p:txBody>
-        </p:sp>
-      </p:grpSp>
-      <p:grpSp>
-        <p:nvGrpSpPr>
-          <p:cNvPr id="17" name="Group 16">
-            <a:extLst>
-              <a:ext uri="{FF2B5EF4-FFF2-40B4-BE49-F238E27FC236}">
-                <a16:creationId xmlns:a16="http://schemas.microsoft.com/office/drawing/2014/main" id="{4D65E832-205A-42E8-8A3B-D340CC3825E6}"/>
-              </a:ext>
-            </a:extLst>
-          </p:cNvPr>
-          <p:cNvGrpSpPr/>
-          <p:nvPr/>
-        </p:nvGrpSpPr>
-        <p:grpSpPr>
-          <a:xfrm>
-            <a:off x="1263461" y="1940182"/>
-            <a:ext cx="1446924" cy="1298910"/>
-            <a:chOff x="8334332" y="3303664"/>
-            <a:chExt cx="1446924" cy="1298910"/>
-          </a:xfrm>
-        </p:grpSpPr>
-        <p:sp>
-          <p:nvSpPr>
-            <p:cNvPr id="18" name="TextBox 17">
-              <a:extLst>
-                <a:ext uri="{FF2B5EF4-FFF2-40B4-BE49-F238E27FC236}">
-                  <a16:creationId xmlns:a16="http://schemas.microsoft.com/office/drawing/2014/main" id="{6CF4FB54-EA1F-49F3-828D-855F99C37D22}"/>
-                </a:ext>
-              </a:extLst>
-            </p:cNvPr>
-            <p:cNvSpPr txBox="1"/>
-            <p:nvPr/>
-          </p:nvSpPr>
-          <p:spPr>
-            <a:xfrm>
-              <a:off x="8334332" y="4325575"/>
-              <a:ext cx="1446924" cy="276999"/>
-            </a:xfrm>
-            <a:prstGeom prst="rect">
-              <a:avLst/>
-            </a:prstGeom>
-            <a:noFill/>
-          </p:spPr>
-          <p:txBody>
-            <a:bodyPr wrap="square" rtlCol="0">
-              <a:spAutoFit/>
-            </a:bodyPr>
-            <a:lstStyle/>
-            <a:p>
-              <a:pPr algn="ctr"/>
-              <a:r>
-                <a:rPr lang="de-AT" sz="1200" dirty="0"/>
-                <a:t>Benutzer</a:t>
-              </a:r>
-              <a:endParaRPr lang="en-US" sz="1200" dirty="0"/>
-            </a:p>
-          </p:txBody>
-        </p:sp>
-        <p:pic>
-          <p:nvPicPr>
-            <p:cNvPr id="19" name="Graphic 18">
-              <a:extLst>
-                <a:ext uri="{FF2B5EF4-FFF2-40B4-BE49-F238E27FC236}">
-                  <a16:creationId xmlns:a16="http://schemas.microsoft.com/office/drawing/2014/main" id="{2419C9CC-F4EC-416B-9C25-118E6C7A5562}"/>
-                </a:ext>
-              </a:extLst>
-            </p:cNvPr>
-            <p:cNvPicPr>
-              <a:picLocks noChangeAspect="1"/>
-            </p:cNvPicPr>
-            <p:nvPr/>
-          </p:nvPicPr>
-          <p:blipFill>
-            <a:blip r:embed="rId4" cstate="hqprint">
-              <a:extLst>
-                <a:ext uri="{28A0092B-C50C-407E-A947-70E740481C1C}">
-                  <a14:useLocalDpi xmlns:a14="http://schemas.microsoft.com/office/drawing/2010/main" val="0"/>
-                </a:ext>
-                <a:ext uri="{96DAC541-7B7A-43D3-8B79-37D633B846F1}">
-                  <asvg:svgBlip xmlns:asvg="http://schemas.microsoft.com/office/drawing/2016/SVG/main" r:embed="rId5"/>
-                </a:ext>
-              </a:extLst>
-            </a:blip>
-            <a:stretch>
-              <a:fillRect/>
-            </a:stretch>
-          </p:blipFill>
-          <p:spPr>
-            <a:xfrm>
-              <a:off x="8616539" y="3303664"/>
-              <a:ext cx="850500" cy="972000"/>
-            </a:xfrm>
-            <a:prstGeom prst="rect">
-              <a:avLst/>
-            </a:prstGeom>
-          </p:spPr>
-        </p:pic>
-      </p:grpSp>
-      <p:grpSp>
-        <p:nvGrpSpPr>
-          <p:cNvPr id="20" name="Group 19">
-            <a:extLst>
-              <a:ext uri="{FF2B5EF4-FFF2-40B4-BE49-F238E27FC236}">
-                <a16:creationId xmlns:a16="http://schemas.microsoft.com/office/drawing/2014/main" id="{2E8E9A67-4244-4788-BDB6-29AE44B5E561}"/>
-              </a:ext>
-            </a:extLst>
-          </p:cNvPr>
-          <p:cNvGrpSpPr/>
-          <p:nvPr/>
-        </p:nvGrpSpPr>
-        <p:grpSpPr>
-          <a:xfrm>
-            <a:off x="5572496" y="1945304"/>
-            <a:ext cx="1446924" cy="1299510"/>
-            <a:chOff x="974256" y="4958709"/>
-            <a:chExt cx="1446924" cy="1299510"/>
-          </a:xfrm>
-        </p:grpSpPr>
-        <p:pic>
-          <p:nvPicPr>
-            <p:cNvPr id="21" name="Graphic 20">
-              <a:extLst>
-                <a:ext uri="{FF2B5EF4-FFF2-40B4-BE49-F238E27FC236}">
-                  <a16:creationId xmlns:a16="http://schemas.microsoft.com/office/drawing/2014/main" id="{A9C8B5E7-809D-4983-8271-51D94DFDEE18}"/>
-                </a:ext>
-              </a:extLst>
-            </p:cNvPr>
-            <p:cNvPicPr>
-              <a:picLocks noChangeAspect="1"/>
-            </p:cNvPicPr>
-            <p:nvPr/>
-          </p:nvPicPr>
-          <p:blipFill>
-            <a:blip r:embed="rId6" cstate="hqprint">
-              <a:extLst>
-                <a:ext uri="{28A0092B-C50C-407E-A947-70E740481C1C}">
-                  <a14:useLocalDpi xmlns:a14="http://schemas.microsoft.com/office/drawing/2010/main" val="0"/>
-                </a:ext>
-                <a:ext uri="{96DAC541-7B7A-43D3-8B79-37D633B846F1}">
-                  <asvg:svgBlip xmlns:asvg="http://schemas.microsoft.com/office/drawing/2016/SVG/main" r:embed="rId7"/>
-                </a:ext>
-              </a:extLst>
-            </a:blip>
-            <a:stretch>
-              <a:fillRect/>
-            </a:stretch>
-          </p:blipFill>
-          <p:spPr>
-            <a:xfrm flipH="1">
-              <a:off x="1211718" y="4958709"/>
-              <a:ext cx="972000" cy="972000"/>
-            </a:xfrm>
-            <a:prstGeom prst="rect">
-              <a:avLst/>
-            </a:prstGeom>
-          </p:spPr>
-        </p:pic>
-        <p:sp>
-          <p:nvSpPr>
-            <p:cNvPr id="22" name="TextBox 21">
-              <a:extLst>
-                <a:ext uri="{FF2B5EF4-FFF2-40B4-BE49-F238E27FC236}">
-                  <a16:creationId xmlns:a16="http://schemas.microsoft.com/office/drawing/2014/main" id="{E9941C38-925B-42D3-B7F9-27D62A756234}"/>
-                </a:ext>
-              </a:extLst>
-            </p:cNvPr>
-            <p:cNvSpPr txBox="1"/>
-            <p:nvPr/>
-          </p:nvSpPr>
-          <p:spPr>
-            <a:xfrm>
-              <a:off x="974256" y="5981220"/>
-              <a:ext cx="1446924" cy="276999"/>
-            </a:xfrm>
-            <a:prstGeom prst="rect">
-              <a:avLst/>
-            </a:prstGeom>
-            <a:noFill/>
-          </p:spPr>
-          <p:txBody>
-            <a:bodyPr wrap="square" rtlCol="0">
-              <a:spAutoFit/>
-            </a:bodyPr>
-            <a:lstStyle/>
-            <a:p>
-              <a:pPr algn="ctr"/>
-              <a:r>
-                <a:rPr lang="de-AT" sz="1200" dirty="0"/>
-                <a:t>Anwendung</a:t>
-              </a:r>
-              <a:endParaRPr lang="en-US" sz="1200" dirty="0"/>
-            </a:p>
-          </p:txBody>
-        </p:sp>
-      </p:grpSp>
-      <p:grpSp>
-        <p:nvGrpSpPr>
-          <p:cNvPr id="23" name="Group 22">
-            <a:extLst>
-              <a:ext uri="{FF2B5EF4-FFF2-40B4-BE49-F238E27FC236}">
-                <a16:creationId xmlns:a16="http://schemas.microsoft.com/office/drawing/2014/main" id="{FD7A6B1B-9109-42F7-AA39-50E72898D08F}"/>
-              </a:ext>
-            </a:extLst>
-          </p:cNvPr>
-          <p:cNvGrpSpPr/>
-          <p:nvPr/>
-        </p:nvGrpSpPr>
-        <p:grpSpPr>
-          <a:xfrm>
-            <a:off x="2534242" y="2007063"/>
-            <a:ext cx="3075927" cy="324939"/>
-            <a:chOff x="4164163" y="2994320"/>
-            <a:chExt cx="3696730" cy="324939"/>
-          </a:xfrm>
-        </p:grpSpPr>
-        <p:cxnSp>
-          <p:nvCxnSpPr>
-            <p:cNvPr id="24" name="Straight Arrow Connector 23">
-              <a:extLst>
-                <a:ext uri="{FF2B5EF4-FFF2-40B4-BE49-F238E27FC236}">
-                  <a16:creationId xmlns:a16="http://schemas.microsoft.com/office/drawing/2014/main" id="{E5BBE36A-F79E-48B5-9C36-132EF6EAC2CC}"/>
-                </a:ext>
-              </a:extLst>
-            </p:cNvPr>
-            <p:cNvCxnSpPr>
-              <a:cxnSpLocks/>
-            </p:cNvCxnSpPr>
-            <p:nvPr/>
-          </p:nvCxnSpPr>
-          <p:spPr>
-            <a:xfrm>
-              <a:off x="4164163" y="3319259"/>
-              <a:ext cx="3696730" cy="0"/>
-            </a:xfrm>
-            <a:prstGeom prst="straightConnector1">
-              <a:avLst/>
-            </a:prstGeom>
-            <a:ln>
-              <a:tailEnd type="triangle"/>
-            </a:ln>
-          </p:spPr>
-          <p:style>
-            <a:lnRef idx="3">
-              <a:schemeClr val="accent3"/>
-            </a:lnRef>
-            <a:fillRef idx="0">
-              <a:schemeClr val="accent3"/>
-            </a:fillRef>
-            <a:effectRef idx="2">
-              <a:schemeClr val="accent3"/>
-            </a:effectRef>
-            <a:fontRef idx="minor">
-              <a:schemeClr val="tx1"/>
-            </a:fontRef>
-          </p:style>
-        </p:cxnSp>
-        <p:sp>
-          <p:nvSpPr>
-            <p:cNvPr id="25" name="TextBox 24">
-              <a:extLst>
-                <a:ext uri="{FF2B5EF4-FFF2-40B4-BE49-F238E27FC236}">
-                  <a16:creationId xmlns:a16="http://schemas.microsoft.com/office/drawing/2014/main" id="{95361F7B-ACE0-4972-85A0-0E546085C66F}"/>
-                </a:ext>
-              </a:extLst>
-            </p:cNvPr>
-            <p:cNvSpPr txBox="1"/>
-            <p:nvPr/>
-          </p:nvSpPr>
-          <p:spPr>
-            <a:xfrm>
-              <a:off x="5129159" y="2994320"/>
-              <a:ext cx="1766737" cy="276999"/>
-            </a:xfrm>
-            <a:prstGeom prst="rect">
-              <a:avLst/>
-            </a:prstGeom>
-            <a:noFill/>
-          </p:spPr>
-          <p:txBody>
-            <a:bodyPr wrap="square" rtlCol="0">
-              <a:spAutoFit/>
-            </a:bodyPr>
-            <a:lstStyle>
-              <a:defPPr>
-                <a:defRPr lang="en-US"/>
-              </a:defPPr>
-              <a:lvl1pPr>
-                <a:defRPr sz="1200">
-                  <a:solidFill>
-                    <a:schemeClr val="bg1">
-                      <a:lumMod val="50000"/>
-                    </a:schemeClr>
-                  </a:solidFill>
-                </a:defRPr>
-              </a:lvl1pPr>
-            </a:lstStyle>
-            <a:p>
-              <a:pPr algn="ctr"/>
-              <a:r>
-                <a:rPr lang="de-AT" dirty="0"/>
-                <a:t>Login Anfrage </a:t>
-              </a:r>
-              <a:endParaRPr lang="en-US" dirty="0"/>
-            </a:p>
-          </p:txBody>
-        </p:sp>
-      </p:grpSp>
-      <p:grpSp>
-        <p:nvGrpSpPr>
-          <p:cNvPr id="26" name="Group 25">
-            <a:extLst>
-              <a:ext uri="{FF2B5EF4-FFF2-40B4-BE49-F238E27FC236}">
-                <a16:creationId xmlns:a16="http://schemas.microsoft.com/office/drawing/2014/main" id="{2F523A35-B421-4904-8F47-BA5A4C7F7DA5}"/>
-              </a:ext>
-            </a:extLst>
-          </p:cNvPr>
-          <p:cNvGrpSpPr/>
-          <p:nvPr/>
-        </p:nvGrpSpPr>
-        <p:grpSpPr>
-          <a:xfrm>
-            <a:off x="7014458" y="1884055"/>
-            <a:ext cx="3064999" cy="461665"/>
-            <a:chOff x="4164163" y="2857594"/>
-            <a:chExt cx="3696730" cy="461665"/>
-          </a:xfrm>
-        </p:grpSpPr>
-        <p:cxnSp>
-          <p:nvCxnSpPr>
-            <p:cNvPr id="27" name="Straight Arrow Connector 26">
-              <a:extLst>
-                <a:ext uri="{FF2B5EF4-FFF2-40B4-BE49-F238E27FC236}">
-                  <a16:creationId xmlns:a16="http://schemas.microsoft.com/office/drawing/2014/main" id="{BD776E30-B934-45F9-B7C4-EA1E59A989F4}"/>
-                </a:ext>
-              </a:extLst>
-            </p:cNvPr>
-            <p:cNvCxnSpPr>
-              <a:cxnSpLocks/>
-            </p:cNvCxnSpPr>
-            <p:nvPr/>
-          </p:nvCxnSpPr>
-          <p:spPr>
-            <a:xfrm>
-              <a:off x="4164163" y="3319259"/>
-              <a:ext cx="3696730" cy="0"/>
-            </a:xfrm>
-            <a:prstGeom prst="straightConnector1">
-              <a:avLst/>
-            </a:prstGeom>
-            <a:ln>
-              <a:tailEnd type="triangle"/>
-            </a:ln>
-          </p:spPr>
-          <p:style>
-            <a:lnRef idx="3">
-              <a:schemeClr val="accent3"/>
-            </a:lnRef>
-            <a:fillRef idx="0">
-              <a:schemeClr val="accent3"/>
-            </a:fillRef>
-            <a:effectRef idx="2">
-              <a:schemeClr val="accent3"/>
-            </a:effectRef>
-            <a:fontRef idx="minor">
-              <a:schemeClr val="tx1"/>
-            </a:fontRef>
-          </p:style>
-        </p:cxnSp>
-        <p:sp>
-          <p:nvSpPr>
-            <p:cNvPr id="28" name="TextBox 27">
-              <a:extLst>
-                <a:ext uri="{FF2B5EF4-FFF2-40B4-BE49-F238E27FC236}">
-                  <a16:creationId xmlns:a16="http://schemas.microsoft.com/office/drawing/2014/main" id="{F88615A9-164B-4E41-BC16-F646FAC89917}"/>
-                </a:ext>
-              </a:extLst>
-            </p:cNvPr>
-            <p:cNvSpPr txBox="1"/>
-            <p:nvPr/>
-          </p:nvSpPr>
-          <p:spPr>
-            <a:xfrm>
-              <a:off x="4308630" y="2857594"/>
-              <a:ext cx="3407797" cy="461665"/>
-            </a:xfrm>
-            <a:prstGeom prst="rect">
-              <a:avLst/>
-            </a:prstGeom>
-            <a:noFill/>
-          </p:spPr>
-          <p:txBody>
-            <a:bodyPr wrap="square" rtlCol="0">
-              <a:spAutoFit/>
-            </a:bodyPr>
-            <a:lstStyle>
-              <a:defPPr>
-                <a:defRPr lang="en-US"/>
-              </a:defPPr>
-              <a:lvl1pPr>
-                <a:defRPr sz="1200">
-                  <a:solidFill>
-                    <a:schemeClr val="bg1">
-                      <a:lumMod val="50000"/>
-                    </a:schemeClr>
-                  </a:solidFill>
-                </a:defRPr>
-              </a:lvl1pPr>
-            </a:lstStyle>
-            <a:p>
-              <a:pPr algn="ctr"/>
-              <a:r>
-                <a:rPr lang="de-AT" dirty="0"/>
-                <a:t>Vergleiche ob Anmeldedaten übereinstimmen</a:t>
-              </a:r>
-              <a:endParaRPr lang="en-US" dirty="0"/>
-            </a:p>
-          </p:txBody>
-        </p:sp>
-      </p:grpSp>
-      <p:graphicFrame>
-        <p:nvGraphicFramePr>
-          <p:cNvPr id="34" name="Table 33">
-            <a:extLst>
-              <a:ext uri="{FF2B5EF4-FFF2-40B4-BE49-F238E27FC236}">
-                <a16:creationId xmlns:a16="http://schemas.microsoft.com/office/drawing/2014/main" id="{8C7DBA50-9A83-404A-80C3-0FDD1C68C698}"/>
-              </a:ext>
-            </a:extLst>
-          </p:cNvPr>
-          <p:cNvGraphicFramePr>
-            <a:graphicFrameLocks noGrp="1"/>
-          </p:cNvGraphicFramePr>
-          <p:nvPr>
-            <p:extLst>
-              <p:ext uri="{D42A27DB-BD31-4B8C-83A1-F6EECF244321}">
-                <p14:modId xmlns:p14="http://schemas.microsoft.com/office/powerpoint/2010/main" val="3560841965"/>
-              </p:ext>
-            </p:extLst>
-          </p:nvPr>
-        </p:nvGraphicFramePr>
-        <p:xfrm>
-          <a:off x="7304970" y="290688"/>
-          <a:ext cx="3924912" cy="898128"/>
-        </p:xfrm>
-        <a:graphic>
-          <a:graphicData uri="http://schemas.openxmlformats.org/drawingml/2006/table">
-            <a:tbl>
-              <a:tblPr firstRow="1" bandRow="1">
-                <a:tableStyleId>{073A0DAA-6AF3-43AB-8588-CEC1D06C72B9}</a:tableStyleId>
-              </a:tblPr>
-              <a:tblGrid>
-                <a:gridCol w="1962456">
-                  <a:extLst>
-                    <a:ext uri="{9D8B030D-6E8A-4147-A177-3AD203B41FA5}">
-                      <a16:colId xmlns:a16="http://schemas.microsoft.com/office/drawing/2014/main" val="2297285761"/>
-                    </a:ext>
-                  </a:extLst>
-                </a:gridCol>
-                <a:gridCol w="1962456">
-                  <a:extLst>
-                    <a:ext uri="{9D8B030D-6E8A-4147-A177-3AD203B41FA5}">
-                      <a16:colId xmlns:a16="http://schemas.microsoft.com/office/drawing/2014/main" val="1270416765"/>
-                    </a:ext>
-                  </a:extLst>
-                </a:gridCol>
-              </a:tblGrid>
-              <a:tr h="217411">
-                <a:tc>
-                  <a:txBody>
-                    <a:bodyPr/>
-                    <a:lstStyle/>
-                    <a:p>
-                      <a:pPr algn="ctr"/>
-                      <a:r>
-                        <a:rPr lang="de-AT" sz="1400" dirty="0"/>
-                        <a:t>Benutzername</a:t>
-                      </a:r>
-                      <a:endParaRPr lang="en-US" sz="1400" dirty="0"/>
-                    </a:p>
-                  </a:txBody>
-                  <a:tcPr marL="86015" marR="86015" marT="43008" marB="43008"/>
-                </a:tc>
-                <a:tc>
-                  <a:txBody>
-                    <a:bodyPr/>
-                    <a:lstStyle/>
-                    <a:p>
-                      <a:pPr algn="ctr"/>
-                      <a:r>
-                        <a:rPr lang="de-AT" sz="1400" dirty="0"/>
-                        <a:t>Kennwort</a:t>
-                      </a:r>
-                      <a:endParaRPr lang="en-US" sz="1400" dirty="0"/>
-                    </a:p>
-                  </a:txBody>
-                  <a:tcPr marL="86015" marR="86015" marT="43008" marB="43008"/>
-                </a:tc>
-                <a:extLst>
-                  <a:ext uri="{0D108BD9-81ED-4DB2-BD59-A6C34878D82A}">
-                    <a16:rowId xmlns:a16="http://schemas.microsoft.com/office/drawing/2014/main" val="3173884703"/>
-                  </a:ext>
-                </a:extLst>
-              </a:tr>
-              <a:tr h="217411">
-                <a:tc>
-                  <a:txBody>
-                    <a:bodyPr/>
-                    <a:lstStyle/>
-                    <a:p>
-                      <a:pPr algn="ctr"/>
-                      <a:r>
-                        <a:rPr lang="de-AT" sz="1400" dirty="0" err="1"/>
-                        <a:t>akalcik</a:t>
-                      </a:r>
-                      <a:endParaRPr lang="en-US" sz="1400" dirty="0"/>
-                    </a:p>
-                  </a:txBody>
-                  <a:tcPr marL="86015" marR="86015" marT="43008" marB="43008"/>
-                </a:tc>
-                <a:tc>
-                  <a:txBody>
-                    <a:bodyPr/>
-                    <a:lstStyle/>
-                    <a:p>
-                      <a:pPr algn="ctr"/>
-                      <a:r>
-                        <a:rPr lang="de-AT" sz="1400" dirty="0"/>
-                        <a:t>1234</a:t>
-                      </a:r>
-                      <a:endParaRPr lang="en-US" sz="1400" dirty="0"/>
-                    </a:p>
-                  </a:txBody>
-                  <a:tcPr marL="86015" marR="86015" marT="43008" marB="43008"/>
-                </a:tc>
-                <a:extLst>
-                  <a:ext uri="{0D108BD9-81ED-4DB2-BD59-A6C34878D82A}">
-                    <a16:rowId xmlns:a16="http://schemas.microsoft.com/office/drawing/2014/main" val="1703648007"/>
-                  </a:ext>
-                </a:extLst>
-              </a:tr>
-              <a:tr h="217411">
-                <a:tc>
-                  <a:txBody>
-                    <a:bodyPr/>
-                    <a:lstStyle/>
-                    <a:p>
-                      <a:pPr algn="ctr"/>
-                      <a:r>
-                        <a:rPr lang="de-AT" sz="1400" dirty="0" err="1"/>
-                        <a:t>dwagner</a:t>
-                      </a:r>
-                      <a:endParaRPr lang="en-US" sz="1400" dirty="0"/>
-                    </a:p>
-                  </a:txBody>
-                  <a:tcPr marL="86015" marR="86015" marT="43008" marB="43008"/>
-                </a:tc>
-                <a:tc>
-                  <a:txBody>
-                    <a:bodyPr/>
-                    <a:lstStyle/>
-                    <a:p>
-                      <a:pPr algn="ctr"/>
-                      <a:r>
-                        <a:rPr lang="de-AT" sz="1400" dirty="0" err="1"/>
-                        <a:t>passwort</a:t>
-                      </a:r>
-                      <a:endParaRPr lang="en-US" sz="1400" dirty="0"/>
-                    </a:p>
-                  </a:txBody>
-                  <a:tcPr marL="86015" marR="86015" marT="43008" marB="43008"/>
-                </a:tc>
-                <a:extLst>
-                  <a:ext uri="{0D108BD9-81ED-4DB2-BD59-A6C34878D82A}">
-                    <a16:rowId xmlns:a16="http://schemas.microsoft.com/office/drawing/2014/main" val="1687673244"/>
-                  </a:ext>
-                </a:extLst>
-              </a:tr>
-            </a:tbl>
-          </a:graphicData>
-        </a:graphic>
-      </p:graphicFrame>
-      <p:cxnSp>
-        <p:nvCxnSpPr>
-          <p:cNvPr id="36" name="Straight Connector 35">
-            <a:extLst>
-              <a:ext uri="{FF2B5EF4-FFF2-40B4-BE49-F238E27FC236}">
-                <a16:creationId xmlns:a16="http://schemas.microsoft.com/office/drawing/2014/main" id="{470FBC13-86B5-4626-B549-DAF9D29F3064}"/>
-              </a:ext>
-            </a:extLst>
-          </p:cNvPr>
-          <p:cNvCxnSpPr>
-            <a:cxnSpLocks/>
-            <a:stCxn id="15" idx="0"/>
-            <a:endCxn id="34" idx="2"/>
-          </p:cNvCxnSpPr>
-          <p:nvPr/>
-        </p:nvCxnSpPr>
-        <p:spPr>
-          <a:xfrm flipH="1" flipV="1">
-            <a:off x="9267426" y="1188816"/>
-            <a:ext cx="1415287" cy="744358"/>
-          </a:xfrm>
-          <a:prstGeom prst="line">
-            <a:avLst/>
-          </a:prstGeom>
-        </p:spPr>
-        <p:style>
-          <a:lnRef idx="3">
-            <a:schemeClr val="accent3"/>
-          </a:lnRef>
-          <a:fillRef idx="0">
-            <a:schemeClr val="accent3"/>
-          </a:fillRef>
-          <a:effectRef idx="2">
-            <a:schemeClr val="accent3"/>
-          </a:effectRef>
-          <a:fontRef idx="minor">
-            <a:schemeClr val="tx1"/>
-          </a:fontRef>
-        </p:style>
-      </p:cxnSp>
-      <p:pic>
-        <p:nvPicPr>
-          <p:cNvPr id="1026" name="Picture 2" descr="Bildergebnis fÃ¼r fake company logo">
-            <a:extLst>
-              <a:ext uri="{FF2B5EF4-FFF2-40B4-BE49-F238E27FC236}">
-                <a16:creationId xmlns:a16="http://schemas.microsoft.com/office/drawing/2014/main" id="{D6B46E58-0C17-46DC-8256-F96ADB1EE4DD}"/>
+                <a16:creationId xmlns:a16="http://schemas.microsoft.com/office/drawing/2014/main" id="{DAD3EE3A-FFBF-497E-940E-E3CD5857BE0B}"/>
               </a:ext>
             </a:extLst>
           </p:cNvPr>
           <p:cNvPicPr>
-            <a:picLocks noChangeAspect="1" noChangeArrowheads="1"/>
+            <a:picLocks noChangeAspect="1"/>
           </p:cNvPicPr>
           <p:nvPr/>
         </p:nvPicPr>
         <p:blipFill>
-          <a:blip r:embed="rId8" cstate="hqprint">
+          <a:blip r:embed="rId8">
             <a:extLst>
               <a:ext uri="{28A0092B-C50C-407E-A947-70E740481C1C}">
                 <a14:useLocalDpi xmlns:a14="http://schemas.microsoft.com/office/drawing/2010/main" val="0"/>
               </a:ext>
             </a:extLst>
           </a:blip>
-          <a:srcRect/>
           <a:stretch>
             <a:fillRect/>
           </a:stretch>
         </p:blipFill>
-        <p:spPr bwMode="auto">
-          <a:xfrm>
-            <a:off x="5933494" y="2392574"/>
-            <a:ext cx="724927" cy="261672"/>
-          </a:xfrm>
-          <a:prstGeom prst="rect">
-            <a:avLst/>
-          </a:prstGeom>
-          <a:noFill/>
-          <a:extLst>
-            <a:ext uri="{909E8E84-426E-40DD-AFC4-6F175D3DCCD1}">
-              <a14:hiddenFill xmlns:a14="http://schemas.microsoft.com/office/drawing/2010/main">
-                <a:solidFill>
-                  <a:srgbClr val="FFFFFF"/>
-                </a:solidFill>
-              </a14:hiddenFill>
-            </a:ext>
-          </a:extLst>
-        </p:spPr>
-      </p:pic>
-      <p:grpSp>
-        <p:nvGrpSpPr>
-          <p:cNvPr id="5" name="Group 4">
-            <a:extLst>
-              <a:ext uri="{FF2B5EF4-FFF2-40B4-BE49-F238E27FC236}">
-                <a16:creationId xmlns:a16="http://schemas.microsoft.com/office/drawing/2014/main" id="{C0250A9F-3101-49E8-8FEC-EA63AEE4B0DE}"/>
-              </a:ext>
-            </a:extLst>
-          </p:cNvPr>
-          <p:cNvGrpSpPr/>
-          <p:nvPr/>
-        </p:nvGrpSpPr>
-        <p:grpSpPr>
-          <a:xfrm>
-            <a:off x="5605207" y="4963164"/>
-            <a:ext cx="1446924" cy="1299510"/>
-            <a:chOff x="5605207" y="4963164"/>
-            <a:chExt cx="1446924" cy="1299510"/>
-          </a:xfrm>
-        </p:grpSpPr>
-        <p:grpSp>
-          <p:nvGrpSpPr>
-            <p:cNvPr id="55" name="Group 54">
-              <a:extLst>
-                <a:ext uri="{FF2B5EF4-FFF2-40B4-BE49-F238E27FC236}">
-                  <a16:creationId xmlns:a16="http://schemas.microsoft.com/office/drawing/2014/main" id="{2A90FD35-5BFD-45A5-AA8B-4BD06443E16C}"/>
-                </a:ext>
-              </a:extLst>
-            </p:cNvPr>
-            <p:cNvGrpSpPr/>
-            <p:nvPr/>
-          </p:nvGrpSpPr>
-          <p:grpSpPr>
-            <a:xfrm>
-              <a:off x="5605207" y="4963164"/>
-              <a:ext cx="1446924" cy="1299510"/>
-              <a:chOff x="974256" y="4958709"/>
-              <a:chExt cx="1446924" cy="1299510"/>
-            </a:xfrm>
-          </p:grpSpPr>
-          <p:pic>
-            <p:nvPicPr>
-              <p:cNvPr id="56" name="Graphic 55">
-                <a:extLst>
-                  <a:ext uri="{FF2B5EF4-FFF2-40B4-BE49-F238E27FC236}">
-                    <a16:creationId xmlns:a16="http://schemas.microsoft.com/office/drawing/2014/main" id="{1F80D0DF-8CDA-43E0-8A0C-D10A26F9AD0E}"/>
-                  </a:ext>
-                </a:extLst>
-              </p:cNvPr>
-              <p:cNvPicPr>
-                <a:picLocks noChangeAspect="1"/>
-              </p:cNvPicPr>
-              <p:nvPr/>
-            </p:nvPicPr>
-            <p:blipFill>
-              <a:blip r:embed="rId6" cstate="hqprint">
-                <a:extLst>
-                  <a:ext uri="{28A0092B-C50C-407E-A947-70E740481C1C}">
-                    <a14:useLocalDpi xmlns:a14="http://schemas.microsoft.com/office/drawing/2010/main" val="0"/>
-                  </a:ext>
-                  <a:ext uri="{96DAC541-7B7A-43D3-8B79-37D633B846F1}">
-                    <asvg:svgBlip xmlns:asvg="http://schemas.microsoft.com/office/drawing/2016/SVG/main" r:embed="rId7"/>
-                  </a:ext>
-                </a:extLst>
-              </a:blip>
-              <a:stretch>
-                <a:fillRect/>
-              </a:stretch>
-            </p:blipFill>
-            <p:spPr>
-              <a:xfrm flipH="1">
-                <a:off x="1211718" y="4958709"/>
-                <a:ext cx="972000" cy="972000"/>
-              </a:xfrm>
-              <a:prstGeom prst="rect">
-                <a:avLst/>
-              </a:prstGeom>
-            </p:spPr>
-          </p:pic>
-          <p:sp>
-            <p:nvSpPr>
-              <p:cNvPr id="57" name="TextBox 56">
-                <a:extLst>
-                  <a:ext uri="{FF2B5EF4-FFF2-40B4-BE49-F238E27FC236}">
-                    <a16:creationId xmlns:a16="http://schemas.microsoft.com/office/drawing/2014/main" id="{F0738AC3-81EB-46BA-890E-A1217DADF994}"/>
-                  </a:ext>
-                </a:extLst>
-              </p:cNvPr>
-              <p:cNvSpPr txBox="1"/>
-              <p:nvPr/>
-            </p:nvSpPr>
-            <p:spPr>
-              <a:xfrm>
-                <a:off x="974256" y="5981220"/>
-                <a:ext cx="1446924" cy="276999"/>
-              </a:xfrm>
-              <a:prstGeom prst="rect">
-                <a:avLst/>
-              </a:prstGeom>
-              <a:noFill/>
-            </p:spPr>
-            <p:txBody>
-              <a:bodyPr wrap="square" rtlCol="0">
-                <a:spAutoFit/>
-              </a:bodyPr>
-              <a:lstStyle/>
-              <a:p>
-                <a:pPr algn="ctr"/>
-                <a:r>
-                  <a:rPr lang="de-AT" sz="1200" dirty="0"/>
-                  <a:t>Anwendung</a:t>
-                </a:r>
-                <a:endParaRPr lang="en-US" sz="1200" dirty="0"/>
-              </a:p>
-            </p:txBody>
-          </p:sp>
-        </p:grpSp>
-        <p:pic>
-          <p:nvPicPr>
-            <p:cNvPr id="3" name="Picture 2" descr="Bildergebnis fÃ¼r fake company logo">
-              <a:extLst>
-                <a:ext uri="{FF2B5EF4-FFF2-40B4-BE49-F238E27FC236}">
-                  <a16:creationId xmlns:a16="http://schemas.microsoft.com/office/drawing/2014/main" id="{3E6FC0C4-C09A-4E7F-98E4-2BE0C904C93B}"/>
-                </a:ext>
-              </a:extLst>
-            </p:cNvPr>
-            <p:cNvPicPr>
-              <a:picLocks noChangeAspect="1" noChangeArrowheads="1"/>
-            </p:cNvPicPr>
-            <p:nvPr/>
-          </p:nvPicPr>
-          <p:blipFill>
-            <a:blip r:embed="rId9" cstate="hqprint">
-              <a:extLst>
-                <a:ext uri="{28A0092B-C50C-407E-A947-70E740481C1C}">
-                  <a14:useLocalDpi xmlns:a14="http://schemas.microsoft.com/office/drawing/2010/main" val="0"/>
-                </a:ext>
-              </a:extLst>
-            </a:blip>
-            <a:srcRect/>
-            <a:stretch>
-              <a:fillRect/>
-            </a:stretch>
-          </p:blipFill>
-          <p:spPr bwMode="auto">
-            <a:xfrm>
-              <a:off x="5685350" y="5318493"/>
-              <a:ext cx="1283852" cy="427951"/>
-            </a:xfrm>
-            <a:prstGeom prst="rect">
-              <a:avLst/>
-            </a:prstGeom>
-            <a:noFill/>
-            <a:extLst>
-              <a:ext uri="{909E8E84-426E-40DD-AFC4-6F175D3DCCD1}">
-                <a14:hiddenFill xmlns:a14="http://schemas.microsoft.com/office/drawing/2010/main">
-                  <a:solidFill>
-                    <a:srgbClr val="FFFFFF"/>
-                  </a:solidFill>
-                </a14:hiddenFill>
-              </a:ext>
-            </a:extLst>
-          </p:spPr>
-        </p:pic>
-      </p:grpSp>
-      <p:grpSp>
-        <p:nvGrpSpPr>
-          <p:cNvPr id="29" name="Group 28">
-            <a:extLst>
-              <a:ext uri="{FF2B5EF4-FFF2-40B4-BE49-F238E27FC236}">
-                <a16:creationId xmlns:a16="http://schemas.microsoft.com/office/drawing/2014/main" id="{6161B6A0-FFF2-4DFF-9AA1-7CBD0F3C4BD6}"/>
-              </a:ext>
-            </a:extLst>
-          </p:cNvPr>
-          <p:cNvGrpSpPr/>
-          <p:nvPr/>
-        </p:nvGrpSpPr>
-        <p:grpSpPr>
-          <a:xfrm rot="2465732">
-            <a:off x="2339430" y="3632404"/>
-            <a:ext cx="3472791" cy="365568"/>
-            <a:chOff x="4164163" y="2994320"/>
-            <a:chExt cx="3696730" cy="324939"/>
-          </a:xfrm>
-        </p:grpSpPr>
-        <p:cxnSp>
-          <p:nvCxnSpPr>
-            <p:cNvPr id="30" name="Straight Arrow Connector 29">
-              <a:extLst>
-                <a:ext uri="{FF2B5EF4-FFF2-40B4-BE49-F238E27FC236}">
-                  <a16:creationId xmlns:a16="http://schemas.microsoft.com/office/drawing/2014/main" id="{1B8C9A36-E865-4689-A925-CB1B2443E288}"/>
-                </a:ext>
-              </a:extLst>
-            </p:cNvPr>
-            <p:cNvCxnSpPr>
-              <a:cxnSpLocks/>
-            </p:cNvCxnSpPr>
-            <p:nvPr/>
-          </p:nvCxnSpPr>
-          <p:spPr>
-            <a:xfrm>
-              <a:off x="4164163" y="3319259"/>
-              <a:ext cx="3696730" cy="0"/>
-            </a:xfrm>
-            <a:prstGeom prst="straightConnector1">
-              <a:avLst/>
-            </a:prstGeom>
-            <a:ln>
-              <a:tailEnd type="triangle"/>
-            </a:ln>
-          </p:spPr>
-          <p:style>
-            <a:lnRef idx="3">
-              <a:schemeClr val="accent3"/>
-            </a:lnRef>
-            <a:fillRef idx="0">
-              <a:schemeClr val="accent3"/>
-            </a:fillRef>
-            <a:effectRef idx="2">
-              <a:schemeClr val="accent3"/>
-            </a:effectRef>
-            <a:fontRef idx="minor">
-              <a:schemeClr val="tx1"/>
-            </a:fontRef>
-          </p:style>
-        </p:cxnSp>
-        <p:sp>
-          <p:nvSpPr>
-            <p:cNvPr id="31" name="TextBox 30">
-              <a:extLst>
-                <a:ext uri="{FF2B5EF4-FFF2-40B4-BE49-F238E27FC236}">
-                  <a16:creationId xmlns:a16="http://schemas.microsoft.com/office/drawing/2014/main" id="{60472F51-28A8-468E-9D61-29888BD7BB0D}"/>
-                </a:ext>
-              </a:extLst>
-            </p:cNvPr>
-            <p:cNvSpPr txBox="1"/>
-            <p:nvPr/>
-          </p:nvSpPr>
-          <p:spPr>
-            <a:xfrm>
-              <a:off x="5129159" y="2994320"/>
-              <a:ext cx="1766737" cy="276999"/>
-            </a:xfrm>
-            <a:prstGeom prst="rect">
-              <a:avLst/>
-            </a:prstGeom>
-            <a:noFill/>
-          </p:spPr>
-          <p:txBody>
-            <a:bodyPr wrap="square" rtlCol="0">
-              <a:spAutoFit/>
-            </a:bodyPr>
-            <a:lstStyle>
-              <a:defPPr>
-                <a:defRPr lang="en-US"/>
-              </a:defPPr>
-              <a:lvl1pPr>
-                <a:defRPr sz="1200">
-                  <a:solidFill>
-                    <a:schemeClr val="bg1">
-                      <a:lumMod val="50000"/>
-                    </a:schemeClr>
-                  </a:solidFill>
-                </a:defRPr>
-              </a:lvl1pPr>
-            </a:lstStyle>
-            <a:p>
-              <a:pPr algn="ctr"/>
-              <a:r>
-                <a:rPr lang="de-AT" dirty="0"/>
-                <a:t>Login Anfrage </a:t>
-              </a:r>
-              <a:endParaRPr lang="en-US" dirty="0"/>
-            </a:p>
-          </p:txBody>
-        </p:sp>
-      </p:grpSp>
-      <p:grpSp>
-        <p:nvGrpSpPr>
-          <p:cNvPr id="33" name="Group 32">
-            <a:extLst>
-              <a:ext uri="{FF2B5EF4-FFF2-40B4-BE49-F238E27FC236}">
-                <a16:creationId xmlns:a16="http://schemas.microsoft.com/office/drawing/2014/main" id="{9AFB2269-57C4-45D6-9843-C2CA0DEC9519}"/>
-              </a:ext>
-            </a:extLst>
-          </p:cNvPr>
-          <p:cNvGrpSpPr/>
-          <p:nvPr/>
-        </p:nvGrpSpPr>
-        <p:grpSpPr>
-          <a:xfrm>
-            <a:off x="9970107" y="4902035"/>
-            <a:ext cx="1446924" cy="1323770"/>
-            <a:chOff x="7060850" y="3273967"/>
-            <a:chExt cx="1446924" cy="1323770"/>
-          </a:xfrm>
-        </p:grpSpPr>
-        <p:pic>
-          <p:nvPicPr>
-            <p:cNvPr id="35" name="Graphic 34">
-              <a:extLst>
-                <a:ext uri="{FF2B5EF4-FFF2-40B4-BE49-F238E27FC236}">
-                  <a16:creationId xmlns:a16="http://schemas.microsoft.com/office/drawing/2014/main" id="{644D705F-F6C6-49D7-BBBD-B238629B6D77}"/>
-                </a:ext>
-              </a:extLst>
-            </p:cNvPr>
-            <p:cNvPicPr>
-              <a:picLocks noChangeAspect="1"/>
-            </p:cNvPicPr>
-            <p:nvPr/>
-          </p:nvPicPr>
-          <p:blipFill>
-            <a:blip r:embed="rId2" cstate="hqprint">
-              <a:extLst>
-                <a:ext uri="{28A0092B-C50C-407E-A947-70E740481C1C}">
-                  <a14:useLocalDpi xmlns:a14="http://schemas.microsoft.com/office/drawing/2010/main" val="0"/>
-                </a:ext>
-                <a:ext uri="{96DAC541-7B7A-43D3-8B79-37D633B846F1}">
-                  <asvg:svgBlip xmlns:asvg="http://schemas.microsoft.com/office/drawing/2016/SVG/main" r:embed="rId3"/>
-                </a:ext>
-              </a:extLst>
-            </a:blip>
-            <a:stretch>
-              <a:fillRect/>
-            </a:stretch>
-          </p:blipFill>
-          <p:spPr>
-            <a:xfrm>
-              <a:off x="7359062" y="3273967"/>
-              <a:ext cx="850500" cy="972000"/>
-            </a:xfrm>
-            <a:prstGeom prst="rect">
-              <a:avLst/>
-            </a:prstGeom>
-          </p:spPr>
-        </p:pic>
-        <p:sp>
-          <p:nvSpPr>
-            <p:cNvPr id="37" name="TextBox 36">
-              <a:extLst>
-                <a:ext uri="{FF2B5EF4-FFF2-40B4-BE49-F238E27FC236}">
-                  <a16:creationId xmlns:a16="http://schemas.microsoft.com/office/drawing/2014/main" id="{F24AE0FC-1613-4930-B6A8-EF4B51E42C18}"/>
-                </a:ext>
-              </a:extLst>
-            </p:cNvPr>
-            <p:cNvSpPr txBox="1"/>
-            <p:nvPr/>
-          </p:nvSpPr>
-          <p:spPr>
-            <a:xfrm>
-              <a:off x="7060850" y="4320738"/>
-              <a:ext cx="1446924" cy="276999"/>
-            </a:xfrm>
-            <a:prstGeom prst="rect">
-              <a:avLst/>
-            </a:prstGeom>
-            <a:noFill/>
-          </p:spPr>
-          <p:txBody>
-            <a:bodyPr wrap="square" rtlCol="0">
-              <a:spAutoFit/>
-            </a:bodyPr>
-            <a:lstStyle/>
-            <a:p>
-              <a:pPr algn="ctr"/>
-              <a:r>
-                <a:rPr lang="de-AT" sz="1200" dirty="0"/>
-                <a:t>Datenbank</a:t>
-              </a:r>
-              <a:endParaRPr lang="en-US" sz="1200" dirty="0"/>
-            </a:p>
-          </p:txBody>
-        </p:sp>
-      </p:grpSp>
-      <p:grpSp>
-        <p:nvGrpSpPr>
-          <p:cNvPr id="38" name="Group 37">
-            <a:extLst>
-              <a:ext uri="{FF2B5EF4-FFF2-40B4-BE49-F238E27FC236}">
-                <a16:creationId xmlns:a16="http://schemas.microsoft.com/office/drawing/2014/main" id="{9AB30A1D-6CC8-4725-A2A3-46D250EF63D2}"/>
-              </a:ext>
-            </a:extLst>
-          </p:cNvPr>
-          <p:cNvGrpSpPr/>
-          <p:nvPr/>
-        </p:nvGrpSpPr>
-        <p:grpSpPr>
-          <a:xfrm>
-            <a:off x="7003530" y="5009602"/>
-            <a:ext cx="3075927" cy="461665"/>
-            <a:chOff x="4164163" y="2857594"/>
-            <a:chExt cx="3696730" cy="461665"/>
-          </a:xfrm>
-        </p:grpSpPr>
-        <p:cxnSp>
-          <p:nvCxnSpPr>
-            <p:cNvPr id="39" name="Straight Arrow Connector 38">
-              <a:extLst>
-                <a:ext uri="{FF2B5EF4-FFF2-40B4-BE49-F238E27FC236}">
-                  <a16:creationId xmlns:a16="http://schemas.microsoft.com/office/drawing/2014/main" id="{B4B1BF1F-91CE-45F9-A632-3B1316619EC0}"/>
-                </a:ext>
-              </a:extLst>
-            </p:cNvPr>
-            <p:cNvCxnSpPr>
-              <a:cxnSpLocks/>
-            </p:cNvCxnSpPr>
-            <p:nvPr/>
-          </p:nvCxnSpPr>
-          <p:spPr>
-            <a:xfrm>
-              <a:off x="4164163" y="3319259"/>
-              <a:ext cx="3696730" cy="0"/>
-            </a:xfrm>
-            <a:prstGeom prst="straightConnector1">
-              <a:avLst/>
-            </a:prstGeom>
-            <a:ln>
-              <a:tailEnd type="triangle"/>
-            </a:ln>
-          </p:spPr>
-          <p:style>
-            <a:lnRef idx="3">
-              <a:schemeClr val="accent3"/>
-            </a:lnRef>
-            <a:fillRef idx="0">
-              <a:schemeClr val="accent3"/>
-            </a:fillRef>
-            <a:effectRef idx="2">
-              <a:schemeClr val="accent3"/>
-            </a:effectRef>
-            <a:fontRef idx="minor">
-              <a:schemeClr val="tx1"/>
-            </a:fontRef>
-          </p:style>
-        </p:cxnSp>
-        <p:sp>
-          <p:nvSpPr>
-            <p:cNvPr id="40" name="TextBox 39">
-              <a:extLst>
-                <a:ext uri="{FF2B5EF4-FFF2-40B4-BE49-F238E27FC236}">
-                  <a16:creationId xmlns:a16="http://schemas.microsoft.com/office/drawing/2014/main" id="{F902F9EF-9656-4D25-995C-35B1F4AFB5F7}"/>
-                </a:ext>
-              </a:extLst>
-            </p:cNvPr>
-            <p:cNvSpPr txBox="1"/>
-            <p:nvPr/>
-          </p:nvSpPr>
-          <p:spPr>
-            <a:xfrm>
-              <a:off x="4308630" y="2857594"/>
-              <a:ext cx="3407797" cy="461665"/>
-            </a:xfrm>
-            <a:prstGeom prst="rect">
-              <a:avLst/>
-            </a:prstGeom>
-            <a:noFill/>
-          </p:spPr>
-          <p:txBody>
-            <a:bodyPr wrap="square" rtlCol="0">
-              <a:spAutoFit/>
-            </a:bodyPr>
-            <a:lstStyle>
-              <a:defPPr>
-                <a:defRPr lang="en-US"/>
-              </a:defPPr>
-              <a:lvl1pPr>
-                <a:defRPr sz="1200">
-                  <a:solidFill>
-                    <a:schemeClr val="bg1">
-                      <a:lumMod val="50000"/>
-                    </a:schemeClr>
-                  </a:solidFill>
-                </a:defRPr>
-              </a:lvl1pPr>
-            </a:lstStyle>
-            <a:p>
-              <a:pPr algn="ctr"/>
-              <a:r>
-                <a:rPr lang="de-AT" dirty="0"/>
-                <a:t>Vergleiche ob Anmeldedaten übereinstimmen</a:t>
-              </a:r>
-              <a:endParaRPr lang="en-US" dirty="0"/>
-            </a:p>
-          </p:txBody>
-        </p:sp>
-      </p:grpSp>
-      <p:grpSp>
-        <p:nvGrpSpPr>
-          <p:cNvPr id="47" name="Group 46">
-            <a:extLst>
-              <a:ext uri="{FF2B5EF4-FFF2-40B4-BE49-F238E27FC236}">
-                <a16:creationId xmlns:a16="http://schemas.microsoft.com/office/drawing/2014/main" id="{96A8A0E0-F2D1-4B9A-8010-87B31F408A9B}"/>
-              </a:ext>
-            </a:extLst>
-          </p:cNvPr>
-          <p:cNvGrpSpPr/>
-          <p:nvPr/>
-        </p:nvGrpSpPr>
-        <p:grpSpPr>
-          <a:xfrm>
-            <a:off x="7976851" y="3100592"/>
-            <a:ext cx="1306420" cy="1293177"/>
-            <a:chOff x="5446419" y="1519121"/>
-            <a:chExt cx="1306420" cy="1293177"/>
-          </a:xfrm>
-        </p:grpSpPr>
-        <p:grpSp>
-          <p:nvGrpSpPr>
-            <p:cNvPr id="48" name="Group 47">
-              <a:extLst>
-                <a:ext uri="{FF2B5EF4-FFF2-40B4-BE49-F238E27FC236}">
-                  <a16:creationId xmlns:a16="http://schemas.microsoft.com/office/drawing/2014/main" id="{D1D082AC-7D36-4BF0-8707-16D3F2EF75C2}"/>
-                </a:ext>
-              </a:extLst>
-            </p:cNvPr>
-            <p:cNvGrpSpPr/>
-            <p:nvPr/>
-          </p:nvGrpSpPr>
-          <p:grpSpPr>
-            <a:xfrm>
-              <a:off x="5780839" y="1519121"/>
-              <a:ext cx="972000" cy="1293177"/>
-              <a:chOff x="5780839" y="1519121"/>
-              <a:chExt cx="972000" cy="1293177"/>
-            </a:xfrm>
-          </p:grpSpPr>
-          <p:sp>
-            <p:nvSpPr>
-              <p:cNvPr id="51" name="Rectangle: Rounded Corners 50">
-                <a:extLst>
-                  <a:ext uri="{FF2B5EF4-FFF2-40B4-BE49-F238E27FC236}">
-                    <a16:creationId xmlns:a16="http://schemas.microsoft.com/office/drawing/2014/main" id="{54ECCED8-EEB1-489F-9BB4-AE8DFD5E84CE}"/>
-                  </a:ext>
-                </a:extLst>
-              </p:cNvPr>
-              <p:cNvSpPr/>
-              <p:nvPr/>
-            </p:nvSpPr>
-            <p:spPr>
-              <a:xfrm>
-                <a:off x="5780839" y="1519121"/>
-                <a:ext cx="972000" cy="972000"/>
-              </a:xfrm>
-              <a:prstGeom prst="roundRect">
-                <a:avLst/>
-              </a:prstGeom>
-              <a:ln w="76200"/>
-            </p:spPr>
-            <p:style>
-              <a:lnRef idx="2">
-                <a:schemeClr val="dk1"/>
-              </a:lnRef>
-              <a:fillRef idx="1">
-                <a:schemeClr val="lt1"/>
-              </a:fillRef>
-              <a:effectRef idx="0">
-                <a:schemeClr val="dk1"/>
-              </a:effectRef>
-              <a:fontRef idx="minor">
-                <a:schemeClr val="dk1"/>
-              </a:fontRef>
-            </p:style>
-            <p:txBody>
-              <a:bodyPr rtlCol="0" anchor="t" anchorCtr="0"/>
-              <a:lstStyle/>
-              <a:p>
-                <a:pPr algn="l"/>
-                <a:endParaRPr lang="en-US" dirty="0">
-                  <a:solidFill>
-                    <a:schemeClr val="tx1"/>
-                  </a:solidFill>
-                </a:endParaRPr>
-              </a:p>
-            </p:txBody>
-          </p:sp>
-          <p:sp>
-            <p:nvSpPr>
-              <p:cNvPr id="52" name="TextBox 51">
-                <a:extLst>
-                  <a:ext uri="{FF2B5EF4-FFF2-40B4-BE49-F238E27FC236}">
-                    <a16:creationId xmlns:a16="http://schemas.microsoft.com/office/drawing/2014/main" id="{34AD36D7-12D9-4516-913B-17A91C196CD9}"/>
-                  </a:ext>
-                </a:extLst>
-              </p:cNvPr>
-              <p:cNvSpPr txBox="1"/>
-              <p:nvPr/>
-            </p:nvSpPr>
-            <p:spPr>
-              <a:xfrm>
-                <a:off x="6020617" y="2535299"/>
-                <a:ext cx="389850" cy="276999"/>
-              </a:xfrm>
-              <a:prstGeom prst="rect">
-                <a:avLst/>
-              </a:prstGeom>
-              <a:noFill/>
-            </p:spPr>
-            <p:txBody>
-              <a:bodyPr wrap="none" rtlCol="0">
-                <a:spAutoFit/>
-              </a:bodyPr>
-              <a:lstStyle/>
-              <a:p>
-                <a:r>
-                  <a:rPr lang="de-AT" sz="1200" dirty="0" err="1"/>
-                  <a:t>Api</a:t>
-                </a:r>
-                <a:endParaRPr lang="en-US" sz="1200" dirty="0"/>
-              </a:p>
-            </p:txBody>
-          </p:sp>
-        </p:grpSp>
-        <p:sp>
-          <p:nvSpPr>
-            <p:cNvPr id="49" name="Rectangle: Rounded Corners 48">
-              <a:extLst>
-                <a:ext uri="{FF2B5EF4-FFF2-40B4-BE49-F238E27FC236}">
-                  <a16:creationId xmlns:a16="http://schemas.microsoft.com/office/drawing/2014/main" id="{DA49D3FC-494A-4A6E-BB86-EC61DFA5C6DE}"/>
-                </a:ext>
-              </a:extLst>
-            </p:cNvPr>
-            <p:cNvSpPr/>
-            <p:nvPr/>
-          </p:nvSpPr>
-          <p:spPr>
-            <a:xfrm>
-              <a:off x="5446419" y="1639509"/>
-              <a:ext cx="552230" cy="282569"/>
-            </a:xfrm>
-            <a:prstGeom prst="roundRect">
-              <a:avLst/>
-            </a:prstGeom>
-            <a:ln w="76200"/>
-          </p:spPr>
-          <p:style>
-            <a:lnRef idx="2">
-              <a:schemeClr val="dk1"/>
-            </a:lnRef>
-            <a:fillRef idx="1">
-              <a:schemeClr val="lt1"/>
-            </a:fillRef>
-            <a:effectRef idx="0">
-              <a:schemeClr val="dk1"/>
-            </a:effectRef>
-            <a:fontRef idx="minor">
-              <a:schemeClr val="dk1"/>
-            </a:fontRef>
-          </p:style>
-          <p:txBody>
-            <a:bodyPr rtlCol="0" anchor="t" anchorCtr="0"/>
-            <a:lstStyle/>
-            <a:p>
-              <a:pPr algn="l"/>
-              <a:endParaRPr lang="en-US" dirty="0">
-                <a:solidFill>
-                  <a:schemeClr val="tx1"/>
-                </a:solidFill>
-              </a:endParaRPr>
-            </a:p>
-          </p:txBody>
-        </p:sp>
-        <p:sp>
-          <p:nvSpPr>
-            <p:cNvPr id="50" name="Rectangle: Rounded Corners 49">
-              <a:extLst>
-                <a:ext uri="{FF2B5EF4-FFF2-40B4-BE49-F238E27FC236}">
-                  <a16:creationId xmlns:a16="http://schemas.microsoft.com/office/drawing/2014/main" id="{BF62738F-41E5-43BB-B1AC-6260394CDABA}"/>
-                </a:ext>
-              </a:extLst>
-            </p:cNvPr>
-            <p:cNvSpPr/>
-            <p:nvPr/>
-          </p:nvSpPr>
-          <p:spPr>
-            <a:xfrm>
-              <a:off x="5446419" y="2068489"/>
-              <a:ext cx="552230" cy="268532"/>
-            </a:xfrm>
-            <a:prstGeom prst="roundRect">
-              <a:avLst/>
-            </a:prstGeom>
-            <a:ln w="76200"/>
-          </p:spPr>
-          <p:style>
-            <a:lnRef idx="2">
-              <a:schemeClr val="dk1"/>
-            </a:lnRef>
-            <a:fillRef idx="1">
-              <a:schemeClr val="lt1"/>
-            </a:fillRef>
-            <a:effectRef idx="0">
-              <a:schemeClr val="dk1"/>
-            </a:effectRef>
-            <a:fontRef idx="minor">
-              <a:schemeClr val="dk1"/>
-            </a:fontRef>
-          </p:style>
-          <p:txBody>
-            <a:bodyPr rtlCol="0" anchor="t" anchorCtr="0"/>
-            <a:lstStyle/>
-            <a:p>
-              <a:pPr algn="l"/>
-              <a:endParaRPr lang="en-US" dirty="0">
-                <a:solidFill>
-                  <a:schemeClr val="tx1"/>
-                </a:solidFill>
-              </a:endParaRPr>
-            </a:p>
-          </p:txBody>
-        </p:sp>
-      </p:grpSp>
-      <p:pic>
-        <p:nvPicPr>
-          <p:cNvPr id="53" name="Picture 2" descr="Bildergebnis fÃ¼r fake company logo">
-            <a:extLst>
-              <a:ext uri="{FF2B5EF4-FFF2-40B4-BE49-F238E27FC236}">
-                <a16:creationId xmlns:a16="http://schemas.microsoft.com/office/drawing/2014/main" id="{A554820D-DEB5-4AE1-B42B-A7A4595F7538}"/>
-              </a:ext>
-            </a:extLst>
-          </p:cNvPr>
-          <p:cNvPicPr>
-            <a:picLocks noChangeAspect="1" noChangeArrowheads="1"/>
-          </p:cNvPicPr>
-          <p:nvPr/>
-        </p:nvPicPr>
-        <p:blipFill>
-          <a:blip r:embed="rId8" cstate="hqprint">
-            <a:extLst>
-              <a:ext uri="{28A0092B-C50C-407E-A947-70E740481C1C}">
-                <a14:useLocalDpi xmlns:a14="http://schemas.microsoft.com/office/drawing/2010/main" val="0"/>
-              </a:ext>
-            </a:extLst>
-          </a:blip>
-          <a:srcRect/>
-          <a:stretch>
-            <a:fillRect/>
-          </a:stretch>
-        </p:blipFill>
-        <p:spPr bwMode="auto">
-          <a:xfrm>
-            <a:off x="8600058" y="3489180"/>
-            <a:ext cx="553250" cy="177184"/>
-          </a:xfrm>
-          <a:prstGeom prst="rect">
-            <a:avLst/>
-          </a:prstGeom>
-          <a:noFill/>
-          <a:extLst>
-            <a:ext uri="{909E8E84-426E-40DD-AFC4-6F175D3DCCD1}">
-              <a14:hiddenFill xmlns:a14="http://schemas.microsoft.com/office/drawing/2010/main">
-                <a:solidFill>
-                  <a:srgbClr val="FFFFFF"/>
-                </a:solidFill>
-              </a14:hiddenFill>
-            </a:ext>
-          </a:extLst>
-        </p:spPr>
-      </p:pic>
-      <p:cxnSp>
-        <p:nvCxnSpPr>
-          <p:cNvPr id="58" name="Straight Arrow Connector 57">
-            <a:extLst>
-              <a:ext uri="{FF2B5EF4-FFF2-40B4-BE49-F238E27FC236}">
-                <a16:creationId xmlns:a16="http://schemas.microsoft.com/office/drawing/2014/main" id="{8AB2358D-412D-4E27-A86A-2B3E34AC214A}"/>
-              </a:ext>
-            </a:extLst>
-          </p:cNvPr>
-          <p:cNvCxnSpPr>
-            <a:cxnSpLocks/>
-          </p:cNvCxnSpPr>
-          <p:nvPr/>
-        </p:nvCxnSpPr>
         <p:spPr>
           <a:xfrm>
-            <a:off x="6853475" y="2840026"/>
-            <a:ext cx="783994" cy="549438"/>
-          </a:xfrm>
-          <a:prstGeom prst="straightConnector1">
-            <a:avLst/>
-          </a:prstGeom>
-          <a:ln>
-            <a:tailEnd type="triangle"/>
-          </a:ln>
-        </p:spPr>
-        <p:style>
-          <a:lnRef idx="3">
-            <a:schemeClr val="accent3"/>
-          </a:lnRef>
-          <a:fillRef idx="0">
-            <a:schemeClr val="accent3"/>
-          </a:fillRef>
-          <a:effectRef idx="2">
-            <a:schemeClr val="accent3"/>
-          </a:effectRef>
-          <a:fontRef idx="minor">
-            <a:schemeClr val="tx1"/>
-          </a:fontRef>
-        </p:style>
-      </p:cxnSp>
-      <p:sp>
-        <p:nvSpPr>
-          <p:cNvPr id="62" name="TextBox 61">
-            <a:extLst>
-              <a:ext uri="{FF2B5EF4-FFF2-40B4-BE49-F238E27FC236}">
-                <a16:creationId xmlns:a16="http://schemas.microsoft.com/office/drawing/2014/main" id="{E5255CDC-592B-40D5-B3B1-7DD19EAADDA2}"/>
-              </a:ext>
-            </a:extLst>
-          </p:cNvPr>
-          <p:cNvSpPr txBox="1"/>
-          <p:nvPr/>
-        </p:nvSpPr>
-        <p:spPr>
-          <a:xfrm rot="2175811">
-            <a:off x="6527889" y="2667276"/>
-            <a:ext cx="1667623" cy="461665"/>
-          </a:xfrm>
-          <a:prstGeom prst="rect">
-            <a:avLst/>
-          </a:prstGeom>
-          <a:noFill/>
-        </p:spPr>
-        <p:txBody>
-          <a:bodyPr wrap="square" rtlCol="0">
-            <a:spAutoFit/>
-          </a:bodyPr>
-          <a:lstStyle>
-            <a:defPPr>
-              <a:defRPr lang="en-US"/>
-            </a:defPPr>
-            <a:lvl1pPr>
-              <a:defRPr sz="1200">
-                <a:solidFill>
-                  <a:schemeClr val="bg1">
-                    <a:lumMod val="50000"/>
-                  </a:schemeClr>
-                </a:solidFill>
-              </a:defRPr>
-            </a:lvl1pPr>
-          </a:lstStyle>
-          <a:p>
-            <a:pPr algn="ctr"/>
-            <a:r>
-              <a:rPr lang="de-AT" dirty="0" err="1"/>
-              <a:t>Anwendungs</a:t>
-            </a:r>
-            <a:r>
-              <a:rPr lang="de-AT" dirty="0"/>
-              <a:t> </a:t>
-            </a:r>
-            <a:r>
-              <a:rPr lang="de-AT" dirty="0" err="1"/>
-              <a:t>Authorisierung</a:t>
-            </a:r>
-            <a:endParaRPr lang="en-US" dirty="0"/>
-          </a:p>
-        </p:txBody>
-      </p:sp>
-      <p:sp>
-        <p:nvSpPr>
-          <p:cNvPr id="64" name="TextBox 63">
-            <a:extLst>
-              <a:ext uri="{FF2B5EF4-FFF2-40B4-BE49-F238E27FC236}">
-                <a16:creationId xmlns:a16="http://schemas.microsoft.com/office/drawing/2014/main" id="{2E0F3D10-1F7D-48AB-9426-49F92AB64D4A}"/>
-              </a:ext>
-            </a:extLst>
-          </p:cNvPr>
-          <p:cNvSpPr txBox="1"/>
-          <p:nvPr/>
-        </p:nvSpPr>
-        <p:spPr>
-          <a:xfrm rot="19450883">
-            <a:off x="6436131" y="3971385"/>
-            <a:ext cx="1375211" cy="276999"/>
-          </a:xfrm>
-          <a:prstGeom prst="rect">
-            <a:avLst/>
-          </a:prstGeom>
-          <a:noFill/>
-        </p:spPr>
-        <p:txBody>
-          <a:bodyPr wrap="square" rtlCol="0">
-            <a:spAutoFit/>
-          </a:bodyPr>
-          <a:lstStyle>
-            <a:defPPr>
-              <a:defRPr lang="en-US"/>
-            </a:defPPr>
-            <a:lvl1pPr>
-              <a:defRPr sz="1200">
-                <a:solidFill>
-                  <a:schemeClr val="bg1">
-                    <a:lumMod val="50000"/>
-                  </a:schemeClr>
-                </a:solidFill>
-              </a:defRPr>
-            </a:lvl1pPr>
-          </a:lstStyle>
-          <a:p>
-            <a:pPr algn="ctr"/>
-            <a:r>
-              <a:rPr lang="de-AT" dirty="0"/>
-              <a:t>?</a:t>
-            </a:r>
-            <a:endParaRPr lang="en-US" dirty="0"/>
-          </a:p>
-        </p:txBody>
-      </p:sp>
-      <p:cxnSp>
-        <p:nvCxnSpPr>
-          <p:cNvPr id="66" name="Straight Arrow Connector 65">
-            <a:extLst>
-              <a:ext uri="{FF2B5EF4-FFF2-40B4-BE49-F238E27FC236}">
-                <a16:creationId xmlns:a16="http://schemas.microsoft.com/office/drawing/2014/main" id="{C2F06631-BF4F-4B4D-849D-25B8EE09314A}"/>
-              </a:ext>
-            </a:extLst>
-          </p:cNvPr>
-          <p:cNvCxnSpPr>
-            <a:cxnSpLocks/>
-          </p:cNvCxnSpPr>
-          <p:nvPr/>
-        </p:nvCxnSpPr>
-        <p:spPr>
-          <a:xfrm flipV="1">
-            <a:off x="6814669" y="3982857"/>
-            <a:ext cx="924181" cy="651853"/>
-          </a:xfrm>
-          <a:prstGeom prst="straightConnector1">
-            <a:avLst/>
-          </a:prstGeom>
-          <a:ln>
-            <a:tailEnd type="triangle"/>
-          </a:ln>
-        </p:spPr>
-        <p:style>
-          <a:lnRef idx="3">
-            <a:schemeClr val="accent3"/>
-          </a:lnRef>
-          <a:fillRef idx="0">
-            <a:schemeClr val="accent3"/>
-          </a:fillRef>
-          <a:effectRef idx="2">
-            <a:schemeClr val="accent3"/>
-          </a:effectRef>
-          <a:fontRef idx="minor">
-            <a:schemeClr val="tx1"/>
-          </a:fontRef>
-        </p:style>
-      </p:cxnSp>
-      <p:cxnSp>
-        <p:nvCxnSpPr>
-          <p:cNvPr id="72" name="Straight Arrow Connector 71">
-            <a:extLst>
-              <a:ext uri="{FF2B5EF4-FFF2-40B4-BE49-F238E27FC236}">
-                <a16:creationId xmlns:a16="http://schemas.microsoft.com/office/drawing/2014/main" id="{4555117B-4ED7-49D4-9305-C556D3AA0550}"/>
-              </a:ext>
-            </a:extLst>
-          </p:cNvPr>
-          <p:cNvCxnSpPr>
-            <a:cxnSpLocks/>
-            <a:endCxn id="16" idx="2"/>
-          </p:cNvCxnSpPr>
-          <p:nvPr/>
-        </p:nvCxnSpPr>
-        <p:spPr>
-          <a:xfrm flipV="1">
-            <a:off x="9467675" y="3256944"/>
-            <a:ext cx="1215038" cy="584794"/>
-          </a:xfrm>
-          <a:prstGeom prst="straightConnector1">
-            <a:avLst/>
-          </a:prstGeom>
-          <a:ln>
-            <a:tailEnd type="triangle"/>
-          </a:ln>
-        </p:spPr>
-        <p:style>
-          <a:lnRef idx="3">
-            <a:schemeClr val="accent3"/>
-          </a:lnRef>
-          <a:fillRef idx="0">
-            <a:schemeClr val="accent3"/>
-          </a:fillRef>
-          <a:effectRef idx="2">
-            <a:schemeClr val="accent3"/>
-          </a:effectRef>
-          <a:fontRef idx="minor">
-            <a:schemeClr val="tx1"/>
-          </a:fontRef>
-        </p:style>
-      </p:cxnSp>
-      <p:sp>
-        <p:nvSpPr>
-          <p:cNvPr id="83" name="TextBox 82">
-            <a:extLst>
-              <a:ext uri="{FF2B5EF4-FFF2-40B4-BE49-F238E27FC236}">
-                <a16:creationId xmlns:a16="http://schemas.microsoft.com/office/drawing/2014/main" id="{C6A87303-3BD8-469F-B525-F93A4C7FA92D}"/>
-              </a:ext>
-            </a:extLst>
-          </p:cNvPr>
-          <p:cNvSpPr txBox="1"/>
-          <p:nvPr/>
-        </p:nvSpPr>
-        <p:spPr>
-          <a:xfrm rot="20076314">
-            <a:off x="9014040" y="3328442"/>
-            <a:ext cx="1822530" cy="276999"/>
-          </a:xfrm>
-          <a:prstGeom prst="rect">
-            <a:avLst/>
-          </a:prstGeom>
-          <a:noFill/>
-        </p:spPr>
-        <p:txBody>
-          <a:bodyPr wrap="square" rtlCol="0">
-            <a:spAutoFit/>
-          </a:bodyPr>
-          <a:lstStyle>
-            <a:defPPr>
-              <a:defRPr lang="en-US"/>
-            </a:defPPr>
-            <a:lvl1pPr>
-              <a:defRPr sz="1200">
-                <a:solidFill>
-                  <a:schemeClr val="bg1">
-                    <a:lumMod val="50000"/>
-                  </a:schemeClr>
-                </a:solidFill>
-              </a:defRPr>
-            </a:lvl1pPr>
-          </a:lstStyle>
-          <a:p>
-            <a:pPr algn="ctr"/>
-            <a:r>
-              <a:rPr lang="de-AT" dirty="0"/>
-              <a:t>Zugriff auf daten</a:t>
-            </a:r>
-            <a:endParaRPr lang="en-US" dirty="0"/>
-          </a:p>
-        </p:txBody>
-      </p:sp>
-      <p:sp>
-        <p:nvSpPr>
-          <p:cNvPr id="85" name="Rectangle 84">
-            <a:extLst>
-              <a:ext uri="{FF2B5EF4-FFF2-40B4-BE49-F238E27FC236}">
-                <a16:creationId xmlns:a16="http://schemas.microsoft.com/office/drawing/2014/main" id="{34BCF779-2C52-4B7B-84C2-48CDB7F81C16}"/>
-              </a:ext>
-            </a:extLst>
-          </p:cNvPr>
-          <p:cNvSpPr/>
-          <p:nvPr/>
-        </p:nvSpPr>
-        <p:spPr>
-          <a:xfrm>
-            <a:off x="5747340" y="3464659"/>
-            <a:ext cx="800219" cy="461665"/>
+            <a:off x="10554854" y="243488"/>
+            <a:ext cx="1447200" cy="1447200"/>
           </a:xfrm>
           <a:prstGeom prst="rect">
             <a:avLst/>
           </a:prstGeom>
         </p:spPr>
-        <p:txBody>
-          <a:bodyPr wrap="none">
-            <a:spAutoFit/>
-          </a:bodyPr>
-          <a:lstStyle/>
-          <a:p>
-            <a:r>
-              <a:rPr lang="en-US" sz="2400" b="1" dirty="0">
-                <a:solidFill>
-                  <a:srgbClr val="FF0000"/>
-                </a:solidFill>
-                <a:latin typeface="Bradley Hand ITC" panose="03070402050302030203" pitchFamily="66" charset="0"/>
-              </a:rPr>
-              <a:t>Wie?</a:t>
-            </a:r>
-          </a:p>
-        </p:txBody>
-      </p:sp>
-      <mc:AlternateContent xmlns:mc="http://schemas.openxmlformats.org/markup-compatibility/2006" xmlns:p14="http://schemas.microsoft.com/office/powerpoint/2010/main">
-        <mc:Choice Requires="p14">
-          <p:contentPart p14:bwMode="auto" r:id="rId10">
-            <p14:nvContentPartPr>
-              <p14:cNvPr id="86" name="Ink 85">
-                <a:extLst>
-                  <a:ext uri="{FF2B5EF4-FFF2-40B4-BE49-F238E27FC236}">
-                    <a16:creationId xmlns:a16="http://schemas.microsoft.com/office/drawing/2014/main" id="{B6E8DCCF-5E88-41A6-BA5A-062B9E1833DC}"/>
-                  </a:ext>
-                </a:extLst>
-              </p14:cNvPr>
-              <p14:cNvContentPartPr/>
-              <p14:nvPr/>
-            </p14:nvContentPartPr>
-            <p14:xfrm>
-              <a:off x="6349610" y="3529850"/>
-              <a:ext cx="1389240" cy="409320"/>
-            </p14:xfrm>
-          </p:contentPart>
-        </mc:Choice>
-        <mc:Fallback xmlns="">
-          <p:pic>
-            <p:nvPicPr>
-              <p:cNvPr id="86" name="Ink 85">
-                <a:extLst>
-                  <a:ext uri="{FF2B5EF4-FFF2-40B4-BE49-F238E27FC236}">
-                    <a16:creationId xmlns:a16="http://schemas.microsoft.com/office/drawing/2014/main" id="{B6E8DCCF-5E88-41A6-BA5A-062B9E1833DC}"/>
-                  </a:ext>
-                </a:extLst>
-              </p:cNvPr>
-              <p:cNvPicPr/>
-              <p:nvPr/>
-            </p:nvPicPr>
-            <p:blipFill>
-              <a:blip r:embed="rId11"/>
-              <a:stretch>
-                <a:fillRect/>
-              </a:stretch>
-            </p:blipFill>
-            <p:spPr>
-              <a:xfrm>
-                <a:off x="6340610" y="3520842"/>
-                <a:ext cx="1406880" cy="426976"/>
-              </a:xfrm>
-              <a:prstGeom prst="rect">
-                <a:avLst/>
-              </a:prstGeom>
-            </p:spPr>
-          </p:pic>
-        </mc:Fallback>
-      </mc:AlternateContent>
+      </p:pic>
     </p:spTree>
     <p:extLst>
       <p:ext uri="{BB962C8B-B14F-4D97-AF65-F5344CB8AC3E}">
-        <p14:creationId xmlns:p14="http://schemas.microsoft.com/office/powerpoint/2010/main" val="4058641509"/>
+        <p14:creationId xmlns:p14="http://schemas.microsoft.com/office/powerpoint/2010/main" val="2658804329"/>
       </p:ext>
     </p:extLst>
   </p:cSld>
   <p:clrMapOvr>
     <a:masterClrMapping/>
   </p:clrMapOvr>
-  <p:timing>
-    <p:tnLst>
-      <p:par>
-        <p:cTn id="1" dur="indefinite" restart="never" nodeType="tmRoot">
-          <p:childTnLst>
-            <p:seq concurrent="1" nextAc="seek">
-              <p:cTn id="2" dur="indefinite" nodeType="mainSeq">
-                <p:childTnLst>
-                  <p:par>
-                    <p:cTn id="3" fill="hold">
-                      <p:stCondLst>
-                        <p:cond delay="indefinite"/>
-                      </p:stCondLst>
-                      <p:childTnLst>
-                        <p:par>
-                          <p:cTn id="4" fill="hold">
-                            <p:stCondLst>
-                              <p:cond delay="0"/>
-                            </p:stCondLst>
-                            <p:childTnLst>
-                              <p:par>
-                                <p:cTn id="5" presetID="1" presetClass="entr" presetSubtype="0" fill="hold" nodeType="clickEffect">
-                                  <p:stCondLst>
-                                    <p:cond delay="0"/>
-                                  </p:stCondLst>
-                                  <p:childTnLst>
-                                    <p:set>
-                                      <p:cBhvr>
-                                        <p:cTn id="6" dur="1" fill="hold">
-                                          <p:stCondLst>
-                                            <p:cond delay="0"/>
-                                          </p:stCondLst>
-                                        </p:cTn>
-                                        <p:tgtEl>
-                                          <p:spTgt spid="29"/>
-                                        </p:tgtEl>
-                                        <p:attrNameLst>
-                                          <p:attrName>style.visibility</p:attrName>
-                                        </p:attrNameLst>
-                                      </p:cBhvr>
-                                      <p:to>
-                                        <p:strVal val="visible"/>
-                                      </p:to>
-                                    </p:set>
-                                  </p:childTnLst>
-                                </p:cTn>
-                              </p:par>
-                              <p:par>
-                                <p:cTn id="7" presetID="1" presetClass="entr" presetSubtype="0" fill="hold" nodeType="withEffect">
-                                  <p:stCondLst>
-                                    <p:cond delay="0"/>
-                                  </p:stCondLst>
-                                  <p:childTnLst>
-                                    <p:set>
-                                      <p:cBhvr>
-                                        <p:cTn id="8" dur="1" fill="hold">
-                                          <p:stCondLst>
-                                            <p:cond delay="0"/>
-                                          </p:stCondLst>
-                                        </p:cTn>
-                                        <p:tgtEl>
-                                          <p:spTgt spid="5"/>
-                                        </p:tgtEl>
-                                        <p:attrNameLst>
-                                          <p:attrName>style.visibility</p:attrName>
-                                        </p:attrNameLst>
-                                      </p:cBhvr>
-                                      <p:to>
-                                        <p:strVal val="visible"/>
-                                      </p:to>
-                                    </p:set>
-                                  </p:childTnLst>
-                                </p:cTn>
-                              </p:par>
-                              <p:par>
-                                <p:cTn id="9" presetID="1" presetClass="entr" presetSubtype="0" fill="hold" nodeType="withEffect">
-                                  <p:stCondLst>
-                                    <p:cond delay="0"/>
-                                  </p:stCondLst>
-                                  <p:childTnLst>
-                                    <p:set>
-                                      <p:cBhvr>
-                                        <p:cTn id="10" dur="1" fill="hold">
-                                          <p:stCondLst>
-                                            <p:cond delay="0"/>
-                                          </p:stCondLst>
-                                        </p:cTn>
-                                        <p:tgtEl>
-                                          <p:spTgt spid="38"/>
-                                        </p:tgtEl>
-                                        <p:attrNameLst>
-                                          <p:attrName>style.visibility</p:attrName>
-                                        </p:attrNameLst>
-                                      </p:cBhvr>
-                                      <p:to>
-                                        <p:strVal val="visible"/>
-                                      </p:to>
-                                    </p:set>
-                                  </p:childTnLst>
-                                </p:cTn>
-                              </p:par>
-                              <p:par>
-                                <p:cTn id="11" presetID="1" presetClass="entr" presetSubtype="0" fill="hold" nodeType="withEffect">
-                                  <p:stCondLst>
-                                    <p:cond delay="0"/>
-                                  </p:stCondLst>
-                                  <p:childTnLst>
-                                    <p:set>
-                                      <p:cBhvr>
-                                        <p:cTn id="12" dur="1" fill="hold">
-                                          <p:stCondLst>
-                                            <p:cond delay="0"/>
-                                          </p:stCondLst>
-                                        </p:cTn>
-                                        <p:tgtEl>
-                                          <p:spTgt spid="33"/>
-                                        </p:tgtEl>
-                                        <p:attrNameLst>
-                                          <p:attrName>style.visibility</p:attrName>
-                                        </p:attrNameLst>
-                                      </p:cBhvr>
-                                      <p:to>
-                                        <p:strVal val="visible"/>
-                                      </p:to>
-                                    </p:set>
-                                  </p:childTnLst>
-                                </p:cTn>
-                              </p:par>
-                            </p:childTnLst>
-                          </p:cTn>
-                        </p:par>
-                      </p:childTnLst>
-                    </p:cTn>
-                  </p:par>
-                  <p:par>
-                    <p:cTn id="13" fill="hold">
-                      <p:stCondLst>
-                        <p:cond delay="indefinite"/>
-                      </p:stCondLst>
-                      <p:childTnLst>
-                        <p:par>
-                          <p:cTn id="14" fill="hold">
-                            <p:stCondLst>
-                              <p:cond delay="0"/>
-                            </p:stCondLst>
-                            <p:childTnLst>
-                              <p:par>
-                                <p:cTn id="15" presetID="1" presetClass="entr" presetSubtype="0" fill="hold" grpId="0" nodeType="clickEffect">
-                                  <p:stCondLst>
-                                    <p:cond delay="0"/>
-                                  </p:stCondLst>
-                                  <p:childTnLst>
-                                    <p:set>
-                                      <p:cBhvr>
-                                        <p:cTn id="16" dur="1" fill="hold">
-                                          <p:stCondLst>
-                                            <p:cond delay="0"/>
-                                          </p:stCondLst>
-                                        </p:cTn>
-                                        <p:tgtEl>
-                                          <p:spTgt spid="64"/>
-                                        </p:tgtEl>
-                                        <p:attrNameLst>
-                                          <p:attrName>style.visibility</p:attrName>
-                                        </p:attrNameLst>
-                                      </p:cBhvr>
-                                      <p:to>
-                                        <p:strVal val="visible"/>
-                                      </p:to>
-                                    </p:set>
-                                  </p:childTnLst>
-                                </p:cTn>
-                              </p:par>
-                              <p:par>
-                                <p:cTn id="17" presetID="1" presetClass="entr" presetSubtype="0" fill="hold" nodeType="withEffect">
-                                  <p:stCondLst>
-                                    <p:cond delay="0"/>
-                                  </p:stCondLst>
-                                  <p:childTnLst>
-                                    <p:set>
-                                      <p:cBhvr>
-                                        <p:cTn id="18" dur="1" fill="hold">
-                                          <p:stCondLst>
-                                            <p:cond delay="0"/>
-                                          </p:stCondLst>
-                                        </p:cTn>
-                                        <p:tgtEl>
-                                          <p:spTgt spid="66"/>
-                                        </p:tgtEl>
-                                        <p:attrNameLst>
-                                          <p:attrName>style.visibility</p:attrName>
-                                        </p:attrNameLst>
-                                      </p:cBhvr>
-                                      <p:to>
-                                        <p:strVal val="visible"/>
-                                      </p:to>
-                                    </p:set>
-                                  </p:childTnLst>
-                                </p:cTn>
-                              </p:par>
-                              <p:par>
-                                <p:cTn id="19" presetID="1" presetClass="entr" presetSubtype="0" fill="hold" grpId="0" nodeType="withEffect">
-                                  <p:stCondLst>
-                                    <p:cond delay="0"/>
-                                  </p:stCondLst>
-                                  <p:childTnLst>
-                                    <p:set>
-                                      <p:cBhvr>
-                                        <p:cTn id="20" dur="1" fill="hold">
-                                          <p:stCondLst>
-                                            <p:cond delay="0"/>
-                                          </p:stCondLst>
-                                        </p:cTn>
-                                        <p:tgtEl>
-                                          <p:spTgt spid="85"/>
-                                        </p:tgtEl>
-                                        <p:attrNameLst>
-                                          <p:attrName>style.visibility</p:attrName>
-                                        </p:attrNameLst>
-                                      </p:cBhvr>
-                                      <p:to>
-                                        <p:strVal val="visible"/>
-                                      </p:to>
-                                    </p:set>
-                                  </p:childTnLst>
-                                </p:cTn>
-                              </p:par>
-                              <p:par>
-                                <p:cTn id="21" presetID="1" presetClass="entr" presetSubtype="0" fill="hold" nodeType="withEffect">
-                                  <p:stCondLst>
-                                    <p:cond delay="0"/>
-                                  </p:stCondLst>
-                                  <p:childTnLst>
-                                    <p:set>
-                                      <p:cBhvr>
-                                        <p:cTn id="22" dur="1" fill="hold">
-                                          <p:stCondLst>
-                                            <p:cond delay="0"/>
-                                          </p:stCondLst>
-                                        </p:cTn>
-                                        <p:tgtEl>
-                                          <p:spTgt spid="86"/>
-                                        </p:tgtEl>
-                                        <p:attrNameLst>
-                                          <p:attrName>style.visibility</p:attrName>
-                                        </p:attrNameLst>
-                                      </p:cBhvr>
-                                      <p:to>
-                                        <p:strVal val="visible"/>
-                                      </p:to>
-                                    </p:set>
-                                  </p:childTnLst>
-                                </p:cTn>
-                              </p:par>
-                            </p:childTnLst>
-                          </p:cTn>
-                        </p:par>
-                      </p:childTnLst>
-                    </p:cTn>
-                  </p:par>
-                </p:childTnLst>
-              </p:cTn>
-              <p:prevCondLst>
-                <p:cond evt="onPrev" delay="0">
-                  <p:tgtEl>
-                    <p:sldTgt/>
-                  </p:tgtEl>
-                </p:cond>
-              </p:prevCondLst>
-              <p:nextCondLst>
-                <p:cond evt="onNext" delay="0">
-                  <p:tgtEl>
-                    <p:sldTgt/>
-                  </p:tgtEl>
-                </p:cond>
-              </p:nextCondLst>
-            </p:seq>
-          </p:childTnLst>
-        </p:cTn>
-      </p:par>
-    </p:tnLst>
-    <p:bldLst>
-      <p:bldP spid="64" grpId="0"/>
-      <p:bldP spid="85" grpId="0"/>
-    </p:bldLst>
-  </p:timing>
 </p:sld>
 </file>
 
@@ -44957,6 +46210,116 @@
           <a:chExt cx="0" cy="0"/>
         </a:xfrm>
       </p:grpSpPr>
+      <p:sp>
+        <p:nvSpPr>
+          <p:cNvPr id="3" name="Title 2">
+            <a:extLst>
+              <a:ext uri="{FF2B5EF4-FFF2-40B4-BE49-F238E27FC236}">
+                <a16:creationId xmlns:a16="http://schemas.microsoft.com/office/drawing/2014/main" id="{0E9BAC30-905A-4EB3-AB10-17A7F6732BBB}"/>
+              </a:ext>
+            </a:extLst>
+          </p:cNvPr>
+          <p:cNvSpPr>
+            <a:spLocks noGrp="1"/>
+          </p:cNvSpPr>
+          <p:nvPr>
+            <p:ph type="title"/>
+          </p:nvPr>
+        </p:nvSpPr>
+        <p:spPr/>
+        <p:txBody>
+          <a:bodyPr/>
+          <a:lstStyle/>
+          <a:p>
+            <a:r>
+              <a:rPr lang="de-AT" dirty="0"/>
+              <a:t>Historie</a:t>
+            </a:r>
+            <a:endParaRPr lang="en-US" dirty="0"/>
+          </a:p>
+        </p:txBody>
+      </p:sp>
+      <p:sp>
+        <p:nvSpPr>
+          <p:cNvPr id="4" name="Content Placeholder 3">
+            <a:extLst>
+              <a:ext uri="{FF2B5EF4-FFF2-40B4-BE49-F238E27FC236}">
+                <a16:creationId xmlns:a16="http://schemas.microsoft.com/office/drawing/2014/main" id="{D1E696CC-EF8A-4466-9777-EC3A216C07A9}"/>
+              </a:ext>
+            </a:extLst>
+          </p:cNvPr>
+          <p:cNvSpPr>
+            <a:spLocks noGrp="1"/>
+          </p:cNvSpPr>
+          <p:nvPr>
+            <p:ph idx="1"/>
+          </p:nvPr>
+        </p:nvSpPr>
+        <p:spPr/>
+        <p:txBody>
+          <a:bodyPr anchor="ctr"/>
+          <a:lstStyle/>
+          <a:p>
+            <a:pPr marL="0" indent="0">
+              <a:buNone/>
+            </a:pPr>
+            <a:r>
+              <a:rPr lang="en-US" i="1" dirty="0"/>
+              <a:t>“We want something like Flickr Auth / Google </a:t>
+            </a:r>
+            <a:r>
+              <a:rPr lang="en-US" i="1" dirty="0" err="1"/>
+              <a:t>AuthSub</a:t>
+            </a:r>
+            <a:r>
+              <a:rPr lang="en-US" i="1" dirty="0"/>
+              <a:t> / Yahoo! </a:t>
+            </a:r>
+            <a:r>
+              <a:rPr lang="en-US" i="1" dirty="0" err="1"/>
+              <a:t>BBAuth</a:t>
+            </a:r>
+            <a:r>
+              <a:rPr lang="en-US" i="1" dirty="0"/>
+              <a:t>, but published as an open standard, with common server and client libraries, etc.” </a:t>
+            </a:r>
+            <a:r>
+              <a:rPr lang="en-US" dirty="0"/>
+              <a:t>– Blaine Cook, Twitter Chief Architect, April 5, 2007</a:t>
+            </a:r>
+          </a:p>
+        </p:txBody>
+      </p:sp>
+    </p:spTree>
+    <p:extLst>
+      <p:ext uri="{BB962C8B-B14F-4D97-AF65-F5344CB8AC3E}">
+        <p14:creationId xmlns:p14="http://schemas.microsoft.com/office/powerpoint/2010/main" val="3844884794"/>
+      </p:ext>
+    </p:extLst>
+  </p:cSld>
+  <p:clrMapOvr>
+    <a:masterClrMapping/>
+  </p:clrMapOvr>
+</p:sld>
+</file>
+
+<file path=ppt/slides/slide7.xml><?xml version="1.0" encoding="utf-8"?>
+<p:sld xmlns:a="http://schemas.openxmlformats.org/drawingml/2006/main" xmlns:r="http://schemas.openxmlformats.org/officeDocument/2006/relationships" xmlns:p="http://schemas.openxmlformats.org/presentationml/2006/main">
+  <p:cSld>
+    <p:spTree>
+      <p:nvGrpSpPr>
+        <p:cNvPr id="1" name=""/>
+        <p:cNvGrpSpPr/>
+        <p:nvPr/>
+      </p:nvGrpSpPr>
+      <p:grpSpPr>
+        <a:xfrm>
+          <a:off x="0" y="0"/>
+          <a:ext cx="0" cy="0"/>
+          <a:chOff x="0" y="0"/>
+          <a:chExt cx="0" cy="0"/>
+        </a:xfrm>
+      </p:grpSpPr>
       <p:graphicFrame>
         <p:nvGraphicFramePr>
           <p:cNvPr id="5" name="Diagram 4">
@@ -44970,7 +46333,7 @@
           <p:nvPr>
             <p:extLst>
               <p:ext uri="{D42A27DB-BD31-4B8C-83A1-F6EECF244321}">
-                <p14:modId xmlns:p14="http://schemas.microsoft.com/office/powerpoint/2010/main" val="2641184598"/>
+                <p14:modId xmlns:p14="http://schemas.microsoft.com/office/powerpoint/2010/main" val="3818341045"/>
               </p:ext>
             </p:extLst>
           </p:nvPr>
@@ -45014,200 +46377,47 @@
           </a:p>
         </p:txBody>
       </p:sp>
-    </p:spTree>
-    <p:extLst>
-      <p:ext uri="{BB962C8B-B14F-4D97-AF65-F5344CB8AC3E}">
-        <p14:creationId xmlns:p14="http://schemas.microsoft.com/office/powerpoint/2010/main" val="2658804329"/>
-      </p:ext>
-    </p:extLst>
-  </p:cSld>
-  <p:clrMapOvr>
-    <a:masterClrMapping/>
-  </p:clrMapOvr>
-</p:sld>
-</file>
-
-<file path=ppt/slides/slide7.xml><?xml version="1.0" encoding="utf-8"?>
-<p:sld xmlns:a="http://schemas.openxmlformats.org/drawingml/2006/main" xmlns:r="http://schemas.openxmlformats.org/officeDocument/2006/relationships" xmlns:p="http://schemas.openxmlformats.org/presentationml/2006/main">
-  <p:cSld>
-    <p:spTree>
-      <p:nvGrpSpPr>
-        <p:cNvPr id="1" name=""/>
-        <p:cNvGrpSpPr/>
-        <p:nvPr/>
-      </p:nvGrpSpPr>
-      <p:grpSpPr>
-        <a:xfrm>
-          <a:off x="0" y="0"/>
-          <a:ext cx="0" cy="0"/>
-          <a:chOff x="0" y="0"/>
-          <a:chExt cx="0" cy="0"/>
-        </a:xfrm>
-      </p:grpSpPr>
       <p:sp>
         <p:nvSpPr>
-          <p:cNvPr id="3" name="Title 2">
+          <p:cNvPr id="3" name="Right Brace 2">
             <a:extLst>
               <a:ext uri="{FF2B5EF4-FFF2-40B4-BE49-F238E27FC236}">
-                <a16:creationId xmlns:a16="http://schemas.microsoft.com/office/drawing/2014/main" id="{0E9BAC30-905A-4EB3-AB10-17A7F6732BBB}"/>
+                <a16:creationId xmlns:a16="http://schemas.microsoft.com/office/drawing/2014/main" id="{145B4D95-5B51-4944-A9EA-4950E7B17043}"/>
               </a:ext>
             </a:extLst>
           </p:cNvPr>
-          <p:cNvSpPr>
-            <a:spLocks noGrp="1"/>
-          </p:cNvSpPr>
-          <p:nvPr>
-            <p:ph type="title"/>
-          </p:nvPr>
+          <p:cNvSpPr/>
+          <p:nvPr/>
         </p:nvSpPr>
-        <p:spPr/>
+        <p:spPr>
+          <a:xfrm>
+            <a:off x="7253207" y="441702"/>
+            <a:ext cx="155448" cy="914400"/>
+          </a:xfrm>
+          <a:prstGeom prst="rightBrace">
+            <a:avLst/>
+          </a:prstGeom>
+        </p:spPr>
+        <p:style>
+          <a:lnRef idx="1">
+            <a:schemeClr val="accent1"/>
+          </a:lnRef>
+          <a:fillRef idx="0">
+            <a:schemeClr val="accent1"/>
+          </a:fillRef>
+          <a:effectRef idx="0">
+            <a:schemeClr val="accent1"/>
+          </a:effectRef>
+          <a:fontRef idx="minor">
+            <a:schemeClr val="tx1"/>
+          </a:fontRef>
+        </p:style>
         <p:txBody>
-          <a:bodyPr/>
+          <a:bodyPr rtlCol="0" anchor="ctr"/>
           <a:lstStyle/>
           <a:p>
-            <a:r>
-              <a:rPr lang="de-AT" dirty="0"/>
-              <a:t>Historie</a:t>
-            </a:r>
-            <a:endParaRPr lang="en-US" dirty="0"/>
-          </a:p>
-        </p:txBody>
-      </p:sp>
-      <p:sp>
-        <p:nvSpPr>
-          <p:cNvPr id="4" name="Content Placeholder 3">
-            <a:extLst>
-              <a:ext uri="{FF2B5EF4-FFF2-40B4-BE49-F238E27FC236}">
-                <a16:creationId xmlns:a16="http://schemas.microsoft.com/office/drawing/2014/main" id="{D1E696CC-EF8A-4466-9777-EC3A216C07A9}"/>
-              </a:ext>
-            </a:extLst>
-          </p:cNvPr>
-          <p:cNvSpPr>
-            <a:spLocks noGrp="1"/>
-          </p:cNvSpPr>
-          <p:nvPr>
-            <p:ph idx="1"/>
-          </p:nvPr>
-        </p:nvSpPr>
-        <p:spPr/>
-        <p:txBody>
-          <a:bodyPr anchor="ctr"/>
-          <a:lstStyle/>
-          <a:p>
-            <a:pPr marL="0" indent="0">
-              <a:buNone/>
-            </a:pPr>
-            <a:r>
-              <a:rPr lang="en-US" i="1" dirty="0"/>
-              <a:t>“We want something like Flickr Auth / Google </a:t>
-            </a:r>
-            <a:r>
-              <a:rPr lang="en-US" i="1" dirty="0" err="1"/>
-              <a:t>AuthSub</a:t>
-            </a:r>
-            <a:r>
-              <a:rPr lang="en-US" i="1" dirty="0"/>
-              <a:t> / Yahoo! </a:t>
-            </a:r>
-            <a:r>
-              <a:rPr lang="en-US" i="1" dirty="0" err="1"/>
-              <a:t>BBAuth</a:t>
-            </a:r>
-            <a:r>
-              <a:rPr lang="en-US" i="1" dirty="0"/>
-              <a:t>, but published as an open standard, with common server and client libraries, etc.” </a:t>
-            </a:r>
-            <a:r>
-              <a:rPr lang="en-US" dirty="0"/>
-              <a:t>– Blaine Cook, Twitter Chief Architect, April 5, 2007</a:t>
-            </a:r>
-          </a:p>
-        </p:txBody>
-      </p:sp>
-    </p:spTree>
-    <p:extLst>
-      <p:ext uri="{BB962C8B-B14F-4D97-AF65-F5344CB8AC3E}">
-        <p14:creationId xmlns:p14="http://schemas.microsoft.com/office/powerpoint/2010/main" val="3844884794"/>
-      </p:ext>
-    </p:extLst>
-  </p:cSld>
-  <p:clrMapOvr>
-    <a:masterClrMapping/>
-  </p:clrMapOvr>
-</p:sld>
-</file>
-
-<file path=ppt/slides/slide8.xml><?xml version="1.0" encoding="utf-8"?>
-<p:sld xmlns:a="http://schemas.openxmlformats.org/drawingml/2006/main" xmlns:r="http://schemas.openxmlformats.org/officeDocument/2006/relationships" xmlns:p="http://schemas.openxmlformats.org/presentationml/2006/main">
-  <p:cSld>
-    <p:spTree>
-      <p:nvGrpSpPr>
-        <p:cNvPr id="1" name=""/>
-        <p:cNvGrpSpPr/>
-        <p:nvPr/>
-      </p:nvGrpSpPr>
-      <p:grpSpPr>
-        <a:xfrm>
-          <a:off x="0" y="0"/>
-          <a:ext cx="0" cy="0"/>
-          <a:chOff x="0" y="0"/>
-          <a:chExt cx="0" cy="0"/>
-        </a:xfrm>
-      </p:grpSpPr>
-      <p:graphicFrame>
-        <p:nvGraphicFramePr>
-          <p:cNvPr id="5" name="Diagram 4">
-            <a:extLst>
-              <a:ext uri="{FF2B5EF4-FFF2-40B4-BE49-F238E27FC236}">
-                <a16:creationId xmlns:a16="http://schemas.microsoft.com/office/drawing/2014/main" id="{9E369BEC-59AA-4582-92B9-5CF2F9BFAFA1}"/>
-              </a:ext>
-            </a:extLst>
-          </p:cNvPr>
-          <p:cNvGraphicFramePr/>
-          <p:nvPr>
-            <p:extLst>
-              <p:ext uri="{D42A27DB-BD31-4B8C-83A1-F6EECF244321}">
-                <p14:modId xmlns:p14="http://schemas.microsoft.com/office/powerpoint/2010/main" val="1159376452"/>
-              </p:ext>
-            </p:extLst>
-          </p:nvPr>
-        </p:nvGraphicFramePr>
-        <p:xfrm>
-          <a:off x="81280" y="-537985"/>
-          <a:ext cx="12015893" cy="7785452"/>
-        </p:xfrm>
-        <a:graphic>
-          <a:graphicData uri="http://schemas.openxmlformats.org/drawingml/2006/diagram">
-            <dgm:relIds xmlns:dgm="http://schemas.openxmlformats.org/drawingml/2006/diagram" xmlns:r="http://schemas.openxmlformats.org/officeDocument/2006/relationships" r:dm="rId3" r:lo="rId4" r:qs="rId5" r:cs="rId6"/>
-          </a:graphicData>
-        </a:graphic>
-      </p:graphicFrame>
-      <p:sp>
-        <p:nvSpPr>
-          <p:cNvPr id="2" name="Title 1">
-            <a:extLst>
-              <a:ext uri="{FF2B5EF4-FFF2-40B4-BE49-F238E27FC236}">
-                <a16:creationId xmlns:a16="http://schemas.microsoft.com/office/drawing/2014/main" id="{8FD8EA44-8851-43CE-A947-4D15E970AE54}"/>
-              </a:ext>
-            </a:extLst>
-          </p:cNvPr>
-          <p:cNvSpPr>
-            <a:spLocks noGrp="1"/>
-          </p:cNvSpPr>
-          <p:nvPr>
-            <p:ph type="title"/>
-          </p:nvPr>
-        </p:nvSpPr>
-        <p:spPr/>
-        <p:txBody>
-          <a:bodyPr/>
-          <a:lstStyle/>
-          <a:p>
-            <a:r>
-              <a:rPr lang="de-AT" dirty="0"/>
-              <a:t>Historie</a:t>
-            </a:r>
-            <a:endParaRPr lang="en-US" dirty="0"/>
+            <a:pPr algn="ctr"/>
+            <a:endParaRPr lang="de-AT"/>
           </a:p>
         </p:txBody>
       </p:sp>
@@ -45224,7 +46434,7 @@
 </p:sld>
 </file>
 
-<file path=ppt/slides/slide9.xml><?xml version="1.0" encoding="utf-8"?>
+<file path=ppt/slides/slide8.xml><?xml version="1.0" encoding="utf-8"?>
 <p:sld xmlns:a="http://schemas.openxmlformats.org/drawingml/2006/main" xmlns:r="http://schemas.openxmlformats.org/officeDocument/2006/relationships" xmlns:p="http://schemas.openxmlformats.org/presentationml/2006/main">
   <p:cSld>
     <p:spTree>
@@ -45357,6 +46567,114 @@
     <p:extLst>
       <p:ext uri="{BB962C8B-B14F-4D97-AF65-F5344CB8AC3E}">
         <p14:creationId xmlns:p14="http://schemas.microsoft.com/office/powerpoint/2010/main" val="2574575205"/>
+      </p:ext>
+    </p:extLst>
+  </p:cSld>
+  <p:clrMapOvr>
+    <a:masterClrMapping/>
+  </p:clrMapOvr>
+</p:sld>
+</file>
+
+<file path=ppt/slides/slide9.xml><?xml version="1.0" encoding="utf-8"?>
+<p:sld xmlns:a="http://schemas.openxmlformats.org/drawingml/2006/main" xmlns:r="http://schemas.openxmlformats.org/officeDocument/2006/relationships" xmlns:p="http://schemas.openxmlformats.org/presentationml/2006/main">
+  <p:cSld>
+    <p:spTree>
+      <p:nvGrpSpPr>
+        <p:cNvPr id="1" name=""/>
+        <p:cNvGrpSpPr/>
+        <p:nvPr/>
+      </p:nvGrpSpPr>
+      <p:grpSpPr>
+        <a:xfrm>
+          <a:off x="0" y="0"/>
+          <a:ext cx="0" cy="0"/>
+          <a:chOff x="0" y="0"/>
+          <a:chExt cx="0" cy="0"/>
+        </a:xfrm>
+      </p:grpSpPr>
+      <p:sp>
+        <p:nvSpPr>
+          <p:cNvPr id="3" name="Content Placeholder 2">
+            <a:extLst>
+              <a:ext uri="{FF2B5EF4-FFF2-40B4-BE49-F238E27FC236}">
+                <a16:creationId xmlns:a16="http://schemas.microsoft.com/office/drawing/2014/main" id="{1E231800-B32D-44E8-95F7-DF3591E42B06}"/>
+              </a:ext>
+            </a:extLst>
+          </p:cNvPr>
+          <p:cNvSpPr>
+            <a:spLocks noGrp="1"/>
+          </p:cNvSpPr>
+          <p:nvPr>
+            <p:ph idx="1"/>
+          </p:nvPr>
+        </p:nvSpPr>
+        <p:spPr>
+          <a:xfrm>
+            <a:off x="838200" y="605118"/>
+            <a:ext cx="10515600" cy="5571845"/>
+          </a:xfrm>
+        </p:spPr>
+        <p:txBody>
+          <a:bodyPr anchor="ctr">
+            <a:normAutofit/>
+          </a:bodyPr>
+          <a:lstStyle/>
+          <a:p>
+            <a:pPr marL="0" indent="0" algn="ctr">
+              <a:buNone/>
+            </a:pPr>
+            <a:r>
+              <a:rPr lang="de-AT" sz="4800" dirty="0" err="1"/>
+              <a:t>OAuth</a:t>
+            </a:r>
+            <a:r>
+              <a:rPr lang="de-AT" sz="4800" dirty="0"/>
+              <a:t> </a:t>
+            </a:r>
+            <a:r>
+              <a:rPr lang="de-AT" sz="4800" dirty="0" err="1"/>
+              <a:t>is</a:t>
+            </a:r>
+            <a:r>
+              <a:rPr lang="de-AT" sz="4800" dirty="0"/>
+              <a:t> </a:t>
+            </a:r>
+            <a:r>
+              <a:rPr lang="de-AT" sz="4800" dirty="0" err="1"/>
+              <a:t>more</a:t>
+            </a:r>
+            <a:r>
+              <a:rPr lang="de-AT" sz="4800" dirty="0"/>
+              <a:t> </a:t>
+            </a:r>
+            <a:r>
+              <a:rPr lang="de-AT" sz="4800" dirty="0" err="1"/>
+              <a:t>framework</a:t>
+            </a:r>
+            <a:br>
+              <a:rPr lang="de-AT" sz="4800" dirty="0"/>
+            </a:br>
+            <a:r>
+              <a:rPr lang="de-AT" sz="4800" dirty="0" err="1"/>
+              <a:t>than</a:t>
+            </a:r>
+            <a:r>
+              <a:rPr lang="de-AT" sz="4800" dirty="0"/>
+              <a:t> </a:t>
+            </a:r>
+            <a:r>
+              <a:rPr lang="de-AT" sz="4800" dirty="0" err="1"/>
+              <a:t>protocol</a:t>
+            </a:r>
+            <a:endParaRPr lang="en-US" sz="4800" dirty="0"/>
+          </a:p>
+        </p:txBody>
+      </p:sp>
+    </p:spTree>
+    <p:extLst>
+      <p:ext uri="{BB962C8B-B14F-4D97-AF65-F5344CB8AC3E}">
+        <p14:creationId xmlns:p14="http://schemas.microsoft.com/office/powerpoint/2010/main" val="124418694"/>
       </p:ext>
     </p:extLst>
   </p:cSld>

--- a/OpenID Connect & OAuth.pptx
+++ b/OpenID Connect & OAuth.pptx
@@ -57,9 +57,9 @@
     <p:sldId id="327" r:id="rId48"/>
     <p:sldId id="308" r:id="rId49"/>
     <p:sldId id="309" r:id="rId50"/>
-    <p:sldId id="262" r:id="rId51"/>
-    <p:sldId id="321" r:id="rId52"/>
-    <p:sldId id="329" r:id="rId53"/>
+    <p:sldId id="321" r:id="rId51"/>
+    <p:sldId id="329" r:id="rId52"/>
+    <p:sldId id="262" r:id="rId53"/>
   </p:sldIdLst>
   <p:sldSz cx="12192000" cy="6858000"/>
   <p:notesSz cx="6858000" cy="9144000"/>
@@ -2607,12 +2607,8 @@
             <a:rPr lang="de-AT" dirty="0"/>
           </a:br>
           <a:r>
-            <a:rPr lang="de-AT" dirty="0" err="1"/>
-            <a:t>Draft</a:t>
-          </a:r>
-          <a:r>
             <a:rPr lang="de-AT" dirty="0"/>
-            <a:t> 01</a:t>
+            <a:t>draft 01</a:t>
           </a:r>
         </a:p>
       </dgm:t>
@@ -3932,12 +3928,8 @@
             <a:rPr lang="de-AT" sz="1300" kern="1200" dirty="0"/>
           </a:br>
           <a:r>
-            <a:rPr lang="de-AT" sz="1300" kern="1200" dirty="0" err="1"/>
-            <a:t>Draft</a:t>
-          </a:r>
-          <a:r>
             <a:rPr lang="de-AT" sz="1300" kern="1200" dirty="0"/>
-            <a:t> 01</a:t>
+            <a:t>draft 01</a:t>
           </a:r>
         </a:p>
       </dsp:txBody>
@@ -36416,7 +36408,7 @@
             </a:r>
             <a:r>
               <a:rPr lang="de-AT" dirty="0"/>
-              <a:t> Code Grant </a:t>
+              <a:t> Code Flow </a:t>
             </a:r>
             <a:r>
               <a:rPr lang="de-AT" dirty="0" err="1"/>
@@ -38269,7 +38261,7 @@
             </a:r>
             <a:r>
               <a:rPr lang="de-AT" dirty="0"/>
-              <a:t> Code Grant </a:t>
+              <a:t> Code Flow </a:t>
             </a:r>
             <a:r>
               <a:rPr lang="de-AT" dirty="0" err="1"/>
@@ -45494,6 +45486,400 @@
 </file>
 
 <file path=ppt/slides/slide50.xml><?xml version="1.0" encoding="utf-8"?>
+<p:sld xmlns:a="http://schemas.openxmlformats.org/drawingml/2006/main" xmlns:r="http://schemas.openxmlformats.org/officeDocument/2006/relationships" xmlns:p="http://schemas.openxmlformats.org/presentationml/2006/main">
+  <p:cSld>
+    <p:spTree>
+      <p:nvGrpSpPr>
+        <p:cNvPr id="1" name=""/>
+        <p:cNvGrpSpPr/>
+        <p:nvPr/>
+      </p:nvGrpSpPr>
+      <p:grpSpPr>
+        <a:xfrm>
+          <a:off x="0" y="0"/>
+          <a:ext cx="0" cy="0"/>
+          <a:chOff x="0" y="0"/>
+          <a:chExt cx="0" cy="0"/>
+        </a:xfrm>
+      </p:grpSpPr>
+      <p:sp>
+        <p:nvSpPr>
+          <p:cNvPr id="2" name="Title 1">
+            <a:extLst>
+              <a:ext uri="{FF2B5EF4-FFF2-40B4-BE49-F238E27FC236}">
+                <a16:creationId xmlns:a16="http://schemas.microsoft.com/office/drawing/2014/main" id="{04A30FA5-BC0C-476B-88DD-73B4FBB9406C}"/>
+              </a:ext>
+            </a:extLst>
+          </p:cNvPr>
+          <p:cNvSpPr>
+            <a:spLocks noGrp="1"/>
+          </p:cNvSpPr>
+          <p:nvPr>
+            <p:ph type="ctrTitle"/>
+          </p:nvPr>
+        </p:nvSpPr>
+        <p:spPr/>
+        <p:txBody>
+          <a:bodyPr/>
+          <a:lstStyle/>
+          <a:p>
+            <a:r>
+              <a:rPr lang="de-AT" dirty="0"/>
+              <a:t>Demos</a:t>
+            </a:r>
+            <a:endParaRPr lang="en-US" dirty="0"/>
+          </a:p>
+        </p:txBody>
+      </p:sp>
+      <p:sp>
+        <p:nvSpPr>
+          <p:cNvPr id="3" name="Content Placeholder 2">
+            <a:extLst>
+              <a:ext uri="{FF2B5EF4-FFF2-40B4-BE49-F238E27FC236}">
+                <a16:creationId xmlns:a16="http://schemas.microsoft.com/office/drawing/2014/main" id="{2B106E46-C4D6-49F9-9B77-5E5E6EFEC57E}"/>
+              </a:ext>
+            </a:extLst>
+          </p:cNvPr>
+          <p:cNvSpPr>
+            <a:spLocks noGrp="1"/>
+          </p:cNvSpPr>
+          <p:nvPr>
+            <p:ph type="subTitle" idx="1"/>
+          </p:nvPr>
+        </p:nvSpPr>
+        <p:spPr>
+          <a:xfrm>
+            <a:off x="1524000" y="3602038"/>
+            <a:ext cx="9144000" cy="424732"/>
+          </a:xfrm>
+        </p:spPr>
+        <p:txBody>
+          <a:bodyPr>
+            <a:spAutoFit/>
+          </a:bodyPr>
+          <a:lstStyle/>
+          <a:p>
+            <a:r>
+              <a:rPr lang="en-US" dirty="0">
+                <a:hlinkClick r:id="rId2"/>
+              </a:rPr>
+              <a:t>github.com/danielwagn3r/</a:t>
+            </a:r>
+            <a:r>
+              <a:rPr lang="en-US" dirty="0" err="1">
+                <a:hlinkClick r:id="rId2"/>
+              </a:rPr>
+              <a:t>openid</a:t>
+            </a:r>
+            <a:r>
+              <a:rPr lang="en-US">
+                <a:hlinkClick r:id="rId2"/>
+              </a:rPr>
+              <a:t>-workshop</a:t>
+            </a:r>
+            <a:endParaRPr lang="en-US" dirty="0"/>
+          </a:p>
+        </p:txBody>
+      </p:sp>
+      <p:pic>
+        <p:nvPicPr>
+          <p:cNvPr id="8" name="Picture 7">
+            <a:extLst>
+              <a:ext uri="{FF2B5EF4-FFF2-40B4-BE49-F238E27FC236}">
+                <a16:creationId xmlns:a16="http://schemas.microsoft.com/office/drawing/2014/main" id="{A6966702-4737-41A1-A211-D462668C4834}"/>
+              </a:ext>
+            </a:extLst>
+          </p:cNvPr>
+          <p:cNvPicPr>
+            <a:picLocks noChangeAspect="1"/>
+          </p:cNvPicPr>
+          <p:nvPr/>
+        </p:nvPicPr>
+        <p:blipFill>
+          <a:blip r:embed="rId3">
+            <a:extLst>
+              <a:ext uri="{28A0092B-C50C-407E-A947-70E740481C1C}">
+                <a14:useLocalDpi xmlns:a14="http://schemas.microsoft.com/office/drawing/2010/main" val="0"/>
+              </a:ext>
+            </a:extLst>
+          </a:blip>
+          <a:stretch>
+            <a:fillRect/>
+          </a:stretch>
+        </p:blipFill>
+        <p:spPr>
+          <a:xfrm>
+            <a:off x="2497810" y="3509604"/>
+            <a:ext cx="609600" cy="609600"/>
+          </a:xfrm>
+          <a:prstGeom prst="rect">
+            <a:avLst/>
+          </a:prstGeom>
+        </p:spPr>
+      </p:pic>
+    </p:spTree>
+    <p:extLst>
+      <p:ext uri="{BB962C8B-B14F-4D97-AF65-F5344CB8AC3E}">
+        <p14:creationId xmlns:p14="http://schemas.microsoft.com/office/powerpoint/2010/main" val="3731164994"/>
+      </p:ext>
+    </p:extLst>
+  </p:cSld>
+  <p:clrMapOvr>
+    <a:masterClrMapping/>
+  </p:clrMapOvr>
+</p:sld>
+</file>
+
+<file path=ppt/slides/slide51.xml><?xml version="1.0" encoding="utf-8"?>
+<p:sld xmlns:a="http://schemas.openxmlformats.org/drawingml/2006/main" xmlns:r="http://schemas.openxmlformats.org/officeDocument/2006/relationships" xmlns:p="http://schemas.openxmlformats.org/presentationml/2006/main">
+  <p:cSld>
+    <p:spTree>
+      <p:nvGrpSpPr>
+        <p:cNvPr id="1" name=""/>
+        <p:cNvGrpSpPr/>
+        <p:nvPr/>
+      </p:nvGrpSpPr>
+      <p:grpSpPr>
+        <a:xfrm>
+          <a:off x="0" y="0"/>
+          <a:ext cx="0" cy="0"/>
+          <a:chOff x="0" y="0"/>
+          <a:chExt cx="0" cy="0"/>
+        </a:xfrm>
+      </p:grpSpPr>
+      <p:sp>
+        <p:nvSpPr>
+          <p:cNvPr id="4" name="Title 3">
+            <a:extLst>
+              <a:ext uri="{FF2B5EF4-FFF2-40B4-BE49-F238E27FC236}">
+                <a16:creationId xmlns:a16="http://schemas.microsoft.com/office/drawing/2014/main" id="{2B4AA342-048F-4EC1-9AEC-58DB48876605}"/>
+              </a:ext>
+            </a:extLst>
+          </p:cNvPr>
+          <p:cNvSpPr>
+            <a:spLocks noGrp="1"/>
+          </p:cNvSpPr>
+          <p:nvPr>
+            <p:ph type="title"/>
+          </p:nvPr>
+        </p:nvSpPr>
+        <p:spPr/>
+        <p:txBody>
+          <a:bodyPr/>
+          <a:lstStyle/>
+          <a:p>
+            <a:r>
+              <a:rPr lang="de-AT" dirty="0"/>
+              <a:t>Literatur</a:t>
+            </a:r>
+          </a:p>
+        </p:txBody>
+      </p:sp>
+      <p:sp>
+        <p:nvSpPr>
+          <p:cNvPr id="3" name="Content Placeholder 2">
+            <a:extLst>
+              <a:ext uri="{FF2B5EF4-FFF2-40B4-BE49-F238E27FC236}">
+                <a16:creationId xmlns:a16="http://schemas.microsoft.com/office/drawing/2014/main" id="{4FE66D17-637A-4F3D-A319-D169687A7D29}"/>
+              </a:ext>
+            </a:extLst>
+          </p:cNvPr>
+          <p:cNvSpPr>
+            <a:spLocks noGrp="1"/>
+          </p:cNvSpPr>
+          <p:nvPr>
+            <p:ph idx="1"/>
+          </p:nvPr>
+        </p:nvSpPr>
+        <p:spPr/>
+        <p:txBody>
+          <a:bodyPr>
+            <a:normAutofit lnSpcReduction="10000"/>
+          </a:bodyPr>
+          <a:lstStyle/>
+          <a:p>
+            <a:pPr marL="0" indent="0">
+              <a:buNone/>
+            </a:pPr>
+            <a:r>
+              <a:rPr lang="de-AT" dirty="0" err="1"/>
+              <a:t>Current</a:t>
+            </a:r>
+            <a:r>
+              <a:rPr lang="de-AT" dirty="0"/>
+              <a:t> Best Practices</a:t>
+            </a:r>
+          </a:p>
+          <a:p>
+            <a:pPr lvl="1"/>
+            <a:r>
+              <a:rPr lang="de-AT" dirty="0"/>
+              <a:t>Best </a:t>
+            </a:r>
+            <a:r>
+              <a:rPr lang="de-AT" dirty="0" err="1"/>
+              <a:t>Pratices</a:t>
+            </a:r>
+            <a:r>
+              <a:rPr lang="de-AT" dirty="0"/>
+              <a:t> </a:t>
+            </a:r>
+            <a:r>
+              <a:rPr lang="de-AT" dirty="0">
+                <a:hlinkClick r:id="rId2"/>
+              </a:rPr>
+              <a:t>https://datatracker.ietf.org/doc/html/draft-ietf-oauth-security-topics-18</a:t>
+            </a:r>
+            <a:endParaRPr lang="de-AT" dirty="0"/>
+          </a:p>
+          <a:p>
+            <a:pPr marL="0" indent="0">
+              <a:buNone/>
+            </a:pPr>
+            <a:r>
+              <a:rPr lang="de-AT" dirty="0"/>
+              <a:t>IETF RFCs und Internet </a:t>
+            </a:r>
+            <a:r>
+              <a:rPr lang="de-AT" dirty="0" err="1"/>
+              <a:t>Drafts</a:t>
+            </a:r>
+            <a:endParaRPr lang="de-AT" dirty="0"/>
+          </a:p>
+          <a:p>
+            <a:pPr lvl="1"/>
+            <a:r>
+              <a:rPr lang="de-AT" dirty="0"/>
+              <a:t>OAuth 2.0 </a:t>
+            </a:r>
+            <a:r>
+              <a:rPr lang="de-AT" dirty="0">
+                <a:hlinkClick r:id="rId3"/>
+              </a:rPr>
+              <a:t>https://datatracker.ietf.org/doc/html/rfc6749</a:t>
+            </a:r>
+            <a:endParaRPr lang="de-AT" dirty="0"/>
+          </a:p>
+          <a:p>
+            <a:pPr lvl="1"/>
+            <a:r>
+              <a:rPr lang="de-AT" dirty="0" err="1"/>
+              <a:t>Bearer</a:t>
+            </a:r>
+            <a:r>
+              <a:rPr lang="de-AT" dirty="0"/>
+              <a:t> Token </a:t>
+            </a:r>
+            <a:r>
+              <a:rPr lang="de-AT" dirty="0">
+                <a:hlinkClick r:id="rId4"/>
+              </a:rPr>
+              <a:t>https://datatracker.ietf.org/doc/html/rfc6750</a:t>
+            </a:r>
+            <a:endParaRPr lang="de-AT" dirty="0"/>
+          </a:p>
+          <a:p>
+            <a:pPr lvl="1"/>
+            <a:r>
+              <a:rPr lang="de-AT" dirty="0"/>
+              <a:t>JWT </a:t>
+            </a:r>
+            <a:r>
+              <a:rPr lang="de-AT" dirty="0">
+                <a:hlinkClick r:id="rId5"/>
+              </a:rPr>
+              <a:t>https://datatracker.ietf.org/doc/html/rfc7519</a:t>
+            </a:r>
+            <a:endParaRPr lang="de-AT" dirty="0"/>
+          </a:p>
+          <a:p>
+            <a:pPr lvl="1"/>
+            <a:r>
+              <a:rPr lang="de-AT" dirty="0"/>
+              <a:t>PKCE </a:t>
+            </a:r>
+            <a:r>
+              <a:rPr lang="de-AT" dirty="0">
+                <a:hlinkClick r:id="rId6"/>
+              </a:rPr>
+              <a:t>https://datatracker.ietf.org/doc/html/rfc7636</a:t>
+            </a:r>
+            <a:endParaRPr lang="de-AT" dirty="0"/>
+          </a:p>
+          <a:p>
+            <a:pPr lvl="1"/>
+            <a:r>
+              <a:rPr lang="de-AT" dirty="0"/>
+              <a:t>Device </a:t>
+            </a:r>
+            <a:r>
+              <a:rPr lang="de-AT" dirty="0" err="1"/>
+              <a:t>Authorization</a:t>
+            </a:r>
+            <a:r>
+              <a:rPr lang="de-AT" dirty="0"/>
+              <a:t> Grant </a:t>
+            </a:r>
+            <a:r>
+              <a:rPr lang="de-AT" dirty="0">
+                <a:hlinkClick r:id="rId7"/>
+              </a:rPr>
+              <a:t>https://datatracker.ietf.org/doc/html/rfc8628</a:t>
+            </a:r>
+            <a:endParaRPr lang="de-AT" dirty="0"/>
+          </a:p>
+          <a:p>
+            <a:pPr lvl="1"/>
+            <a:r>
+              <a:rPr lang="de-AT" dirty="0" err="1"/>
+              <a:t>OpenID</a:t>
+            </a:r>
+            <a:r>
+              <a:rPr lang="de-AT" dirty="0"/>
+              <a:t> Connect </a:t>
+            </a:r>
+            <a:r>
+              <a:rPr lang="de-AT" dirty="0">
+                <a:hlinkClick r:id="rId8"/>
+              </a:rPr>
+              <a:t>https://openid.net/developers/specs/</a:t>
+            </a:r>
+            <a:endParaRPr lang="de-AT" dirty="0"/>
+          </a:p>
+          <a:p>
+            <a:pPr lvl="1"/>
+            <a:r>
+              <a:rPr lang="de-AT" dirty="0"/>
+              <a:t>Service Issuer Identifier </a:t>
+            </a:r>
+            <a:r>
+              <a:rPr lang="de-AT" dirty="0">
+                <a:hlinkClick r:id="rId9"/>
+              </a:rPr>
+              <a:t>https://datatracker.ietf.org/doc/html/draft-meyerzuselhausen-oauth-iss-auth-resp-02</a:t>
+            </a:r>
+            <a:endParaRPr lang="de-AT" dirty="0"/>
+          </a:p>
+          <a:p>
+            <a:pPr lvl="1"/>
+            <a:endParaRPr lang="de-AT" dirty="0"/>
+          </a:p>
+        </p:txBody>
+      </p:sp>
+    </p:spTree>
+    <p:extLst>
+      <p:ext uri="{BB962C8B-B14F-4D97-AF65-F5344CB8AC3E}">
+        <p14:creationId xmlns:p14="http://schemas.microsoft.com/office/powerpoint/2010/main" val="1242052081"/>
+      </p:ext>
+    </p:extLst>
+  </p:cSld>
+  <p:clrMapOvr>
+    <a:masterClrMapping/>
+  </p:clrMapOvr>
+</p:sld>
+</file>
+
+<file path=ppt/slides/slide52.xml><?xml version="1.0" encoding="utf-8"?>
 <p:sld xmlns:a="http://schemas.openxmlformats.org/drawingml/2006/main" xmlns:r="http://schemas.openxmlformats.org/officeDocument/2006/relationships" xmlns:p="http://schemas.openxmlformats.org/presentationml/2006/main" show="0">
   <p:cSld>
     <p:spTree>
@@ -47456,400 +47842,6 @@
 </p:sld>
 </file>
 
-<file path=ppt/slides/slide51.xml><?xml version="1.0" encoding="utf-8"?>
-<p:sld xmlns:a="http://schemas.openxmlformats.org/drawingml/2006/main" xmlns:r="http://schemas.openxmlformats.org/officeDocument/2006/relationships" xmlns:p="http://schemas.openxmlformats.org/presentationml/2006/main">
-  <p:cSld>
-    <p:spTree>
-      <p:nvGrpSpPr>
-        <p:cNvPr id="1" name=""/>
-        <p:cNvGrpSpPr/>
-        <p:nvPr/>
-      </p:nvGrpSpPr>
-      <p:grpSpPr>
-        <a:xfrm>
-          <a:off x="0" y="0"/>
-          <a:ext cx="0" cy="0"/>
-          <a:chOff x="0" y="0"/>
-          <a:chExt cx="0" cy="0"/>
-        </a:xfrm>
-      </p:grpSpPr>
-      <p:sp>
-        <p:nvSpPr>
-          <p:cNvPr id="2" name="Title 1">
-            <a:extLst>
-              <a:ext uri="{FF2B5EF4-FFF2-40B4-BE49-F238E27FC236}">
-                <a16:creationId xmlns:a16="http://schemas.microsoft.com/office/drawing/2014/main" id="{04A30FA5-BC0C-476B-88DD-73B4FBB9406C}"/>
-              </a:ext>
-            </a:extLst>
-          </p:cNvPr>
-          <p:cNvSpPr>
-            <a:spLocks noGrp="1"/>
-          </p:cNvSpPr>
-          <p:nvPr>
-            <p:ph type="ctrTitle"/>
-          </p:nvPr>
-        </p:nvSpPr>
-        <p:spPr/>
-        <p:txBody>
-          <a:bodyPr/>
-          <a:lstStyle/>
-          <a:p>
-            <a:r>
-              <a:rPr lang="de-AT" dirty="0"/>
-              <a:t>Demos</a:t>
-            </a:r>
-            <a:endParaRPr lang="en-US" dirty="0"/>
-          </a:p>
-        </p:txBody>
-      </p:sp>
-      <p:sp>
-        <p:nvSpPr>
-          <p:cNvPr id="3" name="Content Placeholder 2">
-            <a:extLst>
-              <a:ext uri="{FF2B5EF4-FFF2-40B4-BE49-F238E27FC236}">
-                <a16:creationId xmlns:a16="http://schemas.microsoft.com/office/drawing/2014/main" id="{2B106E46-C4D6-49F9-9B77-5E5E6EFEC57E}"/>
-              </a:ext>
-            </a:extLst>
-          </p:cNvPr>
-          <p:cNvSpPr>
-            <a:spLocks noGrp="1"/>
-          </p:cNvSpPr>
-          <p:nvPr>
-            <p:ph type="subTitle" idx="1"/>
-          </p:nvPr>
-        </p:nvSpPr>
-        <p:spPr>
-          <a:xfrm>
-            <a:off x="1524000" y="3602038"/>
-            <a:ext cx="9144000" cy="424732"/>
-          </a:xfrm>
-        </p:spPr>
-        <p:txBody>
-          <a:bodyPr>
-            <a:spAutoFit/>
-          </a:bodyPr>
-          <a:lstStyle/>
-          <a:p>
-            <a:r>
-              <a:rPr lang="en-US" dirty="0">
-                <a:hlinkClick r:id="rId2"/>
-              </a:rPr>
-              <a:t>github.com/danielwagn3r/</a:t>
-            </a:r>
-            <a:r>
-              <a:rPr lang="en-US" dirty="0" err="1">
-                <a:hlinkClick r:id="rId2"/>
-              </a:rPr>
-              <a:t>openid</a:t>
-            </a:r>
-            <a:r>
-              <a:rPr lang="en-US">
-                <a:hlinkClick r:id="rId2"/>
-              </a:rPr>
-              <a:t>-workshop</a:t>
-            </a:r>
-            <a:endParaRPr lang="en-US" dirty="0"/>
-          </a:p>
-        </p:txBody>
-      </p:sp>
-      <p:pic>
-        <p:nvPicPr>
-          <p:cNvPr id="8" name="Picture 7">
-            <a:extLst>
-              <a:ext uri="{FF2B5EF4-FFF2-40B4-BE49-F238E27FC236}">
-                <a16:creationId xmlns:a16="http://schemas.microsoft.com/office/drawing/2014/main" id="{A6966702-4737-41A1-A211-D462668C4834}"/>
-              </a:ext>
-            </a:extLst>
-          </p:cNvPr>
-          <p:cNvPicPr>
-            <a:picLocks noChangeAspect="1"/>
-          </p:cNvPicPr>
-          <p:nvPr/>
-        </p:nvPicPr>
-        <p:blipFill>
-          <a:blip r:embed="rId3">
-            <a:extLst>
-              <a:ext uri="{28A0092B-C50C-407E-A947-70E740481C1C}">
-                <a14:useLocalDpi xmlns:a14="http://schemas.microsoft.com/office/drawing/2010/main" val="0"/>
-              </a:ext>
-            </a:extLst>
-          </a:blip>
-          <a:stretch>
-            <a:fillRect/>
-          </a:stretch>
-        </p:blipFill>
-        <p:spPr>
-          <a:xfrm>
-            <a:off x="2497810" y="3509604"/>
-            <a:ext cx="609600" cy="609600"/>
-          </a:xfrm>
-          <a:prstGeom prst="rect">
-            <a:avLst/>
-          </a:prstGeom>
-        </p:spPr>
-      </p:pic>
-    </p:spTree>
-    <p:extLst>
-      <p:ext uri="{BB962C8B-B14F-4D97-AF65-F5344CB8AC3E}">
-        <p14:creationId xmlns:p14="http://schemas.microsoft.com/office/powerpoint/2010/main" val="3731164994"/>
-      </p:ext>
-    </p:extLst>
-  </p:cSld>
-  <p:clrMapOvr>
-    <a:masterClrMapping/>
-  </p:clrMapOvr>
-</p:sld>
-</file>
-
-<file path=ppt/slides/slide52.xml><?xml version="1.0" encoding="utf-8"?>
-<p:sld xmlns:a="http://schemas.openxmlformats.org/drawingml/2006/main" xmlns:r="http://schemas.openxmlformats.org/officeDocument/2006/relationships" xmlns:p="http://schemas.openxmlformats.org/presentationml/2006/main">
-  <p:cSld>
-    <p:spTree>
-      <p:nvGrpSpPr>
-        <p:cNvPr id="1" name=""/>
-        <p:cNvGrpSpPr/>
-        <p:nvPr/>
-      </p:nvGrpSpPr>
-      <p:grpSpPr>
-        <a:xfrm>
-          <a:off x="0" y="0"/>
-          <a:ext cx="0" cy="0"/>
-          <a:chOff x="0" y="0"/>
-          <a:chExt cx="0" cy="0"/>
-        </a:xfrm>
-      </p:grpSpPr>
-      <p:sp>
-        <p:nvSpPr>
-          <p:cNvPr id="4" name="Title 3">
-            <a:extLst>
-              <a:ext uri="{FF2B5EF4-FFF2-40B4-BE49-F238E27FC236}">
-                <a16:creationId xmlns:a16="http://schemas.microsoft.com/office/drawing/2014/main" id="{2B4AA342-048F-4EC1-9AEC-58DB48876605}"/>
-              </a:ext>
-            </a:extLst>
-          </p:cNvPr>
-          <p:cNvSpPr>
-            <a:spLocks noGrp="1"/>
-          </p:cNvSpPr>
-          <p:nvPr>
-            <p:ph type="title"/>
-          </p:nvPr>
-        </p:nvSpPr>
-        <p:spPr/>
-        <p:txBody>
-          <a:bodyPr/>
-          <a:lstStyle/>
-          <a:p>
-            <a:r>
-              <a:rPr lang="de-AT" dirty="0"/>
-              <a:t>Literatur</a:t>
-            </a:r>
-          </a:p>
-        </p:txBody>
-      </p:sp>
-      <p:sp>
-        <p:nvSpPr>
-          <p:cNvPr id="3" name="Content Placeholder 2">
-            <a:extLst>
-              <a:ext uri="{FF2B5EF4-FFF2-40B4-BE49-F238E27FC236}">
-                <a16:creationId xmlns:a16="http://schemas.microsoft.com/office/drawing/2014/main" id="{4FE66D17-637A-4F3D-A319-D169687A7D29}"/>
-              </a:ext>
-            </a:extLst>
-          </p:cNvPr>
-          <p:cNvSpPr>
-            <a:spLocks noGrp="1"/>
-          </p:cNvSpPr>
-          <p:nvPr>
-            <p:ph idx="1"/>
-          </p:nvPr>
-        </p:nvSpPr>
-        <p:spPr/>
-        <p:txBody>
-          <a:bodyPr>
-            <a:normAutofit lnSpcReduction="10000"/>
-          </a:bodyPr>
-          <a:lstStyle/>
-          <a:p>
-            <a:pPr marL="0" indent="0">
-              <a:buNone/>
-            </a:pPr>
-            <a:r>
-              <a:rPr lang="de-AT" dirty="0" err="1"/>
-              <a:t>Current</a:t>
-            </a:r>
-            <a:r>
-              <a:rPr lang="de-AT" dirty="0"/>
-              <a:t> Best Practices</a:t>
-            </a:r>
-          </a:p>
-          <a:p>
-            <a:pPr lvl="1"/>
-            <a:r>
-              <a:rPr lang="de-AT" dirty="0"/>
-              <a:t>Best </a:t>
-            </a:r>
-            <a:r>
-              <a:rPr lang="de-AT" dirty="0" err="1"/>
-              <a:t>Pratices</a:t>
-            </a:r>
-            <a:r>
-              <a:rPr lang="de-AT" dirty="0"/>
-              <a:t> </a:t>
-            </a:r>
-            <a:r>
-              <a:rPr lang="de-AT" dirty="0">
-                <a:hlinkClick r:id="rId2"/>
-              </a:rPr>
-              <a:t>https://datatracker.ietf.org/doc/html/draft-ietf-oauth-security-topics-18</a:t>
-            </a:r>
-            <a:endParaRPr lang="de-AT" dirty="0"/>
-          </a:p>
-          <a:p>
-            <a:pPr marL="0" indent="0">
-              <a:buNone/>
-            </a:pPr>
-            <a:r>
-              <a:rPr lang="de-AT" dirty="0"/>
-              <a:t>IETF RFCs und Internet </a:t>
-            </a:r>
-            <a:r>
-              <a:rPr lang="de-AT" dirty="0" err="1"/>
-              <a:t>Drafts</a:t>
-            </a:r>
-            <a:endParaRPr lang="de-AT" dirty="0"/>
-          </a:p>
-          <a:p>
-            <a:pPr lvl="1"/>
-            <a:r>
-              <a:rPr lang="de-AT" dirty="0"/>
-              <a:t>OAuth 2.0 </a:t>
-            </a:r>
-            <a:r>
-              <a:rPr lang="de-AT" dirty="0">
-                <a:hlinkClick r:id="rId3"/>
-              </a:rPr>
-              <a:t>https://datatracker.ietf.org/doc/html/rfc6749</a:t>
-            </a:r>
-            <a:endParaRPr lang="de-AT" dirty="0"/>
-          </a:p>
-          <a:p>
-            <a:pPr lvl="1"/>
-            <a:r>
-              <a:rPr lang="de-AT" dirty="0" err="1"/>
-              <a:t>Bearer</a:t>
-            </a:r>
-            <a:r>
-              <a:rPr lang="de-AT" dirty="0"/>
-              <a:t> Token </a:t>
-            </a:r>
-            <a:r>
-              <a:rPr lang="de-AT" dirty="0">
-                <a:hlinkClick r:id="rId4"/>
-              </a:rPr>
-              <a:t>https://datatracker.ietf.org/doc/html/rfc6750</a:t>
-            </a:r>
-            <a:endParaRPr lang="de-AT" dirty="0"/>
-          </a:p>
-          <a:p>
-            <a:pPr lvl="1"/>
-            <a:r>
-              <a:rPr lang="de-AT" dirty="0"/>
-              <a:t>JWT </a:t>
-            </a:r>
-            <a:r>
-              <a:rPr lang="de-AT" dirty="0">
-                <a:hlinkClick r:id="rId5"/>
-              </a:rPr>
-              <a:t>https://datatracker.ietf.org/doc/html/rfc7519</a:t>
-            </a:r>
-            <a:endParaRPr lang="de-AT" dirty="0"/>
-          </a:p>
-          <a:p>
-            <a:pPr lvl="1"/>
-            <a:r>
-              <a:rPr lang="de-AT" dirty="0"/>
-              <a:t>PKCE </a:t>
-            </a:r>
-            <a:r>
-              <a:rPr lang="de-AT" dirty="0">
-                <a:hlinkClick r:id="rId6"/>
-              </a:rPr>
-              <a:t>https://datatracker.ietf.org/doc/html/rfc7636</a:t>
-            </a:r>
-            <a:endParaRPr lang="de-AT" dirty="0"/>
-          </a:p>
-          <a:p>
-            <a:pPr lvl="1"/>
-            <a:r>
-              <a:rPr lang="de-AT" dirty="0"/>
-              <a:t>Device </a:t>
-            </a:r>
-            <a:r>
-              <a:rPr lang="de-AT" dirty="0" err="1"/>
-              <a:t>Authorization</a:t>
-            </a:r>
-            <a:r>
-              <a:rPr lang="de-AT" dirty="0"/>
-              <a:t> Grant </a:t>
-            </a:r>
-            <a:r>
-              <a:rPr lang="de-AT" dirty="0">
-                <a:hlinkClick r:id="rId7"/>
-              </a:rPr>
-              <a:t>https://datatracker.ietf.org/doc/html/rfc8628</a:t>
-            </a:r>
-            <a:endParaRPr lang="de-AT" dirty="0"/>
-          </a:p>
-          <a:p>
-            <a:pPr lvl="1"/>
-            <a:r>
-              <a:rPr lang="de-AT" dirty="0" err="1"/>
-              <a:t>OpenID</a:t>
-            </a:r>
-            <a:r>
-              <a:rPr lang="de-AT" dirty="0"/>
-              <a:t> Connect </a:t>
-            </a:r>
-            <a:r>
-              <a:rPr lang="de-AT" dirty="0">
-                <a:hlinkClick r:id="rId8"/>
-              </a:rPr>
-              <a:t>https://openid.net/developers/specs/</a:t>
-            </a:r>
-            <a:endParaRPr lang="de-AT" dirty="0"/>
-          </a:p>
-          <a:p>
-            <a:pPr lvl="1"/>
-            <a:r>
-              <a:rPr lang="de-AT" dirty="0"/>
-              <a:t>Service Issuer Identifier </a:t>
-            </a:r>
-            <a:r>
-              <a:rPr lang="de-AT" dirty="0">
-                <a:hlinkClick r:id="rId9"/>
-              </a:rPr>
-              <a:t>https://datatracker.ietf.org/doc/html/draft-meyerzuselhausen-oauth-iss-auth-resp-02</a:t>
-            </a:r>
-            <a:endParaRPr lang="de-AT" dirty="0"/>
-          </a:p>
-          <a:p>
-            <a:pPr lvl="1"/>
-            <a:endParaRPr lang="de-AT" dirty="0"/>
-          </a:p>
-        </p:txBody>
-      </p:sp>
-    </p:spTree>
-    <p:extLst>
-      <p:ext uri="{BB962C8B-B14F-4D97-AF65-F5344CB8AC3E}">
-        <p14:creationId xmlns:p14="http://schemas.microsoft.com/office/powerpoint/2010/main" val="1242052081"/>
-      </p:ext>
-    </p:extLst>
-  </p:cSld>
-  <p:clrMapOvr>
-    <a:masterClrMapping/>
-  </p:clrMapOvr>
-</p:sld>
-</file>
-
 <file path=ppt/slides/slide6.xml><?xml version="1.0" encoding="utf-8"?>
 <p:sld xmlns:a="http://schemas.openxmlformats.org/drawingml/2006/main" xmlns:r="http://schemas.openxmlformats.org/officeDocument/2006/relationships" xmlns:p="http://schemas.openxmlformats.org/presentationml/2006/main">
   <p:cSld>
@@ -48298,7 +48290,7 @@
           <p:nvPr>
             <p:extLst>
               <p:ext uri="{D42A27DB-BD31-4B8C-83A1-F6EECF244321}">
-                <p14:modId xmlns:p14="http://schemas.microsoft.com/office/powerpoint/2010/main" val="2340157926"/>
+                <p14:modId xmlns:p14="http://schemas.microsoft.com/office/powerpoint/2010/main" val="1760305261"/>
               </p:ext>
             </p:extLst>
           </p:nvPr>

--- a/OpenID Connect & OAuth.pptx
+++ b/OpenID Connect & OAuth.pptx
@@ -5,7 +5,7 @@
     <p:sldMasterId id="2147483648" r:id="rId1"/>
   </p:sldMasterIdLst>
   <p:notesMasterIdLst>
-    <p:notesMasterId r:id="rId54"/>
+    <p:notesMasterId r:id="rId57"/>
   </p:notesMasterIdLst>
   <p:sldIdLst>
     <p:sldId id="256" r:id="rId2"/>
@@ -53,13 +53,16 @@
     <p:sldId id="319" r:id="rId44"/>
     <p:sldId id="297" r:id="rId45"/>
     <p:sldId id="312" r:id="rId46"/>
-    <p:sldId id="282" r:id="rId47"/>
-    <p:sldId id="327" r:id="rId48"/>
-    <p:sldId id="308" r:id="rId49"/>
-    <p:sldId id="309" r:id="rId50"/>
-    <p:sldId id="321" r:id="rId51"/>
-    <p:sldId id="329" r:id="rId52"/>
-    <p:sldId id="262" r:id="rId53"/>
+    <p:sldId id="334" r:id="rId47"/>
+    <p:sldId id="332" r:id="rId48"/>
+    <p:sldId id="282" r:id="rId49"/>
+    <p:sldId id="327" r:id="rId50"/>
+    <p:sldId id="308" r:id="rId51"/>
+    <p:sldId id="309" r:id="rId52"/>
+    <p:sldId id="333" r:id="rId53"/>
+    <p:sldId id="321" r:id="rId54"/>
+    <p:sldId id="329" r:id="rId55"/>
+    <p:sldId id="262" r:id="rId56"/>
   </p:sldIdLst>
   <p:sldSz cx="12192000" cy="6858000"/>
   <p:notesSz cx="6858000" cy="9144000"/>
@@ -11785,7 +11788,7 @@
           <a:p>
             <a:fld id="{FF084CBC-36E0-4CC0-918D-767D7E309F2F}" type="datetimeFigureOut">
               <a:rPr lang="en-US" smtClean="0"/>
-              <a:t>11/21/2021</a:t>
+              <a:t>11/22/2021</a:t>
             </a:fld>
             <a:endParaRPr lang="en-US"/>
           </a:p>
@@ -12519,6 +12522,177 @@
           <a:bodyPr/>
           <a:lstStyle/>
           <a:p>
+            <a:r>
+              <a:rPr lang="de-AT" dirty="0"/>
+              <a:t>https://datatracker.ietf.org/doc/html/draft-ietf-oauth-security-topics-18#section-4.13</a:t>
+            </a:r>
+          </a:p>
+        </p:txBody>
+      </p:sp>
+      <p:sp>
+        <p:nvSpPr>
+          <p:cNvPr id="4" name="Slide Number Placeholder 3"/>
+          <p:cNvSpPr>
+            <a:spLocks noGrp="1"/>
+          </p:cNvSpPr>
+          <p:nvPr>
+            <p:ph type="sldNum" sz="quarter" idx="5"/>
+          </p:nvPr>
+        </p:nvSpPr>
+        <p:spPr/>
+        <p:txBody>
+          <a:bodyPr/>
+          <a:lstStyle/>
+          <a:p>
+            <a:fld id="{CFBC01FF-781E-4D25-A720-185C2D90034C}" type="slidenum">
+              <a:rPr lang="en-US" smtClean="0"/>
+              <a:t>46</a:t>
+            </a:fld>
+            <a:endParaRPr lang="en-US"/>
+          </a:p>
+        </p:txBody>
+      </p:sp>
+    </p:spTree>
+    <p:extLst>
+      <p:ext uri="{BB962C8B-B14F-4D97-AF65-F5344CB8AC3E}">
+        <p14:creationId xmlns:p14="http://schemas.microsoft.com/office/powerpoint/2010/main" val="4114863471"/>
+      </p:ext>
+    </p:extLst>
+  </p:cSld>
+  <p:clrMapOvr>
+    <a:masterClrMapping/>
+  </p:clrMapOvr>
+</p:notes>
+</file>
+
+<file path=ppt/notesSlides/notesSlide15.xml><?xml version="1.0" encoding="utf-8"?>
+<p:notes xmlns:a="http://schemas.openxmlformats.org/drawingml/2006/main" xmlns:r="http://schemas.openxmlformats.org/officeDocument/2006/relationships" xmlns:p="http://schemas.openxmlformats.org/presentationml/2006/main">
+  <p:cSld>
+    <p:spTree>
+      <p:nvGrpSpPr>
+        <p:cNvPr id="1" name=""/>
+        <p:cNvGrpSpPr/>
+        <p:nvPr/>
+      </p:nvGrpSpPr>
+      <p:grpSpPr>
+        <a:xfrm>
+          <a:off x="0" y="0"/>
+          <a:ext cx="0" cy="0"/>
+          <a:chOff x="0" y="0"/>
+          <a:chExt cx="0" cy="0"/>
+        </a:xfrm>
+      </p:grpSpPr>
+      <p:sp>
+        <p:nvSpPr>
+          <p:cNvPr id="2" name="Slide Image Placeholder 1"/>
+          <p:cNvSpPr>
+            <a:spLocks noGrp="1" noRot="1" noChangeAspect="1"/>
+          </p:cNvSpPr>
+          <p:nvPr>
+            <p:ph type="sldImg"/>
+          </p:nvPr>
+        </p:nvSpPr>
+        <p:spPr/>
+      </p:sp>
+      <p:sp>
+        <p:nvSpPr>
+          <p:cNvPr id="3" name="Notes Placeholder 2"/>
+          <p:cNvSpPr>
+            <a:spLocks noGrp="1"/>
+          </p:cNvSpPr>
+          <p:nvPr>
+            <p:ph type="body" idx="1"/>
+          </p:nvPr>
+        </p:nvSpPr>
+        <p:spPr/>
+        <p:txBody>
+          <a:bodyPr/>
+          <a:lstStyle/>
+          <a:p>
+            <a:endParaRPr lang="de-AT" dirty="0"/>
+          </a:p>
+        </p:txBody>
+      </p:sp>
+      <p:sp>
+        <p:nvSpPr>
+          <p:cNvPr id="4" name="Slide Number Placeholder 3"/>
+          <p:cNvSpPr>
+            <a:spLocks noGrp="1"/>
+          </p:cNvSpPr>
+          <p:nvPr>
+            <p:ph type="sldNum" sz="quarter" idx="5"/>
+          </p:nvPr>
+        </p:nvSpPr>
+        <p:spPr/>
+        <p:txBody>
+          <a:bodyPr/>
+          <a:lstStyle/>
+          <a:p>
+            <a:fld id="{CFBC01FF-781E-4D25-A720-185C2D90034C}" type="slidenum">
+              <a:rPr lang="en-US" smtClean="0"/>
+              <a:t>47</a:t>
+            </a:fld>
+            <a:endParaRPr lang="en-US"/>
+          </a:p>
+        </p:txBody>
+      </p:sp>
+    </p:spTree>
+    <p:extLst>
+      <p:ext uri="{BB962C8B-B14F-4D97-AF65-F5344CB8AC3E}">
+        <p14:creationId xmlns:p14="http://schemas.microsoft.com/office/powerpoint/2010/main" val="842541610"/>
+      </p:ext>
+    </p:extLst>
+  </p:cSld>
+  <p:clrMapOvr>
+    <a:masterClrMapping/>
+  </p:clrMapOvr>
+</p:notes>
+</file>
+
+<file path=ppt/notesSlides/notesSlide16.xml><?xml version="1.0" encoding="utf-8"?>
+<p:notes xmlns:a="http://schemas.openxmlformats.org/drawingml/2006/main" xmlns:r="http://schemas.openxmlformats.org/officeDocument/2006/relationships" xmlns:p="http://schemas.openxmlformats.org/presentationml/2006/main">
+  <p:cSld>
+    <p:spTree>
+      <p:nvGrpSpPr>
+        <p:cNvPr id="1" name=""/>
+        <p:cNvGrpSpPr/>
+        <p:nvPr/>
+      </p:nvGrpSpPr>
+      <p:grpSpPr>
+        <a:xfrm>
+          <a:off x="0" y="0"/>
+          <a:ext cx="0" cy="0"/>
+          <a:chOff x="0" y="0"/>
+          <a:chExt cx="0" cy="0"/>
+        </a:xfrm>
+      </p:grpSpPr>
+      <p:sp>
+        <p:nvSpPr>
+          <p:cNvPr id="2" name="Slide Image Placeholder 1"/>
+          <p:cNvSpPr>
+            <a:spLocks noGrp="1" noRot="1" noChangeAspect="1"/>
+          </p:cNvSpPr>
+          <p:nvPr>
+            <p:ph type="sldImg"/>
+          </p:nvPr>
+        </p:nvSpPr>
+        <p:spPr/>
+      </p:sp>
+      <p:sp>
+        <p:nvSpPr>
+          <p:cNvPr id="3" name="Notes Placeholder 2"/>
+          <p:cNvSpPr>
+            <a:spLocks noGrp="1"/>
+          </p:cNvSpPr>
+          <p:nvPr>
+            <p:ph type="body" idx="1"/>
+          </p:nvPr>
+        </p:nvSpPr>
+        <p:spPr/>
+        <p:txBody>
+          <a:bodyPr/>
+          <a:lstStyle/>
+          <a:p>
             <a:endParaRPr lang="en-US" dirty="0"/>
           </a:p>
         </p:txBody>
@@ -12540,7 +12714,7 @@
           <a:p>
             <a:fld id="{CFBC01FF-781E-4D25-A720-185C2D90034C}" type="slidenum">
               <a:rPr lang="en-US" smtClean="0"/>
-              <a:t>48</a:t>
+              <a:t>50</a:t>
             </a:fld>
             <a:endParaRPr lang="en-US"/>
           </a:p>
@@ -13412,7 +13586,7 @@
           <a:p>
             <a:fld id="{8272ECE3-2878-47BE-B879-BFDD2207B1DF}" type="datetimeFigureOut">
               <a:rPr lang="en-US" smtClean="0"/>
-              <a:t>11/21/2021</a:t>
+              <a:t>11/22/2021</a:t>
             </a:fld>
             <a:endParaRPr lang="en-US"/>
           </a:p>
@@ -13610,7 +13784,7 @@
           <a:p>
             <a:fld id="{8272ECE3-2878-47BE-B879-BFDD2207B1DF}" type="datetimeFigureOut">
               <a:rPr lang="en-US" smtClean="0"/>
-              <a:t>11/21/2021</a:t>
+              <a:t>11/22/2021</a:t>
             </a:fld>
             <a:endParaRPr lang="en-US"/>
           </a:p>
@@ -13818,7 +13992,7 @@
           <a:p>
             <a:fld id="{8272ECE3-2878-47BE-B879-BFDD2207B1DF}" type="datetimeFigureOut">
               <a:rPr lang="en-US" smtClean="0"/>
-              <a:t>11/21/2021</a:t>
+              <a:t>11/22/2021</a:t>
             </a:fld>
             <a:endParaRPr lang="en-US"/>
           </a:p>
@@ -14016,7 +14190,7 @@
           <a:p>
             <a:fld id="{8272ECE3-2878-47BE-B879-BFDD2207B1DF}" type="datetimeFigureOut">
               <a:rPr lang="en-US" smtClean="0"/>
-              <a:t>11/21/2021</a:t>
+              <a:t>11/22/2021</a:t>
             </a:fld>
             <a:endParaRPr lang="en-US"/>
           </a:p>
@@ -14291,7 +14465,7 @@
           <a:p>
             <a:fld id="{8272ECE3-2878-47BE-B879-BFDD2207B1DF}" type="datetimeFigureOut">
               <a:rPr lang="en-US" smtClean="0"/>
-              <a:t>11/21/2021</a:t>
+              <a:t>11/22/2021</a:t>
             </a:fld>
             <a:endParaRPr lang="en-US"/>
           </a:p>
@@ -14556,7 +14730,7 @@
           <a:p>
             <a:fld id="{8272ECE3-2878-47BE-B879-BFDD2207B1DF}" type="datetimeFigureOut">
               <a:rPr lang="en-US" smtClean="0"/>
-              <a:t>11/21/2021</a:t>
+              <a:t>11/22/2021</a:t>
             </a:fld>
             <a:endParaRPr lang="en-US"/>
           </a:p>
@@ -14968,7 +15142,7 @@
           <a:p>
             <a:fld id="{8272ECE3-2878-47BE-B879-BFDD2207B1DF}" type="datetimeFigureOut">
               <a:rPr lang="en-US" smtClean="0"/>
-              <a:t>11/21/2021</a:t>
+              <a:t>11/22/2021</a:t>
             </a:fld>
             <a:endParaRPr lang="en-US"/>
           </a:p>
@@ -15109,7 +15283,7 @@
           <a:p>
             <a:fld id="{8272ECE3-2878-47BE-B879-BFDD2207B1DF}" type="datetimeFigureOut">
               <a:rPr lang="en-US" smtClean="0"/>
-              <a:t>11/21/2021</a:t>
+              <a:t>11/22/2021</a:t>
             </a:fld>
             <a:endParaRPr lang="en-US"/>
           </a:p>
@@ -15222,7 +15396,7 @@
           <a:p>
             <a:fld id="{8272ECE3-2878-47BE-B879-BFDD2207B1DF}" type="datetimeFigureOut">
               <a:rPr lang="en-US" smtClean="0"/>
-              <a:t>11/21/2021</a:t>
+              <a:t>11/22/2021</a:t>
             </a:fld>
             <a:endParaRPr lang="en-US"/>
           </a:p>
@@ -15533,7 +15707,7 @@
           <a:p>
             <a:fld id="{8272ECE3-2878-47BE-B879-BFDD2207B1DF}" type="datetimeFigureOut">
               <a:rPr lang="en-US" smtClean="0"/>
-              <a:t>11/21/2021</a:t>
+              <a:t>11/22/2021</a:t>
             </a:fld>
             <a:endParaRPr lang="en-US"/>
           </a:p>
@@ -15821,7 +15995,7 @@
           <a:p>
             <a:fld id="{8272ECE3-2878-47BE-B879-BFDD2207B1DF}" type="datetimeFigureOut">
               <a:rPr lang="en-US" smtClean="0"/>
-              <a:t>11/21/2021</a:t>
+              <a:t>11/22/2021</a:t>
             </a:fld>
             <a:endParaRPr lang="en-US"/>
           </a:p>
@@ -16062,7 +16236,7 @@
           <a:p>
             <a:fld id="{8272ECE3-2878-47BE-B879-BFDD2207B1DF}" type="datetimeFigureOut">
               <a:rPr lang="en-US" smtClean="0"/>
-              <a:t>11/21/2021</a:t>
+              <a:t>11/22/2021</a:t>
             </a:fld>
             <a:endParaRPr lang="en-US"/>
           </a:p>
@@ -38676,6 +38850,1044 @@
       </p:grpSpPr>
       <p:sp>
         <p:nvSpPr>
+          <p:cNvPr id="4" name="Title 3">
+            <a:extLst>
+              <a:ext uri="{FF2B5EF4-FFF2-40B4-BE49-F238E27FC236}">
+                <a16:creationId xmlns:a16="http://schemas.microsoft.com/office/drawing/2014/main" id="{2B4AA342-048F-4EC1-9AEC-58DB48876605}"/>
+              </a:ext>
+            </a:extLst>
+          </p:cNvPr>
+          <p:cNvSpPr>
+            <a:spLocks noGrp="1"/>
+          </p:cNvSpPr>
+          <p:nvPr>
+            <p:ph type="title"/>
+          </p:nvPr>
+        </p:nvSpPr>
+        <p:spPr/>
+        <p:txBody>
+          <a:bodyPr/>
+          <a:lstStyle/>
+          <a:p>
+            <a:r>
+              <a:rPr lang="de-AT" dirty="0"/>
+              <a:t>Refresh Token Rotation</a:t>
+            </a:r>
+            <a:endParaRPr lang="en-US" dirty="0"/>
+          </a:p>
+        </p:txBody>
+      </p:sp>
+      <p:sp>
+        <p:nvSpPr>
+          <p:cNvPr id="3" name="Content Placeholder 2">
+            <a:extLst>
+              <a:ext uri="{FF2B5EF4-FFF2-40B4-BE49-F238E27FC236}">
+                <a16:creationId xmlns:a16="http://schemas.microsoft.com/office/drawing/2014/main" id="{4FE66D17-637A-4F3D-A319-D169687A7D29}"/>
+              </a:ext>
+            </a:extLst>
+          </p:cNvPr>
+          <p:cNvSpPr>
+            <a:spLocks noGrp="1"/>
+          </p:cNvSpPr>
+          <p:nvPr>
+            <p:ph idx="1"/>
+          </p:nvPr>
+        </p:nvSpPr>
+        <p:spPr/>
+        <p:txBody>
+          <a:bodyPr/>
+          <a:lstStyle/>
+          <a:p>
+            <a:pPr marL="0" indent="0">
+              <a:buNone/>
+            </a:pPr>
+            <a:r>
+              <a:rPr lang="de-AT" dirty="0"/>
+              <a:t>Best </a:t>
+            </a:r>
+            <a:r>
+              <a:rPr lang="de-AT" dirty="0" err="1"/>
+              <a:t>Current</a:t>
+            </a:r>
+            <a:r>
+              <a:rPr lang="de-AT" dirty="0"/>
+              <a:t> </a:t>
+            </a:r>
+            <a:r>
+              <a:rPr lang="de-AT" dirty="0" err="1"/>
+              <a:t>Pratice</a:t>
+            </a:r>
+            <a:r>
+              <a:rPr lang="de-AT" dirty="0"/>
+              <a:t> (</a:t>
+            </a:r>
+            <a:r>
+              <a:rPr lang="de-AT" dirty="0" err="1"/>
+              <a:t>Draft</a:t>
+            </a:r>
+            <a:r>
+              <a:rPr lang="de-AT" dirty="0"/>
+              <a:t>)</a:t>
+            </a:r>
+          </a:p>
+          <a:p>
+            <a:r>
+              <a:rPr lang="de-AT" dirty="0"/>
+              <a:t>Ermöglicht Erkennung missbräuchlich verwendeter Refresh Tokens</a:t>
+            </a:r>
+          </a:p>
+        </p:txBody>
+      </p:sp>
+      <p:grpSp>
+        <p:nvGrpSpPr>
+          <p:cNvPr id="5" name="Group 4">
+            <a:extLst>
+              <a:ext uri="{FF2B5EF4-FFF2-40B4-BE49-F238E27FC236}">
+                <a16:creationId xmlns:a16="http://schemas.microsoft.com/office/drawing/2014/main" id="{F47D7DD6-A472-4862-8167-336006141033}"/>
+              </a:ext>
+            </a:extLst>
+          </p:cNvPr>
+          <p:cNvGrpSpPr/>
+          <p:nvPr/>
+        </p:nvGrpSpPr>
+        <p:grpSpPr>
+          <a:xfrm>
+            <a:off x="1197661" y="4213202"/>
+            <a:ext cx="1446924" cy="1440743"/>
+            <a:chOff x="974256" y="4958709"/>
+            <a:chExt cx="1446924" cy="1440743"/>
+          </a:xfrm>
+        </p:grpSpPr>
+        <p:pic>
+          <p:nvPicPr>
+            <p:cNvPr id="6" name="Graphic 5">
+              <a:extLst>
+                <a:ext uri="{FF2B5EF4-FFF2-40B4-BE49-F238E27FC236}">
+                  <a16:creationId xmlns:a16="http://schemas.microsoft.com/office/drawing/2014/main" id="{E76BB2E9-4EB9-4786-8296-9CAE351F9093}"/>
+                </a:ext>
+              </a:extLst>
+            </p:cNvPr>
+            <p:cNvPicPr>
+              <a:picLocks noChangeAspect="1"/>
+            </p:cNvPicPr>
+            <p:nvPr/>
+          </p:nvPicPr>
+          <p:blipFill>
+            <a:blip r:embed="rId3" cstate="hqprint">
+              <a:extLst>
+                <a:ext uri="{28A0092B-C50C-407E-A947-70E740481C1C}">
+                  <a14:useLocalDpi xmlns:a14="http://schemas.microsoft.com/office/drawing/2010/main" val="0"/>
+                </a:ext>
+                <a:ext uri="{96DAC541-7B7A-43D3-8B79-37D633B846F1}">
+                  <asvg:svgBlip xmlns:asvg="http://schemas.microsoft.com/office/drawing/2016/SVG/main" r:embed="rId4"/>
+                </a:ext>
+              </a:extLst>
+            </a:blip>
+            <a:stretch>
+              <a:fillRect/>
+            </a:stretch>
+          </p:blipFill>
+          <p:spPr>
+            <a:xfrm flipH="1">
+              <a:off x="1211718" y="4958709"/>
+              <a:ext cx="972000" cy="972000"/>
+            </a:xfrm>
+            <a:prstGeom prst="rect">
+              <a:avLst/>
+            </a:prstGeom>
+          </p:spPr>
+        </p:pic>
+        <p:sp>
+          <p:nvSpPr>
+            <p:cNvPr id="7" name="TextBox 6">
+              <a:extLst>
+                <a:ext uri="{FF2B5EF4-FFF2-40B4-BE49-F238E27FC236}">
+                  <a16:creationId xmlns:a16="http://schemas.microsoft.com/office/drawing/2014/main" id="{74CC070D-0708-4670-914B-527CDBDFBCCD}"/>
+                </a:ext>
+              </a:extLst>
+            </p:cNvPr>
+            <p:cNvSpPr txBox="1"/>
+            <p:nvPr/>
+          </p:nvSpPr>
+          <p:spPr>
+            <a:xfrm>
+              <a:off x="974256" y="5937787"/>
+              <a:ext cx="1446924" cy="461665"/>
+            </a:xfrm>
+            <a:prstGeom prst="rect">
+              <a:avLst/>
+            </a:prstGeom>
+            <a:noFill/>
+          </p:spPr>
+          <p:txBody>
+            <a:bodyPr wrap="square" rtlCol="0">
+              <a:spAutoFit/>
+            </a:bodyPr>
+            <a:lstStyle/>
+            <a:p>
+              <a:pPr algn="ctr"/>
+              <a:r>
+                <a:rPr lang="de-AT" sz="1200" dirty="0"/>
+                <a:t>Public Client</a:t>
+              </a:r>
+            </a:p>
+            <a:p>
+              <a:pPr algn="ctr"/>
+              <a:r>
+                <a:rPr lang="de-AT" sz="1200" dirty="0"/>
+                <a:t>(z.B. SPA)</a:t>
+              </a:r>
+              <a:endParaRPr lang="en-US" sz="1200" dirty="0"/>
+            </a:p>
+          </p:txBody>
+        </p:sp>
+      </p:grpSp>
+      <p:grpSp>
+        <p:nvGrpSpPr>
+          <p:cNvPr id="8" name="Group 7">
+            <a:extLst>
+              <a:ext uri="{FF2B5EF4-FFF2-40B4-BE49-F238E27FC236}">
+                <a16:creationId xmlns:a16="http://schemas.microsoft.com/office/drawing/2014/main" id="{19684483-30D2-496D-ABD8-6E2C3B021E6E}"/>
+              </a:ext>
+            </a:extLst>
+          </p:cNvPr>
+          <p:cNvGrpSpPr/>
+          <p:nvPr/>
+        </p:nvGrpSpPr>
+        <p:grpSpPr>
+          <a:xfrm>
+            <a:off x="9029852" y="3730377"/>
+            <a:ext cx="1722477" cy="1866160"/>
+            <a:chOff x="4233854" y="1261553"/>
+            <a:chExt cx="1722477" cy="1866160"/>
+          </a:xfrm>
+        </p:grpSpPr>
+        <p:grpSp>
+          <p:nvGrpSpPr>
+            <p:cNvPr id="9" name="Group 8">
+              <a:extLst>
+                <a:ext uri="{FF2B5EF4-FFF2-40B4-BE49-F238E27FC236}">
+                  <a16:creationId xmlns:a16="http://schemas.microsoft.com/office/drawing/2014/main" id="{3273CB6E-104C-4E34-B61B-56F7C558AA84}"/>
+                </a:ext>
+              </a:extLst>
+            </p:cNvPr>
+            <p:cNvGrpSpPr/>
+            <p:nvPr/>
+          </p:nvGrpSpPr>
+          <p:grpSpPr>
+            <a:xfrm>
+              <a:off x="4233854" y="1261553"/>
+              <a:ext cx="1439717" cy="1382102"/>
+              <a:chOff x="6711985" y="1075720"/>
+              <a:chExt cx="1439717" cy="1382102"/>
+            </a:xfrm>
+          </p:grpSpPr>
+          <p:pic>
+            <p:nvPicPr>
+              <p:cNvPr id="11" name="Graphic 10">
+                <a:extLst>
+                  <a:ext uri="{FF2B5EF4-FFF2-40B4-BE49-F238E27FC236}">
+                    <a16:creationId xmlns:a16="http://schemas.microsoft.com/office/drawing/2014/main" id="{B3EE7B7D-2371-4005-AAE3-21B46D83E511}"/>
+                  </a:ext>
+                </a:extLst>
+              </p:cNvPr>
+              <p:cNvPicPr>
+                <a:picLocks noChangeAspect="1"/>
+              </p:cNvPicPr>
+              <p:nvPr/>
+            </p:nvPicPr>
+            <p:blipFill>
+              <a:blip r:embed="rId5" cstate="hqprint">
+                <a:extLst>
+                  <a:ext uri="{28A0092B-C50C-407E-A947-70E740481C1C}">
+                    <a14:useLocalDpi xmlns:a14="http://schemas.microsoft.com/office/drawing/2010/main" val="0"/>
+                  </a:ext>
+                  <a:ext uri="{96DAC541-7B7A-43D3-8B79-37D633B846F1}">
+                    <asvg:svgBlip xmlns:asvg="http://schemas.microsoft.com/office/drawing/2016/SVG/main" r:embed="rId6"/>
+                  </a:ext>
+                </a:extLst>
+              </a:blip>
+              <a:stretch>
+                <a:fillRect/>
+              </a:stretch>
+            </p:blipFill>
+            <p:spPr>
+              <a:xfrm>
+                <a:off x="6711985" y="1075720"/>
+                <a:ext cx="720000" cy="576000"/>
+              </a:xfrm>
+              <a:prstGeom prst="rect">
+                <a:avLst/>
+              </a:prstGeom>
+            </p:spPr>
+          </p:pic>
+          <p:pic>
+            <p:nvPicPr>
+              <p:cNvPr id="12" name="Graphic 11">
+                <a:extLst>
+                  <a:ext uri="{FF2B5EF4-FFF2-40B4-BE49-F238E27FC236}">
+                    <a16:creationId xmlns:a16="http://schemas.microsoft.com/office/drawing/2014/main" id="{49BE7030-3ADE-4862-823E-8BFB05EE3C90}"/>
+                  </a:ext>
+                </a:extLst>
+              </p:cNvPr>
+              <p:cNvPicPr>
+                <a:picLocks noChangeAspect="1"/>
+              </p:cNvPicPr>
+              <p:nvPr/>
+            </p:nvPicPr>
+            <p:blipFill>
+              <a:blip r:embed="rId7" cstate="hqprint">
+                <a:extLst>
+                  <a:ext uri="{28A0092B-C50C-407E-A947-70E740481C1C}">
+                    <a14:useLocalDpi xmlns:a14="http://schemas.microsoft.com/office/drawing/2010/main" val="0"/>
+                  </a:ext>
+                  <a:ext uri="{96DAC541-7B7A-43D3-8B79-37D633B846F1}">
+                    <asvg:svgBlip xmlns:asvg="http://schemas.microsoft.com/office/drawing/2016/SVG/main" r:embed="rId8"/>
+                  </a:ext>
+                </a:extLst>
+              </a:blip>
+              <a:stretch>
+                <a:fillRect/>
+              </a:stretch>
+            </p:blipFill>
+            <p:spPr>
+              <a:xfrm>
+                <a:off x="7215702" y="1521822"/>
+                <a:ext cx="936000" cy="936000"/>
+              </a:xfrm>
+              <a:prstGeom prst="rect">
+                <a:avLst/>
+              </a:prstGeom>
+            </p:spPr>
+          </p:pic>
+        </p:grpSp>
+        <p:sp>
+          <p:nvSpPr>
+            <p:cNvPr id="10" name="TextBox 9">
+              <a:extLst>
+                <a:ext uri="{FF2B5EF4-FFF2-40B4-BE49-F238E27FC236}">
+                  <a16:creationId xmlns:a16="http://schemas.microsoft.com/office/drawing/2014/main" id="{77313211-4B6A-4F2E-9D8E-7236FDCB0C7D}"/>
+                </a:ext>
+              </a:extLst>
+            </p:cNvPr>
+            <p:cNvSpPr txBox="1"/>
+            <p:nvPr/>
+          </p:nvSpPr>
+          <p:spPr>
+            <a:xfrm>
+              <a:off x="4509407" y="2666048"/>
+              <a:ext cx="1446924" cy="461665"/>
+            </a:xfrm>
+            <a:prstGeom prst="rect">
+              <a:avLst/>
+            </a:prstGeom>
+            <a:noFill/>
+          </p:spPr>
+          <p:txBody>
+            <a:bodyPr wrap="square" rtlCol="0">
+              <a:spAutoFit/>
+            </a:bodyPr>
+            <a:lstStyle/>
+            <a:p>
+              <a:pPr algn="ctr"/>
+              <a:r>
+                <a:rPr lang="de-AT" sz="1200" dirty="0" err="1"/>
+                <a:t>Authorization</a:t>
+              </a:r>
+              <a:r>
+                <a:rPr lang="de-AT" sz="1200" dirty="0"/>
+                <a:t> Server</a:t>
+              </a:r>
+              <a:endParaRPr lang="en-US" sz="1200" dirty="0"/>
+            </a:p>
+          </p:txBody>
+        </p:sp>
+      </p:grpSp>
+      <p:grpSp>
+        <p:nvGrpSpPr>
+          <p:cNvPr id="16" name="Group 15">
+            <a:extLst>
+              <a:ext uri="{FF2B5EF4-FFF2-40B4-BE49-F238E27FC236}">
+                <a16:creationId xmlns:a16="http://schemas.microsoft.com/office/drawing/2014/main" id="{32BFA7FB-C4C8-4C7A-9822-5CF76FFCDF0D}"/>
+              </a:ext>
+            </a:extLst>
+          </p:cNvPr>
+          <p:cNvGrpSpPr/>
+          <p:nvPr/>
+        </p:nvGrpSpPr>
+        <p:grpSpPr>
+          <a:xfrm rot="5400000">
+            <a:off x="5653515" y="1938913"/>
+            <a:ext cx="461665" cy="3582928"/>
+            <a:chOff x="3391111" y="2943383"/>
+            <a:chExt cx="461665" cy="2539308"/>
+          </a:xfrm>
+        </p:grpSpPr>
+        <p:sp>
+          <p:nvSpPr>
+            <p:cNvPr id="17" name="TextBox 16">
+              <a:extLst>
+                <a:ext uri="{FF2B5EF4-FFF2-40B4-BE49-F238E27FC236}">
+                  <a16:creationId xmlns:a16="http://schemas.microsoft.com/office/drawing/2014/main" id="{D1CEEF7D-A403-4D26-8144-FB0EB3A7A397}"/>
+                </a:ext>
+              </a:extLst>
+            </p:cNvPr>
+            <p:cNvSpPr txBox="1"/>
+            <p:nvPr/>
+          </p:nvSpPr>
+          <p:spPr>
+            <a:xfrm rot="16200000">
+              <a:off x="2352290" y="3982204"/>
+              <a:ext cx="2539308" cy="461665"/>
+            </a:xfrm>
+            <a:prstGeom prst="rect">
+              <a:avLst/>
+            </a:prstGeom>
+            <a:noFill/>
+          </p:spPr>
+          <p:txBody>
+            <a:bodyPr wrap="square" rtlCol="0">
+              <a:spAutoFit/>
+            </a:bodyPr>
+            <a:lstStyle>
+              <a:defPPr>
+                <a:defRPr lang="en-US"/>
+              </a:defPPr>
+              <a:lvl1pPr>
+                <a:defRPr sz="1200">
+                  <a:solidFill>
+                    <a:schemeClr val="bg1">
+                      <a:lumMod val="50000"/>
+                    </a:schemeClr>
+                  </a:solidFill>
+                </a:defRPr>
+              </a:lvl1pPr>
+            </a:lstStyle>
+            <a:p>
+              <a:pPr algn="ctr"/>
+              <a:r>
+                <a:rPr lang="de-AT" dirty="0"/>
+                <a:t>1. </a:t>
+              </a:r>
+              <a:r>
+                <a:rPr lang="de-AT" i="1" dirty="0"/>
+                <a:t>Client</a:t>
+              </a:r>
+              <a:r>
+                <a:rPr lang="de-AT" dirty="0"/>
+                <a:t> </a:t>
+              </a:r>
+              <a:r>
+                <a:rPr lang="de-AT" dirty="0" err="1"/>
+                <a:t>authorisiert</a:t>
+              </a:r>
+              <a:r>
+                <a:rPr lang="de-AT" dirty="0"/>
+                <a:t> sich mit </a:t>
+              </a:r>
+              <a:r>
+                <a:rPr lang="de-AT" i="1" dirty="0" err="1"/>
+                <a:t>Authorization</a:t>
+              </a:r>
+              <a:r>
+                <a:rPr lang="de-AT" i="1" dirty="0"/>
+                <a:t> Code und Code </a:t>
+              </a:r>
+              <a:r>
+                <a:rPr lang="de-AT" i="1" dirty="0" err="1"/>
+                <a:t>Verifier</a:t>
+              </a:r>
+              <a:endParaRPr lang="en-US" i="1" dirty="0"/>
+            </a:p>
+          </p:txBody>
+        </p:sp>
+        <p:cxnSp>
+          <p:nvCxnSpPr>
+            <p:cNvPr id="18" name="Straight Arrow Connector 17">
+              <a:extLst>
+                <a:ext uri="{FF2B5EF4-FFF2-40B4-BE49-F238E27FC236}">
+                  <a16:creationId xmlns:a16="http://schemas.microsoft.com/office/drawing/2014/main" id="{2711C8DF-C5AD-4F37-8CAE-4B44749CCFB5}"/>
+                </a:ext>
+              </a:extLst>
+            </p:cNvPr>
+            <p:cNvCxnSpPr>
+              <a:cxnSpLocks/>
+            </p:cNvCxnSpPr>
+            <p:nvPr/>
+          </p:nvCxnSpPr>
+          <p:spPr>
+            <a:xfrm rot="16200000" flipV="1">
+              <a:off x="2596138" y="4198259"/>
+              <a:ext cx="2493020" cy="19277"/>
+            </a:xfrm>
+            <a:prstGeom prst="straightConnector1">
+              <a:avLst/>
+            </a:prstGeom>
+            <a:ln>
+              <a:prstDash val="dash"/>
+              <a:tailEnd type="triangle"/>
+            </a:ln>
+          </p:spPr>
+          <p:style>
+            <a:lnRef idx="3">
+              <a:schemeClr val="accent3"/>
+            </a:lnRef>
+            <a:fillRef idx="0">
+              <a:schemeClr val="accent3"/>
+            </a:fillRef>
+            <a:effectRef idx="2">
+              <a:schemeClr val="accent3"/>
+            </a:effectRef>
+            <a:fontRef idx="minor">
+              <a:schemeClr val="tx1"/>
+            </a:fontRef>
+          </p:style>
+        </p:cxnSp>
+      </p:grpSp>
+      <p:cxnSp>
+        <p:nvCxnSpPr>
+          <p:cNvPr id="19" name="Connector: Curved 18">
+            <a:extLst>
+              <a:ext uri="{FF2B5EF4-FFF2-40B4-BE49-F238E27FC236}">
+                <a16:creationId xmlns:a16="http://schemas.microsoft.com/office/drawing/2014/main" id="{2582C3B7-56C4-493B-81A0-A37B5A868FDF}"/>
+              </a:ext>
+            </a:extLst>
+          </p:cNvPr>
+          <p:cNvCxnSpPr>
+            <a:cxnSpLocks/>
+            <a:stCxn id="12" idx="0"/>
+            <a:endCxn id="12" idx="3"/>
+          </p:cNvCxnSpPr>
+          <p:nvPr/>
+        </p:nvCxnSpPr>
+        <p:spPr>
+          <a:xfrm rot="16200000" flipH="1">
+            <a:off x="10001569" y="4176479"/>
+            <a:ext cx="468000" cy="468000"/>
+          </a:xfrm>
+          <a:prstGeom prst="curvedConnector4">
+            <a:avLst>
+              <a:gd name="adj1" fmla="val -48846"/>
+              <a:gd name="adj2" fmla="val 148846"/>
+            </a:avLst>
+          </a:prstGeom>
+          <a:ln>
+            <a:tailEnd type="triangle"/>
+          </a:ln>
+        </p:spPr>
+        <p:style>
+          <a:lnRef idx="3">
+            <a:schemeClr val="accent3"/>
+          </a:lnRef>
+          <a:fillRef idx="0">
+            <a:schemeClr val="accent3"/>
+          </a:fillRef>
+          <a:effectRef idx="2">
+            <a:schemeClr val="accent3"/>
+          </a:effectRef>
+          <a:fontRef idx="minor">
+            <a:schemeClr val="tx1"/>
+          </a:fontRef>
+        </p:style>
+      </p:cxnSp>
+      <p:cxnSp>
+        <p:nvCxnSpPr>
+          <p:cNvPr id="23" name="Straight Arrow Connector 22">
+            <a:extLst>
+              <a:ext uri="{FF2B5EF4-FFF2-40B4-BE49-F238E27FC236}">
+                <a16:creationId xmlns:a16="http://schemas.microsoft.com/office/drawing/2014/main" id="{BFE51ADF-EEB8-480E-8F35-A1336CE8BC84}"/>
+              </a:ext>
+            </a:extLst>
+          </p:cNvPr>
+          <p:cNvCxnSpPr>
+            <a:cxnSpLocks/>
+          </p:cNvCxnSpPr>
+          <p:nvPr/>
+        </p:nvCxnSpPr>
+        <p:spPr>
+          <a:xfrm rot="5400000">
+            <a:off x="5892184" y="2820547"/>
+            <a:ext cx="0" cy="3518783"/>
+          </a:xfrm>
+          <a:prstGeom prst="straightConnector1">
+            <a:avLst/>
+          </a:prstGeom>
+          <a:ln>
+            <a:prstDash val="dash"/>
+            <a:tailEnd type="triangle"/>
+          </a:ln>
+        </p:spPr>
+        <p:style>
+          <a:lnRef idx="3">
+            <a:schemeClr val="accent3"/>
+          </a:lnRef>
+          <a:fillRef idx="0">
+            <a:schemeClr val="accent3"/>
+          </a:fillRef>
+          <a:effectRef idx="2">
+            <a:schemeClr val="accent3"/>
+          </a:effectRef>
+          <a:fontRef idx="minor">
+            <a:schemeClr val="tx1"/>
+          </a:fontRef>
+        </p:style>
+      </p:cxnSp>
+      <p:sp>
+        <p:nvSpPr>
+          <p:cNvPr id="24" name="TextBox 23">
+            <a:extLst>
+              <a:ext uri="{FF2B5EF4-FFF2-40B4-BE49-F238E27FC236}">
+                <a16:creationId xmlns:a16="http://schemas.microsoft.com/office/drawing/2014/main" id="{379C94E6-CBE9-4504-AFC7-4CDB88574A9C}"/>
+              </a:ext>
+            </a:extLst>
+          </p:cNvPr>
+          <p:cNvSpPr txBox="1"/>
+          <p:nvPr/>
+        </p:nvSpPr>
+        <p:spPr>
+          <a:xfrm>
+            <a:off x="4194961" y="4143939"/>
+            <a:ext cx="3456615" cy="461665"/>
+          </a:xfrm>
+          <a:prstGeom prst="rect">
+            <a:avLst/>
+          </a:prstGeom>
+          <a:noFill/>
+        </p:spPr>
+        <p:txBody>
+          <a:bodyPr wrap="square" rtlCol="0">
+            <a:spAutoFit/>
+          </a:bodyPr>
+          <a:lstStyle>
+            <a:defPPr>
+              <a:defRPr lang="en-US"/>
+            </a:defPPr>
+            <a:lvl1pPr>
+              <a:defRPr sz="1200">
+                <a:solidFill>
+                  <a:schemeClr val="bg1">
+                    <a:lumMod val="50000"/>
+                  </a:schemeClr>
+                </a:solidFill>
+              </a:defRPr>
+            </a:lvl1pPr>
+          </a:lstStyle>
+          <a:p>
+            <a:pPr algn="ctr"/>
+            <a:r>
+              <a:rPr lang="de-AT" dirty="0"/>
+              <a:t>2. Erzeugt einen</a:t>
+            </a:r>
+            <a:r>
+              <a:rPr lang="de-AT" i="1" dirty="0"/>
+              <a:t> Access- (</a:t>
+            </a:r>
+            <a:r>
+              <a:rPr lang="de-AT" dirty="0"/>
+              <a:t>und optional </a:t>
+            </a:r>
+            <a:r>
+              <a:rPr lang="de-AT" i="1" dirty="0"/>
+              <a:t>Refresh) Token 1</a:t>
+            </a:r>
+            <a:endParaRPr lang="en-US" i="1" dirty="0"/>
+          </a:p>
+        </p:txBody>
+      </p:sp>
+      <p:cxnSp>
+        <p:nvCxnSpPr>
+          <p:cNvPr id="31" name="Straight Arrow Connector 30">
+            <a:extLst>
+              <a:ext uri="{FF2B5EF4-FFF2-40B4-BE49-F238E27FC236}">
+                <a16:creationId xmlns:a16="http://schemas.microsoft.com/office/drawing/2014/main" id="{4D61DF9F-5759-44EC-8F41-F9EE769B47FE}"/>
+              </a:ext>
+            </a:extLst>
+          </p:cNvPr>
+          <p:cNvCxnSpPr>
+            <a:cxnSpLocks/>
+          </p:cNvCxnSpPr>
+          <p:nvPr/>
+        </p:nvCxnSpPr>
+        <p:spPr>
+          <a:xfrm rot="5400000">
+            <a:off x="5861099" y="4428909"/>
+            <a:ext cx="0" cy="3518783"/>
+          </a:xfrm>
+          <a:prstGeom prst="straightConnector1">
+            <a:avLst/>
+          </a:prstGeom>
+          <a:ln>
+            <a:prstDash val="dash"/>
+            <a:tailEnd type="triangle"/>
+          </a:ln>
+        </p:spPr>
+        <p:style>
+          <a:lnRef idx="3">
+            <a:schemeClr val="accent3"/>
+          </a:lnRef>
+          <a:fillRef idx="0">
+            <a:schemeClr val="accent3"/>
+          </a:fillRef>
+          <a:effectRef idx="2">
+            <a:schemeClr val="accent3"/>
+          </a:effectRef>
+          <a:fontRef idx="minor">
+            <a:schemeClr val="tx1"/>
+          </a:fontRef>
+        </p:style>
+      </p:cxnSp>
+      <p:sp>
+        <p:nvSpPr>
+          <p:cNvPr id="32" name="TextBox 31">
+            <a:extLst>
+              <a:ext uri="{FF2B5EF4-FFF2-40B4-BE49-F238E27FC236}">
+                <a16:creationId xmlns:a16="http://schemas.microsoft.com/office/drawing/2014/main" id="{25771813-7133-4A41-8BA4-5CF6A244374B}"/>
+              </a:ext>
+            </a:extLst>
+          </p:cNvPr>
+          <p:cNvSpPr txBox="1"/>
+          <p:nvPr/>
+        </p:nvSpPr>
+        <p:spPr>
+          <a:xfrm>
+            <a:off x="4194961" y="4933574"/>
+            <a:ext cx="3456615" cy="461665"/>
+          </a:xfrm>
+          <a:prstGeom prst="rect">
+            <a:avLst/>
+          </a:prstGeom>
+          <a:noFill/>
+        </p:spPr>
+        <p:txBody>
+          <a:bodyPr wrap="square" rtlCol="0">
+            <a:spAutoFit/>
+          </a:bodyPr>
+          <a:lstStyle>
+            <a:defPPr>
+              <a:defRPr lang="en-US"/>
+            </a:defPPr>
+            <a:lvl1pPr>
+              <a:defRPr sz="1200">
+                <a:solidFill>
+                  <a:schemeClr val="bg1">
+                    <a:lumMod val="50000"/>
+                  </a:schemeClr>
+                </a:solidFill>
+              </a:defRPr>
+            </a:lvl1pPr>
+          </a:lstStyle>
+          <a:p>
+            <a:pPr algn="ctr"/>
+            <a:r>
+              <a:rPr lang="de-AT" dirty="0"/>
+              <a:t>3. Anforderung eines neuen Access Token mit Refresh Token 1</a:t>
+            </a:r>
+            <a:endParaRPr lang="en-US" i="1" dirty="0"/>
+          </a:p>
+        </p:txBody>
+      </p:sp>
+      <p:cxnSp>
+        <p:nvCxnSpPr>
+          <p:cNvPr id="36" name="Straight Arrow Connector 35">
+            <a:extLst>
+              <a:ext uri="{FF2B5EF4-FFF2-40B4-BE49-F238E27FC236}">
+                <a16:creationId xmlns:a16="http://schemas.microsoft.com/office/drawing/2014/main" id="{FCD2BC6A-3025-4F10-A191-4635D11CD468}"/>
+              </a:ext>
+            </a:extLst>
+          </p:cNvPr>
+          <p:cNvCxnSpPr>
+            <a:cxnSpLocks/>
+          </p:cNvCxnSpPr>
+          <p:nvPr/>
+        </p:nvCxnSpPr>
+        <p:spPr>
+          <a:xfrm flipV="1">
+            <a:off x="4133959" y="5400671"/>
+            <a:ext cx="3517617" cy="19277"/>
+          </a:xfrm>
+          <a:prstGeom prst="straightConnector1">
+            <a:avLst/>
+          </a:prstGeom>
+          <a:ln>
+            <a:prstDash val="dash"/>
+            <a:tailEnd type="triangle"/>
+          </a:ln>
+        </p:spPr>
+        <p:style>
+          <a:lnRef idx="3">
+            <a:schemeClr val="accent3"/>
+          </a:lnRef>
+          <a:fillRef idx="0">
+            <a:schemeClr val="accent3"/>
+          </a:fillRef>
+          <a:effectRef idx="2">
+            <a:schemeClr val="accent3"/>
+          </a:effectRef>
+          <a:fontRef idx="minor">
+            <a:schemeClr val="tx1"/>
+          </a:fontRef>
+        </p:style>
+      </p:cxnSp>
+      <p:sp>
+        <p:nvSpPr>
+          <p:cNvPr id="37" name="TextBox 36">
+            <a:extLst>
+              <a:ext uri="{FF2B5EF4-FFF2-40B4-BE49-F238E27FC236}">
+                <a16:creationId xmlns:a16="http://schemas.microsoft.com/office/drawing/2014/main" id="{5BE2BF0A-E329-4FA5-AAAB-83670C0EF89C}"/>
+              </a:ext>
+            </a:extLst>
+          </p:cNvPr>
+          <p:cNvSpPr txBox="1"/>
+          <p:nvPr/>
+        </p:nvSpPr>
+        <p:spPr>
+          <a:xfrm>
+            <a:off x="4163876" y="5726635"/>
+            <a:ext cx="3456615" cy="461665"/>
+          </a:xfrm>
+          <a:prstGeom prst="rect">
+            <a:avLst/>
+          </a:prstGeom>
+          <a:noFill/>
+        </p:spPr>
+        <p:txBody>
+          <a:bodyPr wrap="square" rtlCol="0">
+            <a:spAutoFit/>
+          </a:bodyPr>
+          <a:lstStyle>
+            <a:defPPr>
+              <a:defRPr lang="en-US"/>
+            </a:defPPr>
+            <a:lvl1pPr>
+              <a:defRPr sz="1200">
+                <a:solidFill>
+                  <a:schemeClr val="bg1">
+                    <a:lumMod val="50000"/>
+                  </a:schemeClr>
+                </a:solidFill>
+              </a:defRPr>
+            </a:lvl1pPr>
+          </a:lstStyle>
+          <a:p>
+            <a:pPr algn="ctr"/>
+            <a:r>
+              <a:rPr lang="de-AT" i="1" dirty="0"/>
+              <a:t>4. Erzeugt ein neues Access Token und ein neues Refresh Token 2</a:t>
+            </a:r>
+            <a:endParaRPr lang="en-US" i="1" dirty="0"/>
+          </a:p>
+        </p:txBody>
+      </p:sp>
+    </p:spTree>
+    <p:extLst>
+      <p:ext uri="{BB962C8B-B14F-4D97-AF65-F5344CB8AC3E}">
+        <p14:creationId xmlns:p14="http://schemas.microsoft.com/office/powerpoint/2010/main" val="686527897"/>
+      </p:ext>
+    </p:extLst>
+  </p:cSld>
+  <p:clrMapOvr>
+    <a:masterClrMapping/>
+  </p:clrMapOvr>
+</p:sld>
+</file>
+
+<file path=ppt/slides/slide47.xml><?xml version="1.0" encoding="utf-8"?>
+<p:sld xmlns:a="http://schemas.openxmlformats.org/drawingml/2006/main" xmlns:r="http://schemas.openxmlformats.org/officeDocument/2006/relationships" xmlns:p="http://schemas.openxmlformats.org/presentationml/2006/main">
+  <p:cSld>
+    <p:spTree>
+      <p:nvGrpSpPr>
+        <p:cNvPr id="1" name=""/>
+        <p:cNvGrpSpPr/>
+        <p:nvPr/>
+      </p:nvGrpSpPr>
+      <p:grpSpPr>
+        <a:xfrm>
+          <a:off x="0" y="0"/>
+          <a:ext cx="0" cy="0"/>
+          <a:chOff x="0" y="0"/>
+          <a:chExt cx="0" cy="0"/>
+        </a:xfrm>
+      </p:grpSpPr>
+      <p:sp>
+        <p:nvSpPr>
+          <p:cNvPr id="5" name="Title 4">
+            <a:extLst>
+              <a:ext uri="{FF2B5EF4-FFF2-40B4-BE49-F238E27FC236}">
+                <a16:creationId xmlns:a16="http://schemas.microsoft.com/office/drawing/2014/main" id="{9669D065-6F17-4963-900D-50C45C24AB59}"/>
+              </a:ext>
+            </a:extLst>
+          </p:cNvPr>
+          <p:cNvSpPr>
+            <a:spLocks noGrp="1"/>
+          </p:cNvSpPr>
+          <p:nvPr>
+            <p:ph type="title"/>
+          </p:nvPr>
+        </p:nvSpPr>
+        <p:spPr/>
+        <p:txBody>
+          <a:bodyPr/>
+          <a:lstStyle/>
+          <a:p>
+            <a:r>
+              <a:rPr lang="de-AT" dirty="0"/>
+              <a:t>Zusammenfassung</a:t>
+            </a:r>
+            <a:endParaRPr lang="en-US" dirty="0"/>
+          </a:p>
+        </p:txBody>
+      </p:sp>
+      <p:sp>
+        <p:nvSpPr>
+          <p:cNvPr id="6" name="Text Placeholder 5">
+            <a:extLst>
+              <a:ext uri="{FF2B5EF4-FFF2-40B4-BE49-F238E27FC236}">
+                <a16:creationId xmlns:a16="http://schemas.microsoft.com/office/drawing/2014/main" id="{C6AB916B-34BA-419E-9C93-C8EDF2A4832D}"/>
+              </a:ext>
+            </a:extLst>
+          </p:cNvPr>
+          <p:cNvSpPr>
+            <a:spLocks noGrp="1"/>
+          </p:cNvSpPr>
+          <p:nvPr>
+            <p:ph type="body" idx="1"/>
+          </p:nvPr>
+        </p:nvSpPr>
+        <p:spPr/>
+        <p:txBody>
+          <a:bodyPr/>
+          <a:lstStyle/>
+          <a:p>
+            <a:endParaRPr lang="en-US" dirty="0"/>
+          </a:p>
+        </p:txBody>
+      </p:sp>
+      <p:pic>
+        <p:nvPicPr>
+          <p:cNvPr id="4" name="Picture 4" descr="Bildergebnis fÃ¼r openid connect">
+            <a:extLst>
+              <a:ext uri="{FF2B5EF4-FFF2-40B4-BE49-F238E27FC236}">
+                <a16:creationId xmlns:a16="http://schemas.microsoft.com/office/drawing/2014/main" id="{B1CF878A-E214-4B07-B017-0AD96D518EC7}"/>
+              </a:ext>
+            </a:extLst>
+          </p:cNvPr>
+          <p:cNvPicPr>
+            <a:picLocks noChangeAspect="1" noChangeArrowheads="1"/>
+          </p:cNvPicPr>
+          <p:nvPr/>
+        </p:nvPicPr>
+        <p:blipFill>
+          <a:blip r:embed="rId3">
+            <a:extLst>
+              <a:ext uri="{28A0092B-C50C-407E-A947-70E740481C1C}">
+                <a14:useLocalDpi xmlns:a14="http://schemas.microsoft.com/office/drawing/2010/main" val="0"/>
+              </a:ext>
+            </a:extLst>
+          </a:blip>
+          <a:srcRect/>
+          <a:stretch>
+            <a:fillRect/>
+          </a:stretch>
+        </p:blipFill>
+        <p:spPr bwMode="auto">
+          <a:xfrm>
+            <a:off x="10555200" y="397497"/>
+            <a:ext cx="1116982" cy="1116982"/>
+          </a:xfrm>
+          <a:prstGeom prst="rect">
+            <a:avLst/>
+          </a:prstGeom>
+          <a:noFill/>
+          <a:extLst>
+            <a:ext uri="{909E8E84-426E-40DD-AFC4-6F175D3DCCD1}">
+              <a14:hiddenFill xmlns:a14="http://schemas.microsoft.com/office/drawing/2010/main">
+                <a:solidFill>
+                  <a:srgbClr val="FFFFFF"/>
+                </a:solidFill>
+              </a14:hiddenFill>
+            </a:ext>
+          </a:extLst>
+        </p:spPr>
+      </p:pic>
+      <p:pic>
+        <p:nvPicPr>
+          <p:cNvPr id="7" name="Picture 6" descr="Bildergebnis fÃ¼r oauth icon">
+            <a:extLst>
+              <a:ext uri="{FF2B5EF4-FFF2-40B4-BE49-F238E27FC236}">
+                <a16:creationId xmlns:a16="http://schemas.microsoft.com/office/drawing/2014/main" id="{BB4617E3-42A7-4ED5-A8F8-C058C298F3BD}"/>
+              </a:ext>
+            </a:extLst>
+          </p:cNvPr>
+          <p:cNvPicPr>
+            <a:picLocks noChangeAspect="1" noChangeArrowheads="1"/>
+          </p:cNvPicPr>
+          <p:nvPr/>
+        </p:nvPicPr>
+        <p:blipFill>
+          <a:blip r:embed="rId4" cstate="hqprint">
+            <a:extLst>
+              <a:ext uri="{28A0092B-C50C-407E-A947-70E740481C1C}">
+                <a14:useLocalDpi xmlns:a14="http://schemas.microsoft.com/office/drawing/2010/main" val="0"/>
+              </a:ext>
+            </a:extLst>
+          </a:blip>
+          <a:srcRect/>
+          <a:stretch>
+            <a:fillRect/>
+          </a:stretch>
+        </p:blipFill>
+        <p:spPr bwMode="auto">
+          <a:xfrm>
+            <a:off x="9193125" y="360861"/>
+            <a:ext cx="1195091" cy="1190253"/>
+          </a:xfrm>
+          <a:prstGeom prst="rect">
+            <a:avLst/>
+          </a:prstGeom>
+          <a:noFill/>
+          <a:extLst>
+            <a:ext uri="{909E8E84-426E-40DD-AFC4-6F175D3DCCD1}">
+              <a14:hiddenFill xmlns:a14="http://schemas.microsoft.com/office/drawing/2010/main">
+                <a:solidFill>
+                  <a:srgbClr val="FFFFFF"/>
+                </a:solidFill>
+              </a14:hiddenFill>
+            </a:ext>
+          </a:extLst>
+        </p:spPr>
+      </p:pic>
+    </p:spTree>
+    <p:extLst>
+      <p:ext uri="{BB962C8B-B14F-4D97-AF65-F5344CB8AC3E}">
+        <p14:creationId xmlns:p14="http://schemas.microsoft.com/office/powerpoint/2010/main" val="3631666557"/>
+      </p:ext>
+    </p:extLst>
+  </p:cSld>
+  <p:clrMapOvr>
+    <a:masterClrMapping/>
+  </p:clrMapOvr>
+</p:sld>
+</file>
+
+<file path=ppt/slides/slide48.xml><?xml version="1.0" encoding="utf-8"?>
+<p:sld xmlns:a="http://schemas.openxmlformats.org/drawingml/2006/main" xmlns:r="http://schemas.openxmlformats.org/officeDocument/2006/relationships" xmlns:p="http://schemas.openxmlformats.org/presentationml/2006/main">
+  <p:cSld>
+    <p:spTree>
+      <p:nvGrpSpPr>
+        <p:cNvPr id="1" name=""/>
+        <p:cNvGrpSpPr/>
+        <p:nvPr/>
+      </p:nvGrpSpPr>
+      <p:grpSpPr>
+        <a:xfrm>
+          <a:off x="0" y="0"/>
+          <a:ext cx="0" cy="0"/>
+          <a:chOff x="0" y="0"/>
+          <a:chExt cx="0" cy="0"/>
+        </a:xfrm>
+      </p:grpSpPr>
+      <p:sp>
+        <p:nvSpPr>
           <p:cNvPr id="57" name="Arrow: Right 56">
             <a:extLst>
               <a:ext uri="{FF2B5EF4-FFF2-40B4-BE49-F238E27FC236}">
@@ -40291,7 +41503,7 @@
 </p:sld>
 </file>
 
-<file path=ppt/slides/slide47.xml><?xml version="1.0" encoding="utf-8"?>
+<file path=ppt/slides/slide49.xml><?xml version="1.0" encoding="utf-8"?>
 <p:sld xmlns:a="http://schemas.openxmlformats.org/drawingml/2006/main" xmlns:r="http://schemas.openxmlformats.org/officeDocument/2006/relationships" xmlns:p="http://schemas.openxmlformats.org/presentationml/2006/main">
   <p:cSld>
     <p:spTree>
@@ -41707,1682 +42919,6 @@
     <p:extLst>
       <p:ext uri="{BB962C8B-B14F-4D97-AF65-F5344CB8AC3E}">
         <p14:creationId xmlns:p14="http://schemas.microsoft.com/office/powerpoint/2010/main" val="3746393778"/>
-      </p:ext>
-    </p:extLst>
-  </p:cSld>
-  <p:clrMapOvr>
-    <a:masterClrMapping/>
-  </p:clrMapOvr>
-</p:sld>
-</file>
-
-<file path=ppt/slides/slide48.xml><?xml version="1.0" encoding="utf-8"?>
-<p:sld xmlns:a="http://schemas.openxmlformats.org/drawingml/2006/main" xmlns:r="http://schemas.openxmlformats.org/officeDocument/2006/relationships" xmlns:p="http://schemas.openxmlformats.org/presentationml/2006/main">
-  <p:cSld>
-    <p:spTree>
-      <p:nvGrpSpPr>
-        <p:cNvPr id="1" name=""/>
-        <p:cNvGrpSpPr/>
-        <p:nvPr/>
-      </p:nvGrpSpPr>
-      <p:grpSpPr>
-        <a:xfrm>
-          <a:off x="0" y="0"/>
-          <a:ext cx="0" cy="0"/>
-          <a:chOff x="0" y="0"/>
-          <a:chExt cx="0" cy="0"/>
-        </a:xfrm>
-      </p:grpSpPr>
-      <p:sp>
-        <p:nvSpPr>
-          <p:cNvPr id="2" name="Title 1">
-            <a:extLst>
-              <a:ext uri="{FF2B5EF4-FFF2-40B4-BE49-F238E27FC236}">
-                <a16:creationId xmlns:a16="http://schemas.microsoft.com/office/drawing/2014/main" id="{348397C1-A147-42F6-8AF5-33AF5868C7CC}"/>
-              </a:ext>
-            </a:extLst>
-          </p:cNvPr>
-          <p:cNvSpPr>
-            <a:spLocks noGrp="1"/>
-          </p:cNvSpPr>
-          <p:nvPr>
-            <p:ph type="title"/>
-          </p:nvPr>
-        </p:nvSpPr>
-        <p:spPr/>
-        <p:txBody>
-          <a:bodyPr/>
-          <a:lstStyle/>
-          <a:p>
-            <a:r>
-              <a:rPr lang="de-AT" dirty="0"/>
-              <a:t>Zusammenfassung Grant/Flow Features</a:t>
-            </a:r>
-            <a:endParaRPr lang="en-US" dirty="0"/>
-          </a:p>
-        </p:txBody>
-      </p:sp>
-      <p:graphicFrame>
-        <p:nvGraphicFramePr>
-          <p:cNvPr id="3" name="Table 2">
-            <a:extLst>
-              <a:ext uri="{FF2B5EF4-FFF2-40B4-BE49-F238E27FC236}">
-                <a16:creationId xmlns:a16="http://schemas.microsoft.com/office/drawing/2014/main" id="{92A1B128-AAB2-47F0-9CD1-9CCC30105557}"/>
-              </a:ext>
-            </a:extLst>
-          </p:cNvPr>
-          <p:cNvGraphicFramePr>
-            <a:graphicFrameLocks noGrp="1"/>
-          </p:cNvGraphicFramePr>
-          <p:nvPr>
-            <p:extLst>
-              <p:ext uri="{D42A27DB-BD31-4B8C-83A1-F6EECF244321}">
-                <p14:modId xmlns:p14="http://schemas.microsoft.com/office/powerpoint/2010/main" val="2392915148"/>
-              </p:ext>
-            </p:extLst>
-          </p:nvPr>
-        </p:nvGraphicFramePr>
-        <p:xfrm>
-          <a:off x="838200" y="1350869"/>
-          <a:ext cx="10440003" cy="5245549"/>
-        </p:xfrm>
-        <a:graphic>
-          <a:graphicData uri="http://schemas.openxmlformats.org/drawingml/2006/table">
-            <a:tbl>
-              <a:tblPr firstRow="1" bandRow="1">
-                <a:tableStyleId>{5940675A-B579-460E-94D1-54222C63F5DA}</a:tableStyleId>
-              </a:tblPr>
-              <a:tblGrid>
-                <a:gridCol w="1664855">
-                  <a:extLst>
-                    <a:ext uri="{9D8B030D-6E8A-4147-A177-3AD203B41FA5}">
-                      <a16:colId xmlns:a16="http://schemas.microsoft.com/office/drawing/2014/main" val="1929636500"/>
-                    </a:ext>
-                  </a:extLst>
-                </a:gridCol>
-                <a:gridCol w="1318003">
-                  <a:extLst>
-                    <a:ext uri="{9D8B030D-6E8A-4147-A177-3AD203B41FA5}">
-                      <a16:colId xmlns:a16="http://schemas.microsoft.com/office/drawing/2014/main" val="395898648"/>
-                    </a:ext>
-                  </a:extLst>
-                </a:gridCol>
-                <a:gridCol w="1491429">
-                  <a:extLst>
-                    <a:ext uri="{9D8B030D-6E8A-4147-A177-3AD203B41FA5}">
-                      <a16:colId xmlns:a16="http://schemas.microsoft.com/office/drawing/2014/main" val="1690800767"/>
-                    </a:ext>
-                  </a:extLst>
-                </a:gridCol>
-                <a:gridCol w="1491429">
-                  <a:extLst>
-                    <a:ext uri="{9D8B030D-6E8A-4147-A177-3AD203B41FA5}">
-                      <a16:colId xmlns:a16="http://schemas.microsoft.com/office/drawing/2014/main" val="3240070001"/>
-                    </a:ext>
-                  </a:extLst>
-                </a:gridCol>
-                <a:gridCol w="1491429">
-                  <a:extLst>
-                    <a:ext uri="{9D8B030D-6E8A-4147-A177-3AD203B41FA5}">
-                      <a16:colId xmlns:a16="http://schemas.microsoft.com/office/drawing/2014/main" val="116783287"/>
-                    </a:ext>
-                  </a:extLst>
-                </a:gridCol>
-                <a:gridCol w="1491429">
-                  <a:extLst>
-                    <a:ext uri="{9D8B030D-6E8A-4147-A177-3AD203B41FA5}">
-                      <a16:colId xmlns:a16="http://schemas.microsoft.com/office/drawing/2014/main" val="492657174"/>
-                    </a:ext>
-                  </a:extLst>
-                </a:gridCol>
-                <a:gridCol w="1491429">
-                  <a:extLst>
-                    <a:ext uri="{9D8B030D-6E8A-4147-A177-3AD203B41FA5}">
-                      <a16:colId xmlns:a16="http://schemas.microsoft.com/office/drawing/2014/main" val="847277139"/>
-                    </a:ext>
-                  </a:extLst>
-                </a:gridCol>
-              </a:tblGrid>
-              <a:tr h="652650">
-                <a:tc>
-                  <a:txBody>
-                    <a:bodyPr/>
-                    <a:lstStyle/>
-                    <a:p>
-                      <a:pPr algn="ctr"/>
-                      <a:endParaRPr lang="en-US" dirty="0">
-                        <a:solidFill>
-                          <a:schemeClr val="bg1"/>
-                        </a:solidFill>
-                      </a:endParaRPr>
-                    </a:p>
-                  </a:txBody>
-                  <a:tcPr anchor="ctr">
-                    <a:solidFill>
-                      <a:schemeClr val="tx1"/>
-                    </a:solidFill>
-                  </a:tcPr>
-                </a:tc>
-                <a:tc>
-                  <a:txBody>
-                    <a:bodyPr/>
-                    <a:lstStyle/>
-                    <a:p>
-                      <a:pPr algn="ctr"/>
-                      <a:r>
-                        <a:rPr lang="de-AT" dirty="0">
-                          <a:solidFill>
-                            <a:schemeClr val="bg1"/>
-                          </a:solidFill>
-                        </a:rPr>
-                        <a:t>Client </a:t>
-                      </a:r>
-                      <a:r>
-                        <a:rPr lang="de-AT" dirty="0" err="1">
-                          <a:solidFill>
-                            <a:schemeClr val="bg1"/>
-                          </a:solidFill>
-                        </a:rPr>
-                        <a:t>Credential</a:t>
-                      </a:r>
-                      <a:r>
-                        <a:rPr lang="de-AT" dirty="0">
-                          <a:solidFill>
-                            <a:schemeClr val="bg1"/>
-                          </a:solidFill>
-                        </a:rPr>
-                        <a:t> Grant</a:t>
-                      </a:r>
-                      <a:endParaRPr lang="en-US" dirty="0">
-                        <a:solidFill>
-                          <a:schemeClr val="bg1"/>
-                        </a:solidFill>
-                      </a:endParaRPr>
-                    </a:p>
-                  </a:txBody>
-                  <a:tcPr anchor="ctr">
-                    <a:solidFill>
-                      <a:schemeClr val="tx1"/>
-                    </a:solidFill>
-                  </a:tcPr>
-                </a:tc>
-                <a:tc>
-                  <a:txBody>
-                    <a:bodyPr/>
-                    <a:lstStyle/>
-                    <a:p>
-                      <a:pPr algn="ctr"/>
-                      <a:r>
-                        <a:rPr lang="de-AT" dirty="0" err="1">
-                          <a:solidFill>
-                            <a:schemeClr val="bg1"/>
-                          </a:solidFill>
-                        </a:rPr>
-                        <a:t>Resource</a:t>
-                      </a:r>
-                      <a:r>
-                        <a:rPr lang="de-AT" dirty="0">
-                          <a:solidFill>
-                            <a:schemeClr val="bg1"/>
-                          </a:solidFill>
-                        </a:rPr>
-                        <a:t> </a:t>
-                      </a:r>
-                      <a:r>
-                        <a:rPr lang="de-AT" dirty="0" err="1">
-                          <a:solidFill>
-                            <a:schemeClr val="bg1"/>
-                          </a:solidFill>
-                        </a:rPr>
-                        <a:t>Owner</a:t>
-                      </a:r>
-                      <a:r>
-                        <a:rPr lang="de-AT" dirty="0">
-                          <a:solidFill>
-                            <a:schemeClr val="bg1"/>
-                          </a:solidFill>
-                        </a:rPr>
-                        <a:t> </a:t>
-                      </a:r>
-                      <a:r>
-                        <a:rPr lang="de-AT" dirty="0" err="1">
-                          <a:solidFill>
-                            <a:schemeClr val="bg1"/>
-                          </a:solidFill>
-                        </a:rPr>
-                        <a:t>Pwd</a:t>
-                      </a:r>
-                      <a:r>
-                        <a:rPr lang="de-AT" dirty="0">
-                          <a:solidFill>
-                            <a:schemeClr val="bg1"/>
-                          </a:solidFill>
-                        </a:rPr>
-                        <a:t> Grant</a:t>
-                      </a:r>
-                      <a:endParaRPr lang="en-US" dirty="0">
-                        <a:solidFill>
-                          <a:schemeClr val="bg1"/>
-                        </a:solidFill>
-                      </a:endParaRPr>
-                    </a:p>
-                  </a:txBody>
-                  <a:tcPr anchor="ctr">
-                    <a:solidFill>
-                      <a:schemeClr val="tx1"/>
-                    </a:solidFill>
-                  </a:tcPr>
-                </a:tc>
-                <a:tc>
-                  <a:txBody>
-                    <a:bodyPr/>
-                    <a:lstStyle/>
-                    <a:p>
-                      <a:pPr algn="ctr"/>
-                      <a:r>
-                        <a:rPr lang="de-AT" dirty="0" err="1">
-                          <a:solidFill>
-                            <a:schemeClr val="bg1"/>
-                          </a:solidFill>
-                        </a:rPr>
-                        <a:t>Authorization</a:t>
-                      </a:r>
-                      <a:r>
-                        <a:rPr lang="de-AT" dirty="0">
-                          <a:solidFill>
-                            <a:schemeClr val="bg1"/>
-                          </a:solidFill>
-                        </a:rPr>
-                        <a:t> Code Flow</a:t>
-                      </a:r>
-                      <a:endParaRPr lang="en-US" dirty="0">
-                        <a:solidFill>
-                          <a:schemeClr val="bg1"/>
-                        </a:solidFill>
-                      </a:endParaRPr>
-                    </a:p>
-                  </a:txBody>
-                  <a:tcPr anchor="ctr">
-                    <a:solidFill>
-                      <a:schemeClr val="tx1"/>
-                    </a:solidFill>
-                  </a:tcPr>
-                </a:tc>
-                <a:tc>
-                  <a:txBody>
-                    <a:bodyPr/>
-                    <a:lstStyle/>
-                    <a:p>
-                      <a:pPr algn="ctr"/>
-                      <a:r>
-                        <a:rPr lang="de-AT" dirty="0" err="1">
-                          <a:solidFill>
-                            <a:schemeClr val="bg1"/>
-                          </a:solidFill>
-                        </a:rPr>
-                        <a:t>Implict</a:t>
-                      </a:r>
-                      <a:r>
-                        <a:rPr lang="de-AT" dirty="0">
-                          <a:solidFill>
-                            <a:schemeClr val="bg1"/>
-                          </a:solidFill>
-                        </a:rPr>
-                        <a:t> Flow</a:t>
-                      </a:r>
-                      <a:endParaRPr lang="en-US" dirty="0">
-                        <a:solidFill>
-                          <a:schemeClr val="bg1"/>
-                        </a:solidFill>
-                      </a:endParaRPr>
-                    </a:p>
-                  </a:txBody>
-                  <a:tcPr anchor="ctr">
-                    <a:solidFill>
-                      <a:schemeClr val="tx1"/>
-                    </a:solidFill>
-                  </a:tcPr>
-                </a:tc>
-                <a:tc>
-                  <a:txBody>
-                    <a:bodyPr/>
-                    <a:lstStyle/>
-                    <a:p>
-                      <a:pPr algn="ctr"/>
-                      <a:r>
-                        <a:rPr lang="de-AT" dirty="0">
-                          <a:solidFill>
-                            <a:schemeClr val="bg1"/>
-                          </a:solidFill>
-                        </a:rPr>
-                        <a:t>Hybrid Flow</a:t>
-                      </a:r>
-                      <a:endParaRPr lang="en-US" dirty="0">
-                        <a:solidFill>
-                          <a:schemeClr val="bg1"/>
-                        </a:solidFill>
-                      </a:endParaRPr>
-                    </a:p>
-                  </a:txBody>
-                  <a:tcPr anchor="ctr">
-                    <a:solidFill>
-                      <a:schemeClr val="tx1"/>
-                    </a:solidFill>
-                  </a:tcPr>
-                </a:tc>
-                <a:tc>
-                  <a:txBody>
-                    <a:bodyPr/>
-                    <a:lstStyle/>
-                    <a:p>
-                      <a:pPr algn="ctr"/>
-                      <a:r>
-                        <a:rPr lang="de-AT" dirty="0">
-                          <a:solidFill>
-                            <a:schemeClr val="bg1"/>
-                          </a:solidFill>
-                        </a:rPr>
-                        <a:t>Device Auth Grant</a:t>
-                      </a:r>
-                      <a:endParaRPr lang="en-US" dirty="0">
-                        <a:solidFill>
-                          <a:schemeClr val="bg1"/>
-                        </a:solidFill>
-                      </a:endParaRPr>
-                    </a:p>
-                  </a:txBody>
-                  <a:tcPr anchor="ctr">
-                    <a:solidFill>
-                      <a:schemeClr val="tx1"/>
-                    </a:solidFill>
-                  </a:tcPr>
-                </a:tc>
-                <a:extLst>
-                  <a:ext uri="{0D108BD9-81ED-4DB2-BD59-A6C34878D82A}">
-                    <a16:rowId xmlns:a16="http://schemas.microsoft.com/office/drawing/2014/main" val="1928875511"/>
-                  </a:ext>
-                </a:extLst>
-              </a:tr>
-              <a:tr h="825139">
-                <a:tc>
-                  <a:txBody>
-                    <a:bodyPr/>
-                    <a:lstStyle/>
-                    <a:p>
-                      <a:pPr algn="ctr"/>
-                      <a:r>
-                        <a:rPr lang="de-AT" dirty="0"/>
-                        <a:t>Alle Tokens von </a:t>
-                      </a:r>
-                      <a:r>
-                        <a:rPr lang="de-AT" i="1" dirty="0" err="1"/>
-                        <a:t>Authorization</a:t>
-                      </a:r>
-                      <a:r>
-                        <a:rPr lang="de-AT" i="1" dirty="0"/>
-                        <a:t> Endpunkt</a:t>
-                      </a:r>
-                      <a:endParaRPr lang="en-US" i="1" dirty="0"/>
-                    </a:p>
-                  </a:txBody>
-                  <a:tcPr anchor="ctr">
-                    <a:solidFill>
-                      <a:schemeClr val="bg1">
-                        <a:lumMod val="85000"/>
-                      </a:schemeClr>
-                    </a:solidFill>
-                  </a:tcPr>
-                </a:tc>
-                <a:tc>
-                  <a:txBody>
-                    <a:bodyPr/>
-                    <a:lstStyle/>
-                    <a:p>
-                      <a:pPr algn="ctr"/>
-                      <a:endParaRPr lang="en-US" dirty="0"/>
-                    </a:p>
-                  </a:txBody>
-                  <a:tcPr anchor="ctr"/>
-                </a:tc>
-                <a:tc>
-                  <a:txBody>
-                    <a:bodyPr/>
-                    <a:lstStyle/>
-                    <a:p>
-                      <a:pPr algn="ctr"/>
-                      <a:endParaRPr lang="en-US" dirty="0"/>
-                    </a:p>
-                  </a:txBody>
-                  <a:tcPr anchor="ctr"/>
-                </a:tc>
-                <a:tc>
-                  <a:txBody>
-                    <a:bodyPr/>
-                    <a:lstStyle/>
-                    <a:p>
-                      <a:pPr algn="ctr"/>
-                      <a:endParaRPr lang="en-US" dirty="0"/>
-                    </a:p>
-                  </a:txBody>
-                  <a:tcPr anchor="ctr"/>
-                </a:tc>
-                <a:tc>
-                  <a:txBody>
-                    <a:bodyPr/>
-                    <a:lstStyle/>
-                    <a:p>
-                      <a:pPr algn="ctr"/>
-                      <a:r>
-                        <a:rPr lang="de-AT" dirty="0"/>
-                        <a:t>X</a:t>
-                      </a:r>
-                      <a:endParaRPr lang="en-US" dirty="0"/>
-                    </a:p>
-                  </a:txBody>
-                  <a:tcPr anchor="ctr"/>
-                </a:tc>
-                <a:tc>
-                  <a:txBody>
-                    <a:bodyPr/>
-                    <a:lstStyle/>
-                    <a:p>
-                      <a:pPr algn="ctr"/>
-                      <a:endParaRPr lang="en-US" dirty="0"/>
-                    </a:p>
-                  </a:txBody>
-                  <a:tcPr anchor="ctr"/>
-                </a:tc>
-                <a:tc>
-                  <a:txBody>
-                    <a:bodyPr/>
-                    <a:lstStyle/>
-                    <a:p>
-                      <a:pPr algn="ctr"/>
-                      <a:endParaRPr lang="en-US" dirty="0"/>
-                    </a:p>
-                  </a:txBody>
-                  <a:tcPr anchor="ctr"/>
-                </a:tc>
-                <a:extLst>
-                  <a:ext uri="{0D108BD9-81ED-4DB2-BD59-A6C34878D82A}">
-                    <a16:rowId xmlns:a16="http://schemas.microsoft.com/office/drawing/2014/main" val="1320869910"/>
-                  </a:ext>
-                </a:extLst>
-              </a:tr>
-              <a:tr h="904392">
-                <a:tc>
-                  <a:txBody>
-                    <a:bodyPr/>
-                    <a:lstStyle/>
-                    <a:p>
-                      <a:pPr marL="0" marR="0" lvl="0" indent="0" algn="ctr" defTabSz="914400" rtl="0" eaLnBrk="1" fontAlgn="auto" latinLnBrk="0" hangingPunct="1">
-                        <a:lnSpc>
-                          <a:spcPct val="100000"/>
-                        </a:lnSpc>
-                        <a:spcBef>
-                          <a:spcPts val="0"/>
-                        </a:spcBef>
-                        <a:spcAft>
-                          <a:spcPts val="0"/>
-                        </a:spcAft>
-                        <a:buClrTx/>
-                        <a:buSzTx/>
-                        <a:buFontTx/>
-                        <a:buNone/>
-                        <a:tabLst/>
-                        <a:defRPr/>
-                      </a:pPr>
-                      <a:r>
-                        <a:rPr lang="de-AT" dirty="0"/>
-                        <a:t>Alle Tokens von </a:t>
-                      </a:r>
-                      <a:r>
-                        <a:rPr lang="de-AT" i="1" dirty="0"/>
-                        <a:t>Token Endpunkt</a:t>
-                      </a:r>
-                      <a:endParaRPr lang="en-US" i="1" dirty="0"/>
-                    </a:p>
-                  </a:txBody>
-                  <a:tcPr anchor="ctr">
-                    <a:solidFill>
-                      <a:schemeClr val="bg1">
-                        <a:lumMod val="85000"/>
-                      </a:schemeClr>
-                    </a:solidFill>
-                  </a:tcPr>
-                </a:tc>
-                <a:tc>
-                  <a:txBody>
-                    <a:bodyPr/>
-                    <a:lstStyle/>
-                    <a:p>
-                      <a:pPr algn="ctr"/>
-                      <a:r>
-                        <a:rPr lang="de-AT" dirty="0"/>
-                        <a:t>X</a:t>
-                      </a:r>
-                      <a:endParaRPr lang="en-US" dirty="0"/>
-                    </a:p>
-                  </a:txBody>
-                  <a:tcPr anchor="ctr"/>
-                </a:tc>
-                <a:tc>
-                  <a:txBody>
-                    <a:bodyPr/>
-                    <a:lstStyle/>
-                    <a:p>
-                      <a:pPr algn="ctr"/>
-                      <a:r>
-                        <a:rPr lang="de-AT" dirty="0"/>
-                        <a:t>X</a:t>
-                      </a:r>
-                      <a:endParaRPr lang="en-US" dirty="0"/>
-                    </a:p>
-                  </a:txBody>
-                  <a:tcPr anchor="ctr"/>
-                </a:tc>
-                <a:tc>
-                  <a:txBody>
-                    <a:bodyPr/>
-                    <a:lstStyle/>
-                    <a:p>
-                      <a:pPr algn="ctr"/>
-                      <a:r>
-                        <a:rPr lang="de-AT" dirty="0"/>
-                        <a:t>X</a:t>
-                      </a:r>
-                      <a:endParaRPr lang="en-US" dirty="0"/>
-                    </a:p>
-                  </a:txBody>
-                  <a:tcPr anchor="ctr"/>
-                </a:tc>
-                <a:tc>
-                  <a:txBody>
-                    <a:bodyPr/>
-                    <a:lstStyle/>
-                    <a:p>
-                      <a:pPr algn="ctr"/>
-                      <a:endParaRPr lang="en-US" dirty="0"/>
-                    </a:p>
-                  </a:txBody>
-                  <a:tcPr anchor="ctr"/>
-                </a:tc>
-                <a:tc>
-                  <a:txBody>
-                    <a:bodyPr/>
-                    <a:lstStyle/>
-                    <a:p>
-                      <a:pPr algn="ctr"/>
-                      <a:endParaRPr lang="en-US" dirty="0"/>
-                    </a:p>
-                  </a:txBody>
-                  <a:tcPr anchor="ctr"/>
-                </a:tc>
-                <a:tc>
-                  <a:txBody>
-                    <a:bodyPr/>
-                    <a:lstStyle/>
-                    <a:p>
-                      <a:pPr algn="ctr"/>
-                      <a:r>
-                        <a:rPr lang="de-AT" dirty="0"/>
-                        <a:t>X</a:t>
-                      </a:r>
-                      <a:endParaRPr lang="en-US" dirty="0"/>
-                    </a:p>
-                  </a:txBody>
-                  <a:tcPr anchor="ctr"/>
-                </a:tc>
-                <a:extLst>
-                  <a:ext uri="{0D108BD9-81ED-4DB2-BD59-A6C34878D82A}">
-                    <a16:rowId xmlns:a16="http://schemas.microsoft.com/office/drawing/2014/main" val="685321953"/>
-                  </a:ext>
-                </a:extLst>
-              </a:tr>
-              <a:tr h="904392">
-                <a:tc>
-                  <a:txBody>
-                    <a:bodyPr/>
-                    <a:lstStyle/>
-                    <a:p>
-                      <a:pPr marL="0" marR="0" lvl="0" indent="0" algn="ctr" defTabSz="914400" rtl="0" eaLnBrk="1" fontAlgn="auto" latinLnBrk="0" hangingPunct="1">
-                        <a:lnSpc>
-                          <a:spcPct val="100000"/>
-                        </a:lnSpc>
-                        <a:spcBef>
-                          <a:spcPts val="0"/>
-                        </a:spcBef>
-                        <a:spcAft>
-                          <a:spcPts val="0"/>
-                        </a:spcAft>
-                        <a:buClrTx/>
-                        <a:buSzTx/>
-                        <a:buFontTx/>
-                        <a:buNone/>
-                        <a:tabLst/>
-                        <a:defRPr/>
-                      </a:pPr>
-                      <a:r>
-                        <a:rPr lang="de-AT" i="0" dirty="0"/>
-                        <a:t>Tokens über User Agent gesendet</a:t>
-                      </a:r>
-                      <a:endParaRPr lang="en-US" i="0" dirty="0"/>
-                    </a:p>
-                  </a:txBody>
-                  <a:tcPr anchor="ctr">
-                    <a:solidFill>
-                      <a:schemeClr val="bg1">
-                        <a:lumMod val="85000"/>
-                      </a:schemeClr>
-                    </a:solidFill>
-                  </a:tcPr>
-                </a:tc>
-                <a:tc>
-                  <a:txBody>
-                    <a:bodyPr/>
-                    <a:lstStyle/>
-                    <a:p>
-                      <a:pPr algn="ctr"/>
-                      <a:endParaRPr lang="de-AT" dirty="0"/>
-                    </a:p>
-                  </a:txBody>
-                  <a:tcPr anchor="ctr"/>
-                </a:tc>
-                <a:tc>
-                  <a:txBody>
-                    <a:bodyPr/>
-                    <a:lstStyle/>
-                    <a:p>
-                      <a:pPr algn="ctr"/>
-                      <a:endParaRPr lang="en-US" dirty="0"/>
-                    </a:p>
-                  </a:txBody>
-                  <a:tcPr anchor="ctr"/>
-                </a:tc>
-                <a:tc>
-                  <a:txBody>
-                    <a:bodyPr/>
-                    <a:lstStyle/>
-                    <a:p>
-                      <a:pPr algn="ctr"/>
-                      <a:endParaRPr lang="en-US" dirty="0"/>
-                    </a:p>
-                  </a:txBody>
-                  <a:tcPr anchor="ctr"/>
-                </a:tc>
-                <a:tc>
-                  <a:txBody>
-                    <a:bodyPr/>
-                    <a:lstStyle/>
-                    <a:p>
-                      <a:pPr algn="ctr"/>
-                      <a:r>
-                        <a:rPr lang="de-AT" dirty="0"/>
-                        <a:t>X</a:t>
-                      </a:r>
-                      <a:endParaRPr lang="en-US" dirty="0"/>
-                    </a:p>
-                  </a:txBody>
-                  <a:tcPr anchor="ctr"/>
-                </a:tc>
-                <a:tc>
-                  <a:txBody>
-                    <a:bodyPr/>
-                    <a:lstStyle/>
-                    <a:p>
-                      <a:pPr algn="ctr"/>
-                      <a:r>
-                        <a:rPr lang="de-AT" dirty="0"/>
-                        <a:t>X</a:t>
-                      </a:r>
-                      <a:endParaRPr lang="en-US" dirty="0"/>
-                    </a:p>
-                  </a:txBody>
-                  <a:tcPr anchor="ctr"/>
-                </a:tc>
-                <a:tc>
-                  <a:txBody>
-                    <a:bodyPr/>
-                    <a:lstStyle/>
-                    <a:p>
-                      <a:pPr algn="ctr"/>
-                      <a:endParaRPr lang="en-US" dirty="0"/>
-                    </a:p>
-                  </a:txBody>
-                  <a:tcPr anchor="ctr"/>
-                </a:tc>
-                <a:extLst>
-                  <a:ext uri="{0D108BD9-81ED-4DB2-BD59-A6C34878D82A}">
-                    <a16:rowId xmlns:a16="http://schemas.microsoft.com/office/drawing/2014/main" val="356802342"/>
-                  </a:ext>
-                </a:extLst>
-              </a:tr>
-              <a:tr h="683557">
-                <a:tc>
-                  <a:txBody>
-                    <a:bodyPr/>
-                    <a:lstStyle/>
-                    <a:p>
-                      <a:pPr marL="0" marR="0" lvl="0" indent="0" algn="ctr" defTabSz="914400" rtl="0" eaLnBrk="1" fontAlgn="auto" latinLnBrk="0" hangingPunct="1">
-                        <a:lnSpc>
-                          <a:spcPct val="100000"/>
-                        </a:lnSpc>
-                        <a:spcBef>
-                          <a:spcPts val="0"/>
-                        </a:spcBef>
-                        <a:spcAft>
-                          <a:spcPts val="0"/>
-                        </a:spcAft>
-                        <a:buClrTx/>
-                        <a:buSzTx/>
-                        <a:buFontTx/>
-                        <a:buNone/>
-                        <a:tabLst/>
-                        <a:defRPr/>
-                      </a:pPr>
-                      <a:r>
-                        <a:rPr lang="de-AT" i="1" dirty="0"/>
-                        <a:t>Refresh Token </a:t>
-                      </a:r>
-                      <a:r>
-                        <a:rPr lang="de-AT" i="0" dirty="0"/>
-                        <a:t>unterstützt</a:t>
-                      </a:r>
-                      <a:endParaRPr lang="en-US" i="0" dirty="0"/>
-                    </a:p>
-                  </a:txBody>
-                  <a:tcPr anchor="ctr">
-                    <a:solidFill>
-                      <a:schemeClr val="bg1">
-                        <a:lumMod val="85000"/>
-                      </a:schemeClr>
-                    </a:solidFill>
-                  </a:tcPr>
-                </a:tc>
-                <a:tc>
-                  <a:txBody>
-                    <a:bodyPr/>
-                    <a:lstStyle/>
-                    <a:p>
-                      <a:pPr algn="ctr"/>
-                      <a:endParaRPr lang="de-AT" dirty="0"/>
-                    </a:p>
-                  </a:txBody>
-                  <a:tcPr anchor="ctr"/>
-                </a:tc>
-                <a:tc>
-                  <a:txBody>
-                    <a:bodyPr/>
-                    <a:lstStyle/>
-                    <a:p>
-                      <a:pPr algn="ctr"/>
-                      <a:r>
-                        <a:rPr lang="de-AT" dirty="0"/>
-                        <a:t>X</a:t>
-                      </a:r>
-                      <a:endParaRPr lang="en-US" dirty="0"/>
-                    </a:p>
-                  </a:txBody>
-                  <a:tcPr anchor="ctr"/>
-                </a:tc>
-                <a:tc>
-                  <a:txBody>
-                    <a:bodyPr/>
-                    <a:lstStyle/>
-                    <a:p>
-                      <a:pPr algn="ctr"/>
-                      <a:r>
-                        <a:rPr lang="de-AT" dirty="0"/>
-                        <a:t>X</a:t>
-                      </a:r>
-                      <a:endParaRPr lang="en-US" dirty="0"/>
-                    </a:p>
-                  </a:txBody>
-                  <a:tcPr anchor="ctr"/>
-                </a:tc>
-                <a:tc>
-                  <a:txBody>
-                    <a:bodyPr/>
-                    <a:lstStyle/>
-                    <a:p>
-                      <a:pPr algn="ctr"/>
-                      <a:endParaRPr lang="en-US" dirty="0"/>
-                    </a:p>
-                  </a:txBody>
-                  <a:tcPr anchor="ctr"/>
-                </a:tc>
-                <a:tc>
-                  <a:txBody>
-                    <a:bodyPr/>
-                    <a:lstStyle/>
-                    <a:p>
-                      <a:pPr algn="ctr"/>
-                      <a:r>
-                        <a:rPr lang="de-AT" dirty="0"/>
-                        <a:t>X</a:t>
-                      </a:r>
-                    </a:p>
-                  </a:txBody>
-                  <a:tcPr anchor="ctr"/>
-                </a:tc>
-                <a:tc>
-                  <a:txBody>
-                    <a:bodyPr/>
-                    <a:lstStyle/>
-                    <a:p>
-                      <a:pPr algn="ctr"/>
-                      <a:r>
-                        <a:rPr lang="de-AT" dirty="0"/>
-                        <a:t>X</a:t>
-                      </a:r>
-                    </a:p>
-                  </a:txBody>
-                  <a:tcPr anchor="ctr"/>
-                </a:tc>
-                <a:extLst>
-                  <a:ext uri="{0D108BD9-81ED-4DB2-BD59-A6C34878D82A}">
-                    <a16:rowId xmlns:a16="http://schemas.microsoft.com/office/drawing/2014/main" val="1447987830"/>
-                  </a:ext>
-                </a:extLst>
-              </a:tr>
-              <a:tr h="683557">
-                <a:tc>
-                  <a:txBody>
-                    <a:bodyPr/>
-                    <a:lstStyle/>
-                    <a:p>
-                      <a:pPr marL="0" marR="0" lvl="0" indent="0" algn="ctr" defTabSz="914400" rtl="0" eaLnBrk="1" fontAlgn="auto" latinLnBrk="0" hangingPunct="1">
-                        <a:lnSpc>
-                          <a:spcPct val="100000"/>
-                        </a:lnSpc>
-                        <a:spcBef>
-                          <a:spcPts val="0"/>
-                        </a:spcBef>
-                        <a:spcAft>
-                          <a:spcPts val="0"/>
-                        </a:spcAft>
-                        <a:buClrTx/>
-                        <a:buSzTx/>
-                        <a:buFontTx/>
-                        <a:buNone/>
-                        <a:tabLst/>
-                        <a:defRPr/>
-                      </a:pPr>
-                      <a:r>
-                        <a:rPr lang="de-AT" i="0" dirty="0"/>
-                        <a:t>Token via ein einziges </a:t>
-                      </a:r>
-                      <a:r>
-                        <a:rPr lang="de-AT" i="0" dirty="0" err="1"/>
-                        <a:t>Roundtrip</a:t>
-                      </a:r>
-                      <a:endParaRPr lang="en-US" i="0" dirty="0"/>
-                    </a:p>
-                  </a:txBody>
-                  <a:tcPr anchor="ctr">
-                    <a:solidFill>
-                      <a:schemeClr val="bg1">
-                        <a:lumMod val="85000"/>
-                      </a:schemeClr>
-                    </a:solidFill>
-                  </a:tcPr>
-                </a:tc>
-                <a:tc>
-                  <a:txBody>
-                    <a:bodyPr/>
-                    <a:lstStyle/>
-                    <a:p>
-                      <a:pPr algn="ctr"/>
-                      <a:r>
-                        <a:rPr lang="de-AT" dirty="0"/>
-                        <a:t>X</a:t>
-                      </a:r>
-                    </a:p>
-                  </a:txBody>
-                  <a:tcPr anchor="ctr"/>
-                </a:tc>
-                <a:tc>
-                  <a:txBody>
-                    <a:bodyPr/>
-                    <a:lstStyle/>
-                    <a:p>
-                      <a:pPr algn="ctr"/>
-                      <a:r>
-                        <a:rPr lang="de-AT" dirty="0"/>
-                        <a:t>X</a:t>
-                      </a:r>
-                      <a:endParaRPr lang="en-US" dirty="0"/>
-                    </a:p>
-                  </a:txBody>
-                  <a:tcPr anchor="ctr"/>
-                </a:tc>
-                <a:tc>
-                  <a:txBody>
-                    <a:bodyPr/>
-                    <a:lstStyle/>
-                    <a:p>
-                      <a:pPr algn="ctr"/>
-                      <a:endParaRPr lang="en-US" dirty="0"/>
-                    </a:p>
-                  </a:txBody>
-                  <a:tcPr anchor="ctr"/>
-                </a:tc>
-                <a:tc>
-                  <a:txBody>
-                    <a:bodyPr/>
-                    <a:lstStyle/>
-                    <a:p>
-                      <a:pPr algn="ctr"/>
-                      <a:r>
-                        <a:rPr lang="de-AT" dirty="0"/>
-                        <a:t>X</a:t>
-                      </a:r>
-                      <a:endParaRPr lang="en-US" dirty="0"/>
-                    </a:p>
-                  </a:txBody>
-                  <a:tcPr anchor="ctr"/>
-                </a:tc>
-                <a:tc>
-                  <a:txBody>
-                    <a:bodyPr/>
-                    <a:lstStyle/>
-                    <a:p>
-                      <a:pPr algn="ctr"/>
-                      <a:endParaRPr lang="de-AT" dirty="0"/>
-                    </a:p>
-                  </a:txBody>
-                  <a:tcPr anchor="ctr"/>
-                </a:tc>
-                <a:tc>
-                  <a:txBody>
-                    <a:bodyPr/>
-                    <a:lstStyle/>
-                    <a:p>
-                      <a:pPr algn="ctr"/>
-                      <a:endParaRPr lang="de-AT" dirty="0"/>
-                    </a:p>
-                  </a:txBody>
-                  <a:tcPr anchor="ctr"/>
-                </a:tc>
-                <a:extLst>
-                  <a:ext uri="{0D108BD9-81ED-4DB2-BD59-A6C34878D82A}">
-                    <a16:rowId xmlns:a16="http://schemas.microsoft.com/office/drawing/2014/main" val="757970485"/>
-                  </a:ext>
-                </a:extLst>
-              </a:tr>
-            </a:tbl>
-          </a:graphicData>
-        </a:graphic>
-      </p:graphicFrame>
-    </p:spTree>
-    <p:extLst>
-      <p:ext uri="{BB962C8B-B14F-4D97-AF65-F5344CB8AC3E}">
-        <p14:creationId xmlns:p14="http://schemas.microsoft.com/office/powerpoint/2010/main" val="3957468252"/>
-      </p:ext>
-    </p:extLst>
-  </p:cSld>
-  <p:clrMapOvr>
-    <a:masterClrMapping/>
-  </p:clrMapOvr>
-</p:sld>
-</file>
-
-<file path=ppt/slides/slide49.xml><?xml version="1.0" encoding="utf-8"?>
-<p:sld xmlns:a="http://schemas.openxmlformats.org/drawingml/2006/main" xmlns:r="http://schemas.openxmlformats.org/officeDocument/2006/relationships" xmlns:p="http://schemas.openxmlformats.org/presentationml/2006/main">
-  <p:cSld>
-    <p:spTree>
-      <p:nvGrpSpPr>
-        <p:cNvPr id="1" name=""/>
-        <p:cNvGrpSpPr/>
-        <p:nvPr/>
-      </p:nvGrpSpPr>
-      <p:grpSpPr>
-        <a:xfrm>
-          <a:off x="0" y="0"/>
-          <a:ext cx="0" cy="0"/>
-          <a:chOff x="0" y="0"/>
-          <a:chExt cx="0" cy="0"/>
-        </a:xfrm>
-      </p:grpSpPr>
-      <p:sp>
-        <p:nvSpPr>
-          <p:cNvPr id="2" name="Title 1">
-            <a:extLst>
-              <a:ext uri="{FF2B5EF4-FFF2-40B4-BE49-F238E27FC236}">
-                <a16:creationId xmlns:a16="http://schemas.microsoft.com/office/drawing/2014/main" id="{348397C1-A147-42F6-8AF5-33AF5868C7CC}"/>
-              </a:ext>
-            </a:extLst>
-          </p:cNvPr>
-          <p:cNvSpPr>
-            <a:spLocks noGrp="1"/>
-          </p:cNvSpPr>
-          <p:nvPr>
-            <p:ph type="title"/>
-          </p:nvPr>
-        </p:nvSpPr>
-        <p:spPr/>
-        <p:txBody>
-          <a:bodyPr/>
-          <a:lstStyle/>
-          <a:p>
-            <a:r>
-              <a:rPr lang="de-AT" dirty="0"/>
-              <a:t>Zusammenfassung </a:t>
-            </a:r>
-            <a:r>
-              <a:rPr lang="de-AT" dirty="0" err="1">
-                <a:latin typeface="Consolas" panose="020B0609020204030204" pitchFamily="49" charset="0"/>
-              </a:rPr>
-              <a:t>grant_type</a:t>
-            </a:r>
-            <a:r>
-              <a:rPr lang="de-AT" sz="4000" dirty="0" err="1">
-                <a:latin typeface="+mn-lt"/>
-              </a:rPr>
-              <a:t>s</a:t>
-            </a:r>
-            <a:endParaRPr lang="en-US" dirty="0">
-              <a:latin typeface="+mn-lt"/>
-            </a:endParaRPr>
-          </a:p>
-        </p:txBody>
-      </p:sp>
-      <p:graphicFrame>
-        <p:nvGraphicFramePr>
-          <p:cNvPr id="3" name="Table 2">
-            <a:extLst>
-              <a:ext uri="{FF2B5EF4-FFF2-40B4-BE49-F238E27FC236}">
-                <a16:creationId xmlns:a16="http://schemas.microsoft.com/office/drawing/2014/main" id="{92A1B128-AAB2-47F0-9CD1-9CCC30105557}"/>
-              </a:ext>
-            </a:extLst>
-          </p:cNvPr>
-          <p:cNvGraphicFramePr>
-            <a:graphicFrameLocks noGrp="1"/>
-          </p:cNvGraphicFramePr>
-          <p:nvPr>
-            <p:extLst>
-              <p:ext uri="{D42A27DB-BD31-4B8C-83A1-F6EECF244321}">
-                <p14:modId xmlns:p14="http://schemas.microsoft.com/office/powerpoint/2010/main" val="741432363"/>
-              </p:ext>
-            </p:extLst>
-          </p:nvPr>
-        </p:nvGraphicFramePr>
-        <p:xfrm>
-          <a:off x="3897834" y="1690688"/>
-          <a:ext cx="4396332" cy="4710784"/>
-        </p:xfrm>
-        <a:graphic>
-          <a:graphicData uri="http://schemas.openxmlformats.org/drawingml/2006/table">
-            <a:tbl>
-              <a:tblPr firstRow="1" bandRow="1">
-                <a:tableStyleId>{5940675A-B579-460E-94D1-54222C63F5DA}</a:tableStyleId>
-              </a:tblPr>
-              <a:tblGrid>
-                <a:gridCol w="2198166">
-                  <a:extLst>
-                    <a:ext uri="{9D8B030D-6E8A-4147-A177-3AD203B41FA5}">
-                      <a16:colId xmlns:a16="http://schemas.microsoft.com/office/drawing/2014/main" val="1929636500"/>
-                    </a:ext>
-                  </a:extLst>
-                </a:gridCol>
-                <a:gridCol w="2198166">
-                  <a:extLst>
-                    <a:ext uri="{9D8B030D-6E8A-4147-A177-3AD203B41FA5}">
-                      <a16:colId xmlns:a16="http://schemas.microsoft.com/office/drawing/2014/main" val="395898648"/>
-                    </a:ext>
-                  </a:extLst>
-                </a:gridCol>
-              </a:tblGrid>
-              <a:tr h="611391">
-                <a:tc>
-                  <a:txBody>
-                    <a:bodyPr/>
-                    <a:lstStyle/>
-                    <a:p>
-                      <a:pPr algn="ctr"/>
-                      <a:endParaRPr lang="en-US" sz="1500" dirty="0">
-                        <a:solidFill>
-                          <a:schemeClr val="bg1"/>
-                        </a:solidFill>
-                      </a:endParaRPr>
-                    </a:p>
-                  </a:txBody>
-                  <a:tcPr marL="75428" marR="75428" marT="37714" marB="37714" anchor="ctr">
-                    <a:solidFill>
-                      <a:schemeClr val="tx1"/>
-                    </a:solidFill>
-                  </a:tcPr>
-                </a:tc>
-                <a:tc>
-                  <a:txBody>
-                    <a:bodyPr/>
-                    <a:lstStyle/>
-                    <a:p>
-                      <a:pPr algn="ctr"/>
-                      <a:r>
-                        <a:rPr lang="de-AT" sz="1500" dirty="0" err="1">
-                          <a:solidFill>
-                            <a:schemeClr val="bg1"/>
-                          </a:solidFill>
-                        </a:rPr>
-                        <a:t>grant_type</a:t>
-                      </a:r>
-                      <a:endParaRPr lang="en-US" sz="1500" dirty="0">
-                        <a:solidFill>
-                          <a:schemeClr val="bg1"/>
-                        </a:solidFill>
-                      </a:endParaRPr>
-                    </a:p>
-                  </a:txBody>
-                  <a:tcPr marL="75428" marR="75428" marT="37714" marB="37714" anchor="ctr">
-                    <a:solidFill>
-                      <a:schemeClr val="tx1"/>
-                    </a:solidFill>
-                  </a:tcPr>
-                </a:tc>
-                <a:extLst>
-                  <a:ext uri="{0D108BD9-81ED-4DB2-BD59-A6C34878D82A}">
-                    <a16:rowId xmlns:a16="http://schemas.microsoft.com/office/drawing/2014/main" val="1928875511"/>
-                  </a:ext>
-                </a:extLst>
-              </a:tr>
-              <a:tr h="751996">
-                <a:tc>
-                  <a:txBody>
-                    <a:bodyPr/>
-                    <a:lstStyle/>
-                    <a:p>
-                      <a:pPr algn="ctr"/>
-                      <a:r>
-                        <a:rPr lang="de-AT" sz="1500" i="0" dirty="0"/>
-                        <a:t>Client </a:t>
-                      </a:r>
-                      <a:r>
-                        <a:rPr lang="de-AT" sz="1500" i="0" dirty="0" err="1"/>
-                        <a:t>Credential</a:t>
-                      </a:r>
-                      <a:r>
-                        <a:rPr lang="de-AT" sz="1500" i="0" dirty="0"/>
-                        <a:t> Grant</a:t>
-                      </a:r>
-                      <a:endParaRPr lang="en-US" sz="1500" i="0" dirty="0"/>
-                    </a:p>
-                  </a:txBody>
-                  <a:tcPr marL="75428" marR="75428" marT="37714" marB="37714" anchor="ctr">
-                    <a:solidFill>
-                      <a:schemeClr val="bg1">
-                        <a:lumMod val="85000"/>
-                      </a:schemeClr>
-                    </a:solidFill>
-                  </a:tcPr>
-                </a:tc>
-                <a:tc>
-                  <a:txBody>
-                    <a:bodyPr/>
-                    <a:lstStyle/>
-                    <a:p>
-                      <a:pPr algn="l"/>
-                      <a:r>
-                        <a:rPr lang="de-AT" sz="1500" dirty="0" err="1">
-                          <a:latin typeface="Consolas" panose="020B0609020204030204" pitchFamily="49" charset="0"/>
-                        </a:rPr>
-                        <a:t>client_credential</a:t>
-                      </a:r>
-                      <a:endParaRPr lang="en-US" sz="1500" dirty="0">
-                        <a:latin typeface="Consolas" panose="020B0609020204030204" pitchFamily="49" charset="0"/>
-                      </a:endParaRPr>
-                    </a:p>
-                  </a:txBody>
-                  <a:tcPr marL="75428" marR="75428" marT="37714" marB="37714" anchor="ctr"/>
-                </a:tc>
-                <a:extLst>
-                  <a:ext uri="{0D108BD9-81ED-4DB2-BD59-A6C34878D82A}">
-                    <a16:rowId xmlns:a16="http://schemas.microsoft.com/office/drawing/2014/main" val="1320869910"/>
-                  </a:ext>
-                </a:extLst>
-              </a:tr>
-              <a:tr h="751996">
-                <a:tc>
-                  <a:txBody>
-                    <a:bodyPr/>
-                    <a:lstStyle/>
-                    <a:p>
-                      <a:pPr marL="0" marR="0" lvl="0" indent="0" algn="ctr" defTabSz="914400" rtl="0" eaLnBrk="1" fontAlgn="auto" latinLnBrk="0" hangingPunct="1">
-                        <a:lnSpc>
-                          <a:spcPct val="100000"/>
-                        </a:lnSpc>
-                        <a:spcBef>
-                          <a:spcPts val="0"/>
-                        </a:spcBef>
-                        <a:spcAft>
-                          <a:spcPts val="0"/>
-                        </a:spcAft>
-                        <a:buClrTx/>
-                        <a:buSzTx/>
-                        <a:buFontTx/>
-                        <a:buNone/>
-                        <a:tabLst/>
-                        <a:defRPr/>
-                      </a:pPr>
-                      <a:r>
-                        <a:rPr lang="de-AT" sz="1500" i="0" dirty="0" err="1"/>
-                        <a:t>Resource</a:t>
-                      </a:r>
-                      <a:r>
-                        <a:rPr lang="de-AT" sz="1500" i="0" dirty="0"/>
-                        <a:t> </a:t>
-                      </a:r>
-                      <a:r>
-                        <a:rPr lang="de-AT" sz="1500" i="0" dirty="0" err="1"/>
-                        <a:t>Owner</a:t>
-                      </a:r>
-                      <a:r>
-                        <a:rPr lang="de-AT" sz="1500" i="0" dirty="0"/>
-                        <a:t> Password Grant</a:t>
-                      </a:r>
-                      <a:endParaRPr lang="en-US" sz="1500" i="0" dirty="0"/>
-                    </a:p>
-                  </a:txBody>
-                  <a:tcPr marL="75428" marR="75428" marT="37714" marB="37714" anchor="ctr">
-                    <a:solidFill>
-                      <a:schemeClr val="bg1">
-                        <a:lumMod val="85000"/>
-                      </a:schemeClr>
-                    </a:solidFill>
-                  </a:tcPr>
-                </a:tc>
-                <a:tc>
-                  <a:txBody>
-                    <a:bodyPr/>
-                    <a:lstStyle/>
-                    <a:p>
-                      <a:pPr algn="l"/>
-                      <a:r>
-                        <a:rPr lang="de-AT" sz="1500" dirty="0" err="1">
-                          <a:latin typeface="Consolas" panose="020B0609020204030204" pitchFamily="49" charset="0"/>
-                        </a:rPr>
-                        <a:t>password</a:t>
-                      </a:r>
-                      <a:endParaRPr lang="en-US" sz="1500" dirty="0">
-                        <a:latin typeface="Consolas" panose="020B0609020204030204" pitchFamily="49" charset="0"/>
-                      </a:endParaRPr>
-                    </a:p>
-                  </a:txBody>
-                  <a:tcPr marL="75428" marR="75428" marT="37714" marB="37714" anchor="ctr"/>
-                </a:tc>
-                <a:extLst>
-                  <a:ext uri="{0D108BD9-81ED-4DB2-BD59-A6C34878D82A}">
-                    <a16:rowId xmlns:a16="http://schemas.microsoft.com/office/drawing/2014/main" val="685321953"/>
-                  </a:ext>
-                </a:extLst>
-              </a:tr>
-              <a:tr h="611391">
-                <a:tc>
-                  <a:txBody>
-                    <a:bodyPr/>
-                    <a:lstStyle/>
-                    <a:p>
-                      <a:pPr marL="0" marR="0" lvl="0" indent="0" algn="ctr" defTabSz="914400" rtl="0" eaLnBrk="1" fontAlgn="auto" latinLnBrk="0" hangingPunct="1">
-                        <a:lnSpc>
-                          <a:spcPct val="100000"/>
-                        </a:lnSpc>
-                        <a:spcBef>
-                          <a:spcPts val="0"/>
-                        </a:spcBef>
-                        <a:spcAft>
-                          <a:spcPts val="0"/>
-                        </a:spcAft>
-                        <a:buClrTx/>
-                        <a:buSzTx/>
-                        <a:buFontTx/>
-                        <a:buNone/>
-                        <a:tabLst/>
-                        <a:defRPr/>
-                      </a:pPr>
-                      <a:r>
-                        <a:rPr lang="de-AT" sz="1500" i="0" dirty="0" err="1"/>
-                        <a:t>Authorization</a:t>
-                      </a:r>
-                      <a:r>
-                        <a:rPr lang="de-AT" sz="1500" i="0" dirty="0"/>
-                        <a:t> Code Flow</a:t>
-                      </a:r>
-                      <a:endParaRPr lang="en-US" sz="1500" i="0" dirty="0"/>
-                    </a:p>
-                  </a:txBody>
-                  <a:tcPr marL="75428" marR="75428" marT="37714" marB="37714" anchor="ctr">
-                    <a:solidFill>
-                      <a:schemeClr val="bg1">
-                        <a:lumMod val="85000"/>
-                      </a:schemeClr>
-                    </a:solidFill>
-                  </a:tcPr>
-                </a:tc>
-                <a:tc>
-                  <a:txBody>
-                    <a:bodyPr/>
-                    <a:lstStyle/>
-                    <a:p>
-                      <a:pPr algn="l"/>
-                      <a:r>
-                        <a:rPr lang="de-AT" sz="1500" dirty="0">
-                          <a:latin typeface="Consolas" panose="020B0609020204030204" pitchFamily="49" charset="0"/>
-                        </a:rPr>
-                        <a:t>code</a:t>
-                      </a:r>
-                    </a:p>
-                  </a:txBody>
-                  <a:tcPr marL="75428" marR="75428" marT="37714" marB="37714" anchor="ctr"/>
-                </a:tc>
-                <a:extLst>
-                  <a:ext uri="{0D108BD9-81ED-4DB2-BD59-A6C34878D82A}">
-                    <a16:rowId xmlns:a16="http://schemas.microsoft.com/office/drawing/2014/main" val="356802342"/>
-                  </a:ext>
-                </a:extLst>
-              </a:tr>
-              <a:tr h="611391">
-                <a:tc>
-                  <a:txBody>
-                    <a:bodyPr/>
-                    <a:lstStyle/>
-                    <a:p>
-                      <a:pPr marL="0" marR="0" lvl="0" indent="0" algn="ctr" defTabSz="914400" rtl="0" eaLnBrk="1" fontAlgn="auto" latinLnBrk="0" hangingPunct="1">
-                        <a:lnSpc>
-                          <a:spcPct val="100000"/>
-                        </a:lnSpc>
-                        <a:spcBef>
-                          <a:spcPts val="0"/>
-                        </a:spcBef>
-                        <a:spcAft>
-                          <a:spcPts val="0"/>
-                        </a:spcAft>
-                        <a:buClrTx/>
-                        <a:buSzTx/>
-                        <a:buFontTx/>
-                        <a:buNone/>
-                        <a:tabLst/>
-                        <a:defRPr/>
-                      </a:pPr>
-                      <a:r>
-                        <a:rPr lang="de-AT" sz="1500" i="0" dirty="0" err="1"/>
-                        <a:t>Implicit</a:t>
-                      </a:r>
-                      <a:r>
-                        <a:rPr lang="de-AT" sz="1500" i="0" dirty="0"/>
-                        <a:t> </a:t>
-                      </a:r>
-                      <a:r>
-                        <a:rPr lang="de-AT" sz="1500" i="0"/>
-                        <a:t>Code Flow</a:t>
-                      </a:r>
-                      <a:endParaRPr lang="en-US" sz="1500" i="0" dirty="0"/>
-                    </a:p>
-                  </a:txBody>
-                  <a:tcPr marL="75428" marR="75428" marT="37714" marB="37714" anchor="ctr">
-                    <a:solidFill>
-                      <a:schemeClr val="bg1">
-                        <a:lumMod val="85000"/>
-                      </a:schemeClr>
-                    </a:solidFill>
-                  </a:tcPr>
-                </a:tc>
-                <a:tc>
-                  <a:txBody>
-                    <a:bodyPr/>
-                    <a:lstStyle/>
-                    <a:p>
-                      <a:pPr algn="l"/>
-                      <a:r>
-                        <a:rPr lang="de-AT" sz="1500" dirty="0" err="1">
-                          <a:latin typeface="Consolas" panose="020B0609020204030204" pitchFamily="49" charset="0"/>
-                        </a:rPr>
-                        <a:t>id_token</a:t>
-                      </a:r>
-                      <a:endParaRPr lang="de-AT" sz="1500" dirty="0">
-                        <a:latin typeface="Consolas" panose="020B0609020204030204" pitchFamily="49" charset="0"/>
-                      </a:endParaRPr>
-                    </a:p>
-                    <a:p>
-                      <a:pPr algn="l"/>
-                      <a:r>
-                        <a:rPr lang="de-AT" sz="1500" dirty="0" err="1">
-                          <a:latin typeface="Consolas" panose="020B0609020204030204" pitchFamily="49" charset="0"/>
-                        </a:rPr>
-                        <a:t>id_token</a:t>
-                      </a:r>
-                      <a:r>
-                        <a:rPr lang="de-AT" sz="1500" dirty="0">
-                          <a:latin typeface="Consolas" panose="020B0609020204030204" pitchFamily="49" charset="0"/>
-                        </a:rPr>
-                        <a:t> </a:t>
-                      </a:r>
-                      <a:r>
-                        <a:rPr lang="de-AT" sz="1500" dirty="0" err="1">
-                          <a:latin typeface="Consolas" panose="020B0609020204030204" pitchFamily="49" charset="0"/>
-                        </a:rPr>
-                        <a:t>token</a:t>
-                      </a:r>
-                      <a:endParaRPr lang="de-AT" sz="1500" dirty="0">
-                        <a:latin typeface="Consolas" panose="020B0609020204030204" pitchFamily="49" charset="0"/>
-                      </a:endParaRPr>
-                    </a:p>
-                  </a:txBody>
-                  <a:tcPr marL="75428" marR="75428" marT="37714" marB="37714" anchor="ctr"/>
-                </a:tc>
-                <a:extLst>
-                  <a:ext uri="{0D108BD9-81ED-4DB2-BD59-A6C34878D82A}">
-                    <a16:rowId xmlns:a16="http://schemas.microsoft.com/office/drawing/2014/main" val="1447987830"/>
-                  </a:ext>
-                </a:extLst>
-              </a:tr>
-              <a:tr h="754276">
-                <a:tc>
-                  <a:txBody>
-                    <a:bodyPr/>
-                    <a:lstStyle/>
-                    <a:p>
-                      <a:pPr marL="0" marR="0" lvl="0" indent="0" algn="ctr" defTabSz="914400" rtl="0" eaLnBrk="1" fontAlgn="auto" latinLnBrk="0" hangingPunct="1">
-                        <a:lnSpc>
-                          <a:spcPct val="100000"/>
-                        </a:lnSpc>
-                        <a:spcBef>
-                          <a:spcPts val="0"/>
-                        </a:spcBef>
-                        <a:spcAft>
-                          <a:spcPts val="0"/>
-                        </a:spcAft>
-                        <a:buClrTx/>
-                        <a:buSzTx/>
-                        <a:buFontTx/>
-                        <a:buNone/>
-                        <a:tabLst/>
-                        <a:defRPr/>
-                      </a:pPr>
-                      <a:r>
-                        <a:rPr lang="de-AT" sz="1500" i="0" dirty="0"/>
-                        <a:t>Hybrid Flow</a:t>
-                      </a:r>
-                      <a:endParaRPr lang="en-US" sz="1500" i="0" dirty="0"/>
-                    </a:p>
-                  </a:txBody>
-                  <a:tcPr marL="75428" marR="75428" marT="37714" marB="37714" anchor="ctr">
-                    <a:solidFill>
-                      <a:schemeClr val="bg1">
-                        <a:lumMod val="85000"/>
-                      </a:schemeClr>
-                    </a:solidFill>
-                  </a:tcPr>
-                </a:tc>
-                <a:tc>
-                  <a:txBody>
-                    <a:bodyPr/>
-                    <a:lstStyle/>
-                    <a:p>
-                      <a:pPr algn="l"/>
-                      <a:r>
-                        <a:rPr lang="de-AT" sz="1500" dirty="0">
-                          <a:latin typeface="Consolas" panose="020B0609020204030204" pitchFamily="49" charset="0"/>
-                        </a:rPr>
-                        <a:t>code </a:t>
-                      </a:r>
-                      <a:r>
-                        <a:rPr lang="de-AT" sz="1500" dirty="0" err="1">
-                          <a:latin typeface="Consolas" panose="020B0609020204030204" pitchFamily="49" charset="0"/>
-                        </a:rPr>
-                        <a:t>id_token</a:t>
-                      </a:r>
-                      <a:endParaRPr lang="de-AT" sz="1500" dirty="0">
-                        <a:latin typeface="Consolas" panose="020B0609020204030204" pitchFamily="49" charset="0"/>
-                      </a:endParaRPr>
-                    </a:p>
-                    <a:p>
-                      <a:pPr algn="l"/>
-                      <a:r>
-                        <a:rPr lang="de-AT" sz="1500" dirty="0">
-                          <a:latin typeface="Consolas" panose="020B0609020204030204" pitchFamily="49" charset="0"/>
-                        </a:rPr>
-                        <a:t>code </a:t>
-                      </a:r>
-                      <a:r>
-                        <a:rPr lang="de-AT" sz="1500" dirty="0" err="1">
-                          <a:latin typeface="Consolas" panose="020B0609020204030204" pitchFamily="49" charset="0"/>
-                        </a:rPr>
-                        <a:t>token</a:t>
-                      </a:r>
-                      <a:endParaRPr lang="de-AT" sz="1500" dirty="0">
-                        <a:latin typeface="Consolas" panose="020B0609020204030204" pitchFamily="49" charset="0"/>
-                      </a:endParaRPr>
-                    </a:p>
-                    <a:p>
-                      <a:pPr algn="l"/>
-                      <a:r>
-                        <a:rPr lang="de-AT" sz="1500" dirty="0" err="1">
-                          <a:latin typeface="Consolas" panose="020B0609020204030204" pitchFamily="49" charset="0"/>
-                        </a:rPr>
-                        <a:t>code</a:t>
-                      </a:r>
-                      <a:r>
-                        <a:rPr lang="de-AT" sz="1500" dirty="0">
-                          <a:latin typeface="Consolas" panose="020B0609020204030204" pitchFamily="49" charset="0"/>
-                        </a:rPr>
-                        <a:t> </a:t>
-                      </a:r>
-                      <a:r>
-                        <a:rPr lang="de-AT" sz="1500" dirty="0" err="1">
-                          <a:latin typeface="Consolas" panose="020B0609020204030204" pitchFamily="49" charset="0"/>
-                        </a:rPr>
-                        <a:t>id_token</a:t>
-                      </a:r>
-                      <a:r>
-                        <a:rPr lang="de-AT" sz="1500" dirty="0">
-                          <a:latin typeface="Consolas" panose="020B0609020204030204" pitchFamily="49" charset="0"/>
-                        </a:rPr>
-                        <a:t> </a:t>
-                      </a:r>
-                      <a:r>
-                        <a:rPr lang="de-AT" sz="1500" dirty="0" err="1">
-                          <a:latin typeface="Consolas" panose="020B0609020204030204" pitchFamily="49" charset="0"/>
-                        </a:rPr>
-                        <a:t>token</a:t>
-                      </a:r>
-                      <a:endParaRPr lang="de-AT" sz="1500" dirty="0">
-                        <a:latin typeface="Consolas" panose="020B0609020204030204" pitchFamily="49" charset="0"/>
-                      </a:endParaRPr>
-                    </a:p>
-                  </a:txBody>
-                  <a:tcPr marL="75428" marR="75428" marT="37714" marB="37714" anchor="ctr"/>
-                </a:tc>
-                <a:extLst>
-                  <a:ext uri="{0D108BD9-81ED-4DB2-BD59-A6C34878D82A}">
-                    <a16:rowId xmlns:a16="http://schemas.microsoft.com/office/drawing/2014/main" val="757970485"/>
-                  </a:ext>
-                </a:extLst>
-              </a:tr>
-              <a:tr h="611391">
-                <a:tc>
-                  <a:txBody>
-                    <a:bodyPr/>
-                    <a:lstStyle/>
-                    <a:p>
-                      <a:pPr marL="0" marR="0" lvl="0" indent="0" algn="ctr" defTabSz="914400" rtl="0" eaLnBrk="1" fontAlgn="auto" latinLnBrk="0" hangingPunct="1">
-                        <a:lnSpc>
-                          <a:spcPct val="100000"/>
-                        </a:lnSpc>
-                        <a:spcBef>
-                          <a:spcPts val="0"/>
-                        </a:spcBef>
-                        <a:spcAft>
-                          <a:spcPts val="0"/>
-                        </a:spcAft>
-                        <a:buClrTx/>
-                        <a:buSzTx/>
-                        <a:buFontTx/>
-                        <a:buNone/>
-                        <a:tabLst/>
-                        <a:defRPr/>
-                      </a:pPr>
-                      <a:r>
-                        <a:rPr lang="de-AT" sz="1500" i="0" dirty="0"/>
-                        <a:t>Device </a:t>
-                      </a:r>
-                      <a:r>
-                        <a:rPr lang="de-AT" sz="1500" i="0" dirty="0" err="1"/>
-                        <a:t>Authorization</a:t>
-                      </a:r>
-                      <a:r>
-                        <a:rPr lang="de-AT" sz="1500" i="0" dirty="0"/>
-                        <a:t> Grant</a:t>
-                      </a:r>
-                      <a:endParaRPr lang="en-US" sz="1500" i="0" dirty="0"/>
-                    </a:p>
-                  </a:txBody>
-                  <a:tcPr marL="75428" marR="75428" marT="37714" marB="37714" anchor="ctr">
-                    <a:solidFill>
-                      <a:schemeClr val="bg1">
-                        <a:lumMod val="85000"/>
-                      </a:schemeClr>
-                    </a:solidFill>
-                  </a:tcPr>
-                </a:tc>
-                <a:tc>
-                  <a:txBody>
-                    <a:bodyPr/>
-                    <a:lstStyle/>
-                    <a:p>
-                      <a:pPr algn="l"/>
-                      <a:r>
-                        <a:rPr lang="en-US" sz="1500" b="0" i="0" kern="1200" dirty="0" err="1">
-                          <a:solidFill>
-                            <a:schemeClr val="tx1"/>
-                          </a:solidFill>
-                          <a:effectLst/>
-                          <a:latin typeface="Consolas" panose="020B0609020204030204" pitchFamily="49" charset="0"/>
-                          <a:ea typeface="+mn-ea"/>
-                          <a:cs typeface="+mn-cs"/>
-                        </a:rPr>
-                        <a:t>device_code</a:t>
-                      </a:r>
-                      <a:endParaRPr lang="de-AT" sz="1500" b="0" dirty="0">
-                        <a:latin typeface="Consolas" panose="020B0609020204030204" pitchFamily="49" charset="0"/>
-                      </a:endParaRPr>
-                    </a:p>
-                  </a:txBody>
-                  <a:tcPr marL="75428" marR="75428" marT="37714" marB="37714" anchor="ctr"/>
-                </a:tc>
-                <a:extLst>
-                  <a:ext uri="{0D108BD9-81ED-4DB2-BD59-A6C34878D82A}">
-                    <a16:rowId xmlns:a16="http://schemas.microsoft.com/office/drawing/2014/main" val="3088025262"/>
-                  </a:ext>
-                </a:extLst>
-              </a:tr>
-            </a:tbl>
-          </a:graphicData>
-        </a:graphic>
-      </p:graphicFrame>
-    </p:spTree>
-    <p:extLst>
-      <p:ext uri="{BB962C8B-B14F-4D97-AF65-F5344CB8AC3E}">
-        <p14:creationId xmlns:p14="http://schemas.microsoft.com/office/powerpoint/2010/main" val="1154701325"/>
       </p:ext>
     </p:extLst>
   </p:cSld>
@@ -45507,6 +45043,1792 @@
           <p:cNvPr id="2" name="Title 1">
             <a:extLst>
               <a:ext uri="{FF2B5EF4-FFF2-40B4-BE49-F238E27FC236}">
+                <a16:creationId xmlns:a16="http://schemas.microsoft.com/office/drawing/2014/main" id="{348397C1-A147-42F6-8AF5-33AF5868C7CC}"/>
+              </a:ext>
+            </a:extLst>
+          </p:cNvPr>
+          <p:cNvSpPr>
+            <a:spLocks noGrp="1"/>
+          </p:cNvSpPr>
+          <p:nvPr>
+            <p:ph type="title"/>
+          </p:nvPr>
+        </p:nvSpPr>
+        <p:spPr/>
+        <p:txBody>
+          <a:bodyPr/>
+          <a:lstStyle/>
+          <a:p>
+            <a:r>
+              <a:rPr lang="de-AT" dirty="0"/>
+              <a:t>Zusammenfassung Grant/Flow Features</a:t>
+            </a:r>
+            <a:endParaRPr lang="en-US" dirty="0"/>
+          </a:p>
+        </p:txBody>
+      </p:sp>
+      <p:graphicFrame>
+        <p:nvGraphicFramePr>
+          <p:cNvPr id="3" name="Table 2">
+            <a:extLst>
+              <a:ext uri="{FF2B5EF4-FFF2-40B4-BE49-F238E27FC236}">
+                <a16:creationId xmlns:a16="http://schemas.microsoft.com/office/drawing/2014/main" id="{92A1B128-AAB2-47F0-9CD1-9CCC30105557}"/>
+              </a:ext>
+            </a:extLst>
+          </p:cNvPr>
+          <p:cNvGraphicFramePr>
+            <a:graphicFrameLocks noGrp="1"/>
+          </p:cNvGraphicFramePr>
+          <p:nvPr>
+            <p:extLst>
+              <p:ext uri="{D42A27DB-BD31-4B8C-83A1-F6EECF244321}">
+                <p14:modId xmlns:p14="http://schemas.microsoft.com/office/powerpoint/2010/main" val="2392915148"/>
+              </p:ext>
+            </p:extLst>
+          </p:nvPr>
+        </p:nvGraphicFramePr>
+        <p:xfrm>
+          <a:off x="838200" y="1350869"/>
+          <a:ext cx="10440003" cy="5245549"/>
+        </p:xfrm>
+        <a:graphic>
+          <a:graphicData uri="http://schemas.openxmlformats.org/drawingml/2006/table">
+            <a:tbl>
+              <a:tblPr firstRow="1" bandRow="1">
+                <a:tableStyleId>{5940675A-B579-460E-94D1-54222C63F5DA}</a:tableStyleId>
+              </a:tblPr>
+              <a:tblGrid>
+                <a:gridCol w="1664855">
+                  <a:extLst>
+                    <a:ext uri="{9D8B030D-6E8A-4147-A177-3AD203B41FA5}">
+                      <a16:colId xmlns:a16="http://schemas.microsoft.com/office/drawing/2014/main" val="1929636500"/>
+                    </a:ext>
+                  </a:extLst>
+                </a:gridCol>
+                <a:gridCol w="1318003">
+                  <a:extLst>
+                    <a:ext uri="{9D8B030D-6E8A-4147-A177-3AD203B41FA5}">
+                      <a16:colId xmlns:a16="http://schemas.microsoft.com/office/drawing/2014/main" val="395898648"/>
+                    </a:ext>
+                  </a:extLst>
+                </a:gridCol>
+                <a:gridCol w="1491429">
+                  <a:extLst>
+                    <a:ext uri="{9D8B030D-6E8A-4147-A177-3AD203B41FA5}">
+                      <a16:colId xmlns:a16="http://schemas.microsoft.com/office/drawing/2014/main" val="1690800767"/>
+                    </a:ext>
+                  </a:extLst>
+                </a:gridCol>
+                <a:gridCol w="1491429">
+                  <a:extLst>
+                    <a:ext uri="{9D8B030D-6E8A-4147-A177-3AD203B41FA5}">
+                      <a16:colId xmlns:a16="http://schemas.microsoft.com/office/drawing/2014/main" val="3240070001"/>
+                    </a:ext>
+                  </a:extLst>
+                </a:gridCol>
+                <a:gridCol w="1491429">
+                  <a:extLst>
+                    <a:ext uri="{9D8B030D-6E8A-4147-A177-3AD203B41FA5}">
+                      <a16:colId xmlns:a16="http://schemas.microsoft.com/office/drawing/2014/main" val="116783287"/>
+                    </a:ext>
+                  </a:extLst>
+                </a:gridCol>
+                <a:gridCol w="1491429">
+                  <a:extLst>
+                    <a:ext uri="{9D8B030D-6E8A-4147-A177-3AD203B41FA5}">
+                      <a16:colId xmlns:a16="http://schemas.microsoft.com/office/drawing/2014/main" val="492657174"/>
+                    </a:ext>
+                  </a:extLst>
+                </a:gridCol>
+                <a:gridCol w="1491429">
+                  <a:extLst>
+                    <a:ext uri="{9D8B030D-6E8A-4147-A177-3AD203B41FA5}">
+                      <a16:colId xmlns:a16="http://schemas.microsoft.com/office/drawing/2014/main" val="847277139"/>
+                    </a:ext>
+                  </a:extLst>
+                </a:gridCol>
+              </a:tblGrid>
+              <a:tr h="652650">
+                <a:tc>
+                  <a:txBody>
+                    <a:bodyPr/>
+                    <a:lstStyle/>
+                    <a:p>
+                      <a:pPr algn="ctr"/>
+                      <a:endParaRPr lang="en-US" dirty="0">
+                        <a:solidFill>
+                          <a:schemeClr val="bg1"/>
+                        </a:solidFill>
+                      </a:endParaRPr>
+                    </a:p>
+                  </a:txBody>
+                  <a:tcPr anchor="ctr">
+                    <a:solidFill>
+                      <a:schemeClr val="tx1"/>
+                    </a:solidFill>
+                  </a:tcPr>
+                </a:tc>
+                <a:tc>
+                  <a:txBody>
+                    <a:bodyPr/>
+                    <a:lstStyle/>
+                    <a:p>
+                      <a:pPr algn="ctr"/>
+                      <a:r>
+                        <a:rPr lang="de-AT" dirty="0">
+                          <a:solidFill>
+                            <a:schemeClr val="bg1"/>
+                          </a:solidFill>
+                        </a:rPr>
+                        <a:t>Client </a:t>
+                      </a:r>
+                      <a:r>
+                        <a:rPr lang="de-AT" dirty="0" err="1">
+                          <a:solidFill>
+                            <a:schemeClr val="bg1"/>
+                          </a:solidFill>
+                        </a:rPr>
+                        <a:t>Credential</a:t>
+                      </a:r>
+                      <a:r>
+                        <a:rPr lang="de-AT" dirty="0">
+                          <a:solidFill>
+                            <a:schemeClr val="bg1"/>
+                          </a:solidFill>
+                        </a:rPr>
+                        <a:t> Grant</a:t>
+                      </a:r>
+                      <a:endParaRPr lang="en-US" dirty="0">
+                        <a:solidFill>
+                          <a:schemeClr val="bg1"/>
+                        </a:solidFill>
+                      </a:endParaRPr>
+                    </a:p>
+                  </a:txBody>
+                  <a:tcPr anchor="ctr">
+                    <a:solidFill>
+                      <a:schemeClr val="tx1"/>
+                    </a:solidFill>
+                  </a:tcPr>
+                </a:tc>
+                <a:tc>
+                  <a:txBody>
+                    <a:bodyPr/>
+                    <a:lstStyle/>
+                    <a:p>
+                      <a:pPr algn="ctr"/>
+                      <a:r>
+                        <a:rPr lang="de-AT" dirty="0" err="1">
+                          <a:solidFill>
+                            <a:schemeClr val="bg1"/>
+                          </a:solidFill>
+                        </a:rPr>
+                        <a:t>Resource</a:t>
+                      </a:r>
+                      <a:r>
+                        <a:rPr lang="de-AT" dirty="0">
+                          <a:solidFill>
+                            <a:schemeClr val="bg1"/>
+                          </a:solidFill>
+                        </a:rPr>
+                        <a:t> </a:t>
+                      </a:r>
+                      <a:r>
+                        <a:rPr lang="de-AT" dirty="0" err="1">
+                          <a:solidFill>
+                            <a:schemeClr val="bg1"/>
+                          </a:solidFill>
+                        </a:rPr>
+                        <a:t>Owner</a:t>
+                      </a:r>
+                      <a:r>
+                        <a:rPr lang="de-AT" dirty="0">
+                          <a:solidFill>
+                            <a:schemeClr val="bg1"/>
+                          </a:solidFill>
+                        </a:rPr>
+                        <a:t> </a:t>
+                      </a:r>
+                      <a:r>
+                        <a:rPr lang="de-AT" dirty="0" err="1">
+                          <a:solidFill>
+                            <a:schemeClr val="bg1"/>
+                          </a:solidFill>
+                        </a:rPr>
+                        <a:t>Pwd</a:t>
+                      </a:r>
+                      <a:r>
+                        <a:rPr lang="de-AT" dirty="0">
+                          <a:solidFill>
+                            <a:schemeClr val="bg1"/>
+                          </a:solidFill>
+                        </a:rPr>
+                        <a:t> Grant</a:t>
+                      </a:r>
+                      <a:endParaRPr lang="en-US" dirty="0">
+                        <a:solidFill>
+                          <a:schemeClr val="bg1"/>
+                        </a:solidFill>
+                      </a:endParaRPr>
+                    </a:p>
+                  </a:txBody>
+                  <a:tcPr anchor="ctr">
+                    <a:solidFill>
+                      <a:schemeClr val="tx1"/>
+                    </a:solidFill>
+                  </a:tcPr>
+                </a:tc>
+                <a:tc>
+                  <a:txBody>
+                    <a:bodyPr/>
+                    <a:lstStyle/>
+                    <a:p>
+                      <a:pPr algn="ctr"/>
+                      <a:r>
+                        <a:rPr lang="de-AT" dirty="0" err="1">
+                          <a:solidFill>
+                            <a:schemeClr val="bg1"/>
+                          </a:solidFill>
+                        </a:rPr>
+                        <a:t>Authorization</a:t>
+                      </a:r>
+                      <a:r>
+                        <a:rPr lang="de-AT" dirty="0">
+                          <a:solidFill>
+                            <a:schemeClr val="bg1"/>
+                          </a:solidFill>
+                        </a:rPr>
+                        <a:t> Code Flow</a:t>
+                      </a:r>
+                      <a:endParaRPr lang="en-US" dirty="0">
+                        <a:solidFill>
+                          <a:schemeClr val="bg1"/>
+                        </a:solidFill>
+                      </a:endParaRPr>
+                    </a:p>
+                  </a:txBody>
+                  <a:tcPr anchor="ctr">
+                    <a:solidFill>
+                      <a:schemeClr val="tx1"/>
+                    </a:solidFill>
+                  </a:tcPr>
+                </a:tc>
+                <a:tc>
+                  <a:txBody>
+                    <a:bodyPr/>
+                    <a:lstStyle/>
+                    <a:p>
+                      <a:pPr algn="ctr"/>
+                      <a:r>
+                        <a:rPr lang="de-AT" dirty="0" err="1">
+                          <a:solidFill>
+                            <a:schemeClr val="bg1"/>
+                          </a:solidFill>
+                        </a:rPr>
+                        <a:t>Implict</a:t>
+                      </a:r>
+                      <a:r>
+                        <a:rPr lang="de-AT" dirty="0">
+                          <a:solidFill>
+                            <a:schemeClr val="bg1"/>
+                          </a:solidFill>
+                        </a:rPr>
+                        <a:t> Flow</a:t>
+                      </a:r>
+                      <a:endParaRPr lang="en-US" dirty="0">
+                        <a:solidFill>
+                          <a:schemeClr val="bg1"/>
+                        </a:solidFill>
+                      </a:endParaRPr>
+                    </a:p>
+                  </a:txBody>
+                  <a:tcPr anchor="ctr">
+                    <a:solidFill>
+                      <a:schemeClr val="tx1"/>
+                    </a:solidFill>
+                  </a:tcPr>
+                </a:tc>
+                <a:tc>
+                  <a:txBody>
+                    <a:bodyPr/>
+                    <a:lstStyle/>
+                    <a:p>
+                      <a:pPr algn="ctr"/>
+                      <a:r>
+                        <a:rPr lang="de-AT" dirty="0">
+                          <a:solidFill>
+                            <a:schemeClr val="bg1"/>
+                          </a:solidFill>
+                        </a:rPr>
+                        <a:t>Hybrid Flow</a:t>
+                      </a:r>
+                      <a:endParaRPr lang="en-US" dirty="0">
+                        <a:solidFill>
+                          <a:schemeClr val="bg1"/>
+                        </a:solidFill>
+                      </a:endParaRPr>
+                    </a:p>
+                  </a:txBody>
+                  <a:tcPr anchor="ctr">
+                    <a:solidFill>
+                      <a:schemeClr val="tx1"/>
+                    </a:solidFill>
+                  </a:tcPr>
+                </a:tc>
+                <a:tc>
+                  <a:txBody>
+                    <a:bodyPr/>
+                    <a:lstStyle/>
+                    <a:p>
+                      <a:pPr algn="ctr"/>
+                      <a:r>
+                        <a:rPr lang="de-AT" dirty="0">
+                          <a:solidFill>
+                            <a:schemeClr val="bg1"/>
+                          </a:solidFill>
+                        </a:rPr>
+                        <a:t>Device Auth Grant</a:t>
+                      </a:r>
+                      <a:endParaRPr lang="en-US" dirty="0">
+                        <a:solidFill>
+                          <a:schemeClr val="bg1"/>
+                        </a:solidFill>
+                      </a:endParaRPr>
+                    </a:p>
+                  </a:txBody>
+                  <a:tcPr anchor="ctr">
+                    <a:solidFill>
+                      <a:schemeClr val="tx1"/>
+                    </a:solidFill>
+                  </a:tcPr>
+                </a:tc>
+                <a:extLst>
+                  <a:ext uri="{0D108BD9-81ED-4DB2-BD59-A6C34878D82A}">
+                    <a16:rowId xmlns:a16="http://schemas.microsoft.com/office/drawing/2014/main" val="1928875511"/>
+                  </a:ext>
+                </a:extLst>
+              </a:tr>
+              <a:tr h="825139">
+                <a:tc>
+                  <a:txBody>
+                    <a:bodyPr/>
+                    <a:lstStyle/>
+                    <a:p>
+                      <a:pPr algn="ctr"/>
+                      <a:r>
+                        <a:rPr lang="de-AT" dirty="0"/>
+                        <a:t>Alle Tokens von </a:t>
+                      </a:r>
+                      <a:r>
+                        <a:rPr lang="de-AT" i="1" dirty="0" err="1"/>
+                        <a:t>Authorization</a:t>
+                      </a:r>
+                      <a:r>
+                        <a:rPr lang="de-AT" i="1" dirty="0"/>
+                        <a:t> Endpunkt</a:t>
+                      </a:r>
+                      <a:endParaRPr lang="en-US" i="1" dirty="0"/>
+                    </a:p>
+                  </a:txBody>
+                  <a:tcPr anchor="ctr">
+                    <a:solidFill>
+                      <a:schemeClr val="bg1">
+                        <a:lumMod val="85000"/>
+                      </a:schemeClr>
+                    </a:solidFill>
+                  </a:tcPr>
+                </a:tc>
+                <a:tc>
+                  <a:txBody>
+                    <a:bodyPr/>
+                    <a:lstStyle/>
+                    <a:p>
+                      <a:pPr algn="ctr"/>
+                      <a:endParaRPr lang="en-US" dirty="0"/>
+                    </a:p>
+                  </a:txBody>
+                  <a:tcPr anchor="ctr"/>
+                </a:tc>
+                <a:tc>
+                  <a:txBody>
+                    <a:bodyPr/>
+                    <a:lstStyle/>
+                    <a:p>
+                      <a:pPr algn="ctr"/>
+                      <a:endParaRPr lang="en-US" dirty="0"/>
+                    </a:p>
+                  </a:txBody>
+                  <a:tcPr anchor="ctr"/>
+                </a:tc>
+                <a:tc>
+                  <a:txBody>
+                    <a:bodyPr/>
+                    <a:lstStyle/>
+                    <a:p>
+                      <a:pPr algn="ctr"/>
+                      <a:endParaRPr lang="en-US" dirty="0"/>
+                    </a:p>
+                  </a:txBody>
+                  <a:tcPr anchor="ctr"/>
+                </a:tc>
+                <a:tc>
+                  <a:txBody>
+                    <a:bodyPr/>
+                    <a:lstStyle/>
+                    <a:p>
+                      <a:pPr algn="ctr"/>
+                      <a:r>
+                        <a:rPr lang="de-AT" dirty="0"/>
+                        <a:t>X</a:t>
+                      </a:r>
+                      <a:endParaRPr lang="en-US" dirty="0"/>
+                    </a:p>
+                  </a:txBody>
+                  <a:tcPr anchor="ctr"/>
+                </a:tc>
+                <a:tc>
+                  <a:txBody>
+                    <a:bodyPr/>
+                    <a:lstStyle/>
+                    <a:p>
+                      <a:pPr algn="ctr"/>
+                      <a:endParaRPr lang="en-US" dirty="0"/>
+                    </a:p>
+                  </a:txBody>
+                  <a:tcPr anchor="ctr"/>
+                </a:tc>
+                <a:tc>
+                  <a:txBody>
+                    <a:bodyPr/>
+                    <a:lstStyle/>
+                    <a:p>
+                      <a:pPr algn="ctr"/>
+                      <a:endParaRPr lang="en-US" dirty="0"/>
+                    </a:p>
+                  </a:txBody>
+                  <a:tcPr anchor="ctr"/>
+                </a:tc>
+                <a:extLst>
+                  <a:ext uri="{0D108BD9-81ED-4DB2-BD59-A6C34878D82A}">
+                    <a16:rowId xmlns:a16="http://schemas.microsoft.com/office/drawing/2014/main" val="1320869910"/>
+                  </a:ext>
+                </a:extLst>
+              </a:tr>
+              <a:tr h="904392">
+                <a:tc>
+                  <a:txBody>
+                    <a:bodyPr/>
+                    <a:lstStyle/>
+                    <a:p>
+                      <a:pPr marL="0" marR="0" lvl="0" indent="0" algn="ctr" defTabSz="914400" rtl="0" eaLnBrk="1" fontAlgn="auto" latinLnBrk="0" hangingPunct="1">
+                        <a:lnSpc>
+                          <a:spcPct val="100000"/>
+                        </a:lnSpc>
+                        <a:spcBef>
+                          <a:spcPts val="0"/>
+                        </a:spcBef>
+                        <a:spcAft>
+                          <a:spcPts val="0"/>
+                        </a:spcAft>
+                        <a:buClrTx/>
+                        <a:buSzTx/>
+                        <a:buFontTx/>
+                        <a:buNone/>
+                        <a:tabLst/>
+                        <a:defRPr/>
+                      </a:pPr>
+                      <a:r>
+                        <a:rPr lang="de-AT" dirty="0"/>
+                        <a:t>Alle Tokens von </a:t>
+                      </a:r>
+                      <a:r>
+                        <a:rPr lang="de-AT" i="1" dirty="0"/>
+                        <a:t>Token Endpunkt</a:t>
+                      </a:r>
+                      <a:endParaRPr lang="en-US" i="1" dirty="0"/>
+                    </a:p>
+                  </a:txBody>
+                  <a:tcPr anchor="ctr">
+                    <a:solidFill>
+                      <a:schemeClr val="bg1">
+                        <a:lumMod val="85000"/>
+                      </a:schemeClr>
+                    </a:solidFill>
+                  </a:tcPr>
+                </a:tc>
+                <a:tc>
+                  <a:txBody>
+                    <a:bodyPr/>
+                    <a:lstStyle/>
+                    <a:p>
+                      <a:pPr algn="ctr"/>
+                      <a:r>
+                        <a:rPr lang="de-AT" dirty="0"/>
+                        <a:t>X</a:t>
+                      </a:r>
+                      <a:endParaRPr lang="en-US" dirty="0"/>
+                    </a:p>
+                  </a:txBody>
+                  <a:tcPr anchor="ctr"/>
+                </a:tc>
+                <a:tc>
+                  <a:txBody>
+                    <a:bodyPr/>
+                    <a:lstStyle/>
+                    <a:p>
+                      <a:pPr algn="ctr"/>
+                      <a:r>
+                        <a:rPr lang="de-AT" dirty="0"/>
+                        <a:t>X</a:t>
+                      </a:r>
+                      <a:endParaRPr lang="en-US" dirty="0"/>
+                    </a:p>
+                  </a:txBody>
+                  <a:tcPr anchor="ctr"/>
+                </a:tc>
+                <a:tc>
+                  <a:txBody>
+                    <a:bodyPr/>
+                    <a:lstStyle/>
+                    <a:p>
+                      <a:pPr algn="ctr"/>
+                      <a:r>
+                        <a:rPr lang="de-AT" dirty="0"/>
+                        <a:t>X</a:t>
+                      </a:r>
+                      <a:endParaRPr lang="en-US" dirty="0"/>
+                    </a:p>
+                  </a:txBody>
+                  <a:tcPr anchor="ctr"/>
+                </a:tc>
+                <a:tc>
+                  <a:txBody>
+                    <a:bodyPr/>
+                    <a:lstStyle/>
+                    <a:p>
+                      <a:pPr algn="ctr"/>
+                      <a:endParaRPr lang="en-US" dirty="0"/>
+                    </a:p>
+                  </a:txBody>
+                  <a:tcPr anchor="ctr"/>
+                </a:tc>
+                <a:tc>
+                  <a:txBody>
+                    <a:bodyPr/>
+                    <a:lstStyle/>
+                    <a:p>
+                      <a:pPr algn="ctr"/>
+                      <a:endParaRPr lang="en-US" dirty="0"/>
+                    </a:p>
+                  </a:txBody>
+                  <a:tcPr anchor="ctr"/>
+                </a:tc>
+                <a:tc>
+                  <a:txBody>
+                    <a:bodyPr/>
+                    <a:lstStyle/>
+                    <a:p>
+                      <a:pPr algn="ctr"/>
+                      <a:r>
+                        <a:rPr lang="de-AT" dirty="0"/>
+                        <a:t>X</a:t>
+                      </a:r>
+                      <a:endParaRPr lang="en-US" dirty="0"/>
+                    </a:p>
+                  </a:txBody>
+                  <a:tcPr anchor="ctr"/>
+                </a:tc>
+                <a:extLst>
+                  <a:ext uri="{0D108BD9-81ED-4DB2-BD59-A6C34878D82A}">
+                    <a16:rowId xmlns:a16="http://schemas.microsoft.com/office/drawing/2014/main" val="685321953"/>
+                  </a:ext>
+                </a:extLst>
+              </a:tr>
+              <a:tr h="904392">
+                <a:tc>
+                  <a:txBody>
+                    <a:bodyPr/>
+                    <a:lstStyle/>
+                    <a:p>
+                      <a:pPr marL="0" marR="0" lvl="0" indent="0" algn="ctr" defTabSz="914400" rtl="0" eaLnBrk="1" fontAlgn="auto" latinLnBrk="0" hangingPunct="1">
+                        <a:lnSpc>
+                          <a:spcPct val="100000"/>
+                        </a:lnSpc>
+                        <a:spcBef>
+                          <a:spcPts val="0"/>
+                        </a:spcBef>
+                        <a:spcAft>
+                          <a:spcPts val="0"/>
+                        </a:spcAft>
+                        <a:buClrTx/>
+                        <a:buSzTx/>
+                        <a:buFontTx/>
+                        <a:buNone/>
+                        <a:tabLst/>
+                        <a:defRPr/>
+                      </a:pPr>
+                      <a:r>
+                        <a:rPr lang="de-AT" i="0" dirty="0"/>
+                        <a:t>Tokens über User Agent gesendet</a:t>
+                      </a:r>
+                      <a:endParaRPr lang="en-US" i="0" dirty="0"/>
+                    </a:p>
+                  </a:txBody>
+                  <a:tcPr anchor="ctr">
+                    <a:solidFill>
+                      <a:schemeClr val="bg1">
+                        <a:lumMod val="85000"/>
+                      </a:schemeClr>
+                    </a:solidFill>
+                  </a:tcPr>
+                </a:tc>
+                <a:tc>
+                  <a:txBody>
+                    <a:bodyPr/>
+                    <a:lstStyle/>
+                    <a:p>
+                      <a:pPr algn="ctr"/>
+                      <a:endParaRPr lang="de-AT" dirty="0"/>
+                    </a:p>
+                  </a:txBody>
+                  <a:tcPr anchor="ctr"/>
+                </a:tc>
+                <a:tc>
+                  <a:txBody>
+                    <a:bodyPr/>
+                    <a:lstStyle/>
+                    <a:p>
+                      <a:pPr algn="ctr"/>
+                      <a:endParaRPr lang="en-US" dirty="0"/>
+                    </a:p>
+                  </a:txBody>
+                  <a:tcPr anchor="ctr"/>
+                </a:tc>
+                <a:tc>
+                  <a:txBody>
+                    <a:bodyPr/>
+                    <a:lstStyle/>
+                    <a:p>
+                      <a:pPr algn="ctr"/>
+                      <a:endParaRPr lang="en-US" dirty="0"/>
+                    </a:p>
+                  </a:txBody>
+                  <a:tcPr anchor="ctr"/>
+                </a:tc>
+                <a:tc>
+                  <a:txBody>
+                    <a:bodyPr/>
+                    <a:lstStyle/>
+                    <a:p>
+                      <a:pPr algn="ctr"/>
+                      <a:r>
+                        <a:rPr lang="de-AT" dirty="0"/>
+                        <a:t>X</a:t>
+                      </a:r>
+                      <a:endParaRPr lang="en-US" dirty="0"/>
+                    </a:p>
+                  </a:txBody>
+                  <a:tcPr anchor="ctr"/>
+                </a:tc>
+                <a:tc>
+                  <a:txBody>
+                    <a:bodyPr/>
+                    <a:lstStyle/>
+                    <a:p>
+                      <a:pPr algn="ctr"/>
+                      <a:r>
+                        <a:rPr lang="de-AT" dirty="0"/>
+                        <a:t>X</a:t>
+                      </a:r>
+                      <a:endParaRPr lang="en-US" dirty="0"/>
+                    </a:p>
+                  </a:txBody>
+                  <a:tcPr anchor="ctr"/>
+                </a:tc>
+                <a:tc>
+                  <a:txBody>
+                    <a:bodyPr/>
+                    <a:lstStyle/>
+                    <a:p>
+                      <a:pPr algn="ctr"/>
+                      <a:endParaRPr lang="en-US" dirty="0"/>
+                    </a:p>
+                  </a:txBody>
+                  <a:tcPr anchor="ctr"/>
+                </a:tc>
+                <a:extLst>
+                  <a:ext uri="{0D108BD9-81ED-4DB2-BD59-A6C34878D82A}">
+                    <a16:rowId xmlns:a16="http://schemas.microsoft.com/office/drawing/2014/main" val="356802342"/>
+                  </a:ext>
+                </a:extLst>
+              </a:tr>
+              <a:tr h="683557">
+                <a:tc>
+                  <a:txBody>
+                    <a:bodyPr/>
+                    <a:lstStyle/>
+                    <a:p>
+                      <a:pPr marL="0" marR="0" lvl="0" indent="0" algn="ctr" defTabSz="914400" rtl="0" eaLnBrk="1" fontAlgn="auto" latinLnBrk="0" hangingPunct="1">
+                        <a:lnSpc>
+                          <a:spcPct val="100000"/>
+                        </a:lnSpc>
+                        <a:spcBef>
+                          <a:spcPts val="0"/>
+                        </a:spcBef>
+                        <a:spcAft>
+                          <a:spcPts val="0"/>
+                        </a:spcAft>
+                        <a:buClrTx/>
+                        <a:buSzTx/>
+                        <a:buFontTx/>
+                        <a:buNone/>
+                        <a:tabLst/>
+                        <a:defRPr/>
+                      </a:pPr>
+                      <a:r>
+                        <a:rPr lang="de-AT" i="1" dirty="0"/>
+                        <a:t>Refresh Token </a:t>
+                      </a:r>
+                      <a:r>
+                        <a:rPr lang="de-AT" i="0" dirty="0"/>
+                        <a:t>unterstützt</a:t>
+                      </a:r>
+                      <a:endParaRPr lang="en-US" i="0" dirty="0"/>
+                    </a:p>
+                  </a:txBody>
+                  <a:tcPr anchor="ctr">
+                    <a:solidFill>
+                      <a:schemeClr val="bg1">
+                        <a:lumMod val="85000"/>
+                      </a:schemeClr>
+                    </a:solidFill>
+                  </a:tcPr>
+                </a:tc>
+                <a:tc>
+                  <a:txBody>
+                    <a:bodyPr/>
+                    <a:lstStyle/>
+                    <a:p>
+                      <a:pPr algn="ctr"/>
+                      <a:endParaRPr lang="de-AT" dirty="0"/>
+                    </a:p>
+                  </a:txBody>
+                  <a:tcPr anchor="ctr"/>
+                </a:tc>
+                <a:tc>
+                  <a:txBody>
+                    <a:bodyPr/>
+                    <a:lstStyle/>
+                    <a:p>
+                      <a:pPr algn="ctr"/>
+                      <a:r>
+                        <a:rPr lang="de-AT" dirty="0"/>
+                        <a:t>X</a:t>
+                      </a:r>
+                      <a:endParaRPr lang="en-US" dirty="0"/>
+                    </a:p>
+                  </a:txBody>
+                  <a:tcPr anchor="ctr"/>
+                </a:tc>
+                <a:tc>
+                  <a:txBody>
+                    <a:bodyPr/>
+                    <a:lstStyle/>
+                    <a:p>
+                      <a:pPr algn="ctr"/>
+                      <a:r>
+                        <a:rPr lang="de-AT" dirty="0"/>
+                        <a:t>X</a:t>
+                      </a:r>
+                      <a:endParaRPr lang="en-US" dirty="0"/>
+                    </a:p>
+                  </a:txBody>
+                  <a:tcPr anchor="ctr"/>
+                </a:tc>
+                <a:tc>
+                  <a:txBody>
+                    <a:bodyPr/>
+                    <a:lstStyle/>
+                    <a:p>
+                      <a:pPr algn="ctr"/>
+                      <a:endParaRPr lang="en-US" dirty="0"/>
+                    </a:p>
+                  </a:txBody>
+                  <a:tcPr anchor="ctr"/>
+                </a:tc>
+                <a:tc>
+                  <a:txBody>
+                    <a:bodyPr/>
+                    <a:lstStyle/>
+                    <a:p>
+                      <a:pPr algn="ctr"/>
+                      <a:r>
+                        <a:rPr lang="de-AT" dirty="0"/>
+                        <a:t>X</a:t>
+                      </a:r>
+                    </a:p>
+                  </a:txBody>
+                  <a:tcPr anchor="ctr"/>
+                </a:tc>
+                <a:tc>
+                  <a:txBody>
+                    <a:bodyPr/>
+                    <a:lstStyle/>
+                    <a:p>
+                      <a:pPr algn="ctr"/>
+                      <a:r>
+                        <a:rPr lang="de-AT" dirty="0"/>
+                        <a:t>X</a:t>
+                      </a:r>
+                    </a:p>
+                  </a:txBody>
+                  <a:tcPr anchor="ctr"/>
+                </a:tc>
+                <a:extLst>
+                  <a:ext uri="{0D108BD9-81ED-4DB2-BD59-A6C34878D82A}">
+                    <a16:rowId xmlns:a16="http://schemas.microsoft.com/office/drawing/2014/main" val="1447987830"/>
+                  </a:ext>
+                </a:extLst>
+              </a:tr>
+              <a:tr h="683557">
+                <a:tc>
+                  <a:txBody>
+                    <a:bodyPr/>
+                    <a:lstStyle/>
+                    <a:p>
+                      <a:pPr marL="0" marR="0" lvl="0" indent="0" algn="ctr" defTabSz="914400" rtl="0" eaLnBrk="1" fontAlgn="auto" latinLnBrk="0" hangingPunct="1">
+                        <a:lnSpc>
+                          <a:spcPct val="100000"/>
+                        </a:lnSpc>
+                        <a:spcBef>
+                          <a:spcPts val="0"/>
+                        </a:spcBef>
+                        <a:spcAft>
+                          <a:spcPts val="0"/>
+                        </a:spcAft>
+                        <a:buClrTx/>
+                        <a:buSzTx/>
+                        <a:buFontTx/>
+                        <a:buNone/>
+                        <a:tabLst/>
+                        <a:defRPr/>
+                      </a:pPr>
+                      <a:r>
+                        <a:rPr lang="de-AT" i="0" dirty="0"/>
+                        <a:t>Token via ein einziges </a:t>
+                      </a:r>
+                      <a:r>
+                        <a:rPr lang="de-AT" i="0" dirty="0" err="1"/>
+                        <a:t>Roundtrip</a:t>
+                      </a:r>
+                      <a:endParaRPr lang="en-US" i="0" dirty="0"/>
+                    </a:p>
+                  </a:txBody>
+                  <a:tcPr anchor="ctr">
+                    <a:solidFill>
+                      <a:schemeClr val="bg1">
+                        <a:lumMod val="85000"/>
+                      </a:schemeClr>
+                    </a:solidFill>
+                  </a:tcPr>
+                </a:tc>
+                <a:tc>
+                  <a:txBody>
+                    <a:bodyPr/>
+                    <a:lstStyle/>
+                    <a:p>
+                      <a:pPr algn="ctr"/>
+                      <a:r>
+                        <a:rPr lang="de-AT" dirty="0"/>
+                        <a:t>X</a:t>
+                      </a:r>
+                    </a:p>
+                  </a:txBody>
+                  <a:tcPr anchor="ctr"/>
+                </a:tc>
+                <a:tc>
+                  <a:txBody>
+                    <a:bodyPr/>
+                    <a:lstStyle/>
+                    <a:p>
+                      <a:pPr algn="ctr"/>
+                      <a:r>
+                        <a:rPr lang="de-AT" dirty="0"/>
+                        <a:t>X</a:t>
+                      </a:r>
+                      <a:endParaRPr lang="en-US" dirty="0"/>
+                    </a:p>
+                  </a:txBody>
+                  <a:tcPr anchor="ctr"/>
+                </a:tc>
+                <a:tc>
+                  <a:txBody>
+                    <a:bodyPr/>
+                    <a:lstStyle/>
+                    <a:p>
+                      <a:pPr algn="ctr"/>
+                      <a:endParaRPr lang="en-US" dirty="0"/>
+                    </a:p>
+                  </a:txBody>
+                  <a:tcPr anchor="ctr"/>
+                </a:tc>
+                <a:tc>
+                  <a:txBody>
+                    <a:bodyPr/>
+                    <a:lstStyle/>
+                    <a:p>
+                      <a:pPr algn="ctr"/>
+                      <a:r>
+                        <a:rPr lang="de-AT" dirty="0"/>
+                        <a:t>X</a:t>
+                      </a:r>
+                      <a:endParaRPr lang="en-US" dirty="0"/>
+                    </a:p>
+                  </a:txBody>
+                  <a:tcPr anchor="ctr"/>
+                </a:tc>
+                <a:tc>
+                  <a:txBody>
+                    <a:bodyPr/>
+                    <a:lstStyle/>
+                    <a:p>
+                      <a:pPr algn="ctr"/>
+                      <a:endParaRPr lang="de-AT" dirty="0"/>
+                    </a:p>
+                  </a:txBody>
+                  <a:tcPr anchor="ctr"/>
+                </a:tc>
+                <a:tc>
+                  <a:txBody>
+                    <a:bodyPr/>
+                    <a:lstStyle/>
+                    <a:p>
+                      <a:pPr algn="ctr"/>
+                      <a:endParaRPr lang="de-AT" dirty="0"/>
+                    </a:p>
+                  </a:txBody>
+                  <a:tcPr anchor="ctr"/>
+                </a:tc>
+                <a:extLst>
+                  <a:ext uri="{0D108BD9-81ED-4DB2-BD59-A6C34878D82A}">
+                    <a16:rowId xmlns:a16="http://schemas.microsoft.com/office/drawing/2014/main" val="757970485"/>
+                  </a:ext>
+                </a:extLst>
+              </a:tr>
+            </a:tbl>
+          </a:graphicData>
+        </a:graphic>
+      </p:graphicFrame>
+    </p:spTree>
+    <p:extLst>
+      <p:ext uri="{BB962C8B-B14F-4D97-AF65-F5344CB8AC3E}">
+        <p14:creationId xmlns:p14="http://schemas.microsoft.com/office/powerpoint/2010/main" val="3957468252"/>
+      </p:ext>
+    </p:extLst>
+  </p:cSld>
+  <p:clrMapOvr>
+    <a:masterClrMapping/>
+  </p:clrMapOvr>
+</p:sld>
+</file>
+
+<file path=ppt/slides/slide51.xml><?xml version="1.0" encoding="utf-8"?>
+<p:sld xmlns:a="http://schemas.openxmlformats.org/drawingml/2006/main" xmlns:r="http://schemas.openxmlformats.org/officeDocument/2006/relationships" xmlns:p="http://schemas.openxmlformats.org/presentationml/2006/main">
+  <p:cSld>
+    <p:spTree>
+      <p:nvGrpSpPr>
+        <p:cNvPr id="1" name=""/>
+        <p:cNvGrpSpPr/>
+        <p:nvPr/>
+      </p:nvGrpSpPr>
+      <p:grpSpPr>
+        <a:xfrm>
+          <a:off x="0" y="0"/>
+          <a:ext cx="0" cy="0"/>
+          <a:chOff x="0" y="0"/>
+          <a:chExt cx="0" cy="0"/>
+        </a:xfrm>
+      </p:grpSpPr>
+      <p:sp>
+        <p:nvSpPr>
+          <p:cNvPr id="2" name="Title 1">
+            <a:extLst>
+              <a:ext uri="{FF2B5EF4-FFF2-40B4-BE49-F238E27FC236}">
+                <a16:creationId xmlns:a16="http://schemas.microsoft.com/office/drawing/2014/main" id="{348397C1-A147-42F6-8AF5-33AF5868C7CC}"/>
+              </a:ext>
+            </a:extLst>
+          </p:cNvPr>
+          <p:cNvSpPr>
+            <a:spLocks noGrp="1"/>
+          </p:cNvSpPr>
+          <p:nvPr>
+            <p:ph type="title"/>
+          </p:nvPr>
+        </p:nvSpPr>
+        <p:spPr/>
+        <p:txBody>
+          <a:bodyPr/>
+          <a:lstStyle/>
+          <a:p>
+            <a:r>
+              <a:rPr lang="de-AT" dirty="0"/>
+              <a:t>Zusammenfassung </a:t>
+            </a:r>
+            <a:r>
+              <a:rPr lang="de-AT" dirty="0" err="1">
+                <a:latin typeface="Consolas" panose="020B0609020204030204" pitchFamily="49" charset="0"/>
+              </a:rPr>
+              <a:t>grant_type</a:t>
+            </a:r>
+            <a:r>
+              <a:rPr lang="de-AT" sz="4000" dirty="0" err="1">
+                <a:latin typeface="+mn-lt"/>
+              </a:rPr>
+              <a:t>s</a:t>
+            </a:r>
+            <a:endParaRPr lang="en-US" dirty="0">
+              <a:latin typeface="+mn-lt"/>
+            </a:endParaRPr>
+          </a:p>
+        </p:txBody>
+      </p:sp>
+      <p:graphicFrame>
+        <p:nvGraphicFramePr>
+          <p:cNvPr id="3" name="Table 2">
+            <a:extLst>
+              <a:ext uri="{FF2B5EF4-FFF2-40B4-BE49-F238E27FC236}">
+                <a16:creationId xmlns:a16="http://schemas.microsoft.com/office/drawing/2014/main" id="{92A1B128-AAB2-47F0-9CD1-9CCC30105557}"/>
+              </a:ext>
+            </a:extLst>
+          </p:cNvPr>
+          <p:cNvGraphicFramePr>
+            <a:graphicFrameLocks noGrp="1"/>
+          </p:cNvGraphicFramePr>
+          <p:nvPr>
+            <p:extLst>
+              <p:ext uri="{D42A27DB-BD31-4B8C-83A1-F6EECF244321}">
+                <p14:modId xmlns:p14="http://schemas.microsoft.com/office/powerpoint/2010/main" val="741432363"/>
+              </p:ext>
+            </p:extLst>
+          </p:nvPr>
+        </p:nvGraphicFramePr>
+        <p:xfrm>
+          <a:off x="3897834" y="1690688"/>
+          <a:ext cx="4396332" cy="4710784"/>
+        </p:xfrm>
+        <a:graphic>
+          <a:graphicData uri="http://schemas.openxmlformats.org/drawingml/2006/table">
+            <a:tbl>
+              <a:tblPr firstRow="1" bandRow="1">
+                <a:tableStyleId>{5940675A-B579-460E-94D1-54222C63F5DA}</a:tableStyleId>
+              </a:tblPr>
+              <a:tblGrid>
+                <a:gridCol w="2198166">
+                  <a:extLst>
+                    <a:ext uri="{9D8B030D-6E8A-4147-A177-3AD203B41FA5}">
+                      <a16:colId xmlns:a16="http://schemas.microsoft.com/office/drawing/2014/main" val="1929636500"/>
+                    </a:ext>
+                  </a:extLst>
+                </a:gridCol>
+                <a:gridCol w="2198166">
+                  <a:extLst>
+                    <a:ext uri="{9D8B030D-6E8A-4147-A177-3AD203B41FA5}">
+                      <a16:colId xmlns:a16="http://schemas.microsoft.com/office/drawing/2014/main" val="395898648"/>
+                    </a:ext>
+                  </a:extLst>
+                </a:gridCol>
+              </a:tblGrid>
+              <a:tr h="611391">
+                <a:tc>
+                  <a:txBody>
+                    <a:bodyPr/>
+                    <a:lstStyle/>
+                    <a:p>
+                      <a:pPr algn="ctr"/>
+                      <a:endParaRPr lang="en-US" sz="1500" dirty="0">
+                        <a:solidFill>
+                          <a:schemeClr val="bg1"/>
+                        </a:solidFill>
+                      </a:endParaRPr>
+                    </a:p>
+                  </a:txBody>
+                  <a:tcPr marL="75428" marR="75428" marT="37714" marB="37714" anchor="ctr">
+                    <a:solidFill>
+                      <a:schemeClr val="tx1"/>
+                    </a:solidFill>
+                  </a:tcPr>
+                </a:tc>
+                <a:tc>
+                  <a:txBody>
+                    <a:bodyPr/>
+                    <a:lstStyle/>
+                    <a:p>
+                      <a:pPr algn="ctr"/>
+                      <a:r>
+                        <a:rPr lang="de-AT" sz="1500" dirty="0" err="1">
+                          <a:solidFill>
+                            <a:schemeClr val="bg1"/>
+                          </a:solidFill>
+                        </a:rPr>
+                        <a:t>grant_type</a:t>
+                      </a:r>
+                      <a:endParaRPr lang="en-US" sz="1500" dirty="0">
+                        <a:solidFill>
+                          <a:schemeClr val="bg1"/>
+                        </a:solidFill>
+                      </a:endParaRPr>
+                    </a:p>
+                  </a:txBody>
+                  <a:tcPr marL="75428" marR="75428" marT="37714" marB="37714" anchor="ctr">
+                    <a:solidFill>
+                      <a:schemeClr val="tx1"/>
+                    </a:solidFill>
+                  </a:tcPr>
+                </a:tc>
+                <a:extLst>
+                  <a:ext uri="{0D108BD9-81ED-4DB2-BD59-A6C34878D82A}">
+                    <a16:rowId xmlns:a16="http://schemas.microsoft.com/office/drawing/2014/main" val="1928875511"/>
+                  </a:ext>
+                </a:extLst>
+              </a:tr>
+              <a:tr h="751996">
+                <a:tc>
+                  <a:txBody>
+                    <a:bodyPr/>
+                    <a:lstStyle/>
+                    <a:p>
+                      <a:pPr algn="ctr"/>
+                      <a:r>
+                        <a:rPr lang="de-AT" sz="1500" i="0" dirty="0"/>
+                        <a:t>Client </a:t>
+                      </a:r>
+                      <a:r>
+                        <a:rPr lang="de-AT" sz="1500" i="0" dirty="0" err="1"/>
+                        <a:t>Credential</a:t>
+                      </a:r>
+                      <a:r>
+                        <a:rPr lang="de-AT" sz="1500" i="0" dirty="0"/>
+                        <a:t> Grant</a:t>
+                      </a:r>
+                      <a:endParaRPr lang="en-US" sz="1500" i="0" dirty="0"/>
+                    </a:p>
+                  </a:txBody>
+                  <a:tcPr marL="75428" marR="75428" marT="37714" marB="37714" anchor="ctr">
+                    <a:solidFill>
+                      <a:schemeClr val="bg1">
+                        <a:lumMod val="85000"/>
+                      </a:schemeClr>
+                    </a:solidFill>
+                  </a:tcPr>
+                </a:tc>
+                <a:tc>
+                  <a:txBody>
+                    <a:bodyPr/>
+                    <a:lstStyle/>
+                    <a:p>
+                      <a:pPr algn="l"/>
+                      <a:r>
+                        <a:rPr lang="de-AT" sz="1500" dirty="0" err="1">
+                          <a:latin typeface="Consolas" panose="020B0609020204030204" pitchFamily="49" charset="0"/>
+                        </a:rPr>
+                        <a:t>client_credential</a:t>
+                      </a:r>
+                      <a:endParaRPr lang="en-US" sz="1500" dirty="0">
+                        <a:latin typeface="Consolas" panose="020B0609020204030204" pitchFamily="49" charset="0"/>
+                      </a:endParaRPr>
+                    </a:p>
+                  </a:txBody>
+                  <a:tcPr marL="75428" marR="75428" marT="37714" marB="37714" anchor="ctr"/>
+                </a:tc>
+                <a:extLst>
+                  <a:ext uri="{0D108BD9-81ED-4DB2-BD59-A6C34878D82A}">
+                    <a16:rowId xmlns:a16="http://schemas.microsoft.com/office/drawing/2014/main" val="1320869910"/>
+                  </a:ext>
+                </a:extLst>
+              </a:tr>
+              <a:tr h="751996">
+                <a:tc>
+                  <a:txBody>
+                    <a:bodyPr/>
+                    <a:lstStyle/>
+                    <a:p>
+                      <a:pPr marL="0" marR="0" lvl="0" indent="0" algn="ctr" defTabSz="914400" rtl="0" eaLnBrk="1" fontAlgn="auto" latinLnBrk="0" hangingPunct="1">
+                        <a:lnSpc>
+                          <a:spcPct val="100000"/>
+                        </a:lnSpc>
+                        <a:spcBef>
+                          <a:spcPts val="0"/>
+                        </a:spcBef>
+                        <a:spcAft>
+                          <a:spcPts val="0"/>
+                        </a:spcAft>
+                        <a:buClrTx/>
+                        <a:buSzTx/>
+                        <a:buFontTx/>
+                        <a:buNone/>
+                        <a:tabLst/>
+                        <a:defRPr/>
+                      </a:pPr>
+                      <a:r>
+                        <a:rPr lang="de-AT" sz="1500" i="0" dirty="0" err="1"/>
+                        <a:t>Resource</a:t>
+                      </a:r>
+                      <a:r>
+                        <a:rPr lang="de-AT" sz="1500" i="0" dirty="0"/>
+                        <a:t> </a:t>
+                      </a:r>
+                      <a:r>
+                        <a:rPr lang="de-AT" sz="1500" i="0" dirty="0" err="1"/>
+                        <a:t>Owner</a:t>
+                      </a:r>
+                      <a:r>
+                        <a:rPr lang="de-AT" sz="1500" i="0" dirty="0"/>
+                        <a:t> Password Grant</a:t>
+                      </a:r>
+                      <a:endParaRPr lang="en-US" sz="1500" i="0" dirty="0"/>
+                    </a:p>
+                  </a:txBody>
+                  <a:tcPr marL="75428" marR="75428" marT="37714" marB="37714" anchor="ctr">
+                    <a:solidFill>
+                      <a:schemeClr val="bg1">
+                        <a:lumMod val="85000"/>
+                      </a:schemeClr>
+                    </a:solidFill>
+                  </a:tcPr>
+                </a:tc>
+                <a:tc>
+                  <a:txBody>
+                    <a:bodyPr/>
+                    <a:lstStyle/>
+                    <a:p>
+                      <a:pPr algn="l"/>
+                      <a:r>
+                        <a:rPr lang="de-AT" sz="1500" dirty="0" err="1">
+                          <a:latin typeface="Consolas" panose="020B0609020204030204" pitchFamily="49" charset="0"/>
+                        </a:rPr>
+                        <a:t>password</a:t>
+                      </a:r>
+                      <a:endParaRPr lang="en-US" sz="1500" dirty="0">
+                        <a:latin typeface="Consolas" panose="020B0609020204030204" pitchFamily="49" charset="0"/>
+                      </a:endParaRPr>
+                    </a:p>
+                  </a:txBody>
+                  <a:tcPr marL="75428" marR="75428" marT="37714" marB="37714" anchor="ctr"/>
+                </a:tc>
+                <a:extLst>
+                  <a:ext uri="{0D108BD9-81ED-4DB2-BD59-A6C34878D82A}">
+                    <a16:rowId xmlns:a16="http://schemas.microsoft.com/office/drawing/2014/main" val="685321953"/>
+                  </a:ext>
+                </a:extLst>
+              </a:tr>
+              <a:tr h="611391">
+                <a:tc>
+                  <a:txBody>
+                    <a:bodyPr/>
+                    <a:lstStyle/>
+                    <a:p>
+                      <a:pPr marL="0" marR="0" lvl="0" indent="0" algn="ctr" defTabSz="914400" rtl="0" eaLnBrk="1" fontAlgn="auto" latinLnBrk="0" hangingPunct="1">
+                        <a:lnSpc>
+                          <a:spcPct val="100000"/>
+                        </a:lnSpc>
+                        <a:spcBef>
+                          <a:spcPts val="0"/>
+                        </a:spcBef>
+                        <a:spcAft>
+                          <a:spcPts val="0"/>
+                        </a:spcAft>
+                        <a:buClrTx/>
+                        <a:buSzTx/>
+                        <a:buFontTx/>
+                        <a:buNone/>
+                        <a:tabLst/>
+                        <a:defRPr/>
+                      </a:pPr>
+                      <a:r>
+                        <a:rPr lang="de-AT" sz="1500" i="0" dirty="0" err="1"/>
+                        <a:t>Authorization</a:t>
+                      </a:r>
+                      <a:r>
+                        <a:rPr lang="de-AT" sz="1500" i="0" dirty="0"/>
+                        <a:t> Code Flow</a:t>
+                      </a:r>
+                      <a:endParaRPr lang="en-US" sz="1500" i="0" dirty="0"/>
+                    </a:p>
+                  </a:txBody>
+                  <a:tcPr marL="75428" marR="75428" marT="37714" marB="37714" anchor="ctr">
+                    <a:solidFill>
+                      <a:schemeClr val="bg1">
+                        <a:lumMod val="85000"/>
+                      </a:schemeClr>
+                    </a:solidFill>
+                  </a:tcPr>
+                </a:tc>
+                <a:tc>
+                  <a:txBody>
+                    <a:bodyPr/>
+                    <a:lstStyle/>
+                    <a:p>
+                      <a:pPr algn="l"/>
+                      <a:r>
+                        <a:rPr lang="de-AT" sz="1500" dirty="0">
+                          <a:latin typeface="Consolas" panose="020B0609020204030204" pitchFamily="49" charset="0"/>
+                        </a:rPr>
+                        <a:t>code</a:t>
+                      </a:r>
+                    </a:p>
+                  </a:txBody>
+                  <a:tcPr marL="75428" marR="75428" marT="37714" marB="37714" anchor="ctr"/>
+                </a:tc>
+                <a:extLst>
+                  <a:ext uri="{0D108BD9-81ED-4DB2-BD59-A6C34878D82A}">
+                    <a16:rowId xmlns:a16="http://schemas.microsoft.com/office/drawing/2014/main" val="356802342"/>
+                  </a:ext>
+                </a:extLst>
+              </a:tr>
+              <a:tr h="611391">
+                <a:tc>
+                  <a:txBody>
+                    <a:bodyPr/>
+                    <a:lstStyle/>
+                    <a:p>
+                      <a:pPr marL="0" marR="0" lvl="0" indent="0" algn="ctr" defTabSz="914400" rtl="0" eaLnBrk="1" fontAlgn="auto" latinLnBrk="0" hangingPunct="1">
+                        <a:lnSpc>
+                          <a:spcPct val="100000"/>
+                        </a:lnSpc>
+                        <a:spcBef>
+                          <a:spcPts val="0"/>
+                        </a:spcBef>
+                        <a:spcAft>
+                          <a:spcPts val="0"/>
+                        </a:spcAft>
+                        <a:buClrTx/>
+                        <a:buSzTx/>
+                        <a:buFontTx/>
+                        <a:buNone/>
+                        <a:tabLst/>
+                        <a:defRPr/>
+                      </a:pPr>
+                      <a:r>
+                        <a:rPr lang="de-AT" sz="1500" i="0" dirty="0" err="1"/>
+                        <a:t>Implicit</a:t>
+                      </a:r>
+                      <a:r>
+                        <a:rPr lang="de-AT" sz="1500" i="0" dirty="0"/>
+                        <a:t> </a:t>
+                      </a:r>
+                      <a:r>
+                        <a:rPr lang="de-AT" sz="1500" i="0"/>
+                        <a:t>Code Flow</a:t>
+                      </a:r>
+                      <a:endParaRPr lang="en-US" sz="1500" i="0" dirty="0"/>
+                    </a:p>
+                  </a:txBody>
+                  <a:tcPr marL="75428" marR="75428" marT="37714" marB="37714" anchor="ctr">
+                    <a:solidFill>
+                      <a:schemeClr val="bg1">
+                        <a:lumMod val="85000"/>
+                      </a:schemeClr>
+                    </a:solidFill>
+                  </a:tcPr>
+                </a:tc>
+                <a:tc>
+                  <a:txBody>
+                    <a:bodyPr/>
+                    <a:lstStyle/>
+                    <a:p>
+                      <a:pPr algn="l"/>
+                      <a:r>
+                        <a:rPr lang="de-AT" sz="1500" dirty="0" err="1">
+                          <a:latin typeface="Consolas" panose="020B0609020204030204" pitchFamily="49" charset="0"/>
+                        </a:rPr>
+                        <a:t>id_token</a:t>
+                      </a:r>
+                      <a:endParaRPr lang="de-AT" sz="1500" dirty="0">
+                        <a:latin typeface="Consolas" panose="020B0609020204030204" pitchFamily="49" charset="0"/>
+                      </a:endParaRPr>
+                    </a:p>
+                    <a:p>
+                      <a:pPr algn="l"/>
+                      <a:r>
+                        <a:rPr lang="de-AT" sz="1500" dirty="0" err="1">
+                          <a:latin typeface="Consolas" panose="020B0609020204030204" pitchFamily="49" charset="0"/>
+                        </a:rPr>
+                        <a:t>id_token</a:t>
+                      </a:r>
+                      <a:r>
+                        <a:rPr lang="de-AT" sz="1500" dirty="0">
+                          <a:latin typeface="Consolas" panose="020B0609020204030204" pitchFamily="49" charset="0"/>
+                        </a:rPr>
+                        <a:t> </a:t>
+                      </a:r>
+                      <a:r>
+                        <a:rPr lang="de-AT" sz="1500" dirty="0" err="1">
+                          <a:latin typeface="Consolas" panose="020B0609020204030204" pitchFamily="49" charset="0"/>
+                        </a:rPr>
+                        <a:t>token</a:t>
+                      </a:r>
+                      <a:endParaRPr lang="de-AT" sz="1500" dirty="0">
+                        <a:latin typeface="Consolas" panose="020B0609020204030204" pitchFamily="49" charset="0"/>
+                      </a:endParaRPr>
+                    </a:p>
+                  </a:txBody>
+                  <a:tcPr marL="75428" marR="75428" marT="37714" marB="37714" anchor="ctr"/>
+                </a:tc>
+                <a:extLst>
+                  <a:ext uri="{0D108BD9-81ED-4DB2-BD59-A6C34878D82A}">
+                    <a16:rowId xmlns:a16="http://schemas.microsoft.com/office/drawing/2014/main" val="1447987830"/>
+                  </a:ext>
+                </a:extLst>
+              </a:tr>
+              <a:tr h="754276">
+                <a:tc>
+                  <a:txBody>
+                    <a:bodyPr/>
+                    <a:lstStyle/>
+                    <a:p>
+                      <a:pPr marL="0" marR="0" lvl="0" indent="0" algn="ctr" defTabSz="914400" rtl="0" eaLnBrk="1" fontAlgn="auto" latinLnBrk="0" hangingPunct="1">
+                        <a:lnSpc>
+                          <a:spcPct val="100000"/>
+                        </a:lnSpc>
+                        <a:spcBef>
+                          <a:spcPts val="0"/>
+                        </a:spcBef>
+                        <a:spcAft>
+                          <a:spcPts val="0"/>
+                        </a:spcAft>
+                        <a:buClrTx/>
+                        <a:buSzTx/>
+                        <a:buFontTx/>
+                        <a:buNone/>
+                        <a:tabLst/>
+                        <a:defRPr/>
+                      </a:pPr>
+                      <a:r>
+                        <a:rPr lang="de-AT" sz="1500" i="0" dirty="0"/>
+                        <a:t>Hybrid Flow</a:t>
+                      </a:r>
+                      <a:endParaRPr lang="en-US" sz="1500" i="0" dirty="0"/>
+                    </a:p>
+                  </a:txBody>
+                  <a:tcPr marL="75428" marR="75428" marT="37714" marB="37714" anchor="ctr">
+                    <a:solidFill>
+                      <a:schemeClr val="bg1">
+                        <a:lumMod val="85000"/>
+                      </a:schemeClr>
+                    </a:solidFill>
+                  </a:tcPr>
+                </a:tc>
+                <a:tc>
+                  <a:txBody>
+                    <a:bodyPr/>
+                    <a:lstStyle/>
+                    <a:p>
+                      <a:pPr algn="l"/>
+                      <a:r>
+                        <a:rPr lang="de-AT" sz="1500" dirty="0">
+                          <a:latin typeface="Consolas" panose="020B0609020204030204" pitchFamily="49" charset="0"/>
+                        </a:rPr>
+                        <a:t>code </a:t>
+                      </a:r>
+                      <a:r>
+                        <a:rPr lang="de-AT" sz="1500" dirty="0" err="1">
+                          <a:latin typeface="Consolas" panose="020B0609020204030204" pitchFamily="49" charset="0"/>
+                        </a:rPr>
+                        <a:t>id_token</a:t>
+                      </a:r>
+                      <a:endParaRPr lang="de-AT" sz="1500" dirty="0">
+                        <a:latin typeface="Consolas" panose="020B0609020204030204" pitchFamily="49" charset="0"/>
+                      </a:endParaRPr>
+                    </a:p>
+                    <a:p>
+                      <a:pPr algn="l"/>
+                      <a:r>
+                        <a:rPr lang="de-AT" sz="1500" dirty="0">
+                          <a:latin typeface="Consolas" panose="020B0609020204030204" pitchFamily="49" charset="0"/>
+                        </a:rPr>
+                        <a:t>code </a:t>
+                      </a:r>
+                      <a:r>
+                        <a:rPr lang="de-AT" sz="1500" dirty="0" err="1">
+                          <a:latin typeface="Consolas" panose="020B0609020204030204" pitchFamily="49" charset="0"/>
+                        </a:rPr>
+                        <a:t>token</a:t>
+                      </a:r>
+                      <a:endParaRPr lang="de-AT" sz="1500" dirty="0">
+                        <a:latin typeface="Consolas" panose="020B0609020204030204" pitchFamily="49" charset="0"/>
+                      </a:endParaRPr>
+                    </a:p>
+                    <a:p>
+                      <a:pPr algn="l"/>
+                      <a:r>
+                        <a:rPr lang="de-AT" sz="1500" dirty="0" err="1">
+                          <a:latin typeface="Consolas" panose="020B0609020204030204" pitchFamily="49" charset="0"/>
+                        </a:rPr>
+                        <a:t>code</a:t>
+                      </a:r>
+                      <a:r>
+                        <a:rPr lang="de-AT" sz="1500" dirty="0">
+                          <a:latin typeface="Consolas" panose="020B0609020204030204" pitchFamily="49" charset="0"/>
+                        </a:rPr>
+                        <a:t> </a:t>
+                      </a:r>
+                      <a:r>
+                        <a:rPr lang="de-AT" sz="1500" dirty="0" err="1">
+                          <a:latin typeface="Consolas" panose="020B0609020204030204" pitchFamily="49" charset="0"/>
+                        </a:rPr>
+                        <a:t>id_token</a:t>
+                      </a:r>
+                      <a:r>
+                        <a:rPr lang="de-AT" sz="1500" dirty="0">
+                          <a:latin typeface="Consolas" panose="020B0609020204030204" pitchFamily="49" charset="0"/>
+                        </a:rPr>
+                        <a:t> </a:t>
+                      </a:r>
+                      <a:r>
+                        <a:rPr lang="de-AT" sz="1500" dirty="0" err="1">
+                          <a:latin typeface="Consolas" panose="020B0609020204030204" pitchFamily="49" charset="0"/>
+                        </a:rPr>
+                        <a:t>token</a:t>
+                      </a:r>
+                      <a:endParaRPr lang="de-AT" sz="1500" dirty="0">
+                        <a:latin typeface="Consolas" panose="020B0609020204030204" pitchFamily="49" charset="0"/>
+                      </a:endParaRPr>
+                    </a:p>
+                  </a:txBody>
+                  <a:tcPr marL="75428" marR="75428" marT="37714" marB="37714" anchor="ctr"/>
+                </a:tc>
+                <a:extLst>
+                  <a:ext uri="{0D108BD9-81ED-4DB2-BD59-A6C34878D82A}">
+                    <a16:rowId xmlns:a16="http://schemas.microsoft.com/office/drawing/2014/main" val="757970485"/>
+                  </a:ext>
+                </a:extLst>
+              </a:tr>
+              <a:tr h="611391">
+                <a:tc>
+                  <a:txBody>
+                    <a:bodyPr/>
+                    <a:lstStyle/>
+                    <a:p>
+                      <a:pPr marL="0" marR="0" lvl="0" indent="0" algn="ctr" defTabSz="914400" rtl="0" eaLnBrk="1" fontAlgn="auto" latinLnBrk="0" hangingPunct="1">
+                        <a:lnSpc>
+                          <a:spcPct val="100000"/>
+                        </a:lnSpc>
+                        <a:spcBef>
+                          <a:spcPts val="0"/>
+                        </a:spcBef>
+                        <a:spcAft>
+                          <a:spcPts val="0"/>
+                        </a:spcAft>
+                        <a:buClrTx/>
+                        <a:buSzTx/>
+                        <a:buFontTx/>
+                        <a:buNone/>
+                        <a:tabLst/>
+                        <a:defRPr/>
+                      </a:pPr>
+                      <a:r>
+                        <a:rPr lang="de-AT" sz="1500" i="0" dirty="0"/>
+                        <a:t>Device </a:t>
+                      </a:r>
+                      <a:r>
+                        <a:rPr lang="de-AT" sz="1500" i="0" dirty="0" err="1"/>
+                        <a:t>Authorization</a:t>
+                      </a:r>
+                      <a:r>
+                        <a:rPr lang="de-AT" sz="1500" i="0" dirty="0"/>
+                        <a:t> Grant</a:t>
+                      </a:r>
+                      <a:endParaRPr lang="en-US" sz="1500" i="0" dirty="0"/>
+                    </a:p>
+                  </a:txBody>
+                  <a:tcPr marL="75428" marR="75428" marT="37714" marB="37714" anchor="ctr">
+                    <a:solidFill>
+                      <a:schemeClr val="bg1">
+                        <a:lumMod val="85000"/>
+                      </a:schemeClr>
+                    </a:solidFill>
+                  </a:tcPr>
+                </a:tc>
+                <a:tc>
+                  <a:txBody>
+                    <a:bodyPr/>
+                    <a:lstStyle/>
+                    <a:p>
+                      <a:pPr algn="l"/>
+                      <a:r>
+                        <a:rPr lang="en-US" sz="1500" b="0" i="0" kern="1200" dirty="0" err="1">
+                          <a:solidFill>
+                            <a:schemeClr val="tx1"/>
+                          </a:solidFill>
+                          <a:effectLst/>
+                          <a:latin typeface="Consolas" panose="020B0609020204030204" pitchFamily="49" charset="0"/>
+                          <a:ea typeface="+mn-ea"/>
+                          <a:cs typeface="+mn-cs"/>
+                        </a:rPr>
+                        <a:t>device_code</a:t>
+                      </a:r>
+                      <a:endParaRPr lang="de-AT" sz="1500" b="0" dirty="0">
+                        <a:latin typeface="Consolas" panose="020B0609020204030204" pitchFamily="49" charset="0"/>
+                      </a:endParaRPr>
+                    </a:p>
+                  </a:txBody>
+                  <a:tcPr marL="75428" marR="75428" marT="37714" marB="37714" anchor="ctr"/>
+                </a:tc>
+                <a:extLst>
+                  <a:ext uri="{0D108BD9-81ED-4DB2-BD59-A6C34878D82A}">
+                    <a16:rowId xmlns:a16="http://schemas.microsoft.com/office/drawing/2014/main" val="3088025262"/>
+                  </a:ext>
+                </a:extLst>
+              </a:tr>
+            </a:tbl>
+          </a:graphicData>
+        </a:graphic>
+      </p:graphicFrame>
+    </p:spTree>
+    <p:extLst>
+      <p:ext uri="{BB962C8B-B14F-4D97-AF65-F5344CB8AC3E}">
+        <p14:creationId xmlns:p14="http://schemas.microsoft.com/office/powerpoint/2010/main" val="1154701325"/>
+      </p:ext>
+    </p:extLst>
+  </p:cSld>
+  <p:clrMapOvr>
+    <a:masterClrMapping/>
+  </p:clrMapOvr>
+</p:sld>
+</file>
+
+<file path=ppt/slides/slide52.xml><?xml version="1.0" encoding="utf-8"?>
+<p:sld xmlns:a="http://schemas.openxmlformats.org/drawingml/2006/main" xmlns:r="http://schemas.openxmlformats.org/officeDocument/2006/relationships" xmlns:p="http://schemas.openxmlformats.org/presentationml/2006/main">
+  <p:cSld>
+    <p:spTree>
+      <p:nvGrpSpPr>
+        <p:cNvPr id="1" name=""/>
+        <p:cNvGrpSpPr/>
+        <p:nvPr/>
+      </p:nvGrpSpPr>
+      <p:grpSpPr>
+        <a:xfrm>
+          <a:off x="0" y="0"/>
+          <a:ext cx="0" cy="0"/>
+          <a:chOff x="0" y="0"/>
+          <a:chExt cx="0" cy="0"/>
+        </a:xfrm>
+      </p:grpSpPr>
+      <p:sp>
+        <p:nvSpPr>
+          <p:cNvPr id="4" name="Title 3">
+            <a:extLst>
+              <a:ext uri="{FF2B5EF4-FFF2-40B4-BE49-F238E27FC236}">
+                <a16:creationId xmlns:a16="http://schemas.microsoft.com/office/drawing/2014/main" id="{2B4AA342-048F-4EC1-9AEC-58DB48876605}"/>
+              </a:ext>
+            </a:extLst>
+          </p:cNvPr>
+          <p:cNvSpPr>
+            <a:spLocks noGrp="1"/>
+          </p:cNvSpPr>
+          <p:nvPr>
+            <p:ph type="title"/>
+          </p:nvPr>
+        </p:nvSpPr>
+        <p:spPr/>
+        <p:txBody>
+          <a:bodyPr/>
+          <a:lstStyle/>
+          <a:p>
+            <a:r>
+              <a:rPr lang="de-AT" dirty="0"/>
+              <a:t>Weitere Aspekte</a:t>
+            </a:r>
+            <a:endParaRPr lang="en-US" dirty="0"/>
+          </a:p>
+        </p:txBody>
+      </p:sp>
+      <p:sp>
+        <p:nvSpPr>
+          <p:cNvPr id="3" name="Content Placeholder 2">
+            <a:extLst>
+              <a:ext uri="{FF2B5EF4-FFF2-40B4-BE49-F238E27FC236}">
+                <a16:creationId xmlns:a16="http://schemas.microsoft.com/office/drawing/2014/main" id="{4FE66D17-637A-4F3D-A319-D169687A7D29}"/>
+              </a:ext>
+            </a:extLst>
+          </p:cNvPr>
+          <p:cNvSpPr>
+            <a:spLocks noGrp="1"/>
+          </p:cNvSpPr>
+          <p:nvPr>
+            <p:ph idx="1"/>
+          </p:nvPr>
+        </p:nvSpPr>
+        <p:spPr/>
+        <p:txBody>
+          <a:bodyPr/>
+          <a:lstStyle/>
+          <a:p>
+            <a:pPr marL="0" indent="0">
+              <a:buNone/>
+            </a:pPr>
+            <a:r>
+              <a:rPr lang="de-AT" dirty="0"/>
+              <a:t>OAuth 2.0 und </a:t>
+            </a:r>
+            <a:r>
+              <a:rPr lang="de-AT" dirty="0" err="1"/>
+              <a:t>OpenID</a:t>
+            </a:r>
+            <a:r>
+              <a:rPr lang="de-AT" dirty="0"/>
+              <a:t> Connect definieren nicht alles</a:t>
+            </a:r>
+          </a:p>
+          <a:p>
+            <a:pPr marL="0" indent="0">
+              <a:buNone/>
+            </a:pPr>
+            <a:endParaRPr lang="de-AT" dirty="0"/>
+          </a:p>
+          <a:p>
+            <a:r>
+              <a:rPr lang="de-AT" dirty="0"/>
+              <a:t>Identity Store</a:t>
+            </a:r>
+          </a:p>
+        </p:txBody>
+      </p:sp>
+    </p:spTree>
+    <p:extLst>
+      <p:ext uri="{BB962C8B-B14F-4D97-AF65-F5344CB8AC3E}">
+        <p14:creationId xmlns:p14="http://schemas.microsoft.com/office/powerpoint/2010/main" val="1458868968"/>
+      </p:ext>
+    </p:extLst>
+  </p:cSld>
+  <p:clrMapOvr>
+    <a:masterClrMapping/>
+  </p:clrMapOvr>
+</p:sld>
+</file>
+
+<file path=ppt/slides/slide53.xml><?xml version="1.0" encoding="utf-8"?>
+<p:sld xmlns:a="http://schemas.openxmlformats.org/drawingml/2006/main" xmlns:r="http://schemas.openxmlformats.org/officeDocument/2006/relationships" xmlns:p="http://schemas.openxmlformats.org/presentationml/2006/main">
+  <p:cSld>
+    <p:spTree>
+      <p:nvGrpSpPr>
+        <p:cNvPr id="1" name=""/>
+        <p:cNvGrpSpPr/>
+        <p:nvPr/>
+      </p:nvGrpSpPr>
+      <p:grpSpPr>
+        <a:xfrm>
+          <a:off x="0" y="0"/>
+          <a:ext cx="0" cy="0"/>
+          <a:chOff x="0" y="0"/>
+          <a:chExt cx="0" cy="0"/>
+        </a:xfrm>
+      </p:grpSpPr>
+      <p:sp>
+        <p:nvSpPr>
+          <p:cNvPr id="2" name="Title 1">
+            <a:extLst>
+              <a:ext uri="{FF2B5EF4-FFF2-40B4-BE49-F238E27FC236}">
                 <a16:creationId xmlns:a16="http://schemas.microsoft.com/office/drawing/2014/main" id="{04A30FA5-BC0C-476B-88DD-73B4FBB9406C}"/>
               </a:ext>
             </a:extLst>
@@ -45630,7 +46952,7 @@
 </p:sld>
 </file>
 
-<file path=ppt/slides/slide51.xml><?xml version="1.0" encoding="utf-8"?>
+<file path=ppt/slides/slide54.xml><?xml version="1.0" encoding="utf-8"?>
 <p:sld xmlns:a="http://schemas.openxmlformats.org/drawingml/2006/main" xmlns:r="http://schemas.openxmlformats.org/officeDocument/2006/relationships" xmlns:p="http://schemas.openxmlformats.org/presentationml/2006/main">
   <p:cSld>
     <p:spTree>
@@ -45879,7 +47201,7 @@
 </p:sld>
 </file>
 
-<file path=ppt/slides/slide52.xml><?xml version="1.0" encoding="utf-8"?>
+<file path=ppt/slides/slide55.xml><?xml version="1.0" encoding="utf-8"?>
 <p:sld xmlns:a="http://schemas.openxmlformats.org/drawingml/2006/main" xmlns:r="http://schemas.openxmlformats.org/officeDocument/2006/relationships" xmlns:p="http://schemas.openxmlformats.org/presentationml/2006/main" show="0">
   <p:cSld>
     <p:spTree>
